--- a/Swift세미나자료.pptx
+++ b/Swift세미나자료.pptx
@@ -16,6 +16,14 @@
     <p:sldId id="264" r:id="rId10"/>
     <p:sldId id="265" r:id="rId11"/>
     <p:sldId id="266" r:id="rId12"/>
+    <p:sldId id="267" r:id="rId13"/>
+    <p:sldId id="269" r:id="rId14"/>
+    <p:sldId id="270" r:id="rId15"/>
+    <p:sldId id="271" r:id="rId16"/>
+    <p:sldId id="268" r:id="rId17"/>
+    <p:sldId id="272" r:id="rId18"/>
+    <p:sldId id="273" r:id="rId19"/>
+    <p:sldId id="274" r:id="rId20"/>
   </p:sldIdLst>
   <p:sldSz cx="9144000" cy="6858000" type="screen4x3"/>
   <p:notesSz cx="6858000" cy="9144000"/>
@@ -114,6 +122,22 @@
       </a:defRPr>
     </a:lvl9pPr>
   </p:defaultTextStyle>
+  <p:extLst>
+    <p:ext uri="{EFAFB233-063F-42B5-8137-9DF3F51BA10A}">
+      <p15:sldGuideLst xmlns:p15="http://schemas.microsoft.com/office/powerpoint/2012/main">
+        <p15:guide id="1" orient="horz" pos="2160">
+          <p15:clr>
+            <a:srgbClr val="A4A3A4"/>
+          </p15:clr>
+        </p15:guide>
+        <p15:guide id="2" pos="2880">
+          <p15:clr>
+            <a:srgbClr val="A4A3A4"/>
+          </p15:clr>
+        </p15:guide>
+      </p15:sldGuideLst>
+    </p:ext>
+  </p:extLst>
 </p:presentation>
 </file>
 
@@ -147,9 +171,7 @@
         <p:spPr/>
         <p:txBody>
           <a:bodyPr/>
-          <a:lstStyle>
-            <a:extLst/>
-          </a:lstStyle>
+          <a:lstStyle/>
           <a:p>
             <a:fld id="{7BD332C6-334E-4F1C-B658-24FEC90472A2}" type="datetimeFigureOut">
               <a:rPr lang="ko-KR" altLang="en-US" smtClean="0"/>
@@ -172,9 +194,7 @@
         <p:spPr/>
         <p:txBody>
           <a:bodyPr/>
-          <a:lstStyle>
-            <a:extLst/>
-          </a:lstStyle>
+          <a:lstStyle/>
           <a:p>
             <a:endParaRPr lang="ko-KR" altLang="en-US"/>
           </a:p>
@@ -193,9 +213,7 @@
         <p:spPr/>
         <p:txBody>
           <a:bodyPr/>
-          <a:lstStyle>
-            <a:extLst/>
-          </a:lstStyle>
+          <a:lstStyle/>
           <a:p>
             <a:fld id="{7883653F-12CF-49FA-8FD2-298086A20844}" type="slidenum">
               <a:rPr lang="ko-KR" altLang="en-US" smtClean="0"/>
@@ -246,9 +264,7 @@
         </p:style>
         <p:txBody>
           <a:bodyPr anchor="ctr"/>
-          <a:lstStyle>
-            <a:extLst/>
-          </a:lstStyle>
+          <a:lstStyle/>
           <a:p>
             <a:pPr algn="ctr" eaLnBrk="1" latinLnBrk="0" hangingPunct="1"/>
             <a:endParaRPr kumimoji="0" lang="en-US"/>
@@ -294,9 +310,7 @@
         </p:style>
         <p:txBody>
           <a:bodyPr anchor="ctr"/>
-          <a:lstStyle>
-            <a:extLst/>
-          </a:lstStyle>
+          <a:lstStyle/>
           <a:p>
             <a:pPr algn="ctr" eaLnBrk="1" latinLnBrk="0" hangingPunct="1"/>
             <a:endParaRPr kumimoji="0" lang="en-US" dirty="0"/>
@@ -342,9 +356,7 @@
         </p:style>
         <p:txBody>
           <a:bodyPr anchor="ctr"/>
-          <a:lstStyle>
-            <a:extLst/>
-          </a:lstStyle>
+          <a:lstStyle/>
           <a:p>
             <a:pPr algn="ctr" eaLnBrk="1" latinLnBrk="0" hangingPunct="1"/>
             <a:endParaRPr kumimoji="0" lang="en-US" dirty="0"/>
@@ -390,9 +402,7 @@
         </p:style>
         <p:txBody>
           <a:bodyPr anchor="ctr"/>
-          <a:lstStyle>
-            <a:extLst/>
-          </a:lstStyle>
+          <a:lstStyle/>
           <a:p>
             <a:pPr algn="ctr" eaLnBrk="1" latinLnBrk="0" hangingPunct="1"/>
             <a:endParaRPr kumimoji="0" lang="en-US"/>
@@ -438,9 +448,7 @@
         </p:style>
         <p:txBody>
           <a:bodyPr anchor="ctr"/>
-          <a:lstStyle>
-            <a:extLst/>
-          </a:lstStyle>
+          <a:lstStyle/>
           <a:p>
             <a:pPr algn="ctr" eaLnBrk="1" latinLnBrk="0" hangingPunct="1"/>
             <a:endParaRPr kumimoji="0" lang="en-US" dirty="0"/>
@@ -590,9 +598,7 @@
         </p:style>
         <p:txBody>
           <a:bodyPr anchor="ctr"/>
-          <a:lstStyle>
-            <a:extLst/>
-          </a:lstStyle>
+          <a:lstStyle/>
           <a:p>
             <a:pPr algn="ctr" eaLnBrk="1" latinLnBrk="0" hangingPunct="1"/>
             <a:endParaRPr kumimoji="0" lang="en-US"/>
@@ -640,9 +646,7 @@
         </p:style>
         <p:txBody>
           <a:bodyPr anchor="ctr"/>
-          <a:lstStyle>
-            <a:extLst/>
-          </a:lstStyle>
+          <a:lstStyle/>
           <a:p>
             <a:pPr algn="ctr" eaLnBrk="1" latinLnBrk="0" hangingPunct="1"/>
             <a:endParaRPr kumimoji="0" lang="en-US"/>
@@ -688,9 +692,7 @@
         </p:style>
         <p:txBody>
           <a:bodyPr anchor="ctr"/>
-          <a:lstStyle>
-            <a:extLst/>
-          </a:lstStyle>
+          <a:lstStyle/>
           <a:p>
             <a:pPr algn="ctr" eaLnBrk="1" latinLnBrk="0" hangingPunct="1"/>
             <a:endParaRPr kumimoji="0" lang="en-US"/>
@@ -738,9 +740,7 @@
         </p:style>
         <p:txBody>
           <a:bodyPr anchor="ctr"/>
-          <a:lstStyle>
-            <a:extLst/>
-          </a:lstStyle>
+          <a:lstStyle/>
           <a:p>
             <a:pPr algn="ctr" eaLnBrk="1" latinLnBrk="0" hangingPunct="1"/>
             <a:endParaRPr kumimoji="0" lang="en-US" dirty="0"/>
@@ -752,6 +752,13 @@
   <p:clrMapOvr>
     <a:masterClrMapping/>
   </p:clrMapOvr>
+  <p:timing>
+    <p:tnLst>
+      <p:par>
+        <p:cTn id="1" dur="indefinite" restart="never" nodeType="tmRoot"/>
+      </p:par>
+    </p:tnLst>
+  </p:timing>
 </p:sldLayout>
 </file>
 
@@ -785,9 +792,7 @@
         <p:spPr/>
         <p:txBody>
           <a:bodyPr/>
-          <a:lstStyle>
-            <a:extLst/>
-          </a:lstStyle>
+          <a:lstStyle/>
           <a:p>
             <a:r>
               <a:rPr kumimoji="0" lang="ko-KR" altLang="en-US" smtClean="0"/>
@@ -810,9 +815,7 @@
         <p:spPr/>
         <p:txBody>
           <a:bodyPr vert="eaVert"/>
-          <a:lstStyle>
-            <a:extLst/>
-          </a:lstStyle>
+          <a:lstStyle/>
           <a:p>
             <a:pPr lvl="0" eaLnBrk="1" latinLnBrk="0" hangingPunct="1"/>
             <a:r>
@@ -864,9 +867,7 @@
         <p:spPr/>
         <p:txBody>
           <a:bodyPr/>
-          <a:lstStyle>
-            <a:extLst/>
-          </a:lstStyle>
+          <a:lstStyle/>
           <a:p>
             <a:fld id="{7BD332C6-334E-4F1C-B658-24FEC90472A2}" type="datetimeFigureOut">
               <a:rPr lang="ko-KR" altLang="en-US" smtClean="0"/>
@@ -889,9 +890,7 @@
         <p:spPr/>
         <p:txBody>
           <a:bodyPr/>
-          <a:lstStyle>
-            <a:extLst/>
-          </a:lstStyle>
+          <a:lstStyle/>
           <a:p>
             <a:endParaRPr lang="ko-KR" altLang="en-US"/>
           </a:p>
@@ -910,9 +909,7 @@
         <p:spPr/>
         <p:txBody>
           <a:bodyPr/>
-          <a:lstStyle>
-            <a:extLst/>
-          </a:lstStyle>
+          <a:lstStyle/>
           <a:p>
             <a:fld id="{7883653F-12CF-49FA-8FD2-298086A20844}" type="slidenum">
               <a:rPr lang="ko-KR" altLang="en-US" smtClean="0"/>
@@ -965,9 +962,7 @@
         </p:spPr>
         <p:txBody>
           <a:bodyPr vert="eaVert" anchor="ctr"/>
-          <a:lstStyle>
-            <a:extLst/>
-          </a:lstStyle>
+          <a:lstStyle/>
           <a:p>
             <a:r>
               <a:rPr kumimoji="0" lang="ko-KR" altLang="en-US" smtClean="0"/>
@@ -995,9 +990,7 @@
         </p:spPr>
         <p:txBody>
           <a:bodyPr vert="eaVert"/>
-          <a:lstStyle>
-            <a:extLst/>
-          </a:lstStyle>
+          <a:lstStyle/>
           <a:p>
             <a:pPr lvl="0" eaLnBrk="1" latinLnBrk="0" hangingPunct="1"/>
             <a:r>
@@ -1049,9 +1042,7 @@
         <p:spPr/>
         <p:txBody>
           <a:bodyPr/>
-          <a:lstStyle>
-            <a:extLst/>
-          </a:lstStyle>
+          <a:lstStyle/>
           <a:p>
             <a:fld id="{7BD332C6-334E-4F1C-B658-24FEC90472A2}" type="datetimeFigureOut">
               <a:rPr lang="ko-KR" altLang="en-US" smtClean="0"/>
@@ -1074,9 +1065,7 @@
         <p:spPr/>
         <p:txBody>
           <a:bodyPr/>
-          <a:lstStyle>
-            <a:extLst/>
-          </a:lstStyle>
+          <a:lstStyle/>
           <a:p>
             <a:endParaRPr lang="ko-KR" altLang="en-US"/>
           </a:p>
@@ -1095,9 +1084,7 @@
         <p:spPr/>
         <p:txBody>
           <a:bodyPr/>
-          <a:lstStyle>
-            <a:extLst/>
-          </a:lstStyle>
+          <a:lstStyle/>
           <a:p>
             <a:fld id="{7883653F-12CF-49FA-8FD2-298086A20844}" type="slidenum">
               <a:rPr lang="ko-KR" altLang="en-US" smtClean="0"/>
@@ -1145,15 +1132,13 @@
         <p:spPr/>
         <p:txBody>
           <a:bodyPr/>
-          <a:lstStyle>
-            <a:extLst/>
-          </a:lstStyle>
-          <a:p>
-            <a:r>
-              <a:rPr kumimoji="0" lang="ko-KR" altLang="en-US" smtClean="0"/>
+          <a:lstStyle/>
+          <a:p>
+            <a:r>
+              <a:rPr kumimoji="0" lang="ko-KR" altLang="en-US" dirty="0" smtClean="0"/>
               <a:t>마스터 제목 스타일 편집</a:t>
             </a:r>
-            <a:endParaRPr kumimoji="0" lang="en-US"/>
+            <a:endParaRPr kumimoji="0" lang="en-US" dirty="0"/>
           </a:p>
         </p:txBody>
       </p:sp>
@@ -1167,47 +1152,66 @@
             <p:ph idx="1"/>
           </p:nvPr>
         </p:nvSpPr>
-        <p:spPr/>
+        <p:spPr>
+          <a:xfrm>
+            <a:off x="914400" y="756466"/>
+            <a:ext cx="8317283" cy="5616624"/>
+          </a:xfrm>
+        </p:spPr>
         <p:txBody>
           <a:bodyPr/>
           <a:lstStyle>
-            <a:extLst/>
+            <a:lvl1pPr>
+              <a:defRPr sz="2400"/>
+            </a:lvl1pPr>
+            <a:lvl2pPr>
+              <a:defRPr sz="1800"/>
+            </a:lvl2pPr>
+            <a:lvl3pPr>
+              <a:defRPr sz="1600"/>
+            </a:lvl3pPr>
+            <a:lvl4pPr>
+              <a:defRPr sz="1200"/>
+            </a:lvl4pPr>
+            <a:lvl5pPr>
+              <a:defRPr sz="1000"/>
+            </a:lvl5pPr>
           </a:lstStyle>
           <a:p>
             <a:pPr lvl="0" eaLnBrk="1" latinLnBrk="0" hangingPunct="1"/>
             <a:r>
-              <a:rPr lang="ko-KR" altLang="en-US" smtClean="0"/>
+              <a:rPr lang="ko-KR" altLang="en-US" dirty="0" smtClean="0"/>
               <a:t>마스터 텍스트 스타일을 편집합니다</a:t>
             </a:r>
           </a:p>
           <a:p>
             <a:pPr lvl="1" eaLnBrk="1" latinLnBrk="0" hangingPunct="1"/>
             <a:r>
-              <a:rPr lang="ko-KR" altLang="en-US" smtClean="0"/>
+              <a:rPr lang="ko-KR" altLang="en-US" dirty="0" smtClean="0"/>
               <a:t>둘째 수준</a:t>
             </a:r>
           </a:p>
           <a:p>
             <a:pPr lvl="2" eaLnBrk="1" latinLnBrk="0" hangingPunct="1"/>
             <a:r>
-              <a:rPr lang="ko-KR" altLang="en-US" smtClean="0"/>
+              <a:rPr lang="ko-KR" altLang="en-US" dirty="0" smtClean="0"/>
               <a:t>셋째 수준</a:t>
             </a:r>
           </a:p>
           <a:p>
             <a:pPr lvl="3" eaLnBrk="1" latinLnBrk="0" hangingPunct="1"/>
             <a:r>
-              <a:rPr lang="ko-KR" altLang="en-US" smtClean="0"/>
+              <a:rPr lang="ko-KR" altLang="en-US" dirty="0" smtClean="0"/>
               <a:t>넷째 수준</a:t>
             </a:r>
           </a:p>
           <a:p>
             <a:pPr lvl="4" eaLnBrk="1" latinLnBrk="0" hangingPunct="1"/>
             <a:r>
-              <a:rPr lang="ko-KR" altLang="en-US" smtClean="0"/>
+              <a:rPr lang="ko-KR" altLang="en-US" dirty="0" smtClean="0"/>
               <a:t>다섯째 수준</a:t>
             </a:r>
-            <a:endParaRPr kumimoji="0" lang="en-US"/>
+            <a:endParaRPr kumimoji="0" lang="en-US" dirty="0"/>
           </a:p>
         </p:txBody>
       </p:sp>
@@ -1224,9 +1228,7 @@
         <p:spPr/>
         <p:txBody>
           <a:bodyPr/>
-          <a:lstStyle>
-            <a:extLst/>
-          </a:lstStyle>
+          <a:lstStyle/>
           <a:p>
             <a:fld id="{7BD332C6-334E-4F1C-B658-24FEC90472A2}" type="datetimeFigureOut">
               <a:rPr lang="ko-KR" altLang="en-US" smtClean="0"/>
@@ -1249,9 +1251,7 @@
         <p:spPr/>
         <p:txBody>
           <a:bodyPr/>
-          <a:lstStyle>
-            <a:extLst/>
-          </a:lstStyle>
+          <a:lstStyle/>
           <a:p>
             <a:endParaRPr lang="ko-KR" altLang="en-US"/>
           </a:p>
@@ -1270,9 +1270,7 @@
         <p:spPr/>
         <p:txBody>
           <a:bodyPr/>
-          <a:lstStyle>
-            <a:extLst/>
-          </a:lstStyle>
+          <a:lstStyle/>
           <a:p>
             <a:fld id="{7883653F-12CF-49FA-8FD2-298086A20844}" type="slidenum">
               <a:rPr lang="ko-KR" altLang="en-US" smtClean="0"/>
@@ -1287,6 +1285,13 @@
   <p:clrMapOvr>
     <a:masterClrMapping/>
   </p:clrMapOvr>
+  <p:timing>
+    <p:tnLst>
+      <p:par>
+        <p:cTn id="1" dur="indefinite" restart="never" nodeType="tmRoot"/>
+      </p:par>
+    </p:tnLst>
+  </p:timing>
 </p:sldLayout>
 </file>
 
@@ -1400,9 +1405,7 @@
         </p:spPr>
         <p:txBody>
           <a:bodyPr vert="horz" wrap="square" lIns="91440" tIns="45720" rIns="91440" bIns="45720" anchor="t" compatLnSpc="1"/>
-          <a:lstStyle>
-            <a:extLst/>
-          </a:lstStyle>
+          <a:lstStyle/>
           <a:p>
             <a:endParaRPr kumimoji="0" lang="en-US"/>
           </a:p>
@@ -1501,9 +1504,7 @@
         </p:spPr>
         <p:txBody>
           <a:bodyPr vert="horz" wrap="square" lIns="91440" tIns="45720" rIns="91440" bIns="45720" anchor="t" compatLnSpc="1"/>
-          <a:lstStyle>
-            <a:extLst/>
-          </a:lstStyle>
+          <a:lstStyle/>
           <a:p>
             <a:endParaRPr kumimoji="0" lang="en-US"/>
           </a:p>
@@ -1586,9 +1587,7 @@
         </p:spPr>
         <p:txBody>
           <a:bodyPr vert="horz" wrap="square" lIns="91440" tIns="45720" rIns="91440" bIns="45720" anchor="t" compatLnSpc="1"/>
-          <a:lstStyle>
-            <a:extLst/>
-          </a:lstStyle>
+          <a:lstStyle/>
           <a:p>
             <a:endParaRPr kumimoji="0" lang="en-US"/>
           </a:p>
@@ -1671,9 +1670,7 @@
         </p:spPr>
         <p:txBody>
           <a:bodyPr vert="horz" wrap="square" lIns="91440" tIns="45720" rIns="91440" bIns="45720" anchor="t" compatLnSpc="1"/>
-          <a:lstStyle>
-            <a:extLst/>
-          </a:lstStyle>
+          <a:lstStyle/>
           <a:p>
             <a:endParaRPr kumimoji="0" lang="en-US"/>
           </a:p>
@@ -1756,9 +1753,7 @@
         </p:spPr>
         <p:txBody>
           <a:bodyPr vert="horz" wrap="square" lIns="91440" tIns="45720" rIns="91440" bIns="45720" anchor="t" compatLnSpc="1"/>
-          <a:lstStyle>
-            <a:extLst/>
-          </a:lstStyle>
+          <a:lstStyle/>
           <a:p>
             <a:endParaRPr kumimoji="0" lang="en-US"/>
           </a:p>
@@ -1841,9 +1836,7 @@
         </p:spPr>
         <p:txBody>
           <a:bodyPr vert="horz" wrap="square" lIns="91440" tIns="45720" rIns="91440" bIns="45720" anchor="t" compatLnSpc="1"/>
-          <a:lstStyle>
-            <a:extLst/>
-          </a:lstStyle>
+          <a:lstStyle/>
           <a:p>
             <a:endParaRPr kumimoji="0" lang="en-US"/>
           </a:p>
@@ -1926,9 +1919,7 @@
         </p:spPr>
         <p:txBody>
           <a:bodyPr vert="horz" wrap="square" lIns="91440" tIns="45720" rIns="91440" bIns="45720" anchor="t" compatLnSpc="1"/>
-          <a:lstStyle>
-            <a:extLst/>
-          </a:lstStyle>
+          <a:lstStyle/>
           <a:p>
             <a:endParaRPr kumimoji="0" lang="en-US"/>
           </a:p>
@@ -2011,9 +2002,7 @@
         </p:spPr>
         <p:txBody>
           <a:bodyPr vert="horz" wrap="square" lIns="91440" tIns="45720" rIns="91440" bIns="45720" anchor="t" compatLnSpc="1"/>
-          <a:lstStyle>
-            <a:extLst/>
-          </a:lstStyle>
+          <a:lstStyle/>
           <a:p>
             <a:endParaRPr kumimoji="0" lang="en-US"/>
           </a:p>
@@ -2096,9 +2085,7 @@
         </p:spPr>
         <p:txBody>
           <a:bodyPr vert="horz" wrap="square" lIns="91440" tIns="45720" rIns="91440" bIns="45720" anchor="t" compatLnSpc="1"/>
-          <a:lstStyle>
-            <a:extLst/>
-          </a:lstStyle>
+          <a:lstStyle/>
           <a:p>
             <a:endParaRPr kumimoji="0" lang="en-US"/>
           </a:p>
@@ -2181,9 +2168,7 @@
         </p:spPr>
         <p:txBody>
           <a:bodyPr vert="horz" wrap="square" lIns="91440" tIns="45720" rIns="91440" bIns="45720" anchor="t" compatLnSpc="1"/>
-          <a:lstStyle>
-            <a:extLst/>
-          </a:lstStyle>
+          <a:lstStyle/>
           <a:p>
             <a:endParaRPr kumimoji="0" lang="en-US"/>
           </a:p>
@@ -2266,9 +2251,7 @@
         </p:spPr>
         <p:txBody>
           <a:bodyPr vert="horz" wrap="square" lIns="91440" tIns="45720" rIns="91440" bIns="45720" anchor="t" compatLnSpc="1"/>
-          <a:lstStyle>
-            <a:extLst/>
-          </a:lstStyle>
+          <a:lstStyle/>
           <a:p>
             <a:endParaRPr kumimoji="0" lang="en-US"/>
           </a:p>
@@ -2351,9 +2334,7 @@
         </p:spPr>
         <p:txBody>
           <a:bodyPr vert="horz" wrap="square" lIns="91440" tIns="45720" rIns="91440" bIns="45720" anchor="t" compatLnSpc="1"/>
-          <a:lstStyle>
-            <a:extLst/>
-          </a:lstStyle>
+          <a:lstStyle/>
           <a:p>
             <a:endParaRPr kumimoji="0" lang="en-US"/>
           </a:p>
@@ -2436,9 +2417,7 @@
         </p:spPr>
         <p:txBody>
           <a:bodyPr vert="horz" wrap="square" lIns="91440" tIns="45720" rIns="91440" bIns="45720" anchor="t" compatLnSpc="1"/>
-          <a:lstStyle>
-            <a:extLst/>
-          </a:lstStyle>
+          <a:lstStyle/>
           <a:p>
             <a:endParaRPr kumimoji="0" lang="en-US"/>
           </a:p>
@@ -2521,9 +2500,7 @@
         </p:spPr>
         <p:txBody>
           <a:bodyPr vert="horz" wrap="square" lIns="91440" tIns="45720" rIns="91440" bIns="45720" anchor="t" compatLnSpc="1"/>
-          <a:lstStyle>
-            <a:extLst/>
-          </a:lstStyle>
+          <a:lstStyle/>
           <a:p>
             <a:endParaRPr kumimoji="0" lang="en-US"/>
           </a:p>
@@ -2606,9 +2583,7 @@
         </p:spPr>
         <p:txBody>
           <a:bodyPr vert="horz" wrap="square" lIns="91440" tIns="45720" rIns="91440" bIns="45720" anchor="t" compatLnSpc="1"/>
-          <a:lstStyle>
-            <a:extLst/>
-          </a:lstStyle>
+          <a:lstStyle/>
           <a:p>
             <a:endParaRPr kumimoji="0" lang="en-US"/>
           </a:p>
@@ -2707,9 +2682,7 @@
         <p:spPr/>
         <p:txBody>
           <a:bodyPr/>
-          <a:lstStyle>
-            <a:extLst/>
-          </a:lstStyle>
+          <a:lstStyle/>
           <a:p>
             <a:fld id="{7BD332C6-334E-4F1C-B658-24FEC90472A2}" type="datetimeFigureOut">
               <a:rPr lang="ko-KR" altLang="en-US" smtClean="0"/>
@@ -2732,9 +2705,7 @@
         <p:spPr/>
         <p:txBody>
           <a:bodyPr/>
-          <a:lstStyle>
-            <a:extLst/>
-          </a:lstStyle>
+          <a:lstStyle/>
           <a:p>
             <a:endParaRPr lang="ko-KR" altLang="en-US"/>
           </a:p>
@@ -2753,9 +2724,7 @@
         <p:spPr/>
         <p:txBody>
           <a:bodyPr/>
-          <a:lstStyle>
-            <a:extLst/>
-          </a:lstStyle>
+          <a:lstStyle/>
           <a:p>
             <a:fld id="{7883653F-12CF-49FA-8FD2-298086A20844}" type="slidenum">
               <a:rPr lang="ko-KR" altLang="en-US" smtClean="0"/>
@@ -2808,9 +2777,7 @@
         </p:style>
         <p:txBody>
           <a:bodyPr anchor="ctr"/>
-          <a:lstStyle>
-            <a:extLst/>
-          </a:lstStyle>
+          <a:lstStyle/>
           <a:p>
             <a:pPr algn="ctr" eaLnBrk="1" latinLnBrk="0" hangingPunct="1"/>
             <a:endParaRPr kumimoji="0" lang="en-US"/>
@@ -2890,9 +2857,7 @@
         </p:style>
         <p:txBody>
           <a:bodyPr anchor="ctr"/>
-          <a:lstStyle>
-            <a:extLst/>
-          </a:lstStyle>
+          <a:lstStyle/>
           <a:p>
             <a:pPr algn="ctr" eaLnBrk="1" latinLnBrk="0" hangingPunct="1"/>
             <a:endParaRPr kumimoji="0" lang="en-US" dirty="0"/>
@@ -2938,9 +2903,7 @@
         </p:style>
         <p:txBody>
           <a:bodyPr anchor="ctr"/>
-          <a:lstStyle>
-            <a:extLst/>
-          </a:lstStyle>
+          <a:lstStyle/>
           <a:p>
             <a:pPr algn="ctr" eaLnBrk="1" latinLnBrk="0" hangingPunct="1"/>
             <a:endParaRPr kumimoji="0" lang="en-US" dirty="0"/>
@@ -2986,9 +2949,7 @@
         </p:style>
         <p:txBody>
           <a:bodyPr anchor="ctr"/>
-          <a:lstStyle>
-            <a:extLst/>
-          </a:lstStyle>
+          <a:lstStyle/>
           <a:p>
             <a:pPr algn="ctr" eaLnBrk="1" latinLnBrk="0" hangingPunct="1"/>
             <a:endParaRPr kumimoji="0" lang="en-US"/>
@@ -3034,9 +2995,7 @@
         </p:style>
         <p:txBody>
           <a:bodyPr anchor="ctr"/>
-          <a:lstStyle>
-            <a:extLst/>
-          </a:lstStyle>
+          <a:lstStyle/>
           <a:p>
             <a:pPr algn="ctr" eaLnBrk="1" latinLnBrk="0" hangingPunct="1"/>
             <a:endParaRPr kumimoji="0" lang="en-US" dirty="0"/>
@@ -3082,9 +3041,7 @@
         </p:style>
         <p:txBody>
           <a:bodyPr anchor="ctr"/>
-          <a:lstStyle>
-            <a:extLst/>
-          </a:lstStyle>
+          <a:lstStyle/>
           <a:p>
             <a:pPr algn="ctr" eaLnBrk="1" latinLnBrk="0" hangingPunct="1"/>
             <a:endParaRPr kumimoji="0" lang="en-US" dirty="0"/>
@@ -3096,6 +3053,13 @@
   <p:clrMapOvr>
     <a:masterClrMapping/>
   </p:clrMapOvr>
+  <p:timing>
+    <p:tnLst>
+      <p:par>
+        <p:cTn id="1" dur="indefinite" restart="never" nodeType="tmRoot"/>
+      </p:par>
+    </p:tnLst>
+  </p:timing>
 </p:sldLayout>
 </file>
 
@@ -3134,9 +3098,7 @@
         </p:spPr>
         <p:txBody>
           <a:bodyPr/>
-          <a:lstStyle>
-            <a:extLst/>
-          </a:lstStyle>
+          <a:lstStyle/>
           <a:p>
             <a:r>
               <a:rPr kumimoji="0" lang="ko-KR" altLang="en-US" smtClean="0"/>
@@ -3307,9 +3269,7 @@
         <p:spPr/>
         <p:txBody>
           <a:bodyPr/>
-          <a:lstStyle>
-            <a:extLst/>
-          </a:lstStyle>
+          <a:lstStyle/>
           <a:p>
             <a:fld id="{7BD332C6-334E-4F1C-B658-24FEC90472A2}" type="datetimeFigureOut">
               <a:rPr lang="ko-KR" altLang="en-US" smtClean="0"/>
@@ -3332,9 +3292,7 @@
         <p:spPr/>
         <p:txBody>
           <a:bodyPr/>
-          <a:lstStyle>
-            <a:extLst/>
-          </a:lstStyle>
+          <a:lstStyle/>
           <a:p>
             <a:endParaRPr lang="ko-KR" altLang="en-US"/>
           </a:p>
@@ -3353,9 +3311,7 @@
         <p:spPr/>
         <p:txBody>
           <a:bodyPr/>
-          <a:lstStyle>
-            <a:extLst/>
-          </a:lstStyle>
+          <a:lstStyle/>
           <a:p>
             <a:fld id="{7883653F-12CF-49FA-8FD2-298086A20844}" type="slidenum">
               <a:rPr lang="ko-KR" altLang="en-US" smtClean="0"/>
@@ -3370,6 +3326,13 @@
   <p:clrMapOvr>
     <a:masterClrMapping/>
   </p:clrMapOvr>
+  <p:timing>
+    <p:tnLst>
+      <p:par>
+        <p:cTn id="1" dur="indefinite" restart="never" nodeType="tmRoot"/>
+      </p:par>
+    </p:tnLst>
+  </p:timing>
 </p:sldLayout>
 </file>
 
@@ -3433,9 +3396,7 @@
         </p:style>
         <p:txBody>
           <a:bodyPr anchor="ctr"/>
-          <a:lstStyle>
-            <a:extLst/>
-          </a:lstStyle>
+          <a:lstStyle/>
           <a:p>
             <a:pPr algn="ctr" eaLnBrk="1" latinLnBrk="0" hangingPunct="1"/>
             <a:endParaRPr kumimoji="0" lang="en-US"/>
@@ -3744,9 +3705,7 @@
         <p:spPr/>
         <p:txBody>
           <a:bodyPr/>
-          <a:lstStyle>
-            <a:extLst/>
-          </a:lstStyle>
+          <a:lstStyle/>
           <a:p>
             <a:fld id="{7BD332C6-334E-4F1C-B658-24FEC90472A2}" type="datetimeFigureOut">
               <a:rPr lang="ko-KR" altLang="en-US" smtClean="0"/>
@@ -3769,9 +3728,7 @@
         <p:spPr/>
         <p:txBody>
           <a:bodyPr/>
-          <a:lstStyle>
-            <a:extLst/>
-          </a:lstStyle>
+          <a:lstStyle/>
           <a:p>
             <a:endParaRPr lang="ko-KR" altLang="en-US"/>
           </a:p>
@@ -3790,9 +3747,7 @@
         <p:spPr/>
         <p:txBody>
           <a:bodyPr/>
-          <a:lstStyle>
-            <a:extLst/>
-          </a:lstStyle>
+          <a:lstStyle/>
           <a:p>
             <a:fld id="{7883653F-12CF-49FA-8FD2-298086A20844}" type="slidenum">
               <a:rPr lang="ko-KR" altLang="en-US" smtClean="0"/>
@@ -3841,9 +3796,7 @@
         </p:style>
         <p:txBody>
           <a:bodyPr anchor="ctr"/>
-          <a:lstStyle>
-            <a:extLst/>
-          </a:lstStyle>
+          <a:lstStyle/>
           <a:p>
             <a:pPr algn="ctr" eaLnBrk="1" latinLnBrk="0" hangingPunct="1"/>
             <a:endParaRPr kumimoji="0" lang="en-US" dirty="0"/>
@@ -3889,9 +3842,7 @@
         </p:style>
         <p:txBody>
           <a:bodyPr anchor="ctr"/>
-          <a:lstStyle>
-            <a:extLst/>
-          </a:lstStyle>
+          <a:lstStyle/>
           <a:p>
             <a:pPr algn="ctr" eaLnBrk="1" latinLnBrk="0" hangingPunct="1"/>
             <a:endParaRPr kumimoji="0" lang="en-US" dirty="0"/>
@@ -3937,9 +3888,7 @@
         </p:style>
         <p:txBody>
           <a:bodyPr anchor="ctr"/>
-          <a:lstStyle>
-            <a:extLst/>
-          </a:lstStyle>
+          <a:lstStyle/>
           <a:p>
             <a:pPr algn="ctr" eaLnBrk="1" latinLnBrk="0" hangingPunct="1"/>
             <a:endParaRPr kumimoji="0" lang="en-US"/>
@@ -3985,9 +3934,7 @@
         </p:style>
         <p:txBody>
           <a:bodyPr anchor="ctr"/>
-          <a:lstStyle>
-            <a:extLst/>
-          </a:lstStyle>
+          <a:lstStyle/>
           <a:p>
             <a:pPr algn="ctr" eaLnBrk="1" latinLnBrk="0" hangingPunct="1"/>
             <a:endParaRPr kumimoji="0" lang="en-US" dirty="0"/>
@@ -4033,9 +3980,7 @@
         </p:style>
         <p:txBody>
           <a:bodyPr anchor="ctr"/>
-          <a:lstStyle>
-            <a:extLst/>
-          </a:lstStyle>
+          <a:lstStyle/>
           <a:p>
             <a:pPr algn="ctr" eaLnBrk="1" latinLnBrk="0" hangingPunct="1"/>
             <a:endParaRPr kumimoji="0" lang="en-US" dirty="0"/>
@@ -4081,9 +4026,7 @@
         </p:style>
         <p:txBody>
           <a:bodyPr anchor="ctr"/>
-          <a:lstStyle>
-            <a:extLst/>
-          </a:lstStyle>
+          <a:lstStyle/>
           <a:p>
             <a:pPr algn="ctr" eaLnBrk="1" latinLnBrk="0" hangingPunct="1"/>
             <a:endParaRPr kumimoji="0" lang="en-US" dirty="0"/>
@@ -4129,9 +4072,7 @@
         </p:style>
         <p:txBody>
           <a:bodyPr anchor="ctr"/>
-          <a:lstStyle>
-            <a:extLst/>
-          </a:lstStyle>
+          <a:lstStyle/>
           <a:p>
             <a:pPr algn="ctr" eaLnBrk="1" latinLnBrk="0" hangingPunct="1"/>
             <a:endParaRPr kumimoji="0" lang="en-US"/>
@@ -4177,9 +4118,7 @@
         </p:style>
         <p:txBody>
           <a:bodyPr anchor="ctr"/>
-          <a:lstStyle>
-            <a:extLst/>
-          </a:lstStyle>
+          <a:lstStyle/>
           <a:p>
             <a:pPr algn="ctr" eaLnBrk="1" latinLnBrk="0" hangingPunct="1"/>
             <a:endParaRPr kumimoji="0" lang="en-US" dirty="0"/>
@@ -4225,9 +4164,7 @@
         </p:style>
         <p:txBody>
           <a:bodyPr anchor="ctr"/>
-          <a:lstStyle>
-            <a:extLst/>
-          </a:lstStyle>
+          <a:lstStyle/>
           <a:p>
             <a:pPr algn="ctr" eaLnBrk="1" latinLnBrk="0" hangingPunct="1"/>
             <a:endParaRPr kumimoji="0" lang="en-US" dirty="0"/>
@@ -4239,6 +4176,13 @@
   <p:clrMapOvr>
     <a:masterClrMapping/>
   </p:clrMapOvr>
+  <p:timing>
+    <p:tnLst>
+      <p:par>
+        <p:cTn id="1" dur="indefinite" restart="never" nodeType="tmRoot"/>
+      </p:par>
+    </p:tnLst>
+  </p:timing>
 </p:sldLayout>
 </file>
 
@@ -4305,9 +4249,7 @@
         <p:spPr/>
         <p:txBody>
           <a:bodyPr/>
-          <a:lstStyle>
-            <a:extLst/>
-          </a:lstStyle>
+          <a:lstStyle/>
           <a:p>
             <a:fld id="{7BD332C6-334E-4F1C-B658-24FEC90472A2}" type="datetimeFigureOut">
               <a:rPr lang="ko-KR" altLang="en-US" smtClean="0"/>
@@ -4330,9 +4272,7 @@
         <p:spPr/>
         <p:txBody>
           <a:bodyPr/>
-          <a:lstStyle>
-            <a:extLst/>
-          </a:lstStyle>
+          <a:lstStyle/>
           <a:p>
             <a:endParaRPr lang="ko-KR" altLang="en-US"/>
           </a:p>
@@ -4351,9 +4291,7 @@
         <p:spPr/>
         <p:txBody>
           <a:bodyPr/>
-          <a:lstStyle>
-            <a:extLst/>
-          </a:lstStyle>
+          <a:lstStyle/>
           <a:p>
             <a:fld id="{7883653F-12CF-49FA-8FD2-298086A20844}" type="slidenum">
               <a:rPr lang="ko-KR" altLang="en-US" smtClean="0"/>
@@ -4368,6 +4306,13 @@
   <p:clrMapOvr>
     <a:masterClrMapping/>
   </p:clrMapOvr>
+  <p:timing>
+    <p:tnLst>
+      <p:par>
+        <p:cTn id="1" dur="indefinite" restart="never" nodeType="tmRoot"/>
+      </p:par>
+    </p:tnLst>
+  </p:timing>
 </p:sldLayout>
 </file>
 
@@ -4401,9 +4346,7 @@
         <p:spPr/>
         <p:txBody>
           <a:bodyPr/>
-          <a:lstStyle>
-            <a:extLst/>
-          </a:lstStyle>
+          <a:lstStyle/>
           <a:p>
             <a:fld id="{7BD332C6-334E-4F1C-B658-24FEC90472A2}" type="datetimeFigureOut">
               <a:rPr lang="ko-KR" altLang="en-US" smtClean="0"/>
@@ -4426,9 +4369,7 @@
         <p:spPr/>
         <p:txBody>
           <a:bodyPr/>
-          <a:lstStyle>
-            <a:extLst/>
-          </a:lstStyle>
+          <a:lstStyle/>
           <a:p>
             <a:endParaRPr lang="ko-KR" altLang="en-US"/>
           </a:p>
@@ -4447,9 +4388,7 @@
         <p:spPr/>
         <p:txBody>
           <a:bodyPr/>
-          <a:lstStyle>
-            <a:extLst/>
-          </a:lstStyle>
+          <a:lstStyle/>
           <a:p>
             <a:fld id="{7883653F-12CF-49FA-8FD2-298086A20844}" type="slidenum">
               <a:rPr lang="ko-KR" altLang="en-US" smtClean="0"/>
@@ -4464,6 +4403,13 @@
   <p:clrMapOvr>
     <a:masterClrMapping/>
   </p:clrMapOvr>
+  <p:timing>
+    <p:tnLst>
+      <p:par>
+        <p:cTn id="1" dur="indefinite" restart="never" nodeType="tmRoot"/>
+      </p:par>
+    </p:tnLst>
+  </p:timing>
 </p:sldLayout>
 </file>
 
@@ -4655,9 +4601,7 @@
         <p:spPr/>
         <p:txBody>
           <a:bodyPr/>
-          <a:lstStyle>
-            <a:extLst/>
-          </a:lstStyle>
+          <a:lstStyle/>
           <a:p>
             <a:fld id="{7BD332C6-334E-4F1C-B658-24FEC90472A2}" type="datetimeFigureOut">
               <a:rPr lang="ko-KR" altLang="en-US" smtClean="0"/>
@@ -4680,9 +4624,7 @@
         <p:spPr/>
         <p:txBody>
           <a:bodyPr/>
-          <a:lstStyle>
-            <a:extLst/>
-          </a:lstStyle>
+          <a:lstStyle/>
           <a:p>
             <a:endParaRPr lang="ko-KR" altLang="en-US"/>
           </a:p>
@@ -4701,9 +4643,7 @@
         <p:spPr/>
         <p:txBody>
           <a:bodyPr/>
-          <a:lstStyle>
-            <a:extLst/>
-          </a:lstStyle>
+          <a:lstStyle/>
           <a:p>
             <a:fld id="{7883653F-12CF-49FA-8FD2-298086A20844}" type="slidenum">
               <a:rPr lang="ko-KR" altLang="en-US" smtClean="0"/>
@@ -4718,6 +4658,13 @@
   <p:clrMapOvr>
     <a:masterClrMapping/>
   </p:clrMapOvr>
+  <p:timing>
+    <p:tnLst>
+      <p:par>
+        <p:cTn id="1" dur="indefinite" restart="never" nodeType="tmRoot"/>
+      </p:par>
+    </p:tnLst>
+  </p:timing>
 </p:sldLayout>
 </file>
 
@@ -4779,9 +4726,7 @@
         </p:style>
         <p:txBody>
           <a:bodyPr anchor="ctr"/>
-          <a:lstStyle>
-            <a:extLst/>
-          </a:lstStyle>
+          <a:lstStyle/>
           <a:p>
             <a:pPr algn="ctr" eaLnBrk="1" latinLnBrk="0" hangingPunct="1"/>
             <a:endParaRPr kumimoji="0" lang="en-US"/>
@@ -5376,9 +5321,7 @@
         </p:spPr>
         <p:txBody>
           <a:bodyPr/>
-          <a:lstStyle>
-            <a:extLst/>
-          </a:lstStyle>
+          <a:lstStyle/>
           <a:p>
             <a:fld id="{7BD332C6-334E-4F1C-B658-24FEC90472A2}" type="datetimeFigureOut">
               <a:rPr lang="ko-KR" altLang="en-US" smtClean="0"/>
@@ -5406,9 +5349,7 @@
         </p:spPr>
         <p:txBody>
           <a:bodyPr/>
-          <a:lstStyle>
-            <a:extLst/>
-          </a:lstStyle>
+          <a:lstStyle/>
           <a:p>
             <a:endParaRPr lang="ko-KR" altLang="en-US"/>
           </a:p>
@@ -5432,9 +5373,7 @@
         </p:spPr>
         <p:txBody>
           <a:bodyPr/>
-          <a:lstStyle>
-            <a:extLst/>
-          </a:lstStyle>
+          <a:lstStyle/>
           <a:p>
             <a:fld id="{7883653F-12CF-49FA-8FD2-298086A20844}" type="slidenum">
               <a:rPr lang="ko-KR" altLang="en-US" smtClean="0"/>
@@ -5515,9 +5454,7 @@
         </p:style>
         <p:txBody>
           <a:bodyPr anchor="ctr"/>
-          <a:lstStyle>
-            <a:extLst/>
-          </a:lstStyle>
+          <a:lstStyle/>
           <a:p>
             <a:pPr algn="ctr" eaLnBrk="1" latinLnBrk="0" hangingPunct="1"/>
             <a:endParaRPr kumimoji="0" lang="en-US"/>
@@ -5565,9 +5502,7 @@
         </p:style>
         <p:txBody>
           <a:bodyPr anchor="ctr"/>
-          <a:lstStyle>
-            <a:extLst/>
-          </a:lstStyle>
+          <a:lstStyle/>
           <a:p>
             <a:pPr algn="ctr" eaLnBrk="1" latinLnBrk="0" hangingPunct="1"/>
             <a:endParaRPr kumimoji="0" lang="en-US"/>
@@ -5615,9 +5550,7 @@
         </p:style>
         <p:txBody>
           <a:bodyPr anchor="ctr"/>
-          <a:lstStyle>
-            <a:extLst/>
-          </a:lstStyle>
+          <a:lstStyle/>
           <a:p>
             <a:pPr algn="ctr" eaLnBrk="1" latinLnBrk="0" hangingPunct="1"/>
             <a:endParaRPr kumimoji="0" lang="en-US"/>
@@ -5663,9 +5596,7 @@
         </p:style>
         <p:txBody>
           <a:bodyPr anchor="ctr"/>
-          <a:lstStyle>
-            <a:extLst/>
-          </a:lstStyle>
+          <a:lstStyle/>
           <a:p>
             <a:pPr algn="ctr" eaLnBrk="1" latinLnBrk="0" hangingPunct="1"/>
             <a:endParaRPr kumimoji="0" lang="en-US"/>
@@ -5713,9 +5644,7 @@
         </p:style>
         <p:txBody>
           <a:bodyPr anchor="ctr"/>
-          <a:lstStyle>
-            <a:extLst/>
-          </a:lstStyle>
+          <a:lstStyle/>
           <a:p>
             <a:pPr algn="ctr" eaLnBrk="1" latinLnBrk="0" hangingPunct="1"/>
             <a:endParaRPr kumimoji="0" lang="en-US" dirty="0"/>
@@ -5763,9 +5692,7 @@
         </p:style>
         <p:txBody>
           <a:bodyPr anchor="ctr"/>
-          <a:lstStyle>
-            <a:extLst/>
-          </a:lstStyle>
+          <a:lstStyle/>
           <a:p>
             <a:pPr algn="ctr" eaLnBrk="1" latinLnBrk="0" hangingPunct="1"/>
             <a:endParaRPr kumimoji="0" lang="en-US" dirty="0"/>
@@ -5813,9 +5740,7 @@
         </p:style>
         <p:txBody>
           <a:bodyPr anchor="ctr"/>
-          <a:lstStyle>
-            <a:extLst/>
-          </a:lstStyle>
+          <a:lstStyle/>
           <a:p>
             <a:pPr algn="ctr" eaLnBrk="1" latinLnBrk="0" hangingPunct="1"/>
             <a:endParaRPr kumimoji="0" lang="en-US" dirty="0"/>
@@ -5863,9 +5788,7 @@
         </p:style>
         <p:txBody>
           <a:bodyPr anchor="ctr"/>
-          <a:lstStyle>
-            <a:extLst/>
-          </a:lstStyle>
+          <a:lstStyle/>
           <a:p>
             <a:pPr algn="ctr" eaLnBrk="1" latinLnBrk="0" hangingPunct="1"/>
             <a:endParaRPr kumimoji="0" lang="en-US"/>
@@ -5913,9 +5836,7 @@
         </p:style>
         <p:txBody>
           <a:bodyPr anchor="ctr"/>
-          <a:lstStyle>
-            <a:extLst/>
-          </a:lstStyle>
+          <a:lstStyle/>
           <a:p>
             <a:pPr algn="ctr" eaLnBrk="1" latinLnBrk="0" hangingPunct="1"/>
             <a:endParaRPr kumimoji="0" lang="en-US" dirty="0"/>
@@ -5934,8 +5855,8 @@
         </p:nvSpPr>
         <p:spPr>
           <a:xfrm>
-            <a:off x="914400" y="512064"/>
-            <a:ext cx="7772400" cy="914400"/>
+            <a:off x="539552" y="116632"/>
+            <a:ext cx="8680730" cy="596250"/>
           </a:xfrm>
           <a:prstGeom prst="rect">
             <a:avLst/>
@@ -5945,15 +5866,13 @@
           <a:bodyPr vert="horz" anchor="t">
             <a:noAutofit/>
           </a:bodyPr>
-          <a:lstStyle>
-            <a:extLst/>
-          </a:lstStyle>
-          <a:p>
-            <a:r>
-              <a:rPr kumimoji="0" lang="ko-KR" altLang="en-US" smtClean="0"/>
+          <a:lstStyle/>
+          <a:p>
+            <a:r>
+              <a:rPr kumimoji="0" lang="ko-KR" altLang="en-US" dirty="0" smtClean="0"/>
               <a:t>마스터 제목 스타일 편집</a:t>
             </a:r>
-            <a:endParaRPr kumimoji="0" lang="en-US"/>
+            <a:endParaRPr kumimoji="0" lang="en-US" dirty="0"/>
           </a:p>
         </p:txBody>
       </p:sp>
@@ -5969,8 +5888,8 @@
         </p:nvSpPr>
         <p:spPr>
           <a:xfrm>
-            <a:off x="914400" y="1783560"/>
-            <a:ext cx="7772400" cy="4572000"/>
+            <a:off x="914400" y="980728"/>
+            <a:ext cx="8692131" cy="5616624"/>
           </a:xfrm>
           <a:prstGeom prst="rect">
             <a:avLst/>
@@ -5980,44 +5899,42 @@
           <a:bodyPr vert="horz">
             <a:normAutofit/>
           </a:bodyPr>
-          <a:lstStyle>
-            <a:extLst/>
-          </a:lstStyle>
+          <a:lstStyle/>
           <a:p>
             <a:pPr lvl="0" eaLnBrk="1" latinLnBrk="0" hangingPunct="1"/>
             <a:r>
-              <a:rPr kumimoji="0" lang="ko-KR" altLang="en-US" smtClean="0"/>
+              <a:rPr kumimoji="0" lang="ko-KR" altLang="en-US" dirty="0" smtClean="0"/>
               <a:t>마스터 텍스트 스타일을 편집합니다</a:t>
             </a:r>
           </a:p>
           <a:p>
             <a:pPr lvl="1" eaLnBrk="1" latinLnBrk="0" hangingPunct="1"/>
             <a:r>
-              <a:rPr kumimoji="0" lang="ko-KR" altLang="en-US" smtClean="0"/>
+              <a:rPr kumimoji="0" lang="ko-KR" altLang="en-US" dirty="0" smtClean="0"/>
               <a:t>둘째 수준</a:t>
             </a:r>
           </a:p>
           <a:p>
             <a:pPr lvl="2" eaLnBrk="1" latinLnBrk="0" hangingPunct="1"/>
             <a:r>
-              <a:rPr kumimoji="0" lang="ko-KR" altLang="en-US" smtClean="0"/>
+              <a:rPr kumimoji="0" lang="ko-KR" altLang="en-US" dirty="0" smtClean="0"/>
               <a:t>셋째 수준</a:t>
             </a:r>
           </a:p>
           <a:p>
             <a:pPr lvl="3" eaLnBrk="1" latinLnBrk="0" hangingPunct="1"/>
             <a:r>
-              <a:rPr kumimoji="0" lang="ko-KR" altLang="en-US" smtClean="0"/>
+              <a:rPr kumimoji="0" lang="ko-KR" altLang="en-US" dirty="0" smtClean="0"/>
               <a:t>넷째 수준</a:t>
             </a:r>
           </a:p>
           <a:p>
             <a:pPr lvl="4" eaLnBrk="1" latinLnBrk="0" hangingPunct="1"/>
             <a:r>
-              <a:rPr kumimoji="0" lang="ko-KR" altLang="en-US" smtClean="0"/>
+              <a:rPr kumimoji="0" lang="ko-KR" altLang="en-US" dirty="0" smtClean="0"/>
               <a:t>다섯째 수준</a:t>
             </a:r>
-            <a:endParaRPr kumimoji="0" lang="en-US"/>
+            <a:endParaRPr kumimoji="0" lang="en-US" dirty="0"/>
           </a:p>
         </p:txBody>
       </p:sp>
@@ -6153,6 +6070,13 @@
     <p:sldLayoutId id="2147483670" r:id="rId10"/>
     <p:sldLayoutId id="2147483671" r:id="rId11"/>
   </p:sldLayoutIdLst>
+  <p:timing>
+    <p:tnLst>
+      <p:par>
+        <p:cTn id="1" dur="indefinite" restart="never" nodeType="tmRoot"/>
+      </p:par>
+    </p:tnLst>
+  </p:timing>
   <p:txStyles>
     <p:titleStyle>
       <a:lvl1pPr algn="l" rtl="0" eaLnBrk="1" latinLnBrk="1" hangingPunct="1">
@@ -6160,14 +6084,14 @@
           <a:spcPct val="0"/>
         </a:spcBef>
         <a:buNone/>
-        <a:defRPr kumimoji="0" sz="4000" kern="1200" spc="-100" baseline="0">
+        <a:defRPr kumimoji="0" sz="3200" b="1" kern="1200" spc="-100" baseline="0">
           <a:solidFill>
             <a:schemeClr val="tx2">
               <a:satMod val="200000"/>
             </a:schemeClr>
           </a:solidFill>
-          <a:latin typeface="+mj-lt"/>
-          <a:ea typeface="+mj-ea"/>
+          <a:latin typeface="+mn-ea"/>
+          <a:ea typeface="+mn-ea"/>
           <a:cs typeface="+mj-cs"/>
         </a:defRPr>
       </a:lvl1pPr>
@@ -6184,11 +6108,11 @@
         <a:buSzPct val="95000"/>
         <a:buFont typeface="Wingdings"/>
         <a:buChar char=""/>
-        <a:defRPr kumimoji="0" sz="3000" kern="1200">
+        <a:defRPr kumimoji="0" sz="2400" kern="1200">
           <a:solidFill>
             <a:schemeClr val="tx1"/>
           </a:solidFill>
-          <a:latin typeface="+mn-lt"/>
+          <a:latin typeface="+mn-ea"/>
           <a:ea typeface="+mn-ea"/>
           <a:cs typeface="+mn-cs"/>
         </a:defRPr>
@@ -6203,7 +6127,7 @@
         <a:buSzPct val="90000"/>
         <a:buFont typeface="Wingdings"/>
         <a:buChar char=""/>
-        <a:defRPr kumimoji="0" sz="2600" kern="1200">
+        <a:defRPr kumimoji="0" sz="2000" kern="1200">
           <a:solidFill>
             <a:schemeClr val="tx1"/>
           </a:solidFill>
@@ -6221,7 +6145,7 @@
         </a:buClr>
         <a:buFont typeface="Wingdings 2"/>
         <a:buChar char=""/>
-        <a:defRPr kumimoji="0" sz="2400" kern="1200">
+        <a:defRPr kumimoji="0" sz="1800" kern="1200">
           <a:solidFill>
             <a:schemeClr val="tx1"/>
           </a:solidFill>
@@ -6239,7 +6163,7 @@
         </a:buClr>
         <a:buFont typeface="Wingdings 3"/>
         <a:buChar char=""/>
-        <a:defRPr kumimoji="0" sz="2200" kern="1200">
+        <a:defRPr kumimoji="0" sz="1800" kern="1200">
           <a:solidFill>
             <a:schemeClr val="tx1"/>
           </a:solidFill>
@@ -6257,7 +6181,7 @@
         </a:buClr>
         <a:buFont typeface="Wingdings 2"/>
         <a:buChar char=""/>
-        <a:defRPr kumimoji="0" sz="2000" kern="1200">
+        <a:defRPr kumimoji="0" sz="1600" kern="1200">
           <a:solidFill>
             <a:schemeClr val="tx1"/>
           </a:solidFill>
@@ -6488,6 +6412,13 @@
   <p:clrMapOvr>
     <a:masterClrMapping/>
   </p:clrMapOvr>
+  <p:timing>
+    <p:tnLst>
+      <p:par>
+        <p:cTn id="1" dur="indefinite" restart="never" nodeType="tmRoot"/>
+      </p:par>
+    </p:tnLst>
+  </p:timing>
 </p:sld>
 </file>
 
@@ -6672,8 +6603,20 @@
                 <a:tableStyleId>{073A0DAA-6AF3-43AB-8588-CEC1D06C72B9}</a:tableStyleId>
               </a:tblPr>
               <a:tblGrid>
-                <a:gridCol w="1440160"/>
-                <a:gridCol w="1440160"/>
+                <a:gridCol w="1440160">
+                  <a:extLst>
+                    <a:ext uri="{9D8B030D-6E8A-4147-A177-3AD203B41FA5}">
+                      <a16:colId xmlns:a16="http://schemas.microsoft.com/office/drawing/2014/main" val="20000"/>
+                    </a:ext>
+                  </a:extLst>
+                </a:gridCol>
+                <a:gridCol w="1440160">
+                  <a:extLst>
+                    <a:ext uri="{9D8B030D-6E8A-4147-A177-3AD203B41FA5}">
+                      <a16:colId xmlns:a16="http://schemas.microsoft.com/office/drawing/2014/main" val="20001"/>
+                    </a:ext>
+                  </a:extLst>
+                </a:gridCol>
               </a:tblGrid>
               <a:tr h="313234">
                 <a:tc>
@@ -6722,6 +6665,11 @@
                     <a:noFill/>
                   </a:tcPr>
                 </a:tc>
+                <a:extLst>
+                  <a:ext uri="{0D108BD9-81ED-4DB2-BD59-A6C34878D82A}">
+                    <a16:rowId xmlns:a16="http://schemas.microsoft.com/office/drawing/2014/main" val="10000"/>
+                  </a:ext>
+                </a:extLst>
               </a:tr>
               <a:tr h="313234">
                 <a:tc>
@@ -6782,6 +6730,11 @@
                     <a:noFill/>
                   </a:tcPr>
                 </a:tc>
+                <a:extLst>
+                  <a:ext uri="{0D108BD9-81ED-4DB2-BD59-A6C34878D82A}">
+                    <a16:rowId xmlns:a16="http://schemas.microsoft.com/office/drawing/2014/main" val="10001"/>
+                  </a:ext>
+                </a:extLst>
               </a:tr>
             </a:tbl>
           </a:graphicData>
@@ -6896,6 +6849,13 @@
   <p:clrMapOvr>
     <a:masterClrMapping/>
   </p:clrMapOvr>
+  <p:timing>
+    <p:tnLst>
+      <p:par>
+        <p:cTn id="1" dur="indefinite" restart="never" nodeType="tmRoot"/>
+      </p:par>
+    </p:tnLst>
+  </p:timing>
 </p:sld>
 </file>
 
@@ -7077,8 +7037,20 @@
                 <a:tableStyleId>{073A0DAA-6AF3-43AB-8588-CEC1D06C72B9}</a:tableStyleId>
               </a:tblPr>
               <a:tblGrid>
-                <a:gridCol w="1980220"/>
-                <a:gridCol w="1980220"/>
+                <a:gridCol w="1980220">
+                  <a:extLst>
+                    <a:ext uri="{9D8B030D-6E8A-4147-A177-3AD203B41FA5}">
+                      <a16:colId xmlns:a16="http://schemas.microsoft.com/office/drawing/2014/main" val="20000"/>
+                    </a:ext>
+                  </a:extLst>
+                </a:gridCol>
+                <a:gridCol w="1980220">
+                  <a:extLst>
+                    <a:ext uri="{9D8B030D-6E8A-4147-A177-3AD203B41FA5}">
+                      <a16:colId xmlns:a16="http://schemas.microsoft.com/office/drawing/2014/main" val="20001"/>
+                    </a:ext>
+                  </a:extLst>
+                </a:gridCol>
               </a:tblGrid>
               <a:tr h="313234">
                 <a:tc>
@@ -7149,6 +7121,11 @@
                     <a:noFill/>
                   </a:tcPr>
                 </a:tc>
+                <a:extLst>
+                  <a:ext uri="{0D108BD9-81ED-4DB2-BD59-A6C34878D82A}">
+                    <a16:rowId xmlns:a16="http://schemas.microsoft.com/office/drawing/2014/main" val="10000"/>
+                  </a:ext>
+                </a:extLst>
               </a:tr>
               <a:tr h="313234">
                 <a:tc>
@@ -7209,6 +7186,11 @@
                     <a:noFill/>
                   </a:tcPr>
                 </a:tc>
+                <a:extLst>
+                  <a:ext uri="{0D108BD9-81ED-4DB2-BD59-A6C34878D82A}">
+                    <a16:rowId xmlns:a16="http://schemas.microsoft.com/office/drawing/2014/main" val="10001"/>
+                  </a:ext>
+                </a:extLst>
               </a:tr>
             </a:tbl>
           </a:graphicData>
@@ -7391,6 +7373,1543 @@
   <p:clrMapOvr>
     <a:masterClrMapping/>
   </p:clrMapOvr>
+  <p:timing>
+    <p:tnLst>
+      <p:par>
+        <p:cTn id="1" dur="indefinite" restart="never" nodeType="tmRoot"/>
+      </p:par>
+    </p:tnLst>
+  </p:timing>
+</p:sld>
+</file>
+
+<file path=ppt/slides/slide12.xml><?xml version="1.0" encoding="utf-8"?>
+<p:sld xmlns:a="http://schemas.openxmlformats.org/drawingml/2006/main" xmlns:r="http://schemas.openxmlformats.org/officeDocument/2006/relationships" xmlns:p="http://schemas.openxmlformats.org/presentationml/2006/main">
+  <p:cSld>
+    <p:spTree>
+      <p:nvGrpSpPr>
+        <p:cNvPr id="1" name=""/>
+        <p:cNvGrpSpPr/>
+        <p:nvPr/>
+      </p:nvGrpSpPr>
+      <p:grpSpPr>
+        <a:xfrm>
+          <a:off x="0" y="0"/>
+          <a:ext cx="0" cy="0"/>
+          <a:chOff x="0" y="0"/>
+          <a:chExt cx="0" cy="0"/>
+        </a:xfrm>
+      </p:grpSpPr>
+      <p:sp>
+        <p:nvSpPr>
+          <p:cNvPr id="2" name="TextBox 1"/>
+          <p:cNvSpPr txBox="1"/>
+          <p:nvPr/>
+        </p:nvSpPr>
+        <p:spPr>
+          <a:xfrm>
+            <a:off x="1245609" y="2937138"/>
+            <a:ext cx="6652783" cy="707886"/>
+          </a:xfrm>
+          <a:prstGeom prst="rect">
+            <a:avLst/>
+          </a:prstGeom>
+          <a:noFill/>
+        </p:spPr>
+        <p:txBody>
+          <a:bodyPr wrap="none" rtlCol="0">
+            <a:spAutoFit/>
+          </a:bodyPr>
+          <a:lstStyle/>
+          <a:p>
+            <a:r>
+              <a:rPr lang="en-US" altLang="ko-KR" sz="4000" dirty="0">
+                <a:latin typeface="+mn-ea"/>
+              </a:rPr>
+              <a:t>3</a:t>
+            </a:r>
+            <a:r>
+              <a:rPr lang="ko-KR" altLang="en-US" sz="4000" dirty="0" smtClean="0">
+                <a:latin typeface="+mn-ea"/>
+              </a:rPr>
+              <a:t>장 </a:t>
+            </a:r>
+            <a:r>
+              <a:rPr lang="ko-KR" altLang="en-US" sz="4000" dirty="0" smtClean="0">
+                <a:latin typeface="+mn-ea"/>
+              </a:rPr>
+              <a:t>저장 클래스와 </a:t>
+            </a:r>
+            <a:r>
+              <a:rPr lang="ko-KR" altLang="en-US" sz="4000" dirty="0" err="1" smtClean="0">
+                <a:latin typeface="+mn-ea"/>
+              </a:rPr>
+              <a:t>접근범위</a:t>
+            </a:r>
+            <a:endParaRPr lang="ko-KR" altLang="en-US" sz="4000" dirty="0">
+              <a:latin typeface="+mn-ea"/>
+            </a:endParaRPr>
+          </a:p>
+        </p:txBody>
+      </p:sp>
+      <p:graphicFrame>
+        <p:nvGraphicFramePr>
+          <p:cNvPr id="3" name="개체 2"/>
+          <p:cNvGraphicFramePr>
+            <a:graphicFrameLocks noChangeAspect="1"/>
+          </p:cNvGraphicFramePr>
+          <p:nvPr>
+            <p:extLst>
+              <p:ext uri="{D42A27DB-BD31-4B8C-83A1-F6EECF244321}">
+                <p14:modId xmlns:p14="http://schemas.microsoft.com/office/powerpoint/2010/main" val="1619615563"/>
+              </p:ext>
+            </p:extLst>
+          </p:nvPr>
+        </p:nvGraphicFramePr>
+        <p:xfrm>
+          <a:off x="7989888" y="6242767"/>
+          <a:ext cx="1154112" cy="604837"/>
+        </p:xfrm>
+        <a:graphic>
+          <a:graphicData uri="http://schemas.openxmlformats.org/presentationml/2006/ole">
+            <mc:AlternateContent xmlns:mc="http://schemas.openxmlformats.org/markup-compatibility/2006">
+              <mc:Choice xmlns:v="urn:schemas-microsoft-com:vml" Requires="v">
+                <p:oleObj spid="_x0000_s1026" name="포장기 셸 개체" showAsIcon="1" r:id="rId3" imgW="1154880" imgH="604800" progId="Package">
+                  <p:embed/>
+                </p:oleObj>
+              </mc:Choice>
+              <mc:Fallback>
+                <p:oleObj name="포장기 셸 개체" showAsIcon="1" r:id="rId3" imgW="1154880" imgH="604800" progId="Package">
+                  <p:embed/>
+                  <p:pic>
+                    <p:nvPicPr>
+                      <p:cNvPr id="0" name=""/>
+                      <p:cNvPicPr/>
+                      <p:nvPr/>
+                    </p:nvPicPr>
+                    <p:blipFill>
+                      <a:blip r:embed="rId4"/>
+                      <a:stretch>
+                        <a:fillRect/>
+                      </a:stretch>
+                    </p:blipFill>
+                    <p:spPr>
+                      <a:xfrm>
+                        <a:off x="7989888" y="6242767"/>
+                        <a:ext cx="1154112" cy="604837"/>
+                      </a:xfrm>
+                      <a:prstGeom prst="rect">
+                        <a:avLst/>
+                      </a:prstGeom>
+                    </p:spPr>
+                  </p:pic>
+                </p:oleObj>
+              </mc:Fallback>
+            </mc:AlternateContent>
+          </a:graphicData>
+        </a:graphic>
+      </p:graphicFrame>
+    </p:spTree>
+    <p:extLst>
+      <p:ext uri="{BB962C8B-B14F-4D97-AF65-F5344CB8AC3E}">
+        <p14:creationId xmlns:p14="http://schemas.microsoft.com/office/powerpoint/2010/main" val="2248532225"/>
+      </p:ext>
+    </p:extLst>
+  </p:cSld>
+  <p:clrMapOvr>
+    <a:masterClrMapping/>
+  </p:clrMapOvr>
+  <p:timing>
+    <p:tnLst>
+      <p:par>
+        <p:cTn id="1" dur="indefinite" restart="never" nodeType="tmRoot"/>
+      </p:par>
+    </p:tnLst>
+  </p:timing>
+</p:sld>
+</file>
+
+<file path=ppt/slides/slide13.xml><?xml version="1.0" encoding="utf-8"?>
+<p:sld xmlns:a="http://schemas.openxmlformats.org/drawingml/2006/main" xmlns:r="http://schemas.openxmlformats.org/officeDocument/2006/relationships" xmlns:p="http://schemas.openxmlformats.org/presentationml/2006/main">
+  <p:cSld>
+    <p:spTree>
+      <p:nvGrpSpPr>
+        <p:cNvPr id="1" name=""/>
+        <p:cNvGrpSpPr/>
+        <p:nvPr/>
+      </p:nvGrpSpPr>
+      <p:grpSpPr>
+        <a:xfrm>
+          <a:off x="0" y="0"/>
+          <a:ext cx="0" cy="0"/>
+          <a:chOff x="0" y="0"/>
+          <a:chExt cx="0" cy="0"/>
+        </a:xfrm>
+      </p:grpSpPr>
+      <p:sp>
+        <p:nvSpPr>
+          <p:cNvPr id="2" name="제목 1"/>
+          <p:cNvSpPr>
+            <a:spLocks noGrp="1"/>
+          </p:cNvSpPr>
+          <p:nvPr>
+            <p:ph type="title"/>
+          </p:nvPr>
+        </p:nvSpPr>
+        <p:spPr/>
+        <p:txBody>
+          <a:bodyPr/>
+          <a:lstStyle/>
+          <a:p>
+            <a:r>
+              <a:rPr lang="ko-KR" altLang="en-US" dirty="0" smtClean="0"/>
+              <a:t>저장 클래스와 </a:t>
+            </a:r>
+            <a:r>
+              <a:rPr lang="ko-KR" altLang="en-US" dirty="0" err="1" smtClean="0"/>
+              <a:t>접근범위</a:t>
+            </a:r>
+            <a:endParaRPr lang="ko-KR" altLang="en-US" dirty="0"/>
+          </a:p>
+        </p:txBody>
+      </p:sp>
+      <p:sp>
+        <p:nvSpPr>
+          <p:cNvPr id="3" name="내용 개체 틀 2"/>
+          <p:cNvSpPr>
+            <a:spLocks noGrp="1"/>
+          </p:cNvSpPr>
+          <p:nvPr>
+            <p:ph idx="1"/>
+          </p:nvPr>
+        </p:nvSpPr>
+        <p:spPr/>
+        <p:txBody>
+          <a:bodyPr/>
+          <a:lstStyle/>
+          <a:p>
+            <a:r>
+              <a:rPr lang="ko-KR" altLang="en-US" dirty="0" smtClean="0"/>
+              <a:t>지역변수</a:t>
+            </a:r>
+            <a:endParaRPr lang="en-US" altLang="ko-KR" dirty="0" smtClean="0"/>
+          </a:p>
+          <a:p>
+            <a:pPr lvl="1"/>
+            <a:r>
+              <a:rPr lang="en-US" altLang="ko-KR" dirty="0" smtClean="0"/>
+              <a:t>Block { } </a:t>
+            </a:r>
+            <a:r>
+              <a:rPr lang="ko-KR" altLang="en-US" dirty="0" smtClean="0"/>
+              <a:t>내부에 선언된 변수</a:t>
+            </a:r>
+            <a:endParaRPr lang="en-US" altLang="ko-KR" dirty="0" smtClean="0"/>
+          </a:p>
+          <a:p>
+            <a:pPr lvl="1"/>
+            <a:r>
+              <a:rPr lang="en-US" altLang="ko-KR" dirty="0" smtClean="0"/>
+              <a:t>Block { } </a:t>
+            </a:r>
+            <a:r>
+              <a:rPr lang="ko-KR" altLang="en-US" dirty="0" smtClean="0"/>
+              <a:t>내부에서만 접근 가능</a:t>
+            </a:r>
+            <a:endParaRPr lang="en-US" altLang="ko-KR" dirty="0" smtClean="0"/>
+          </a:p>
+          <a:p>
+            <a:pPr lvl="1"/>
+            <a:r>
+              <a:rPr lang="ko-KR" altLang="en-US" dirty="0" smtClean="0"/>
+              <a:t>상위 </a:t>
+            </a:r>
+            <a:r>
+              <a:rPr lang="en-US" altLang="ko-KR" dirty="0" smtClean="0"/>
+              <a:t>Block</a:t>
+            </a:r>
+            <a:r>
+              <a:rPr lang="ko-KR" altLang="en-US" dirty="0" smtClean="0"/>
+              <a:t>의 지역 변수에는 접근 가능</a:t>
+            </a:r>
+            <a:endParaRPr lang="en-US" altLang="ko-KR" dirty="0" smtClean="0"/>
+          </a:p>
+          <a:p>
+            <a:pPr lvl="1"/>
+            <a:r>
+              <a:rPr lang="ko-KR" altLang="en-US" dirty="0" smtClean="0"/>
+              <a:t>하위 </a:t>
+            </a:r>
+            <a:r>
+              <a:rPr lang="en-US" altLang="ko-KR" dirty="0" smtClean="0"/>
+              <a:t>Block</a:t>
+            </a:r>
+            <a:r>
+              <a:rPr lang="ko-KR" altLang="en-US" dirty="0" smtClean="0"/>
+              <a:t>의 지역 변수에는 접근 불가능</a:t>
+            </a:r>
+            <a:endParaRPr lang="en-US" altLang="ko-KR" dirty="0" smtClean="0"/>
+          </a:p>
+          <a:p>
+            <a:pPr lvl="1"/>
+            <a:endParaRPr lang="en-US" altLang="ko-KR" dirty="0"/>
+          </a:p>
+        </p:txBody>
+      </p:sp>
+      <p:pic>
+        <p:nvPicPr>
+          <p:cNvPr id="5" name="그림 4"/>
+          <p:cNvPicPr>
+            <a:picLocks noChangeAspect="1"/>
+          </p:cNvPicPr>
+          <p:nvPr/>
+        </p:nvPicPr>
+        <p:blipFill rotWithShape="1">
+          <a:blip r:embed="rId2"/>
+          <a:srcRect b="2453"/>
+          <a:stretch/>
+        </p:blipFill>
+        <p:spPr>
+          <a:xfrm>
+            <a:off x="390525" y="2996952"/>
+            <a:ext cx="8753475" cy="3744416"/>
+          </a:xfrm>
+          <a:prstGeom prst="rect">
+            <a:avLst/>
+          </a:prstGeom>
+        </p:spPr>
+      </p:pic>
+    </p:spTree>
+    <p:extLst>
+      <p:ext uri="{BB962C8B-B14F-4D97-AF65-F5344CB8AC3E}">
+        <p14:creationId xmlns:p14="http://schemas.microsoft.com/office/powerpoint/2010/main" val="716975381"/>
+      </p:ext>
+    </p:extLst>
+  </p:cSld>
+  <p:clrMapOvr>
+    <a:masterClrMapping/>
+  </p:clrMapOvr>
+  <p:timing>
+    <p:tnLst>
+      <p:par>
+        <p:cTn id="1" dur="indefinite" restart="never" nodeType="tmRoot"/>
+      </p:par>
+    </p:tnLst>
+  </p:timing>
+</p:sld>
+</file>
+
+<file path=ppt/slides/slide14.xml><?xml version="1.0" encoding="utf-8"?>
+<p:sld xmlns:a="http://schemas.openxmlformats.org/drawingml/2006/main" xmlns:r="http://schemas.openxmlformats.org/officeDocument/2006/relationships" xmlns:p="http://schemas.openxmlformats.org/presentationml/2006/main">
+  <p:cSld>
+    <p:spTree>
+      <p:nvGrpSpPr>
+        <p:cNvPr id="1" name=""/>
+        <p:cNvGrpSpPr/>
+        <p:nvPr/>
+      </p:nvGrpSpPr>
+      <p:grpSpPr>
+        <a:xfrm>
+          <a:off x="0" y="0"/>
+          <a:ext cx="0" cy="0"/>
+          <a:chOff x="0" y="0"/>
+          <a:chExt cx="0" cy="0"/>
+        </a:xfrm>
+      </p:grpSpPr>
+      <p:sp>
+        <p:nvSpPr>
+          <p:cNvPr id="2" name="제목 1"/>
+          <p:cNvSpPr>
+            <a:spLocks noGrp="1"/>
+          </p:cNvSpPr>
+          <p:nvPr>
+            <p:ph type="title"/>
+          </p:nvPr>
+        </p:nvSpPr>
+        <p:spPr/>
+        <p:txBody>
+          <a:bodyPr/>
+          <a:lstStyle/>
+          <a:p>
+            <a:r>
+              <a:rPr lang="ko-KR" altLang="en-US" dirty="0" smtClean="0"/>
+              <a:t>저장 클래스와 </a:t>
+            </a:r>
+            <a:r>
+              <a:rPr lang="ko-KR" altLang="en-US" dirty="0" err="1" smtClean="0"/>
+              <a:t>접근범위</a:t>
+            </a:r>
+            <a:endParaRPr lang="ko-KR" altLang="en-US" dirty="0"/>
+          </a:p>
+        </p:txBody>
+      </p:sp>
+      <p:sp>
+        <p:nvSpPr>
+          <p:cNvPr id="3" name="내용 개체 틀 2"/>
+          <p:cNvSpPr>
+            <a:spLocks noGrp="1"/>
+          </p:cNvSpPr>
+          <p:nvPr>
+            <p:ph idx="1"/>
+          </p:nvPr>
+        </p:nvSpPr>
+        <p:spPr/>
+        <p:txBody>
+          <a:bodyPr/>
+          <a:lstStyle/>
+          <a:p>
+            <a:r>
+              <a:rPr lang="ko-KR" altLang="en-US" dirty="0" smtClean="0"/>
+              <a:t>지역변수</a:t>
+            </a:r>
+            <a:endParaRPr lang="en-US" altLang="ko-KR" dirty="0" smtClean="0"/>
+          </a:p>
+          <a:p>
+            <a:pPr lvl="1"/>
+            <a:r>
+              <a:rPr lang="ko-KR" altLang="en-US" dirty="0" smtClean="0"/>
+              <a:t>같은 이름이면 접근 가능한 변수 중 가장 가까운 변수에 접근</a:t>
+            </a:r>
+            <a:endParaRPr lang="ko-KR" altLang="en-US" dirty="0"/>
+          </a:p>
+        </p:txBody>
+      </p:sp>
+      <p:pic>
+        <p:nvPicPr>
+          <p:cNvPr id="4" name="그림 3"/>
+          <p:cNvPicPr>
+            <a:picLocks noChangeAspect="1"/>
+          </p:cNvPicPr>
+          <p:nvPr/>
+        </p:nvPicPr>
+        <p:blipFill rotWithShape="1">
+          <a:blip r:embed="rId2"/>
+          <a:srcRect t="12096"/>
+          <a:stretch/>
+        </p:blipFill>
+        <p:spPr>
+          <a:xfrm>
+            <a:off x="371475" y="3573016"/>
+            <a:ext cx="8772525" cy="3139827"/>
+          </a:xfrm>
+          <a:prstGeom prst="rect">
+            <a:avLst/>
+          </a:prstGeom>
+        </p:spPr>
+      </p:pic>
+    </p:spTree>
+    <p:extLst>
+      <p:ext uri="{BB962C8B-B14F-4D97-AF65-F5344CB8AC3E}">
+        <p14:creationId xmlns:p14="http://schemas.microsoft.com/office/powerpoint/2010/main" val="3096176865"/>
+      </p:ext>
+    </p:extLst>
+  </p:cSld>
+  <p:clrMapOvr>
+    <a:masterClrMapping/>
+  </p:clrMapOvr>
+  <p:timing>
+    <p:tnLst>
+      <p:par>
+        <p:cTn id="1" dur="indefinite" restart="never" nodeType="tmRoot"/>
+      </p:par>
+    </p:tnLst>
+  </p:timing>
+</p:sld>
+</file>
+
+<file path=ppt/slides/slide15.xml><?xml version="1.0" encoding="utf-8"?>
+<p:sld xmlns:a="http://schemas.openxmlformats.org/drawingml/2006/main" xmlns:r="http://schemas.openxmlformats.org/officeDocument/2006/relationships" xmlns:p="http://schemas.openxmlformats.org/presentationml/2006/main">
+  <p:cSld>
+    <p:spTree>
+      <p:nvGrpSpPr>
+        <p:cNvPr id="1" name=""/>
+        <p:cNvGrpSpPr/>
+        <p:nvPr/>
+      </p:nvGrpSpPr>
+      <p:grpSpPr>
+        <a:xfrm>
+          <a:off x="0" y="0"/>
+          <a:ext cx="0" cy="0"/>
+          <a:chOff x="0" y="0"/>
+          <a:chExt cx="0" cy="0"/>
+        </a:xfrm>
+      </p:grpSpPr>
+      <p:sp>
+        <p:nvSpPr>
+          <p:cNvPr id="2" name="제목 1"/>
+          <p:cNvSpPr>
+            <a:spLocks noGrp="1"/>
+          </p:cNvSpPr>
+          <p:nvPr>
+            <p:ph type="title"/>
+          </p:nvPr>
+        </p:nvSpPr>
+        <p:spPr/>
+        <p:txBody>
+          <a:bodyPr/>
+          <a:lstStyle/>
+          <a:p>
+            <a:r>
+              <a:rPr lang="ko-KR" altLang="en-US" dirty="0" smtClean="0"/>
+              <a:t>저장 클래스와 </a:t>
+            </a:r>
+            <a:r>
+              <a:rPr lang="ko-KR" altLang="en-US" dirty="0" err="1" smtClean="0"/>
+              <a:t>접근범위</a:t>
+            </a:r>
+            <a:endParaRPr lang="ko-KR" altLang="en-US" dirty="0"/>
+          </a:p>
+        </p:txBody>
+      </p:sp>
+      <p:sp>
+        <p:nvSpPr>
+          <p:cNvPr id="3" name="내용 개체 틀 2"/>
+          <p:cNvSpPr>
+            <a:spLocks noGrp="1"/>
+          </p:cNvSpPr>
+          <p:nvPr>
+            <p:ph idx="1"/>
+          </p:nvPr>
+        </p:nvSpPr>
+        <p:spPr/>
+        <p:txBody>
+          <a:bodyPr/>
+          <a:lstStyle/>
+          <a:p>
+            <a:r>
+              <a:rPr lang="ko-KR" altLang="en-US" dirty="0" smtClean="0"/>
+              <a:t>전역 변수</a:t>
+            </a:r>
+            <a:endParaRPr lang="en-US" altLang="ko-KR" dirty="0" smtClean="0"/>
+          </a:p>
+          <a:p>
+            <a:pPr lvl="1"/>
+            <a:r>
+              <a:rPr lang="ko-KR" altLang="en-US" dirty="0" smtClean="0"/>
+              <a:t>동일 모듈 내에서 접근 가능</a:t>
+            </a:r>
+            <a:endParaRPr lang="en-US" altLang="ko-KR" dirty="0" smtClean="0"/>
+          </a:p>
+          <a:p>
+            <a:pPr lvl="1"/>
+            <a:r>
+              <a:rPr lang="ko-KR" altLang="en-US" dirty="0" smtClean="0"/>
+              <a:t>첫 접근 시점에 초기화</a:t>
+            </a:r>
+            <a:endParaRPr lang="en-US" altLang="ko-KR" dirty="0" smtClean="0"/>
+          </a:p>
+          <a:p>
+            <a:pPr lvl="1"/>
+            <a:endParaRPr lang="en-US" altLang="ko-KR" dirty="0"/>
+          </a:p>
+          <a:p>
+            <a:pPr lvl="1"/>
+            <a:r>
+              <a:rPr lang="ko-KR" altLang="en-US" dirty="0" smtClean="0"/>
+              <a:t>우선순위</a:t>
+            </a:r>
+            <a:r>
+              <a:rPr lang="en-US" altLang="ko-KR" dirty="0" smtClean="0"/>
+              <a:t>: </a:t>
+            </a:r>
+            <a:r>
+              <a:rPr lang="ko-KR" altLang="en-US" dirty="0" err="1" smtClean="0"/>
+              <a:t>전역변수</a:t>
+            </a:r>
+            <a:r>
+              <a:rPr lang="ko-KR" altLang="en-US" dirty="0" smtClean="0"/>
+              <a:t> </a:t>
+            </a:r>
+            <a:r>
+              <a:rPr lang="en-US" altLang="ko-KR" dirty="0" smtClean="0"/>
+              <a:t>&lt; </a:t>
+            </a:r>
+            <a:r>
+              <a:rPr lang="ko-KR" altLang="en-US" dirty="0" smtClean="0"/>
+              <a:t>지역변수</a:t>
+            </a:r>
+            <a:endParaRPr lang="en-US" altLang="ko-KR" dirty="0" smtClean="0"/>
+          </a:p>
+          <a:p>
+            <a:pPr lvl="1"/>
+            <a:endParaRPr lang="ko-KR" altLang="en-US" dirty="0"/>
+          </a:p>
+        </p:txBody>
+      </p:sp>
+      <p:pic>
+        <p:nvPicPr>
+          <p:cNvPr id="5" name="그림 4"/>
+          <p:cNvPicPr>
+            <a:picLocks noChangeAspect="1"/>
+          </p:cNvPicPr>
+          <p:nvPr/>
+        </p:nvPicPr>
+        <p:blipFill>
+          <a:blip r:embed="rId2"/>
+          <a:stretch>
+            <a:fillRect/>
+          </a:stretch>
+        </p:blipFill>
+        <p:spPr>
+          <a:xfrm>
+            <a:off x="375625" y="4550618"/>
+            <a:ext cx="8772525" cy="2190750"/>
+          </a:xfrm>
+          <a:prstGeom prst="rect">
+            <a:avLst/>
+          </a:prstGeom>
+        </p:spPr>
+      </p:pic>
+    </p:spTree>
+    <p:extLst>
+      <p:ext uri="{BB962C8B-B14F-4D97-AF65-F5344CB8AC3E}">
+        <p14:creationId xmlns:p14="http://schemas.microsoft.com/office/powerpoint/2010/main" val="3945910518"/>
+      </p:ext>
+    </p:extLst>
+  </p:cSld>
+  <p:clrMapOvr>
+    <a:masterClrMapping/>
+  </p:clrMapOvr>
+  <p:timing>
+    <p:tnLst>
+      <p:par>
+        <p:cTn id="1" dur="indefinite" restart="never" nodeType="tmRoot"/>
+      </p:par>
+    </p:tnLst>
+  </p:timing>
+</p:sld>
+</file>
+
+<file path=ppt/slides/slide16.xml><?xml version="1.0" encoding="utf-8"?>
+<p:sld xmlns:a="http://schemas.openxmlformats.org/drawingml/2006/main" xmlns:r="http://schemas.openxmlformats.org/officeDocument/2006/relationships" xmlns:p="http://schemas.openxmlformats.org/presentationml/2006/main">
+  <p:cSld>
+    <p:spTree>
+      <p:nvGrpSpPr>
+        <p:cNvPr id="1" name=""/>
+        <p:cNvGrpSpPr/>
+        <p:nvPr/>
+      </p:nvGrpSpPr>
+      <p:grpSpPr>
+        <a:xfrm>
+          <a:off x="0" y="0"/>
+          <a:ext cx="0" cy="0"/>
+          <a:chOff x="0" y="0"/>
+          <a:chExt cx="0" cy="0"/>
+        </a:xfrm>
+      </p:grpSpPr>
+      <p:sp>
+        <p:nvSpPr>
+          <p:cNvPr id="2" name="TextBox 1"/>
+          <p:cNvSpPr txBox="1"/>
+          <p:nvPr/>
+        </p:nvSpPr>
+        <p:spPr>
+          <a:xfrm>
+            <a:off x="1853756" y="2937138"/>
+            <a:ext cx="5436488" cy="707886"/>
+          </a:xfrm>
+          <a:prstGeom prst="rect">
+            <a:avLst/>
+          </a:prstGeom>
+          <a:noFill/>
+        </p:spPr>
+        <p:txBody>
+          <a:bodyPr wrap="none" rtlCol="0">
+            <a:spAutoFit/>
+          </a:bodyPr>
+          <a:lstStyle/>
+          <a:p>
+            <a:r>
+              <a:rPr lang="en-US" altLang="ko-KR" sz="4000" dirty="0">
+                <a:latin typeface="+mn-ea"/>
+              </a:rPr>
+              <a:t>4</a:t>
+            </a:r>
+            <a:r>
+              <a:rPr lang="ko-KR" altLang="en-US" sz="4000" dirty="0" smtClean="0">
+                <a:latin typeface="+mn-ea"/>
+              </a:rPr>
+              <a:t>장 </a:t>
+            </a:r>
+            <a:r>
+              <a:rPr lang="ko-KR" altLang="en-US" sz="4000" dirty="0" err="1" smtClean="0">
+                <a:latin typeface="+mn-ea"/>
+              </a:rPr>
+              <a:t>옵셔널</a:t>
+            </a:r>
+            <a:r>
+              <a:rPr lang="ko-KR" altLang="en-US" sz="4000" dirty="0" smtClean="0">
+                <a:latin typeface="+mn-ea"/>
+              </a:rPr>
+              <a:t> </a:t>
+            </a:r>
+            <a:r>
+              <a:rPr lang="en-US" altLang="ko-KR" sz="4000" dirty="0" smtClean="0">
+                <a:latin typeface="+mn-ea"/>
+              </a:rPr>
+              <a:t>(swift only)</a:t>
+            </a:r>
+            <a:endParaRPr lang="ko-KR" altLang="en-US" sz="4000" dirty="0">
+              <a:latin typeface="+mn-ea"/>
+            </a:endParaRPr>
+          </a:p>
+        </p:txBody>
+      </p:sp>
+      <p:graphicFrame>
+        <p:nvGraphicFramePr>
+          <p:cNvPr id="4" name="개체 3"/>
+          <p:cNvGraphicFramePr>
+            <a:graphicFrameLocks noChangeAspect="1"/>
+          </p:cNvGraphicFramePr>
+          <p:nvPr>
+            <p:extLst>
+              <p:ext uri="{D42A27DB-BD31-4B8C-83A1-F6EECF244321}">
+                <p14:modId xmlns:p14="http://schemas.microsoft.com/office/powerpoint/2010/main" val="174843180"/>
+              </p:ext>
+            </p:extLst>
+          </p:nvPr>
+        </p:nvGraphicFramePr>
+        <p:xfrm>
+          <a:off x="7958572" y="6253163"/>
+          <a:ext cx="1154112" cy="604837"/>
+        </p:xfrm>
+        <a:graphic>
+          <a:graphicData uri="http://schemas.openxmlformats.org/presentationml/2006/ole">
+            <mc:AlternateContent xmlns:mc="http://schemas.openxmlformats.org/markup-compatibility/2006">
+              <mc:Choice xmlns:v="urn:schemas-microsoft-com:vml" Requires="v">
+                <p:oleObj spid="_x0000_s2050" name="포장기 셸 개체" showAsIcon="1" r:id="rId3" imgW="1154880" imgH="604800" progId="Package">
+                  <p:embed/>
+                </p:oleObj>
+              </mc:Choice>
+              <mc:Fallback>
+                <p:oleObj name="포장기 셸 개체" showAsIcon="1" r:id="rId3" imgW="1154880" imgH="604800" progId="Package">
+                  <p:embed/>
+                  <p:pic>
+                    <p:nvPicPr>
+                      <p:cNvPr id="0" name=""/>
+                      <p:cNvPicPr/>
+                      <p:nvPr/>
+                    </p:nvPicPr>
+                    <p:blipFill>
+                      <a:blip r:embed="rId4"/>
+                      <a:stretch>
+                        <a:fillRect/>
+                      </a:stretch>
+                    </p:blipFill>
+                    <p:spPr>
+                      <a:xfrm>
+                        <a:off x="7958572" y="6253163"/>
+                        <a:ext cx="1154112" cy="604837"/>
+                      </a:xfrm>
+                      <a:prstGeom prst="rect">
+                        <a:avLst/>
+                      </a:prstGeom>
+                    </p:spPr>
+                  </p:pic>
+                </p:oleObj>
+              </mc:Fallback>
+            </mc:AlternateContent>
+          </a:graphicData>
+        </a:graphic>
+      </p:graphicFrame>
+    </p:spTree>
+    <p:extLst>
+      <p:ext uri="{BB962C8B-B14F-4D97-AF65-F5344CB8AC3E}">
+        <p14:creationId xmlns:p14="http://schemas.microsoft.com/office/powerpoint/2010/main" val="750454511"/>
+      </p:ext>
+    </p:extLst>
+  </p:cSld>
+  <p:clrMapOvr>
+    <a:masterClrMapping/>
+  </p:clrMapOvr>
+  <p:timing>
+    <p:tnLst>
+      <p:par>
+        <p:cTn id="1" dur="indefinite" restart="never" nodeType="tmRoot"/>
+      </p:par>
+    </p:tnLst>
+  </p:timing>
+</p:sld>
+</file>
+
+<file path=ppt/slides/slide17.xml><?xml version="1.0" encoding="utf-8"?>
+<p:sld xmlns:a="http://schemas.openxmlformats.org/drawingml/2006/main" xmlns:r="http://schemas.openxmlformats.org/officeDocument/2006/relationships" xmlns:p="http://schemas.openxmlformats.org/presentationml/2006/main">
+  <p:cSld>
+    <p:spTree>
+      <p:nvGrpSpPr>
+        <p:cNvPr id="1" name=""/>
+        <p:cNvGrpSpPr/>
+        <p:nvPr/>
+      </p:nvGrpSpPr>
+      <p:grpSpPr>
+        <a:xfrm>
+          <a:off x="0" y="0"/>
+          <a:ext cx="0" cy="0"/>
+          <a:chOff x="0" y="0"/>
+          <a:chExt cx="0" cy="0"/>
+        </a:xfrm>
+      </p:grpSpPr>
+      <p:sp>
+        <p:nvSpPr>
+          <p:cNvPr id="2" name="제목 1"/>
+          <p:cNvSpPr>
+            <a:spLocks noGrp="1"/>
+          </p:cNvSpPr>
+          <p:nvPr>
+            <p:ph type="title"/>
+          </p:nvPr>
+        </p:nvSpPr>
+        <p:spPr/>
+        <p:txBody>
+          <a:bodyPr/>
+          <a:lstStyle/>
+          <a:p>
+            <a:r>
+              <a:rPr lang="ko-KR" altLang="en-US" dirty="0" err="1" smtClean="0"/>
+              <a:t>옵셔널</a:t>
+            </a:r>
+            <a:endParaRPr lang="ko-KR" altLang="en-US" dirty="0"/>
+          </a:p>
+        </p:txBody>
+      </p:sp>
+      <p:sp>
+        <p:nvSpPr>
+          <p:cNvPr id="3" name="내용 개체 틀 2"/>
+          <p:cNvSpPr>
+            <a:spLocks noGrp="1"/>
+          </p:cNvSpPr>
+          <p:nvPr>
+            <p:ph idx="1"/>
+          </p:nvPr>
+        </p:nvSpPr>
+        <p:spPr/>
+        <p:txBody>
+          <a:bodyPr/>
+          <a:lstStyle/>
+          <a:p>
+            <a:r>
+              <a:rPr lang="en-US" altLang="ko-KR" dirty="0" smtClean="0"/>
+              <a:t>Optional Type</a:t>
+            </a:r>
+          </a:p>
+          <a:p>
+            <a:pPr lvl="1"/>
+            <a:r>
+              <a:rPr lang="en-US" altLang="ko-KR" dirty="0" smtClean="0"/>
+              <a:t>nil </a:t>
+            </a:r>
+            <a:r>
+              <a:rPr lang="ko-KR" altLang="en-US" dirty="0" smtClean="0"/>
+              <a:t>값을 가질 수 있는 형식</a:t>
+            </a:r>
+            <a:endParaRPr lang="en-US" altLang="ko-KR" dirty="0" smtClean="0"/>
+          </a:p>
+          <a:p>
+            <a:pPr lvl="1"/>
+            <a:r>
+              <a:rPr lang="ko-KR" altLang="en-US" dirty="0" smtClean="0"/>
+              <a:t>선언 방법</a:t>
+            </a:r>
+            <a:endParaRPr lang="en-US" altLang="ko-KR" dirty="0" smtClean="0"/>
+          </a:p>
+          <a:p>
+            <a:pPr lvl="2"/>
+            <a:r>
+              <a:rPr lang="en-US" altLang="ko-KR" dirty="0" err="1"/>
+              <a:t>v</a:t>
+            </a:r>
+            <a:r>
+              <a:rPr lang="en-US" altLang="ko-KR" dirty="0" err="1" smtClean="0"/>
+              <a:t>ar</a:t>
+            </a:r>
+            <a:r>
+              <a:rPr lang="en-US" altLang="ko-KR" dirty="0" smtClean="0"/>
+              <a:t> name: String</a:t>
+            </a:r>
+            <a:r>
+              <a:rPr lang="en-US" altLang="ko-KR" dirty="0" smtClean="0">
+                <a:solidFill>
+                  <a:srgbClr val="FF0000"/>
+                </a:solidFill>
+              </a:rPr>
+              <a:t>? </a:t>
+            </a:r>
+            <a:r>
+              <a:rPr lang="en-US" altLang="ko-KR" sz="1400" dirty="0" smtClean="0">
+                <a:solidFill>
+                  <a:srgbClr val="FFFF00"/>
+                </a:solidFill>
+                <a:sym typeface="Wingdings" panose="05000000000000000000" pitchFamily="2" charset="2"/>
+              </a:rPr>
+              <a:t> </a:t>
+            </a:r>
+            <a:r>
+              <a:rPr lang="ko-KR" altLang="en-US" sz="1400" dirty="0" err="1" smtClean="0">
+                <a:solidFill>
+                  <a:srgbClr val="FFFF00"/>
+                </a:solidFill>
+                <a:sym typeface="Wingdings" panose="05000000000000000000" pitchFamily="2" charset="2"/>
+              </a:rPr>
+              <a:t>자료형</a:t>
+            </a:r>
+            <a:r>
+              <a:rPr lang="ko-KR" altLang="en-US" sz="1400" dirty="0" smtClean="0">
+                <a:solidFill>
+                  <a:srgbClr val="FFFF00"/>
+                </a:solidFill>
+                <a:sym typeface="Wingdings" panose="05000000000000000000" pitchFamily="2" charset="2"/>
+              </a:rPr>
+              <a:t> 뒤에 </a:t>
+            </a:r>
+            <a:r>
+              <a:rPr lang="en-US" altLang="ko-KR" sz="1400" dirty="0" smtClean="0">
+                <a:solidFill>
+                  <a:srgbClr val="FFFF00"/>
+                </a:solidFill>
+                <a:sym typeface="Wingdings" panose="05000000000000000000" pitchFamily="2" charset="2"/>
+              </a:rPr>
+              <a:t>?</a:t>
+            </a:r>
+            <a:r>
+              <a:rPr lang="ko-KR" altLang="en-US" sz="1400" dirty="0" smtClean="0">
+                <a:solidFill>
+                  <a:srgbClr val="FFFF00"/>
+                </a:solidFill>
+                <a:sym typeface="Wingdings" panose="05000000000000000000" pitchFamily="2" charset="2"/>
+              </a:rPr>
+              <a:t> 추가</a:t>
+            </a:r>
+            <a:endParaRPr lang="en-US" altLang="ko-KR" sz="1400" dirty="0" smtClean="0">
+              <a:solidFill>
+                <a:srgbClr val="FFFF00"/>
+              </a:solidFill>
+              <a:sym typeface="Wingdings" panose="05000000000000000000" pitchFamily="2" charset="2"/>
+            </a:endParaRPr>
+          </a:p>
+          <a:p>
+            <a:pPr lvl="1"/>
+            <a:endParaRPr lang="en-US" altLang="ko-KR" dirty="0" smtClean="0">
+              <a:solidFill>
+                <a:srgbClr val="FFFF00"/>
+              </a:solidFill>
+            </a:endParaRPr>
+          </a:p>
+          <a:p>
+            <a:pPr lvl="1"/>
+            <a:r>
+              <a:rPr lang="ko-KR" altLang="en-US" dirty="0" smtClean="0"/>
+              <a:t>초기화 하지 않으면 </a:t>
+            </a:r>
+            <a:r>
+              <a:rPr lang="en-US" altLang="ko-KR" dirty="0" smtClean="0"/>
+              <a:t>nil</a:t>
+            </a:r>
+            <a:r>
+              <a:rPr lang="ko-KR" altLang="en-US" dirty="0" smtClean="0"/>
+              <a:t>로 자동 초기화</a:t>
+            </a:r>
+            <a:endParaRPr lang="en-US" altLang="ko-KR" dirty="0" smtClean="0"/>
+          </a:p>
+        </p:txBody>
+      </p:sp>
+    </p:spTree>
+    <p:extLst>
+      <p:ext uri="{BB962C8B-B14F-4D97-AF65-F5344CB8AC3E}">
+        <p14:creationId xmlns:p14="http://schemas.microsoft.com/office/powerpoint/2010/main" val="3541069758"/>
+      </p:ext>
+    </p:extLst>
+  </p:cSld>
+  <p:clrMapOvr>
+    <a:masterClrMapping/>
+  </p:clrMapOvr>
+  <p:timing>
+    <p:tnLst>
+      <p:par>
+        <p:cTn id="1" dur="indefinite" restart="never" nodeType="tmRoot"/>
+      </p:par>
+    </p:tnLst>
+  </p:timing>
+</p:sld>
+</file>
+
+<file path=ppt/slides/slide18.xml><?xml version="1.0" encoding="utf-8"?>
+<p:sld xmlns:a="http://schemas.openxmlformats.org/drawingml/2006/main" xmlns:r="http://schemas.openxmlformats.org/officeDocument/2006/relationships" xmlns:p="http://schemas.openxmlformats.org/presentationml/2006/main">
+  <p:cSld>
+    <p:spTree>
+      <p:nvGrpSpPr>
+        <p:cNvPr id="1" name=""/>
+        <p:cNvGrpSpPr/>
+        <p:nvPr/>
+      </p:nvGrpSpPr>
+      <p:grpSpPr>
+        <a:xfrm>
+          <a:off x="0" y="0"/>
+          <a:ext cx="0" cy="0"/>
+          <a:chOff x="0" y="0"/>
+          <a:chExt cx="0" cy="0"/>
+        </a:xfrm>
+      </p:grpSpPr>
+      <p:sp>
+        <p:nvSpPr>
+          <p:cNvPr id="2" name="제목 1"/>
+          <p:cNvSpPr>
+            <a:spLocks noGrp="1"/>
+          </p:cNvSpPr>
+          <p:nvPr>
+            <p:ph type="title"/>
+          </p:nvPr>
+        </p:nvSpPr>
+        <p:spPr/>
+        <p:txBody>
+          <a:bodyPr/>
+          <a:lstStyle/>
+          <a:p>
+            <a:r>
+              <a:rPr lang="ko-KR" altLang="en-US" dirty="0" err="1" smtClean="0"/>
+              <a:t>옵셔널</a:t>
+            </a:r>
+            <a:endParaRPr lang="ko-KR" altLang="en-US" dirty="0"/>
+          </a:p>
+        </p:txBody>
+      </p:sp>
+      <p:sp>
+        <p:nvSpPr>
+          <p:cNvPr id="3" name="내용 개체 틀 2"/>
+          <p:cNvSpPr>
+            <a:spLocks noGrp="1"/>
+          </p:cNvSpPr>
+          <p:nvPr>
+            <p:ph idx="1"/>
+          </p:nvPr>
+        </p:nvSpPr>
+        <p:spPr/>
+        <p:txBody>
+          <a:bodyPr/>
+          <a:lstStyle/>
+          <a:p>
+            <a:r>
+              <a:rPr lang="en-US" altLang="ko-KR" dirty="0"/>
+              <a:t>Wrapping &amp; </a:t>
+            </a:r>
+            <a:r>
+              <a:rPr lang="en-US" altLang="ko-KR" dirty="0" smtClean="0"/>
+              <a:t>Unwrapping</a:t>
+            </a:r>
+          </a:p>
+          <a:p>
+            <a:pPr lvl="1"/>
+            <a:r>
+              <a:rPr lang="en-US" altLang="ko-KR" dirty="0" smtClean="0"/>
+              <a:t>Optional type</a:t>
+            </a:r>
+            <a:r>
+              <a:rPr lang="ko-KR" altLang="en-US" dirty="0" smtClean="0"/>
+              <a:t>에 </a:t>
+            </a:r>
+            <a:r>
+              <a:rPr lang="en-US" altLang="ko-KR" dirty="0" smtClean="0"/>
+              <a:t>‘!’ </a:t>
+            </a:r>
+            <a:r>
+              <a:rPr lang="ko-KR" altLang="en-US" dirty="0" smtClean="0"/>
+              <a:t>문자를 붙여야 값이 추출됨</a:t>
+            </a:r>
+            <a:endParaRPr lang="en-US" altLang="ko-KR" dirty="0"/>
+          </a:p>
+          <a:p>
+            <a:pPr lvl="2"/>
+            <a:r>
+              <a:rPr lang="ko-KR" altLang="en-US" dirty="0" smtClean="0"/>
+              <a:t>반드시 값이 저장되어 있어야 함</a:t>
+            </a:r>
+            <a:r>
+              <a:rPr lang="en-US" altLang="ko-KR" dirty="0" smtClean="0"/>
+              <a:t>.</a:t>
+            </a:r>
+          </a:p>
+          <a:p>
+            <a:pPr lvl="1"/>
+            <a:endParaRPr lang="en-US" altLang="ko-KR" dirty="0"/>
+          </a:p>
+          <a:p>
+            <a:pPr lvl="1"/>
+            <a:endParaRPr lang="en-US" altLang="ko-KR" dirty="0" smtClean="0"/>
+          </a:p>
+          <a:p>
+            <a:pPr lvl="1"/>
+            <a:endParaRPr lang="en-US" altLang="ko-KR" dirty="0"/>
+          </a:p>
+          <a:p>
+            <a:pPr lvl="1"/>
+            <a:r>
+              <a:rPr lang="ko-KR" altLang="en-US" dirty="0" smtClean="0"/>
+              <a:t>선언 시 </a:t>
+            </a:r>
+            <a:r>
+              <a:rPr lang="en-US" altLang="ko-KR" dirty="0" smtClean="0"/>
+              <a:t>‘?’ </a:t>
+            </a:r>
+            <a:r>
+              <a:rPr lang="ko-KR" altLang="en-US" dirty="0" smtClean="0"/>
+              <a:t>대신 </a:t>
+            </a:r>
+            <a:r>
+              <a:rPr lang="en-US" altLang="ko-KR" dirty="0" smtClean="0"/>
+              <a:t>‘!’</a:t>
+            </a:r>
+            <a:r>
+              <a:rPr lang="ko-KR" altLang="en-US" dirty="0" smtClean="0"/>
+              <a:t>를 사용하면 </a:t>
+            </a:r>
+            <a:r>
+              <a:rPr lang="en-US" altLang="ko-KR" dirty="0" smtClean="0"/>
+              <a:t>‘!’ </a:t>
+            </a:r>
+            <a:r>
+              <a:rPr lang="ko-KR" altLang="en-US" dirty="0" smtClean="0"/>
+              <a:t>연산자 사용하지 않아도 값 추출</a:t>
+            </a:r>
+            <a:endParaRPr lang="en-US" altLang="ko-KR" dirty="0" smtClean="0"/>
+          </a:p>
+          <a:p>
+            <a:pPr lvl="2"/>
+            <a:r>
+              <a:rPr lang="en-US" altLang="ko-KR" dirty="0" err="1" smtClean="0"/>
+              <a:t>var</a:t>
+            </a:r>
+            <a:r>
+              <a:rPr lang="en-US" altLang="ko-KR" dirty="0" smtClean="0"/>
+              <a:t>  name: String! = “Swift”</a:t>
+            </a:r>
+          </a:p>
+          <a:p>
+            <a:pPr lvl="2"/>
+            <a:r>
+              <a:rPr lang="en-US" altLang="ko-KR" dirty="0" smtClean="0"/>
+              <a:t>print(name) // Swift</a:t>
+            </a:r>
+          </a:p>
+          <a:p>
+            <a:pPr lvl="2"/>
+            <a:endParaRPr lang="en-US" altLang="ko-KR" dirty="0" smtClean="0"/>
+          </a:p>
+        </p:txBody>
+      </p:sp>
+      <p:pic>
+        <p:nvPicPr>
+          <p:cNvPr id="4" name="그림 3"/>
+          <p:cNvPicPr>
+            <a:picLocks noChangeAspect="1"/>
+          </p:cNvPicPr>
+          <p:nvPr/>
+        </p:nvPicPr>
+        <p:blipFill>
+          <a:blip r:embed="rId2"/>
+          <a:stretch>
+            <a:fillRect/>
+          </a:stretch>
+        </p:blipFill>
+        <p:spPr>
+          <a:xfrm>
+            <a:off x="390525" y="4149080"/>
+            <a:ext cx="8753475" cy="2552700"/>
+          </a:xfrm>
+          <a:prstGeom prst="rect">
+            <a:avLst/>
+          </a:prstGeom>
+        </p:spPr>
+      </p:pic>
+      <p:grpSp>
+        <p:nvGrpSpPr>
+          <p:cNvPr id="5" name="그룹 4"/>
+          <p:cNvGrpSpPr/>
+          <p:nvPr/>
+        </p:nvGrpSpPr>
+        <p:grpSpPr>
+          <a:xfrm>
+            <a:off x="1979712" y="1948770"/>
+            <a:ext cx="4077498" cy="616134"/>
+            <a:chOff x="1547664" y="2492896"/>
+            <a:chExt cx="3024271" cy="616134"/>
+          </a:xfrm>
+        </p:grpSpPr>
+        <p:sp>
+          <p:nvSpPr>
+            <p:cNvPr id="6" name="TextBox 5"/>
+            <p:cNvSpPr txBox="1"/>
+            <p:nvPr/>
+          </p:nvSpPr>
+          <p:spPr>
+            <a:xfrm>
+              <a:off x="1547664" y="2708920"/>
+              <a:ext cx="1572497" cy="400110"/>
+            </a:xfrm>
+            <a:prstGeom prst="rect">
+              <a:avLst/>
+            </a:prstGeom>
+            <a:noFill/>
+          </p:spPr>
+          <p:txBody>
+            <a:bodyPr wrap="none" rtlCol="0">
+              <a:spAutoFit/>
+            </a:bodyPr>
+            <a:lstStyle/>
+            <a:p>
+              <a:r>
+                <a:rPr lang="en-US" altLang="ko-KR" sz="2000" dirty="0" err="1" smtClean="0">
+                  <a:latin typeface="+mn-ea"/>
+                </a:rPr>
+                <a:t>printf</a:t>
+              </a:r>
+              <a:r>
+                <a:rPr lang="en-US" altLang="ko-KR" sz="2000" dirty="0" smtClean="0">
+                  <a:latin typeface="+mn-ea"/>
+                </a:rPr>
+                <a:t>(“%d”, *</a:t>
+              </a:r>
+              <a:r>
+                <a:rPr lang="en-US" altLang="ko-KR" sz="2000" dirty="0" err="1" smtClean="0">
+                  <a:latin typeface="+mn-ea"/>
+                </a:rPr>
+                <a:t>str</a:t>
+              </a:r>
+              <a:r>
+                <a:rPr lang="en-US" altLang="ko-KR" sz="2000" dirty="0" smtClean="0">
+                  <a:latin typeface="+mn-ea"/>
+                </a:rPr>
+                <a:t>);</a:t>
+              </a:r>
+              <a:endParaRPr lang="ko-KR" altLang="en-US" sz="2000" dirty="0">
+                <a:latin typeface="+mn-ea"/>
+              </a:endParaRPr>
+            </a:p>
+          </p:txBody>
+        </p:sp>
+        <p:sp>
+          <p:nvSpPr>
+            <p:cNvPr id="7" name="TextBox 6"/>
+            <p:cNvSpPr txBox="1"/>
+            <p:nvPr/>
+          </p:nvSpPr>
+          <p:spPr>
+            <a:xfrm>
+              <a:off x="3644321" y="2708920"/>
+              <a:ext cx="927614" cy="400110"/>
+            </a:xfrm>
+            <a:prstGeom prst="rect">
+              <a:avLst/>
+            </a:prstGeom>
+            <a:noFill/>
+          </p:spPr>
+          <p:txBody>
+            <a:bodyPr wrap="none" rtlCol="0">
+              <a:spAutoFit/>
+            </a:bodyPr>
+            <a:lstStyle/>
+            <a:p>
+              <a:r>
+                <a:rPr lang="en-US" altLang="ko-KR" sz="2000" dirty="0" smtClean="0">
+                  <a:latin typeface="+mn-ea"/>
+                </a:rPr>
+                <a:t>print(</a:t>
+              </a:r>
+              <a:r>
+                <a:rPr lang="en-US" altLang="ko-KR" sz="2000" dirty="0" err="1" smtClean="0">
+                  <a:latin typeface="+mn-ea"/>
+                </a:rPr>
+                <a:t>str</a:t>
+              </a:r>
+              <a:r>
+                <a:rPr lang="en-US" altLang="ko-KR" sz="2000" dirty="0" smtClean="0">
+                  <a:latin typeface="+mn-ea"/>
+                </a:rPr>
+                <a:t>!)</a:t>
+              </a:r>
+              <a:endParaRPr lang="ko-KR" altLang="en-US" sz="2000" dirty="0">
+                <a:latin typeface="+mn-ea"/>
+              </a:endParaRPr>
+            </a:p>
+          </p:txBody>
+        </p:sp>
+        <p:sp>
+          <p:nvSpPr>
+            <p:cNvPr id="9" name="TextBox 8"/>
+            <p:cNvSpPr txBox="1"/>
+            <p:nvPr/>
+          </p:nvSpPr>
+          <p:spPr>
+            <a:xfrm>
+              <a:off x="1835696" y="2492896"/>
+              <a:ext cx="590226" cy="276999"/>
+            </a:xfrm>
+            <a:prstGeom prst="rect">
+              <a:avLst/>
+            </a:prstGeom>
+            <a:noFill/>
+          </p:spPr>
+          <p:txBody>
+            <a:bodyPr wrap="none" rtlCol="0">
+              <a:spAutoFit/>
+            </a:bodyPr>
+            <a:lstStyle/>
+            <a:p>
+              <a:r>
+                <a:rPr lang="en-US" altLang="ko-KR" sz="1200" dirty="0" smtClean="0">
+                  <a:solidFill>
+                    <a:schemeClr val="accent2">
+                      <a:lumMod val="60000"/>
+                      <a:lumOff val="40000"/>
+                    </a:schemeClr>
+                  </a:solidFill>
+                  <a:latin typeface="+mn-ea"/>
+                </a:rPr>
+                <a:t>C</a:t>
+              </a:r>
+              <a:r>
+                <a:rPr lang="ko-KR" altLang="en-US" sz="1200" dirty="0" smtClean="0">
+                  <a:solidFill>
+                    <a:schemeClr val="accent2">
+                      <a:lumMod val="60000"/>
+                      <a:lumOff val="40000"/>
+                    </a:schemeClr>
+                  </a:solidFill>
+                  <a:latin typeface="+mn-ea"/>
+                </a:rPr>
+                <a:t>언어</a:t>
+              </a:r>
+              <a:endParaRPr lang="ko-KR" altLang="en-US" sz="1200" dirty="0">
+                <a:solidFill>
+                  <a:schemeClr val="accent2">
+                    <a:lumMod val="60000"/>
+                    <a:lumOff val="40000"/>
+                  </a:schemeClr>
+                </a:solidFill>
+                <a:latin typeface="+mn-ea"/>
+              </a:endParaRPr>
+            </a:p>
+          </p:txBody>
+        </p:sp>
+        <p:sp>
+          <p:nvSpPr>
+            <p:cNvPr id="10" name="TextBox 9"/>
+            <p:cNvSpPr txBox="1"/>
+            <p:nvPr/>
+          </p:nvSpPr>
+          <p:spPr>
+            <a:xfrm>
+              <a:off x="3909574" y="2492896"/>
+              <a:ext cx="522131" cy="276999"/>
+            </a:xfrm>
+            <a:prstGeom prst="rect">
+              <a:avLst/>
+            </a:prstGeom>
+            <a:noFill/>
+          </p:spPr>
+          <p:txBody>
+            <a:bodyPr wrap="none" rtlCol="0">
+              <a:spAutoFit/>
+            </a:bodyPr>
+            <a:lstStyle/>
+            <a:p>
+              <a:r>
+                <a:rPr lang="en-US" altLang="ko-KR" sz="1200" dirty="0" smtClean="0">
+                  <a:solidFill>
+                    <a:schemeClr val="accent2">
+                      <a:lumMod val="60000"/>
+                      <a:lumOff val="40000"/>
+                    </a:schemeClr>
+                  </a:solidFill>
+                  <a:latin typeface="+mn-ea"/>
+                </a:rPr>
+                <a:t>Swift</a:t>
+              </a:r>
+              <a:endParaRPr lang="ko-KR" altLang="en-US" sz="1200" dirty="0">
+                <a:solidFill>
+                  <a:schemeClr val="accent2">
+                    <a:lumMod val="60000"/>
+                    <a:lumOff val="40000"/>
+                  </a:schemeClr>
+                </a:solidFill>
+                <a:latin typeface="+mn-ea"/>
+              </a:endParaRPr>
+            </a:p>
+          </p:txBody>
+        </p:sp>
+      </p:grpSp>
+    </p:spTree>
+    <p:extLst>
+      <p:ext uri="{BB962C8B-B14F-4D97-AF65-F5344CB8AC3E}">
+        <p14:creationId xmlns:p14="http://schemas.microsoft.com/office/powerpoint/2010/main" val="600057941"/>
+      </p:ext>
+    </p:extLst>
+  </p:cSld>
+  <p:clrMapOvr>
+    <a:masterClrMapping/>
+  </p:clrMapOvr>
+  <p:timing>
+    <p:tnLst>
+      <p:par>
+        <p:cTn id="1" dur="indefinite" restart="never" nodeType="tmRoot"/>
+      </p:par>
+    </p:tnLst>
+  </p:timing>
+</p:sld>
+</file>
+
+<file path=ppt/slides/slide19.xml><?xml version="1.0" encoding="utf-8"?>
+<p:sld xmlns:a="http://schemas.openxmlformats.org/drawingml/2006/main" xmlns:r="http://schemas.openxmlformats.org/officeDocument/2006/relationships" xmlns:p="http://schemas.openxmlformats.org/presentationml/2006/main">
+  <p:cSld>
+    <p:spTree>
+      <p:nvGrpSpPr>
+        <p:cNvPr id="1" name=""/>
+        <p:cNvGrpSpPr/>
+        <p:nvPr/>
+      </p:nvGrpSpPr>
+      <p:grpSpPr>
+        <a:xfrm>
+          <a:off x="0" y="0"/>
+          <a:ext cx="0" cy="0"/>
+          <a:chOff x="0" y="0"/>
+          <a:chExt cx="0" cy="0"/>
+        </a:xfrm>
+      </p:grpSpPr>
+      <p:sp>
+        <p:nvSpPr>
+          <p:cNvPr id="2" name="제목 1"/>
+          <p:cNvSpPr>
+            <a:spLocks noGrp="1"/>
+          </p:cNvSpPr>
+          <p:nvPr>
+            <p:ph type="title"/>
+          </p:nvPr>
+        </p:nvSpPr>
+        <p:spPr/>
+        <p:txBody>
+          <a:bodyPr/>
+          <a:lstStyle/>
+          <a:p>
+            <a:r>
+              <a:rPr lang="ko-KR" altLang="en-US" dirty="0" err="1" smtClean="0"/>
+              <a:t>옵셔널</a:t>
+            </a:r>
+            <a:endParaRPr lang="ko-KR" altLang="en-US" dirty="0"/>
+          </a:p>
+        </p:txBody>
+      </p:sp>
+      <p:sp>
+        <p:nvSpPr>
+          <p:cNvPr id="3" name="내용 개체 틀 2"/>
+          <p:cNvSpPr>
+            <a:spLocks noGrp="1"/>
+          </p:cNvSpPr>
+          <p:nvPr>
+            <p:ph idx="1"/>
+          </p:nvPr>
+        </p:nvSpPr>
+        <p:spPr/>
+        <p:txBody>
+          <a:bodyPr/>
+          <a:lstStyle/>
+          <a:p>
+            <a:r>
+              <a:rPr lang="en-US" altLang="ko-KR" dirty="0" smtClean="0"/>
+              <a:t>Optional binding</a:t>
+            </a:r>
+          </a:p>
+          <a:p>
+            <a:pPr lvl="1"/>
+            <a:r>
+              <a:rPr lang="en-US" altLang="ko-KR" dirty="0" smtClean="0"/>
+              <a:t>C </a:t>
+            </a:r>
+            <a:r>
+              <a:rPr lang="ko-KR" altLang="en-US" dirty="0" smtClean="0"/>
+              <a:t>언어에서의 </a:t>
+            </a:r>
+            <a:r>
+              <a:rPr lang="en-US" altLang="ko-KR" dirty="0" smtClean="0"/>
+              <a:t>null check </a:t>
+            </a:r>
+            <a:r>
+              <a:rPr lang="ko-KR" altLang="en-US" dirty="0" smtClean="0"/>
+              <a:t>와 같은 개념</a:t>
+            </a:r>
+            <a:endParaRPr lang="en-US" altLang="ko-KR" dirty="0"/>
+          </a:p>
+          <a:p>
+            <a:pPr lvl="2"/>
+            <a:r>
+              <a:rPr lang="en-US" altLang="ko-KR" dirty="0" smtClean="0">
+                <a:solidFill>
+                  <a:schemeClr val="accent3"/>
+                </a:solidFill>
+              </a:rPr>
+              <a:t>Optional type</a:t>
+            </a:r>
+            <a:r>
+              <a:rPr lang="ko-KR" altLang="en-US" dirty="0" smtClean="0">
+                <a:solidFill>
+                  <a:schemeClr val="accent3"/>
+                </a:solidFill>
+              </a:rPr>
+              <a:t>은 값이 할당되어 있지 않으면 </a:t>
+            </a:r>
+            <a:r>
+              <a:rPr lang="en-US" altLang="ko-KR" dirty="0" smtClean="0">
+                <a:solidFill>
+                  <a:schemeClr val="accent3"/>
+                </a:solidFill>
+              </a:rPr>
+              <a:t>runtime error</a:t>
+            </a:r>
+          </a:p>
+          <a:p>
+            <a:pPr lvl="2"/>
+            <a:endParaRPr lang="en-US" altLang="ko-KR" dirty="0" smtClean="0"/>
+          </a:p>
+        </p:txBody>
+      </p:sp>
+      <p:pic>
+        <p:nvPicPr>
+          <p:cNvPr id="8" name="그림 7"/>
+          <p:cNvPicPr>
+            <a:picLocks noChangeAspect="1"/>
+          </p:cNvPicPr>
+          <p:nvPr/>
+        </p:nvPicPr>
+        <p:blipFill>
+          <a:blip r:embed="rId2"/>
+          <a:stretch>
+            <a:fillRect/>
+          </a:stretch>
+        </p:blipFill>
+        <p:spPr>
+          <a:xfrm>
+            <a:off x="409575" y="2924944"/>
+            <a:ext cx="8734425" cy="3762375"/>
+          </a:xfrm>
+          <a:prstGeom prst="rect">
+            <a:avLst/>
+          </a:prstGeom>
+        </p:spPr>
+      </p:pic>
+    </p:spTree>
+    <p:extLst>
+      <p:ext uri="{BB962C8B-B14F-4D97-AF65-F5344CB8AC3E}">
+        <p14:creationId xmlns:p14="http://schemas.microsoft.com/office/powerpoint/2010/main" val="4119404002"/>
+      </p:ext>
+    </p:extLst>
+  </p:cSld>
+  <p:clrMapOvr>
+    <a:masterClrMapping/>
+  </p:clrMapOvr>
+  <p:timing>
+    <p:tnLst>
+      <p:par>
+        <p:cTn id="1" dur="indefinite" restart="never" nodeType="tmRoot"/>
+      </p:par>
+    </p:tnLst>
+  </p:timing>
 </p:sld>
 </file>
 
@@ -7461,6 +8980,13 @@
   <p:clrMapOvr>
     <a:masterClrMapping/>
   </p:clrMapOvr>
+  <p:timing>
+    <p:tnLst>
+      <p:par>
+        <p:cTn id="1" dur="indefinite" restart="never" nodeType="tmRoot"/>
+      </p:par>
+    </p:tnLst>
+  </p:timing>
 </p:sld>
 </file>
 
@@ -8567,13 +10093,7 @@
               <a:rPr lang="en-US" altLang="ko-KR" sz="1600" dirty="0" smtClean="0">
                 <a:latin typeface="+mn-ea"/>
               </a:rPr>
-              <a:t>/protocol/extension</a:t>
-            </a:r>
-            <a:r>
-              <a:rPr lang="en-US" altLang="ko-KR" sz="1600" dirty="0" smtClean="0">
-                <a:latin typeface="+mn-ea"/>
-              </a:rPr>
-              <a:t> </a:t>
+              <a:t>/protocol/extension </a:t>
             </a:r>
             <a:r>
               <a:rPr lang="ko-KR" altLang="en-US" sz="1600" dirty="0" smtClean="0">
@@ -8790,6 +10310,13 @@
   <p:clrMapOvr>
     <a:masterClrMapping/>
   </p:clrMapOvr>
+  <p:timing>
+    <p:tnLst>
+      <p:par>
+        <p:cTn id="1" dur="indefinite" restart="never" nodeType="tmRoot"/>
+      </p:par>
+    </p:tnLst>
+  </p:timing>
 </p:sld>
 </file>
 
@@ -9648,6 +11175,13 @@
   <p:clrMapOvr>
     <a:masterClrMapping/>
   </p:clrMapOvr>
+  <p:timing>
+    <p:tnLst>
+      <p:par>
+        <p:cTn id="1" dur="indefinite" restart="never" nodeType="tmRoot"/>
+      </p:par>
+    </p:tnLst>
+  </p:timing>
 </p:sld>
 </file>
 
@@ -10618,6 +12152,13 @@
   <p:clrMapOvr>
     <a:masterClrMapping/>
   </p:clrMapOvr>
+  <p:timing>
+    <p:tnLst>
+      <p:par>
+        <p:cTn id="1" dur="indefinite" restart="never" nodeType="tmRoot"/>
+      </p:par>
+    </p:tnLst>
+  </p:timing>
 </p:sld>
 </file>
 
@@ -10688,6 +12229,13 @@
   <p:clrMapOvr>
     <a:masterClrMapping/>
   </p:clrMapOvr>
+  <p:timing>
+    <p:tnLst>
+      <p:par>
+        <p:cTn id="1" dur="indefinite" restart="never" nodeType="tmRoot"/>
+      </p:par>
+    </p:tnLst>
+  </p:timing>
 </p:sld>
 </file>
 
@@ -11349,6 +12897,13 @@
   <p:clrMapOvr>
     <a:masterClrMapping/>
   </p:clrMapOvr>
+  <p:timing>
+    <p:tnLst>
+      <p:par>
+        <p:cTn id="1" dur="indefinite" restart="never" nodeType="tmRoot"/>
+      </p:par>
+    </p:tnLst>
+  </p:timing>
 </p:sld>
 </file>
 
@@ -11558,8 +13113,20 @@
                 <a:tableStyleId>{073A0DAA-6AF3-43AB-8588-CEC1D06C72B9}</a:tableStyleId>
               </a:tblPr>
               <a:tblGrid>
-                <a:gridCol w="1440160"/>
-                <a:gridCol w="1440160"/>
+                <a:gridCol w="1440160">
+                  <a:extLst>
+                    <a:ext uri="{9D8B030D-6E8A-4147-A177-3AD203B41FA5}">
+                      <a16:colId xmlns:a16="http://schemas.microsoft.com/office/drawing/2014/main" val="20000"/>
+                    </a:ext>
+                  </a:extLst>
+                </a:gridCol>
+                <a:gridCol w="1440160">
+                  <a:extLst>
+                    <a:ext uri="{9D8B030D-6E8A-4147-A177-3AD203B41FA5}">
+                      <a16:colId xmlns:a16="http://schemas.microsoft.com/office/drawing/2014/main" val="20001"/>
+                    </a:ext>
+                  </a:extLst>
+                </a:gridCol>
               </a:tblGrid>
               <a:tr h="313234">
                 <a:tc>
@@ -11608,6 +13175,11 @@
                     <a:noFill/>
                   </a:tcPr>
                 </a:tc>
+                <a:extLst>
+                  <a:ext uri="{0D108BD9-81ED-4DB2-BD59-A6C34878D82A}">
+                    <a16:rowId xmlns:a16="http://schemas.microsoft.com/office/drawing/2014/main" val="10000"/>
+                  </a:ext>
+                </a:extLst>
               </a:tr>
               <a:tr h="313234">
                 <a:tc>
@@ -11678,6 +13250,11 @@
                     <a:noFill/>
                   </a:tcPr>
                 </a:tc>
+                <a:extLst>
+                  <a:ext uri="{0D108BD9-81ED-4DB2-BD59-A6C34878D82A}">
+                    <a16:rowId xmlns:a16="http://schemas.microsoft.com/office/drawing/2014/main" val="10001"/>
+                  </a:ext>
+                </a:extLst>
               </a:tr>
               <a:tr h="313234">
                 <a:tc>
@@ -11748,6 +13325,11 @@
                     <a:noFill/>
                   </a:tcPr>
                 </a:tc>
+                <a:extLst>
+                  <a:ext uri="{0D108BD9-81ED-4DB2-BD59-A6C34878D82A}">
+                    <a16:rowId xmlns:a16="http://schemas.microsoft.com/office/drawing/2014/main" val="10002"/>
+                  </a:ext>
+                </a:extLst>
               </a:tr>
               <a:tr h="313234">
                 <a:tc>
@@ -11818,6 +13400,11 @@
                     <a:noFill/>
                   </a:tcPr>
                 </a:tc>
+                <a:extLst>
+                  <a:ext uri="{0D108BD9-81ED-4DB2-BD59-A6C34878D82A}">
+                    <a16:rowId xmlns:a16="http://schemas.microsoft.com/office/drawing/2014/main" val="10003"/>
+                  </a:ext>
+                </a:extLst>
               </a:tr>
               <a:tr h="313234">
                 <a:tc>
@@ -11888,6 +13475,11 @@
                     <a:noFill/>
                   </a:tcPr>
                 </a:tc>
+                <a:extLst>
+                  <a:ext uri="{0D108BD9-81ED-4DB2-BD59-A6C34878D82A}">
+                    <a16:rowId xmlns:a16="http://schemas.microsoft.com/office/drawing/2014/main" val="10004"/>
+                  </a:ext>
+                </a:extLst>
               </a:tr>
             </a:tbl>
           </a:graphicData>
@@ -12065,6 +13657,13 @@
   <p:clrMapOvr>
     <a:masterClrMapping/>
   </p:clrMapOvr>
+  <p:timing>
+    <p:tnLst>
+      <p:par>
+        <p:cTn id="1" dur="indefinite" restart="never" nodeType="tmRoot"/>
+      </p:par>
+    </p:tnLst>
+  </p:timing>
 </p:sld>
 </file>
 
@@ -12301,8 +13900,20 @@
                 <a:tableStyleId>{073A0DAA-6AF3-43AB-8588-CEC1D06C72B9}</a:tableStyleId>
               </a:tblPr>
               <a:tblGrid>
-                <a:gridCol w="1440160"/>
-                <a:gridCol w="1440160"/>
+                <a:gridCol w="1440160">
+                  <a:extLst>
+                    <a:ext uri="{9D8B030D-6E8A-4147-A177-3AD203B41FA5}">
+                      <a16:colId xmlns:a16="http://schemas.microsoft.com/office/drawing/2014/main" val="20000"/>
+                    </a:ext>
+                  </a:extLst>
+                </a:gridCol>
+                <a:gridCol w="1440160">
+                  <a:extLst>
+                    <a:ext uri="{9D8B030D-6E8A-4147-A177-3AD203B41FA5}">
+                      <a16:colId xmlns:a16="http://schemas.microsoft.com/office/drawing/2014/main" val="20001"/>
+                    </a:ext>
+                  </a:extLst>
+                </a:gridCol>
               </a:tblGrid>
               <a:tr h="313234">
                 <a:tc>
@@ -12351,6 +13962,11 @@
                     <a:noFill/>
                   </a:tcPr>
                 </a:tc>
+                <a:extLst>
+                  <a:ext uri="{0D108BD9-81ED-4DB2-BD59-A6C34878D82A}">
+                    <a16:rowId xmlns:a16="http://schemas.microsoft.com/office/drawing/2014/main" val="10000"/>
+                  </a:ext>
+                </a:extLst>
               </a:tr>
               <a:tr h="313234">
                 <a:tc>
@@ -12411,6 +14027,11 @@
                     <a:noFill/>
                   </a:tcPr>
                 </a:tc>
+                <a:extLst>
+                  <a:ext uri="{0D108BD9-81ED-4DB2-BD59-A6C34878D82A}">
+                    <a16:rowId xmlns:a16="http://schemas.microsoft.com/office/drawing/2014/main" val="10001"/>
+                  </a:ext>
+                </a:extLst>
               </a:tr>
               <a:tr h="313234">
                 <a:tc>
@@ -12471,6 +14092,11 @@
                     <a:noFill/>
                   </a:tcPr>
                 </a:tc>
+                <a:extLst>
+                  <a:ext uri="{0D108BD9-81ED-4DB2-BD59-A6C34878D82A}">
+                    <a16:rowId xmlns:a16="http://schemas.microsoft.com/office/drawing/2014/main" val="10002"/>
+                  </a:ext>
+                </a:extLst>
               </a:tr>
             </a:tbl>
           </a:graphicData>
@@ -12615,13 +14241,7 @@
               <a:rPr lang="en-US" altLang="ko-KR" dirty="0" err="1" smtClean="0">
                 <a:latin typeface="+mn-ea"/>
               </a:rPr>
-              <a:t>Float</a:t>
-            </a:r>
-            <a:r>
-              <a:rPr lang="en-US" altLang="ko-KR" dirty="0" err="1" smtClean="0">
-                <a:latin typeface="+mn-ea"/>
-              </a:rPr>
-              <a:t>.max</a:t>
+              <a:t>Float.max</a:t>
             </a:r>
             <a:r>
               <a:rPr lang="en-US" altLang="ko-KR" dirty="0" smtClean="0">
@@ -12642,6 +14262,13 @@
   <p:clrMapOvr>
     <a:masterClrMapping/>
   </p:clrMapOvr>
+  <p:timing>
+    <p:tnLst>
+      <p:par>
+        <p:cTn id="1" dur="indefinite" restart="never" nodeType="tmRoot"/>
+      </p:par>
+    </p:tnLst>
+  </p:timing>
 </p:sld>
 </file>
 

--- a/Swift세미나자료.pptx
+++ b/Swift세미나자료.pptx
@@ -16,14 +16,6 @@
     <p:sldId id="264" r:id="rId10"/>
     <p:sldId id="265" r:id="rId11"/>
     <p:sldId id="266" r:id="rId12"/>
-    <p:sldId id="267" r:id="rId13"/>
-    <p:sldId id="269" r:id="rId14"/>
-    <p:sldId id="270" r:id="rId15"/>
-    <p:sldId id="271" r:id="rId16"/>
-    <p:sldId id="268" r:id="rId17"/>
-    <p:sldId id="272" r:id="rId18"/>
-    <p:sldId id="273" r:id="rId19"/>
-    <p:sldId id="274" r:id="rId20"/>
   </p:sldIdLst>
   <p:sldSz cx="9144000" cy="6858000" type="screen4x3"/>
   <p:notesSz cx="6858000" cy="9144000"/>
@@ -122,22 +114,6 @@
       </a:defRPr>
     </a:lvl9pPr>
   </p:defaultTextStyle>
-  <p:extLst>
-    <p:ext uri="{EFAFB233-063F-42B5-8137-9DF3F51BA10A}">
-      <p15:sldGuideLst xmlns:p15="http://schemas.microsoft.com/office/powerpoint/2012/main">
-        <p15:guide id="1" orient="horz" pos="2160">
-          <p15:clr>
-            <a:srgbClr val="A4A3A4"/>
-          </p15:clr>
-        </p15:guide>
-        <p15:guide id="2" pos="2880">
-          <p15:clr>
-            <a:srgbClr val="A4A3A4"/>
-          </p15:clr>
-        </p15:guide>
-      </p15:sldGuideLst>
-    </p:ext>
-  </p:extLst>
 </p:presentation>
 </file>
 
@@ -171,7 +147,9 @@
         <p:spPr/>
         <p:txBody>
           <a:bodyPr/>
-          <a:lstStyle/>
+          <a:lstStyle>
+            <a:extLst/>
+          </a:lstStyle>
           <a:p>
             <a:fld id="{7BD332C6-334E-4F1C-B658-24FEC90472A2}" type="datetimeFigureOut">
               <a:rPr lang="ko-KR" altLang="en-US" smtClean="0"/>
@@ -194,7 +172,9 @@
         <p:spPr/>
         <p:txBody>
           <a:bodyPr/>
-          <a:lstStyle/>
+          <a:lstStyle>
+            <a:extLst/>
+          </a:lstStyle>
           <a:p>
             <a:endParaRPr lang="ko-KR" altLang="en-US"/>
           </a:p>
@@ -213,7 +193,9 @@
         <p:spPr/>
         <p:txBody>
           <a:bodyPr/>
-          <a:lstStyle/>
+          <a:lstStyle>
+            <a:extLst/>
+          </a:lstStyle>
           <a:p>
             <a:fld id="{7883653F-12CF-49FA-8FD2-298086A20844}" type="slidenum">
               <a:rPr lang="ko-KR" altLang="en-US" smtClean="0"/>
@@ -264,7 +246,9 @@
         </p:style>
         <p:txBody>
           <a:bodyPr anchor="ctr"/>
-          <a:lstStyle/>
+          <a:lstStyle>
+            <a:extLst/>
+          </a:lstStyle>
           <a:p>
             <a:pPr algn="ctr" eaLnBrk="1" latinLnBrk="0" hangingPunct="1"/>
             <a:endParaRPr kumimoji="0" lang="en-US"/>
@@ -310,7 +294,9 @@
         </p:style>
         <p:txBody>
           <a:bodyPr anchor="ctr"/>
-          <a:lstStyle/>
+          <a:lstStyle>
+            <a:extLst/>
+          </a:lstStyle>
           <a:p>
             <a:pPr algn="ctr" eaLnBrk="1" latinLnBrk="0" hangingPunct="1"/>
             <a:endParaRPr kumimoji="0" lang="en-US" dirty="0"/>
@@ -356,7 +342,9 @@
         </p:style>
         <p:txBody>
           <a:bodyPr anchor="ctr"/>
-          <a:lstStyle/>
+          <a:lstStyle>
+            <a:extLst/>
+          </a:lstStyle>
           <a:p>
             <a:pPr algn="ctr" eaLnBrk="1" latinLnBrk="0" hangingPunct="1"/>
             <a:endParaRPr kumimoji="0" lang="en-US" dirty="0"/>
@@ -402,7 +390,9 @@
         </p:style>
         <p:txBody>
           <a:bodyPr anchor="ctr"/>
-          <a:lstStyle/>
+          <a:lstStyle>
+            <a:extLst/>
+          </a:lstStyle>
           <a:p>
             <a:pPr algn="ctr" eaLnBrk="1" latinLnBrk="0" hangingPunct="1"/>
             <a:endParaRPr kumimoji="0" lang="en-US"/>
@@ -448,7 +438,9 @@
         </p:style>
         <p:txBody>
           <a:bodyPr anchor="ctr"/>
-          <a:lstStyle/>
+          <a:lstStyle>
+            <a:extLst/>
+          </a:lstStyle>
           <a:p>
             <a:pPr algn="ctr" eaLnBrk="1" latinLnBrk="0" hangingPunct="1"/>
             <a:endParaRPr kumimoji="0" lang="en-US" dirty="0"/>
@@ -598,7 +590,9 @@
         </p:style>
         <p:txBody>
           <a:bodyPr anchor="ctr"/>
-          <a:lstStyle/>
+          <a:lstStyle>
+            <a:extLst/>
+          </a:lstStyle>
           <a:p>
             <a:pPr algn="ctr" eaLnBrk="1" latinLnBrk="0" hangingPunct="1"/>
             <a:endParaRPr kumimoji="0" lang="en-US"/>
@@ -646,7 +640,9 @@
         </p:style>
         <p:txBody>
           <a:bodyPr anchor="ctr"/>
-          <a:lstStyle/>
+          <a:lstStyle>
+            <a:extLst/>
+          </a:lstStyle>
           <a:p>
             <a:pPr algn="ctr" eaLnBrk="1" latinLnBrk="0" hangingPunct="1"/>
             <a:endParaRPr kumimoji="0" lang="en-US"/>
@@ -692,7 +688,9 @@
         </p:style>
         <p:txBody>
           <a:bodyPr anchor="ctr"/>
-          <a:lstStyle/>
+          <a:lstStyle>
+            <a:extLst/>
+          </a:lstStyle>
           <a:p>
             <a:pPr algn="ctr" eaLnBrk="1" latinLnBrk="0" hangingPunct="1"/>
             <a:endParaRPr kumimoji="0" lang="en-US"/>
@@ -740,7 +738,9 @@
         </p:style>
         <p:txBody>
           <a:bodyPr anchor="ctr"/>
-          <a:lstStyle/>
+          <a:lstStyle>
+            <a:extLst/>
+          </a:lstStyle>
           <a:p>
             <a:pPr algn="ctr" eaLnBrk="1" latinLnBrk="0" hangingPunct="1"/>
             <a:endParaRPr kumimoji="0" lang="en-US" dirty="0"/>
@@ -752,13 +752,6 @@
   <p:clrMapOvr>
     <a:masterClrMapping/>
   </p:clrMapOvr>
-  <p:timing>
-    <p:tnLst>
-      <p:par>
-        <p:cTn id="1" dur="indefinite" restart="never" nodeType="tmRoot"/>
-      </p:par>
-    </p:tnLst>
-  </p:timing>
 </p:sldLayout>
 </file>
 
@@ -792,7 +785,9 @@
         <p:spPr/>
         <p:txBody>
           <a:bodyPr/>
-          <a:lstStyle/>
+          <a:lstStyle>
+            <a:extLst/>
+          </a:lstStyle>
           <a:p>
             <a:r>
               <a:rPr kumimoji="0" lang="ko-KR" altLang="en-US" smtClean="0"/>
@@ -815,7 +810,9 @@
         <p:spPr/>
         <p:txBody>
           <a:bodyPr vert="eaVert"/>
-          <a:lstStyle/>
+          <a:lstStyle>
+            <a:extLst/>
+          </a:lstStyle>
           <a:p>
             <a:pPr lvl="0" eaLnBrk="1" latinLnBrk="0" hangingPunct="1"/>
             <a:r>
@@ -867,7 +864,9 @@
         <p:spPr/>
         <p:txBody>
           <a:bodyPr/>
-          <a:lstStyle/>
+          <a:lstStyle>
+            <a:extLst/>
+          </a:lstStyle>
           <a:p>
             <a:fld id="{7BD332C6-334E-4F1C-B658-24FEC90472A2}" type="datetimeFigureOut">
               <a:rPr lang="ko-KR" altLang="en-US" smtClean="0"/>
@@ -890,7 +889,9 @@
         <p:spPr/>
         <p:txBody>
           <a:bodyPr/>
-          <a:lstStyle/>
+          <a:lstStyle>
+            <a:extLst/>
+          </a:lstStyle>
           <a:p>
             <a:endParaRPr lang="ko-KR" altLang="en-US"/>
           </a:p>
@@ -909,7 +910,9 @@
         <p:spPr/>
         <p:txBody>
           <a:bodyPr/>
-          <a:lstStyle/>
+          <a:lstStyle>
+            <a:extLst/>
+          </a:lstStyle>
           <a:p>
             <a:fld id="{7883653F-12CF-49FA-8FD2-298086A20844}" type="slidenum">
               <a:rPr lang="ko-KR" altLang="en-US" smtClean="0"/>
@@ -962,7 +965,9 @@
         </p:spPr>
         <p:txBody>
           <a:bodyPr vert="eaVert" anchor="ctr"/>
-          <a:lstStyle/>
+          <a:lstStyle>
+            <a:extLst/>
+          </a:lstStyle>
           <a:p>
             <a:r>
               <a:rPr kumimoji="0" lang="ko-KR" altLang="en-US" smtClean="0"/>
@@ -990,7 +995,9 @@
         </p:spPr>
         <p:txBody>
           <a:bodyPr vert="eaVert"/>
-          <a:lstStyle/>
+          <a:lstStyle>
+            <a:extLst/>
+          </a:lstStyle>
           <a:p>
             <a:pPr lvl="0" eaLnBrk="1" latinLnBrk="0" hangingPunct="1"/>
             <a:r>
@@ -1042,7 +1049,9 @@
         <p:spPr/>
         <p:txBody>
           <a:bodyPr/>
-          <a:lstStyle/>
+          <a:lstStyle>
+            <a:extLst/>
+          </a:lstStyle>
           <a:p>
             <a:fld id="{7BD332C6-334E-4F1C-B658-24FEC90472A2}" type="datetimeFigureOut">
               <a:rPr lang="ko-KR" altLang="en-US" smtClean="0"/>
@@ -1065,7 +1074,9 @@
         <p:spPr/>
         <p:txBody>
           <a:bodyPr/>
-          <a:lstStyle/>
+          <a:lstStyle>
+            <a:extLst/>
+          </a:lstStyle>
           <a:p>
             <a:endParaRPr lang="ko-KR" altLang="en-US"/>
           </a:p>
@@ -1084,7 +1095,9 @@
         <p:spPr/>
         <p:txBody>
           <a:bodyPr/>
-          <a:lstStyle/>
+          <a:lstStyle>
+            <a:extLst/>
+          </a:lstStyle>
           <a:p>
             <a:fld id="{7883653F-12CF-49FA-8FD2-298086A20844}" type="slidenum">
               <a:rPr lang="ko-KR" altLang="en-US" smtClean="0"/>
@@ -1132,13 +1145,15 @@
         <p:spPr/>
         <p:txBody>
           <a:bodyPr/>
-          <a:lstStyle/>
-          <a:p>
-            <a:r>
-              <a:rPr kumimoji="0" lang="ko-KR" altLang="en-US" dirty="0" smtClean="0"/>
+          <a:lstStyle>
+            <a:extLst/>
+          </a:lstStyle>
+          <a:p>
+            <a:r>
+              <a:rPr kumimoji="0" lang="ko-KR" altLang="en-US" smtClean="0"/>
               <a:t>마스터 제목 스타일 편집</a:t>
             </a:r>
-            <a:endParaRPr kumimoji="0" lang="en-US" dirty="0"/>
+            <a:endParaRPr kumimoji="0" lang="en-US"/>
           </a:p>
         </p:txBody>
       </p:sp>
@@ -1152,66 +1167,47 @@
             <p:ph idx="1"/>
           </p:nvPr>
         </p:nvSpPr>
-        <p:spPr>
-          <a:xfrm>
-            <a:off x="914400" y="756466"/>
-            <a:ext cx="8317283" cy="5616624"/>
-          </a:xfrm>
-        </p:spPr>
+        <p:spPr/>
         <p:txBody>
           <a:bodyPr/>
           <a:lstStyle>
-            <a:lvl1pPr>
-              <a:defRPr sz="2400"/>
-            </a:lvl1pPr>
-            <a:lvl2pPr>
-              <a:defRPr sz="1800"/>
-            </a:lvl2pPr>
-            <a:lvl3pPr>
-              <a:defRPr sz="1600"/>
-            </a:lvl3pPr>
-            <a:lvl4pPr>
-              <a:defRPr sz="1200"/>
-            </a:lvl4pPr>
-            <a:lvl5pPr>
-              <a:defRPr sz="1000"/>
-            </a:lvl5pPr>
+            <a:extLst/>
           </a:lstStyle>
           <a:p>
             <a:pPr lvl="0" eaLnBrk="1" latinLnBrk="0" hangingPunct="1"/>
             <a:r>
-              <a:rPr lang="ko-KR" altLang="en-US" dirty="0" smtClean="0"/>
+              <a:rPr lang="ko-KR" altLang="en-US" smtClean="0"/>
               <a:t>마스터 텍스트 스타일을 편집합니다</a:t>
             </a:r>
           </a:p>
           <a:p>
             <a:pPr lvl="1" eaLnBrk="1" latinLnBrk="0" hangingPunct="1"/>
             <a:r>
-              <a:rPr lang="ko-KR" altLang="en-US" dirty="0" smtClean="0"/>
+              <a:rPr lang="ko-KR" altLang="en-US" smtClean="0"/>
               <a:t>둘째 수준</a:t>
             </a:r>
           </a:p>
           <a:p>
             <a:pPr lvl="2" eaLnBrk="1" latinLnBrk="0" hangingPunct="1"/>
             <a:r>
-              <a:rPr lang="ko-KR" altLang="en-US" dirty="0" smtClean="0"/>
+              <a:rPr lang="ko-KR" altLang="en-US" smtClean="0"/>
               <a:t>셋째 수준</a:t>
             </a:r>
           </a:p>
           <a:p>
             <a:pPr lvl="3" eaLnBrk="1" latinLnBrk="0" hangingPunct="1"/>
             <a:r>
-              <a:rPr lang="ko-KR" altLang="en-US" dirty="0" smtClean="0"/>
+              <a:rPr lang="ko-KR" altLang="en-US" smtClean="0"/>
               <a:t>넷째 수준</a:t>
             </a:r>
           </a:p>
           <a:p>
             <a:pPr lvl="4" eaLnBrk="1" latinLnBrk="0" hangingPunct="1"/>
             <a:r>
-              <a:rPr lang="ko-KR" altLang="en-US" dirty="0" smtClean="0"/>
+              <a:rPr lang="ko-KR" altLang="en-US" smtClean="0"/>
               <a:t>다섯째 수준</a:t>
             </a:r>
-            <a:endParaRPr kumimoji="0" lang="en-US" dirty="0"/>
+            <a:endParaRPr kumimoji="0" lang="en-US"/>
           </a:p>
         </p:txBody>
       </p:sp>
@@ -1228,7 +1224,9 @@
         <p:spPr/>
         <p:txBody>
           <a:bodyPr/>
-          <a:lstStyle/>
+          <a:lstStyle>
+            <a:extLst/>
+          </a:lstStyle>
           <a:p>
             <a:fld id="{7BD332C6-334E-4F1C-B658-24FEC90472A2}" type="datetimeFigureOut">
               <a:rPr lang="ko-KR" altLang="en-US" smtClean="0"/>
@@ -1251,7 +1249,9 @@
         <p:spPr/>
         <p:txBody>
           <a:bodyPr/>
-          <a:lstStyle/>
+          <a:lstStyle>
+            <a:extLst/>
+          </a:lstStyle>
           <a:p>
             <a:endParaRPr lang="ko-KR" altLang="en-US"/>
           </a:p>
@@ -1270,7 +1270,9 @@
         <p:spPr/>
         <p:txBody>
           <a:bodyPr/>
-          <a:lstStyle/>
+          <a:lstStyle>
+            <a:extLst/>
+          </a:lstStyle>
           <a:p>
             <a:fld id="{7883653F-12CF-49FA-8FD2-298086A20844}" type="slidenum">
               <a:rPr lang="ko-KR" altLang="en-US" smtClean="0"/>
@@ -1285,13 +1287,6 @@
   <p:clrMapOvr>
     <a:masterClrMapping/>
   </p:clrMapOvr>
-  <p:timing>
-    <p:tnLst>
-      <p:par>
-        <p:cTn id="1" dur="indefinite" restart="never" nodeType="tmRoot"/>
-      </p:par>
-    </p:tnLst>
-  </p:timing>
 </p:sldLayout>
 </file>
 
@@ -1405,7 +1400,9 @@
         </p:spPr>
         <p:txBody>
           <a:bodyPr vert="horz" wrap="square" lIns="91440" tIns="45720" rIns="91440" bIns="45720" anchor="t" compatLnSpc="1"/>
-          <a:lstStyle/>
+          <a:lstStyle>
+            <a:extLst/>
+          </a:lstStyle>
           <a:p>
             <a:endParaRPr kumimoji="0" lang="en-US"/>
           </a:p>
@@ -1504,7 +1501,9 @@
         </p:spPr>
         <p:txBody>
           <a:bodyPr vert="horz" wrap="square" lIns="91440" tIns="45720" rIns="91440" bIns="45720" anchor="t" compatLnSpc="1"/>
-          <a:lstStyle/>
+          <a:lstStyle>
+            <a:extLst/>
+          </a:lstStyle>
           <a:p>
             <a:endParaRPr kumimoji="0" lang="en-US"/>
           </a:p>
@@ -1587,7 +1586,9 @@
         </p:spPr>
         <p:txBody>
           <a:bodyPr vert="horz" wrap="square" lIns="91440" tIns="45720" rIns="91440" bIns="45720" anchor="t" compatLnSpc="1"/>
-          <a:lstStyle/>
+          <a:lstStyle>
+            <a:extLst/>
+          </a:lstStyle>
           <a:p>
             <a:endParaRPr kumimoji="0" lang="en-US"/>
           </a:p>
@@ -1670,7 +1671,9 @@
         </p:spPr>
         <p:txBody>
           <a:bodyPr vert="horz" wrap="square" lIns="91440" tIns="45720" rIns="91440" bIns="45720" anchor="t" compatLnSpc="1"/>
-          <a:lstStyle/>
+          <a:lstStyle>
+            <a:extLst/>
+          </a:lstStyle>
           <a:p>
             <a:endParaRPr kumimoji="0" lang="en-US"/>
           </a:p>
@@ -1753,7 +1756,9 @@
         </p:spPr>
         <p:txBody>
           <a:bodyPr vert="horz" wrap="square" lIns="91440" tIns="45720" rIns="91440" bIns="45720" anchor="t" compatLnSpc="1"/>
-          <a:lstStyle/>
+          <a:lstStyle>
+            <a:extLst/>
+          </a:lstStyle>
           <a:p>
             <a:endParaRPr kumimoji="0" lang="en-US"/>
           </a:p>
@@ -1836,7 +1841,9 @@
         </p:spPr>
         <p:txBody>
           <a:bodyPr vert="horz" wrap="square" lIns="91440" tIns="45720" rIns="91440" bIns="45720" anchor="t" compatLnSpc="1"/>
-          <a:lstStyle/>
+          <a:lstStyle>
+            <a:extLst/>
+          </a:lstStyle>
           <a:p>
             <a:endParaRPr kumimoji="0" lang="en-US"/>
           </a:p>
@@ -1919,7 +1926,9 @@
         </p:spPr>
         <p:txBody>
           <a:bodyPr vert="horz" wrap="square" lIns="91440" tIns="45720" rIns="91440" bIns="45720" anchor="t" compatLnSpc="1"/>
-          <a:lstStyle/>
+          <a:lstStyle>
+            <a:extLst/>
+          </a:lstStyle>
           <a:p>
             <a:endParaRPr kumimoji="0" lang="en-US"/>
           </a:p>
@@ -2002,7 +2011,9 @@
         </p:spPr>
         <p:txBody>
           <a:bodyPr vert="horz" wrap="square" lIns="91440" tIns="45720" rIns="91440" bIns="45720" anchor="t" compatLnSpc="1"/>
-          <a:lstStyle/>
+          <a:lstStyle>
+            <a:extLst/>
+          </a:lstStyle>
           <a:p>
             <a:endParaRPr kumimoji="0" lang="en-US"/>
           </a:p>
@@ -2085,7 +2096,9 @@
         </p:spPr>
         <p:txBody>
           <a:bodyPr vert="horz" wrap="square" lIns="91440" tIns="45720" rIns="91440" bIns="45720" anchor="t" compatLnSpc="1"/>
-          <a:lstStyle/>
+          <a:lstStyle>
+            <a:extLst/>
+          </a:lstStyle>
           <a:p>
             <a:endParaRPr kumimoji="0" lang="en-US"/>
           </a:p>
@@ -2168,7 +2181,9 @@
         </p:spPr>
         <p:txBody>
           <a:bodyPr vert="horz" wrap="square" lIns="91440" tIns="45720" rIns="91440" bIns="45720" anchor="t" compatLnSpc="1"/>
-          <a:lstStyle/>
+          <a:lstStyle>
+            <a:extLst/>
+          </a:lstStyle>
           <a:p>
             <a:endParaRPr kumimoji="0" lang="en-US"/>
           </a:p>
@@ -2251,7 +2266,9 @@
         </p:spPr>
         <p:txBody>
           <a:bodyPr vert="horz" wrap="square" lIns="91440" tIns="45720" rIns="91440" bIns="45720" anchor="t" compatLnSpc="1"/>
-          <a:lstStyle/>
+          <a:lstStyle>
+            <a:extLst/>
+          </a:lstStyle>
           <a:p>
             <a:endParaRPr kumimoji="0" lang="en-US"/>
           </a:p>
@@ -2334,7 +2351,9 @@
         </p:spPr>
         <p:txBody>
           <a:bodyPr vert="horz" wrap="square" lIns="91440" tIns="45720" rIns="91440" bIns="45720" anchor="t" compatLnSpc="1"/>
-          <a:lstStyle/>
+          <a:lstStyle>
+            <a:extLst/>
+          </a:lstStyle>
           <a:p>
             <a:endParaRPr kumimoji="0" lang="en-US"/>
           </a:p>
@@ -2417,7 +2436,9 @@
         </p:spPr>
         <p:txBody>
           <a:bodyPr vert="horz" wrap="square" lIns="91440" tIns="45720" rIns="91440" bIns="45720" anchor="t" compatLnSpc="1"/>
-          <a:lstStyle/>
+          <a:lstStyle>
+            <a:extLst/>
+          </a:lstStyle>
           <a:p>
             <a:endParaRPr kumimoji="0" lang="en-US"/>
           </a:p>
@@ -2500,7 +2521,9 @@
         </p:spPr>
         <p:txBody>
           <a:bodyPr vert="horz" wrap="square" lIns="91440" tIns="45720" rIns="91440" bIns="45720" anchor="t" compatLnSpc="1"/>
-          <a:lstStyle/>
+          <a:lstStyle>
+            <a:extLst/>
+          </a:lstStyle>
           <a:p>
             <a:endParaRPr kumimoji="0" lang="en-US"/>
           </a:p>
@@ -2583,7 +2606,9 @@
         </p:spPr>
         <p:txBody>
           <a:bodyPr vert="horz" wrap="square" lIns="91440" tIns="45720" rIns="91440" bIns="45720" anchor="t" compatLnSpc="1"/>
-          <a:lstStyle/>
+          <a:lstStyle>
+            <a:extLst/>
+          </a:lstStyle>
           <a:p>
             <a:endParaRPr kumimoji="0" lang="en-US"/>
           </a:p>
@@ -2682,7 +2707,9 @@
         <p:spPr/>
         <p:txBody>
           <a:bodyPr/>
-          <a:lstStyle/>
+          <a:lstStyle>
+            <a:extLst/>
+          </a:lstStyle>
           <a:p>
             <a:fld id="{7BD332C6-334E-4F1C-B658-24FEC90472A2}" type="datetimeFigureOut">
               <a:rPr lang="ko-KR" altLang="en-US" smtClean="0"/>
@@ -2705,7 +2732,9 @@
         <p:spPr/>
         <p:txBody>
           <a:bodyPr/>
-          <a:lstStyle/>
+          <a:lstStyle>
+            <a:extLst/>
+          </a:lstStyle>
           <a:p>
             <a:endParaRPr lang="ko-KR" altLang="en-US"/>
           </a:p>
@@ -2724,7 +2753,9 @@
         <p:spPr/>
         <p:txBody>
           <a:bodyPr/>
-          <a:lstStyle/>
+          <a:lstStyle>
+            <a:extLst/>
+          </a:lstStyle>
           <a:p>
             <a:fld id="{7883653F-12CF-49FA-8FD2-298086A20844}" type="slidenum">
               <a:rPr lang="ko-KR" altLang="en-US" smtClean="0"/>
@@ -2777,7 +2808,9 @@
         </p:style>
         <p:txBody>
           <a:bodyPr anchor="ctr"/>
-          <a:lstStyle/>
+          <a:lstStyle>
+            <a:extLst/>
+          </a:lstStyle>
           <a:p>
             <a:pPr algn="ctr" eaLnBrk="1" latinLnBrk="0" hangingPunct="1"/>
             <a:endParaRPr kumimoji="0" lang="en-US"/>
@@ -2857,7 +2890,9 @@
         </p:style>
         <p:txBody>
           <a:bodyPr anchor="ctr"/>
-          <a:lstStyle/>
+          <a:lstStyle>
+            <a:extLst/>
+          </a:lstStyle>
           <a:p>
             <a:pPr algn="ctr" eaLnBrk="1" latinLnBrk="0" hangingPunct="1"/>
             <a:endParaRPr kumimoji="0" lang="en-US" dirty="0"/>
@@ -2903,7 +2938,9 @@
         </p:style>
         <p:txBody>
           <a:bodyPr anchor="ctr"/>
-          <a:lstStyle/>
+          <a:lstStyle>
+            <a:extLst/>
+          </a:lstStyle>
           <a:p>
             <a:pPr algn="ctr" eaLnBrk="1" latinLnBrk="0" hangingPunct="1"/>
             <a:endParaRPr kumimoji="0" lang="en-US" dirty="0"/>
@@ -2949,7 +2986,9 @@
         </p:style>
         <p:txBody>
           <a:bodyPr anchor="ctr"/>
-          <a:lstStyle/>
+          <a:lstStyle>
+            <a:extLst/>
+          </a:lstStyle>
           <a:p>
             <a:pPr algn="ctr" eaLnBrk="1" latinLnBrk="0" hangingPunct="1"/>
             <a:endParaRPr kumimoji="0" lang="en-US"/>
@@ -2995,7 +3034,9 @@
         </p:style>
         <p:txBody>
           <a:bodyPr anchor="ctr"/>
-          <a:lstStyle/>
+          <a:lstStyle>
+            <a:extLst/>
+          </a:lstStyle>
           <a:p>
             <a:pPr algn="ctr" eaLnBrk="1" latinLnBrk="0" hangingPunct="1"/>
             <a:endParaRPr kumimoji="0" lang="en-US" dirty="0"/>
@@ -3041,7 +3082,9 @@
         </p:style>
         <p:txBody>
           <a:bodyPr anchor="ctr"/>
-          <a:lstStyle/>
+          <a:lstStyle>
+            <a:extLst/>
+          </a:lstStyle>
           <a:p>
             <a:pPr algn="ctr" eaLnBrk="1" latinLnBrk="0" hangingPunct="1"/>
             <a:endParaRPr kumimoji="0" lang="en-US" dirty="0"/>
@@ -3053,13 +3096,6 @@
   <p:clrMapOvr>
     <a:masterClrMapping/>
   </p:clrMapOvr>
-  <p:timing>
-    <p:tnLst>
-      <p:par>
-        <p:cTn id="1" dur="indefinite" restart="never" nodeType="tmRoot"/>
-      </p:par>
-    </p:tnLst>
-  </p:timing>
 </p:sldLayout>
 </file>
 
@@ -3098,7 +3134,9 @@
         </p:spPr>
         <p:txBody>
           <a:bodyPr/>
-          <a:lstStyle/>
+          <a:lstStyle>
+            <a:extLst/>
+          </a:lstStyle>
           <a:p>
             <a:r>
               <a:rPr kumimoji="0" lang="ko-KR" altLang="en-US" smtClean="0"/>
@@ -3269,7 +3307,9 @@
         <p:spPr/>
         <p:txBody>
           <a:bodyPr/>
-          <a:lstStyle/>
+          <a:lstStyle>
+            <a:extLst/>
+          </a:lstStyle>
           <a:p>
             <a:fld id="{7BD332C6-334E-4F1C-B658-24FEC90472A2}" type="datetimeFigureOut">
               <a:rPr lang="ko-KR" altLang="en-US" smtClean="0"/>
@@ -3292,7 +3332,9 @@
         <p:spPr/>
         <p:txBody>
           <a:bodyPr/>
-          <a:lstStyle/>
+          <a:lstStyle>
+            <a:extLst/>
+          </a:lstStyle>
           <a:p>
             <a:endParaRPr lang="ko-KR" altLang="en-US"/>
           </a:p>
@@ -3311,7 +3353,9 @@
         <p:spPr/>
         <p:txBody>
           <a:bodyPr/>
-          <a:lstStyle/>
+          <a:lstStyle>
+            <a:extLst/>
+          </a:lstStyle>
           <a:p>
             <a:fld id="{7883653F-12CF-49FA-8FD2-298086A20844}" type="slidenum">
               <a:rPr lang="ko-KR" altLang="en-US" smtClean="0"/>
@@ -3326,13 +3370,6 @@
   <p:clrMapOvr>
     <a:masterClrMapping/>
   </p:clrMapOvr>
-  <p:timing>
-    <p:tnLst>
-      <p:par>
-        <p:cTn id="1" dur="indefinite" restart="never" nodeType="tmRoot"/>
-      </p:par>
-    </p:tnLst>
-  </p:timing>
 </p:sldLayout>
 </file>
 
@@ -3396,7 +3433,9 @@
         </p:style>
         <p:txBody>
           <a:bodyPr anchor="ctr"/>
-          <a:lstStyle/>
+          <a:lstStyle>
+            <a:extLst/>
+          </a:lstStyle>
           <a:p>
             <a:pPr algn="ctr" eaLnBrk="1" latinLnBrk="0" hangingPunct="1"/>
             <a:endParaRPr kumimoji="0" lang="en-US"/>
@@ -3705,7 +3744,9 @@
         <p:spPr/>
         <p:txBody>
           <a:bodyPr/>
-          <a:lstStyle/>
+          <a:lstStyle>
+            <a:extLst/>
+          </a:lstStyle>
           <a:p>
             <a:fld id="{7BD332C6-334E-4F1C-B658-24FEC90472A2}" type="datetimeFigureOut">
               <a:rPr lang="ko-KR" altLang="en-US" smtClean="0"/>
@@ -3728,7 +3769,9 @@
         <p:spPr/>
         <p:txBody>
           <a:bodyPr/>
-          <a:lstStyle/>
+          <a:lstStyle>
+            <a:extLst/>
+          </a:lstStyle>
           <a:p>
             <a:endParaRPr lang="ko-KR" altLang="en-US"/>
           </a:p>
@@ -3747,7 +3790,9 @@
         <p:spPr/>
         <p:txBody>
           <a:bodyPr/>
-          <a:lstStyle/>
+          <a:lstStyle>
+            <a:extLst/>
+          </a:lstStyle>
           <a:p>
             <a:fld id="{7883653F-12CF-49FA-8FD2-298086A20844}" type="slidenum">
               <a:rPr lang="ko-KR" altLang="en-US" smtClean="0"/>
@@ -3796,7 +3841,9 @@
         </p:style>
         <p:txBody>
           <a:bodyPr anchor="ctr"/>
-          <a:lstStyle/>
+          <a:lstStyle>
+            <a:extLst/>
+          </a:lstStyle>
           <a:p>
             <a:pPr algn="ctr" eaLnBrk="1" latinLnBrk="0" hangingPunct="1"/>
             <a:endParaRPr kumimoji="0" lang="en-US" dirty="0"/>
@@ -3842,7 +3889,9 @@
         </p:style>
         <p:txBody>
           <a:bodyPr anchor="ctr"/>
-          <a:lstStyle/>
+          <a:lstStyle>
+            <a:extLst/>
+          </a:lstStyle>
           <a:p>
             <a:pPr algn="ctr" eaLnBrk="1" latinLnBrk="0" hangingPunct="1"/>
             <a:endParaRPr kumimoji="0" lang="en-US" dirty="0"/>
@@ -3888,7 +3937,9 @@
         </p:style>
         <p:txBody>
           <a:bodyPr anchor="ctr"/>
-          <a:lstStyle/>
+          <a:lstStyle>
+            <a:extLst/>
+          </a:lstStyle>
           <a:p>
             <a:pPr algn="ctr" eaLnBrk="1" latinLnBrk="0" hangingPunct="1"/>
             <a:endParaRPr kumimoji="0" lang="en-US"/>
@@ -3934,7 +3985,9 @@
         </p:style>
         <p:txBody>
           <a:bodyPr anchor="ctr"/>
-          <a:lstStyle/>
+          <a:lstStyle>
+            <a:extLst/>
+          </a:lstStyle>
           <a:p>
             <a:pPr algn="ctr" eaLnBrk="1" latinLnBrk="0" hangingPunct="1"/>
             <a:endParaRPr kumimoji="0" lang="en-US" dirty="0"/>
@@ -3980,7 +4033,9 @@
         </p:style>
         <p:txBody>
           <a:bodyPr anchor="ctr"/>
-          <a:lstStyle/>
+          <a:lstStyle>
+            <a:extLst/>
+          </a:lstStyle>
           <a:p>
             <a:pPr algn="ctr" eaLnBrk="1" latinLnBrk="0" hangingPunct="1"/>
             <a:endParaRPr kumimoji="0" lang="en-US" dirty="0"/>
@@ -4026,7 +4081,9 @@
         </p:style>
         <p:txBody>
           <a:bodyPr anchor="ctr"/>
-          <a:lstStyle/>
+          <a:lstStyle>
+            <a:extLst/>
+          </a:lstStyle>
           <a:p>
             <a:pPr algn="ctr" eaLnBrk="1" latinLnBrk="0" hangingPunct="1"/>
             <a:endParaRPr kumimoji="0" lang="en-US" dirty="0"/>
@@ -4072,7 +4129,9 @@
         </p:style>
         <p:txBody>
           <a:bodyPr anchor="ctr"/>
-          <a:lstStyle/>
+          <a:lstStyle>
+            <a:extLst/>
+          </a:lstStyle>
           <a:p>
             <a:pPr algn="ctr" eaLnBrk="1" latinLnBrk="0" hangingPunct="1"/>
             <a:endParaRPr kumimoji="0" lang="en-US"/>
@@ -4118,7 +4177,9 @@
         </p:style>
         <p:txBody>
           <a:bodyPr anchor="ctr"/>
-          <a:lstStyle/>
+          <a:lstStyle>
+            <a:extLst/>
+          </a:lstStyle>
           <a:p>
             <a:pPr algn="ctr" eaLnBrk="1" latinLnBrk="0" hangingPunct="1"/>
             <a:endParaRPr kumimoji="0" lang="en-US" dirty="0"/>
@@ -4164,7 +4225,9 @@
         </p:style>
         <p:txBody>
           <a:bodyPr anchor="ctr"/>
-          <a:lstStyle/>
+          <a:lstStyle>
+            <a:extLst/>
+          </a:lstStyle>
           <a:p>
             <a:pPr algn="ctr" eaLnBrk="1" latinLnBrk="0" hangingPunct="1"/>
             <a:endParaRPr kumimoji="0" lang="en-US" dirty="0"/>
@@ -4176,13 +4239,6 @@
   <p:clrMapOvr>
     <a:masterClrMapping/>
   </p:clrMapOvr>
-  <p:timing>
-    <p:tnLst>
-      <p:par>
-        <p:cTn id="1" dur="indefinite" restart="never" nodeType="tmRoot"/>
-      </p:par>
-    </p:tnLst>
-  </p:timing>
 </p:sldLayout>
 </file>
 
@@ -4249,7 +4305,9 @@
         <p:spPr/>
         <p:txBody>
           <a:bodyPr/>
-          <a:lstStyle/>
+          <a:lstStyle>
+            <a:extLst/>
+          </a:lstStyle>
           <a:p>
             <a:fld id="{7BD332C6-334E-4F1C-B658-24FEC90472A2}" type="datetimeFigureOut">
               <a:rPr lang="ko-KR" altLang="en-US" smtClean="0"/>
@@ -4272,7 +4330,9 @@
         <p:spPr/>
         <p:txBody>
           <a:bodyPr/>
-          <a:lstStyle/>
+          <a:lstStyle>
+            <a:extLst/>
+          </a:lstStyle>
           <a:p>
             <a:endParaRPr lang="ko-KR" altLang="en-US"/>
           </a:p>
@@ -4291,7 +4351,9 @@
         <p:spPr/>
         <p:txBody>
           <a:bodyPr/>
-          <a:lstStyle/>
+          <a:lstStyle>
+            <a:extLst/>
+          </a:lstStyle>
           <a:p>
             <a:fld id="{7883653F-12CF-49FA-8FD2-298086A20844}" type="slidenum">
               <a:rPr lang="ko-KR" altLang="en-US" smtClean="0"/>
@@ -4306,13 +4368,6 @@
   <p:clrMapOvr>
     <a:masterClrMapping/>
   </p:clrMapOvr>
-  <p:timing>
-    <p:tnLst>
-      <p:par>
-        <p:cTn id="1" dur="indefinite" restart="never" nodeType="tmRoot"/>
-      </p:par>
-    </p:tnLst>
-  </p:timing>
 </p:sldLayout>
 </file>
 
@@ -4346,7 +4401,9 @@
         <p:spPr/>
         <p:txBody>
           <a:bodyPr/>
-          <a:lstStyle/>
+          <a:lstStyle>
+            <a:extLst/>
+          </a:lstStyle>
           <a:p>
             <a:fld id="{7BD332C6-334E-4F1C-B658-24FEC90472A2}" type="datetimeFigureOut">
               <a:rPr lang="ko-KR" altLang="en-US" smtClean="0"/>
@@ -4369,7 +4426,9 @@
         <p:spPr/>
         <p:txBody>
           <a:bodyPr/>
-          <a:lstStyle/>
+          <a:lstStyle>
+            <a:extLst/>
+          </a:lstStyle>
           <a:p>
             <a:endParaRPr lang="ko-KR" altLang="en-US"/>
           </a:p>
@@ -4388,7 +4447,9 @@
         <p:spPr/>
         <p:txBody>
           <a:bodyPr/>
-          <a:lstStyle/>
+          <a:lstStyle>
+            <a:extLst/>
+          </a:lstStyle>
           <a:p>
             <a:fld id="{7883653F-12CF-49FA-8FD2-298086A20844}" type="slidenum">
               <a:rPr lang="ko-KR" altLang="en-US" smtClean="0"/>
@@ -4403,13 +4464,6 @@
   <p:clrMapOvr>
     <a:masterClrMapping/>
   </p:clrMapOvr>
-  <p:timing>
-    <p:tnLst>
-      <p:par>
-        <p:cTn id="1" dur="indefinite" restart="never" nodeType="tmRoot"/>
-      </p:par>
-    </p:tnLst>
-  </p:timing>
 </p:sldLayout>
 </file>
 
@@ -4601,7 +4655,9 @@
         <p:spPr/>
         <p:txBody>
           <a:bodyPr/>
-          <a:lstStyle/>
+          <a:lstStyle>
+            <a:extLst/>
+          </a:lstStyle>
           <a:p>
             <a:fld id="{7BD332C6-334E-4F1C-B658-24FEC90472A2}" type="datetimeFigureOut">
               <a:rPr lang="ko-KR" altLang="en-US" smtClean="0"/>
@@ -4624,7 +4680,9 @@
         <p:spPr/>
         <p:txBody>
           <a:bodyPr/>
-          <a:lstStyle/>
+          <a:lstStyle>
+            <a:extLst/>
+          </a:lstStyle>
           <a:p>
             <a:endParaRPr lang="ko-KR" altLang="en-US"/>
           </a:p>
@@ -4643,7 +4701,9 @@
         <p:spPr/>
         <p:txBody>
           <a:bodyPr/>
-          <a:lstStyle/>
+          <a:lstStyle>
+            <a:extLst/>
+          </a:lstStyle>
           <a:p>
             <a:fld id="{7883653F-12CF-49FA-8FD2-298086A20844}" type="slidenum">
               <a:rPr lang="ko-KR" altLang="en-US" smtClean="0"/>
@@ -4658,13 +4718,6 @@
   <p:clrMapOvr>
     <a:masterClrMapping/>
   </p:clrMapOvr>
-  <p:timing>
-    <p:tnLst>
-      <p:par>
-        <p:cTn id="1" dur="indefinite" restart="never" nodeType="tmRoot"/>
-      </p:par>
-    </p:tnLst>
-  </p:timing>
 </p:sldLayout>
 </file>
 
@@ -4726,7 +4779,9 @@
         </p:style>
         <p:txBody>
           <a:bodyPr anchor="ctr"/>
-          <a:lstStyle/>
+          <a:lstStyle>
+            <a:extLst/>
+          </a:lstStyle>
           <a:p>
             <a:pPr algn="ctr" eaLnBrk="1" latinLnBrk="0" hangingPunct="1"/>
             <a:endParaRPr kumimoji="0" lang="en-US"/>
@@ -5321,7 +5376,9 @@
         </p:spPr>
         <p:txBody>
           <a:bodyPr/>
-          <a:lstStyle/>
+          <a:lstStyle>
+            <a:extLst/>
+          </a:lstStyle>
           <a:p>
             <a:fld id="{7BD332C6-334E-4F1C-B658-24FEC90472A2}" type="datetimeFigureOut">
               <a:rPr lang="ko-KR" altLang="en-US" smtClean="0"/>
@@ -5349,7 +5406,9 @@
         </p:spPr>
         <p:txBody>
           <a:bodyPr/>
-          <a:lstStyle/>
+          <a:lstStyle>
+            <a:extLst/>
+          </a:lstStyle>
           <a:p>
             <a:endParaRPr lang="ko-KR" altLang="en-US"/>
           </a:p>
@@ -5373,7 +5432,9 @@
         </p:spPr>
         <p:txBody>
           <a:bodyPr/>
-          <a:lstStyle/>
+          <a:lstStyle>
+            <a:extLst/>
+          </a:lstStyle>
           <a:p>
             <a:fld id="{7883653F-12CF-49FA-8FD2-298086A20844}" type="slidenum">
               <a:rPr lang="ko-KR" altLang="en-US" smtClean="0"/>
@@ -5454,7 +5515,9 @@
         </p:style>
         <p:txBody>
           <a:bodyPr anchor="ctr"/>
-          <a:lstStyle/>
+          <a:lstStyle>
+            <a:extLst/>
+          </a:lstStyle>
           <a:p>
             <a:pPr algn="ctr" eaLnBrk="1" latinLnBrk="0" hangingPunct="1"/>
             <a:endParaRPr kumimoji="0" lang="en-US"/>
@@ -5502,7 +5565,9 @@
         </p:style>
         <p:txBody>
           <a:bodyPr anchor="ctr"/>
-          <a:lstStyle/>
+          <a:lstStyle>
+            <a:extLst/>
+          </a:lstStyle>
           <a:p>
             <a:pPr algn="ctr" eaLnBrk="1" latinLnBrk="0" hangingPunct="1"/>
             <a:endParaRPr kumimoji="0" lang="en-US"/>
@@ -5550,7 +5615,9 @@
         </p:style>
         <p:txBody>
           <a:bodyPr anchor="ctr"/>
-          <a:lstStyle/>
+          <a:lstStyle>
+            <a:extLst/>
+          </a:lstStyle>
           <a:p>
             <a:pPr algn="ctr" eaLnBrk="1" latinLnBrk="0" hangingPunct="1"/>
             <a:endParaRPr kumimoji="0" lang="en-US"/>
@@ -5596,7 +5663,9 @@
         </p:style>
         <p:txBody>
           <a:bodyPr anchor="ctr"/>
-          <a:lstStyle/>
+          <a:lstStyle>
+            <a:extLst/>
+          </a:lstStyle>
           <a:p>
             <a:pPr algn="ctr" eaLnBrk="1" latinLnBrk="0" hangingPunct="1"/>
             <a:endParaRPr kumimoji="0" lang="en-US"/>
@@ -5644,7 +5713,9 @@
         </p:style>
         <p:txBody>
           <a:bodyPr anchor="ctr"/>
-          <a:lstStyle/>
+          <a:lstStyle>
+            <a:extLst/>
+          </a:lstStyle>
           <a:p>
             <a:pPr algn="ctr" eaLnBrk="1" latinLnBrk="0" hangingPunct="1"/>
             <a:endParaRPr kumimoji="0" lang="en-US" dirty="0"/>
@@ -5692,7 +5763,9 @@
         </p:style>
         <p:txBody>
           <a:bodyPr anchor="ctr"/>
-          <a:lstStyle/>
+          <a:lstStyle>
+            <a:extLst/>
+          </a:lstStyle>
           <a:p>
             <a:pPr algn="ctr" eaLnBrk="1" latinLnBrk="0" hangingPunct="1"/>
             <a:endParaRPr kumimoji="0" lang="en-US" dirty="0"/>
@@ -5740,7 +5813,9 @@
         </p:style>
         <p:txBody>
           <a:bodyPr anchor="ctr"/>
-          <a:lstStyle/>
+          <a:lstStyle>
+            <a:extLst/>
+          </a:lstStyle>
           <a:p>
             <a:pPr algn="ctr" eaLnBrk="1" latinLnBrk="0" hangingPunct="1"/>
             <a:endParaRPr kumimoji="0" lang="en-US" dirty="0"/>
@@ -5788,7 +5863,9 @@
         </p:style>
         <p:txBody>
           <a:bodyPr anchor="ctr"/>
-          <a:lstStyle/>
+          <a:lstStyle>
+            <a:extLst/>
+          </a:lstStyle>
           <a:p>
             <a:pPr algn="ctr" eaLnBrk="1" latinLnBrk="0" hangingPunct="1"/>
             <a:endParaRPr kumimoji="0" lang="en-US"/>
@@ -5836,7 +5913,9 @@
         </p:style>
         <p:txBody>
           <a:bodyPr anchor="ctr"/>
-          <a:lstStyle/>
+          <a:lstStyle>
+            <a:extLst/>
+          </a:lstStyle>
           <a:p>
             <a:pPr algn="ctr" eaLnBrk="1" latinLnBrk="0" hangingPunct="1"/>
             <a:endParaRPr kumimoji="0" lang="en-US" dirty="0"/>
@@ -5855,8 +5934,8 @@
         </p:nvSpPr>
         <p:spPr>
           <a:xfrm>
-            <a:off x="539552" y="116632"/>
-            <a:ext cx="8680730" cy="596250"/>
+            <a:off x="914400" y="512064"/>
+            <a:ext cx="7772400" cy="914400"/>
           </a:xfrm>
           <a:prstGeom prst="rect">
             <a:avLst/>
@@ -5866,13 +5945,15 @@
           <a:bodyPr vert="horz" anchor="t">
             <a:noAutofit/>
           </a:bodyPr>
-          <a:lstStyle/>
-          <a:p>
-            <a:r>
-              <a:rPr kumimoji="0" lang="ko-KR" altLang="en-US" dirty="0" smtClean="0"/>
+          <a:lstStyle>
+            <a:extLst/>
+          </a:lstStyle>
+          <a:p>
+            <a:r>
+              <a:rPr kumimoji="0" lang="ko-KR" altLang="en-US" smtClean="0"/>
               <a:t>마스터 제목 스타일 편집</a:t>
             </a:r>
-            <a:endParaRPr kumimoji="0" lang="en-US" dirty="0"/>
+            <a:endParaRPr kumimoji="0" lang="en-US"/>
           </a:p>
         </p:txBody>
       </p:sp>
@@ -5888,8 +5969,8 @@
         </p:nvSpPr>
         <p:spPr>
           <a:xfrm>
-            <a:off x="914400" y="980728"/>
-            <a:ext cx="8692131" cy="5616624"/>
+            <a:off x="914400" y="1783560"/>
+            <a:ext cx="7772400" cy="4572000"/>
           </a:xfrm>
           <a:prstGeom prst="rect">
             <a:avLst/>
@@ -5899,42 +5980,44 @@
           <a:bodyPr vert="horz">
             <a:normAutofit/>
           </a:bodyPr>
-          <a:lstStyle/>
+          <a:lstStyle>
+            <a:extLst/>
+          </a:lstStyle>
           <a:p>
             <a:pPr lvl="0" eaLnBrk="1" latinLnBrk="0" hangingPunct="1"/>
             <a:r>
-              <a:rPr kumimoji="0" lang="ko-KR" altLang="en-US" dirty="0" smtClean="0"/>
+              <a:rPr kumimoji="0" lang="ko-KR" altLang="en-US" smtClean="0"/>
               <a:t>마스터 텍스트 스타일을 편집합니다</a:t>
             </a:r>
           </a:p>
           <a:p>
             <a:pPr lvl="1" eaLnBrk="1" latinLnBrk="0" hangingPunct="1"/>
             <a:r>
-              <a:rPr kumimoji="0" lang="ko-KR" altLang="en-US" dirty="0" smtClean="0"/>
+              <a:rPr kumimoji="0" lang="ko-KR" altLang="en-US" smtClean="0"/>
               <a:t>둘째 수준</a:t>
             </a:r>
           </a:p>
           <a:p>
             <a:pPr lvl="2" eaLnBrk="1" latinLnBrk="0" hangingPunct="1"/>
             <a:r>
-              <a:rPr kumimoji="0" lang="ko-KR" altLang="en-US" dirty="0" smtClean="0"/>
+              <a:rPr kumimoji="0" lang="ko-KR" altLang="en-US" smtClean="0"/>
               <a:t>셋째 수준</a:t>
             </a:r>
           </a:p>
           <a:p>
             <a:pPr lvl="3" eaLnBrk="1" latinLnBrk="0" hangingPunct="1"/>
             <a:r>
-              <a:rPr kumimoji="0" lang="ko-KR" altLang="en-US" dirty="0" smtClean="0"/>
+              <a:rPr kumimoji="0" lang="ko-KR" altLang="en-US" smtClean="0"/>
               <a:t>넷째 수준</a:t>
             </a:r>
           </a:p>
           <a:p>
             <a:pPr lvl="4" eaLnBrk="1" latinLnBrk="0" hangingPunct="1"/>
             <a:r>
-              <a:rPr kumimoji="0" lang="ko-KR" altLang="en-US" dirty="0" smtClean="0"/>
+              <a:rPr kumimoji="0" lang="ko-KR" altLang="en-US" smtClean="0"/>
               <a:t>다섯째 수준</a:t>
             </a:r>
-            <a:endParaRPr kumimoji="0" lang="en-US" dirty="0"/>
+            <a:endParaRPr kumimoji="0" lang="en-US"/>
           </a:p>
         </p:txBody>
       </p:sp>
@@ -6070,13 +6153,6 @@
     <p:sldLayoutId id="2147483670" r:id="rId10"/>
     <p:sldLayoutId id="2147483671" r:id="rId11"/>
   </p:sldLayoutIdLst>
-  <p:timing>
-    <p:tnLst>
-      <p:par>
-        <p:cTn id="1" dur="indefinite" restart="never" nodeType="tmRoot"/>
-      </p:par>
-    </p:tnLst>
-  </p:timing>
   <p:txStyles>
     <p:titleStyle>
       <a:lvl1pPr algn="l" rtl="0" eaLnBrk="1" latinLnBrk="1" hangingPunct="1">
@@ -6084,14 +6160,14 @@
           <a:spcPct val="0"/>
         </a:spcBef>
         <a:buNone/>
-        <a:defRPr kumimoji="0" sz="3200" b="1" kern="1200" spc="-100" baseline="0">
+        <a:defRPr kumimoji="0" sz="4000" kern="1200" spc="-100" baseline="0">
           <a:solidFill>
             <a:schemeClr val="tx2">
               <a:satMod val="200000"/>
             </a:schemeClr>
           </a:solidFill>
-          <a:latin typeface="+mn-ea"/>
-          <a:ea typeface="+mn-ea"/>
+          <a:latin typeface="+mj-lt"/>
+          <a:ea typeface="+mj-ea"/>
           <a:cs typeface="+mj-cs"/>
         </a:defRPr>
       </a:lvl1pPr>
@@ -6108,11 +6184,11 @@
         <a:buSzPct val="95000"/>
         <a:buFont typeface="Wingdings"/>
         <a:buChar char=""/>
-        <a:defRPr kumimoji="0" sz="2400" kern="1200">
+        <a:defRPr kumimoji="0" sz="3000" kern="1200">
           <a:solidFill>
             <a:schemeClr val="tx1"/>
           </a:solidFill>
-          <a:latin typeface="+mn-ea"/>
+          <a:latin typeface="+mn-lt"/>
           <a:ea typeface="+mn-ea"/>
           <a:cs typeface="+mn-cs"/>
         </a:defRPr>
@@ -6127,7 +6203,7 @@
         <a:buSzPct val="90000"/>
         <a:buFont typeface="Wingdings"/>
         <a:buChar char=""/>
-        <a:defRPr kumimoji="0" sz="2000" kern="1200">
+        <a:defRPr kumimoji="0" sz="2600" kern="1200">
           <a:solidFill>
             <a:schemeClr val="tx1"/>
           </a:solidFill>
@@ -6145,7 +6221,7 @@
         </a:buClr>
         <a:buFont typeface="Wingdings 2"/>
         <a:buChar char=""/>
-        <a:defRPr kumimoji="0" sz="1800" kern="1200">
+        <a:defRPr kumimoji="0" sz="2400" kern="1200">
           <a:solidFill>
             <a:schemeClr val="tx1"/>
           </a:solidFill>
@@ -6163,7 +6239,7 @@
         </a:buClr>
         <a:buFont typeface="Wingdings 3"/>
         <a:buChar char=""/>
-        <a:defRPr kumimoji="0" sz="1800" kern="1200">
+        <a:defRPr kumimoji="0" sz="2200" kern="1200">
           <a:solidFill>
             <a:schemeClr val="tx1"/>
           </a:solidFill>
@@ -6181,7 +6257,7 @@
         </a:buClr>
         <a:buFont typeface="Wingdings 2"/>
         <a:buChar char=""/>
-        <a:defRPr kumimoji="0" sz="1600" kern="1200">
+        <a:defRPr kumimoji="0" sz="2000" kern="1200">
           <a:solidFill>
             <a:schemeClr val="tx1"/>
           </a:solidFill>
@@ -6412,13 +6488,6 @@
   <p:clrMapOvr>
     <a:masterClrMapping/>
   </p:clrMapOvr>
-  <p:timing>
-    <p:tnLst>
-      <p:par>
-        <p:cTn id="1" dur="indefinite" restart="never" nodeType="tmRoot"/>
-      </p:par>
-    </p:tnLst>
-  </p:timing>
 </p:sld>
 </file>
 
@@ -6603,20 +6672,8 @@
                 <a:tableStyleId>{073A0DAA-6AF3-43AB-8588-CEC1D06C72B9}</a:tableStyleId>
               </a:tblPr>
               <a:tblGrid>
-                <a:gridCol w="1440160">
-                  <a:extLst>
-                    <a:ext uri="{9D8B030D-6E8A-4147-A177-3AD203B41FA5}">
-                      <a16:colId xmlns:a16="http://schemas.microsoft.com/office/drawing/2014/main" val="20000"/>
-                    </a:ext>
-                  </a:extLst>
-                </a:gridCol>
-                <a:gridCol w="1440160">
-                  <a:extLst>
-                    <a:ext uri="{9D8B030D-6E8A-4147-A177-3AD203B41FA5}">
-                      <a16:colId xmlns:a16="http://schemas.microsoft.com/office/drawing/2014/main" val="20001"/>
-                    </a:ext>
-                  </a:extLst>
-                </a:gridCol>
+                <a:gridCol w="1440160"/>
+                <a:gridCol w="1440160"/>
               </a:tblGrid>
               <a:tr h="313234">
                 <a:tc>
@@ -6665,11 +6722,6 @@
                     <a:noFill/>
                   </a:tcPr>
                 </a:tc>
-                <a:extLst>
-                  <a:ext uri="{0D108BD9-81ED-4DB2-BD59-A6C34878D82A}">
-                    <a16:rowId xmlns:a16="http://schemas.microsoft.com/office/drawing/2014/main" val="10000"/>
-                  </a:ext>
-                </a:extLst>
               </a:tr>
               <a:tr h="313234">
                 <a:tc>
@@ -6730,11 +6782,6 @@
                     <a:noFill/>
                   </a:tcPr>
                 </a:tc>
-                <a:extLst>
-                  <a:ext uri="{0D108BD9-81ED-4DB2-BD59-A6C34878D82A}">
-                    <a16:rowId xmlns:a16="http://schemas.microsoft.com/office/drawing/2014/main" val="10001"/>
-                  </a:ext>
-                </a:extLst>
               </a:tr>
             </a:tbl>
           </a:graphicData>
@@ -6849,13 +6896,6 @@
   <p:clrMapOvr>
     <a:masterClrMapping/>
   </p:clrMapOvr>
-  <p:timing>
-    <p:tnLst>
-      <p:par>
-        <p:cTn id="1" dur="indefinite" restart="never" nodeType="tmRoot"/>
-      </p:par>
-    </p:tnLst>
-  </p:timing>
 </p:sld>
 </file>
 
@@ -7037,20 +7077,8 @@
                 <a:tableStyleId>{073A0DAA-6AF3-43AB-8588-CEC1D06C72B9}</a:tableStyleId>
               </a:tblPr>
               <a:tblGrid>
-                <a:gridCol w="1980220">
-                  <a:extLst>
-                    <a:ext uri="{9D8B030D-6E8A-4147-A177-3AD203B41FA5}">
-                      <a16:colId xmlns:a16="http://schemas.microsoft.com/office/drawing/2014/main" val="20000"/>
-                    </a:ext>
-                  </a:extLst>
-                </a:gridCol>
-                <a:gridCol w="1980220">
-                  <a:extLst>
-                    <a:ext uri="{9D8B030D-6E8A-4147-A177-3AD203B41FA5}">
-                      <a16:colId xmlns:a16="http://schemas.microsoft.com/office/drawing/2014/main" val="20001"/>
-                    </a:ext>
-                  </a:extLst>
-                </a:gridCol>
+                <a:gridCol w="1980220"/>
+                <a:gridCol w="1980220"/>
               </a:tblGrid>
               <a:tr h="313234">
                 <a:tc>
@@ -7121,11 +7149,6 @@
                     <a:noFill/>
                   </a:tcPr>
                 </a:tc>
-                <a:extLst>
-                  <a:ext uri="{0D108BD9-81ED-4DB2-BD59-A6C34878D82A}">
-                    <a16:rowId xmlns:a16="http://schemas.microsoft.com/office/drawing/2014/main" val="10000"/>
-                  </a:ext>
-                </a:extLst>
               </a:tr>
               <a:tr h="313234">
                 <a:tc>
@@ -7186,11 +7209,6 @@
                     <a:noFill/>
                   </a:tcPr>
                 </a:tc>
-                <a:extLst>
-                  <a:ext uri="{0D108BD9-81ED-4DB2-BD59-A6C34878D82A}">
-                    <a16:rowId xmlns:a16="http://schemas.microsoft.com/office/drawing/2014/main" val="10001"/>
-                  </a:ext>
-                </a:extLst>
               </a:tr>
             </a:tbl>
           </a:graphicData>
@@ -7373,1543 +7391,6 @@
   <p:clrMapOvr>
     <a:masterClrMapping/>
   </p:clrMapOvr>
-  <p:timing>
-    <p:tnLst>
-      <p:par>
-        <p:cTn id="1" dur="indefinite" restart="never" nodeType="tmRoot"/>
-      </p:par>
-    </p:tnLst>
-  </p:timing>
-</p:sld>
-</file>
-
-<file path=ppt/slides/slide12.xml><?xml version="1.0" encoding="utf-8"?>
-<p:sld xmlns:a="http://schemas.openxmlformats.org/drawingml/2006/main" xmlns:r="http://schemas.openxmlformats.org/officeDocument/2006/relationships" xmlns:p="http://schemas.openxmlformats.org/presentationml/2006/main">
-  <p:cSld>
-    <p:spTree>
-      <p:nvGrpSpPr>
-        <p:cNvPr id="1" name=""/>
-        <p:cNvGrpSpPr/>
-        <p:nvPr/>
-      </p:nvGrpSpPr>
-      <p:grpSpPr>
-        <a:xfrm>
-          <a:off x="0" y="0"/>
-          <a:ext cx="0" cy="0"/>
-          <a:chOff x="0" y="0"/>
-          <a:chExt cx="0" cy="0"/>
-        </a:xfrm>
-      </p:grpSpPr>
-      <p:sp>
-        <p:nvSpPr>
-          <p:cNvPr id="2" name="TextBox 1"/>
-          <p:cNvSpPr txBox="1"/>
-          <p:nvPr/>
-        </p:nvSpPr>
-        <p:spPr>
-          <a:xfrm>
-            <a:off x="1245609" y="2937138"/>
-            <a:ext cx="6652783" cy="707886"/>
-          </a:xfrm>
-          <a:prstGeom prst="rect">
-            <a:avLst/>
-          </a:prstGeom>
-          <a:noFill/>
-        </p:spPr>
-        <p:txBody>
-          <a:bodyPr wrap="none" rtlCol="0">
-            <a:spAutoFit/>
-          </a:bodyPr>
-          <a:lstStyle/>
-          <a:p>
-            <a:r>
-              <a:rPr lang="en-US" altLang="ko-KR" sz="4000" dirty="0">
-                <a:latin typeface="+mn-ea"/>
-              </a:rPr>
-              <a:t>3</a:t>
-            </a:r>
-            <a:r>
-              <a:rPr lang="ko-KR" altLang="en-US" sz="4000" dirty="0" smtClean="0">
-                <a:latin typeface="+mn-ea"/>
-              </a:rPr>
-              <a:t>장 </a:t>
-            </a:r>
-            <a:r>
-              <a:rPr lang="ko-KR" altLang="en-US" sz="4000" dirty="0" smtClean="0">
-                <a:latin typeface="+mn-ea"/>
-              </a:rPr>
-              <a:t>저장 클래스와 </a:t>
-            </a:r>
-            <a:r>
-              <a:rPr lang="ko-KR" altLang="en-US" sz="4000" dirty="0" err="1" smtClean="0">
-                <a:latin typeface="+mn-ea"/>
-              </a:rPr>
-              <a:t>접근범위</a:t>
-            </a:r>
-            <a:endParaRPr lang="ko-KR" altLang="en-US" sz="4000" dirty="0">
-              <a:latin typeface="+mn-ea"/>
-            </a:endParaRPr>
-          </a:p>
-        </p:txBody>
-      </p:sp>
-      <p:graphicFrame>
-        <p:nvGraphicFramePr>
-          <p:cNvPr id="3" name="개체 2"/>
-          <p:cNvGraphicFramePr>
-            <a:graphicFrameLocks noChangeAspect="1"/>
-          </p:cNvGraphicFramePr>
-          <p:nvPr>
-            <p:extLst>
-              <p:ext uri="{D42A27DB-BD31-4B8C-83A1-F6EECF244321}">
-                <p14:modId xmlns:p14="http://schemas.microsoft.com/office/powerpoint/2010/main" val="1619615563"/>
-              </p:ext>
-            </p:extLst>
-          </p:nvPr>
-        </p:nvGraphicFramePr>
-        <p:xfrm>
-          <a:off x="7989888" y="6242767"/>
-          <a:ext cx="1154112" cy="604837"/>
-        </p:xfrm>
-        <a:graphic>
-          <a:graphicData uri="http://schemas.openxmlformats.org/presentationml/2006/ole">
-            <mc:AlternateContent xmlns:mc="http://schemas.openxmlformats.org/markup-compatibility/2006">
-              <mc:Choice xmlns:v="urn:schemas-microsoft-com:vml" Requires="v">
-                <p:oleObj spid="_x0000_s1026" name="포장기 셸 개체" showAsIcon="1" r:id="rId3" imgW="1154880" imgH="604800" progId="Package">
-                  <p:embed/>
-                </p:oleObj>
-              </mc:Choice>
-              <mc:Fallback>
-                <p:oleObj name="포장기 셸 개체" showAsIcon="1" r:id="rId3" imgW="1154880" imgH="604800" progId="Package">
-                  <p:embed/>
-                  <p:pic>
-                    <p:nvPicPr>
-                      <p:cNvPr id="0" name=""/>
-                      <p:cNvPicPr/>
-                      <p:nvPr/>
-                    </p:nvPicPr>
-                    <p:blipFill>
-                      <a:blip r:embed="rId4"/>
-                      <a:stretch>
-                        <a:fillRect/>
-                      </a:stretch>
-                    </p:blipFill>
-                    <p:spPr>
-                      <a:xfrm>
-                        <a:off x="7989888" y="6242767"/>
-                        <a:ext cx="1154112" cy="604837"/>
-                      </a:xfrm>
-                      <a:prstGeom prst="rect">
-                        <a:avLst/>
-                      </a:prstGeom>
-                    </p:spPr>
-                  </p:pic>
-                </p:oleObj>
-              </mc:Fallback>
-            </mc:AlternateContent>
-          </a:graphicData>
-        </a:graphic>
-      </p:graphicFrame>
-    </p:spTree>
-    <p:extLst>
-      <p:ext uri="{BB962C8B-B14F-4D97-AF65-F5344CB8AC3E}">
-        <p14:creationId xmlns:p14="http://schemas.microsoft.com/office/powerpoint/2010/main" val="2248532225"/>
-      </p:ext>
-    </p:extLst>
-  </p:cSld>
-  <p:clrMapOvr>
-    <a:masterClrMapping/>
-  </p:clrMapOvr>
-  <p:timing>
-    <p:tnLst>
-      <p:par>
-        <p:cTn id="1" dur="indefinite" restart="never" nodeType="tmRoot"/>
-      </p:par>
-    </p:tnLst>
-  </p:timing>
-</p:sld>
-</file>
-
-<file path=ppt/slides/slide13.xml><?xml version="1.0" encoding="utf-8"?>
-<p:sld xmlns:a="http://schemas.openxmlformats.org/drawingml/2006/main" xmlns:r="http://schemas.openxmlformats.org/officeDocument/2006/relationships" xmlns:p="http://schemas.openxmlformats.org/presentationml/2006/main">
-  <p:cSld>
-    <p:spTree>
-      <p:nvGrpSpPr>
-        <p:cNvPr id="1" name=""/>
-        <p:cNvGrpSpPr/>
-        <p:nvPr/>
-      </p:nvGrpSpPr>
-      <p:grpSpPr>
-        <a:xfrm>
-          <a:off x="0" y="0"/>
-          <a:ext cx="0" cy="0"/>
-          <a:chOff x="0" y="0"/>
-          <a:chExt cx="0" cy="0"/>
-        </a:xfrm>
-      </p:grpSpPr>
-      <p:sp>
-        <p:nvSpPr>
-          <p:cNvPr id="2" name="제목 1"/>
-          <p:cNvSpPr>
-            <a:spLocks noGrp="1"/>
-          </p:cNvSpPr>
-          <p:nvPr>
-            <p:ph type="title"/>
-          </p:nvPr>
-        </p:nvSpPr>
-        <p:spPr/>
-        <p:txBody>
-          <a:bodyPr/>
-          <a:lstStyle/>
-          <a:p>
-            <a:r>
-              <a:rPr lang="ko-KR" altLang="en-US" dirty="0" smtClean="0"/>
-              <a:t>저장 클래스와 </a:t>
-            </a:r>
-            <a:r>
-              <a:rPr lang="ko-KR" altLang="en-US" dirty="0" err="1" smtClean="0"/>
-              <a:t>접근범위</a:t>
-            </a:r>
-            <a:endParaRPr lang="ko-KR" altLang="en-US" dirty="0"/>
-          </a:p>
-        </p:txBody>
-      </p:sp>
-      <p:sp>
-        <p:nvSpPr>
-          <p:cNvPr id="3" name="내용 개체 틀 2"/>
-          <p:cNvSpPr>
-            <a:spLocks noGrp="1"/>
-          </p:cNvSpPr>
-          <p:nvPr>
-            <p:ph idx="1"/>
-          </p:nvPr>
-        </p:nvSpPr>
-        <p:spPr/>
-        <p:txBody>
-          <a:bodyPr/>
-          <a:lstStyle/>
-          <a:p>
-            <a:r>
-              <a:rPr lang="ko-KR" altLang="en-US" dirty="0" smtClean="0"/>
-              <a:t>지역변수</a:t>
-            </a:r>
-            <a:endParaRPr lang="en-US" altLang="ko-KR" dirty="0" smtClean="0"/>
-          </a:p>
-          <a:p>
-            <a:pPr lvl="1"/>
-            <a:r>
-              <a:rPr lang="en-US" altLang="ko-KR" dirty="0" smtClean="0"/>
-              <a:t>Block { } </a:t>
-            </a:r>
-            <a:r>
-              <a:rPr lang="ko-KR" altLang="en-US" dirty="0" smtClean="0"/>
-              <a:t>내부에 선언된 변수</a:t>
-            </a:r>
-            <a:endParaRPr lang="en-US" altLang="ko-KR" dirty="0" smtClean="0"/>
-          </a:p>
-          <a:p>
-            <a:pPr lvl="1"/>
-            <a:r>
-              <a:rPr lang="en-US" altLang="ko-KR" dirty="0" smtClean="0"/>
-              <a:t>Block { } </a:t>
-            </a:r>
-            <a:r>
-              <a:rPr lang="ko-KR" altLang="en-US" dirty="0" smtClean="0"/>
-              <a:t>내부에서만 접근 가능</a:t>
-            </a:r>
-            <a:endParaRPr lang="en-US" altLang="ko-KR" dirty="0" smtClean="0"/>
-          </a:p>
-          <a:p>
-            <a:pPr lvl="1"/>
-            <a:r>
-              <a:rPr lang="ko-KR" altLang="en-US" dirty="0" smtClean="0"/>
-              <a:t>상위 </a:t>
-            </a:r>
-            <a:r>
-              <a:rPr lang="en-US" altLang="ko-KR" dirty="0" smtClean="0"/>
-              <a:t>Block</a:t>
-            </a:r>
-            <a:r>
-              <a:rPr lang="ko-KR" altLang="en-US" dirty="0" smtClean="0"/>
-              <a:t>의 지역 변수에는 접근 가능</a:t>
-            </a:r>
-            <a:endParaRPr lang="en-US" altLang="ko-KR" dirty="0" smtClean="0"/>
-          </a:p>
-          <a:p>
-            <a:pPr lvl="1"/>
-            <a:r>
-              <a:rPr lang="ko-KR" altLang="en-US" dirty="0" smtClean="0"/>
-              <a:t>하위 </a:t>
-            </a:r>
-            <a:r>
-              <a:rPr lang="en-US" altLang="ko-KR" dirty="0" smtClean="0"/>
-              <a:t>Block</a:t>
-            </a:r>
-            <a:r>
-              <a:rPr lang="ko-KR" altLang="en-US" dirty="0" smtClean="0"/>
-              <a:t>의 지역 변수에는 접근 불가능</a:t>
-            </a:r>
-            <a:endParaRPr lang="en-US" altLang="ko-KR" dirty="0" smtClean="0"/>
-          </a:p>
-          <a:p>
-            <a:pPr lvl="1"/>
-            <a:endParaRPr lang="en-US" altLang="ko-KR" dirty="0"/>
-          </a:p>
-        </p:txBody>
-      </p:sp>
-      <p:pic>
-        <p:nvPicPr>
-          <p:cNvPr id="5" name="그림 4"/>
-          <p:cNvPicPr>
-            <a:picLocks noChangeAspect="1"/>
-          </p:cNvPicPr>
-          <p:nvPr/>
-        </p:nvPicPr>
-        <p:blipFill rotWithShape="1">
-          <a:blip r:embed="rId2"/>
-          <a:srcRect b="2453"/>
-          <a:stretch/>
-        </p:blipFill>
-        <p:spPr>
-          <a:xfrm>
-            <a:off x="390525" y="2996952"/>
-            <a:ext cx="8753475" cy="3744416"/>
-          </a:xfrm>
-          <a:prstGeom prst="rect">
-            <a:avLst/>
-          </a:prstGeom>
-        </p:spPr>
-      </p:pic>
-    </p:spTree>
-    <p:extLst>
-      <p:ext uri="{BB962C8B-B14F-4D97-AF65-F5344CB8AC3E}">
-        <p14:creationId xmlns:p14="http://schemas.microsoft.com/office/powerpoint/2010/main" val="716975381"/>
-      </p:ext>
-    </p:extLst>
-  </p:cSld>
-  <p:clrMapOvr>
-    <a:masterClrMapping/>
-  </p:clrMapOvr>
-  <p:timing>
-    <p:tnLst>
-      <p:par>
-        <p:cTn id="1" dur="indefinite" restart="never" nodeType="tmRoot"/>
-      </p:par>
-    </p:tnLst>
-  </p:timing>
-</p:sld>
-</file>
-
-<file path=ppt/slides/slide14.xml><?xml version="1.0" encoding="utf-8"?>
-<p:sld xmlns:a="http://schemas.openxmlformats.org/drawingml/2006/main" xmlns:r="http://schemas.openxmlformats.org/officeDocument/2006/relationships" xmlns:p="http://schemas.openxmlformats.org/presentationml/2006/main">
-  <p:cSld>
-    <p:spTree>
-      <p:nvGrpSpPr>
-        <p:cNvPr id="1" name=""/>
-        <p:cNvGrpSpPr/>
-        <p:nvPr/>
-      </p:nvGrpSpPr>
-      <p:grpSpPr>
-        <a:xfrm>
-          <a:off x="0" y="0"/>
-          <a:ext cx="0" cy="0"/>
-          <a:chOff x="0" y="0"/>
-          <a:chExt cx="0" cy="0"/>
-        </a:xfrm>
-      </p:grpSpPr>
-      <p:sp>
-        <p:nvSpPr>
-          <p:cNvPr id="2" name="제목 1"/>
-          <p:cNvSpPr>
-            <a:spLocks noGrp="1"/>
-          </p:cNvSpPr>
-          <p:nvPr>
-            <p:ph type="title"/>
-          </p:nvPr>
-        </p:nvSpPr>
-        <p:spPr/>
-        <p:txBody>
-          <a:bodyPr/>
-          <a:lstStyle/>
-          <a:p>
-            <a:r>
-              <a:rPr lang="ko-KR" altLang="en-US" dirty="0" smtClean="0"/>
-              <a:t>저장 클래스와 </a:t>
-            </a:r>
-            <a:r>
-              <a:rPr lang="ko-KR" altLang="en-US" dirty="0" err="1" smtClean="0"/>
-              <a:t>접근범위</a:t>
-            </a:r>
-            <a:endParaRPr lang="ko-KR" altLang="en-US" dirty="0"/>
-          </a:p>
-        </p:txBody>
-      </p:sp>
-      <p:sp>
-        <p:nvSpPr>
-          <p:cNvPr id="3" name="내용 개체 틀 2"/>
-          <p:cNvSpPr>
-            <a:spLocks noGrp="1"/>
-          </p:cNvSpPr>
-          <p:nvPr>
-            <p:ph idx="1"/>
-          </p:nvPr>
-        </p:nvSpPr>
-        <p:spPr/>
-        <p:txBody>
-          <a:bodyPr/>
-          <a:lstStyle/>
-          <a:p>
-            <a:r>
-              <a:rPr lang="ko-KR" altLang="en-US" dirty="0" smtClean="0"/>
-              <a:t>지역변수</a:t>
-            </a:r>
-            <a:endParaRPr lang="en-US" altLang="ko-KR" dirty="0" smtClean="0"/>
-          </a:p>
-          <a:p>
-            <a:pPr lvl="1"/>
-            <a:r>
-              <a:rPr lang="ko-KR" altLang="en-US" dirty="0" smtClean="0"/>
-              <a:t>같은 이름이면 접근 가능한 변수 중 가장 가까운 변수에 접근</a:t>
-            </a:r>
-            <a:endParaRPr lang="ko-KR" altLang="en-US" dirty="0"/>
-          </a:p>
-        </p:txBody>
-      </p:sp>
-      <p:pic>
-        <p:nvPicPr>
-          <p:cNvPr id="4" name="그림 3"/>
-          <p:cNvPicPr>
-            <a:picLocks noChangeAspect="1"/>
-          </p:cNvPicPr>
-          <p:nvPr/>
-        </p:nvPicPr>
-        <p:blipFill rotWithShape="1">
-          <a:blip r:embed="rId2"/>
-          <a:srcRect t="12096"/>
-          <a:stretch/>
-        </p:blipFill>
-        <p:spPr>
-          <a:xfrm>
-            <a:off x="371475" y="3573016"/>
-            <a:ext cx="8772525" cy="3139827"/>
-          </a:xfrm>
-          <a:prstGeom prst="rect">
-            <a:avLst/>
-          </a:prstGeom>
-        </p:spPr>
-      </p:pic>
-    </p:spTree>
-    <p:extLst>
-      <p:ext uri="{BB962C8B-B14F-4D97-AF65-F5344CB8AC3E}">
-        <p14:creationId xmlns:p14="http://schemas.microsoft.com/office/powerpoint/2010/main" val="3096176865"/>
-      </p:ext>
-    </p:extLst>
-  </p:cSld>
-  <p:clrMapOvr>
-    <a:masterClrMapping/>
-  </p:clrMapOvr>
-  <p:timing>
-    <p:tnLst>
-      <p:par>
-        <p:cTn id="1" dur="indefinite" restart="never" nodeType="tmRoot"/>
-      </p:par>
-    </p:tnLst>
-  </p:timing>
-</p:sld>
-</file>
-
-<file path=ppt/slides/slide15.xml><?xml version="1.0" encoding="utf-8"?>
-<p:sld xmlns:a="http://schemas.openxmlformats.org/drawingml/2006/main" xmlns:r="http://schemas.openxmlformats.org/officeDocument/2006/relationships" xmlns:p="http://schemas.openxmlformats.org/presentationml/2006/main">
-  <p:cSld>
-    <p:spTree>
-      <p:nvGrpSpPr>
-        <p:cNvPr id="1" name=""/>
-        <p:cNvGrpSpPr/>
-        <p:nvPr/>
-      </p:nvGrpSpPr>
-      <p:grpSpPr>
-        <a:xfrm>
-          <a:off x="0" y="0"/>
-          <a:ext cx="0" cy="0"/>
-          <a:chOff x="0" y="0"/>
-          <a:chExt cx="0" cy="0"/>
-        </a:xfrm>
-      </p:grpSpPr>
-      <p:sp>
-        <p:nvSpPr>
-          <p:cNvPr id="2" name="제목 1"/>
-          <p:cNvSpPr>
-            <a:spLocks noGrp="1"/>
-          </p:cNvSpPr>
-          <p:nvPr>
-            <p:ph type="title"/>
-          </p:nvPr>
-        </p:nvSpPr>
-        <p:spPr/>
-        <p:txBody>
-          <a:bodyPr/>
-          <a:lstStyle/>
-          <a:p>
-            <a:r>
-              <a:rPr lang="ko-KR" altLang="en-US" dirty="0" smtClean="0"/>
-              <a:t>저장 클래스와 </a:t>
-            </a:r>
-            <a:r>
-              <a:rPr lang="ko-KR" altLang="en-US" dirty="0" err="1" smtClean="0"/>
-              <a:t>접근범위</a:t>
-            </a:r>
-            <a:endParaRPr lang="ko-KR" altLang="en-US" dirty="0"/>
-          </a:p>
-        </p:txBody>
-      </p:sp>
-      <p:sp>
-        <p:nvSpPr>
-          <p:cNvPr id="3" name="내용 개체 틀 2"/>
-          <p:cNvSpPr>
-            <a:spLocks noGrp="1"/>
-          </p:cNvSpPr>
-          <p:nvPr>
-            <p:ph idx="1"/>
-          </p:nvPr>
-        </p:nvSpPr>
-        <p:spPr/>
-        <p:txBody>
-          <a:bodyPr/>
-          <a:lstStyle/>
-          <a:p>
-            <a:r>
-              <a:rPr lang="ko-KR" altLang="en-US" dirty="0" smtClean="0"/>
-              <a:t>전역 변수</a:t>
-            </a:r>
-            <a:endParaRPr lang="en-US" altLang="ko-KR" dirty="0" smtClean="0"/>
-          </a:p>
-          <a:p>
-            <a:pPr lvl="1"/>
-            <a:r>
-              <a:rPr lang="ko-KR" altLang="en-US" dirty="0" smtClean="0"/>
-              <a:t>동일 모듈 내에서 접근 가능</a:t>
-            </a:r>
-            <a:endParaRPr lang="en-US" altLang="ko-KR" dirty="0" smtClean="0"/>
-          </a:p>
-          <a:p>
-            <a:pPr lvl="1"/>
-            <a:r>
-              <a:rPr lang="ko-KR" altLang="en-US" dirty="0" smtClean="0"/>
-              <a:t>첫 접근 시점에 초기화</a:t>
-            </a:r>
-            <a:endParaRPr lang="en-US" altLang="ko-KR" dirty="0" smtClean="0"/>
-          </a:p>
-          <a:p>
-            <a:pPr lvl="1"/>
-            <a:endParaRPr lang="en-US" altLang="ko-KR" dirty="0"/>
-          </a:p>
-          <a:p>
-            <a:pPr lvl="1"/>
-            <a:r>
-              <a:rPr lang="ko-KR" altLang="en-US" dirty="0" smtClean="0"/>
-              <a:t>우선순위</a:t>
-            </a:r>
-            <a:r>
-              <a:rPr lang="en-US" altLang="ko-KR" dirty="0" smtClean="0"/>
-              <a:t>: </a:t>
-            </a:r>
-            <a:r>
-              <a:rPr lang="ko-KR" altLang="en-US" dirty="0" err="1" smtClean="0"/>
-              <a:t>전역변수</a:t>
-            </a:r>
-            <a:r>
-              <a:rPr lang="ko-KR" altLang="en-US" dirty="0" smtClean="0"/>
-              <a:t> </a:t>
-            </a:r>
-            <a:r>
-              <a:rPr lang="en-US" altLang="ko-KR" dirty="0" smtClean="0"/>
-              <a:t>&lt; </a:t>
-            </a:r>
-            <a:r>
-              <a:rPr lang="ko-KR" altLang="en-US" dirty="0" smtClean="0"/>
-              <a:t>지역변수</a:t>
-            </a:r>
-            <a:endParaRPr lang="en-US" altLang="ko-KR" dirty="0" smtClean="0"/>
-          </a:p>
-          <a:p>
-            <a:pPr lvl="1"/>
-            <a:endParaRPr lang="ko-KR" altLang="en-US" dirty="0"/>
-          </a:p>
-        </p:txBody>
-      </p:sp>
-      <p:pic>
-        <p:nvPicPr>
-          <p:cNvPr id="5" name="그림 4"/>
-          <p:cNvPicPr>
-            <a:picLocks noChangeAspect="1"/>
-          </p:cNvPicPr>
-          <p:nvPr/>
-        </p:nvPicPr>
-        <p:blipFill>
-          <a:blip r:embed="rId2"/>
-          <a:stretch>
-            <a:fillRect/>
-          </a:stretch>
-        </p:blipFill>
-        <p:spPr>
-          <a:xfrm>
-            <a:off x="375625" y="4550618"/>
-            <a:ext cx="8772525" cy="2190750"/>
-          </a:xfrm>
-          <a:prstGeom prst="rect">
-            <a:avLst/>
-          </a:prstGeom>
-        </p:spPr>
-      </p:pic>
-    </p:spTree>
-    <p:extLst>
-      <p:ext uri="{BB962C8B-B14F-4D97-AF65-F5344CB8AC3E}">
-        <p14:creationId xmlns:p14="http://schemas.microsoft.com/office/powerpoint/2010/main" val="3945910518"/>
-      </p:ext>
-    </p:extLst>
-  </p:cSld>
-  <p:clrMapOvr>
-    <a:masterClrMapping/>
-  </p:clrMapOvr>
-  <p:timing>
-    <p:tnLst>
-      <p:par>
-        <p:cTn id="1" dur="indefinite" restart="never" nodeType="tmRoot"/>
-      </p:par>
-    </p:tnLst>
-  </p:timing>
-</p:sld>
-</file>
-
-<file path=ppt/slides/slide16.xml><?xml version="1.0" encoding="utf-8"?>
-<p:sld xmlns:a="http://schemas.openxmlformats.org/drawingml/2006/main" xmlns:r="http://schemas.openxmlformats.org/officeDocument/2006/relationships" xmlns:p="http://schemas.openxmlformats.org/presentationml/2006/main">
-  <p:cSld>
-    <p:spTree>
-      <p:nvGrpSpPr>
-        <p:cNvPr id="1" name=""/>
-        <p:cNvGrpSpPr/>
-        <p:nvPr/>
-      </p:nvGrpSpPr>
-      <p:grpSpPr>
-        <a:xfrm>
-          <a:off x="0" y="0"/>
-          <a:ext cx="0" cy="0"/>
-          <a:chOff x="0" y="0"/>
-          <a:chExt cx="0" cy="0"/>
-        </a:xfrm>
-      </p:grpSpPr>
-      <p:sp>
-        <p:nvSpPr>
-          <p:cNvPr id="2" name="TextBox 1"/>
-          <p:cNvSpPr txBox="1"/>
-          <p:nvPr/>
-        </p:nvSpPr>
-        <p:spPr>
-          <a:xfrm>
-            <a:off x="1853756" y="2937138"/>
-            <a:ext cx="5436488" cy="707886"/>
-          </a:xfrm>
-          <a:prstGeom prst="rect">
-            <a:avLst/>
-          </a:prstGeom>
-          <a:noFill/>
-        </p:spPr>
-        <p:txBody>
-          <a:bodyPr wrap="none" rtlCol="0">
-            <a:spAutoFit/>
-          </a:bodyPr>
-          <a:lstStyle/>
-          <a:p>
-            <a:r>
-              <a:rPr lang="en-US" altLang="ko-KR" sz="4000" dirty="0">
-                <a:latin typeface="+mn-ea"/>
-              </a:rPr>
-              <a:t>4</a:t>
-            </a:r>
-            <a:r>
-              <a:rPr lang="ko-KR" altLang="en-US" sz="4000" dirty="0" smtClean="0">
-                <a:latin typeface="+mn-ea"/>
-              </a:rPr>
-              <a:t>장 </a:t>
-            </a:r>
-            <a:r>
-              <a:rPr lang="ko-KR" altLang="en-US" sz="4000" dirty="0" err="1" smtClean="0">
-                <a:latin typeface="+mn-ea"/>
-              </a:rPr>
-              <a:t>옵셔널</a:t>
-            </a:r>
-            <a:r>
-              <a:rPr lang="ko-KR" altLang="en-US" sz="4000" dirty="0" smtClean="0">
-                <a:latin typeface="+mn-ea"/>
-              </a:rPr>
-              <a:t> </a:t>
-            </a:r>
-            <a:r>
-              <a:rPr lang="en-US" altLang="ko-KR" sz="4000" dirty="0" smtClean="0">
-                <a:latin typeface="+mn-ea"/>
-              </a:rPr>
-              <a:t>(swift only)</a:t>
-            </a:r>
-            <a:endParaRPr lang="ko-KR" altLang="en-US" sz="4000" dirty="0">
-              <a:latin typeface="+mn-ea"/>
-            </a:endParaRPr>
-          </a:p>
-        </p:txBody>
-      </p:sp>
-      <p:graphicFrame>
-        <p:nvGraphicFramePr>
-          <p:cNvPr id="4" name="개체 3"/>
-          <p:cNvGraphicFramePr>
-            <a:graphicFrameLocks noChangeAspect="1"/>
-          </p:cNvGraphicFramePr>
-          <p:nvPr>
-            <p:extLst>
-              <p:ext uri="{D42A27DB-BD31-4B8C-83A1-F6EECF244321}">
-                <p14:modId xmlns:p14="http://schemas.microsoft.com/office/powerpoint/2010/main" val="174843180"/>
-              </p:ext>
-            </p:extLst>
-          </p:nvPr>
-        </p:nvGraphicFramePr>
-        <p:xfrm>
-          <a:off x="7958572" y="6253163"/>
-          <a:ext cx="1154112" cy="604837"/>
-        </p:xfrm>
-        <a:graphic>
-          <a:graphicData uri="http://schemas.openxmlformats.org/presentationml/2006/ole">
-            <mc:AlternateContent xmlns:mc="http://schemas.openxmlformats.org/markup-compatibility/2006">
-              <mc:Choice xmlns:v="urn:schemas-microsoft-com:vml" Requires="v">
-                <p:oleObj spid="_x0000_s2050" name="포장기 셸 개체" showAsIcon="1" r:id="rId3" imgW="1154880" imgH="604800" progId="Package">
-                  <p:embed/>
-                </p:oleObj>
-              </mc:Choice>
-              <mc:Fallback>
-                <p:oleObj name="포장기 셸 개체" showAsIcon="1" r:id="rId3" imgW="1154880" imgH="604800" progId="Package">
-                  <p:embed/>
-                  <p:pic>
-                    <p:nvPicPr>
-                      <p:cNvPr id="0" name=""/>
-                      <p:cNvPicPr/>
-                      <p:nvPr/>
-                    </p:nvPicPr>
-                    <p:blipFill>
-                      <a:blip r:embed="rId4"/>
-                      <a:stretch>
-                        <a:fillRect/>
-                      </a:stretch>
-                    </p:blipFill>
-                    <p:spPr>
-                      <a:xfrm>
-                        <a:off x="7958572" y="6253163"/>
-                        <a:ext cx="1154112" cy="604837"/>
-                      </a:xfrm>
-                      <a:prstGeom prst="rect">
-                        <a:avLst/>
-                      </a:prstGeom>
-                    </p:spPr>
-                  </p:pic>
-                </p:oleObj>
-              </mc:Fallback>
-            </mc:AlternateContent>
-          </a:graphicData>
-        </a:graphic>
-      </p:graphicFrame>
-    </p:spTree>
-    <p:extLst>
-      <p:ext uri="{BB962C8B-B14F-4D97-AF65-F5344CB8AC3E}">
-        <p14:creationId xmlns:p14="http://schemas.microsoft.com/office/powerpoint/2010/main" val="750454511"/>
-      </p:ext>
-    </p:extLst>
-  </p:cSld>
-  <p:clrMapOvr>
-    <a:masterClrMapping/>
-  </p:clrMapOvr>
-  <p:timing>
-    <p:tnLst>
-      <p:par>
-        <p:cTn id="1" dur="indefinite" restart="never" nodeType="tmRoot"/>
-      </p:par>
-    </p:tnLst>
-  </p:timing>
-</p:sld>
-</file>
-
-<file path=ppt/slides/slide17.xml><?xml version="1.0" encoding="utf-8"?>
-<p:sld xmlns:a="http://schemas.openxmlformats.org/drawingml/2006/main" xmlns:r="http://schemas.openxmlformats.org/officeDocument/2006/relationships" xmlns:p="http://schemas.openxmlformats.org/presentationml/2006/main">
-  <p:cSld>
-    <p:spTree>
-      <p:nvGrpSpPr>
-        <p:cNvPr id="1" name=""/>
-        <p:cNvGrpSpPr/>
-        <p:nvPr/>
-      </p:nvGrpSpPr>
-      <p:grpSpPr>
-        <a:xfrm>
-          <a:off x="0" y="0"/>
-          <a:ext cx="0" cy="0"/>
-          <a:chOff x="0" y="0"/>
-          <a:chExt cx="0" cy="0"/>
-        </a:xfrm>
-      </p:grpSpPr>
-      <p:sp>
-        <p:nvSpPr>
-          <p:cNvPr id="2" name="제목 1"/>
-          <p:cNvSpPr>
-            <a:spLocks noGrp="1"/>
-          </p:cNvSpPr>
-          <p:nvPr>
-            <p:ph type="title"/>
-          </p:nvPr>
-        </p:nvSpPr>
-        <p:spPr/>
-        <p:txBody>
-          <a:bodyPr/>
-          <a:lstStyle/>
-          <a:p>
-            <a:r>
-              <a:rPr lang="ko-KR" altLang="en-US" dirty="0" err="1" smtClean="0"/>
-              <a:t>옵셔널</a:t>
-            </a:r>
-            <a:endParaRPr lang="ko-KR" altLang="en-US" dirty="0"/>
-          </a:p>
-        </p:txBody>
-      </p:sp>
-      <p:sp>
-        <p:nvSpPr>
-          <p:cNvPr id="3" name="내용 개체 틀 2"/>
-          <p:cNvSpPr>
-            <a:spLocks noGrp="1"/>
-          </p:cNvSpPr>
-          <p:nvPr>
-            <p:ph idx="1"/>
-          </p:nvPr>
-        </p:nvSpPr>
-        <p:spPr/>
-        <p:txBody>
-          <a:bodyPr/>
-          <a:lstStyle/>
-          <a:p>
-            <a:r>
-              <a:rPr lang="en-US" altLang="ko-KR" dirty="0" smtClean="0"/>
-              <a:t>Optional Type</a:t>
-            </a:r>
-          </a:p>
-          <a:p>
-            <a:pPr lvl="1"/>
-            <a:r>
-              <a:rPr lang="en-US" altLang="ko-KR" dirty="0" smtClean="0"/>
-              <a:t>nil </a:t>
-            </a:r>
-            <a:r>
-              <a:rPr lang="ko-KR" altLang="en-US" dirty="0" smtClean="0"/>
-              <a:t>값을 가질 수 있는 형식</a:t>
-            </a:r>
-            <a:endParaRPr lang="en-US" altLang="ko-KR" dirty="0" smtClean="0"/>
-          </a:p>
-          <a:p>
-            <a:pPr lvl="1"/>
-            <a:r>
-              <a:rPr lang="ko-KR" altLang="en-US" dirty="0" smtClean="0"/>
-              <a:t>선언 방법</a:t>
-            </a:r>
-            <a:endParaRPr lang="en-US" altLang="ko-KR" dirty="0" smtClean="0"/>
-          </a:p>
-          <a:p>
-            <a:pPr lvl="2"/>
-            <a:r>
-              <a:rPr lang="en-US" altLang="ko-KR" dirty="0" err="1"/>
-              <a:t>v</a:t>
-            </a:r>
-            <a:r>
-              <a:rPr lang="en-US" altLang="ko-KR" dirty="0" err="1" smtClean="0"/>
-              <a:t>ar</a:t>
-            </a:r>
-            <a:r>
-              <a:rPr lang="en-US" altLang="ko-KR" dirty="0" smtClean="0"/>
-              <a:t> name: String</a:t>
-            </a:r>
-            <a:r>
-              <a:rPr lang="en-US" altLang="ko-KR" dirty="0" smtClean="0">
-                <a:solidFill>
-                  <a:srgbClr val="FF0000"/>
-                </a:solidFill>
-              </a:rPr>
-              <a:t>? </a:t>
-            </a:r>
-            <a:r>
-              <a:rPr lang="en-US" altLang="ko-KR" sz="1400" dirty="0" smtClean="0">
-                <a:solidFill>
-                  <a:srgbClr val="FFFF00"/>
-                </a:solidFill>
-                <a:sym typeface="Wingdings" panose="05000000000000000000" pitchFamily="2" charset="2"/>
-              </a:rPr>
-              <a:t> </a:t>
-            </a:r>
-            <a:r>
-              <a:rPr lang="ko-KR" altLang="en-US" sz="1400" dirty="0" err="1" smtClean="0">
-                <a:solidFill>
-                  <a:srgbClr val="FFFF00"/>
-                </a:solidFill>
-                <a:sym typeface="Wingdings" panose="05000000000000000000" pitchFamily="2" charset="2"/>
-              </a:rPr>
-              <a:t>자료형</a:t>
-            </a:r>
-            <a:r>
-              <a:rPr lang="ko-KR" altLang="en-US" sz="1400" dirty="0" smtClean="0">
-                <a:solidFill>
-                  <a:srgbClr val="FFFF00"/>
-                </a:solidFill>
-                <a:sym typeface="Wingdings" panose="05000000000000000000" pitchFamily="2" charset="2"/>
-              </a:rPr>
-              <a:t> 뒤에 </a:t>
-            </a:r>
-            <a:r>
-              <a:rPr lang="en-US" altLang="ko-KR" sz="1400" dirty="0" smtClean="0">
-                <a:solidFill>
-                  <a:srgbClr val="FFFF00"/>
-                </a:solidFill>
-                <a:sym typeface="Wingdings" panose="05000000000000000000" pitchFamily="2" charset="2"/>
-              </a:rPr>
-              <a:t>?</a:t>
-            </a:r>
-            <a:r>
-              <a:rPr lang="ko-KR" altLang="en-US" sz="1400" dirty="0" smtClean="0">
-                <a:solidFill>
-                  <a:srgbClr val="FFFF00"/>
-                </a:solidFill>
-                <a:sym typeface="Wingdings" panose="05000000000000000000" pitchFamily="2" charset="2"/>
-              </a:rPr>
-              <a:t> 추가</a:t>
-            </a:r>
-            <a:endParaRPr lang="en-US" altLang="ko-KR" sz="1400" dirty="0" smtClean="0">
-              <a:solidFill>
-                <a:srgbClr val="FFFF00"/>
-              </a:solidFill>
-              <a:sym typeface="Wingdings" panose="05000000000000000000" pitchFamily="2" charset="2"/>
-            </a:endParaRPr>
-          </a:p>
-          <a:p>
-            <a:pPr lvl="1"/>
-            <a:endParaRPr lang="en-US" altLang="ko-KR" dirty="0" smtClean="0">
-              <a:solidFill>
-                <a:srgbClr val="FFFF00"/>
-              </a:solidFill>
-            </a:endParaRPr>
-          </a:p>
-          <a:p>
-            <a:pPr lvl="1"/>
-            <a:r>
-              <a:rPr lang="ko-KR" altLang="en-US" dirty="0" smtClean="0"/>
-              <a:t>초기화 하지 않으면 </a:t>
-            </a:r>
-            <a:r>
-              <a:rPr lang="en-US" altLang="ko-KR" dirty="0" smtClean="0"/>
-              <a:t>nil</a:t>
-            </a:r>
-            <a:r>
-              <a:rPr lang="ko-KR" altLang="en-US" dirty="0" smtClean="0"/>
-              <a:t>로 자동 초기화</a:t>
-            </a:r>
-            <a:endParaRPr lang="en-US" altLang="ko-KR" dirty="0" smtClean="0"/>
-          </a:p>
-        </p:txBody>
-      </p:sp>
-    </p:spTree>
-    <p:extLst>
-      <p:ext uri="{BB962C8B-B14F-4D97-AF65-F5344CB8AC3E}">
-        <p14:creationId xmlns:p14="http://schemas.microsoft.com/office/powerpoint/2010/main" val="3541069758"/>
-      </p:ext>
-    </p:extLst>
-  </p:cSld>
-  <p:clrMapOvr>
-    <a:masterClrMapping/>
-  </p:clrMapOvr>
-  <p:timing>
-    <p:tnLst>
-      <p:par>
-        <p:cTn id="1" dur="indefinite" restart="never" nodeType="tmRoot"/>
-      </p:par>
-    </p:tnLst>
-  </p:timing>
-</p:sld>
-</file>
-
-<file path=ppt/slides/slide18.xml><?xml version="1.0" encoding="utf-8"?>
-<p:sld xmlns:a="http://schemas.openxmlformats.org/drawingml/2006/main" xmlns:r="http://schemas.openxmlformats.org/officeDocument/2006/relationships" xmlns:p="http://schemas.openxmlformats.org/presentationml/2006/main">
-  <p:cSld>
-    <p:spTree>
-      <p:nvGrpSpPr>
-        <p:cNvPr id="1" name=""/>
-        <p:cNvGrpSpPr/>
-        <p:nvPr/>
-      </p:nvGrpSpPr>
-      <p:grpSpPr>
-        <a:xfrm>
-          <a:off x="0" y="0"/>
-          <a:ext cx="0" cy="0"/>
-          <a:chOff x="0" y="0"/>
-          <a:chExt cx="0" cy="0"/>
-        </a:xfrm>
-      </p:grpSpPr>
-      <p:sp>
-        <p:nvSpPr>
-          <p:cNvPr id="2" name="제목 1"/>
-          <p:cNvSpPr>
-            <a:spLocks noGrp="1"/>
-          </p:cNvSpPr>
-          <p:nvPr>
-            <p:ph type="title"/>
-          </p:nvPr>
-        </p:nvSpPr>
-        <p:spPr/>
-        <p:txBody>
-          <a:bodyPr/>
-          <a:lstStyle/>
-          <a:p>
-            <a:r>
-              <a:rPr lang="ko-KR" altLang="en-US" dirty="0" err="1" smtClean="0"/>
-              <a:t>옵셔널</a:t>
-            </a:r>
-            <a:endParaRPr lang="ko-KR" altLang="en-US" dirty="0"/>
-          </a:p>
-        </p:txBody>
-      </p:sp>
-      <p:sp>
-        <p:nvSpPr>
-          <p:cNvPr id="3" name="내용 개체 틀 2"/>
-          <p:cNvSpPr>
-            <a:spLocks noGrp="1"/>
-          </p:cNvSpPr>
-          <p:nvPr>
-            <p:ph idx="1"/>
-          </p:nvPr>
-        </p:nvSpPr>
-        <p:spPr/>
-        <p:txBody>
-          <a:bodyPr/>
-          <a:lstStyle/>
-          <a:p>
-            <a:r>
-              <a:rPr lang="en-US" altLang="ko-KR" dirty="0"/>
-              <a:t>Wrapping &amp; </a:t>
-            </a:r>
-            <a:r>
-              <a:rPr lang="en-US" altLang="ko-KR" dirty="0" smtClean="0"/>
-              <a:t>Unwrapping</a:t>
-            </a:r>
-          </a:p>
-          <a:p>
-            <a:pPr lvl="1"/>
-            <a:r>
-              <a:rPr lang="en-US" altLang="ko-KR" dirty="0" smtClean="0"/>
-              <a:t>Optional type</a:t>
-            </a:r>
-            <a:r>
-              <a:rPr lang="ko-KR" altLang="en-US" dirty="0" smtClean="0"/>
-              <a:t>에 </a:t>
-            </a:r>
-            <a:r>
-              <a:rPr lang="en-US" altLang="ko-KR" dirty="0" smtClean="0"/>
-              <a:t>‘!’ </a:t>
-            </a:r>
-            <a:r>
-              <a:rPr lang="ko-KR" altLang="en-US" dirty="0" smtClean="0"/>
-              <a:t>문자를 붙여야 값이 추출됨</a:t>
-            </a:r>
-            <a:endParaRPr lang="en-US" altLang="ko-KR" dirty="0"/>
-          </a:p>
-          <a:p>
-            <a:pPr lvl="2"/>
-            <a:r>
-              <a:rPr lang="ko-KR" altLang="en-US" dirty="0" smtClean="0"/>
-              <a:t>반드시 값이 저장되어 있어야 함</a:t>
-            </a:r>
-            <a:r>
-              <a:rPr lang="en-US" altLang="ko-KR" dirty="0" smtClean="0"/>
-              <a:t>.</a:t>
-            </a:r>
-          </a:p>
-          <a:p>
-            <a:pPr lvl="1"/>
-            <a:endParaRPr lang="en-US" altLang="ko-KR" dirty="0"/>
-          </a:p>
-          <a:p>
-            <a:pPr lvl="1"/>
-            <a:endParaRPr lang="en-US" altLang="ko-KR" dirty="0" smtClean="0"/>
-          </a:p>
-          <a:p>
-            <a:pPr lvl="1"/>
-            <a:endParaRPr lang="en-US" altLang="ko-KR" dirty="0"/>
-          </a:p>
-          <a:p>
-            <a:pPr lvl="1"/>
-            <a:r>
-              <a:rPr lang="ko-KR" altLang="en-US" dirty="0" smtClean="0"/>
-              <a:t>선언 시 </a:t>
-            </a:r>
-            <a:r>
-              <a:rPr lang="en-US" altLang="ko-KR" dirty="0" smtClean="0"/>
-              <a:t>‘?’ </a:t>
-            </a:r>
-            <a:r>
-              <a:rPr lang="ko-KR" altLang="en-US" dirty="0" smtClean="0"/>
-              <a:t>대신 </a:t>
-            </a:r>
-            <a:r>
-              <a:rPr lang="en-US" altLang="ko-KR" dirty="0" smtClean="0"/>
-              <a:t>‘!’</a:t>
-            </a:r>
-            <a:r>
-              <a:rPr lang="ko-KR" altLang="en-US" dirty="0" smtClean="0"/>
-              <a:t>를 사용하면 </a:t>
-            </a:r>
-            <a:r>
-              <a:rPr lang="en-US" altLang="ko-KR" dirty="0" smtClean="0"/>
-              <a:t>‘!’ </a:t>
-            </a:r>
-            <a:r>
-              <a:rPr lang="ko-KR" altLang="en-US" dirty="0" smtClean="0"/>
-              <a:t>연산자 사용하지 않아도 값 추출</a:t>
-            </a:r>
-            <a:endParaRPr lang="en-US" altLang="ko-KR" dirty="0" smtClean="0"/>
-          </a:p>
-          <a:p>
-            <a:pPr lvl="2"/>
-            <a:r>
-              <a:rPr lang="en-US" altLang="ko-KR" dirty="0" err="1" smtClean="0"/>
-              <a:t>var</a:t>
-            </a:r>
-            <a:r>
-              <a:rPr lang="en-US" altLang="ko-KR" dirty="0" smtClean="0"/>
-              <a:t>  name: String! = “Swift”</a:t>
-            </a:r>
-          </a:p>
-          <a:p>
-            <a:pPr lvl="2"/>
-            <a:r>
-              <a:rPr lang="en-US" altLang="ko-KR" dirty="0" smtClean="0"/>
-              <a:t>print(name) // Swift</a:t>
-            </a:r>
-          </a:p>
-          <a:p>
-            <a:pPr lvl="2"/>
-            <a:endParaRPr lang="en-US" altLang="ko-KR" dirty="0" smtClean="0"/>
-          </a:p>
-        </p:txBody>
-      </p:sp>
-      <p:pic>
-        <p:nvPicPr>
-          <p:cNvPr id="4" name="그림 3"/>
-          <p:cNvPicPr>
-            <a:picLocks noChangeAspect="1"/>
-          </p:cNvPicPr>
-          <p:nvPr/>
-        </p:nvPicPr>
-        <p:blipFill>
-          <a:blip r:embed="rId2"/>
-          <a:stretch>
-            <a:fillRect/>
-          </a:stretch>
-        </p:blipFill>
-        <p:spPr>
-          <a:xfrm>
-            <a:off x="390525" y="4149080"/>
-            <a:ext cx="8753475" cy="2552700"/>
-          </a:xfrm>
-          <a:prstGeom prst="rect">
-            <a:avLst/>
-          </a:prstGeom>
-        </p:spPr>
-      </p:pic>
-      <p:grpSp>
-        <p:nvGrpSpPr>
-          <p:cNvPr id="5" name="그룹 4"/>
-          <p:cNvGrpSpPr/>
-          <p:nvPr/>
-        </p:nvGrpSpPr>
-        <p:grpSpPr>
-          <a:xfrm>
-            <a:off x="1979712" y="1948770"/>
-            <a:ext cx="4077498" cy="616134"/>
-            <a:chOff x="1547664" y="2492896"/>
-            <a:chExt cx="3024271" cy="616134"/>
-          </a:xfrm>
-        </p:grpSpPr>
-        <p:sp>
-          <p:nvSpPr>
-            <p:cNvPr id="6" name="TextBox 5"/>
-            <p:cNvSpPr txBox="1"/>
-            <p:nvPr/>
-          </p:nvSpPr>
-          <p:spPr>
-            <a:xfrm>
-              <a:off x="1547664" y="2708920"/>
-              <a:ext cx="1572497" cy="400110"/>
-            </a:xfrm>
-            <a:prstGeom prst="rect">
-              <a:avLst/>
-            </a:prstGeom>
-            <a:noFill/>
-          </p:spPr>
-          <p:txBody>
-            <a:bodyPr wrap="none" rtlCol="0">
-              <a:spAutoFit/>
-            </a:bodyPr>
-            <a:lstStyle/>
-            <a:p>
-              <a:r>
-                <a:rPr lang="en-US" altLang="ko-KR" sz="2000" dirty="0" err="1" smtClean="0">
-                  <a:latin typeface="+mn-ea"/>
-                </a:rPr>
-                <a:t>printf</a:t>
-              </a:r>
-              <a:r>
-                <a:rPr lang="en-US" altLang="ko-KR" sz="2000" dirty="0" smtClean="0">
-                  <a:latin typeface="+mn-ea"/>
-                </a:rPr>
-                <a:t>(“%d”, *</a:t>
-              </a:r>
-              <a:r>
-                <a:rPr lang="en-US" altLang="ko-KR" sz="2000" dirty="0" err="1" smtClean="0">
-                  <a:latin typeface="+mn-ea"/>
-                </a:rPr>
-                <a:t>str</a:t>
-              </a:r>
-              <a:r>
-                <a:rPr lang="en-US" altLang="ko-KR" sz="2000" dirty="0" smtClean="0">
-                  <a:latin typeface="+mn-ea"/>
-                </a:rPr>
-                <a:t>);</a:t>
-              </a:r>
-              <a:endParaRPr lang="ko-KR" altLang="en-US" sz="2000" dirty="0">
-                <a:latin typeface="+mn-ea"/>
-              </a:endParaRPr>
-            </a:p>
-          </p:txBody>
-        </p:sp>
-        <p:sp>
-          <p:nvSpPr>
-            <p:cNvPr id="7" name="TextBox 6"/>
-            <p:cNvSpPr txBox="1"/>
-            <p:nvPr/>
-          </p:nvSpPr>
-          <p:spPr>
-            <a:xfrm>
-              <a:off x="3644321" y="2708920"/>
-              <a:ext cx="927614" cy="400110"/>
-            </a:xfrm>
-            <a:prstGeom prst="rect">
-              <a:avLst/>
-            </a:prstGeom>
-            <a:noFill/>
-          </p:spPr>
-          <p:txBody>
-            <a:bodyPr wrap="none" rtlCol="0">
-              <a:spAutoFit/>
-            </a:bodyPr>
-            <a:lstStyle/>
-            <a:p>
-              <a:r>
-                <a:rPr lang="en-US" altLang="ko-KR" sz="2000" dirty="0" smtClean="0">
-                  <a:latin typeface="+mn-ea"/>
-                </a:rPr>
-                <a:t>print(</a:t>
-              </a:r>
-              <a:r>
-                <a:rPr lang="en-US" altLang="ko-KR" sz="2000" dirty="0" err="1" smtClean="0">
-                  <a:latin typeface="+mn-ea"/>
-                </a:rPr>
-                <a:t>str</a:t>
-              </a:r>
-              <a:r>
-                <a:rPr lang="en-US" altLang="ko-KR" sz="2000" dirty="0" smtClean="0">
-                  <a:latin typeface="+mn-ea"/>
-                </a:rPr>
-                <a:t>!)</a:t>
-              </a:r>
-              <a:endParaRPr lang="ko-KR" altLang="en-US" sz="2000" dirty="0">
-                <a:latin typeface="+mn-ea"/>
-              </a:endParaRPr>
-            </a:p>
-          </p:txBody>
-        </p:sp>
-        <p:sp>
-          <p:nvSpPr>
-            <p:cNvPr id="9" name="TextBox 8"/>
-            <p:cNvSpPr txBox="1"/>
-            <p:nvPr/>
-          </p:nvSpPr>
-          <p:spPr>
-            <a:xfrm>
-              <a:off x="1835696" y="2492896"/>
-              <a:ext cx="590226" cy="276999"/>
-            </a:xfrm>
-            <a:prstGeom prst="rect">
-              <a:avLst/>
-            </a:prstGeom>
-            <a:noFill/>
-          </p:spPr>
-          <p:txBody>
-            <a:bodyPr wrap="none" rtlCol="0">
-              <a:spAutoFit/>
-            </a:bodyPr>
-            <a:lstStyle/>
-            <a:p>
-              <a:r>
-                <a:rPr lang="en-US" altLang="ko-KR" sz="1200" dirty="0" smtClean="0">
-                  <a:solidFill>
-                    <a:schemeClr val="accent2">
-                      <a:lumMod val="60000"/>
-                      <a:lumOff val="40000"/>
-                    </a:schemeClr>
-                  </a:solidFill>
-                  <a:latin typeface="+mn-ea"/>
-                </a:rPr>
-                <a:t>C</a:t>
-              </a:r>
-              <a:r>
-                <a:rPr lang="ko-KR" altLang="en-US" sz="1200" dirty="0" smtClean="0">
-                  <a:solidFill>
-                    <a:schemeClr val="accent2">
-                      <a:lumMod val="60000"/>
-                      <a:lumOff val="40000"/>
-                    </a:schemeClr>
-                  </a:solidFill>
-                  <a:latin typeface="+mn-ea"/>
-                </a:rPr>
-                <a:t>언어</a:t>
-              </a:r>
-              <a:endParaRPr lang="ko-KR" altLang="en-US" sz="1200" dirty="0">
-                <a:solidFill>
-                  <a:schemeClr val="accent2">
-                    <a:lumMod val="60000"/>
-                    <a:lumOff val="40000"/>
-                  </a:schemeClr>
-                </a:solidFill>
-                <a:latin typeface="+mn-ea"/>
-              </a:endParaRPr>
-            </a:p>
-          </p:txBody>
-        </p:sp>
-        <p:sp>
-          <p:nvSpPr>
-            <p:cNvPr id="10" name="TextBox 9"/>
-            <p:cNvSpPr txBox="1"/>
-            <p:nvPr/>
-          </p:nvSpPr>
-          <p:spPr>
-            <a:xfrm>
-              <a:off x="3909574" y="2492896"/>
-              <a:ext cx="522131" cy="276999"/>
-            </a:xfrm>
-            <a:prstGeom prst="rect">
-              <a:avLst/>
-            </a:prstGeom>
-            <a:noFill/>
-          </p:spPr>
-          <p:txBody>
-            <a:bodyPr wrap="none" rtlCol="0">
-              <a:spAutoFit/>
-            </a:bodyPr>
-            <a:lstStyle/>
-            <a:p>
-              <a:r>
-                <a:rPr lang="en-US" altLang="ko-KR" sz="1200" dirty="0" smtClean="0">
-                  <a:solidFill>
-                    <a:schemeClr val="accent2">
-                      <a:lumMod val="60000"/>
-                      <a:lumOff val="40000"/>
-                    </a:schemeClr>
-                  </a:solidFill>
-                  <a:latin typeface="+mn-ea"/>
-                </a:rPr>
-                <a:t>Swift</a:t>
-              </a:r>
-              <a:endParaRPr lang="ko-KR" altLang="en-US" sz="1200" dirty="0">
-                <a:solidFill>
-                  <a:schemeClr val="accent2">
-                    <a:lumMod val="60000"/>
-                    <a:lumOff val="40000"/>
-                  </a:schemeClr>
-                </a:solidFill>
-                <a:latin typeface="+mn-ea"/>
-              </a:endParaRPr>
-            </a:p>
-          </p:txBody>
-        </p:sp>
-      </p:grpSp>
-    </p:spTree>
-    <p:extLst>
-      <p:ext uri="{BB962C8B-B14F-4D97-AF65-F5344CB8AC3E}">
-        <p14:creationId xmlns:p14="http://schemas.microsoft.com/office/powerpoint/2010/main" val="600057941"/>
-      </p:ext>
-    </p:extLst>
-  </p:cSld>
-  <p:clrMapOvr>
-    <a:masterClrMapping/>
-  </p:clrMapOvr>
-  <p:timing>
-    <p:tnLst>
-      <p:par>
-        <p:cTn id="1" dur="indefinite" restart="never" nodeType="tmRoot"/>
-      </p:par>
-    </p:tnLst>
-  </p:timing>
-</p:sld>
-</file>
-
-<file path=ppt/slides/slide19.xml><?xml version="1.0" encoding="utf-8"?>
-<p:sld xmlns:a="http://schemas.openxmlformats.org/drawingml/2006/main" xmlns:r="http://schemas.openxmlformats.org/officeDocument/2006/relationships" xmlns:p="http://schemas.openxmlformats.org/presentationml/2006/main">
-  <p:cSld>
-    <p:spTree>
-      <p:nvGrpSpPr>
-        <p:cNvPr id="1" name=""/>
-        <p:cNvGrpSpPr/>
-        <p:nvPr/>
-      </p:nvGrpSpPr>
-      <p:grpSpPr>
-        <a:xfrm>
-          <a:off x="0" y="0"/>
-          <a:ext cx="0" cy="0"/>
-          <a:chOff x="0" y="0"/>
-          <a:chExt cx="0" cy="0"/>
-        </a:xfrm>
-      </p:grpSpPr>
-      <p:sp>
-        <p:nvSpPr>
-          <p:cNvPr id="2" name="제목 1"/>
-          <p:cNvSpPr>
-            <a:spLocks noGrp="1"/>
-          </p:cNvSpPr>
-          <p:nvPr>
-            <p:ph type="title"/>
-          </p:nvPr>
-        </p:nvSpPr>
-        <p:spPr/>
-        <p:txBody>
-          <a:bodyPr/>
-          <a:lstStyle/>
-          <a:p>
-            <a:r>
-              <a:rPr lang="ko-KR" altLang="en-US" dirty="0" err="1" smtClean="0"/>
-              <a:t>옵셔널</a:t>
-            </a:r>
-            <a:endParaRPr lang="ko-KR" altLang="en-US" dirty="0"/>
-          </a:p>
-        </p:txBody>
-      </p:sp>
-      <p:sp>
-        <p:nvSpPr>
-          <p:cNvPr id="3" name="내용 개체 틀 2"/>
-          <p:cNvSpPr>
-            <a:spLocks noGrp="1"/>
-          </p:cNvSpPr>
-          <p:nvPr>
-            <p:ph idx="1"/>
-          </p:nvPr>
-        </p:nvSpPr>
-        <p:spPr/>
-        <p:txBody>
-          <a:bodyPr/>
-          <a:lstStyle/>
-          <a:p>
-            <a:r>
-              <a:rPr lang="en-US" altLang="ko-KR" dirty="0" smtClean="0"/>
-              <a:t>Optional binding</a:t>
-            </a:r>
-          </a:p>
-          <a:p>
-            <a:pPr lvl="1"/>
-            <a:r>
-              <a:rPr lang="en-US" altLang="ko-KR" dirty="0" smtClean="0"/>
-              <a:t>C </a:t>
-            </a:r>
-            <a:r>
-              <a:rPr lang="ko-KR" altLang="en-US" dirty="0" smtClean="0"/>
-              <a:t>언어에서의 </a:t>
-            </a:r>
-            <a:r>
-              <a:rPr lang="en-US" altLang="ko-KR" dirty="0" smtClean="0"/>
-              <a:t>null check </a:t>
-            </a:r>
-            <a:r>
-              <a:rPr lang="ko-KR" altLang="en-US" dirty="0" smtClean="0"/>
-              <a:t>와 같은 개념</a:t>
-            </a:r>
-            <a:endParaRPr lang="en-US" altLang="ko-KR" dirty="0"/>
-          </a:p>
-          <a:p>
-            <a:pPr lvl="2"/>
-            <a:r>
-              <a:rPr lang="en-US" altLang="ko-KR" dirty="0" smtClean="0">
-                <a:solidFill>
-                  <a:schemeClr val="accent3"/>
-                </a:solidFill>
-              </a:rPr>
-              <a:t>Optional type</a:t>
-            </a:r>
-            <a:r>
-              <a:rPr lang="ko-KR" altLang="en-US" dirty="0" smtClean="0">
-                <a:solidFill>
-                  <a:schemeClr val="accent3"/>
-                </a:solidFill>
-              </a:rPr>
-              <a:t>은 값이 할당되어 있지 않으면 </a:t>
-            </a:r>
-            <a:r>
-              <a:rPr lang="en-US" altLang="ko-KR" dirty="0" smtClean="0">
-                <a:solidFill>
-                  <a:schemeClr val="accent3"/>
-                </a:solidFill>
-              </a:rPr>
-              <a:t>runtime error</a:t>
-            </a:r>
-          </a:p>
-          <a:p>
-            <a:pPr lvl="2"/>
-            <a:endParaRPr lang="en-US" altLang="ko-KR" dirty="0" smtClean="0"/>
-          </a:p>
-        </p:txBody>
-      </p:sp>
-      <p:pic>
-        <p:nvPicPr>
-          <p:cNvPr id="8" name="그림 7"/>
-          <p:cNvPicPr>
-            <a:picLocks noChangeAspect="1"/>
-          </p:cNvPicPr>
-          <p:nvPr/>
-        </p:nvPicPr>
-        <p:blipFill>
-          <a:blip r:embed="rId2"/>
-          <a:stretch>
-            <a:fillRect/>
-          </a:stretch>
-        </p:blipFill>
-        <p:spPr>
-          <a:xfrm>
-            <a:off x="409575" y="2924944"/>
-            <a:ext cx="8734425" cy="3762375"/>
-          </a:xfrm>
-          <a:prstGeom prst="rect">
-            <a:avLst/>
-          </a:prstGeom>
-        </p:spPr>
-      </p:pic>
-    </p:spTree>
-    <p:extLst>
-      <p:ext uri="{BB962C8B-B14F-4D97-AF65-F5344CB8AC3E}">
-        <p14:creationId xmlns:p14="http://schemas.microsoft.com/office/powerpoint/2010/main" val="4119404002"/>
-      </p:ext>
-    </p:extLst>
-  </p:cSld>
-  <p:clrMapOvr>
-    <a:masterClrMapping/>
-  </p:clrMapOvr>
-  <p:timing>
-    <p:tnLst>
-      <p:par>
-        <p:cTn id="1" dur="indefinite" restart="never" nodeType="tmRoot"/>
-      </p:par>
-    </p:tnLst>
-  </p:timing>
 </p:sld>
 </file>
 
@@ -8980,13 +7461,6 @@
   <p:clrMapOvr>
     <a:masterClrMapping/>
   </p:clrMapOvr>
-  <p:timing>
-    <p:tnLst>
-      <p:par>
-        <p:cTn id="1" dur="indefinite" restart="never" nodeType="tmRoot"/>
-      </p:par>
-    </p:tnLst>
-  </p:timing>
 </p:sld>
 </file>
 
@@ -10310,13 +8784,6 @@
   <p:clrMapOvr>
     <a:masterClrMapping/>
   </p:clrMapOvr>
-  <p:timing>
-    <p:tnLst>
-      <p:par>
-        <p:cTn id="1" dur="indefinite" restart="never" nodeType="tmRoot"/>
-      </p:par>
-    </p:tnLst>
-  </p:timing>
 </p:sld>
 </file>
 
@@ -10885,10 +9352,10 @@
         </p:nvGrpSpPr>
         <p:grpSpPr>
           <a:xfrm>
-            <a:off x="4644008" y="1942964"/>
-            <a:ext cx="4326491" cy="923910"/>
-            <a:chOff x="1547664" y="2492896"/>
-            <a:chExt cx="4326491" cy="923910"/>
+            <a:off x="5114616" y="1942964"/>
+            <a:ext cx="3855883" cy="923910"/>
+            <a:chOff x="2018272" y="2492896"/>
+            <a:chExt cx="3855883" cy="923910"/>
           </a:xfrm>
         </p:grpSpPr>
         <p:sp>
@@ -10899,7 +9366,7 @@
           </p:nvSpPr>
           <p:spPr>
             <a:xfrm>
-              <a:off x="1547664" y="2708920"/>
+              <a:off x="2018272" y="2708920"/>
               <a:ext cx="1545616" cy="707886"/>
             </a:xfrm>
             <a:prstGeom prst="rect">
@@ -11034,8 +9501,8 @@
           </p:nvCxnSpPr>
           <p:spPr>
             <a:xfrm>
-              <a:off x="3093280" y="3062863"/>
-              <a:ext cx="794626" cy="0"/>
+              <a:off x="3563888" y="3062863"/>
+              <a:ext cx="324018" cy="0"/>
             </a:xfrm>
             <a:prstGeom prst="straightConnector1">
               <a:avLst/>
@@ -11068,7 +9535,7 @@
           </p:nvSpPr>
           <p:spPr>
             <a:xfrm>
-              <a:off x="1755938" y="2492896"/>
+              <a:off x="2469606" y="2492896"/>
               <a:ext cx="590226" cy="276999"/>
             </a:xfrm>
             <a:prstGeom prst="rect">
@@ -11175,13 +9642,6 @@
   <p:clrMapOvr>
     <a:masterClrMapping/>
   </p:clrMapOvr>
-  <p:timing>
-    <p:tnLst>
-      <p:par>
-        <p:cTn id="1" dur="indefinite" restart="never" nodeType="tmRoot"/>
-      </p:par>
-    </p:tnLst>
-  </p:timing>
 </p:sld>
 </file>
 
@@ -12152,13 +10612,6 @@
   <p:clrMapOvr>
     <a:masterClrMapping/>
   </p:clrMapOvr>
-  <p:timing>
-    <p:tnLst>
-      <p:par>
-        <p:cTn id="1" dur="indefinite" restart="never" nodeType="tmRoot"/>
-      </p:par>
-    </p:tnLst>
-  </p:timing>
 </p:sld>
 </file>
 
@@ -12229,13 +10682,6 @@
   <p:clrMapOvr>
     <a:masterClrMapping/>
   </p:clrMapOvr>
-  <p:timing>
-    <p:tnLst>
-      <p:par>
-        <p:cTn id="1" dur="indefinite" restart="never" nodeType="tmRoot"/>
-      </p:par>
-    </p:tnLst>
-  </p:timing>
 </p:sld>
 </file>
 
@@ -12897,13 +11343,6 @@
   <p:clrMapOvr>
     <a:masterClrMapping/>
   </p:clrMapOvr>
-  <p:timing>
-    <p:tnLst>
-      <p:par>
-        <p:cTn id="1" dur="indefinite" restart="never" nodeType="tmRoot"/>
-      </p:par>
-    </p:tnLst>
-  </p:timing>
 </p:sld>
 </file>
 
@@ -13113,20 +11552,8 @@
                 <a:tableStyleId>{073A0DAA-6AF3-43AB-8588-CEC1D06C72B9}</a:tableStyleId>
               </a:tblPr>
               <a:tblGrid>
-                <a:gridCol w="1440160">
-                  <a:extLst>
-                    <a:ext uri="{9D8B030D-6E8A-4147-A177-3AD203B41FA5}">
-                      <a16:colId xmlns:a16="http://schemas.microsoft.com/office/drawing/2014/main" val="20000"/>
-                    </a:ext>
-                  </a:extLst>
-                </a:gridCol>
-                <a:gridCol w="1440160">
-                  <a:extLst>
-                    <a:ext uri="{9D8B030D-6E8A-4147-A177-3AD203B41FA5}">
-                      <a16:colId xmlns:a16="http://schemas.microsoft.com/office/drawing/2014/main" val="20001"/>
-                    </a:ext>
-                  </a:extLst>
-                </a:gridCol>
+                <a:gridCol w="1440160"/>
+                <a:gridCol w="1440160"/>
               </a:tblGrid>
               <a:tr h="313234">
                 <a:tc>
@@ -13175,11 +11602,6 @@
                     <a:noFill/>
                   </a:tcPr>
                 </a:tc>
-                <a:extLst>
-                  <a:ext uri="{0D108BD9-81ED-4DB2-BD59-A6C34878D82A}">
-                    <a16:rowId xmlns:a16="http://schemas.microsoft.com/office/drawing/2014/main" val="10000"/>
-                  </a:ext>
-                </a:extLst>
               </a:tr>
               <a:tr h="313234">
                 <a:tc>
@@ -13250,11 +11672,6 @@
                     <a:noFill/>
                   </a:tcPr>
                 </a:tc>
-                <a:extLst>
-                  <a:ext uri="{0D108BD9-81ED-4DB2-BD59-A6C34878D82A}">
-                    <a16:rowId xmlns:a16="http://schemas.microsoft.com/office/drawing/2014/main" val="10001"/>
-                  </a:ext>
-                </a:extLst>
               </a:tr>
               <a:tr h="313234">
                 <a:tc>
@@ -13325,11 +11742,6 @@
                     <a:noFill/>
                   </a:tcPr>
                 </a:tc>
-                <a:extLst>
-                  <a:ext uri="{0D108BD9-81ED-4DB2-BD59-A6C34878D82A}">
-                    <a16:rowId xmlns:a16="http://schemas.microsoft.com/office/drawing/2014/main" val="10002"/>
-                  </a:ext>
-                </a:extLst>
               </a:tr>
               <a:tr h="313234">
                 <a:tc>
@@ -13400,11 +11812,6 @@
                     <a:noFill/>
                   </a:tcPr>
                 </a:tc>
-                <a:extLst>
-                  <a:ext uri="{0D108BD9-81ED-4DB2-BD59-A6C34878D82A}">
-                    <a16:rowId xmlns:a16="http://schemas.microsoft.com/office/drawing/2014/main" val="10003"/>
-                  </a:ext>
-                </a:extLst>
               </a:tr>
               <a:tr h="313234">
                 <a:tc>
@@ -13475,11 +11882,6 @@
                     <a:noFill/>
                   </a:tcPr>
                 </a:tc>
-                <a:extLst>
-                  <a:ext uri="{0D108BD9-81ED-4DB2-BD59-A6C34878D82A}">
-                    <a16:rowId xmlns:a16="http://schemas.microsoft.com/office/drawing/2014/main" val="10004"/>
-                  </a:ext>
-                </a:extLst>
               </a:tr>
             </a:tbl>
           </a:graphicData>
@@ -13657,13 +12059,6 @@
   <p:clrMapOvr>
     <a:masterClrMapping/>
   </p:clrMapOvr>
-  <p:timing>
-    <p:tnLst>
-      <p:par>
-        <p:cTn id="1" dur="indefinite" restart="never" nodeType="tmRoot"/>
-      </p:par>
-    </p:tnLst>
-  </p:timing>
 </p:sld>
 </file>
 
@@ -13900,20 +12295,8 @@
                 <a:tableStyleId>{073A0DAA-6AF3-43AB-8588-CEC1D06C72B9}</a:tableStyleId>
               </a:tblPr>
               <a:tblGrid>
-                <a:gridCol w="1440160">
-                  <a:extLst>
-                    <a:ext uri="{9D8B030D-6E8A-4147-A177-3AD203B41FA5}">
-                      <a16:colId xmlns:a16="http://schemas.microsoft.com/office/drawing/2014/main" val="20000"/>
-                    </a:ext>
-                  </a:extLst>
-                </a:gridCol>
-                <a:gridCol w="1440160">
-                  <a:extLst>
-                    <a:ext uri="{9D8B030D-6E8A-4147-A177-3AD203B41FA5}">
-                      <a16:colId xmlns:a16="http://schemas.microsoft.com/office/drawing/2014/main" val="20001"/>
-                    </a:ext>
-                  </a:extLst>
-                </a:gridCol>
+                <a:gridCol w="1440160"/>
+                <a:gridCol w="1440160"/>
               </a:tblGrid>
               <a:tr h="313234">
                 <a:tc>
@@ -13962,11 +12345,6 @@
                     <a:noFill/>
                   </a:tcPr>
                 </a:tc>
-                <a:extLst>
-                  <a:ext uri="{0D108BD9-81ED-4DB2-BD59-A6C34878D82A}">
-                    <a16:rowId xmlns:a16="http://schemas.microsoft.com/office/drawing/2014/main" val="10000"/>
-                  </a:ext>
-                </a:extLst>
               </a:tr>
               <a:tr h="313234">
                 <a:tc>
@@ -14027,11 +12405,6 @@
                     <a:noFill/>
                   </a:tcPr>
                 </a:tc>
-                <a:extLst>
-                  <a:ext uri="{0D108BD9-81ED-4DB2-BD59-A6C34878D82A}">
-                    <a16:rowId xmlns:a16="http://schemas.microsoft.com/office/drawing/2014/main" val="10001"/>
-                  </a:ext>
-                </a:extLst>
               </a:tr>
               <a:tr h="313234">
                 <a:tc>
@@ -14092,11 +12465,6 @@
                     <a:noFill/>
                   </a:tcPr>
                 </a:tc>
-                <a:extLst>
-                  <a:ext uri="{0D108BD9-81ED-4DB2-BD59-A6C34878D82A}">
-                    <a16:rowId xmlns:a16="http://schemas.microsoft.com/office/drawing/2014/main" val="10002"/>
-                  </a:ext>
-                </a:extLst>
               </a:tr>
             </a:tbl>
           </a:graphicData>
@@ -14262,13 +12630,6 @@
   <p:clrMapOvr>
     <a:masterClrMapping/>
   </p:clrMapOvr>
-  <p:timing>
-    <p:tnLst>
-      <p:par>
-        <p:cTn id="1" dur="indefinite" restart="never" nodeType="tmRoot"/>
-      </p:par>
-    </p:tnLst>
-  </p:timing>
 </p:sld>
 </file>
 

--- a/Swift세미나자료.pptx
+++ b/Swift세미나자료.pptx
@@ -35,6 +35,16 @@
     <p:sldId id="283" r:id="rId29"/>
     <p:sldId id="284" r:id="rId30"/>
     <p:sldId id="285" r:id="rId31"/>
+    <p:sldId id="286" r:id="rId32"/>
+    <p:sldId id="288" r:id="rId33"/>
+    <p:sldId id="290" r:id="rId34"/>
+    <p:sldId id="287" r:id="rId35"/>
+    <p:sldId id="294" r:id="rId36"/>
+    <p:sldId id="291" r:id="rId37"/>
+    <p:sldId id="296" r:id="rId38"/>
+    <p:sldId id="297" r:id="rId39"/>
+    <p:sldId id="295" r:id="rId40"/>
+    <p:sldId id="298" r:id="rId41"/>
   </p:sldIdLst>
   <p:sldSz cx="9144000" cy="6858000" type="screen4x3"/>
   <p:notesSz cx="6858000" cy="9144000"/>
@@ -6617,14 +6627,14 @@
                 <a:gridCol w="1440160">
                   <a:extLst>
                     <a:ext uri="{9D8B030D-6E8A-4147-A177-3AD203B41FA5}">
-                      <a16:colId xmlns="" xmlns:a16="http://schemas.microsoft.com/office/drawing/2014/main" val="20000"/>
+                      <a16:colId xmlns:a16="http://schemas.microsoft.com/office/drawing/2014/main" val="20000"/>
                     </a:ext>
                   </a:extLst>
                 </a:gridCol>
                 <a:gridCol w="1440160">
                   <a:extLst>
                     <a:ext uri="{9D8B030D-6E8A-4147-A177-3AD203B41FA5}">
-                      <a16:colId xmlns="" xmlns:a16="http://schemas.microsoft.com/office/drawing/2014/main" val="20001"/>
+                      <a16:colId xmlns:a16="http://schemas.microsoft.com/office/drawing/2014/main" val="20001"/>
                     </a:ext>
                   </a:extLst>
                 </a:gridCol>
@@ -6678,7 +6688,7 @@
                 </a:tc>
                 <a:extLst>
                   <a:ext uri="{0D108BD9-81ED-4DB2-BD59-A6C34878D82A}">
-                    <a16:rowId xmlns="" xmlns:a16="http://schemas.microsoft.com/office/drawing/2014/main" val="10000"/>
+                    <a16:rowId xmlns:a16="http://schemas.microsoft.com/office/drawing/2014/main" val="10000"/>
                   </a:ext>
                 </a:extLst>
               </a:tr>
@@ -6743,7 +6753,7 @@
                 </a:tc>
                 <a:extLst>
                   <a:ext uri="{0D108BD9-81ED-4DB2-BD59-A6C34878D82A}">
-                    <a16:rowId xmlns="" xmlns:a16="http://schemas.microsoft.com/office/drawing/2014/main" val="10001"/>
+                    <a16:rowId xmlns:a16="http://schemas.microsoft.com/office/drawing/2014/main" val="10001"/>
                   </a:ext>
                 </a:extLst>
               </a:tr>
@@ -7051,14 +7061,14 @@
                 <a:gridCol w="1980220">
                   <a:extLst>
                     <a:ext uri="{9D8B030D-6E8A-4147-A177-3AD203B41FA5}">
-                      <a16:colId xmlns="" xmlns:a16="http://schemas.microsoft.com/office/drawing/2014/main" val="20000"/>
+                      <a16:colId xmlns:a16="http://schemas.microsoft.com/office/drawing/2014/main" val="20000"/>
                     </a:ext>
                   </a:extLst>
                 </a:gridCol>
                 <a:gridCol w="1980220">
                   <a:extLst>
                     <a:ext uri="{9D8B030D-6E8A-4147-A177-3AD203B41FA5}">
-                      <a16:colId xmlns="" xmlns:a16="http://schemas.microsoft.com/office/drawing/2014/main" val="20001"/>
+                      <a16:colId xmlns:a16="http://schemas.microsoft.com/office/drawing/2014/main" val="20001"/>
                     </a:ext>
                   </a:extLst>
                 </a:gridCol>
@@ -7134,7 +7144,7 @@
                 </a:tc>
                 <a:extLst>
                   <a:ext uri="{0D108BD9-81ED-4DB2-BD59-A6C34878D82A}">
-                    <a16:rowId xmlns="" xmlns:a16="http://schemas.microsoft.com/office/drawing/2014/main" val="10000"/>
+                    <a16:rowId xmlns:a16="http://schemas.microsoft.com/office/drawing/2014/main" val="10000"/>
                   </a:ext>
                 </a:extLst>
               </a:tr>
@@ -7199,7 +7209,7 @@
                 </a:tc>
                 <a:extLst>
                   <a:ext uri="{0D108BD9-81ED-4DB2-BD59-A6C34878D82A}">
-                    <a16:rowId xmlns="" xmlns:a16="http://schemas.microsoft.com/office/drawing/2014/main" val="10001"/>
+                    <a16:rowId xmlns:a16="http://schemas.microsoft.com/office/drawing/2014/main" val="10001"/>
                   </a:ext>
                 </a:extLst>
               </a:tr>
@@ -7479,7 +7489,7 @@
           <a:graphicData uri="http://schemas.openxmlformats.org/presentationml/2006/ole">
             <mc:AlternateContent xmlns:mc="http://schemas.openxmlformats.org/markup-compatibility/2006">
               <mc:Choice xmlns:v="urn:schemas-microsoft-com:vml" Requires="v">
-                <p:oleObj spid="_x0000_s1075" name="포장기 셸 개체" showAsIcon="1" r:id="rId3" imgW="1154880" imgH="604800" progId="Package">
+                <p:oleObj spid="_x0000_s1078" name="포장기 셸 개체" showAsIcon="1" r:id="rId3" imgW="1154880" imgH="604800" progId="Package">
                   <p:embed/>
                 </p:oleObj>
               </mc:Choice>
@@ -8082,7 +8092,7 @@
           <a:graphicData uri="http://schemas.openxmlformats.org/presentationml/2006/ole">
             <mc:AlternateContent xmlns:mc="http://schemas.openxmlformats.org/markup-compatibility/2006">
               <mc:Choice xmlns:v="urn:schemas-microsoft-com:vml" Requires="v">
-                <p:oleObj spid="_x0000_s2099" name="포장기 셸 개체" showAsIcon="1" r:id="rId3" imgW="1154880" imgH="604800" progId="Package">
+                <p:oleObj spid="_x0000_s2102" name="포장기 셸 개체" showAsIcon="1" r:id="rId3" imgW="1154880" imgH="604800" progId="Package">
                   <p:embed/>
                 </p:oleObj>
               </mc:Choice>
@@ -9070,7 +9080,7 @@
           <a:graphicData uri="http://schemas.openxmlformats.org/presentationml/2006/ole">
             <mc:AlternateContent xmlns:mc="http://schemas.openxmlformats.org/markup-compatibility/2006">
               <mc:Choice xmlns:v="urn:schemas-microsoft-com:vml" Requires="v">
-                <p:oleObj spid="_x0000_s3122" name="포장기 셸 개체" showAsIcon="1" r:id="rId3" imgW="1154880" imgH="604800" progId="Package">
+                <p:oleObj spid="_x0000_s3125" name="포장기 셸 개체" showAsIcon="1" r:id="rId3" imgW="1154880" imgH="604800" progId="Package">
                   <p:embed/>
                 </p:oleObj>
               </mc:Choice>
@@ -13824,10 +13834,34 @@
                 <a:tableStyleId>{5C22544A-7EE6-4342-B048-85BDC9FD1C3A}</a:tableStyleId>
               </a:tblPr>
               <a:tblGrid>
-                <a:gridCol w="936104"/>
-                <a:gridCol w="1512168"/>
-                <a:gridCol w="4968552"/>
-                <a:gridCol w="1008112"/>
+                <a:gridCol w="936104">
+                  <a:extLst>
+                    <a:ext uri="{9D8B030D-6E8A-4147-A177-3AD203B41FA5}">
+                      <a16:colId xmlns:a16="http://schemas.microsoft.com/office/drawing/2014/main" val="20000"/>
+                    </a:ext>
+                  </a:extLst>
+                </a:gridCol>
+                <a:gridCol w="1512168">
+                  <a:extLst>
+                    <a:ext uri="{9D8B030D-6E8A-4147-A177-3AD203B41FA5}">
+                      <a16:colId xmlns:a16="http://schemas.microsoft.com/office/drawing/2014/main" val="20001"/>
+                    </a:ext>
+                  </a:extLst>
+                </a:gridCol>
+                <a:gridCol w="4968552">
+                  <a:extLst>
+                    <a:ext uri="{9D8B030D-6E8A-4147-A177-3AD203B41FA5}">
+                      <a16:colId xmlns:a16="http://schemas.microsoft.com/office/drawing/2014/main" val="20002"/>
+                    </a:ext>
+                  </a:extLst>
+                </a:gridCol>
+                <a:gridCol w="1008112">
+                  <a:extLst>
+                    <a:ext uri="{9D8B030D-6E8A-4147-A177-3AD203B41FA5}">
+                      <a16:colId xmlns:a16="http://schemas.microsoft.com/office/drawing/2014/main" val="20003"/>
+                    </a:ext>
+                  </a:extLst>
+                </a:gridCol>
               </a:tblGrid>
               <a:tr h="370840">
                 <a:tc>
@@ -13902,6 +13936,11 @@
                     <a:noFill/>
                   </a:tcPr>
                 </a:tc>
+                <a:extLst>
+                  <a:ext uri="{0D108BD9-81ED-4DB2-BD59-A6C34878D82A}">
+                    <a16:rowId xmlns:a16="http://schemas.microsoft.com/office/drawing/2014/main" val="10000"/>
+                  </a:ext>
+                </a:extLst>
               </a:tr>
               <a:tr h="370840">
                 <a:tc>
@@ -14135,6 +14174,11 @@
                     <a:noFill/>
                   </a:tcPr>
                 </a:tc>
+                <a:extLst>
+                  <a:ext uri="{0D108BD9-81ED-4DB2-BD59-A6C34878D82A}">
+                    <a16:rowId xmlns:a16="http://schemas.microsoft.com/office/drawing/2014/main" val="10001"/>
+                  </a:ext>
+                </a:extLst>
               </a:tr>
               <a:tr h="370840">
                 <a:tc>
@@ -14384,6 +14428,11 @@
                     <a:noFill/>
                   </a:tcPr>
                 </a:tc>
+                <a:extLst>
+                  <a:ext uri="{0D108BD9-81ED-4DB2-BD59-A6C34878D82A}">
+                    <a16:rowId xmlns:a16="http://schemas.microsoft.com/office/drawing/2014/main" val="10002"/>
+                  </a:ext>
+                </a:extLst>
               </a:tr>
             </a:tbl>
           </a:graphicData>
@@ -14948,10 +14997,34 @@
                 <a:tableStyleId>{5C22544A-7EE6-4342-B048-85BDC9FD1C3A}</a:tableStyleId>
               </a:tblPr>
               <a:tblGrid>
-                <a:gridCol w="936104"/>
-                <a:gridCol w="1512168"/>
-                <a:gridCol w="4968552"/>
-                <a:gridCol w="1008112"/>
+                <a:gridCol w="936104">
+                  <a:extLst>
+                    <a:ext uri="{9D8B030D-6E8A-4147-A177-3AD203B41FA5}">
+                      <a16:colId xmlns:a16="http://schemas.microsoft.com/office/drawing/2014/main" val="20000"/>
+                    </a:ext>
+                  </a:extLst>
+                </a:gridCol>
+                <a:gridCol w="1512168">
+                  <a:extLst>
+                    <a:ext uri="{9D8B030D-6E8A-4147-A177-3AD203B41FA5}">
+                      <a16:colId xmlns:a16="http://schemas.microsoft.com/office/drawing/2014/main" val="20001"/>
+                    </a:ext>
+                  </a:extLst>
+                </a:gridCol>
+                <a:gridCol w="4968552">
+                  <a:extLst>
+                    <a:ext uri="{9D8B030D-6E8A-4147-A177-3AD203B41FA5}">
+                      <a16:colId xmlns:a16="http://schemas.microsoft.com/office/drawing/2014/main" val="20002"/>
+                    </a:ext>
+                  </a:extLst>
+                </a:gridCol>
+                <a:gridCol w="1008112">
+                  <a:extLst>
+                    <a:ext uri="{9D8B030D-6E8A-4147-A177-3AD203B41FA5}">
+                      <a16:colId xmlns:a16="http://schemas.microsoft.com/office/drawing/2014/main" val="20003"/>
+                    </a:ext>
+                  </a:extLst>
+                </a:gridCol>
               </a:tblGrid>
               <a:tr h="370840">
                 <a:tc>
@@ -15026,6 +15099,11 @@
                     <a:noFill/>
                   </a:tcPr>
                 </a:tc>
+                <a:extLst>
+                  <a:ext uri="{0D108BD9-81ED-4DB2-BD59-A6C34878D82A}">
+                    <a16:rowId xmlns:a16="http://schemas.microsoft.com/office/drawing/2014/main" val="10000"/>
+                  </a:ext>
+                </a:extLst>
               </a:tr>
               <a:tr h="370840">
                 <a:tc>
@@ -15285,6 +15363,11 @@
                     <a:noFill/>
                   </a:tcPr>
                 </a:tc>
+                <a:extLst>
+                  <a:ext uri="{0D108BD9-81ED-4DB2-BD59-A6C34878D82A}">
+                    <a16:rowId xmlns:a16="http://schemas.microsoft.com/office/drawing/2014/main" val="10001"/>
+                  </a:ext>
+                </a:extLst>
               </a:tr>
               <a:tr h="370840">
                 <a:tc>
@@ -15573,6 +15656,11 @@
                     <a:noFill/>
                   </a:tcPr>
                 </a:tc>
+                <a:extLst>
+                  <a:ext uri="{0D108BD9-81ED-4DB2-BD59-A6C34878D82A}">
+                    <a16:rowId xmlns:a16="http://schemas.microsoft.com/office/drawing/2014/main" val="10002"/>
+                  </a:ext>
+                </a:extLst>
               </a:tr>
               <a:tr h="370840">
                 <a:tc>
@@ -15783,6 +15871,11 @@
                     <a:noFill/>
                   </a:tcPr>
                 </a:tc>
+                <a:extLst>
+                  <a:ext uri="{0D108BD9-81ED-4DB2-BD59-A6C34878D82A}">
+                    <a16:rowId xmlns:a16="http://schemas.microsoft.com/office/drawing/2014/main" val="10003"/>
+                  </a:ext>
+                </a:extLst>
               </a:tr>
             </a:tbl>
           </a:graphicData>
@@ -16394,10 +16487,34 @@
                 <a:tableStyleId>{5C22544A-7EE6-4342-B048-85BDC9FD1C3A}</a:tableStyleId>
               </a:tblPr>
               <a:tblGrid>
-                <a:gridCol w="936104"/>
-                <a:gridCol w="1512168"/>
-                <a:gridCol w="4968552"/>
-                <a:gridCol w="1008112"/>
+                <a:gridCol w="936104">
+                  <a:extLst>
+                    <a:ext uri="{9D8B030D-6E8A-4147-A177-3AD203B41FA5}">
+                      <a16:colId xmlns:a16="http://schemas.microsoft.com/office/drawing/2014/main" val="20000"/>
+                    </a:ext>
+                  </a:extLst>
+                </a:gridCol>
+                <a:gridCol w="1512168">
+                  <a:extLst>
+                    <a:ext uri="{9D8B030D-6E8A-4147-A177-3AD203B41FA5}">
+                      <a16:colId xmlns:a16="http://schemas.microsoft.com/office/drawing/2014/main" val="20001"/>
+                    </a:ext>
+                  </a:extLst>
+                </a:gridCol>
+                <a:gridCol w="4968552">
+                  <a:extLst>
+                    <a:ext uri="{9D8B030D-6E8A-4147-A177-3AD203B41FA5}">
+                      <a16:colId xmlns:a16="http://schemas.microsoft.com/office/drawing/2014/main" val="20002"/>
+                    </a:ext>
+                  </a:extLst>
+                </a:gridCol>
+                <a:gridCol w="1008112">
+                  <a:extLst>
+                    <a:ext uri="{9D8B030D-6E8A-4147-A177-3AD203B41FA5}">
+                      <a16:colId xmlns:a16="http://schemas.microsoft.com/office/drawing/2014/main" val="20003"/>
+                    </a:ext>
+                  </a:extLst>
+                </a:gridCol>
               </a:tblGrid>
               <a:tr h="370840">
                 <a:tc>
@@ -16472,6 +16589,11 @@
                     <a:noFill/>
                   </a:tcPr>
                 </a:tc>
+                <a:extLst>
+                  <a:ext uri="{0D108BD9-81ED-4DB2-BD59-A6C34878D82A}">
+                    <a16:rowId xmlns:a16="http://schemas.microsoft.com/office/drawing/2014/main" val="10000"/>
+                  </a:ext>
+                </a:extLst>
               </a:tr>
               <a:tr h="370840">
                 <a:tc>
@@ -16653,6 +16775,11 @@
                     <a:noFill/>
                   </a:tcPr>
                 </a:tc>
+                <a:extLst>
+                  <a:ext uri="{0D108BD9-81ED-4DB2-BD59-A6C34878D82A}">
+                    <a16:rowId xmlns:a16="http://schemas.microsoft.com/office/drawing/2014/main" val="10001"/>
+                  </a:ext>
+                </a:extLst>
               </a:tr>
               <a:tr h="370840">
                 <a:tc>
@@ -16834,6 +16961,11 @@
                     <a:noFill/>
                   </a:tcPr>
                 </a:tc>
+                <a:extLst>
+                  <a:ext uri="{0D108BD9-81ED-4DB2-BD59-A6C34878D82A}">
+                    <a16:rowId xmlns:a16="http://schemas.microsoft.com/office/drawing/2014/main" val="10002"/>
+                  </a:ext>
+                </a:extLst>
               </a:tr>
               <a:tr h="370840">
                 <a:tc>
@@ -17002,6 +17134,11 @@
                     <a:noFill/>
                   </a:tcPr>
                 </a:tc>
+                <a:extLst>
+                  <a:ext uri="{0D108BD9-81ED-4DB2-BD59-A6C34878D82A}">
+                    <a16:rowId xmlns:a16="http://schemas.microsoft.com/office/drawing/2014/main" val="10003"/>
+                  </a:ext>
+                </a:extLst>
               </a:tr>
               <a:tr h="370840">
                 <a:tc>
@@ -17173,6 +17310,11 @@
                     <a:noFill/>
                   </a:tcPr>
                 </a:tc>
+                <a:extLst>
+                  <a:ext uri="{0D108BD9-81ED-4DB2-BD59-A6C34878D82A}">
+                    <a16:rowId xmlns:a16="http://schemas.microsoft.com/office/drawing/2014/main" val="10004"/>
+                  </a:ext>
+                </a:extLst>
               </a:tr>
               <a:tr h="370840">
                 <a:tc>
@@ -17500,6 +17642,11 @@
                     <a:noFill/>
                   </a:tcPr>
                 </a:tc>
+                <a:extLst>
+                  <a:ext uri="{0D108BD9-81ED-4DB2-BD59-A6C34878D82A}">
+                    <a16:rowId xmlns:a16="http://schemas.microsoft.com/office/drawing/2014/main" val="10005"/>
+                  </a:ext>
+                </a:extLst>
               </a:tr>
               <a:tr h="370840">
                 <a:tc>
@@ -17814,6 +17961,11 @@
                     <a:noFill/>
                   </a:tcPr>
                 </a:tc>
+                <a:extLst>
+                  <a:ext uri="{0D108BD9-81ED-4DB2-BD59-A6C34878D82A}">
+                    <a16:rowId xmlns:a16="http://schemas.microsoft.com/office/drawing/2014/main" val="10006"/>
+                  </a:ext>
+                </a:extLst>
               </a:tr>
             </a:tbl>
           </a:graphicData>
@@ -19665,11 +19817,7 @@
           <a:p>
             <a:r>
               <a:rPr lang="ko-KR" altLang="en-US" dirty="0" smtClean="0"/>
-              <a:t>범위</a:t>
-            </a:r>
-            <a:r>
-              <a:rPr lang="ko-KR" altLang="en-US" dirty="0" smtClean="0"/>
-              <a:t>연산자</a:t>
+              <a:t>범위연산자</a:t>
             </a:r>
             <a:endParaRPr lang="en-US" altLang="ko-KR" dirty="0" smtClean="0"/>
           </a:p>
@@ -19930,35 +20078,8 @@
                 <a:rPr lang="en-US" altLang="ko-KR" dirty="0" smtClean="0">
                   <a:latin typeface="+mn-ea"/>
                 </a:rPr>
-                <a:t>let </a:t>
+                <a:t>let range = 0…3</a:t>
               </a:r>
-              <a:r>
-                <a:rPr lang="en-US" altLang="ko-KR" dirty="0" smtClean="0">
-                  <a:latin typeface="+mn-ea"/>
-                </a:rPr>
-                <a:t>range</a:t>
-              </a:r>
-              <a:r>
-                <a:rPr lang="en-US" altLang="ko-KR" dirty="0" smtClean="0">
-                  <a:latin typeface="+mn-ea"/>
-                </a:rPr>
-                <a:t> </a:t>
-              </a:r>
-              <a:r>
-                <a:rPr lang="en-US" altLang="ko-KR" dirty="0" smtClean="0">
-                  <a:latin typeface="+mn-ea"/>
-                </a:rPr>
-                <a:t>= </a:t>
-              </a:r>
-              <a:r>
-                <a:rPr lang="en-US" altLang="ko-KR" dirty="0" smtClean="0">
-                  <a:latin typeface="+mn-ea"/>
-                </a:rPr>
-                <a:t>0…3</a:t>
-              </a:r>
-              <a:endParaRPr lang="en-US" altLang="ko-KR" dirty="0" smtClean="0">
-                <a:latin typeface="+mn-ea"/>
-              </a:endParaRPr>
             </a:p>
             <a:p>
               <a:r>
@@ -21766,11 +21887,7 @@
           <a:p>
             <a:r>
               <a:rPr lang="ko-KR" altLang="en-US" dirty="0" smtClean="0"/>
-              <a:t>범위</a:t>
-            </a:r>
-            <a:r>
-              <a:rPr lang="ko-KR" altLang="en-US" dirty="0" smtClean="0"/>
-              <a:t>연산자</a:t>
+              <a:t>범위연산자</a:t>
             </a:r>
             <a:endParaRPr lang="en-US" altLang="ko-KR" dirty="0" smtClean="0"/>
           </a:p>
@@ -21908,35 +22025,8 @@
                   <a:rPr lang="en-US" altLang="ko-KR" dirty="0" smtClean="0">
                     <a:latin typeface="+mn-ea"/>
                   </a:rPr>
-                  <a:t>let </a:t>
+                  <a:t>let range = 0..&lt;3</a:t>
                 </a:r>
-                <a:r>
-                  <a:rPr lang="en-US" altLang="ko-KR" dirty="0" smtClean="0">
-                    <a:latin typeface="+mn-ea"/>
-                  </a:rPr>
-                  <a:t>range</a:t>
-                </a:r>
-                <a:r>
-                  <a:rPr lang="en-US" altLang="ko-KR" dirty="0" smtClean="0">
-                    <a:latin typeface="+mn-ea"/>
-                  </a:rPr>
-                  <a:t> </a:t>
-                </a:r>
-                <a:r>
-                  <a:rPr lang="en-US" altLang="ko-KR" dirty="0" smtClean="0">
-                    <a:latin typeface="+mn-ea"/>
-                  </a:rPr>
-                  <a:t>= </a:t>
-                </a:r>
-                <a:r>
-                  <a:rPr lang="en-US" altLang="ko-KR" dirty="0" smtClean="0">
-                    <a:latin typeface="+mn-ea"/>
-                  </a:rPr>
-                  <a:t>0..&lt;3</a:t>
-                </a:r>
-                <a:endParaRPr lang="en-US" altLang="ko-KR" dirty="0" smtClean="0">
-                  <a:latin typeface="+mn-ea"/>
-                </a:endParaRPr>
               </a:p>
               <a:p>
                 <a:r>
@@ -22106,35 +22196,8 @@
                   <a:rPr lang="en-US" altLang="ko-KR" dirty="0" smtClean="0">
                     <a:latin typeface="+mn-ea"/>
                   </a:rPr>
-                  <a:t>let </a:t>
+                  <a:t>let range = 0..&lt;3</a:t>
                 </a:r>
-                <a:r>
-                  <a:rPr lang="en-US" altLang="ko-KR" dirty="0" smtClean="0">
-                    <a:latin typeface="+mn-ea"/>
-                  </a:rPr>
-                  <a:t>range</a:t>
-                </a:r>
-                <a:r>
-                  <a:rPr lang="en-US" altLang="ko-KR" dirty="0" smtClean="0">
-                    <a:latin typeface="+mn-ea"/>
-                  </a:rPr>
-                  <a:t> </a:t>
-                </a:r>
-                <a:r>
-                  <a:rPr lang="en-US" altLang="ko-KR" dirty="0" smtClean="0">
-                    <a:latin typeface="+mn-ea"/>
-                  </a:rPr>
-                  <a:t>= </a:t>
-                </a:r>
-                <a:r>
-                  <a:rPr lang="en-US" altLang="ko-KR" dirty="0" smtClean="0">
-                    <a:latin typeface="+mn-ea"/>
-                  </a:rPr>
-                  <a:t>0..&lt;3</a:t>
-                </a:r>
-                <a:endParaRPr lang="en-US" altLang="ko-KR" dirty="0" smtClean="0">
-                  <a:latin typeface="+mn-ea"/>
-                </a:endParaRPr>
               </a:p>
               <a:p>
                 <a:r>
@@ -22364,6 +22427,2500 @@
 </p:sld>
 </file>
 
+<file path=ppt/slides/slide31.xml><?xml version="1.0" encoding="utf-8"?>
+<p:sld xmlns:a="http://schemas.openxmlformats.org/drawingml/2006/main" xmlns:r="http://schemas.openxmlformats.org/officeDocument/2006/relationships" xmlns:p="http://schemas.openxmlformats.org/presentationml/2006/main">
+  <p:cSld>
+    <p:spTree>
+      <p:nvGrpSpPr>
+        <p:cNvPr id="1" name=""/>
+        <p:cNvGrpSpPr/>
+        <p:nvPr/>
+      </p:nvGrpSpPr>
+      <p:grpSpPr>
+        <a:xfrm>
+          <a:off x="0" y="0"/>
+          <a:ext cx="0" cy="0"/>
+          <a:chOff x="0" y="0"/>
+          <a:chExt cx="0" cy="0"/>
+        </a:xfrm>
+      </p:grpSpPr>
+      <p:sp>
+        <p:nvSpPr>
+          <p:cNvPr id="2" name="TextBox 1"/>
+          <p:cNvSpPr txBox="1"/>
+          <p:nvPr/>
+        </p:nvSpPr>
+        <p:spPr>
+          <a:xfrm>
+            <a:off x="2305995" y="2996952"/>
+            <a:ext cx="4532010" cy="707886"/>
+          </a:xfrm>
+          <a:prstGeom prst="rect">
+            <a:avLst/>
+          </a:prstGeom>
+          <a:noFill/>
+        </p:spPr>
+        <p:txBody>
+          <a:bodyPr wrap="none" rtlCol="0">
+            <a:spAutoFit/>
+          </a:bodyPr>
+          <a:lstStyle/>
+          <a:p>
+            <a:r>
+              <a:rPr lang="en-US" altLang="ko-KR" sz="4000" dirty="0">
+                <a:latin typeface="+mn-ea"/>
+              </a:rPr>
+              <a:t>6</a:t>
+            </a:r>
+            <a:r>
+              <a:rPr lang="ko-KR" altLang="en-US" sz="4000" dirty="0" smtClean="0">
+                <a:latin typeface="+mn-ea"/>
+              </a:rPr>
+              <a:t>장 </a:t>
+            </a:r>
+            <a:r>
+              <a:rPr lang="ko-KR" altLang="en-US" sz="4000" dirty="0" err="1" smtClean="0">
+                <a:latin typeface="+mn-ea"/>
+              </a:rPr>
+              <a:t>제어문</a:t>
+            </a:r>
+            <a:r>
+              <a:rPr lang="en-US" altLang="ko-KR" sz="4000" dirty="0" smtClean="0">
+                <a:latin typeface="+mn-ea"/>
+              </a:rPr>
+              <a:t>: </a:t>
+            </a:r>
+            <a:r>
+              <a:rPr lang="ko-KR" altLang="en-US" sz="4000" dirty="0" err="1" smtClean="0">
+                <a:latin typeface="+mn-ea"/>
+              </a:rPr>
+              <a:t>반복문</a:t>
+            </a:r>
+            <a:endParaRPr lang="ko-KR" altLang="en-US" sz="4000" dirty="0">
+              <a:latin typeface="+mn-ea"/>
+            </a:endParaRPr>
+          </a:p>
+        </p:txBody>
+      </p:sp>
+      <p:graphicFrame>
+        <p:nvGraphicFramePr>
+          <p:cNvPr id="3" name="개체 2"/>
+          <p:cNvGraphicFramePr>
+            <a:graphicFrameLocks noChangeAspect="1"/>
+          </p:cNvGraphicFramePr>
+          <p:nvPr>
+            <p:extLst>
+              <p:ext uri="{D42A27DB-BD31-4B8C-83A1-F6EECF244321}">
+                <p14:modId xmlns:p14="http://schemas.microsoft.com/office/powerpoint/2010/main" val="4285684367"/>
+              </p:ext>
+            </p:extLst>
+          </p:nvPr>
+        </p:nvGraphicFramePr>
+        <p:xfrm>
+          <a:off x="7989887" y="6165304"/>
+          <a:ext cx="1154113" cy="604838"/>
+        </p:xfrm>
+        <a:graphic>
+          <a:graphicData uri="http://schemas.openxmlformats.org/presentationml/2006/ole">
+            <mc:AlternateContent xmlns:mc="http://schemas.openxmlformats.org/markup-compatibility/2006">
+              <mc:Choice xmlns:v="urn:schemas-microsoft-com:vml" Requires="v">
+                <p:oleObj spid="_x0000_s4100" name="포장기 셸 개체" showAsIcon="1" r:id="rId3" imgW="1154880" imgH="604800" progId="Package">
+                  <p:embed/>
+                </p:oleObj>
+              </mc:Choice>
+              <mc:Fallback>
+                <p:oleObj name="포장기 셸 개체" showAsIcon="1" r:id="rId3" imgW="1154880" imgH="604800" progId="Package">
+                  <p:embed/>
+                  <p:pic>
+                    <p:nvPicPr>
+                      <p:cNvPr id="0" name=""/>
+                      <p:cNvPicPr/>
+                      <p:nvPr/>
+                    </p:nvPicPr>
+                    <p:blipFill>
+                      <a:blip r:embed="rId4"/>
+                      <a:stretch>
+                        <a:fillRect/>
+                      </a:stretch>
+                    </p:blipFill>
+                    <p:spPr>
+                      <a:xfrm>
+                        <a:off x="7989887" y="6165304"/>
+                        <a:ext cx="1154113" cy="604838"/>
+                      </a:xfrm>
+                      <a:prstGeom prst="rect">
+                        <a:avLst/>
+                      </a:prstGeom>
+                    </p:spPr>
+                  </p:pic>
+                </p:oleObj>
+              </mc:Fallback>
+            </mc:AlternateContent>
+          </a:graphicData>
+        </a:graphic>
+      </p:graphicFrame>
+    </p:spTree>
+    <p:extLst>
+      <p:ext uri="{BB962C8B-B14F-4D97-AF65-F5344CB8AC3E}">
+        <p14:creationId xmlns:p14="http://schemas.microsoft.com/office/powerpoint/2010/main" val="2637499840"/>
+      </p:ext>
+    </p:extLst>
+  </p:cSld>
+  <p:clrMapOvr>
+    <a:masterClrMapping/>
+  </p:clrMapOvr>
+  <p:timing>
+    <p:tnLst>
+      <p:par>
+        <p:cTn id="1" dur="indefinite" restart="never" nodeType="tmRoot"/>
+      </p:par>
+    </p:tnLst>
+  </p:timing>
+</p:sld>
+</file>
+
+<file path=ppt/slides/slide32.xml><?xml version="1.0" encoding="utf-8"?>
+<p:sld xmlns:a="http://schemas.openxmlformats.org/drawingml/2006/main" xmlns:r="http://schemas.openxmlformats.org/officeDocument/2006/relationships" xmlns:p="http://schemas.openxmlformats.org/presentationml/2006/main">
+  <p:cSld>
+    <p:spTree>
+      <p:nvGrpSpPr>
+        <p:cNvPr id="1" name=""/>
+        <p:cNvGrpSpPr/>
+        <p:nvPr/>
+      </p:nvGrpSpPr>
+      <p:grpSpPr>
+        <a:xfrm>
+          <a:off x="0" y="0"/>
+          <a:ext cx="0" cy="0"/>
+          <a:chOff x="0" y="0"/>
+          <a:chExt cx="0" cy="0"/>
+        </a:xfrm>
+      </p:grpSpPr>
+      <p:sp>
+        <p:nvSpPr>
+          <p:cNvPr id="2" name="제목 1"/>
+          <p:cNvSpPr>
+            <a:spLocks noGrp="1"/>
+          </p:cNvSpPr>
+          <p:nvPr>
+            <p:ph type="title"/>
+          </p:nvPr>
+        </p:nvSpPr>
+        <p:spPr/>
+        <p:txBody>
+          <a:bodyPr/>
+          <a:lstStyle/>
+          <a:p>
+            <a:r>
+              <a:rPr lang="ko-KR" altLang="en-US" dirty="0" err="1" smtClean="0"/>
+              <a:t>제어문</a:t>
+            </a:r>
+            <a:r>
+              <a:rPr lang="en-US" altLang="ko-KR" dirty="0" smtClean="0"/>
+              <a:t>: </a:t>
+            </a:r>
+            <a:r>
+              <a:rPr lang="ko-KR" altLang="en-US" dirty="0" err="1" smtClean="0"/>
+              <a:t>반복문</a:t>
+            </a:r>
+            <a:endParaRPr lang="ko-KR" altLang="en-US" dirty="0"/>
+          </a:p>
+        </p:txBody>
+      </p:sp>
+      <p:sp>
+        <p:nvSpPr>
+          <p:cNvPr id="3" name="내용 개체 틀 2"/>
+          <p:cNvSpPr>
+            <a:spLocks noGrp="1"/>
+          </p:cNvSpPr>
+          <p:nvPr>
+            <p:ph idx="1"/>
+          </p:nvPr>
+        </p:nvSpPr>
+        <p:spPr/>
+        <p:txBody>
+          <a:bodyPr/>
+          <a:lstStyle/>
+          <a:p>
+            <a:r>
+              <a:rPr lang="en-US" altLang="ko-KR" dirty="0" smtClean="0"/>
+              <a:t>c style for</a:t>
+            </a:r>
+            <a:r>
+              <a:rPr lang="ko-KR" altLang="en-US" dirty="0" smtClean="0"/>
+              <a:t>문 사용 안함</a:t>
+            </a:r>
+            <a:r>
+              <a:rPr lang="en-US" altLang="ko-KR" dirty="0"/>
+              <a:t> </a:t>
+            </a:r>
+            <a:r>
+              <a:rPr lang="en-US" altLang="ko-KR" dirty="0" smtClean="0"/>
+              <a:t>(</a:t>
+            </a:r>
+            <a:r>
+              <a:rPr lang="en-US" altLang="ko-KR" dirty="0"/>
+              <a:t>swift </a:t>
+            </a:r>
+            <a:r>
+              <a:rPr lang="en-US" altLang="ko-KR" dirty="0" smtClean="0"/>
+              <a:t>2.2 ~)</a:t>
+            </a:r>
+          </a:p>
+          <a:p>
+            <a:r>
+              <a:rPr lang="en-US" altLang="ko-KR" dirty="0" smtClean="0"/>
+              <a:t>for-in</a:t>
+            </a:r>
+          </a:p>
+          <a:p>
+            <a:pPr lvl="1"/>
+            <a:r>
+              <a:rPr lang="en-US" altLang="ko-KR" dirty="0" smtClean="0"/>
+              <a:t>for </a:t>
+            </a:r>
+            <a:r>
+              <a:rPr lang="ko-KR" altLang="en-US" dirty="0" err="1" smtClean="0"/>
+              <a:t>루프상수</a:t>
+            </a:r>
+            <a:r>
+              <a:rPr lang="ko-KR" altLang="en-US" dirty="0" smtClean="0"/>
+              <a:t> </a:t>
+            </a:r>
+            <a:r>
+              <a:rPr lang="en-US" altLang="ko-KR" dirty="0" smtClean="0"/>
+              <a:t>in </a:t>
+            </a:r>
+            <a:r>
+              <a:rPr lang="ko-KR" altLang="en-US" dirty="0" smtClean="0"/>
+              <a:t>컬렉션</a:t>
+            </a:r>
+            <a:r>
+              <a:rPr lang="en-US" altLang="ko-KR" dirty="0" smtClean="0"/>
+              <a:t>/</a:t>
+            </a:r>
+            <a:r>
+              <a:rPr lang="ko-KR" altLang="en-US" dirty="0" smtClean="0"/>
+              <a:t>문자열</a:t>
+            </a:r>
+            <a:r>
+              <a:rPr lang="en-US" altLang="ko-KR" dirty="0" smtClean="0"/>
+              <a:t>/</a:t>
+            </a:r>
+            <a:r>
+              <a:rPr lang="ko-KR" altLang="en-US" dirty="0" smtClean="0"/>
+              <a:t>범위 </a:t>
+            </a:r>
+            <a:r>
+              <a:rPr lang="en-US" altLang="ko-KR" dirty="0" smtClean="0"/>
+              <a:t>{</a:t>
+            </a:r>
+            <a:br>
+              <a:rPr lang="en-US" altLang="ko-KR" dirty="0" smtClean="0"/>
+            </a:br>
+            <a:r>
+              <a:rPr lang="en-US" altLang="ko-KR" dirty="0" smtClean="0"/>
+              <a:t>   // …</a:t>
+            </a:r>
+            <a:br>
+              <a:rPr lang="en-US" altLang="ko-KR" dirty="0" smtClean="0"/>
+            </a:br>
+            <a:r>
+              <a:rPr lang="en-US" altLang="ko-KR" dirty="0" smtClean="0"/>
+              <a:t>}</a:t>
+            </a:r>
+          </a:p>
+          <a:p>
+            <a:pPr marL="454914" lvl="1" indent="0">
+              <a:buNone/>
+            </a:pPr>
+            <a:endParaRPr lang="en-US" altLang="ko-KR" dirty="0"/>
+          </a:p>
+          <a:p>
+            <a:pPr marL="454914" lvl="1" indent="0">
+              <a:buNone/>
+            </a:pPr>
+            <a:endParaRPr lang="ko-KR" altLang="en-US" dirty="0"/>
+          </a:p>
+        </p:txBody>
+      </p:sp>
+      <p:pic>
+        <p:nvPicPr>
+          <p:cNvPr id="5" name="그림 4"/>
+          <p:cNvPicPr>
+            <a:picLocks noChangeAspect="1"/>
+          </p:cNvPicPr>
+          <p:nvPr/>
+        </p:nvPicPr>
+        <p:blipFill>
+          <a:blip r:embed="rId2"/>
+          <a:stretch>
+            <a:fillRect/>
+          </a:stretch>
+        </p:blipFill>
+        <p:spPr>
+          <a:xfrm>
+            <a:off x="390677" y="2733675"/>
+            <a:ext cx="8734425" cy="4124325"/>
+          </a:xfrm>
+          <a:prstGeom prst="rect">
+            <a:avLst/>
+          </a:prstGeom>
+        </p:spPr>
+      </p:pic>
+    </p:spTree>
+    <p:extLst>
+      <p:ext uri="{BB962C8B-B14F-4D97-AF65-F5344CB8AC3E}">
+        <p14:creationId xmlns:p14="http://schemas.microsoft.com/office/powerpoint/2010/main" val="1906329340"/>
+      </p:ext>
+    </p:extLst>
+  </p:cSld>
+  <p:clrMapOvr>
+    <a:masterClrMapping/>
+  </p:clrMapOvr>
+</p:sld>
+</file>
+
+<file path=ppt/slides/slide33.xml><?xml version="1.0" encoding="utf-8"?>
+<p:sld xmlns:a="http://schemas.openxmlformats.org/drawingml/2006/main" xmlns:r="http://schemas.openxmlformats.org/officeDocument/2006/relationships" xmlns:p="http://schemas.openxmlformats.org/presentationml/2006/main">
+  <p:cSld>
+    <p:spTree>
+      <p:nvGrpSpPr>
+        <p:cNvPr id="1" name=""/>
+        <p:cNvGrpSpPr/>
+        <p:nvPr/>
+      </p:nvGrpSpPr>
+      <p:grpSpPr>
+        <a:xfrm>
+          <a:off x="0" y="0"/>
+          <a:ext cx="0" cy="0"/>
+          <a:chOff x="0" y="0"/>
+          <a:chExt cx="0" cy="0"/>
+        </a:xfrm>
+      </p:grpSpPr>
+      <p:sp>
+        <p:nvSpPr>
+          <p:cNvPr id="2" name="제목 1"/>
+          <p:cNvSpPr>
+            <a:spLocks noGrp="1"/>
+          </p:cNvSpPr>
+          <p:nvPr>
+            <p:ph type="title"/>
+          </p:nvPr>
+        </p:nvSpPr>
+        <p:spPr/>
+        <p:txBody>
+          <a:bodyPr/>
+          <a:lstStyle/>
+          <a:p>
+            <a:r>
+              <a:rPr lang="ko-KR" altLang="en-US" dirty="0" err="1" smtClean="0"/>
+              <a:t>제어문</a:t>
+            </a:r>
+            <a:r>
+              <a:rPr lang="en-US" altLang="ko-KR" dirty="0" smtClean="0"/>
+              <a:t>: </a:t>
+            </a:r>
+            <a:r>
+              <a:rPr lang="ko-KR" altLang="en-US" dirty="0" err="1" smtClean="0"/>
+              <a:t>반복문</a:t>
+            </a:r>
+            <a:endParaRPr lang="ko-KR" altLang="en-US" dirty="0"/>
+          </a:p>
+        </p:txBody>
+      </p:sp>
+      <p:sp>
+        <p:nvSpPr>
+          <p:cNvPr id="3" name="내용 개체 틀 2"/>
+          <p:cNvSpPr>
+            <a:spLocks noGrp="1"/>
+          </p:cNvSpPr>
+          <p:nvPr>
+            <p:ph idx="1"/>
+          </p:nvPr>
+        </p:nvSpPr>
+        <p:spPr/>
+        <p:txBody>
+          <a:bodyPr/>
+          <a:lstStyle/>
+          <a:p>
+            <a:r>
+              <a:rPr lang="en-US" altLang="ko-KR" dirty="0" smtClean="0"/>
+              <a:t>while </a:t>
+            </a:r>
+            <a:r>
+              <a:rPr lang="en-US" altLang="ko-KR" sz="1200" dirty="0" smtClean="0">
+                <a:solidFill>
+                  <a:schemeClr val="accent6"/>
+                </a:solidFill>
+              </a:rPr>
+              <a:t>(</a:t>
+            </a:r>
+            <a:r>
+              <a:rPr lang="ko-KR" altLang="en-US" sz="1200" dirty="0" smtClean="0">
+                <a:solidFill>
+                  <a:schemeClr val="accent6"/>
+                </a:solidFill>
+              </a:rPr>
+              <a:t>조건식이 </a:t>
+            </a:r>
+            <a:r>
+              <a:rPr lang="en-US" altLang="ko-KR" sz="1200" dirty="0" smtClean="0">
+                <a:solidFill>
+                  <a:schemeClr val="accent6"/>
+                </a:solidFill>
+              </a:rPr>
+              <a:t>true</a:t>
+            </a:r>
+            <a:r>
+              <a:rPr lang="ko-KR" altLang="en-US" sz="1200" dirty="0" smtClean="0">
+                <a:solidFill>
+                  <a:schemeClr val="accent6"/>
+                </a:solidFill>
+              </a:rPr>
+              <a:t>이면 블록 내부 코드 실행을 반복한다</a:t>
+            </a:r>
+            <a:r>
+              <a:rPr lang="en-US" altLang="ko-KR" sz="1200" dirty="0" smtClean="0">
+                <a:solidFill>
+                  <a:schemeClr val="accent6"/>
+                </a:solidFill>
+              </a:rPr>
+              <a:t>)</a:t>
+            </a:r>
+            <a:endParaRPr lang="en-US" altLang="ko-KR" dirty="0" smtClean="0">
+              <a:solidFill>
+                <a:schemeClr val="accent6"/>
+              </a:solidFill>
+            </a:endParaRPr>
+          </a:p>
+          <a:p>
+            <a:pPr lvl="1"/>
+            <a:r>
+              <a:rPr lang="en-US" altLang="ko-KR" dirty="0" smtClean="0"/>
+              <a:t>while </a:t>
+            </a:r>
+            <a:r>
+              <a:rPr lang="ko-KR" altLang="en-US" dirty="0" smtClean="0"/>
+              <a:t>조건식 </a:t>
+            </a:r>
+            <a:r>
+              <a:rPr lang="en-US" altLang="ko-KR" dirty="0" smtClean="0"/>
+              <a:t>{</a:t>
+            </a:r>
+            <a:br>
+              <a:rPr lang="en-US" altLang="ko-KR" dirty="0" smtClean="0"/>
+            </a:br>
+            <a:r>
+              <a:rPr lang="en-US" altLang="ko-KR" dirty="0" smtClean="0"/>
+              <a:t>   // …</a:t>
+            </a:r>
+            <a:br>
+              <a:rPr lang="en-US" altLang="ko-KR" dirty="0" smtClean="0"/>
+            </a:br>
+            <a:r>
+              <a:rPr lang="en-US" altLang="ko-KR" dirty="0" smtClean="0"/>
+              <a:t>}</a:t>
+            </a:r>
+          </a:p>
+          <a:p>
+            <a:pPr lvl="0">
+              <a:buClr>
+                <a:srgbClr val="D6ECFF"/>
+              </a:buClr>
+            </a:pPr>
+            <a:r>
+              <a:rPr lang="en-US" altLang="ko-KR" dirty="0" smtClean="0"/>
+              <a:t>repeat while </a:t>
+            </a:r>
+            <a:r>
+              <a:rPr lang="en-US" altLang="ko-KR" sz="1200" dirty="0" smtClean="0">
+                <a:solidFill>
+                  <a:srgbClr val="1AB39F"/>
+                </a:solidFill>
+              </a:rPr>
+              <a:t>(</a:t>
+            </a:r>
+            <a:r>
+              <a:rPr lang="ko-KR" altLang="en-US" sz="1200" u="sng" dirty="0" smtClean="0">
+                <a:solidFill>
+                  <a:srgbClr val="1AB39F"/>
+                </a:solidFill>
+              </a:rPr>
+              <a:t>블록 내부 코드 최초 </a:t>
+            </a:r>
+            <a:r>
+              <a:rPr lang="en-US" altLang="ko-KR" sz="1200" u="sng" dirty="0" smtClean="0">
+                <a:solidFill>
+                  <a:srgbClr val="1AB39F"/>
+                </a:solidFill>
+              </a:rPr>
+              <a:t>1</a:t>
+            </a:r>
+            <a:r>
+              <a:rPr lang="ko-KR" altLang="en-US" sz="1200" u="sng" dirty="0" smtClean="0">
+                <a:solidFill>
+                  <a:srgbClr val="1AB39F"/>
+                </a:solidFill>
+              </a:rPr>
+              <a:t>번 실행 후</a:t>
+            </a:r>
+            <a:r>
+              <a:rPr lang="ko-KR" altLang="en-US" sz="1200" dirty="0" smtClean="0">
+                <a:solidFill>
+                  <a:srgbClr val="1AB39F"/>
+                </a:solidFill>
+              </a:rPr>
+              <a:t> 조건식이 </a:t>
+            </a:r>
+            <a:r>
+              <a:rPr lang="en-US" altLang="ko-KR" sz="1200" dirty="0">
+                <a:solidFill>
+                  <a:srgbClr val="1AB39F"/>
+                </a:solidFill>
+              </a:rPr>
+              <a:t>true</a:t>
+            </a:r>
+            <a:r>
+              <a:rPr lang="ko-KR" altLang="en-US" sz="1200" dirty="0">
+                <a:solidFill>
+                  <a:srgbClr val="1AB39F"/>
+                </a:solidFill>
+              </a:rPr>
+              <a:t>이면 </a:t>
+            </a:r>
+            <a:r>
+              <a:rPr lang="ko-KR" altLang="en-US" sz="1200" dirty="0" smtClean="0">
+                <a:solidFill>
+                  <a:srgbClr val="1AB39F"/>
+                </a:solidFill>
+              </a:rPr>
+              <a:t>실행을 </a:t>
+            </a:r>
+            <a:r>
+              <a:rPr lang="ko-KR" altLang="en-US" sz="1200" dirty="0">
+                <a:solidFill>
+                  <a:srgbClr val="1AB39F"/>
+                </a:solidFill>
+              </a:rPr>
+              <a:t>반복한다</a:t>
+            </a:r>
+            <a:r>
+              <a:rPr lang="en-US" altLang="ko-KR" sz="1200" dirty="0" smtClean="0">
+                <a:solidFill>
+                  <a:srgbClr val="1AB39F"/>
+                </a:solidFill>
+              </a:rPr>
+              <a:t>)</a:t>
+            </a:r>
+            <a:endParaRPr lang="en-US" altLang="ko-KR" dirty="0" smtClean="0"/>
+          </a:p>
+          <a:p>
+            <a:pPr lvl="1"/>
+            <a:r>
+              <a:rPr lang="en-US" altLang="ko-KR" dirty="0" smtClean="0"/>
+              <a:t>c/</a:t>
+            </a:r>
+            <a:r>
+              <a:rPr lang="en-US" altLang="ko-KR" dirty="0" err="1" smtClean="0"/>
+              <a:t>c++</a:t>
+            </a:r>
+            <a:r>
+              <a:rPr lang="ko-KR" altLang="en-US" dirty="0" smtClean="0"/>
+              <a:t>의 </a:t>
+            </a:r>
+            <a:r>
+              <a:rPr lang="en-US" altLang="ko-KR" dirty="0" smtClean="0"/>
+              <a:t>do while </a:t>
+            </a:r>
+            <a:r>
+              <a:rPr lang="ko-KR" altLang="en-US" dirty="0" smtClean="0"/>
+              <a:t>문과 같은 역할</a:t>
+            </a:r>
+            <a:endParaRPr lang="en-US" altLang="ko-KR" dirty="0" smtClean="0"/>
+          </a:p>
+          <a:p>
+            <a:pPr lvl="1"/>
+            <a:r>
+              <a:rPr lang="en-US" altLang="ko-KR" dirty="0" smtClean="0"/>
+              <a:t>repeat {</a:t>
+            </a:r>
+            <a:br>
+              <a:rPr lang="en-US" altLang="ko-KR" dirty="0" smtClean="0"/>
+            </a:br>
+            <a:r>
+              <a:rPr lang="en-US" altLang="ko-KR" dirty="0" smtClean="0"/>
+              <a:t>   // …</a:t>
+            </a:r>
+            <a:br>
+              <a:rPr lang="en-US" altLang="ko-KR" dirty="0" smtClean="0"/>
+            </a:br>
+            <a:r>
+              <a:rPr lang="en-US" altLang="ko-KR" dirty="0" smtClean="0"/>
+              <a:t>} while </a:t>
+            </a:r>
+            <a:r>
+              <a:rPr lang="ko-KR" altLang="en-US" dirty="0" smtClean="0"/>
+              <a:t>조건식</a:t>
+            </a:r>
+            <a:endParaRPr lang="en-US" altLang="ko-KR" dirty="0" smtClean="0"/>
+          </a:p>
+        </p:txBody>
+      </p:sp>
+      <p:pic>
+        <p:nvPicPr>
+          <p:cNvPr id="4" name="그림 3"/>
+          <p:cNvPicPr>
+            <a:picLocks noChangeAspect="1"/>
+          </p:cNvPicPr>
+          <p:nvPr/>
+        </p:nvPicPr>
+        <p:blipFill>
+          <a:blip r:embed="rId2"/>
+          <a:stretch>
+            <a:fillRect/>
+          </a:stretch>
+        </p:blipFill>
+        <p:spPr>
+          <a:xfrm>
+            <a:off x="395543" y="3822526"/>
+            <a:ext cx="8734425" cy="2990850"/>
+          </a:xfrm>
+          <a:prstGeom prst="rect">
+            <a:avLst/>
+          </a:prstGeom>
+        </p:spPr>
+      </p:pic>
+    </p:spTree>
+    <p:extLst>
+      <p:ext uri="{BB962C8B-B14F-4D97-AF65-F5344CB8AC3E}">
+        <p14:creationId xmlns:p14="http://schemas.microsoft.com/office/powerpoint/2010/main" val="2244516515"/>
+      </p:ext>
+    </p:extLst>
+  </p:cSld>
+  <p:clrMapOvr>
+    <a:masterClrMapping/>
+  </p:clrMapOvr>
+</p:sld>
+</file>
+
+<file path=ppt/slides/slide34.xml><?xml version="1.0" encoding="utf-8"?>
+<p:sld xmlns:a="http://schemas.openxmlformats.org/drawingml/2006/main" xmlns:r="http://schemas.openxmlformats.org/officeDocument/2006/relationships" xmlns:p="http://schemas.openxmlformats.org/presentationml/2006/main">
+  <p:cSld>
+    <p:spTree>
+      <p:nvGrpSpPr>
+        <p:cNvPr id="1" name=""/>
+        <p:cNvGrpSpPr/>
+        <p:nvPr/>
+      </p:nvGrpSpPr>
+      <p:grpSpPr>
+        <a:xfrm>
+          <a:off x="0" y="0"/>
+          <a:ext cx="0" cy="0"/>
+          <a:chOff x="0" y="0"/>
+          <a:chExt cx="0" cy="0"/>
+        </a:xfrm>
+      </p:grpSpPr>
+      <p:sp>
+        <p:nvSpPr>
+          <p:cNvPr id="2" name="TextBox 1"/>
+          <p:cNvSpPr txBox="1"/>
+          <p:nvPr/>
+        </p:nvSpPr>
+        <p:spPr>
+          <a:xfrm>
+            <a:off x="2305995" y="2996952"/>
+            <a:ext cx="4532010" cy="707886"/>
+          </a:xfrm>
+          <a:prstGeom prst="rect">
+            <a:avLst/>
+          </a:prstGeom>
+          <a:noFill/>
+        </p:spPr>
+        <p:txBody>
+          <a:bodyPr wrap="none" rtlCol="0">
+            <a:spAutoFit/>
+          </a:bodyPr>
+          <a:lstStyle/>
+          <a:p>
+            <a:r>
+              <a:rPr lang="en-US" altLang="ko-KR" sz="4000" dirty="0">
+                <a:latin typeface="+mn-ea"/>
+              </a:rPr>
+              <a:t>7</a:t>
+            </a:r>
+            <a:r>
+              <a:rPr lang="ko-KR" altLang="en-US" sz="4000" dirty="0" smtClean="0">
+                <a:latin typeface="+mn-ea"/>
+              </a:rPr>
+              <a:t>장 </a:t>
+            </a:r>
+            <a:r>
+              <a:rPr lang="ko-KR" altLang="en-US" sz="4000" dirty="0" err="1" smtClean="0">
+                <a:latin typeface="+mn-ea"/>
+              </a:rPr>
+              <a:t>제어문</a:t>
+            </a:r>
+            <a:r>
+              <a:rPr lang="en-US" altLang="ko-KR" sz="4000" dirty="0" smtClean="0">
+                <a:latin typeface="+mn-ea"/>
+              </a:rPr>
+              <a:t>: </a:t>
+            </a:r>
+            <a:r>
+              <a:rPr lang="ko-KR" altLang="en-US" sz="4000" dirty="0" err="1" smtClean="0">
+                <a:latin typeface="+mn-ea"/>
+              </a:rPr>
+              <a:t>조건문</a:t>
+            </a:r>
+            <a:endParaRPr lang="ko-KR" altLang="en-US" sz="4000" dirty="0">
+              <a:latin typeface="+mn-ea"/>
+            </a:endParaRPr>
+          </a:p>
+        </p:txBody>
+      </p:sp>
+      <p:graphicFrame>
+        <p:nvGraphicFramePr>
+          <p:cNvPr id="3" name="개체 2"/>
+          <p:cNvGraphicFramePr>
+            <a:graphicFrameLocks noChangeAspect="1"/>
+          </p:cNvGraphicFramePr>
+          <p:nvPr>
+            <p:extLst>
+              <p:ext uri="{D42A27DB-BD31-4B8C-83A1-F6EECF244321}">
+                <p14:modId xmlns:p14="http://schemas.microsoft.com/office/powerpoint/2010/main" val="2557865237"/>
+              </p:ext>
+            </p:extLst>
+          </p:nvPr>
+        </p:nvGraphicFramePr>
+        <p:xfrm>
+          <a:off x="7989887" y="6253162"/>
+          <a:ext cx="1154113" cy="604838"/>
+        </p:xfrm>
+        <a:graphic>
+          <a:graphicData uri="http://schemas.openxmlformats.org/presentationml/2006/ole">
+            <mc:AlternateContent xmlns:mc="http://schemas.openxmlformats.org/markup-compatibility/2006">
+              <mc:Choice xmlns:v="urn:schemas-microsoft-com:vml" Requires="v">
+                <p:oleObj spid="_x0000_s5124" name="포장기 셸 개체" showAsIcon="1" r:id="rId3" imgW="1154880" imgH="604800" progId="Package">
+                  <p:embed/>
+                </p:oleObj>
+              </mc:Choice>
+              <mc:Fallback>
+                <p:oleObj name="포장기 셸 개체" showAsIcon="1" r:id="rId3" imgW="1154880" imgH="604800" progId="Package">
+                  <p:embed/>
+                  <p:pic>
+                    <p:nvPicPr>
+                      <p:cNvPr id="0" name=""/>
+                      <p:cNvPicPr/>
+                      <p:nvPr/>
+                    </p:nvPicPr>
+                    <p:blipFill>
+                      <a:blip r:embed="rId4"/>
+                      <a:stretch>
+                        <a:fillRect/>
+                      </a:stretch>
+                    </p:blipFill>
+                    <p:spPr>
+                      <a:xfrm>
+                        <a:off x="7989887" y="6253162"/>
+                        <a:ext cx="1154113" cy="604838"/>
+                      </a:xfrm>
+                      <a:prstGeom prst="rect">
+                        <a:avLst/>
+                      </a:prstGeom>
+                    </p:spPr>
+                  </p:pic>
+                </p:oleObj>
+              </mc:Fallback>
+            </mc:AlternateContent>
+          </a:graphicData>
+        </a:graphic>
+      </p:graphicFrame>
+    </p:spTree>
+    <p:extLst>
+      <p:ext uri="{BB962C8B-B14F-4D97-AF65-F5344CB8AC3E}">
+        <p14:creationId xmlns:p14="http://schemas.microsoft.com/office/powerpoint/2010/main" val="2424485204"/>
+      </p:ext>
+    </p:extLst>
+  </p:cSld>
+  <p:clrMapOvr>
+    <a:masterClrMapping/>
+  </p:clrMapOvr>
+  <p:timing>
+    <p:tnLst>
+      <p:par>
+        <p:cTn id="1" dur="indefinite" restart="never" nodeType="tmRoot"/>
+      </p:par>
+    </p:tnLst>
+  </p:timing>
+</p:sld>
+</file>
+
+<file path=ppt/slides/slide35.xml><?xml version="1.0" encoding="utf-8"?>
+<p:sld xmlns:a="http://schemas.openxmlformats.org/drawingml/2006/main" xmlns:r="http://schemas.openxmlformats.org/officeDocument/2006/relationships" xmlns:p="http://schemas.openxmlformats.org/presentationml/2006/main">
+  <p:cSld>
+    <p:spTree>
+      <p:nvGrpSpPr>
+        <p:cNvPr id="1" name=""/>
+        <p:cNvGrpSpPr/>
+        <p:nvPr/>
+      </p:nvGrpSpPr>
+      <p:grpSpPr>
+        <a:xfrm>
+          <a:off x="0" y="0"/>
+          <a:ext cx="0" cy="0"/>
+          <a:chOff x="0" y="0"/>
+          <a:chExt cx="0" cy="0"/>
+        </a:xfrm>
+      </p:grpSpPr>
+      <p:sp>
+        <p:nvSpPr>
+          <p:cNvPr id="2" name="제목 1"/>
+          <p:cNvSpPr>
+            <a:spLocks noGrp="1"/>
+          </p:cNvSpPr>
+          <p:nvPr>
+            <p:ph type="title"/>
+          </p:nvPr>
+        </p:nvSpPr>
+        <p:spPr/>
+        <p:txBody>
+          <a:bodyPr/>
+          <a:lstStyle/>
+          <a:p>
+            <a:r>
+              <a:rPr lang="ko-KR" altLang="en-US" dirty="0" err="1" smtClean="0"/>
+              <a:t>제어문</a:t>
+            </a:r>
+            <a:r>
+              <a:rPr lang="en-US" altLang="ko-KR" dirty="0" smtClean="0"/>
+              <a:t>: </a:t>
+            </a:r>
+            <a:r>
+              <a:rPr lang="ko-KR" altLang="en-US" dirty="0" err="1" smtClean="0"/>
+              <a:t>조건문</a:t>
+            </a:r>
+            <a:endParaRPr lang="ko-KR" altLang="en-US" dirty="0"/>
+          </a:p>
+        </p:txBody>
+      </p:sp>
+      <p:sp>
+        <p:nvSpPr>
+          <p:cNvPr id="3" name="내용 개체 틀 2"/>
+          <p:cNvSpPr>
+            <a:spLocks noGrp="1"/>
+          </p:cNvSpPr>
+          <p:nvPr>
+            <p:ph idx="1"/>
+          </p:nvPr>
+        </p:nvSpPr>
+        <p:spPr/>
+        <p:txBody>
+          <a:bodyPr/>
+          <a:lstStyle/>
+          <a:p>
+            <a:r>
+              <a:rPr lang="en-US" altLang="ko-KR" dirty="0" smtClean="0"/>
+              <a:t>if, else if, else </a:t>
+            </a:r>
+            <a:r>
+              <a:rPr lang="en-US" altLang="ko-KR" sz="1200" dirty="0">
+                <a:solidFill>
+                  <a:schemeClr val="accent6"/>
+                </a:solidFill>
+              </a:rPr>
+              <a:t>(</a:t>
+            </a:r>
+            <a:r>
+              <a:rPr lang="ko-KR" altLang="en-US" sz="1200" dirty="0">
+                <a:solidFill>
+                  <a:schemeClr val="accent6"/>
+                </a:solidFill>
+              </a:rPr>
+              <a:t>조건식의 결과가 </a:t>
+            </a:r>
+            <a:r>
+              <a:rPr lang="en-US" altLang="ko-KR" sz="1200" dirty="0">
+                <a:solidFill>
+                  <a:schemeClr val="accent6"/>
+                </a:solidFill>
+              </a:rPr>
+              <a:t>true</a:t>
+            </a:r>
+            <a:r>
+              <a:rPr lang="ko-KR" altLang="en-US" sz="1200" dirty="0">
+                <a:solidFill>
+                  <a:schemeClr val="accent6"/>
+                </a:solidFill>
+              </a:rPr>
+              <a:t>일 때 코드 실행</a:t>
+            </a:r>
+            <a:r>
+              <a:rPr lang="en-US" altLang="ko-KR" sz="1200" dirty="0">
+                <a:solidFill>
+                  <a:schemeClr val="accent6"/>
+                </a:solidFill>
+              </a:rPr>
+              <a:t>)</a:t>
+            </a:r>
+          </a:p>
+          <a:p>
+            <a:pPr lvl="1"/>
+            <a:r>
+              <a:rPr lang="en-US" altLang="ko-KR" dirty="0" smtClean="0"/>
+              <a:t>if</a:t>
+            </a:r>
+            <a:r>
+              <a:rPr lang="ko-KR" altLang="en-US" dirty="0"/>
+              <a:t> </a:t>
+            </a:r>
+            <a:r>
+              <a:rPr lang="en-US" altLang="ko-KR" dirty="0"/>
+              <a:t> </a:t>
+            </a:r>
+            <a:r>
+              <a:rPr lang="ko-KR" altLang="en-US" dirty="0" smtClean="0"/>
+              <a:t>조건식 </a:t>
+            </a:r>
+            <a:r>
+              <a:rPr lang="en-US" altLang="ko-KR" dirty="0" smtClean="0"/>
+              <a:t>{   </a:t>
+            </a:r>
+            <a:r>
+              <a:rPr lang="en-US" altLang="ko-KR" sz="1200" dirty="0" smtClean="0">
+                <a:solidFill>
+                  <a:schemeClr val="accent6"/>
+                </a:solidFill>
+              </a:rPr>
+              <a:t>//  1</a:t>
+            </a:r>
+            <a:r>
+              <a:rPr lang="ko-KR" altLang="en-US" sz="1200" dirty="0" smtClean="0">
+                <a:solidFill>
+                  <a:schemeClr val="accent6"/>
+                </a:solidFill>
+              </a:rPr>
+              <a:t>개만 작성 가능</a:t>
+            </a:r>
+            <a:r>
+              <a:rPr lang="en-US" altLang="ko-KR" sz="1200" dirty="0" smtClean="0">
+                <a:solidFill>
+                  <a:schemeClr val="accent6"/>
+                </a:solidFill>
+              </a:rPr>
+              <a:t/>
+            </a:r>
+            <a:br>
+              <a:rPr lang="en-US" altLang="ko-KR" sz="1200" dirty="0" smtClean="0">
+                <a:solidFill>
+                  <a:schemeClr val="accent6"/>
+                </a:solidFill>
+              </a:rPr>
+            </a:br>
+            <a:r>
+              <a:rPr lang="en-US" altLang="ko-KR" dirty="0" smtClean="0"/>
+              <a:t>   // …1</a:t>
+            </a:r>
+            <a:br>
+              <a:rPr lang="en-US" altLang="ko-KR" dirty="0" smtClean="0"/>
+            </a:br>
+            <a:r>
+              <a:rPr lang="en-US" altLang="ko-KR" dirty="0" smtClean="0"/>
+              <a:t>} else if </a:t>
+            </a:r>
+            <a:r>
+              <a:rPr lang="ko-KR" altLang="en-US" dirty="0" smtClean="0"/>
+              <a:t>조건식 </a:t>
+            </a:r>
+            <a:r>
+              <a:rPr lang="en-US" altLang="ko-KR" dirty="0" smtClean="0"/>
+              <a:t>{   </a:t>
+            </a:r>
+            <a:r>
+              <a:rPr lang="en-US" altLang="ko-KR" sz="1200" dirty="0" smtClean="0">
+                <a:solidFill>
+                  <a:schemeClr val="accent6"/>
+                </a:solidFill>
+              </a:rPr>
+              <a:t>//  0</a:t>
+            </a:r>
+            <a:r>
+              <a:rPr lang="ko-KR" altLang="en-US" sz="1200" dirty="0" smtClean="0">
+                <a:solidFill>
+                  <a:schemeClr val="accent6"/>
+                </a:solidFill>
+              </a:rPr>
+              <a:t>개 이상 작성 가능</a:t>
+            </a:r>
+            <a:r>
+              <a:rPr lang="en-US" altLang="ko-KR" sz="1200" dirty="0" smtClean="0">
+                <a:solidFill>
+                  <a:schemeClr val="accent6"/>
+                </a:solidFill>
+              </a:rPr>
+              <a:t/>
+            </a:r>
+            <a:br>
+              <a:rPr lang="en-US" altLang="ko-KR" sz="1200" dirty="0" smtClean="0">
+                <a:solidFill>
+                  <a:schemeClr val="accent6"/>
+                </a:solidFill>
+              </a:rPr>
+            </a:br>
+            <a:r>
+              <a:rPr lang="en-US" altLang="ko-KR" dirty="0" smtClean="0"/>
+              <a:t>   // …2</a:t>
+            </a:r>
+            <a:br>
+              <a:rPr lang="en-US" altLang="ko-KR" dirty="0" smtClean="0"/>
+            </a:br>
+            <a:r>
+              <a:rPr lang="en-US" altLang="ko-KR" dirty="0" smtClean="0"/>
+              <a:t>} </a:t>
+            </a:r>
+            <a:r>
+              <a:rPr lang="en-US" altLang="ko-KR" dirty="0"/>
+              <a:t>else </a:t>
+            </a:r>
+            <a:r>
+              <a:rPr lang="en-US" altLang="ko-KR" dirty="0" smtClean="0"/>
+              <a:t>{ </a:t>
+            </a:r>
+            <a:r>
+              <a:rPr lang="en-US" altLang="ko-KR" sz="1200" dirty="0" smtClean="0">
+                <a:solidFill>
+                  <a:schemeClr val="accent6"/>
+                </a:solidFill>
+              </a:rPr>
+              <a:t> //  0, 1</a:t>
+            </a:r>
+            <a:r>
+              <a:rPr lang="ko-KR" altLang="en-US" sz="1200" dirty="0" smtClean="0">
+                <a:solidFill>
+                  <a:schemeClr val="accent6"/>
+                </a:solidFill>
+              </a:rPr>
+              <a:t>개 작성 가능</a:t>
+            </a:r>
+            <a:r>
+              <a:rPr lang="en-US" altLang="ko-KR" sz="1200" dirty="0">
+                <a:solidFill>
+                  <a:schemeClr val="accent6"/>
+                </a:solidFill>
+              </a:rPr>
+              <a:t/>
+            </a:r>
+            <a:br>
+              <a:rPr lang="en-US" altLang="ko-KR" sz="1200" dirty="0">
+                <a:solidFill>
+                  <a:schemeClr val="accent6"/>
+                </a:solidFill>
+              </a:rPr>
+            </a:br>
+            <a:r>
+              <a:rPr lang="en-US" altLang="ko-KR" dirty="0"/>
+              <a:t>   // </a:t>
+            </a:r>
+            <a:r>
+              <a:rPr lang="en-US" altLang="ko-KR" dirty="0" smtClean="0"/>
+              <a:t>…3</a:t>
+            </a:r>
+            <a:r>
+              <a:rPr lang="en-US" altLang="ko-KR" dirty="0"/>
+              <a:t/>
+            </a:r>
+            <a:br>
+              <a:rPr lang="en-US" altLang="ko-KR" dirty="0"/>
+            </a:br>
+            <a:r>
+              <a:rPr lang="en-US" altLang="ko-KR" dirty="0"/>
+              <a:t>}</a:t>
+            </a:r>
+            <a:endParaRPr lang="en-US" altLang="ko-KR" dirty="0" smtClean="0"/>
+          </a:p>
+          <a:p>
+            <a:r>
+              <a:rPr lang="en-US" altLang="ko-KR" dirty="0" smtClean="0"/>
+              <a:t> </a:t>
+            </a:r>
+            <a:endParaRPr lang="en-US" altLang="ko-KR" sz="1200" dirty="0">
+              <a:solidFill>
+                <a:schemeClr val="accent6"/>
+              </a:solidFill>
+            </a:endParaRPr>
+          </a:p>
+        </p:txBody>
+      </p:sp>
+      <p:pic>
+        <p:nvPicPr>
+          <p:cNvPr id="4" name="그림 3"/>
+          <p:cNvPicPr>
+            <a:picLocks noChangeAspect="1"/>
+          </p:cNvPicPr>
+          <p:nvPr/>
+        </p:nvPicPr>
+        <p:blipFill>
+          <a:blip r:embed="rId2"/>
+          <a:stretch>
+            <a:fillRect/>
+          </a:stretch>
+        </p:blipFill>
+        <p:spPr>
+          <a:xfrm>
+            <a:off x="400050" y="3356992"/>
+            <a:ext cx="8743950" cy="2828925"/>
+          </a:xfrm>
+          <a:prstGeom prst="rect">
+            <a:avLst/>
+          </a:prstGeom>
+        </p:spPr>
+      </p:pic>
+    </p:spTree>
+    <p:extLst>
+      <p:ext uri="{BB962C8B-B14F-4D97-AF65-F5344CB8AC3E}">
+        <p14:creationId xmlns:p14="http://schemas.microsoft.com/office/powerpoint/2010/main" val="3001691124"/>
+      </p:ext>
+    </p:extLst>
+  </p:cSld>
+  <p:clrMapOvr>
+    <a:masterClrMapping/>
+  </p:clrMapOvr>
+</p:sld>
+</file>
+
+<file path=ppt/slides/slide36.xml><?xml version="1.0" encoding="utf-8"?>
+<p:sld xmlns:a="http://schemas.openxmlformats.org/drawingml/2006/main" xmlns:r="http://schemas.openxmlformats.org/officeDocument/2006/relationships" xmlns:p="http://schemas.openxmlformats.org/presentationml/2006/main">
+  <p:cSld>
+    <p:spTree>
+      <p:nvGrpSpPr>
+        <p:cNvPr id="1" name=""/>
+        <p:cNvGrpSpPr/>
+        <p:nvPr/>
+      </p:nvGrpSpPr>
+      <p:grpSpPr>
+        <a:xfrm>
+          <a:off x="0" y="0"/>
+          <a:ext cx="0" cy="0"/>
+          <a:chOff x="0" y="0"/>
+          <a:chExt cx="0" cy="0"/>
+        </a:xfrm>
+      </p:grpSpPr>
+      <p:sp>
+        <p:nvSpPr>
+          <p:cNvPr id="2" name="제목 1"/>
+          <p:cNvSpPr>
+            <a:spLocks noGrp="1"/>
+          </p:cNvSpPr>
+          <p:nvPr>
+            <p:ph type="title"/>
+          </p:nvPr>
+        </p:nvSpPr>
+        <p:spPr/>
+        <p:txBody>
+          <a:bodyPr/>
+          <a:lstStyle/>
+          <a:p>
+            <a:r>
+              <a:rPr lang="ko-KR" altLang="en-US" dirty="0" err="1" smtClean="0"/>
+              <a:t>제어문</a:t>
+            </a:r>
+            <a:r>
+              <a:rPr lang="en-US" altLang="ko-KR" dirty="0" smtClean="0"/>
+              <a:t>: </a:t>
+            </a:r>
+            <a:r>
+              <a:rPr lang="ko-KR" altLang="en-US" dirty="0" err="1" smtClean="0"/>
+              <a:t>조건문</a:t>
+            </a:r>
+            <a:endParaRPr lang="ko-KR" altLang="en-US" dirty="0"/>
+          </a:p>
+        </p:txBody>
+      </p:sp>
+      <p:sp>
+        <p:nvSpPr>
+          <p:cNvPr id="3" name="내용 개체 틀 2"/>
+          <p:cNvSpPr>
+            <a:spLocks noGrp="1"/>
+          </p:cNvSpPr>
+          <p:nvPr>
+            <p:ph idx="1"/>
+          </p:nvPr>
+        </p:nvSpPr>
+        <p:spPr/>
+        <p:txBody>
+          <a:bodyPr/>
+          <a:lstStyle/>
+          <a:p>
+            <a:r>
+              <a:rPr lang="en-US" altLang="ko-KR" dirty="0" smtClean="0"/>
+              <a:t>guard (Swift only) </a:t>
+            </a:r>
+            <a:r>
+              <a:rPr lang="en-US" altLang="ko-KR" sz="1200" dirty="0" smtClean="0">
+                <a:solidFill>
+                  <a:schemeClr val="accent6"/>
+                </a:solidFill>
+              </a:rPr>
+              <a:t>(</a:t>
+            </a:r>
+            <a:r>
+              <a:rPr lang="ko-KR" altLang="en-US" sz="1200" dirty="0" smtClean="0">
+                <a:solidFill>
+                  <a:schemeClr val="accent6"/>
+                </a:solidFill>
+              </a:rPr>
+              <a:t>조건식을 충족하지 않을 때 수행할 내용을 명시</a:t>
+            </a:r>
+            <a:r>
+              <a:rPr lang="en-US" altLang="ko-KR" sz="1200" dirty="0" smtClean="0">
+                <a:solidFill>
+                  <a:schemeClr val="accent6"/>
+                </a:solidFill>
+              </a:rPr>
+              <a:t>)</a:t>
+            </a:r>
+            <a:endParaRPr lang="en-US" altLang="ko-KR" sz="1200" dirty="0">
+              <a:solidFill>
+                <a:schemeClr val="accent6"/>
+              </a:solidFill>
+            </a:endParaRPr>
+          </a:p>
+          <a:p>
+            <a:pPr lvl="1"/>
+            <a:r>
+              <a:rPr lang="en-US" altLang="ko-KR" dirty="0" smtClean="0"/>
+              <a:t>guard</a:t>
+            </a:r>
+            <a:r>
+              <a:rPr lang="ko-KR" altLang="en-US" dirty="0" smtClean="0"/>
+              <a:t> </a:t>
+            </a:r>
+            <a:r>
+              <a:rPr lang="en-US" altLang="ko-KR" dirty="0" smtClean="0"/>
+              <a:t> </a:t>
+            </a:r>
+            <a:r>
+              <a:rPr lang="ko-KR" altLang="en-US" dirty="0" smtClean="0"/>
+              <a:t>조건식 </a:t>
+            </a:r>
+            <a:r>
+              <a:rPr lang="en-US" altLang="ko-KR" dirty="0" smtClean="0"/>
+              <a:t>else {   </a:t>
+            </a:r>
+            <a:r>
+              <a:rPr lang="en-US" altLang="ko-KR" sz="1200" dirty="0" smtClean="0">
+                <a:solidFill>
+                  <a:schemeClr val="accent6"/>
+                </a:solidFill>
+              </a:rPr>
+              <a:t>//  </a:t>
+            </a:r>
+            <a:r>
+              <a:rPr lang="ko-KR" altLang="en-US" sz="1200" dirty="0" smtClean="0">
+                <a:solidFill>
+                  <a:schemeClr val="accent6"/>
+                </a:solidFill>
+              </a:rPr>
+              <a:t>충족하지 않으면 </a:t>
+            </a:r>
+            <a:r>
+              <a:rPr lang="en-US" altLang="ko-KR" sz="1200" dirty="0" smtClean="0">
+                <a:solidFill>
+                  <a:schemeClr val="accent6"/>
+                </a:solidFill>
+              </a:rPr>
+              <a:t>return, throw, (</a:t>
+            </a:r>
+            <a:r>
+              <a:rPr lang="ko-KR" altLang="en-US" sz="1200" dirty="0" smtClean="0">
+                <a:solidFill>
+                  <a:schemeClr val="accent6"/>
+                </a:solidFill>
+              </a:rPr>
+              <a:t>함수</a:t>
+            </a:r>
+            <a:r>
+              <a:rPr lang="en-US" altLang="ko-KR" sz="1200" dirty="0" smtClean="0">
+                <a:solidFill>
+                  <a:schemeClr val="accent6"/>
+                </a:solidFill>
+              </a:rPr>
+              <a:t>, </a:t>
+            </a:r>
+            <a:r>
+              <a:rPr lang="ko-KR" altLang="en-US" sz="1200" dirty="0" err="1" smtClean="0">
+                <a:solidFill>
+                  <a:schemeClr val="accent6"/>
+                </a:solidFill>
+              </a:rPr>
+              <a:t>메소드</a:t>
+            </a:r>
+            <a:r>
+              <a:rPr lang="ko-KR" altLang="en-US" sz="1200" dirty="0" smtClean="0">
+                <a:solidFill>
+                  <a:schemeClr val="accent6"/>
+                </a:solidFill>
+              </a:rPr>
+              <a:t> 아니면 </a:t>
+            </a:r>
+            <a:r>
+              <a:rPr lang="en-US" altLang="ko-KR" sz="1200" dirty="0" smtClean="0">
+                <a:solidFill>
+                  <a:schemeClr val="accent6"/>
+                </a:solidFill>
+              </a:rPr>
+              <a:t>break, continue</a:t>
+            </a:r>
+            <a:r>
+              <a:rPr lang="ko-KR" altLang="en-US" sz="1200" dirty="0" smtClean="0">
+                <a:solidFill>
+                  <a:schemeClr val="accent6"/>
+                </a:solidFill>
+              </a:rPr>
+              <a:t>도 가능</a:t>
+            </a:r>
+            <a:r>
+              <a:rPr lang="en-US" altLang="ko-KR" sz="1200" dirty="0" smtClean="0">
+                <a:solidFill>
+                  <a:schemeClr val="accent6"/>
+                </a:solidFill>
+              </a:rPr>
+              <a:t>)</a:t>
+            </a:r>
+            <a:br>
+              <a:rPr lang="en-US" altLang="ko-KR" sz="1200" dirty="0" smtClean="0">
+                <a:solidFill>
+                  <a:schemeClr val="accent6"/>
+                </a:solidFill>
+              </a:rPr>
+            </a:br>
+            <a:r>
+              <a:rPr lang="en-US" altLang="ko-KR" dirty="0" smtClean="0"/>
+              <a:t>   // return or break</a:t>
+            </a:r>
+            <a:br>
+              <a:rPr lang="en-US" altLang="ko-KR" dirty="0" smtClean="0"/>
+            </a:br>
+            <a:r>
+              <a:rPr lang="en-US" altLang="ko-KR" dirty="0" smtClean="0"/>
+              <a:t>}</a:t>
+            </a:r>
+          </a:p>
+          <a:p>
+            <a:pPr lvl="1"/>
+            <a:r>
+              <a:rPr lang="en-US" altLang="ko-KR" dirty="0"/>
+              <a:t>guard</a:t>
+            </a:r>
+            <a:r>
+              <a:rPr lang="ko-KR" altLang="en-US" dirty="0"/>
+              <a:t> </a:t>
+            </a:r>
+            <a:r>
+              <a:rPr lang="en-US" altLang="ko-KR" dirty="0"/>
+              <a:t> </a:t>
+            </a:r>
+            <a:r>
+              <a:rPr lang="ko-KR" altLang="en-US" dirty="0" err="1" smtClean="0"/>
+              <a:t>옵셔널바인딩</a:t>
+            </a:r>
+            <a:r>
+              <a:rPr lang="ko-KR" altLang="en-US" dirty="0" smtClean="0"/>
+              <a:t> </a:t>
+            </a:r>
+            <a:r>
+              <a:rPr lang="en-US" altLang="ko-KR" dirty="0" smtClean="0"/>
+              <a:t>where </a:t>
+            </a:r>
+            <a:r>
+              <a:rPr lang="ko-KR" altLang="en-US" dirty="0" smtClean="0"/>
+              <a:t>조건식 </a:t>
+            </a:r>
+            <a:r>
+              <a:rPr lang="en-US" altLang="ko-KR" dirty="0"/>
+              <a:t>else </a:t>
+            </a:r>
+            <a:r>
+              <a:rPr lang="en-US" altLang="ko-KR" dirty="0" smtClean="0"/>
+              <a:t>{   </a:t>
+            </a:r>
+            <a:r>
+              <a:rPr lang="en-US" altLang="ko-KR" sz="1200" dirty="0" smtClean="0">
+                <a:solidFill>
+                  <a:schemeClr val="accent6"/>
+                </a:solidFill>
+              </a:rPr>
+              <a:t>//  where </a:t>
+            </a:r>
+            <a:r>
+              <a:rPr lang="ko-KR" altLang="en-US" sz="1200" dirty="0" smtClean="0">
+                <a:solidFill>
+                  <a:schemeClr val="accent6"/>
+                </a:solidFill>
+              </a:rPr>
+              <a:t>절 생략 가능</a:t>
+            </a:r>
+            <a:r>
+              <a:rPr lang="en-US" altLang="ko-KR" dirty="0" smtClean="0"/>
+              <a:t/>
+            </a:r>
+            <a:br>
+              <a:rPr lang="en-US" altLang="ko-KR" dirty="0" smtClean="0"/>
+            </a:br>
+            <a:r>
+              <a:rPr lang="en-US" altLang="ko-KR" sz="1200" dirty="0" smtClean="0"/>
+              <a:t>      </a:t>
+            </a:r>
+            <a:r>
+              <a:rPr lang="en-US" altLang="ko-KR" sz="1200" dirty="0" smtClean="0">
+                <a:solidFill>
+                  <a:schemeClr val="accent6"/>
+                </a:solidFill>
+              </a:rPr>
+              <a:t>//  </a:t>
+            </a:r>
+            <a:r>
+              <a:rPr lang="ko-KR" altLang="en-US" sz="1200" dirty="0" err="1">
+                <a:solidFill>
+                  <a:schemeClr val="accent6"/>
+                </a:solidFill>
+              </a:rPr>
+              <a:t>옵셔널</a:t>
+            </a:r>
+            <a:r>
+              <a:rPr lang="ko-KR" altLang="en-US" sz="1200" dirty="0">
+                <a:solidFill>
+                  <a:schemeClr val="accent6"/>
+                </a:solidFill>
+              </a:rPr>
+              <a:t> </a:t>
+            </a:r>
+            <a:r>
+              <a:rPr lang="ko-KR" altLang="en-US" sz="1200" dirty="0" smtClean="0">
+                <a:solidFill>
+                  <a:schemeClr val="accent6"/>
+                </a:solidFill>
+              </a:rPr>
+              <a:t>바인딩</a:t>
+            </a:r>
+            <a:r>
+              <a:rPr lang="en-US" altLang="ko-KR" sz="1200" dirty="0" smtClean="0">
+                <a:solidFill>
+                  <a:schemeClr val="accent6"/>
+                </a:solidFill>
+              </a:rPr>
+              <a:t>X </a:t>
+            </a:r>
+            <a:r>
+              <a:rPr lang="ko-KR" altLang="en-US" sz="1200" dirty="0" smtClean="0">
+                <a:solidFill>
+                  <a:schemeClr val="accent6"/>
+                </a:solidFill>
+              </a:rPr>
+              <a:t>혹은 조건식 충족하지 </a:t>
+            </a:r>
+            <a:r>
+              <a:rPr lang="ko-KR" altLang="en-US" sz="1200" dirty="0">
+                <a:solidFill>
+                  <a:schemeClr val="accent6"/>
+                </a:solidFill>
+              </a:rPr>
+              <a:t>않으면 </a:t>
+            </a:r>
+            <a:r>
+              <a:rPr lang="en-US" altLang="ko-KR" sz="1200" dirty="0">
+                <a:solidFill>
+                  <a:schemeClr val="accent6"/>
+                </a:solidFill>
+              </a:rPr>
+              <a:t>return, throw, (</a:t>
+            </a:r>
+            <a:r>
+              <a:rPr lang="ko-KR" altLang="en-US" sz="1200" dirty="0">
+                <a:solidFill>
+                  <a:schemeClr val="accent6"/>
+                </a:solidFill>
+              </a:rPr>
+              <a:t>함수</a:t>
+            </a:r>
+            <a:r>
+              <a:rPr lang="en-US" altLang="ko-KR" sz="1200" dirty="0">
+                <a:solidFill>
+                  <a:schemeClr val="accent6"/>
+                </a:solidFill>
+              </a:rPr>
+              <a:t>, </a:t>
+            </a:r>
+            <a:r>
+              <a:rPr lang="ko-KR" altLang="en-US" sz="1200" dirty="0" err="1">
+                <a:solidFill>
+                  <a:schemeClr val="accent6"/>
+                </a:solidFill>
+              </a:rPr>
+              <a:t>메소드</a:t>
+            </a:r>
+            <a:r>
+              <a:rPr lang="ko-KR" altLang="en-US" sz="1200" dirty="0">
+                <a:solidFill>
+                  <a:schemeClr val="accent6"/>
+                </a:solidFill>
+              </a:rPr>
+              <a:t> 아니면 </a:t>
+            </a:r>
+            <a:r>
+              <a:rPr lang="en-US" altLang="ko-KR" sz="1200" dirty="0">
+                <a:solidFill>
+                  <a:schemeClr val="accent6"/>
+                </a:solidFill>
+              </a:rPr>
+              <a:t>break, continue</a:t>
+            </a:r>
+            <a:r>
+              <a:rPr lang="ko-KR" altLang="en-US" sz="1200" dirty="0">
+                <a:solidFill>
+                  <a:schemeClr val="accent6"/>
+                </a:solidFill>
+              </a:rPr>
+              <a:t>도 가능</a:t>
+            </a:r>
+            <a:r>
+              <a:rPr lang="en-US" altLang="ko-KR" sz="1200" dirty="0" smtClean="0">
+                <a:solidFill>
+                  <a:schemeClr val="accent6"/>
+                </a:solidFill>
+              </a:rPr>
+              <a:t>)</a:t>
+            </a:r>
+            <a:r>
+              <a:rPr lang="en-US" altLang="ko-KR" dirty="0" smtClean="0"/>
+              <a:t/>
+            </a:r>
+            <a:br>
+              <a:rPr lang="en-US" altLang="ko-KR" dirty="0" smtClean="0"/>
+            </a:br>
+            <a:r>
+              <a:rPr lang="en-US" altLang="ko-KR" dirty="0" smtClean="0"/>
+              <a:t>   // </a:t>
+            </a:r>
+            <a:r>
+              <a:rPr lang="en-US" altLang="ko-KR" dirty="0"/>
+              <a:t>return or break</a:t>
+            </a:r>
+            <a:br>
+              <a:rPr lang="en-US" altLang="ko-KR" dirty="0"/>
+            </a:br>
+            <a:r>
+              <a:rPr lang="en-US" altLang="ko-KR" dirty="0"/>
+              <a:t>}</a:t>
+            </a:r>
+          </a:p>
+          <a:p>
+            <a:pPr lvl="1"/>
+            <a:endParaRPr lang="en-US" altLang="ko-KR" dirty="0" smtClean="0"/>
+          </a:p>
+          <a:p>
+            <a:r>
+              <a:rPr lang="en-US" altLang="ko-KR" dirty="0" smtClean="0"/>
+              <a:t> </a:t>
+            </a:r>
+            <a:endParaRPr lang="en-US" altLang="ko-KR" sz="1200" dirty="0">
+              <a:solidFill>
+                <a:schemeClr val="accent6"/>
+              </a:solidFill>
+            </a:endParaRPr>
+          </a:p>
+        </p:txBody>
+      </p:sp>
+      <p:pic>
+        <p:nvPicPr>
+          <p:cNvPr id="5" name="그림 4"/>
+          <p:cNvPicPr>
+            <a:picLocks noChangeAspect="1"/>
+          </p:cNvPicPr>
+          <p:nvPr/>
+        </p:nvPicPr>
+        <p:blipFill>
+          <a:blip r:embed="rId2"/>
+          <a:stretch>
+            <a:fillRect/>
+          </a:stretch>
+        </p:blipFill>
+        <p:spPr>
+          <a:xfrm>
+            <a:off x="409575" y="3501008"/>
+            <a:ext cx="8734425" cy="3295650"/>
+          </a:xfrm>
+          <a:prstGeom prst="rect">
+            <a:avLst/>
+          </a:prstGeom>
+        </p:spPr>
+      </p:pic>
+    </p:spTree>
+    <p:extLst>
+      <p:ext uri="{BB962C8B-B14F-4D97-AF65-F5344CB8AC3E}">
+        <p14:creationId xmlns:p14="http://schemas.microsoft.com/office/powerpoint/2010/main" val="3300044932"/>
+      </p:ext>
+    </p:extLst>
+  </p:cSld>
+  <p:clrMapOvr>
+    <a:masterClrMapping/>
+  </p:clrMapOvr>
+</p:sld>
+</file>
+
+<file path=ppt/slides/slide37.xml><?xml version="1.0" encoding="utf-8"?>
+<p:sld xmlns:a="http://schemas.openxmlformats.org/drawingml/2006/main" xmlns:r="http://schemas.openxmlformats.org/officeDocument/2006/relationships" xmlns:p="http://schemas.openxmlformats.org/presentationml/2006/main">
+  <p:cSld>
+    <p:spTree>
+      <p:nvGrpSpPr>
+        <p:cNvPr id="1" name=""/>
+        <p:cNvGrpSpPr/>
+        <p:nvPr/>
+      </p:nvGrpSpPr>
+      <p:grpSpPr>
+        <a:xfrm>
+          <a:off x="0" y="0"/>
+          <a:ext cx="0" cy="0"/>
+          <a:chOff x="0" y="0"/>
+          <a:chExt cx="0" cy="0"/>
+        </a:xfrm>
+      </p:grpSpPr>
+      <p:sp>
+        <p:nvSpPr>
+          <p:cNvPr id="2" name="제목 1"/>
+          <p:cNvSpPr>
+            <a:spLocks noGrp="1"/>
+          </p:cNvSpPr>
+          <p:nvPr>
+            <p:ph type="title"/>
+          </p:nvPr>
+        </p:nvSpPr>
+        <p:spPr/>
+        <p:txBody>
+          <a:bodyPr/>
+          <a:lstStyle/>
+          <a:p>
+            <a:r>
+              <a:rPr lang="ko-KR" altLang="en-US" dirty="0" err="1" smtClean="0"/>
+              <a:t>제어문</a:t>
+            </a:r>
+            <a:r>
+              <a:rPr lang="en-US" altLang="ko-KR" dirty="0" smtClean="0"/>
+              <a:t>: </a:t>
+            </a:r>
+            <a:r>
+              <a:rPr lang="ko-KR" altLang="en-US" dirty="0" err="1" smtClean="0"/>
+              <a:t>조건문</a:t>
+            </a:r>
+            <a:endParaRPr lang="ko-KR" altLang="en-US" dirty="0"/>
+          </a:p>
+        </p:txBody>
+      </p:sp>
+      <p:sp>
+        <p:nvSpPr>
+          <p:cNvPr id="3" name="내용 개체 틀 2"/>
+          <p:cNvSpPr>
+            <a:spLocks noGrp="1"/>
+          </p:cNvSpPr>
+          <p:nvPr>
+            <p:ph idx="1"/>
+          </p:nvPr>
+        </p:nvSpPr>
+        <p:spPr/>
+        <p:txBody>
+          <a:bodyPr/>
+          <a:lstStyle/>
+          <a:p>
+            <a:r>
+              <a:rPr lang="en-US" altLang="ko-KR" dirty="0" smtClean="0"/>
+              <a:t>switch </a:t>
+            </a:r>
+            <a:r>
+              <a:rPr lang="en-US" altLang="ko-KR" sz="1200" dirty="0" smtClean="0">
+                <a:solidFill>
+                  <a:schemeClr val="accent6"/>
+                </a:solidFill>
+              </a:rPr>
+              <a:t>(</a:t>
+            </a:r>
+            <a:r>
+              <a:rPr lang="ko-KR" altLang="en-US" sz="1200" dirty="0" smtClean="0">
+                <a:solidFill>
+                  <a:schemeClr val="accent6"/>
+                </a:solidFill>
+              </a:rPr>
+              <a:t>표현식 </a:t>
+            </a:r>
+            <a:r>
+              <a:rPr lang="ko-KR" altLang="en-US" sz="1200" dirty="0">
+                <a:solidFill>
+                  <a:schemeClr val="accent6"/>
+                </a:solidFill>
+              </a:rPr>
+              <a:t>결과가 </a:t>
+            </a:r>
+            <a:r>
+              <a:rPr lang="ko-KR" altLang="en-US" sz="1200" dirty="0" smtClean="0">
+                <a:solidFill>
+                  <a:schemeClr val="accent6"/>
+                </a:solidFill>
+              </a:rPr>
+              <a:t>상수 표현식과 같은 </a:t>
+            </a:r>
+            <a:r>
+              <a:rPr lang="en-US" altLang="ko-KR" sz="1200" dirty="0" smtClean="0">
+                <a:solidFill>
+                  <a:schemeClr val="accent6"/>
+                </a:solidFill>
+              </a:rPr>
+              <a:t>case </a:t>
+            </a:r>
+            <a:r>
+              <a:rPr lang="ko-KR" altLang="en-US" sz="1200" dirty="0" smtClean="0">
+                <a:solidFill>
+                  <a:schemeClr val="accent6"/>
+                </a:solidFill>
+              </a:rPr>
+              <a:t>블록 수행</a:t>
+            </a:r>
+            <a:r>
+              <a:rPr lang="en-US" altLang="ko-KR" sz="1200" dirty="0" smtClean="0">
+                <a:solidFill>
+                  <a:schemeClr val="accent6"/>
+                </a:solidFill>
+              </a:rPr>
+              <a:t>)</a:t>
+            </a:r>
+            <a:endParaRPr lang="en-US" altLang="ko-KR" sz="1200" dirty="0">
+              <a:solidFill>
+                <a:schemeClr val="accent6"/>
+              </a:solidFill>
+            </a:endParaRPr>
+          </a:p>
+          <a:p>
+            <a:pPr lvl="1"/>
+            <a:r>
+              <a:rPr lang="en-US" altLang="ko-KR" dirty="0" smtClean="0"/>
+              <a:t>switch</a:t>
+            </a:r>
+            <a:r>
+              <a:rPr lang="ko-KR" altLang="en-US" dirty="0" smtClean="0"/>
+              <a:t> 표현식 </a:t>
+            </a:r>
+            <a:r>
+              <a:rPr lang="en-US" altLang="ko-KR" dirty="0" smtClean="0"/>
+              <a:t>{   </a:t>
+            </a:r>
+            <a:r>
+              <a:rPr lang="en-US" altLang="ko-KR" sz="1200" dirty="0" smtClean="0">
+                <a:solidFill>
+                  <a:schemeClr val="accent6"/>
+                </a:solidFill>
+              </a:rPr>
+              <a:t>//  1</a:t>
+            </a:r>
+            <a:r>
+              <a:rPr lang="ko-KR" altLang="en-US" sz="1200" dirty="0" smtClean="0">
+                <a:solidFill>
+                  <a:schemeClr val="accent6"/>
+                </a:solidFill>
+              </a:rPr>
+              <a:t>개만 작성 가능</a:t>
+            </a:r>
+            <a:r>
+              <a:rPr lang="en-US" altLang="ko-KR" sz="1200" dirty="0" smtClean="0">
+                <a:solidFill>
+                  <a:schemeClr val="accent6"/>
+                </a:solidFill>
+              </a:rPr>
+              <a:t/>
+            </a:r>
+            <a:br>
+              <a:rPr lang="en-US" altLang="ko-KR" sz="1200" dirty="0" smtClean="0">
+                <a:solidFill>
+                  <a:schemeClr val="accent6"/>
+                </a:solidFill>
+              </a:rPr>
+            </a:br>
+            <a:r>
+              <a:rPr lang="en-US" altLang="ko-KR" dirty="0" smtClean="0"/>
+              <a:t>case </a:t>
+            </a:r>
+            <a:r>
+              <a:rPr lang="ko-KR" altLang="en-US" dirty="0" smtClean="0"/>
+              <a:t>상수 표현식</a:t>
+            </a:r>
+            <a:r>
+              <a:rPr lang="en-US" altLang="ko-KR" dirty="0" smtClean="0"/>
+              <a:t>1:</a:t>
+            </a:r>
+            <a:br>
+              <a:rPr lang="en-US" altLang="ko-KR" dirty="0" smtClean="0"/>
+            </a:br>
+            <a:r>
+              <a:rPr lang="en-US" altLang="ko-KR" dirty="0" smtClean="0"/>
+              <a:t>	// …</a:t>
+            </a:r>
+            <a:br>
+              <a:rPr lang="en-US" altLang="ko-KR" dirty="0" smtClean="0"/>
+            </a:br>
+            <a:r>
+              <a:rPr lang="en-US" altLang="ko-KR" dirty="0" smtClean="0"/>
+              <a:t>	</a:t>
+            </a:r>
+            <a:r>
+              <a:rPr lang="en-US" altLang="ko-KR" dirty="0" err="1" smtClean="0"/>
+              <a:t>fallthrough</a:t>
+            </a:r>
+            <a:r>
+              <a:rPr lang="en-US" altLang="ko-KR" dirty="0" smtClean="0"/>
+              <a:t>   </a:t>
+            </a:r>
+            <a:r>
+              <a:rPr lang="en-US" altLang="ko-KR" sz="1200" dirty="0" smtClean="0">
+                <a:solidFill>
+                  <a:schemeClr val="accent6"/>
+                </a:solidFill>
+              </a:rPr>
+              <a:t>// break</a:t>
+            </a:r>
+            <a:r>
+              <a:rPr lang="ko-KR" altLang="en-US" sz="1200" dirty="0" smtClean="0">
+                <a:solidFill>
+                  <a:schemeClr val="accent6"/>
+                </a:solidFill>
+              </a:rPr>
+              <a:t>를 </a:t>
+            </a:r>
+            <a:r>
+              <a:rPr lang="ko-KR" altLang="en-US" sz="1200" dirty="0" err="1" smtClean="0">
+                <a:solidFill>
+                  <a:schemeClr val="accent6"/>
+                </a:solidFill>
+              </a:rPr>
+              <a:t>생략한것과</a:t>
+            </a:r>
+            <a:r>
+              <a:rPr lang="ko-KR" altLang="en-US" sz="1200" dirty="0" smtClean="0">
+                <a:solidFill>
+                  <a:schemeClr val="accent6"/>
+                </a:solidFill>
+              </a:rPr>
+              <a:t> 같은 효과</a:t>
+            </a:r>
+            <a:r>
+              <a:rPr lang="en-US" altLang="ko-KR" sz="1200" dirty="0" smtClean="0">
+                <a:solidFill>
+                  <a:schemeClr val="accent6"/>
+                </a:solidFill>
+              </a:rPr>
+              <a:t/>
+            </a:r>
+            <a:br>
+              <a:rPr lang="en-US" altLang="ko-KR" sz="1200" dirty="0" smtClean="0">
+                <a:solidFill>
+                  <a:schemeClr val="accent6"/>
+                </a:solidFill>
+              </a:rPr>
+            </a:br>
+            <a:r>
+              <a:rPr lang="en-US" altLang="ko-KR" dirty="0" smtClean="0"/>
+              <a:t>case </a:t>
+            </a:r>
+            <a:r>
+              <a:rPr lang="ko-KR" altLang="en-US" dirty="0"/>
+              <a:t>상수 </a:t>
+            </a:r>
+            <a:r>
+              <a:rPr lang="ko-KR" altLang="en-US" dirty="0" smtClean="0"/>
+              <a:t>표현식</a:t>
+            </a:r>
+            <a:r>
+              <a:rPr lang="en-US" altLang="ko-KR" dirty="0" smtClean="0"/>
+              <a:t>2, </a:t>
+            </a:r>
+            <a:r>
+              <a:rPr lang="ko-KR" altLang="en-US" dirty="0"/>
+              <a:t>상수 </a:t>
+            </a:r>
+            <a:r>
+              <a:rPr lang="ko-KR" altLang="en-US" dirty="0" smtClean="0"/>
+              <a:t>표현식</a:t>
+            </a:r>
+            <a:r>
+              <a:rPr lang="en-US" altLang="ko-KR" dirty="0" smtClean="0"/>
+              <a:t>3:</a:t>
+            </a:r>
+            <a:r>
+              <a:rPr lang="en-US" altLang="ko-KR" dirty="0"/>
+              <a:t/>
+            </a:r>
+            <a:br>
+              <a:rPr lang="en-US" altLang="ko-KR" dirty="0"/>
+            </a:br>
+            <a:r>
+              <a:rPr lang="en-US" altLang="ko-KR" dirty="0" smtClean="0"/>
+              <a:t>	// …</a:t>
+            </a:r>
+            <a:br>
+              <a:rPr lang="en-US" altLang="ko-KR" dirty="0" smtClean="0"/>
+            </a:br>
+            <a:r>
+              <a:rPr lang="en-US" altLang="ko-KR" dirty="0" smtClean="0"/>
+              <a:t>default:</a:t>
+            </a:r>
+            <a:br>
+              <a:rPr lang="en-US" altLang="ko-KR" dirty="0" smtClean="0"/>
+            </a:br>
+            <a:r>
+              <a:rPr lang="en-US" altLang="ko-KR" dirty="0"/>
+              <a:t>	// </a:t>
+            </a:r>
+            <a:r>
+              <a:rPr lang="en-US" altLang="ko-KR" dirty="0" smtClean="0"/>
+              <a:t>…</a:t>
+            </a:r>
+            <a:br>
+              <a:rPr lang="en-US" altLang="ko-KR" dirty="0" smtClean="0"/>
+            </a:br>
+            <a:r>
+              <a:rPr lang="en-US" altLang="ko-KR" dirty="0" smtClean="0"/>
+              <a:t>}</a:t>
+            </a:r>
+            <a:endParaRPr lang="en-US" altLang="ko-KR" sz="1200" dirty="0" smtClean="0">
+              <a:solidFill>
+                <a:schemeClr val="accent6"/>
+              </a:solidFill>
+            </a:endParaRPr>
+          </a:p>
+          <a:p>
+            <a:pPr lvl="1"/>
+            <a:endParaRPr lang="en-US" altLang="ko-KR" sz="1200" dirty="0">
+              <a:solidFill>
+                <a:schemeClr val="accent6"/>
+              </a:solidFill>
+            </a:endParaRPr>
+          </a:p>
+          <a:p>
+            <a:pPr lvl="1"/>
+            <a:r>
+              <a:rPr lang="en-US" altLang="ko-KR" sz="1200" dirty="0" smtClean="0">
+                <a:solidFill>
+                  <a:schemeClr val="accent6"/>
+                </a:solidFill>
+              </a:rPr>
+              <a:t>break </a:t>
+            </a:r>
+            <a:r>
+              <a:rPr lang="ko-KR" altLang="en-US" sz="1200" dirty="0" smtClean="0">
+                <a:solidFill>
+                  <a:schemeClr val="accent6"/>
+                </a:solidFill>
+              </a:rPr>
+              <a:t>사용하지 않음</a:t>
+            </a:r>
+            <a:endParaRPr lang="en-US" altLang="ko-KR" sz="1200" dirty="0" smtClean="0">
+              <a:solidFill>
+                <a:schemeClr val="accent6"/>
+              </a:solidFill>
+            </a:endParaRPr>
+          </a:p>
+          <a:p>
+            <a:pPr lvl="1"/>
+            <a:r>
+              <a:rPr lang="en-US" altLang="ko-KR" sz="1200" dirty="0" smtClean="0">
+                <a:solidFill>
+                  <a:schemeClr val="accent6"/>
+                </a:solidFill>
+              </a:rPr>
+              <a:t>default</a:t>
+            </a:r>
+            <a:r>
+              <a:rPr lang="ko-KR" altLang="en-US" sz="1200" dirty="0" smtClean="0">
+                <a:solidFill>
+                  <a:schemeClr val="accent6"/>
+                </a:solidFill>
+              </a:rPr>
+              <a:t>는 항상 마지막 </a:t>
+            </a:r>
+            <a:r>
+              <a:rPr lang="en-US" altLang="ko-KR" sz="1200" dirty="0" smtClean="0">
+                <a:solidFill>
+                  <a:schemeClr val="accent6"/>
+                </a:solidFill>
+              </a:rPr>
+              <a:t>(</a:t>
+            </a:r>
+            <a:r>
+              <a:rPr lang="ko-KR" altLang="en-US" sz="1200" dirty="0" smtClean="0">
+                <a:solidFill>
+                  <a:schemeClr val="accent6"/>
+                </a:solidFill>
+              </a:rPr>
+              <a:t>필수</a:t>
+            </a:r>
+            <a:r>
+              <a:rPr lang="en-US" altLang="ko-KR" sz="1200" dirty="0" smtClean="0">
+                <a:solidFill>
+                  <a:schemeClr val="accent6"/>
+                </a:solidFill>
+              </a:rPr>
+              <a:t>)</a:t>
+            </a:r>
+            <a:endParaRPr lang="en-US" altLang="ko-KR" dirty="0" smtClean="0"/>
+          </a:p>
+        </p:txBody>
+      </p:sp>
+    </p:spTree>
+    <p:extLst>
+      <p:ext uri="{BB962C8B-B14F-4D97-AF65-F5344CB8AC3E}">
+        <p14:creationId xmlns:p14="http://schemas.microsoft.com/office/powerpoint/2010/main" val="2676136499"/>
+      </p:ext>
+    </p:extLst>
+  </p:cSld>
+  <p:clrMapOvr>
+    <a:masterClrMapping/>
+  </p:clrMapOvr>
+</p:sld>
+</file>
+
+<file path=ppt/slides/slide38.xml><?xml version="1.0" encoding="utf-8"?>
+<p:sld xmlns:a="http://schemas.openxmlformats.org/drawingml/2006/main" xmlns:r="http://schemas.openxmlformats.org/officeDocument/2006/relationships" xmlns:p="http://schemas.openxmlformats.org/presentationml/2006/main">
+  <p:cSld>
+    <p:spTree>
+      <p:nvGrpSpPr>
+        <p:cNvPr id="1" name=""/>
+        <p:cNvGrpSpPr/>
+        <p:nvPr/>
+      </p:nvGrpSpPr>
+      <p:grpSpPr>
+        <a:xfrm>
+          <a:off x="0" y="0"/>
+          <a:ext cx="0" cy="0"/>
+          <a:chOff x="0" y="0"/>
+          <a:chExt cx="0" cy="0"/>
+        </a:xfrm>
+      </p:grpSpPr>
+      <p:sp>
+        <p:nvSpPr>
+          <p:cNvPr id="2" name="제목 1"/>
+          <p:cNvSpPr>
+            <a:spLocks noGrp="1"/>
+          </p:cNvSpPr>
+          <p:nvPr>
+            <p:ph type="title"/>
+          </p:nvPr>
+        </p:nvSpPr>
+        <p:spPr/>
+        <p:txBody>
+          <a:bodyPr/>
+          <a:lstStyle/>
+          <a:p>
+            <a:r>
+              <a:rPr lang="ko-KR" altLang="en-US" dirty="0" err="1" smtClean="0"/>
+              <a:t>제어문</a:t>
+            </a:r>
+            <a:r>
+              <a:rPr lang="en-US" altLang="ko-KR" dirty="0" smtClean="0"/>
+              <a:t>: </a:t>
+            </a:r>
+            <a:r>
+              <a:rPr lang="ko-KR" altLang="en-US" dirty="0" err="1" smtClean="0"/>
+              <a:t>조건문</a:t>
+            </a:r>
+            <a:endParaRPr lang="ko-KR" altLang="en-US" dirty="0"/>
+          </a:p>
+        </p:txBody>
+      </p:sp>
+      <p:sp>
+        <p:nvSpPr>
+          <p:cNvPr id="3" name="내용 개체 틀 2"/>
+          <p:cNvSpPr>
+            <a:spLocks noGrp="1"/>
+          </p:cNvSpPr>
+          <p:nvPr>
+            <p:ph idx="1"/>
+          </p:nvPr>
+        </p:nvSpPr>
+        <p:spPr/>
+        <p:txBody>
+          <a:bodyPr/>
+          <a:lstStyle/>
+          <a:p>
+            <a:r>
+              <a:rPr lang="en-US" altLang="ko-KR" dirty="0" smtClean="0"/>
+              <a:t>switch </a:t>
+            </a:r>
+            <a:r>
+              <a:rPr lang="en-US" altLang="ko-KR" sz="1200" dirty="0" smtClean="0">
+                <a:solidFill>
+                  <a:schemeClr val="accent6"/>
+                </a:solidFill>
+              </a:rPr>
+              <a:t>(</a:t>
+            </a:r>
+            <a:r>
+              <a:rPr lang="ko-KR" altLang="en-US" sz="1200" dirty="0" smtClean="0">
+                <a:solidFill>
+                  <a:schemeClr val="accent6"/>
+                </a:solidFill>
+              </a:rPr>
+              <a:t>표현식 </a:t>
+            </a:r>
+            <a:r>
+              <a:rPr lang="ko-KR" altLang="en-US" sz="1200" dirty="0">
+                <a:solidFill>
+                  <a:schemeClr val="accent6"/>
+                </a:solidFill>
+              </a:rPr>
+              <a:t>결과가 </a:t>
+            </a:r>
+            <a:r>
+              <a:rPr lang="ko-KR" altLang="en-US" sz="1200" dirty="0" smtClean="0">
+                <a:solidFill>
+                  <a:schemeClr val="accent6"/>
+                </a:solidFill>
+              </a:rPr>
+              <a:t>상수 표현식과 같은 </a:t>
+            </a:r>
+            <a:r>
+              <a:rPr lang="en-US" altLang="ko-KR" sz="1200" dirty="0" smtClean="0">
+                <a:solidFill>
+                  <a:schemeClr val="accent6"/>
+                </a:solidFill>
+              </a:rPr>
+              <a:t>case </a:t>
+            </a:r>
+            <a:r>
+              <a:rPr lang="ko-KR" altLang="en-US" sz="1200" dirty="0" smtClean="0">
+                <a:solidFill>
+                  <a:schemeClr val="accent6"/>
+                </a:solidFill>
+              </a:rPr>
+              <a:t>블록 수행</a:t>
+            </a:r>
+            <a:r>
+              <a:rPr lang="en-US" altLang="ko-KR" sz="1200" dirty="0" smtClean="0">
+                <a:solidFill>
+                  <a:schemeClr val="accent6"/>
+                </a:solidFill>
+              </a:rPr>
+              <a:t>)</a:t>
+            </a:r>
+            <a:endParaRPr lang="en-US" altLang="ko-KR" sz="1200" dirty="0">
+              <a:solidFill>
+                <a:schemeClr val="accent6"/>
+              </a:solidFill>
+            </a:endParaRPr>
+          </a:p>
+        </p:txBody>
+      </p:sp>
+      <p:pic>
+        <p:nvPicPr>
+          <p:cNvPr id="4" name="그림 3"/>
+          <p:cNvPicPr>
+            <a:picLocks noChangeAspect="1"/>
+          </p:cNvPicPr>
+          <p:nvPr/>
+        </p:nvPicPr>
+        <p:blipFill>
+          <a:blip r:embed="rId2"/>
+          <a:stretch>
+            <a:fillRect/>
+          </a:stretch>
+        </p:blipFill>
+        <p:spPr>
+          <a:xfrm>
+            <a:off x="400050" y="1847850"/>
+            <a:ext cx="8743950" cy="5010150"/>
+          </a:xfrm>
+          <a:prstGeom prst="rect">
+            <a:avLst/>
+          </a:prstGeom>
+        </p:spPr>
+      </p:pic>
+    </p:spTree>
+    <p:extLst>
+      <p:ext uri="{BB962C8B-B14F-4D97-AF65-F5344CB8AC3E}">
+        <p14:creationId xmlns:p14="http://schemas.microsoft.com/office/powerpoint/2010/main" val="4087058970"/>
+      </p:ext>
+    </p:extLst>
+  </p:cSld>
+  <p:clrMapOvr>
+    <a:masterClrMapping/>
+  </p:clrMapOvr>
+</p:sld>
+</file>
+
+<file path=ppt/slides/slide39.xml><?xml version="1.0" encoding="utf-8"?>
+<p:sld xmlns:a="http://schemas.openxmlformats.org/drawingml/2006/main" xmlns:r="http://schemas.openxmlformats.org/officeDocument/2006/relationships" xmlns:p="http://schemas.openxmlformats.org/presentationml/2006/main">
+  <p:cSld>
+    <p:spTree>
+      <p:nvGrpSpPr>
+        <p:cNvPr id="1" name=""/>
+        <p:cNvGrpSpPr/>
+        <p:nvPr/>
+      </p:nvGrpSpPr>
+      <p:grpSpPr>
+        <a:xfrm>
+          <a:off x="0" y="0"/>
+          <a:ext cx="0" cy="0"/>
+          <a:chOff x="0" y="0"/>
+          <a:chExt cx="0" cy="0"/>
+        </a:xfrm>
+      </p:grpSpPr>
+      <p:sp>
+        <p:nvSpPr>
+          <p:cNvPr id="2" name="제목 1"/>
+          <p:cNvSpPr>
+            <a:spLocks noGrp="1"/>
+          </p:cNvSpPr>
+          <p:nvPr>
+            <p:ph type="title"/>
+          </p:nvPr>
+        </p:nvSpPr>
+        <p:spPr/>
+        <p:txBody>
+          <a:bodyPr/>
+          <a:lstStyle/>
+          <a:p>
+            <a:r>
+              <a:rPr lang="ko-KR" altLang="en-US" dirty="0" err="1" smtClean="0"/>
+              <a:t>제어문</a:t>
+            </a:r>
+            <a:r>
+              <a:rPr lang="en-US" altLang="ko-KR" dirty="0" smtClean="0"/>
+              <a:t>: </a:t>
+            </a:r>
+            <a:r>
+              <a:rPr lang="ko-KR" altLang="en-US" dirty="0" err="1" smtClean="0"/>
+              <a:t>조건문</a:t>
+            </a:r>
+            <a:endParaRPr lang="ko-KR" altLang="en-US" dirty="0"/>
+          </a:p>
+        </p:txBody>
+      </p:sp>
+      <p:sp>
+        <p:nvSpPr>
+          <p:cNvPr id="3" name="내용 개체 틀 2"/>
+          <p:cNvSpPr>
+            <a:spLocks noGrp="1"/>
+          </p:cNvSpPr>
+          <p:nvPr>
+            <p:ph idx="1"/>
+          </p:nvPr>
+        </p:nvSpPr>
+        <p:spPr/>
+        <p:txBody>
+          <a:bodyPr/>
+          <a:lstStyle/>
+          <a:p>
+            <a:r>
+              <a:rPr lang="en-US" altLang="ko-KR" dirty="0" smtClean="0"/>
+              <a:t>break </a:t>
+            </a:r>
+            <a:r>
+              <a:rPr lang="en-US" altLang="ko-KR" sz="1200" dirty="0" smtClean="0">
+                <a:solidFill>
+                  <a:schemeClr val="accent6"/>
+                </a:solidFill>
+              </a:rPr>
+              <a:t>(</a:t>
+            </a:r>
+            <a:r>
+              <a:rPr lang="ko-KR" altLang="en-US" sz="1200" dirty="0" smtClean="0">
+                <a:solidFill>
+                  <a:schemeClr val="accent6"/>
+                </a:solidFill>
+              </a:rPr>
+              <a:t>가장 인접한 </a:t>
+            </a:r>
+            <a:r>
+              <a:rPr lang="ko-KR" altLang="en-US" sz="1200" dirty="0" err="1" smtClean="0">
+                <a:solidFill>
+                  <a:schemeClr val="accent6"/>
+                </a:solidFill>
+              </a:rPr>
+              <a:t>반복문을</a:t>
+            </a:r>
+            <a:r>
+              <a:rPr lang="ko-KR" altLang="en-US" sz="1200" dirty="0" smtClean="0">
+                <a:solidFill>
+                  <a:schemeClr val="accent6"/>
+                </a:solidFill>
+              </a:rPr>
+              <a:t> 종료</a:t>
+            </a:r>
+            <a:r>
+              <a:rPr lang="en-US" altLang="ko-KR" sz="1200" dirty="0" smtClean="0">
+                <a:solidFill>
+                  <a:schemeClr val="accent6"/>
+                </a:solidFill>
+              </a:rPr>
+              <a:t>)</a:t>
+            </a:r>
+            <a:endParaRPr lang="en-US" altLang="ko-KR" sz="1200" dirty="0">
+              <a:solidFill>
+                <a:schemeClr val="accent6"/>
+              </a:solidFill>
+            </a:endParaRPr>
+          </a:p>
+          <a:p>
+            <a:pPr lvl="1"/>
+            <a:r>
+              <a:rPr lang="ko-KR" altLang="en-US" dirty="0" err="1" smtClean="0"/>
+              <a:t>반복문</a:t>
+            </a:r>
+            <a:r>
+              <a:rPr lang="en-US" altLang="ko-KR" dirty="0" smtClean="0"/>
+              <a:t>loop {</a:t>
+            </a:r>
+            <a:br>
+              <a:rPr lang="en-US" altLang="ko-KR" dirty="0" smtClean="0"/>
+            </a:br>
+            <a:r>
+              <a:rPr lang="en-US" altLang="ko-KR" dirty="0" smtClean="0"/>
+              <a:t>   break</a:t>
+            </a:r>
+            <a:br>
+              <a:rPr lang="en-US" altLang="ko-KR" dirty="0" smtClean="0"/>
+            </a:br>
+            <a:r>
+              <a:rPr lang="en-US" altLang="ko-KR" dirty="0" smtClean="0"/>
+              <a:t>}</a:t>
+            </a:r>
+          </a:p>
+          <a:p>
+            <a:pPr lvl="0">
+              <a:buClr>
+                <a:srgbClr val="D6ECFF"/>
+              </a:buClr>
+            </a:pPr>
+            <a:r>
+              <a:rPr lang="en-US" altLang="ko-KR" dirty="0" smtClean="0"/>
+              <a:t> continue </a:t>
+            </a:r>
+            <a:r>
+              <a:rPr lang="en-US" altLang="ko-KR" sz="1200" dirty="0">
+                <a:solidFill>
+                  <a:srgbClr val="1AB39F"/>
+                </a:solidFill>
+              </a:rPr>
+              <a:t>(</a:t>
+            </a:r>
+            <a:r>
+              <a:rPr lang="ko-KR" altLang="en-US" sz="1200" dirty="0">
+                <a:solidFill>
+                  <a:srgbClr val="1AB39F"/>
+                </a:solidFill>
+              </a:rPr>
+              <a:t>가장 인접한 </a:t>
+            </a:r>
+            <a:r>
+              <a:rPr lang="ko-KR" altLang="en-US" sz="1200" dirty="0" err="1" smtClean="0">
+                <a:solidFill>
+                  <a:srgbClr val="1AB39F"/>
+                </a:solidFill>
+              </a:rPr>
+              <a:t>반복문의</a:t>
+            </a:r>
+            <a:r>
+              <a:rPr lang="en-US" altLang="ko-KR" sz="1200" dirty="0" smtClean="0">
+                <a:solidFill>
+                  <a:srgbClr val="1AB39F"/>
+                </a:solidFill>
+              </a:rPr>
+              <a:t> </a:t>
+            </a:r>
+            <a:r>
+              <a:rPr lang="ko-KR" altLang="en-US" sz="1200" dirty="0" smtClean="0">
+                <a:solidFill>
+                  <a:srgbClr val="1AB39F"/>
+                </a:solidFill>
+              </a:rPr>
+              <a:t>다음 반복을 바로 수행</a:t>
+            </a:r>
+            <a:r>
+              <a:rPr lang="en-US" altLang="ko-KR" sz="1200" dirty="0" smtClean="0">
+                <a:solidFill>
+                  <a:srgbClr val="1AB39F"/>
+                </a:solidFill>
+              </a:rPr>
+              <a:t>)</a:t>
+            </a:r>
+            <a:endParaRPr lang="en-US" altLang="ko-KR" dirty="0" smtClean="0"/>
+          </a:p>
+          <a:p>
+            <a:pPr lvl="1"/>
+            <a:r>
+              <a:rPr lang="ko-KR" altLang="en-US" dirty="0" err="1" smtClean="0"/>
+              <a:t>반복문</a:t>
+            </a:r>
+            <a:r>
+              <a:rPr lang="en-US" altLang="ko-KR" dirty="0" smtClean="0"/>
+              <a:t>loop {</a:t>
+            </a:r>
+            <a:br>
+              <a:rPr lang="en-US" altLang="ko-KR" dirty="0" smtClean="0"/>
+            </a:br>
+            <a:r>
+              <a:rPr lang="en-US" altLang="ko-KR" dirty="0" smtClean="0"/>
+              <a:t>	continue</a:t>
+            </a:r>
+            <a:br>
+              <a:rPr lang="en-US" altLang="ko-KR" dirty="0" smtClean="0"/>
+            </a:br>
+            <a:r>
+              <a:rPr lang="en-US" altLang="ko-KR" dirty="0" smtClean="0"/>
+              <a:t>}</a:t>
+            </a:r>
+          </a:p>
+          <a:p>
+            <a:endParaRPr lang="en-US" altLang="ko-KR" sz="1200" dirty="0">
+              <a:solidFill>
+                <a:schemeClr val="accent6"/>
+              </a:solidFill>
+            </a:endParaRPr>
+          </a:p>
+        </p:txBody>
+      </p:sp>
+      <p:pic>
+        <p:nvPicPr>
+          <p:cNvPr id="5" name="그림 4"/>
+          <p:cNvPicPr>
+            <a:picLocks noChangeAspect="1"/>
+          </p:cNvPicPr>
+          <p:nvPr/>
+        </p:nvPicPr>
+        <p:blipFill>
+          <a:blip r:embed="rId2"/>
+          <a:stretch>
+            <a:fillRect/>
+          </a:stretch>
+        </p:blipFill>
+        <p:spPr>
+          <a:xfrm>
+            <a:off x="400050" y="3371850"/>
+            <a:ext cx="8743950" cy="3486150"/>
+          </a:xfrm>
+          <a:prstGeom prst="rect">
+            <a:avLst/>
+          </a:prstGeom>
+        </p:spPr>
+      </p:pic>
+    </p:spTree>
+    <p:extLst>
+      <p:ext uri="{BB962C8B-B14F-4D97-AF65-F5344CB8AC3E}">
+        <p14:creationId xmlns:p14="http://schemas.microsoft.com/office/powerpoint/2010/main" val="1375163570"/>
+      </p:ext>
+    </p:extLst>
+  </p:cSld>
+  <p:clrMapOvr>
+    <a:masterClrMapping/>
+  </p:clrMapOvr>
+</p:sld>
+</file>
+
 <file path=ppt/slides/slide4.xml><?xml version="1.0" encoding="utf-8"?>
 <p:sld xmlns:a="http://schemas.openxmlformats.org/drawingml/2006/main" xmlns:r="http://schemas.openxmlformats.org/officeDocument/2006/relationships" xmlns:p="http://schemas.openxmlformats.org/presentationml/2006/main">
   <p:cSld>
@@ -23226,6 +25783,248 @@
       </p:par>
     </p:tnLst>
   </p:timing>
+</p:sld>
+</file>
+
+<file path=ppt/slides/slide40.xml><?xml version="1.0" encoding="utf-8"?>
+<p:sld xmlns:a="http://schemas.openxmlformats.org/drawingml/2006/main" xmlns:r="http://schemas.openxmlformats.org/officeDocument/2006/relationships" xmlns:p="http://schemas.openxmlformats.org/presentationml/2006/main">
+  <p:cSld>
+    <p:spTree>
+      <p:nvGrpSpPr>
+        <p:cNvPr id="1" name=""/>
+        <p:cNvGrpSpPr/>
+        <p:nvPr/>
+      </p:nvGrpSpPr>
+      <p:grpSpPr>
+        <a:xfrm>
+          <a:off x="0" y="0"/>
+          <a:ext cx="0" cy="0"/>
+          <a:chOff x="0" y="0"/>
+          <a:chExt cx="0" cy="0"/>
+        </a:xfrm>
+      </p:grpSpPr>
+      <p:sp>
+        <p:nvSpPr>
+          <p:cNvPr id="2" name="제목 1"/>
+          <p:cNvSpPr>
+            <a:spLocks noGrp="1"/>
+          </p:cNvSpPr>
+          <p:nvPr>
+            <p:ph type="title"/>
+          </p:nvPr>
+        </p:nvSpPr>
+        <p:spPr/>
+        <p:txBody>
+          <a:bodyPr/>
+          <a:lstStyle/>
+          <a:p>
+            <a:r>
+              <a:rPr lang="ko-KR" altLang="en-US" dirty="0" err="1" smtClean="0"/>
+              <a:t>제어문</a:t>
+            </a:r>
+            <a:r>
+              <a:rPr lang="en-US" altLang="ko-KR" dirty="0" smtClean="0"/>
+              <a:t>: </a:t>
+            </a:r>
+            <a:r>
+              <a:rPr lang="ko-KR" altLang="en-US" dirty="0" err="1" smtClean="0"/>
+              <a:t>조건문</a:t>
+            </a:r>
+            <a:endParaRPr lang="ko-KR" altLang="en-US" dirty="0"/>
+          </a:p>
+        </p:txBody>
+      </p:sp>
+      <p:sp>
+        <p:nvSpPr>
+          <p:cNvPr id="3" name="내용 개체 틀 2"/>
+          <p:cNvSpPr>
+            <a:spLocks noGrp="1"/>
+          </p:cNvSpPr>
+          <p:nvPr>
+            <p:ph idx="1"/>
+          </p:nvPr>
+        </p:nvSpPr>
+        <p:spPr/>
+        <p:txBody>
+          <a:bodyPr/>
+          <a:lstStyle/>
+          <a:p>
+            <a:r>
+              <a:rPr lang="en-US" altLang="ko-KR" dirty="0" smtClean="0"/>
+              <a:t>Labeled Statements (Swift only) </a:t>
+            </a:r>
+            <a:r>
+              <a:rPr lang="en-US" altLang="ko-KR" sz="1200" dirty="0" smtClean="0">
+                <a:solidFill>
+                  <a:srgbClr val="1AB39F"/>
+                </a:solidFill>
+              </a:rPr>
+              <a:t>(for, switch loop</a:t>
+            </a:r>
+            <a:r>
+              <a:rPr lang="ko-KR" altLang="en-US" sz="1200" dirty="0" smtClean="0">
+                <a:solidFill>
+                  <a:srgbClr val="1AB39F"/>
+                </a:solidFill>
+              </a:rPr>
+              <a:t>에 이름을 지정</a:t>
+            </a:r>
+            <a:r>
+              <a:rPr lang="en-US" altLang="ko-KR" sz="1200" dirty="0" smtClean="0">
+                <a:solidFill>
+                  <a:srgbClr val="1AB39F"/>
+                </a:solidFill>
+              </a:rPr>
+              <a:t>)</a:t>
+            </a:r>
+            <a:endParaRPr lang="en-US" altLang="ko-KR" sz="1200" dirty="0">
+              <a:solidFill>
+                <a:schemeClr val="accent6"/>
+              </a:solidFill>
+            </a:endParaRPr>
+          </a:p>
+          <a:p>
+            <a:pPr lvl="1"/>
+            <a:r>
+              <a:rPr lang="ko-KR" altLang="en-US" dirty="0" err="1" smtClean="0"/>
+              <a:t>라벨명</a:t>
+            </a:r>
+            <a:r>
+              <a:rPr lang="en-US" altLang="ko-KR" dirty="0" smtClean="0"/>
+              <a:t>: for </a:t>
+            </a:r>
+            <a:r>
+              <a:rPr lang="en-US" altLang="ko-KR" dirty="0" err="1" smtClean="0"/>
+              <a:t>i</a:t>
+            </a:r>
+            <a:r>
+              <a:rPr lang="en-US" altLang="ko-KR" dirty="0" smtClean="0"/>
+              <a:t> in range {</a:t>
+            </a:r>
+            <a:br>
+              <a:rPr lang="en-US" altLang="ko-KR" dirty="0" smtClean="0"/>
+            </a:br>
+            <a:r>
+              <a:rPr lang="en-US" altLang="ko-KR" dirty="0" smtClean="0"/>
+              <a:t>	// …</a:t>
+            </a:r>
+            <a:br>
+              <a:rPr lang="en-US" altLang="ko-KR" dirty="0" smtClean="0"/>
+            </a:br>
+            <a:r>
+              <a:rPr lang="en-US" altLang="ko-KR" dirty="0" smtClean="0"/>
+              <a:t>}</a:t>
+            </a:r>
+          </a:p>
+          <a:p>
+            <a:pPr lvl="1"/>
+            <a:r>
+              <a:rPr lang="ko-KR" altLang="en-US" dirty="0" smtClean="0"/>
+              <a:t>사용 예</a:t>
+            </a:r>
+            <a:r>
+              <a:rPr lang="en-US" altLang="ko-KR" dirty="0" smtClean="0"/>
+              <a:t>) break </a:t>
+            </a:r>
+            <a:r>
+              <a:rPr lang="ko-KR" altLang="en-US" dirty="0" err="1" smtClean="0"/>
+              <a:t>라벨명</a:t>
+            </a:r>
+            <a:r>
+              <a:rPr lang="en-US" altLang="ko-KR" dirty="0" smtClean="0"/>
+              <a:t>, continue </a:t>
+            </a:r>
+            <a:r>
+              <a:rPr lang="ko-KR" altLang="en-US" dirty="0" err="1" smtClean="0"/>
+              <a:t>라벨명</a:t>
+            </a:r>
+            <a:r>
+              <a:rPr lang="ko-KR" altLang="en-US" dirty="0" smtClean="0"/>
+              <a:t> </a:t>
+            </a:r>
+            <a:r>
+              <a:rPr lang="en-US" altLang="ko-KR" sz="1200" dirty="0" smtClean="0">
+                <a:solidFill>
+                  <a:srgbClr val="1AB39F"/>
+                </a:solidFill>
+                <a:latin typeface="맑은 고딕" panose="020B0503020000020004" pitchFamily="50" charset="-127"/>
+              </a:rPr>
+              <a:t>(break, continue </a:t>
+            </a:r>
+            <a:r>
+              <a:rPr lang="ko-KR" altLang="en-US" sz="1200" dirty="0" smtClean="0">
+                <a:solidFill>
+                  <a:srgbClr val="1AB39F"/>
+                </a:solidFill>
+                <a:latin typeface="맑은 고딕" panose="020B0503020000020004" pitchFamily="50" charset="-127"/>
+              </a:rPr>
+              <a:t>할 </a:t>
+            </a:r>
+            <a:r>
+              <a:rPr lang="en-US" altLang="ko-KR" sz="1200" dirty="0" smtClean="0">
+                <a:solidFill>
+                  <a:srgbClr val="1AB39F"/>
+                </a:solidFill>
+                <a:latin typeface="맑은 고딕" panose="020B0503020000020004" pitchFamily="50" charset="-127"/>
+              </a:rPr>
+              <a:t>loop</a:t>
+            </a:r>
+            <a:r>
+              <a:rPr lang="ko-KR" altLang="en-US" sz="1200" dirty="0" smtClean="0">
+                <a:solidFill>
+                  <a:srgbClr val="1AB39F"/>
+                </a:solidFill>
+                <a:latin typeface="맑은 고딕" panose="020B0503020000020004" pitchFamily="50" charset="-127"/>
+              </a:rPr>
+              <a:t>를 지정</a:t>
+            </a:r>
+            <a:r>
+              <a:rPr lang="en-US" altLang="ko-KR" sz="1200" dirty="0" smtClean="0">
+                <a:solidFill>
+                  <a:srgbClr val="1AB39F"/>
+                </a:solidFill>
+                <a:latin typeface="맑은 고딕" panose="020B0503020000020004" pitchFamily="50" charset="-127"/>
+              </a:rPr>
+              <a:t>)</a:t>
+            </a:r>
+            <a:endParaRPr lang="en-US" altLang="ko-KR" dirty="0" smtClean="0"/>
+          </a:p>
+        </p:txBody>
+      </p:sp>
+      <p:pic>
+        <p:nvPicPr>
+          <p:cNvPr id="4" name="그림 3"/>
+          <p:cNvPicPr>
+            <a:picLocks noChangeAspect="1"/>
+          </p:cNvPicPr>
+          <p:nvPr/>
+        </p:nvPicPr>
+        <p:blipFill>
+          <a:blip r:embed="rId2"/>
+          <a:stretch>
+            <a:fillRect/>
+          </a:stretch>
+        </p:blipFill>
+        <p:spPr>
+          <a:xfrm>
+            <a:off x="400050" y="3933056"/>
+            <a:ext cx="8743950" cy="2800350"/>
+          </a:xfrm>
+          <a:prstGeom prst="rect">
+            <a:avLst/>
+          </a:prstGeom>
+        </p:spPr>
+      </p:pic>
+    </p:spTree>
+    <p:extLst>
+      <p:ext uri="{BB962C8B-B14F-4D97-AF65-F5344CB8AC3E}">
+        <p14:creationId xmlns:p14="http://schemas.microsoft.com/office/powerpoint/2010/main" val="3840696329"/>
+      </p:ext>
+    </p:extLst>
+  </p:cSld>
+  <p:clrMapOvr>
+    <a:masterClrMapping/>
+  </p:clrMapOvr>
 </p:sld>
 </file>
 
@@ -25160,14 +27959,14 @@
                 <a:gridCol w="1440160">
                   <a:extLst>
                     <a:ext uri="{9D8B030D-6E8A-4147-A177-3AD203B41FA5}">
-                      <a16:colId xmlns="" xmlns:a16="http://schemas.microsoft.com/office/drawing/2014/main" val="20000"/>
+                      <a16:colId xmlns:a16="http://schemas.microsoft.com/office/drawing/2014/main" val="20000"/>
                     </a:ext>
                   </a:extLst>
                 </a:gridCol>
                 <a:gridCol w="1440160">
                   <a:extLst>
                     <a:ext uri="{9D8B030D-6E8A-4147-A177-3AD203B41FA5}">
-                      <a16:colId xmlns="" xmlns:a16="http://schemas.microsoft.com/office/drawing/2014/main" val="20001"/>
+                      <a16:colId xmlns:a16="http://schemas.microsoft.com/office/drawing/2014/main" val="20001"/>
                     </a:ext>
                   </a:extLst>
                 </a:gridCol>
@@ -25221,7 +28020,7 @@
                 </a:tc>
                 <a:extLst>
                   <a:ext uri="{0D108BD9-81ED-4DB2-BD59-A6C34878D82A}">
-                    <a16:rowId xmlns="" xmlns:a16="http://schemas.microsoft.com/office/drawing/2014/main" val="10000"/>
+                    <a16:rowId xmlns:a16="http://schemas.microsoft.com/office/drawing/2014/main" val="10000"/>
                   </a:ext>
                 </a:extLst>
               </a:tr>
@@ -25296,7 +28095,7 @@
                 </a:tc>
                 <a:extLst>
                   <a:ext uri="{0D108BD9-81ED-4DB2-BD59-A6C34878D82A}">
-                    <a16:rowId xmlns="" xmlns:a16="http://schemas.microsoft.com/office/drawing/2014/main" val="10001"/>
+                    <a16:rowId xmlns:a16="http://schemas.microsoft.com/office/drawing/2014/main" val="10001"/>
                   </a:ext>
                 </a:extLst>
               </a:tr>
@@ -25371,7 +28170,7 @@
                 </a:tc>
                 <a:extLst>
                   <a:ext uri="{0D108BD9-81ED-4DB2-BD59-A6C34878D82A}">
-                    <a16:rowId xmlns="" xmlns:a16="http://schemas.microsoft.com/office/drawing/2014/main" val="10002"/>
+                    <a16:rowId xmlns:a16="http://schemas.microsoft.com/office/drawing/2014/main" val="10002"/>
                   </a:ext>
                 </a:extLst>
               </a:tr>
@@ -25446,7 +28245,7 @@
                 </a:tc>
                 <a:extLst>
                   <a:ext uri="{0D108BD9-81ED-4DB2-BD59-A6C34878D82A}">
-                    <a16:rowId xmlns="" xmlns:a16="http://schemas.microsoft.com/office/drawing/2014/main" val="10003"/>
+                    <a16:rowId xmlns:a16="http://schemas.microsoft.com/office/drawing/2014/main" val="10003"/>
                   </a:ext>
                 </a:extLst>
               </a:tr>
@@ -25521,7 +28320,7 @@
                 </a:tc>
                 <a:extLst>
                   <a:ext uri="{0D108BD9-81ED-4DB2-BD59-A6C34878D82A}">
-                    <a16:rowId xmlns="" xmlns:a16="http://schemas.microsoft.com/office/drawing/2014/main" val="10004"/>
+                    <a16:rowId xmlns:a16="http://schemas.microsoft.com/office/drawing/2014/main" val="10004"/>
                   </a:ext>
                 </a:extLst>
               </a:tr>
@@ -25947,14 +28746,14 @@
                 <a:gridCol w="1440160">
                   <a:extLst>
                     <a:ext uri="{9D8B030D-6E8A-4147-A177-3AD203B41FA5}">
-                      <a16:colId xmlns="" xmlns:a16="http://schemas.microsoft.com/office/drawing/2014/main" val="20000"/>
+                      <a16:colId xmlns:a16="http://schemas.microsoft.com/office/drawing/2014/main" val="20000"/>
                     </a:ext>
                   </a:extLst>
                 </a:gridCol>
                 <a:gridCol w="1440160">
                   <a:extLst>
                     <a:ext uri="{9D8B030D-6E8A-4147-A177-3AD203B41FA5}">
-                      <a16:colId xmlns="" xmlns:a16="http://schemas.microsoft.com/office/drawing/2014/main" val="20001"/>
+                      <a16:colId xmlns:a16="http://schemas.microsoft.com/office/drawing/2014/main" val="20001"/>
                     </a:ext>
                   </a:extLst>
                 </a:gridCol>
@@ -26008,7 +28807,7 @@
                 </a:tc>
                 <a:extLst>
                   <a:ext uri="{0D108BD9-81ED-4DB2-BD59-A6C34878D82A}">
-                    <a16:rowId xmlns="" xmlns:a16="http://schemas.microsoft.com/office/drawing/2014/main" val="10000"/>
+                    <a16:rowId xmlns:a16="http://schemas.microsoft.com/office/drawing/2014/main" val="10000"/>
                   </a:ext>
                 </a:extLst>
               </a:tr>
@@ -26073,7 +28872,7 @@
                 </a:tc>
                 <a:extLst>
                   <a:ext uri="{0D108BD9-81ED-4DB2-BD59-A6C34878D82A}">
-                    <a16:rowId xmlns="" xmlns:a16="http://schemas.microsoft.com/office/drawing/2014/main" val="10001"/>
+                    <a16:rowId xmlns:a16="http://schemas.microsoft.com/office/drawing/2014/main" val="10001"/>
                   </a:ext>
                 </a:extLst>
               </a:tr>
@@ -26138,7 +28937,7 @@
                 </a:tc>
                 <a:extLst>
                   <a:ext uri="{0D108BD9-81ED-4DB2-BD59-A6C34878D82A}">
-                    <a16:rowId xmlns="" xmlns:a16="http://schemas.microsoft.com/office/drawing/2014/main" val="10002"/>
+                    <a16:rowId xmlns:a16="http://schemas.microsoft.com/office/drawing/2014/main" val="10002"/>
                   </a:ext>
                 </a:extLst>
               </a:tr>

--- a/Swift세미나자료.pptx
+++ b/Swift세미나자료.pptx
@@ -45,6 +45,11 @@
     <p:sldId id="297" r:id="rId39"/>
     <p:sldId id="295" r:id="rId40"/>
     <p:sldId id="298" r:id="rId41"/>
+    <p:sldId id="299" r:id="rId42"/>
+    <p:sldId id="301" r:id="rId43"/>
+    <p:sldId id="302" r:id="rId44"/>
+    <p:sldId id="303" r:id="rId45"/>
+    <p:sldId id="304" r:id="rId46"/>
   </p:sldIdLst>
   <p:sldSz cx="9144000" cy="6858000" type="screen4x3"/>
   <p:notesSz cx="6858000" cy="9144000"/>
@@ -145,7 +150,7 @@
   </p:defaultTextStyle>
   <p:extLst>
     <p:ext uri="{EFAFB233-063F-42B5-8137-9DF3F51BA10A}">
-      <p15:sldGuideLst xmlns:p15="http://schemas.microsoft.com/office/powerpoint/2012/main">
+      <p15:sldGuideLst xmlns:p15="http://schemas.microsoft.com/office/powerpoint/2012/main" xmlns="">
         <p15:guide id="1" orient="horz" pos="2160">
           <p15:clr>
             <a:srgbClr val="A4A3A4"/>
@@ -196,7 +201,7 @@
           <a:p>
             <a:fld id="{7BD332C6-334E-4F1C-B658-24FEC90472A2}" type="datetimeFigureOut">
               <a:rPr lang="ko-KR" altLang="en-US" smtClean="0"/>
-              <a:t>2017-01-18</a:t>
+              <a:t>2017-01-19</a:t>
             </a:fld>
             <a:endParaRPr lang="ko-KR" altLang="en-US"/>
           </a:p>
@@ -892,7 +897,7 @@
           <a:p>
             <a:fld id="{7BD332C6-334E-4F1C-B658-24FEC90472A2}" type="datetimeFigureOut">
               <a:rPr lang="ko-KR" altLang="en-US" smtClean="0"/>
-              <a:t>2017-01-18</a:t>
+              <a:t>2017-01-19</a:t>
             </a:fld>
             <a:endParaRPr lang="ko-KR" altLang="en-US"/>
           </a:p>
@@ -1067,7 +1072,7 @@
           <a:p>
             <a:fld id="{7BD332C6-334E-4F1C-B658-24FEC90472A2}" type="datetimeFigureOut">
               <a:rPr lang="ko-KR" altLang="en-US" smtClean="0"/>
-              <a:t>2017-01-18</a:t>
+              <a:t>2017-01-19</a:t>
             </a:fld>
             <a:endParaRPr lang="ko-KR" altLang="en-US"/>
           </a:p>
@@ -1253,7 +1258,7 @@
           <a:p>
             <a:fld id="{7BD332C6-334E-4F1C-B658-24FEC90472A2}" type="datetimeFigureOut">
               <a:rPr lang="ko-KR" altLang="en-US" smtClean="0"/>
-              <a:t>2017-01-18</a:t>
+              <a:t>2017-01-19</a:t>
             </a:fld>
             <a:endParaRPr lang="ko-KR" altLang="en-US"/>
           </a:p>
@@ -2707,7 +2712,7 @@
           <a:p>
             <a:fld id="{7BD332C6-334E-4F1C-B658-24FEC90472A2}" type="datetimeFigureOut">
               <a:rPr lang="ko-KR" altLang="en-US" smtClean="0"/>
-              <a:t>2017-01-18</a:t>
+              <a:t>2017-01-19</a:t>
             </a:fld>
             <a:endParaRPr lang="ko-KR" altLang="en-US"/>
           </a:p>
@@ -3294,7 +3299,7 @@
           <a:p>
             <a:fld id="{7BD332C6-334E-4F1C-B658-24FEC90472A2}" type="datetimeFigureOut">
               <a:rPr lang="ko-KR" altLang="en-US" smtClean="0"/>
-              <a:t>2017-01-18</a:t>
+              <a:t>2017-01-19</a:t>
             </a:fld>
             <a:endParaRPr lang="ko-KR" altLang="en-US"/>
           </a:p>
@@ -3730,7 +3735,7 @@
           <a:p>
             <a:fld id="{7BD332C6-334E-4F1C-B658-24FEC90472A2}" type="datetimeFigureOut">
               <a:rPr lang="ko-KR" altLang="en-US" smtClean="0"/>
-              <a:t>2017-01-18</a:t>
+              <a:t>2017-01-19</a:t>
             </a:fld>
             <a:endParaRPr lang="ko-KR" altLang="en-US"/>
           </a:p>
@@ -4274,7 +4279,7 @@
           <a:p>
             <a:fld id="{7BD332C6-334E-4F1C-B658-24FEC90472A2}" type="datetimeFigureOut">
               <a:rPr lang="ko-KR" altLang="en-US" smtClean="0"/>
-              <a:t>2017-01-18</a:t>
+              <a:t>2017-01-19</a:t>
             </a:fld>
             <a:endParaRPr lang="ko-KR" altLang="en-US"/>
           </a:p>
@@ -4371,7 +4376,7 @@
           <a:p>
             <a:fld id="{7BD332C6-334E-4F1C-B658-24FEC90472A2}" type="datetimeFigureOut">
               <a:rPr lang="ko-KR" altLang="en-US" smtClean="0"/>
-              <a:t>2017-01-18</a:t>
+              <a:t>2017-01-19</a:t>
             </a:fld>
             <a:endParaRPr lang="ko-KR" altLang="en-US"/>
           </a:p>
@@ -4626,7 +4631,7 @@
           <a:p>
             <a:fld id="{7BD332C6-334E-4F1C-B658-24FEC90472A2}" type="datetimeFigureOut">
               <a:rPr lang="ko-KR" altLang="en-US" smtClean="0"/>
-              <a:t>2017-01-18</a:t>
+              <a:t>2017-01-19</a:t>
             </a:fld>
             <a:endParaRPr lang="ko-KR" altLang="en-US"/>
           </a:p>
@@ -5346,7 +5351,7 @@
           <a:p>
             <a:fld id="{7BD332C6-334E-4F1C-B658-24FEC90472A2}" type="datetimeFigureOut">
               <a:rPr lang="ko-KR" altLang="en-US" smtClean="0"/>
-              <a:t>2017-01-18</a:t>
+              <a:t>2017-01-19</a:t>
             </a:fld>
             <a:endParaRPr lang="ko-KR" altLang="en-US"/>
           </a:p>
@@ -5993,7 +5998,7 @@
           <a:p>
             <a:fld id="{7BD332C6-334E-4F1C-B658-24FEC90472A2}" type="datetimeFigureOut">
               <a:rPr lang="ko-KR" altLang="en-US" smtClean="0"/>
-              <a:t>2017-01-18</a:t>
+              <a:t>2017-01-19</a:t>
             </a:fld>
             <a:endParaRPr lang="ko-KR" altLang="en-US"/>
           </a:p>
@@ -6627,14 +6632,14 @@
                 <a:gridCol w="1440160">
                   <a:extLst>
                     <a:ext uri="{9D8B030D-6E8A-4147-A177-3AD203B41FA5}">
-                      <a16:colId xmlns:a16="http://schemas.microsoft.com/office/drawing/2014/main" val="20000"/>
+                      <a16:colId xmlns:a16="http://schemas.microsoft.com/office/drawing/2014/main" xmlns="" val="20000"/>
                     </a:ext>
                   </a:extLst>
                 </a:gridCol>
                 <a:gridCol w="1440160">
                   <a:extLst>
                     <a:ext uri="{9D8B030D-6E8A-4147-A177-3AD203B41FA5}">
-                      <a16:colId xmlns:a16="http://schemas.microsoft.com/office/drawing/2014/main" val="20001"/>
+                      <a16:colId xmlns:a16="http://schemas.microsoft.com/office/drawing/2014/main" xmlns="" val="20001"/>
                     </a:ext>
                   </a:extLst>
                 </a:gridCol>
@@ -6688,7 +6693,7 @@
                 </a:tc>
                 <a:extLst>
                   <a:ext uri="{0D108BD9-81ED-4DB2-BD59-A6C34878D82A}">
-                    <a16:rowId xmlns:a16="http://schemas.microsoft.com/office/drawing/2014/main" val="10000"/>
+                    <a16:rowId xmlns:a16="http://schemas.microsoft.com/office/drawing/2014/main" xmlns="" val="10000"/>
                   </a:ext>
                 </a:extLst>
               </a:tr>
@@ -6753,7 +6758,7 @@
                 </a:tc>
                 <a:extLst>
                   <a:ext uri="{0D108BD9-81ED-4DB2-BD59-A6C34878D82A}">
-                    <a16:rowId xmlns:a16="http://schemas.microsoft.com/office/drawing/2014/main" val="10001"/>
+                    <a16:rowId xmlns:a16="http://schemas.microsoft.com/office/drawing/2014/main" xmlns="" val="10001"/>
                   </a:ext>
                 </a:extLst>
               </a:tr>
@@ -6843,16 +6848,10 @@
           <a:lstStyle/>
           <a:p>
             <a:r>
-              <a:rPr lang="en-US" altLang="ko-KR" sz="2000" dirty="0" err="1" smtClean="0">
-                <a:latin typeface="+mn-ea"/>
-              </a:rPr>
-              <a:t>var</a:t>
-            </a:r>
-            <a:r>
               <a:rPr lang="en-US" altLang="ko-KR" sz="2000" dirty="0" smtClean="0">
                 <a:latin typeface="+mn-ea"/>
               </a:rPr>
-              <a:t> a: Bool = true</a:t>
+              <a:t>var a: Bool = true</a:t>
             </a:r>
             <a:endParaRPr lang="ko-KR" altLang="en-US" sz="2000" dirty="0">
               <a:latin typeface="+mn-ea"/>
@@ -7061,14 +7060,14 @@
                 <a:gridCol w="1980220">
                   <a:extLst>
                     <a:ext uri="{9D8B030D-6E8A-4147-A177-3AD203B41FA5}">
-                      <a16:colId xmlns:a16="http://schemas.microsoft.com/office/drawing/2014/main" val="20000"/>
+                      <a16:colId xmlns:a16="http://schemas.microsoft.com/office/drawing/2014/main" xmlns="" val="20000"/>
                     </a:ext>
                   </a:extLst>
                 </a:gridCol>
                 <a:gridCol w="1980220">
                   <a:extLst>
                     <a:ext uri="{9D8B030D-6E8A-4147-A177-3AD203B41FA5}">
-                      <a16:colId xmlns:a16="http://schemas.microsoft.com/office/drawing/2014/main" val="20001"/>
+                      <a16:colId xmlns:a16="http://schemas.microsoft.com/office/drawing/2014/main" xmlns="" val="20001"/>
                     </a:ext>
                   </a:extLst>
                 </a:gridCol>
@@ -7144,7 +7143,7 @@
                 </a:tc>
                 <a:extLst>
                   <a:ext uri="{0D108BD9-81ED-4DB2-BD59-A6C34878D82A}">
-                    <a16:rowId xmlns:a16="http://schemas.microsoft.com/office/drawing/2014/main" val="10000"/>
+                    <a16:rowId xmlns:a16="http://schemas.microsoft.com/office/drawing/2014/main" xmlns="" val="10000"/>
                   </a:ext>
                 </a:extLst>
               </a:tr>
@@ -7209,7 +7208,7 @@
                 </a:tc>
                 <a:extLst>
                   <a:ext uri="{0D108BD9-81ED-4DB2-BD59-A6C34878D82A}">
-                    <a16:rowId xmlns:a16="http://schemas.microsoft.com/office/drawing/2014/main" val="10001"/>
+                    <a16:rowId xmlns:a16="http://schemas.microsoft.com/office/drawing/2014/main" xmlns="" val="10001"/>
                   </a:ext>
                 </a:extLst>
               </a:tr>
@@ -7245,16 +7244,10 @@
               </a:lnSpc>
             </a:pPr>
             <a:r>
-              <a:rPr lang="en-US" altLang="ko-KR" sz="2000" dirty="0" err="1" smtClean="0">
-                <a:latin typeface="+mn-ea"/>
-              </a:rPr>
-              <a:t>var</a:t>
-            </a:r>
-            <a:r>
               <a:rPr lang="en-US" altLang="ko-KR" sz="2000" dirty="0" smtClean="0">
                 <a:latin typeface="+mn-ea"/>
               </a:rPr>
-              <a:t> a: character = “c”</a:t>
+              <a:t>var a: character = “c”</a:t>
             </a:r>
           </a:p>
           <a:p>
@@ -7264,16 +7257,10 @@
               </a:lnSpc>
             </a:pPr>
             <a:r>
-              <a:rPr lang="en-US" altLang="ko-KR" sz="2000" dirty="0" err="1" smtClean="0">
-                <a:latin typeface="+mn-ea"/>
-              </a:rPr>
-              <a:t>var</a:t>
-            </a:r>
-            <a:r>
               <a:rPr lang="en-US" altLang="ko-KR" sz="2000" dirty="0" smtClean="0">
                 <a:latin typeface="+mn-ea"/>
               </a:rPr>
-              <a:t> </a:t>
+              <a:t>var </a:t>
             </a:r>
             <a:r>
               <a:rPr lang="en-US" altLang="ko-KR" sz="2000" dirty="0" err="1" smtClean="0">
@@ -7295,16 +7282,10 @@
               </a:lnSpc>
             </a:pPr>
             <a:r>
-              <a:rPr lang="en-US" altLang="ko-KR" sz="2000" dirty="0" err="1" smtClean="0">
-                <a:latin typeface="+mn-ea"/>
-              </a:rPr>
-              <a:t>var</a:t>
-            </a:r>
-            <a:r>
               <a:rPr lang="en-US" altLang="ko-KR" sz="2000" dirty="0" smtClean="0">
                 <a:latin typeface="+mn-ea"/>
               </a:rPr>
-              <a:t> </a:t>
+              <a:t>var </a:t>
             </a:r>
             <a:r>
               <a:rPr lang="en-US" altLang="ko-KR" sz="2000" dirty="0" err="1" smtClean="0">
@@ -7489,7 +7470,7 @@
           <a:graphicData uri="http://schemas.openxmlformats.org/presentationml/2006/ole">
             <mc:AlternateContent xmlns:mc="http://schemas.openxmlformats.org/markup-compatibility/2006">
               <mc:Choice xmlns:v="urn:schemas-microsoft-com:vml" Requires="v">
-                <p:oleObj spid="_x0000_s1078" name="포장기 셸 개체" showAsIcon="1" r:id="rId3" imgW="1154880" imgH="604800" progId="Package">
+                <p:oleObj spid="_x0000_s1085" name="포장기 셸 개체" showAsIcon="1" r:id="rId3" imgW="1154880" imgH="604800" progId="Package">
                   <p:embed/>
                 </p:oleObj>
               </mc:Choice>
@@ -8092,7 +8073,7 @@
           <a:graphicData uri="http://schemas.openxmlformats.org/presentationml/2006/ole">
             <mc:AlternateContent xmlns:mc="http://schemas.openxmlformats.org/markup-compatibility/2006">
               <mc:Choice xmlns:v="urn:schemas-microsoft-com:vml" Requires="v">
-                <p:oleObj spid="_x0000_s2102" name="포장기 셸 개체" showAsIcon="1" r:id="rId3" imgW="1154880" imgH="604800" progId="Package">
+                <p:oleObj spid="_x0000_s2109" name="포장기 셸 개체" showAsIcon="1" r:id="rId3" imgW="1154880" imgH="604800" progId="Package">
                   <p:embed/>
                 </p:oleObj>
               </mc:Choice>
@@ -8230,16 +8211,12 @@
           <a:p>
             <a:pPr lvl="2"/>
             <a:r>
-              <a:rPr lang="en-US" altLang="ko-KR" dirty="0" err="1"/>
+              <a:rPr lang="en-US" altLang="ko-KR" dirty="0"/>
               <a:t>v</a:t>
             </a:r>
             <a:r>
-              <a:rPr lang="en-US" altLang="ko-KR" dirty="0" err="1" smtClean="0"/>
-              <a:t>ar</a:t>
-            </a:r>
-            <a:r>
               <a:rPr lang="en-US" altLang="ko-KR" dirty="0" smtClean="0"/>
-              <a:t> name: String</a:t>
+              <a:t>ar name: String</a:t>
             </a:r>
             <a:r>
               <a:rPr lang="en-US" altLang="ko-KR" dirty="0" smtClean="0">
@@ -8489,12 +8466,8 @@
           <a:p>
             <a:pPr lvl="2"/>
             <a:r>
-              <a:rPr lang="en-US" altLang="ko-KR" dirty="0" err="1" smtClean="0"/>
-              <a:t>var</a:t>
-            </a:r>
-            <a:r>
               <a:rPr lang="en-US" altLang="ko-KR" dirty="0" smtClean="0"/>
-              <a:t>  name: String! = “Swift”</a:t>
+              <a:t>var  name: String! = “Swift”</a:t>
             </a:r>
           </a:p>
           <a:p>
@@ -9080,7 +9053,7 @@
           <a:graphicData uri="http://schemas.openxmlformats.org/presentationml/2006/ole">
             <mc:AlternateContent xmlns:mc="http://schemas.openxmlformats.org/markup-compatibility/2006">
               <mc:Choice xmlns:v="urn:schemas-microsoft-com:vml" Requires="v">
-                <p:oleObj spid="_x0000_s3125" name="포장기 셸 개체" showAsIcon="1" r:id="rId3" imgW="1154880" imgH="604800" progId="Package">
+                <p:oleObj spid="_x0000_s3132" name="포장기 셸 개체" showAsIcon="1" r:id="rId3" imgW="1154880" imgH="604800" progId="Package">
                   <p:embed/>
                 </p:oleObj>
               </mc:Choice>
@@ -13837,28 +13810,28 @@
                 <a:gridCol w="936104">
                   <a:extLst>
                     <a:ext uri="{9D8B030D-6E8A-4147-A177-3AD203B41FA5}">
-                      <a16:colId xmlns:a16="http://schemas.microsoft.com/office/drawing/2014/main" val="20000"/>
+                      <a16:colId xmlns:a16="http://schemas.microsoft.com/office/drawing/2014/main" xmlns="" val="20000"/>
                     </a:ext>
                   </a:extLst>
                 </a:gridCol>
                 <a:gridCol w="1512168">
                   <a:extLst>
                     <a:ext uri="{9D8B030D-6E8A-4147-A177-3AD203B41FA5}">
-                      <a16:colId xmlns:a16="http://schemas.microsoft.com/office/drawing/2014/main" val="20001"/>
+                      <a16:colId xmlns:a16="http://schemas.microsoft.com/office/drawing/2014/main" xmlns="" val="20001"/>
                     </a:ext>
                   </a:extLst>
                 </a:gridCol>
                 <a:gridCol w="4968552">
                   <a:extLst>
                     <a:ext uri="{9D8B030D-6E8A-4147-A177-3AD203B41FA5}">
-                      <a16:colId xmlns:a16="http://schemas.microsoft.com/office/drawing/2014/main" val="20002"/>
+                      <a16:colId xmlns:a16="http://schemas.microsoft.com/office/drawing/2014/main" xmlns="" val="20002"/>
                     </a:ext>
                   </a:extLst>
                 </a:gridCol>
                 <a:gridCol w="1008112">
                   <a:extLst>
                     <a:ext uri="{9D8B030D-6E8A-4147-A177-3AD203B41FA5}">
-                      <a16:colId xmlns:a16="http://schemas.microsoft.com/office/drawing/2014/main" val="20003"/>
+                      <a16:colId xmlns:a16="http://schemas.microsoft.com/office/drawing/2014/main" xmlns="" val="20003"/>
                     </a:ext>
                   </a:extLst>
                 </a:gridCol>
@@ -13938,7 +13911,7 @@
                 </a:tc>
                 <a:extLst>
                   <a:ext uri="{0D108BD9-81ED-4DB2-BD59-A6C34878D82A}">
-                    <a16:rowId xmlns:a16="http://schemas.microsoft.com/office/drawing/2014/main" val="10000"/>
+                    <a16:rowId xmlns:a16="http://schemas.microsoft.com/office/drawing/2014/main" xmlns="" val="10000"/>
                   </a:ext>
                 </a:extLst>
               </a:tr>
@@ -14176,7 +14149,7 @@
                 </a:tc>
                 <a:extLst>
                   <a:ext uri="{0D108BD9-81ED-4DB2-BD59-A6C34878D82A}">
-                    <a16:rowId xmlns:a16="http://schemas.microsoft.com/office/drawing/2014/main" val="10001"/>
+                    <a16:rowId xmlns:a16="http://schemas.microsoft.com/office/drawing/2014/main" xmlns="" val="10001"/>
                   </a:ext>
                 </a:extLst>
               </a:tr>
@@ -14430,7 +14403,7 @@
                 </a:tc>
                 <a:extLst>
                   <a:ext uri="{0D108BD9-81ED-4DB2-BD59-A6C34878D82A}">
-                    <a16:rowId xmlns:a16="http://schemas.microsoft.com/office/drawing/2014/main" val="10002"/>
+                    <a16:rowId xmlns:a16="http://schemas.microsoft.com/office/drawing/2014/main" xmlns="" val="10002"/>
                   </a:ext>
                 </a:extLst>
               </a:tr>
@@ -15000,28 +14973,28 @@
                 <a:gridCol w="936104">
                   <a:extLst>
                     <a:ext uri="{9D8B030D-6E8A-4147-A177-3AD203B41FA5}">
-                      <a16:colId xmlns:a16="http://schemas.microsoft.com/office/drawing/2014/main" val="20000"/>
+                      <a16:colId xmlns:a16="http://schemas.microsoft.com/office/drawing/2014/main" xmlns="" val="20000"/>
                     </a:ext>
                   </a:extLst>
                 </a:gridCol>
                 <a:gridCol w="1512168">
                   <a:extLst>
                     <a:ext uri="{9D8B030D-6E8A-4147-A177-3AD203B41FA5}">
-                      <a16:colId xmlns:a16="http://schemas.microsoft.com/office/drawing/2014/main" val="20001"/>
+                      <a16:colId xmlns:a16="http://schemas.microsoft.com/office/drawing/2014/main" xmlns="" val="20001"/>
                     </a:ext>
                   </a:extLst>
                 </a:gridCol>
                 <a:gridCol w="4968552">
                   <a:extLst>
                     <a:ext uri="{9D8B030D-6E8A-4147-A177-3AD203B41FA5}">
-                      <a16:colId xmlns:a16="http://schemas.microsoft.com/office/drawing/2014/main" val="20002"/>
+                      <a16:colId xmlns:a16="http://schemas.microsoft.com/office/drawing/2014/main" xmlns="" val="20002"/>
                     </a:ext>
                   </a:extLst>
                 </a:gridCol>
                 <a:gridCol w="1008112">
                   <a:extLst>
                     <a:ext uri="{9D8B030D-6E8A-4147-A177-3AD203B41FA5}">
-                      <a16:colId xmlns:a16="http://schemas.microsoft.com/office/drawing/2014/main" val="20003"/>
+                      <a16:colId xmlns:a16="http://schemas.microsoft.com/office/drawing/2014/main" xmlns="" val="20003"/>
                     </a:ext>
                   </a:extLst>
                 </a:gridCol>
@@ -15101,7 +15074,7 @@
                 </a:tc>
                 <a:extLst>
                   <a:ext uri="{0D108BD9-81ED-4DB2-BD59-A6C34878D82A}">
-                    <a16:rowId xmlns:a16="http://schemas.microsoft.com/office/drawing/2014/main" val="10000"/>
+                    <a16:rowId xmlns:a16="http://schemas.microsoft.com/office/drawing/2014/main" xmlns="" val="10000"/>
                   </a:ext>
                 </a:extLst>
               </a:tr>
@@ -15365,7 +15338,7 @@
                 </a:tc>
                 <a:extLst>
                   <a:ext uri="{0D108BD9-81ED-4DB2-BD59-A6C34878D82A}">
-                    <a16:rowId xmlns:a16="http://schemas.microsoft.com/office/drawing/2014/main" val="10001"/>
+                    <a16:rowId xmlns:a16="http://schemas.microsoft.com/office/drawing/2014/main" xmlns="" val="10001"/>
                   </a:ext>
                 </a:extLst>
               </a:tr>
@@ -15658,7 +15631,7 @@
                 </a:tc>
                 <a:extLst>
                   <a:ext uri="{0D108BD9-81ED-4DB2-BD59-A6C34878D82A}">
-                    <a16:rowId xmlns:a16="http://schemas.microsoft.com/office/drawing/2014/main" val="10002"/>
+                    <a16:rowId xmlns:a16="http://schemas.microsoft.com/office/drawing/2014/main" xmlns="" val="10002"/>
                   </a:ext>
                 </a:extLst>
               </a:tr>
@@ -15873,7 +15846,7 @@
                 </a:tc>
                 <a:extLst>
                   <a:ext uri="{0D108BD9-81ED-4DB2-BD59-A6C34878D82A}">
-                    <a16:rowId xmlns:a16="http://schemas.microsoft.com/office/drawing/2014/main" val="10003"/>
+                    <a16:rowId xmlns:a16="http://schemas.microsoft.com/office/drawing/2014/main" xmlns="" val="10003"/>
                   </a:ext>
                 </a:extLst>
               </a:tr>
@@ -16490,28 +16463,28 @@
                 <a:gridCol w="936104">
                   <a:extLst>
                     <a:ext uri="{9D8B030D-6E8A-4147-A177-3AD203B41FA5}">
-                      <a16:colId xmlns:a16="http://schemas.microsoft.com/office/drawing/2014/main" val="20000"/>
+                      <a16:colId xmlns:a16="http://schemas.microsoft.com/office/drawing/2014/main" xmlns="" val="20000"/>
                     </a:ext>
                   </a:extLst>
                 </a:gridCol>
                 <a:gridCol w="1512168">
                   <a:extLst>
                     <a:ext uri="{9D8B030D-6E8A-4147-A177-3AD203B41FA5}">
-                      <a16:colId xmlns:a16="http://schemas.microsoft.com/office/drawing/2014/main" val="20001"/>
+                      <a16:colId xmlns:a16="http://schemas.microsoft.com/office/drawing/2014/main" xmlns="" val="20001"/>
                     </a:ext>
                   </a:extLst>
                 </a:gridCol>
                 <a:gridCol w="4968552">
                   <a:extLst>
                     <a:ext uri="{9D8B030D-6E8A-4147-A177-3AD203B41FA5}">
-                      <a16:colId xmlns:a16="http://schemas.microsoft.com/office/drawing/2014/main" val="20002"/>
+                      <a16:colId xmlns:a16="http://schemas.microsoft.com/office/drawing/2014/main" xmlns="" val="20002"/>
                     </a:ext>
                   </a:extLst>
                 </a:gridCol>
                 <a:gridCol w="1008112">
                   <a:extLst>
                     <a:ext uri="{9D8B030D-6E8A-4147-A177-3AD203B41FA5}">
-                      <a16:colId xmlns:a16="http://schemas.microsoft.com/office/drawing/2014/main" val="20003"/>
+                      <a16:colId xmlns:a16="http://schemas.microsoft.com/office/drawing/2014/main" xmlns="" val="20003"/>
                     </a:ext>
                   </a:extLst>
                 </a:gridCol>
@@ -16591,7 +16564,7 @@
                 </a:tc>
                 <a:extLst>
                   <a:ext uri="{0D108BD9-81ED-4DB2-BD59-A6C34878D82A}">
-                    <a16:rowId xmlns:a16="http://schemas.microsoft.com/office/drawing/2014/main" val="10000"/>
+                    <a16:rowId xmlns:a16="http://schemas.microsoft.com/office/drawing/2014/main" xmlns="" val="10000"/>
                   </a:ext>
                 </a:extLst>
               </a:tr>
@@ -16777,7 +16750,7 @@
                 </a:tc>
                 <a:extLst>
                   <a:ext uri="{0D108BD9-81ED-4DB2-BD59-A6C34878D82A}">
-                    <a16:rowId xmlns:a16="http://schemas.microsoft.com/office/drawing/2014/main" val="10001"/>
+                    <a16:rowId xmlns:a16="http://schemas.microsoft.com/office/drawing/2014/main" xmlns="" val="10001"/>
                   </a:ext>
                 </a:extLst>
               </a:tr>
@@ -16963,7 +16936,7 @@
                 </a:tc>
                 <a:extLst>
                   <a:ext uri="{0D108BD9-81ED-4DB2-BD59-A6C34878D82A}">
-                    <a16:rowId xmlns:a16="http://schemas.microsoft.com/office/drawing/2014/main" val="10002"/>
+                    <a16:rowId xmlns:a16="http://schemas.microsoft.com/office/drawing/2014/main" xmlns="" val="10002"/>
                   </a:ext>
                 </a:extLst>
               </a:tr>
@@ -17136,7 +17109,7 @@
                 </a:tc>
                 <a:extLst>
                   <a:ext uri="{0D108BD9-81ED-4DB2-BD59-A6C34878D82A}">
-                    <a16:rowId xmlns:a16="http://schemas.microsoft.com/office/drawing/2014/main" val="10003"/>
+                    <a16:rowId xmlns:a16="http://schemas.microsoft.com/office/drawing/2014/main" xmlns="" val="10003"/>
                   </a:ext>
                 </a:extLst>
               </a:tr>
@@ -17312,7 +17285,7 @@
                 </a:tc>
                 <a:extLst>
                   <a:ext uri="{0D108BD9-81ED-4DB2-BD59-A6C34878D82A}">
-                    <a16:rowId xmlns:a16="http://schemas.microsoft.com/office/drawing/2014/main" val="10004"/>
+                    <a16:rowId xmlns:a16="http://schemas.microsoft.com/office/drawing/2014/main" xmlns="" val="10004"/>
                   </a:ext>
                 </a:extLst>
               </a:tr>
@@ -17644,7 +17617,7 @@
                 </a:tc>
                 <a:extLst>
                   <a:ext uri="{0D108BD9-81ED-4DB2-BD59-A6C34878D82A}">
-                    <a16:rowId xmlns:a16="http://schemas.microsoft.com/office/drawing/2014/main" val="10005"/>
+                    <a16:rowId xmlns:a16="http://schemas.microsoft.com/office/drawing/2014/main" xmlns="" val="10005"/>
                   </a:ext>
                 </a:extLst>
               </a:tr>
@@ -17963,7 +17936,7 @@
                 </a:tc>
                 <a:extLst>
                   <a:ext uri="{0D108BD9-81ED-4DB2-BD59-A6C34878D82A}">
-                    <a16:rowId xmlns:a16="http://schemas.microsoft.com/office/drawing/2014/main" val="10006"/>
+                    <a16:rowId xmlns:a16="http://schemas.microsoft.com/office/drawing/2014/main" xmlns="" val="10006"/>
                   </a:ext>
                 </a:extLst>
               </a:tr>
@@ -18836,7 +18809,7 @@
             <a:lstStyle/>
             <a:p>
               <a:r>
-                <a:rPr lang="en-US" altLang="ko-KR" dirty="0" err="1" smtClean="0">
+                <a:rPr lang="en-US" altLang="ko-KR" dirty="0" smtClean="0">
                   <a:latin typeface="+mn-ea"/>
                 </a:rPr>
                 <a:t>var</a:t>
@@ -18944,7 +18917,7 @@
             <a:lstStyle/>
             <a:p>
               <a:r>
-                <a:rPr lang="en-US" altLang="ko-KR" dirty="0" err="1" smtClean="0">
+                <a:rPr lang="en-US" altLang="ko-KR" dirty="0" smtClean="0">
                   <a:latin typeface="+mn-ea"/>
                 </a:rPr>
                 <a:t>var</a:t>
@@ -19005,7 +18978,7 @@
             <a:lstStyle/>
             <a:p>
               <a:r>
-                <a:rPr lang="en-US" altLang="ko-KR" dirty="0" err="1" smtClean="0">
+                <a:rPr lang="en-US" altLang="ko-KR" dirty="0" smtClean="0">
                   <a:latin typeface="+mn-ea"/>
                 </a:rPr>
                 <a:t>var</a:t>
@@ -20442,7 +20415,7 @@
           <a:lstStyle/>
           <a:p>
             <a:r>
-              <a:rPr lang="en-US" altLang="ko-KR" sz="2400" b="1" dirty="0" err="1" smtClean="0">
+              <a:rPr lang="en-US" altLang="ko-KR" sz="2400" b="1" dirty="0" smtClean="0">
                 <a:solidFill>
                   <a:schemeClr val="accent1">
                     <a:lumMod val="40000"/>
@@ -20451,19 +20424,7 @@
                 </a:solidFill>
                 <a:latin typeface="+mn-ea"/>
               </a:rPr>
-              <a:t>var</a:t>
-            </a:r>
-            <a:r>
-              <a:rPr lang="en-US" altLang="ko-KR" sz="2400" b="1" dirty="0" smtClean="0">
-                <a:solidFill>
-                  <a:schemeClr val="accent1">
-                    <a:lumMod val="40000"/>
-                    <a:lumOff val="60000"/>
-                  </a:schemeClr>
-                </a:solidFill>
-                <a:latin typeface="+mn-ea"/>
-              </a:rPr>
-              <a:t> </a:t>
+              <a:t>var </a:t>
             </a:r>
             <a:r>
               <a:rPr lang="ko-KR" altLang="en-US" sz="2400" b="1" dirty="0" smtClean="0">
@@ -20590,22 +20551,10 @@
             <a:lstStyle/>
             <a:p>
               <a:r>
-                <a:rPr lang="en-US" altLang="ko-KR" sz="2000" dirty="0" err="1" smtClean="0">
-                  <a:latin typeface="+mn-ea"/>
-                </a:rPr>
-                <a:t>var</a:t>
-              </a:r>
-              <a:r>
                 <a:rPr lang="en-US" altLang="ko-KR" sz="2000" dirty="0" smtClean="0">
                   <a:latin typeface="+mn-ea"/>
                 </a:rPr>
-                <a:t> a: </a:t>
-              </a:r>
-              <a:r>
-                <a:rPr lang="en-US" altLang="ko-KR" sz="2000" dirty="0" err="1" smtClean="0">
-                  <a:latin typeface="+mn-ea"/>
-                </a:rPr>
-                <a:t>Int</a:t>
+                <a:t>var a: Int</a:t>
               </a:r>
               <a:endParaRPr lang="ko-KR" altLang="en-US" sz="2000" dirty="0">
                 <a:latin typeface="+mn-ea"/>
@@ -20832,22 +20781,10 @@
             <a:lstStyle/>
             <a:p>
               <a:r>
-                <a:rPr lang="en-US" altLang="ko-KR" sz="2000" dirty="0" err="1" smtClean="0">
-                  <a:latin typeface="+mn-ea"/>
-                </a:rPr>
-                <a:t>var</a:t>
-              </a:r>
-              <a:r>
                 <a:rPr lang="en-US" altLang="ko-KR" sz="2000" dirty="0" smtClean="0">
                   <a:latin typeface="+mn-ea"/>
                 </a:rPr>
-                <a:t> a, b, c: </a:t>
-              </a:r>
-              <a:r>
-                <a:rPr lang="en-US" altLang="ko-KR" sz="2000" dirty="0" err="1" smtClean="0">
-                  <a:latin typeface="+mn-ea"/>
-                </a:rPr>
-                <a:t>Int</a:t>
+                <a:t>var a, b, c: Int</a:t>
               </a:r>
               <a:endParaRPr lang="ko-KR" altLang="en-US" sz="2000" dirty="0">
                 <a:latin typeface="+mn-ea"/>
@@ -21034,28 +20971,10 @@
             <a:lstStyle/>
             <a:p>
               <a:r>
-                <a:rPr lang="en-US" altLang="ko-KR" sz="2000" dirty="0" err="1" smtClean="0">
-                  <a:latin typeface="+mn-ea"/>
-                </a:rPr>
-                <a:t>var</a:t>
-              </a:r>
-              <a:r>
                 <a:rPr lang="en-US" altLang="ko-KR" sz="2000" dirty="0" smtClean="0">
                   <a:latin typeface="+mn-ea"/>
                 </a:rPr>
-                <a:t> a: </a:t>
-              </a:r>
-              <a:r>
-                <a:rPr lang="en-US" altLang="ko-KR" sz="2000" dirty="0" err="1" smtClean="0">
-                  <a:latin typeface="+mn-ea"/>
-                </a:rPr>
-                <a:t>Int</a:t>
-              </a:r>
-              <a:r>
-                <a:rPr lang="en-US" altLang="ko-KR" sz="2000" dirty="0" smtClean="0">
-                  <a:latin typeface="+mn-ea"/>
-                </a:rPr>
-                <a:t>, b: Float, C: String</a:t>
+                <a:t>var a: Int, b: Float, C: String</a:t>
               </a:r>
               <a:endParaRPr lang="ko-KR" altLang="en-US" sz="2000" dirty="0">
                 <a:latin typeface="+mn-ea"/>
@@ -22524,7 +22443,7 @@
           <a:graphicData uri="http://schemas.openxmlformats.org/presentationml/2006/ole">
             <mc:AlternateContent xmlns:mc="http://schemas.openxmlformats.org/markup-compatibility/2006">
               <mc:Choice xmlns:v="urn:schemas-microsoft-com:vml" Requires="v">
-                <p:oleObj spid="_x0000_s4100" name="포장기 셸 개체" showAsIcon="1" r:id="rId3" imgW="1154880" imgH="604800" progId="Package">
+                <p:oleObj spid="_x0000_s4107" name="포장기 셸 개체" showAsIcon="1" r:id="rId3" imgW="1154880" imgH="604800" progId="Package">
                   <p:embed/>
                 </p:oleObj>
               </mc:Choice>
@@ -23201,7 +23120,7 @@
           <a:graphicData uri="http://schemas.openxmlformats.org/presentationml/2006/ole">
             <mc:AlternateContent xmlns:mc="http://schemas.openxmlformats.org/markup-compatibility/2006">
               <mc:Choice xmlns:v="urn:schemas-microsoft-com:vml" Requires="v">
-                <p:oleObj spid="_x0000_s5124" name="포장기 셸 개체" showAsIcon="1" r:id="rId3" imgW="1154880" imgH="604800" progId="Package">
+                <p:oleObj spid="_x0000_s5131" name="포장기 셸 개체" showAsIcon="1" r:id="rId3" imgW="1154880" imgH="604800" progId="Package">
                   <p:embed/>
                 </p:oleObj>
               </mc:Choice>
@@ -25083,28 +25002,10 @@
             <a:lstStyle/>
             <a:p>
               <a:r>
-                <a:rPr lang="en-US" altLang="ko-KR" sz="2000" dirty="0" err="1" smtClean="0">
-                  <a:latin typeface="+mn-ea"/>
-                </a:rPr>
-                <a:t>var</a:t>
-              </a:r>
-              <a:r>
                 <a:rPr lang="en-US" altLang="ko-KR" sz="2000" dirty="0" smtClean="0">
                   <a:latin typeface="+mn-ea"/>
                 </a:rPr>
-                <a:t> a: </a:t>
-              </a:r>
-              <a:r>
-                <a:rPr lang="en-US" altLang="ko-KR" sz="2000" dirty="0" err="1" smtClean="0">
-                  <a:latin typeface="+mn-ea"/>
-                </a:rPr>
-                <a:t>Int</a:t>
-              </a:r>
-              <a:r>
-                <a:rPr lang="en-US" altLang="ko-KR" sz="2000" dirty="0" smtClean="0">
-                  <a:latin typeface="+mn-ea"/>
-                </a:rPr>
-                <a:t> = 123</a:t>
+                <a:t>var a: Int = 123</a:t>
               </a:r>
               <a:endParaRPr lang="ko-KR" altLang="en-US" sz="2000" dirty="0">
                 <a:latin typeface="+mn-ea"/>
@@ -25569,54 +25470,18 @@
             <a:lstStyle/>
             <a:p>
               <a:r>
-                <a:rPr lang="en-US" altLang="ko-KR" sz="2000" dirty="0" err="1" smtClean="0">
+                <a:rPr lang="en-US" altLang="ko-KR" sz="2000" dirty="0" smtClean="0">
                   <a:latin typeface="+mn-ea"/>
                 </a:rPr>
-                <a:t>var</a:t>
+                <a:t>var a: Int = 123</a:t>
               </a:r>
+            </a:p>
+            <a:p>
               <a:r>
                 <a:rPr lang="en-US" altLang="ko-KR" sz="2000" dirty="0" smtClean="0">
                   <a:latin typeface="+mn-ea"/>
                 </a:rPr>
-                <a:t> a: </a:t>
-              </a:r>
-              <a:r>
-                <a:rPr lang="en-US" altLang="ko-KR" sz="2000" dirty="0" err="1" smtClean="0">
-                  <a:latin typeface="+mn-ea"/>
-                </a:rPr>
-                <a:t>Int</a:t>
-              </a:r>
-              <a:r>
-                <a:rPr lang="en-US" altLang="ko-KR" sz="2000" dirty="0" smtClean="0">
-                  <a:latin typeface="+mn-ea"/>
-                </a:rPr>
-                <a:t> = 123</a:t>
-              </a:r>
-            </a:p>
-            <a:p>
-              <a:r>
-                <a:rPr lang="en-US" altLang="ko-KR" sz="2000" dirty="0" err="1" smtClean="0">
-                  <a:latin typeface="+mn-ea"/>
-                </a:rPr>
-                <a:t>var</a:t>
-              </a:r>
-              <a:r>
-                <a:rPr lang="en-US" altLang="ko-KR" sz="2000" dirty="0" smtClean="0">
-                  <a:latin typeface="+mn-ea"/>
-                </a:rPr>
-                <a:t> b: </a:t>
-              </a:r>
-              <a:r>
-                <a:rPr lang="en-US" altLang="ko-KR" sz="2000" dirty="0" err="1" smtClean="0">
-                  <a:latin typeface="+mn-ea"/>
-                </a:rPr>
-                <a:t>Int</a:t>
-              </a:r>
-              <a:r>
-                <a:rPr lang="en-US" altLang="ko-KR" sz="2000" dirty="0" smtClean="0">
-                  <a:latin typeface="+mn-ea"/>
-                </a:rPr>
-                <a:t> = a</a:t>
+                <a:t>var b: Int = a</a:t>
               </a:r>
               <a:endParaRPr lang="ko-KR" altLang="en-US" sz="2000" dirty="0">
                 <a:latin typeface="+mn-ea"/>
@@ -26028,6 +25893,3234 @@
 </p:sld>
 </file>
 
+<file path=ppt/slides/slide41.xml><?xml version="1.0" encoding="utf-8"?>
+<p:sld xmlns:a="http://schemas.openxmlformats.org/drawingml/2006/main" xmlns:r="http://schemas.openxmlformats.org/officeDocument/2006/relationships" xmlns:p="http://schemas.openxmlformats.org/presentationml/2006/main">
+  <p:cSld>
+    <p:spTree>
+      <p:nvGrpSpPr>
+        <p:cNvPr id="1" name=""/>
+        <p:cNvGrpSpPr/>
+        <p:nvPr/>
+      </p:nvGrpSpPr>
+      <p:grpSpPr>
+        <a:xfrm>
+          <a:off x="0" y="0"/>
+          <a:ext cx="0" cy="0"/>
+          <a:chOff x="0" y="0"/>
+          <a:chExt cx="0" cy="0"/>
+        </a:xfrm>
+      </p:grpSpPr>
+      <p:sp>
+        <p:nvSpPr>
+          <p:cNvPr id="2" name="TextBox 1"/>
+          <p:cNvSpPr txBox="1"/>
+          <p:nvPr/>
+        </p:nvSpPr>
+        <p:spPr>
+          <a:xfrm>
+            <a:off x="502423" y="2937138"/>
+            <a:ext cx="8174033" cy="707886"/>
+          </a:xfrm>
+          <a:prstGeom prst="rect">
+            <a:avLst/>
+          </a:prstGeom>
+          <a:noFill/>
+        </p:spPr>
+        <p:txBody>
+          <a:bodyPr wrap="none" rtlCol="0">
+            <a:spAutoFit/>
+          </a:bodyPr>
+          <a:lstStyle/>
+          <a:p>
+            <a:r>
+              <a:rPr lang="en-US" altLang="ko-KR" sz="4000" dirty="0">
+                <a:latin typeface="+mn-ea"/>
+              </a:rPr>
+              <a:t>8</a:t>
+            </a:r>
+            <a:r>
+              <a:rPr lang="ko-KR" altLang="en-US" sz="4000" dirty="0" smtClean="0">
+                <a:latin typeface="+mn-ea"/>
+              </a:rPr>
+              <a:t>장 데이터 타입 고급</a:t>
+            </a:r>
+            <a:r>
+              <a:rPr lang="en-US" altLang="ko-KR" sz="4000" dirty="0" smtClean="0">
+                <a:latin typeface="+mn-ea"/>
+              </a:rPr>
+              <a:t>(</a:t>
+            </a:r>
+            <a:r>
+              <a:rPr lang="ko-KR" altLang="en-US" sz="4000" dirty="0" smtClean="0">
+                <a:latin typeface="+mn-ea"/>
+              </a:rPr>
+              <a:t>자료형 고급</a:t>
+            </a:r>
+            <a:r>
+              <a:rPr lang="en-US" altLang="ko-KR" sz="4000" dirty="0" smtClean="0">
+                <a:latin typeface="+mn-ea"/>
+              </a:rPr>
+              <a:t>)</a:t>
+            </a:r>
+            <a:endParaRPr lang="ko-KR" altLang="en-US" sz="4000" dirty="0">
+              <a:latin typeface="+mn-ea"/>
+            </a:endParaRPr>
+          </a:p>
+        </p:txBody>
+      </p:sp>
+    </p:spTree>
+    <p:extLst>
+      <p:ext uri="{BB962C8B-B14F-4D97-AF65-F5344CB8AC3E}">
+        <p14:creationId xmlns:p14="http://schemas.microsoft.com/office/powerpoint/2010/main" val="370108009"/>
+      </p:ext>
+    </p:extLst>
+  </p:cSld>
+  <p:clrMapOvr>
+    <a:masterClrMapping/>
+  </p:clrMapOvr>
+  <p:timing>
+    <p:tnLst>
+      <p:par>
+        <p:cTn id="1" dur="indefinite" restart="never" nodeType="tmRoot"/>
+      </p:par>
+    </p:tnLst>
+  </p:timing>
+</p:sld>
+</file>
+
+<file path=ppt/slides/slide42.xml><?xml version="1.0" encoding="utf-8"?>
+<p:sld xmlns:a="http://schemas.openxmlformats.org/drawingml/2006/main" xmlns:r="http://schemas.openxmlformats.org/officeDocument/2006/relationships" xmlns:p="http://schemas.openxmlformats.org/presentationml/2006/main">
+  <p:cSld>
+    <p:spTree>
+      <p:nvGrpSpPr>
+        <p:cNvPr id="1" name=""/>
+        <p:cNvGrpSpPr/>
+        <p:nvPr/>
+      </p:nvGrpSpPr>
+      <p:grpSpPr>
+        <a:xfrm>
+          <a:off x="0" y="0"/>
+          <a:ext cx="0" cy="0"/>
+          <a:chOff x="0" y="0"/>
+          <a:chExt cx="0" cy="0"/>
+        </a:xfrm>
+      </p:grpSpPr>
+      <p:sp>
+        <p:nvSpPr>
+          <p:cNvPr id="2" name="제목 1"/>
+          <p:cNvSpPr txBox="1">
+            <a:spLocks/>
+          </p:cNvSpPr>
+          <p:nvPr/>
+        </p:nvSpPr>
+        <p:spPr>
+          <a:xfrm>
+            <a:off x="539552" y="116632"/>
+            <a:ext cx="8680730" cy="596250"/>
+          </a:xfrm>
+          <a:prstGeom prst="rect">
+            <a:avLst/>
+          </a:prstGeom>
+        </p:spPr>
+        <p:txBody>
+          <a:bodyPr/>
+          <a:lstStyle>
+            <a:lvl1pPr algn="l" rtl="0" eaLnBrk="1" latinLnBrk="1" hangingPunct="1">
+              <a:spcBef>
+                <a:spcPct val="0"/>
+              </a:spcBef>
+              <a:buNone/>
+              <a:defRPr kumimoji="0" sz="3200" b="1" kern="1200" spc="-100" baseline="0">
+                <a:solidFill>
+                  <a:schemeClr val="tx2">
+                    <a:satMod val="200000"/>
+                  </a:schemeClr>
+                </a:solidFill>
+                <a:latin typeface="+mn-ea"/>
+                <a:ea typeface="+mn-ea"/>
+                <a:cs typeface="+mj-cs"/>
+              </a:defRPr>
+            </a:lvl1pPr>
+            <a:extLst/>
+          </a:lstStyle>
+          <a:p>
+            <a:r>
+              <a:rPr lang="ko-KR" altLang="en-US" dirty="0" smtClean="0"/>
+              <a:t>데이터타입 고급</a:t>
+            </a:r>
+            <a:endParaRPr lang="ko-KR" altLang="en-US" dirty="0"/>
+          </a:p>
+        </p:txBody>
+      </p:sp>
+      <p:sp>
+        <p:nvSpPr>
+          <p:cNvPr id="3" name="내용 개체 틀 2"/>
+          <p:cNvSpPr txBox="1">
+            <a:spLocks/>
+          </p:cNvSpPr>
+          <p:nvPr/>
+        </p:nvSpPr>
+        <p:spPr>
+          <a:xfrm>
+            <a:off x="683568" y="620688"/>
+            <a:ext cx="7772400" cy="539552"/>
+          </a:xfrm>
+          <a:prstGeom prst="rect">
+            <a:avLst/>
+          </a:prstGeom>
+        </p:spPr>
+        <p:txBody>
+          <a:bodyPr vert="horz">
+            <a:normAutofit/>
+          </a:bodyPr>
+          <a:lstStyle>
+            <a:lvl1pPr marL="411480" indent="-342900" algn="l" rtl="0" eaLnBrk="1" latinLnBrk="1" hangingPunct="1">
+              <a:spcBef>
+                <a:spcPts val="700"/>
+              </a:spcBef>
+              <a:buClr>
+                <a:schemeClr val="tx2"/>
+              </a:buClr>
+              <a:buSzPct val="95000"/>
+              <a:buFont typeface="Wingdings"/>
+              <a:buChar char=""/>
+              <a:defRPr kumimoji="0" sz="2400" kern="1200">
+                <a:solidFill>
+                  <a:schemeClr val="tx1"/>
+                </a:solidFill>
+                <a:latin typeface="+mn-ea"/>
+                <a:ea typeface="+mn-ea"/>
+                <a:cs typeface="+mn-cs"/>
+              </a:defRPr>
+            </a:lvl1pPr>
+            <a:lvl2pPr marL="740664" indent="-285750" algn="l" rtl="0" eaLnBrk="1" latinLnBrk="1" hangingPunct="1">
+              <a:spcBef>
+                <a:spcPct val="20000"/>
+              </a:spcBef>
+              <a:buClr>
+                <a:schemeClr val="accent2"/>
+              </a:buClr>
+              <a:buSzPct val="90000"/>
+              <a:buFont typeface="Wingdings"/>
+              <a:buChar char=""/>
+              <a:defRPr kumimoji="0" sz="1800" kern="1200">
+                <a:solidFill>
+                  <a:schemeClr val="tx1"/>
+                </a:solidFill>
+                <a:latin typeface="+mn-lt"/>
+                <a:ea typeface="+mn-ea"/>
+                <a:cs typeface="+mn-cs"/>
+              </a:defRPr>
+            </a:lvl2pPr>
+            <a:lvl3pPr marL="996696" indent="-228600" algn="l" rtl="0" eaLnBrk="1" latinLnBrk="1" hangingPunct="1">
+              <a:spcBef>
+                <a:spcPct val="20000"/>
+              </a:spcBef>
+              <a:buClr>
+                <a:schemeClr val="accent2"/>
+              </a:buClr>
+              <a:buFont typeface="Wingdings 2"/>
+              <a:buChar char=""/>
+              <a:defRPr kumimoji="0" sz="1600" kern="1200">
+                <a:solidFill>
+                  <a:schemeClr val="tx1"/>
+                </a:solidFill>
+                <a:latin typeface="+mn-lt"/>
+                <a:ea typeface="+mn-ea"/>
+                <a:cs typeface="+mn-cs"/>
+              </a:defRPr>
+            </a:lvl3pPr>
+            <a:lvl4pPr marL="1261872" indent="-228600" algn="l" rtl="0" eaLnBrk="1" latinLnBrk="1" hangingPunct="1">
+              <a:spcBef>
+                <a:spcPct val="20000"/>
+              </a:spcBef>
+              <a:buClr>
+                <a:schemeClr val="accent3"/>
+              </a:buClr>
+              <a:buFont typeface="Wingdings 3"/>
+              <a:buChar char=""/>
+              <a:defRPr kumimoji="0" sz="1200" kern="1200">
+                <a:solidFill>
+                  <a:schemeClr val="tx1"/>
+                </a:solidFill>
+                <a:latin typeface="+mn-lt"/>
+                <a:ea typeface="+mn-ea"/>
+                <a:cs typeface="+mn-cs"/>
+              </a:defRPr>
+            </a:lvl4pPr>
+            <a:lvl5pPr marL="1481328" indent="-210312" algn="l" rtl="0" eaLnBrk="1" latinLnBrk="1" hangingPunct="1">
+              <a:spcBef>
+                <a:spcPct val="20000"/>
+              </a:spcBef>
+              <a:buClr>
+                <a:schemeClr val="accent3"/>
+              </a:buClr>
+              <a:buFont typeface="Wingdings 2"/>
+              <a:buChar char=""/>
+              <a:defRPr kumimoji="0" sz="1000" kern="1200">
+                <a:solidFill>
+                  <a:schemeClr val="tx1"/>
+                </a:solidFill>
+                <a:latin typeface="+mn-lt"/>
+                <a:ea typeface="+mn-ea"/>
+                <a:cs typeface="+mn-cs"/>
+              </a:defRPr>
+            </a:lvl5pPr>
+            <a:lvl6pPr marL="1709928" indent="-210312" algn="l" rtl="0" eaLnBrk="1" latinLnBrk="1" hangingPunct="1">
+              <a:spcBef>
+                <a:spcPct val="20000"/>
+              </a:spcBef>
+              <a:buClr>
+                <a:schemeClr val="accent3"/>
+              </a:buClr>
+              <a:buFont typeface="Wingdings 2"/>
+              <a:buChar char=""/>
+              <a:defRPr kumimoji="0" sz="1800" kern="1200">
+                <a:solidFill>
+                  <a:schemeClr val="tx1"/>
+                </a:solidFill>
+                <a:latin typeface="+mn-lt"/>
+                <a:ea typeface="+mn-ea"/>
+                <a:cs typeface="+mn-cs"/>
+              </a:defRPr>
+            </a:lvl6pPr>
+            <a:lvl7pPr marL="1901952" indent="-182880" algn="l" rtl="0" eaLnBrk="1" latinLnBrk="1" hangingPunct="1">
+              <a:spcBef>
+                <a:spcPct val="20000"/>
+              </a:spcBef>
+              <a:buClr>
+                <a:schemeClr val="accent4"/>
+              </a:buClr>
+              <a:buFont typeface="Wingdings 2"/>
+              <a:buChar char=""/>
+              <a:defRPr kumimoji="0" sz="1600" kern="1200">
+                <a:solidFill>
+                  <a:schemeClr val="tx1"/>
+                </a:solidFill>
+                <a:latin typeface="+mn-lt"/>
+                <a:ea typeface="+mn-ea"/>
+                <a:cs typeface="+mn-cs"/>
+              </a:defRPr>
+            </a:lvl7pPr>
+            <a:lvl8pPr marL="2093976" indent="-182880" algn="l" rtl="0" eaLnBrk="1" latinLnBrk="1" hangingPunct="1">
+              <a:spcBef>
+                <a:spcPct val="20000"/>
+              </a:spcBef>
+              <a:buClr>
+                <a:schemeClr val="accent4"/>
+              </a:buClr>
+              <a:buFont typeface="Wingdings 2"/>
+              <a:buChar char=""/>
+              <a:defRPr kumimoji="0" sz="1600" kern="1200">
+                <a:solidFill>
+                  <a:schemeClr val="tx1"/>
+                </a:solidFill>
+                <a:latin typeface="+mn-lt"/>
+                <a:ea typeface="+mn-ea"/>
+                <a:cs typeface="+mn-cs"/>
+              </a:defRPr>
+            </a:lvl8pPr>
+            <a:lvl9pPr marL="2286000" indent="-182880" algn="l" rtl="0" eaLnBrk="1" latinLnBrk="1" hangingPunct="1">
+              <a:spcBef>
+                <a:spcPct val="20000"/>
+              </a:spcBef>
+              <a:buClr>
+                <a:schemeClr val="accent4"/>
+              </a:buClr>
+              <a:buFont typeface="Wingdings 2"/>
+              <a:buChar char=""/>
+              <a:defRPr kumimoji="0" sz="1600" kern="1200">
+                <a:solidFill>
+                  <a:schemeClr val="tx1"/>
+                </a:solidFill>
+                <a:latin typeface="+mn-lt"/>
+                <a:ea typeface="+mn-ea"/>
+                <a:cs typeface="+mn-cs"/>
+              </a:defRPr>
+            </a:lvl9pPr>
+            <a:extLst/>
+          </a:lstStyle>
+          <a:p>
+            <a:r>
+              <a:rPr lang="ko-KR" altLang="en-US" dirty="0"/>
+              <a:t>데이터타입 </a:t>
+            </a:r>
+            <a:r>
+              <a:rPr lang="ko-KR" altLang="en-US" dirty="0" smtClean="0"/>
+              <a:t>안심</a:t>
+            </a:r>
+            <a:endParaRPr lang="en-US" altLang="ko-KR" dirty="0" smtClean="0"/>
+          </a:p>
+        </p:txBody>
+      </p:sp>
+      <p:sp>
+        <p:nvSpPr>
+          <p:cNvPr id="6" name="TextBox 5"/>
+          <p:cNvSpPr txBox="1"/>
+          <p:nvPr/>
+        </p:nvSpPr>
+        <p:spPr>
+          <a:xfrm>
+            <a:off x="971600" y="980728"/>
+            <a:ext cx="7642605" cy="1338828"/>
+          </a:xfrm>
+          <a:prstGeom prst="rect">
+            <a:avLst/>
+          </a:prstGeom>
+          <a:noFill/>
+        </p:spPr>
+        <p:txBody>
+          <a:bodyPr wrap="none" rtlCol="0">
+            <a:spAutoFit/>
+          </a:bodyPr>
+          <a:lstStyle/>
+          <a:p>
+            <a:pPr marL="342900" indent="-342900">
+              <a:lnSpc>
+                <a:spcPct val="150000"/>
+              </a:lnSpc>
+              <a:buFont typeface="Arial" panose="020B0604020202020204" pitchFamily="34" charset="0"/>
+              <a:buChar char="•"/>
+            </a:pPr>
+            <a:r>
+              <a:rPr lang="en-US" altLang="ko-KR" dirty="0" smtClean="0"/>
+              <a:t>Swift</a:t>
+            </a:r>
+            <a:r>
+              <a:rPr lang="ko-KR" altLang="en-US" dirty="0" smtClean="0"/>
+              <a:t>는 안정성을 강조한 언어 </a:t>
+            </a:r>
+            <a:r>
+              <a:rPr lang="en-US" altLang="ko-KR" dirty="0" smtClean="0"/>
+              <a:t>(Type-safe)</a:t>
+            </a:r>
+          </a:p>
+          <a:p>
+            <a:pPr marL="342900" indent="-342900">
+              <a:lnSpc>
+                <a:spcPct val="150000"/>
+              </a:lnSpc>
+              <a:buFont typeface="Arial" panose="020B0604020202020204" pitchFamily="34" charset="0"/>
+              <a:buChar char="•"/>
+            </a:pPr>
+            <a:r>
+              <a:rPr lang="ko-KR" altLang="en-US" dirty="0" smtClean="0"/>
+              <a:t>타입에 민감하며 엄격함</a:t>
+            </a:r>
+            <a:r>
+              <a:rPr lang="en-US" altLang="ko-KR" dirty="0" smtClean="0"/>
+              <a:t>. </a:t>
+            </a:r>
+            <a:r>
+              <a:rPr lang="ko-KR" altLang="en-US" dirty="0" smtClean="0"/>
+              <a:t>사로 다른 타입끼리 </a:t>
+            </a:r>
+            <a:r>
+              <a:rPr lang="en-US" altLang="ko-KR" dirty="0" smtClean="0"/>
+              <a:t>type-casting</a:t>
+            </a:r>
+            <a:r>
+              <a:rPr lang="ko-KR" altLang="en-US" dirty="0"/>
+              <a:t> </a:t>
+            </a:r>
+            <a:r>
+              <a:rPr lang="ko-KR" altLang="en-US" dirty="0" smtClean="0"/>
+              <a:t>필요</a:t>
+            </a:r>
+            <a:endParaRPr lang="en-US" altLang="ko-KR" dirty="0" smtClean="0"/>
+          </a:p>
+          <a:p>
+            <a:pPr marL="342900" indent="-342900">
+              <a:lnSpc>
+                <a:spcPct val="150000"/>
+              </a:lnSpc>
+              <a:buFont typeface="Arial" panose="020B0604020202020204" pitchFamily="34" charset="0"/>
+              <a:buChar char="•"/>
+            </a:pPr>
+            <a:r>
+              <a:rPr lang="ko-KR" altLang="en-US" dirty="0" smtClean="0"/>
+              <a:t>하지만</a:t>
+            </a:r>
+            <a:r>
+              <a:rPr lang="en-US" altLang="ko-KR" dirty="0" smtClean="0"/>
+              <a:t>,</a:t>
+            </a:r>
+            <a:r>
+              <a:rPr lang="ko-KR" altLang="en-US" dirty="0" smtClean="0"/>
+              <a:t> </a:t>
+            </a:r>
+            <a:r>
+              <a:rPr lang="en-US" altLang="ko-KR" dirty="0" smtClean="0"/>
+              <a:t>Swift</a:t>
+            </a:r>
+            <a:r>
+              <a:rPr lang="ko-KR" altLang="en-US" dirty="0" smtClean="0"/>
+              <a:t>에서 타입캐스팅 동작은 새로운 인스턴스를 생성하여 할당</a:t>
+            </a:r>
+            <a:endParaRPr lang="ko-KR" altLang="en-US" dirty="0"/>
+          </a:p>
+        </p:txBody>
+      </p:sp>
+      <p:sp>
+        <p:nvSpPr>
+          <p:cNvPr id="7" name="TextBox 6"/>
+          <p:cNvSpPr txBox="1"/>
+          <p:nvPr/>
+        </p:nvSpPr>
+        <p:spPr>
+          <a:xfrm>
+            <a:off x="6588224" y="2190056"/>
+            <a:ext cx="2433680" cy="230832"/>
+          </a:xfrm>
+          <a:prstGeom prst="rect">
+            <a:avLst/>
+          </a:prstGeom>
+          <a:noFill/>
+        </p:spPr>
+        <p:txBody>
+          <a:bodyPr wrap="none" rtlCol="0">
+            <a:spAutoFit/>
+          </a:bodyPr>
+          <a:lstStyle/>
+          <a:p>
+            <a:r>
+              <a:rPr lang="en-US" altLang="ko-KR" sz="900" dirty="0" smtClean="0">
+                <a:solidFill>
+                  <a:schemeClr val="accent1">
+                    <a:lumMod val="60000"/>
+                    <a:lumOff val="40000"/>
+                  </a:schemeClr>
+                </a:solidFill>
+              </a:rPr>
+              <a:t>* </a:t>
+            </a:r>
+            <a:r>
+              <a:rPr lang="ko-KR" altLang="en-US" sz="900" dirty="0" smtClean="0">
+                <a:solidFill>
+                  <a:schemeClr val="accent1">
+                    <a:lumMod val="60000"/>
+                    <a:lumOff val="40000"/>
+                  </a:schemeClr>
+                </a:solidFill>
+              </a:rPr>
+              <a:t>자세한 내용은 타입캐스팅 </a:t>
+            </a:r>
+            <a:r>
+              <a:rPr lang="en-US" altLang="ko-KR" sz="900" dirty="0" smtClean="0">
+                <a:solidFill>
+                  <a:schemeClr val="accent1">
+                    <a:lumMod val="60000"/>
+                    <a:lumOff val="40000"/>
+                  </a:schemeClr>
+                </a:solidFill>
+              </a:rPr>
+              <a:t>chapter</a:t>
+            </a:r>
+            <a:r>
+              <a:rPr lang="ko-KR" altLang="en-US" sz="900" dirty="0" smtClean="0">
+                <a:solidFill>
+                  <a:schemeClr val="accent1">
+                    <a:lumMod val="60000"/>
+                    <a:lumOff val="40000"/>
+                  </a:schemeClr>
+                </a:solidFill>
+              </a:rPr>
+              <a:t>에서 확인</a:t>
+            </a:r>
+            <a:endParaRPr lang="ko-KR" altLang="en-US" sz="900" dirty="0">
+              <a:solidFill>
+                <a:schemeClr val="accent1">
+                  <a:lumMod val="60000"/>
+                  <a:lumOff val="40000"/>
+                </a:schemeClr>
+              </a:solidFill>
+            </a:endParaRPr>
+          </a:p>
+        </p:txBody>
+      </p:sp>
+      <p:sp>
+        <p:nvSpPr>
+          <p:cNvPr id="8" name="TextBox 7"/>
+          <p:cNvSpPr txBox="1"/>
+          <p:nvPr/>
+        </p:nvSpPr>
+        <p:spPr>
+          <a:xfrm>
+            <a:off x="755576" y="2926685"/>
+            <a:ext cx="7842211" cy="1754326"/>
+          </a:xfrm>
+          <a:prstGeom prst="rect">
+            <a:avLst/>
+          </a:prstGeom>
+          <a:noFill/>
+        </p:spPr>
+        <p:txBody>
+          <a:bodyPr wrap="none" rtlCol="0">
+            <a:spAutoFit/>
+          </a:bodyPr>
+          <a:lstStyle/>
+          <a:p>
+            <a:pPr marL="342900" indent="-342900">
+              <a:lnSpc>
+                <a:spcPct val="150000"/>
+              </a:lnSpc>
+              <a:buFont typeface="Wingdings" panose="05000000000000000000" pitchFamily="2" charset="2"/>
+              <a:buChar char="§"/>
+            </a:pPr>
+            <a:r>
+              <a:rPr lang="ko-KR" altLang="en-US" dirty="0" smtClean="0"/>
+              <a:t>데이터 타입 안심이란</a:t>
+            </a:r>
+            <a:r>
+              <a:rPr lang="en-US" altLang="ko-KR" dirty="0" smtClean="0"/>
+              <a:t>?</a:t>
+            </a:r>
+          </a:p>
+          <a:p>
+            <a:pPr marL="800100" lvl="1" indent="-342900">
+              <a:lnSpc>
+                <a:spcPct val="150000"/>
+              </a:lnSpc>
+              <a:buFont typeface="Arial" panose="020B0604020202020204" pitchFamily="34" charset="0"/>
+              <a:buChar char="•"/>
+            </a:pPr>
+            <a:r>
+              <a:rPr lang="en-US" altLang="ko-KR" dirty="0" smtClean="0"/>
+              <a:t>Int </a:t>
+            </a:r>
+            <a:r>
+              <a:rPr lang="ko-KR" altLang="en-US" dirty="0" smtClean="0"/>
+              <a:t>타입 변수에 할당 하려는 값이 </a:t>
+            </a:r>
+            <a:r>
+              <a:rPr lang="en-US" altLang="ko-KR" dirty="0" smtClean="0"/>
+              <a:t>Character </a:t>
+            </a:r>
+            <a:r>
+              <a:rPr lang="ko-KR" altLang="en-US" dirty="0" smtClean="0"/>
+              <a:t>타입이면</a:t>
+            </a:r>
+            <a:r>
+              <a:rPr lang="en-US" altLang="ko-KR" dirty="0"/>
+              <a:t> </a:t>
+            </a:r>
+            <a:r>
+              <a:rPr lang="ko-KR" altLang="en-US" dirty="0" smtClean="0">
+                <a:solidFill>
+                  <a:schemeClr val="accent3">
+                    <a:lumMod val="60000"/>
+                    <a:lumOff val="40000"/>
+                  </a:schemeClr>
+                </a:solidFill>
+              </a:rPr>
+              <a:t>컴파일 오류</a:t>
+            </a:r>
+            <a:endParaRPr lang="en-US" altLang="ko-KR" dirty="0" smtClean="0">
+              <a:solidFill>
+                <a:schemeClr val="accent3">
+                  <a:lumMod val="60000"/>
+                  <a:lumOff val="40000"/>
+                </a:schemeClr>
+              </a:solidFill>
+            </a:endParaRPr>
+          </a:p>
+          <a:p>
+            <a:pPr marL="800100" lvl="1" indent="-342900">
+              <a:lnSpc>
+                <a:spcPct val="150000"/>
+              </a:lnSpc>
+              <a:buFont typeface="Arial" panose="020B0604020202020204" pitchFamily="34" charset="0"/>
+              <a:buChar char="•"/>
+            </a:pPr>
+            <a:r>
+              <a:rPr lang="ko-KR" altLang="en-US" dirty="0" smtClean="0"/>
+              <a:t>컴파일 시점에서 </a:t>
+            </a:r>
+            <a:r>
+              <a:rPr lang="ko-KR" altLang="en-US" b="1" u="sng" dirty="0" smtClean="0">
+                <a:solidFill>
+                  <a:schemeClr val="accent2">
+                    <a:lumMod val="40000"/>
+                    <a:lumOff val="60000"/>
+                  </a:schemeClr>
+                </a:solidFill>
+                <a:effectLst>
+                  <a:outerShdw blurRad="38100" dist="38100" dir="2700000" algn="tl">
+                    <a:srgbClr val="000000">
+                      <a:alpha val="43137"/>
+                    </a:srgbClr>
+                  </a:outerShdw>
+                </a:effectLst>
+              </a:rPr>
+              <a:t>타입확인</a:t>
+            </a:r>
+            <a:r>
+              <a:rPr lang="ko-KR" altLang="en-US" dirty="0" smtClean="0"/>
+              <a:t> 후 에 </a:t>
+            </a:r>
+            <a:r>
+              <a:rPr lang="ko-KR" altLang="en-US" b="1" u="sng" dirty="0">
+                <a:solidFill>
+                  <a:schemeClr val="accent2">
+                    <a:lumMod val="40000"/>
+                    <a:lumOff val="60000"/>
+                  </a:schemeClr>
+                </a:solidFill>
+                <a:effectLst>
+                  <a:outerShdw blurRad="38100" dist="38100" dir="2700000" algn="tl">
+                    <a:srgbClr val="000000">
+                      <a:alpha val="43137"/>
+                    </a:srgbClr>
+                  </a:outerShdw>
+                </a:effectLst>
+              </a:rPr>
+              <a:t>타입추론</a:t>
+            </a:r>
+            <a:r>
+              <a:rPr lang="ko-KR" altLang="en-US" dirty="0" smtClean="0"/>
+              <a:t>을 함</a:t>
+            </a:r>
+            <a:endParaRPr lang="en-US" altLang="ko-KR" b="1" u="sng" dirty="0" smtClean="0">
+              <a:solidFill>
+                <a:schemeClr val="accent2">
+                  <a:lumMod val="40000"/>
+                  <a:lumOff val="60000"/>
+                </a:schemeClr>
+              </a:solidFill>
+              <a:effectLst>
+                <a:outerShdw blurRad="38100" dist="38100" dir="2700000" algn="tl">
+                  <a:srgbClr val="000000">
+                    <a:alpha val="43137"/>
+                  </a:srgbClr>
+                </a:outerShdw>
+              </a:effectLst>
+            </a:endParaRPr>
+          </a:p>
+          <a:p>
+            <a:pPr marL="800100" lvl="1" indent="-342900">
+              <a:lnSpc>
+                <a:spcPct val="150000"/>
+              </a:lnSpc>
+              <a:buFont typeface="Arial" panose="020B0604020202020204" pitchFamily="34" charset="0"/>
+              <a:buChar char="•"/>
+            </a:pPr>
+            <a:r>
+              <a:rPr lang="ko-KR" altLang="en-US" dirty="0" smtClean="0"/>
+              <a:t>또한 컴파일 시</a:t>
+            </a:r>
+            <a:r>
+              <a:rPr lang="en-US" altLang="ko-KR" dirty="0" smtClean="0"/>
+              <a:t>, </a:t>
+            </a:r>
+            <a:r>
+              <a:rPr lang="ko-KR" altLang="en-US" dirty="0" smtClean="0"/>
+              <a:t>변수나 상수에 할당하는 값을 파악하여 타입을 결정</a:t>
+            </a:r>
+            <a:endParaRPr lang="en-US" altLang="ko-KR" b="1" u="sng" dirty="0" smtClean="0">
+              <a:solidFill>
+                <a:schemeClr val="accent2">
+                  <a:lumMod val="40000"/>
+                  <a:lumOff val="60000"/>
+                </a:schemeClr>
+              </a:solidFill>
+              <a:effectLst>
+                <a:outerShdw blurRad="38100" dist="38100" dir="2700000" algn="tl">
+                  <a:srgbClr val="000000">
+                    <a:alpha val="43137"/>
+                  </a:srgbClr>
+                </a:outerShdw>
+              </a:effectLst>
+            </a:endParaRPr>
+          </a:p>
+        </p:txBody>
+      </p:sp>
+      <p:sp>
+        <p:nvSpPr>
+          <p:cNvPr id="10" name="TextBox 9"/>
+          <p:cNvSpPr txBox="1"/>
+          <p:nvPr/>
+        </p:nvSpPr>
+        <p:spPr>
+          <a:xfrm>
+            <a:off x="1259632" y="4869160"/>
+            <a:ext cx="7201843" cy="523220"/>
+          </a:xfrm>
+          <a:prstGeom prst="rect">
+            <a:avLst/>
+          </a:prstGeom>
+          <a:noFill/>
+        </p:spPr>
+        <p:txBody>
+          <a:bodyPr wrap="none" rtlCol="0">
+            <a:spAutoFit/>
+          </a:bodyPr>
+          <a:lstStyle/>
+          <a:p>
+            <a:r>
+              <a:rPr lang="en-US" altLang="ko-KR" sz="1400" dirty="0" smtClean="0">
+                <a:latin typeface="+mn-ea"/>
+              </a:rPr>
+              <a:t>var</a:t>
+            </a:r>
+            <a:r>
+              <a:rPr lang="ko-KR" altLang="en-US" sz="1400" dirty="0" smtClean="0">
+                <a:latin typeface="+mn-ea"/>
+              </a:rPr>
+              <a:t> </a:t>
+            </a:r>
+            <a:r>
+              <a:rPr lang="en-US" altLang="ko-KR" sz="1400" dirty="0" smtClean="0">
+                <a:latin typeface="+mn-ea"/>
+              </a:rPr>
+              <a:t>name = “Jason”</a:t>
+            </a:r>
+            <a:r>
+              <a:rPr lang="en-US" altLang="ko-KR" sz="1400" dirty="0">
+                <a:latin typeface="+mn-ea"/>
+              </a:rPr>
+              <a:t> 	// </a:t>
+            </a:r>
+            <a:r>
+              <a:rPr lang="ko-KR" altLang="en-US" sz="1400" dirty="0">
+                <a:latin typeface="+mn-ea"/>
+              </a:rPr>
+              <a:t>타입추론의 과정으로 </a:t>
+            </a:r>
+            <a:r>
+              <a:rPr lang="en-US" altLang="ko-KR" sz="1400" dirty="0">
+                <a:latin typeface="+mn-ea"/>
+              </a:rPr>
+              <a:t>name</a:t>
+            </a:r>
+            <a:r>
+              <a:rPr lang="ko-KR" altLang="en-US" sz="1400" dirty="0">
+                <a:latin typeface="+mn-ea"/>
+              </a:rPr>
+              <a:t>은</a:t>
+            </a:r>
+            <a:r>
+              <a:rPr lang="en-US" altLang="ko-KR" sz="1400" dirty="0">
+                <a:latin typeface="+mn-ea"/>
+              </a:rPr>
+              <a:t> String</a:t>
+            </a:r>
+            <a:r>
+              <a:rPr lang="ko-KR" altLang="en-US" sz="1400" dirty="0">
+                <a:latin typeface="+mn-ea"/>
+              </a:rPr>
+              <a:t>타입으로 </a:t>
+            </a:r>
+            <a:r>
+              <a:rPr lang="ko-KR" altLang="en-US" sz="1400" dirty="0" smtClean="0">
+                <a:latin typeface="+mn-ea"/>
+              </a:rPr>
+              <a:t>자동 선언</a:t>
+            </a:r>
+            <a:endParaRPr lang="en-US" altLang="ko-KR" sz="1400" dirty="0" smtClean="0">
+              <a:latin typeface="+mn-ea"/>
+            </a:endParaRPr>
+          </a:p>
+          <a:p>
+            <a:r>
+              <a:rPr lang="en-US" altLang="ko-KR" sz="1400" dirty="0" smtClean="0">
+                <a:latin typeface="+mn-ea"/>
+              </a:rPr>
+              <a:t>name = 100	// </a:t>
+            </a:r>
+            <a:r>
+              <a:rPr lang="ko-KR" altLang="en-US" sz="1400" dirty="0" smtClean="0">
+                <a:latin typeface="+mn-ea"/>
+              </a:rPr>
+              <a:t>앞서 타입추론을 통해 </a:t>
+            </a:r>
+            <a:r>
+              <a:rPr lang="en-US" altLang="ko-KR" sz="1400" dirty="0" smtClean="0">
+                <a:latin typeface="+mn-ea"/>
+              </a:rPr>
+              <a:t>String</a:t>
+            </a:r>
+            <a:r>
+              <a:rPr lang="ko-KR" altLang="en-US" sz="1400" dirty="0">
+                <a:latin typeface="+mn-ea"/>
+              </a:rPr>
+              <a:t> </a:t>
+            </a:r>
+            <a:r>
+              <a:rPr lang="ko-KR" altLang="en-US" sz="1400" dirty="0" smtClean="0">
+                <a:latin typeface="+mn-ea"/>
+              </a:rPr>
+              <a:t>타입인데</a:t>
+            </a:r>
+            <a:r>
+              <a:rPr lang="en-US" altLang="ko-KR" sz="1400" dirty="0" smtClean="0">
+                <a:latin typeface="+mn-ea"/>
+              </a:rPr>
+              <a:t>, Int </a:t>
+            </a:r>
+            <a:r>
+              <a:rPr lang="ko-KR" altLang="en-US" sz="1400" dirty="0" smtClean="0">
+                <a:latin typeface="+mn-ea"/>
+              </a:rPr>
+              <a:t>값을 넣으므로 </a:t>
+            </a:r>
+            <a:r>
+              <a:rPr lang="en-US" altLang="ko-KR" sz="1400" dirty="0" smtClean="0">
+                <a:latin typeface="+mn-ea"/>
+              </a:rPr>
+              <a:t>Error</a:t>
+            </a:r>
+            <a:endParaRPr lang="ko-KR" altLang="en-US" sz="1400" dirty="0">
+              <a:latin typeface="+mn-ea"/>
+            </a:endParaRPr>
+          </a:p>
+        </p:txBody>
+      </p:sp>
+    </p:spTree>
+    <p:extLst>
+      <p:ext uri="{BB962C8B-B14F-4D97-AF65-F5344CB8AC3E}">
+        <p14:creationId xmlns:p14="http://schemas.microsoft.com/office/powerpoint/2010/main" val="1656250826"/>
+      </p:ext>
+    </p:extLst>
+  </p:cSld>
+  <p:clrMapOvr>
+    <a:masterClrMapping/>
+  </p:clrMapOvr>
+</p:sld>
+</file>
+
+<file path=ppt/slides/slide43.xml><?xml version="1.0" encoding="utf-8"?>
+<p:sld xmlns:a="http://schemas.openxmlformats.org/drawingml/2006/main" xmlns:r="http://schemas.openxmlformats.org/officeDocument/2006/relationships" xmlns:p="http://schemas.openxmlformats.org/presentationml/2006/main">
+  <p:cSld>
+    <p:spTree>
+      <p:nvGrpSpPr>
+        <p:cNvPr id="1" name=""/>
+        <p:cNvGrpSpPr/>
+        <p:nvPr/>
+      </p:nvGrpSpPr>
+      <p:grpSpPr>
+        <a:xfrm>
+          <a:off x="0" y="0"/>
+          <a:ext cx="0" cy="0"/>
+          <a:chOff x="0" y="0"/>
+          <a:chExt cx="0" cy="0"/>
+        </a:xfrm>
+      </p:grpSpPr>
+      <p:sp>
+        <p:nvSpPr>
+          <p:cNvPr id="2" name="제목 1"/>
+          <p:cNvSpPr txBox="1">
+            <a:spLocks/>
+          </p:cNvSpPr>
+          <p:nvPr/>
+        </p:nvSpPr>
+        <p:spPr>
+          <a:xfrm>
+            <a:off x="539552" y="116632"/>
+            <a:ext cx="8680730" cy="596250"/>
+          </a:xfrm>
+          <a:prstGeom prst="rect">
+            <a:avLst/>
+          </a:prstGeom>
+        </p:spPr>
+        <p:txBody>
+          <a:bodyPr/>
+          <a:lstStyle>
+            <a:lvl1pPr algn="l" rtl="0" eaLnBrk="1" latinLnBrk="1" hangingPunct="1">
+              <a:spcBef>
+                <a:spcPct val="0"/>
+              </a:spcBef>
+              <a:buNone/>
+              <a:defRPr kumimoji="0" sz="3200" b="1" kern="1200" spc="-100" baseline="0">
+                <a:solidFill>
+                  <a:schemeClr val="tx2">
+                    <a:satMod val="200000"/>
+                  </a:schemeClr>
+                </a:solidFill>
+                <a:latin typeface="+mn-ea"/>
+                <a:ea typeface="+mn-ea"/>
+                <a:cs typeface="+mj-cs"/>
+              </a:defRPr>
+            </a:lvl1pPr>
+            <a:extLst/>
+          </a:lstStyle>
+          <a:p>
+            <a:r>
+              <a:rPr lang="ko-KR" altLang="en-US" dirty="0" smtClean="0"/>
+              <a:t>데이터타입 고급</a:t>
+            </a:r>
+            <a:endParaRPr lang="ko-KR" altLang="en-US" dirty="0"/>
+          </a:p>
+        </p:txBody>
+      </p:sp>
+      <p:sp>
+        <p:nvSpPr>
+          <p:cNvPr id="3" name="내용 개체 틀 2"/>
+          <p:cNvSpPr txBox="1">
+            <a:spLocks/>
+          </p:cNvSpPr>
+          <p:nvPr/>
+        </p:nvSpPr>
+        <p:spPr>
+          <a:xfrm>
+            <a:off x="683568" y="620688"/>
+            <a:ext cx="7772400" cy="539552"/>
+          </a:xfrm>
+          <a:prstGeom prst="rect">
+            <a:avLst/>
+          </a:prstGeom>
+        </p:spPr>
+        <p:txBody>
+          <a:bodyPr vert="horz">
+            <a:normAutofit/>
+          </a:bodyPr>
+          <a:lstStyle>
+            <a:lvl1pPr marL="411480" indent="-342900" algn="l" rtl="0" eaLnBrk="1" latinLnBrk="1" hangingPunct="1">
+              <a:spcBef>
+                <a:spcPts val="700"/>
+              </a:spcBef>
+              <a:buClr>
+                <a:schemeClr val="tx2"/>
+              </a:buClr>
+              <a:buSzPct val="95000"/>
+              <a:buFont typeface="Wingdings"/>
+              <a:buChar char=""/>
+              <a:defRPr kumimoji="0" sz="2400" kern="1200">
+                <a:solidFill>
+                  <a:schemeClr val="tx1"/>
+                </a:solidFill>
+                <a:latin typeface="+mn-ea"/>
+                <a:ea typeface="+mn-ea"/>
+                <a:cs typeface="+mn-cs"/>
+              </a:defRPr>
+            </a:lvl1pPr>
+            <a:lvl2pPr marL="740664" indent="-285750" algn="l" rtl="0" eaLnBrk="1" latinLnBrk="1" hangingPunct="1">
+              <a:spcBef>
+                <a:spcPct val="20000"/>
+              </a:spcBef>
+              <a:buClr>
+                <a:schemeClr val="accent2"/>
+              </a:buClr>
+              <a:buSzPct val="90000"/>
+              <a:buFont typeface="Wingdings"/>
+              <a:buChar char=""/>
+              <a:defRPr kumimoji="0" sz="1800" kern="1200">
+                <a:solidFill>
+                  <a:schemeClr val="tx1"/>
+                </a:solidFill>
+                <a:latin typeface="+mn-lt"/>
+                <a:ea typeface="+mn-ea"/>
+                <a:cs typeface="+mn-cs"/>
+              </a:defRPr>
+            </a:lvl2pPr>
+            <a:lvl3pPr marL="996696" indent="-228600" algn="l" rtl="0" eaLnBrk="1" latinLnBrk="1" hangingPunct="1">
+              <a:spcBef>
+                <a:spcPct val="20000"/>
+              </a:spcBef>
+              <a:buClr>
+                <a:schemeClr val="accent2"/>
+              </a:buClr>
+              <a:buFont typeface="Wingdings 2"/>
+              <a:buChar char=""/>
+              <a:defRPr kumimoji="0" sz="1600" kern="1200">
+                <a:solidFill>
+                  <a:schemeClr val="tx1"/>
+                </a:solidFill>
+                <a:latin typeface="+mn-lt"/>
+                <a:ea typeface="+mn-ea"/>
+                <a:cs typeface="+mn-cs"/>
+              </a:defRPr>
+            </a:lvl3pPr>
+            <a:lvl4pPr marL="1261872" indent="-228600" algn="l" rtl="0" eaLnBrk="1" latinLnBrk="1" hangingPunct="1">
+              <a:spcBef>
+                <a:spcPct val="20000"/>
+              </a:spcBef>
+              <a:buClr>
+                <a:schemeClr val="accent3"/>
+              </a:buClr>
+              <a:buFont typeface="Wingdings 3"/>
+              <a:buChar char=""/>
+              <a:defRPr kumimoji="0" sz="1200" kern="1200">
+                <a:solidFill>
+                  <a:schemeClr val="tx1"/>
+                </a:solidFill>
+                <a:latin typeface="+mn-lt"/>
+                <a:ea typeface="+mn-ea"/>
+                <a:cs typeface="+mn-cs"/>
+              </a:defRPr>
+            </a:lvl4pPr>
+            <a:lvl5pPr marL="1481328" indent="-210312" algn="l" rtl="0" eaLnBrk="1" latinLnBrk="1" hangingPunct="1">
+              <a:spcBef>
+                <a:spcPct val="20000"/>
+              </a:spcBef>
+              <a:buClr>
+                <a:schemeClr val="accent3"/>
+              </a:buClr>
+              <a:buFont typeface="Wingdings 2"/>
+              <a:buChar char=""/>
+              <a:defRPr kumimoji="0" sz="1000" kern="1200">
+                <a:solidFill>
+                  <a:schemeClr val="tx1"/>
+                </a:solidFill>
+                <a:latin typeface="+mn-lt"/>
+                <a:ea typeface="+mn-ea"/>
+                <a:cs typeface="+mn-cs"/>
+              </a:defRPr>
+            </a:lvl5pPr>
+            <a:lvl6pPr marL="1709928" indent="-210312" algn="l" rtl="0" eaLnBrk="1" latinLnBrk="1" hangingPunct="1">
+              <a:spcBef>
+                <a:spcPct val="20000"/>
+              </a:spcBef>
+              <a:buClr>
+                <a:schemeClr val="accent3"/>
+              </a:buClr>
+              <a:buFont typeface="Wingdings 2"/>
+              <a:buChar char=""/>
+              <a:defRPr kumimoji="0" sz="1800" kern="1200">
+                <a:solidFill>
+                  <a:schemeClr val="tx1"/>
+                </a:solidFill>
+                <a:latin typeface="+mn-lt"/>
+                <a:ea typeface="+mn-ea"/>
+                <a:cs typeface="+mn-cs"/>
+              </a:defRPr>
+            </a:lvl6pPr>
+            <a:lvl7pPr marL="1901952" indent="-182880" algn="l" rtl="0" eaLnBrk="1" latinLnBrk="1" hangingPunct="1">
+              <a:spcBef>
+                <a:spcPct val="20000"/>
+              </a:spcBef>
+              <a:buClr>
+                <a:schemeClr val="accent4"/>
+              </a:buClr>
+              <a:buFont typeface="Wingdings 2"/>
+              <a:buChar char=""/>
+              <a:defRPr kumimoji="0" sz="1600" kern="1200">
+                <a:solidFill>
+                  <a:schemeClr val="tx1"/>
+                </a:solidFill>
+                <a:latin typeface="+mn-lt"/>
+                <a:ea typeface="+mn-ea"/>
+                <a:cs typeface="+mn-cs"/>
+              </a:defRPr>
+            </a:lvl7pPr>
+            <a:lvl8pPr marL="2093976" indent="-182880" algn="l" rtl="0" eaLnBrk="1" latinLnBrk="1" hangingPunct="1">
+              <a:spcBef>
+                <a:spcPct val="20000"/>
+              </a:spcBef>
+              <a:buClr>
+                <a:schemeClr val="accent4"/>
+              </a:buClr>
+              <a:buFont typeface="Wingdings 2"/>
+              <a:buChar char=""/>
+              <a:defRPr kumimoji="0" sz="1600" kern="1200">
+                <a:solidFill>
+                  <a:schemeClr val="tx1"/>
+                </a:solidFill>
+                <a:latin typeface="+mn-lt"/>
+                <a:ea typeface="+mn-ea"/>
+                <a:cs typeface="+mn-cs"/>
+              </a:defRPr>
+            </a:lvl8pPr>
+            <a:lvl9pPr marL="2286000" indent="-182880" algn="l" rtl="0" eaLnBrk="1" latinLnBrk="1" hangingPunct="1">
+              <a:spcBef>
+                <a:spcPct val="20000"/>
+              </a:spcBef>
+              <a:buClr>
+                <a:schemeClr val="accent4"/>
+              </a:buClr>
+              <a:buFont typeface="Wingdings 2"/>
+              <a:buChar char=""/>
+              <a:defRPr kumimoji="0" sz="1600" kern="1200">
+                <a:solidFill>
+                  <a:schemeClr val="tx1"/>
+                </a:solidFill>
+                <a:latin typeface="+mn-lt"/>
+                <a:ea typeface="+mn-ea"/>
+                <a:cs typeface="+mn-cs"/>
+              </a:defRPr>
+            </a:lvl9pPr>
+            <a:extLst/>
+          </a:lstStyle>
+          <a:p>
+            <a:r>
+              <a:rPr lang="ko-KR" altLang="en-US" dirty="0"/>
+              <a:t>타입 별칭</a:t>
+            </a:r>
+            <a:endParaRPr lang="en-US" altLang="ko-KR" dirty="0" smtClean="0"/>
+          </a:p>
+        </p:txBody>
+      </p:sp>
+      <p:sp>
+        <p:nvSpPr>
+          <p:cNvPr id="6" name="TextBox 5"/>
+          <p:cNvSpPr txBox="1"/>
+          <p:nvPr/>
+        </p:nvSpPr>
+        <p:spPr>
+          <a:xfrm>
+            <a:off x="971600" y="980728"/>
+            <a:ext cx="7633821" cy="462627"/>
+          </a:xfrm>
+          <a:prstGeom prst="rect">
+            <a:avLst/>
+          </a:prstGeom>
+          <a:noFill/>
+        </p:spPr>
+        <p:txBody>
+          <a:bodyPr wrap="none" rtlCol="0">
+            <a:spAutoFit/>
+          </a:bodyPr>
+          <a:lstStyle/>
+          <a:p>
+            <a:pPr marL="342900" indent="-342900">
+              <a:lnSpc>
+                <a:spcPct val="150000"/>
+              </a:lnSpc>
+              <a:buFont typeface="Arial" panose="020B0604020202020204" pitchFamily="34" charset="0"/>
+              <a:buChar char="•"/>
+            </a:pPr>
+            <a:r>
+              <a:rPr lang="en-US" altLang="ko-KR" dirty="0" smtClean="0"/>
+              <a:t>Swift </a:t>
+            </a:r>
+            <a:r>
+              <a:rPr lang="ko-KR" altLang="en-US" dirty="0" smtClean="0"/>
+              <a:t>또한 사용자가 임의로 데이터타입을 만들어 별도의 별칭 부여가능</a:t>
+            </a:r>
+            <a:endParaRPr lang="en-US" altLang="ko-KR" dirty="0" smtClean="0"/>
+          </a:p>
+        </p:txBody>
+      </p:sp>
+      <p:sp>
+        <p:nvSpPr>
+          <p:cNvPr id="10" name="TextBox 9"/>
+          <p:cNvSpPr txBox="1"/>
+          <p:nvPr/>
+        </p:nvSpPr>
+        <p:spPr>
+          <a:xfrm>
+            <a:off x="1907704" y="2550383"/>
+            <a:ext cx="2892780" cy="2246769"/>
+          </a:xfrm>
+          <a:prstGeom prst="rect">
+            <a:avLst/>
+          </a:prstGeom>
+          <a:noFill/>
+        </p:spPr>
+        <p:txBody>
+          <a:bodyPr wrap="none" rtlCol="0">
+            <a:spAutoFit/>
+          </a:bodyPr>
+          <a:lstStyle/>
+          <a:p>
+            <a:r>
+              <a:rPr lang="en-US" altLang="ko-KR" sz="1400" dirty="0" smtClean="0">
+                <a:latin typeface="+mn-ea"/>
+              </a:rPr>
+              <a:t>typealias </a:t>
+            </a:r>
+            <a:r>
+              <a:rPr lang="en-US" altLang="ko-KR" sz="1400" dirty="0" err="1" smtClean="0">
+                <a:latin typeface="+mn-ea"/>
+              </a:rPr>
+              <a:t>MyInt</a:t>
+            </a:r>
+            <a:r>
+              <a:rPr lang="en-US" altLang="ko-KR" sz="1400" dirty="0" smtClean="0">
+                <a:latin typeface="+mn-ea"/>
+              </a:rPr>
+              <a:t> = Int</a:t>
+            </a:r>
+          </a:p>
+          <a:p>
+            <a:r>
+              <a:rPr lang="en-US" altLang="ko-KR" sz="1400" dirty="0" smtClean="0">
+                <a:latin typeface="+mn-ea"/>
+              </a:rPr>
+              <a:t>typealias </a:t>
+            </a:r>
+            <a:r>
+              <a:rPr lang="en-US" altLang="ko-KR" sz="1400" dirty="0" err="1" smtClean="0">
+                <a:latin typeface="+mn-ea"/>
+              </a:rPr>
+              <a:t>YourInt</a:t>
+            </a:r>
+            <a:r>
+              <a:rPr lang="en-US" altLang="ko-KR" sz="1400" dirty="0" smtClean="0">
+                <a:latin typeface="+mn-ea"/>
+              </a:rPr>
+              <a:t> = Int</a:t>
+            </a:r>
+          </a:p>
+          <a:p>
+            <a:r>
+              <a:rPr lang="en-US" altLang="ko-KR" sz="1400" dirty="0" smtClean="0">
+                <a:latin typeface="+mn-ea"/>
+              </a:rPr>
+              <a:t>typealias </a:t>
+            </a:r>
+            <a:r>
+              <a:rPr lang="en-US" altLang="ko-KR" sz="1400" dirty="0" err="1" smtClean="0">
+                <a:latin typeface="+mn-ea"/>
+              </a:rPr>
+              <a:t>MyDouble</a:t>
+            </a:r>
+            <a:r>
+              <a:rPr lang="en-US" altLang="ko-KR" sz="1400" dirty="0" smtClean="0">
+                <a:latin typeface="+mn-ea"/>
+              </a:rPr>
+              <a:t> = Double</a:t>
+            </a:r>
+          </a:p>
+          <a:p>
+            <a:endParaRPr lang="en-US" altLang="ko-KR" sz="1400" dirty="0">
+              <a:latin typeface="+mn-ea"/>
+            </a:endParaRPr>
+          </a:p>
+          <a:p>
+            <a:r>
+              <a:rPr lang="en-US" altLang="ko-KR" sz="1400" dirty="0" smtClean="0">
+                <a:latin typeface="+mn-ea"/>
+              </a:rPr>
+              <a:t>let age: </a:t>
+            </a:r>
+            <a:r>
+              <a:rPr lang="en-US" altLang="ko-KR" sz="1400" dirty="0" err="1" smtClean="0">
+                <a:latin typeface="+mn-ea"/>
+              </a:rPr>
+              <a:t>MyInt</a:t>
+            </a:r>
+            <a:r>
+              <a:rPr lang="en-US" altLang="ko-KR" sz="1400" dirty="0" smtClean="0">
+                <a:latin typeface="+mn-ea"/>
+              </a:rPr>
+              <a:t> = 100</a:t>
+            </a:r>
+          </a:p>
+          <a:p>
+            <a:r>
+              <a:rPr lang="en-US" altLang="ko-KR" sz="1400" dirty="0" smtClean="0">
+                <a:latin typeface="+mn-ea"/>
+              </a:rPr>
+              <a:t>var year: </a:t>
+            </a:r>
+            <a:r>
+              <a:rPr lang="en-US" altLang="ko-KR" sz="1400" dirty="0" err="1" smtClean="0">
+                <a:latin typeface="+mn-ea"/>
+              </a:rPr>
+              <a:t>YourInt</a:t>
+            </a:r>
+            <a:r>
+              <a:rPr lang="en-US" altLang="ko-KR" sz="1400" dirty="0" smtClean="0">
+                <a:latin typeface="+mn-ea"/>
+              </a:rPr>
+              <a:t> = 2080</a:t>
+            </a:r>
+          </a:p>
+          <a:p>
+            <a:r>
+              <a:rPr lang="en-US" altLang="ko-KR" sz="1400" dirty="0" smtClean="0">
+                <a:latin typeface="+mn-ea"/>
+              </a:rPr>
+              <a:t>year = age</a:t>
+            </a:r>
+          </a:p>
+          <a:p>
+            <a:endParaRPr lang="en-US" altLang="ko-KR" sz="1400" dirty="0">
+              <a:latin typeface="+mn-ea"/>
+            </a:endParaRPr>
+          </a:p>
+          <a:p>
+            <a:r>
+              <a:rPr lang="en-US" altLang="ko-KR" sz="1400" dirty="0" smtClean="0">
+                <a:latin typeface="+mn-ea"/>
+              </a:rPr>
+              <a:t>let month: Int = 7</a:t>
+            </a:r>
+          </a:p>
+          <a:p>
+            <a:r>
+              <a:rPr lang="en-US" altLang="ko-KR" sz="1400" dirty="0" smtClean="0">
+                <a:latin typeface="+mn-ea"/>
+              </a:rPr>
+              <a:t>let percentage: </a:t>
+            </a:r>
+            <a:r>
+              <a:rPr lang="en-US" altLang="ko-KR" sz="1400" dirty="0" err="1" smtClean="0">
+                <a:latin typeface="+mn-ea"/>
+              </a:rPr>
+              <a:t>MyDouble</a:t>
+            </a:r>
+            <a:r>
+              <a:rPr lang="en-US" altLang="ko-KR" sz="1400" dirty="0" smtClean="0">
+                <a:latin typeface="+mn-ea"/>
+              </a:rPr>
+              <a:t> = 99.9</a:t>
+            </a:r>
+            <a:endParaRPr lang="ko-KR" altLang="en-US" sz="1400" dirty="0">
+              <a:latin typeface="+mn-ea"/>
+            </a:endParaRPr>
+          </a:p>
+        </p:txBody>
+      </p:sp>
+      <p:sp>
+        <p:nvSpPr>
+          <p:cNvPr id="9" name="TextBox 8"/>
+          <p:cNvSpPr txBox="1"/>
+          <p:nvPr/>
+        </p:nvSpPr>
+        <p:spPr>
+          <a:xfrm>
+            <a:off x="1979712" y="1671191"/>
+            <a:ext cx="5280613" cy="461665"/>
+          </a:xfrm>
+          <a:prstGeom prst="rect">
+            <a:avLst/>
+          </a:prstGeom>
+          <a:noFill/>
+          <a:ln w="28575">
+            <a:solidFill>
+              <a:schemeClr val="accent1">
+                <a:lumMod val="60000"/>
+                <a:lumOff val="40000"/>
+              </a:schemeClr>
+            </a:solidFill>
+          </a:ln>
+        </p:spPr>
+        <p:txBody>
+          <a:bodyPr wrap="none" rtlCol="0">
+            <a:spAutoFit/>
+          </a:bodyPr>
+          <a:lstStyle/>
+          <a:p>
+            <a:pPr algn="ctr"/>
+            <a:r>
+              <a:rPr lang="en-US" altLang="ko-KR" sz="2400" b="1" dirty="0" smtClean="0">
+                <a:solidFill>
+                  <a:schemeClr val="accent1">
+                    <a:lumMod val="40000"/>
+                    <a:lumOff val="60000"/>
+                  </a:schemeClr>
+                </a:solidFill>
+                <a:latin typeface="+mn-ea"/>
+              </a:rPr>
+              <a:t>typealias </a:t>
+            </a:r>
+            <a:r>
+              <a:rPr lang="ko-KR" altLang="en-US" sz="2400" b="1" dirty="0" smtClean="0">
+                <a:solidFill>
+                  <a:schemeClr val="accent1">
+                    <a:lumMod val="40000"/>
+                    <a:lumOff val="60000"/>
+                  </a:schemeClr>
+                </a:solidFill>
+                <a:latin typeface="+mn-ea"/>
+              </a:rPr>
+              <a:t>사용자타입 </a:t>
+            </a:r>
+            <a:r>
+              <a:rPr lang="en-US" altLang="ko-KR" sz="2400" b="1" dirty="0" smtClean="0">
+                <a:solidFill>
+                  <a:schemeClr val="accent1">
+                    <a:lumMod val="40000"/>
+                    <a:lumOff val="60000"/>
+                  </a:schemeClr>
+                </a:solidFill>
+                <a:latin typeface="+mn-ea"/>
+              </a:rPr>
+              <a:t>= </a:t>
+            </a:r>
+            <a:r>
+              <a:rPr lang="ko-KR" altLang="en-US" sz="2400" b="1" dirty="0" smtClean="0">
+                <a:solidFill>
+                  <a:schemeClr val="accent1">
+                    <a:lumMod val="40000"/>
+                    <a:lumOff val="60000"/>
+                  </a:schemeClr>
+                </a:solidFill>
+                <a:latin typeface="+mn-ea"/>
+              </a:rPr>
+              <a:t>데이터타입</a:t>
+            </a:r>
+            <a:endParaRPr lang="ko-KR" altLang="en-US" sz="2400" b="1" dirty="0">
+              <a:solidFill>
+                <a:schemeClr val="accent1">
+                  <a:lumMod val="40000"/>
+                  <a:lumOff val="60000"/>
+                </a:schemeClr>
+              </a:solidFill>
+              <a:latin typeface="+mn-ea"/>
+            </a:endParaRPr>
+          </a:p>
+        </p:txBody>
+      </p:sp>
+    </p:spTree>
+    <p:extLst>
+      <p:ext uri="{BB962C8B-B14F-4D97-AF65-F5344CB8AC3E}">
+        <p14:creationId xmlns:p14="http://schemas.microsoft.com/office/powerpoint/2010/main" val="3263263679"/>
+      </p:ext>
+    </p:extLst>
+  </p:cSld>
+  <p:clrMapOvr>
+    <a:masterClrMapping/>
+  </p:clrMapOvr>
+</p:sld>
+</file>
+
+<file path=ppt/slides/slide44.xml><?xml version="1.0" encoding="utf-8"?>
+<p:sld xmlns:a="http://schemas.openxmlformats.org/drawingml/2006/main" xmlns:r="http://schemas.openxmlformats.org/officeDocument/2006/relationships" xmlns:p="http://schemas.openxmlformats.org/presentationml/2006/main">
+  <p:cSld>
+    <p:spTree>
+      <p:nvGrpSpPr>
+        <p:cNvPr id="1" name=""/>
+        <p:cNvGrpSpPr/>
+        <p:nvPr/>
+      </p:nvGrpSpPr>
+      <p:grpSpPr>
+        <a:xfrm>
+          <a:off x="0" y="0"/>
+          <a:ext cx="0" cy="0"/>
+          <a:chOff x="0" y="0"/>
+          <a:chExt cx="0" cy="0"/>
+        </a:xfrm>
+      </p:grpSpPr>
+      <p:sp>
+        <p:nvSpPr>
+          <p:cNvPr id="2" name="제목 1"/>
+          <p:cNvSpPr txBox="1">
+            <a:spLocks/>
+          </p:cNvSpPr>
+          <p:nvPr/>
+        </p:nvSpPr>
+        <p:spPr>
+          <a:xfrm>
+            <a:off x="539552" y="116632"/>
+            <a:ext cx="8680730" cy="596250"/>
+          </a:xfrm>
+          <a:prstGeom prst="rect">
+            <a:avLst/>
+          </a:prstGeom>
+        </p:spPr>
+        <p:txBody>
+          <a:bodyPr/>
+          <a:lstStyle>
+            <a:lvl1pPr algn="l" rtl="0" eaLnBrk="1" latinLnBrk="1" hangingPunct="1">
+              <a:spcBef>
+                <a:spcPct val="0"/>
+              </a:spcBef>
+              <a:buNone/>
+              <a:defRPr kumimoji="0" sz="3200" b="1" kern="1200" spc="-100" baseline="0">
+                <a:solidFill>
+                  <a:schemeClr val="tx2">
+                    <a:satMod val="200000"/>
+                  </a:schemeClr>
+                </a:solidFill>
+                <a:latin typeface="+mn-ea"/>
+                <a:ea typeface="+mn-ea"/>
+                <a:cs typeface="+mj-cs"/>
+              </a:defRPr>
+            </a:lvl1pPr>
+            <a:extLst/>
+          </a:lstStyle>
+          <a:p>
+            <a:r>
+              <a:rPr lang="ko-KR" altLang="en-US" dirty="0" smtClean="0"/>
+              <a:t>데이터타입 고급</a:t>
+            </a:r>
+            <a:endParaRPr lang="ko-KR" altLang="en-US" dirty="0"/>
+          </a:p>
+        </p:txBody>
+      </p:sp>
+      <p:sp>
+        <p:nvSpPr>
+          <p:cNvPr id="3" name="내용 개체 틀 2"/>
+          <p:cNvSpPr txBox="1">
+            <a:spLocks/>
+          </p:cNvSpPr>
+          <p:nvPr/>
+        </p:nvSpPr>
+        <p:spPr>
+          <a:xfrm>
+            <a:off x="683568" y="620688"/>
+            <a:ext cx="7772400" cy="539552"/>
+          </a:xfrm>
+          <a:prstGeom prst="rect">
+            <a:avLst/>
+          </a:prstGeom>
+        </p:spPr>
+        <p:txBody>
+          <a:bodyPr vert="horz">
+            <a:normAutofit/>
+          </a:bodyPr>
+          <a:lstStyle>
+            <a:lvl1pPr marL="411480" indent="-342900" algn="l" rtl="0" eaLnBrk="1" latinLnBrk="1" hangingPunct="1">
+              <a:spcBef>
+                <a:spcPts val="700"/>
+              </a:spcBef>
+              <a:buClr>
+                <a:schemeClr val="tx2"/>
+              </a:buClr>
+              <a:buSzPct val="95000"/>
+              <a:buFont typeface="Wingdings"/>
+              <a:buChar char=""/>
+              <a:defRPr kumimoji="0" sz="2400" kern="1200">
+                <a:solidFill>
+                  <a:schemeClr val="tx1"/>
+                </a:solidFill>
+                <a:latin typeface="+mn-ea"/>
+                <a:ea typeface="+mn-ea"/>
+                <a:cs typeface="+mn-cs"/>
+              </a:defRPr>
+            </a:lvl1pPr>
+            <a:lvl2pPr marL="740664" indent="-285750" algn="l" rtl="0" eaLnBrk="1" latinLnBrk="1" hangingPunct="1">
+              <a:spcBef>
+                <a:spcPct val="20000"/>
+              </a:spcBef>
+              <a:buClr>
+                <a:schemeClr val="accent2"/>
+              </a:buClr>
+              <a:buSzPct val="90000"/>
+              <a:buFont typeface="Wingdings"/>
+              <a:buChar char=""/>
+              <a:defRPr kumimoji="0" sz="1800" kern="1200">
+                <a:solidFill>
+                  <a:schemeClr val="tx1"/>
+                </a:solidFill>
+                <a:latin typeface="+mn-lt"/>
+                <a:ea typeface="+mn-ea"/>
+                <a:cs typeface="+mn-cs"/>
+              </a:defRPr>
+            </a:lvl2pPr>
+            <a:lvl3pPr marL="996696" indent="-228600" algn="l" rtl="0" eaLnBrk="1" latinLnBrk="1" hangingPunct="1">
+              <a:spcBef>
+                <a:spcPct val="20000"/>
+              </a:spcBef>
+              <a:buClr>
+                <a:schemeClr val="accent2"/>
+              </a:buClr>
+              <a:buFont typeface="Wingdings 2"/>
+              <a:buChar char=""/>
+              <a:defRPr kumimoji="0" sz="1600" kern="1200">
+                <a:solidFill>
+                  <a:schemeClr val="tx1"/>
+                </a:solidFill>
+                <a:latin typeface="+mn-lt"/>
+                <a:ea typeface="+mn-ea"/>
+                <a:cs typeface="+mn-cs"/>
+              </a:defRPr>
+            </a:lvl3pPr>
+            <a:lvl4pPr marL="1261872" indent="-228600" algn="l" rtl="0" eaLnBrk="1" latinLnBrk="1" hangingPunct="1">
+              <a:spcBef>
+                <a:spcPct val="20000"/>
+              </a:spcBef>
+              <a:buClr>
+                <a:schemeClr val="accent3"/>
+              </a:buClr>
+              <a:buFont typeface="Wingdings 3"/>
+              <a:buChar char=""/>
+              <a:defRPr kumimoji="0" sz="1200" kern="1200">
+                <a:solidFill>
+                  <a:schemeClr val="tx1"/>
+                </a:solidFill>
+                <a:latin typeface="+mn-lt"/>
+                <a:ea typeface="+mn-ea"/>
+                <a:cs typeface="+mn-cs"/>
+              </a:defRPr>
+            </a:lvl4pPr>
+            <a:lvl5pPr marL="1481328" indent="-210312" algn="l" rtl="0" eaLnBrk="1" latinLnBrk="1" hangingPunct="1">
+              <a:spcBef>
+                <a:spcPct val="20000"/>
+              </a:spcBef>
+              <a:buClr>
+                <a:schemeClr val="accent3"/>
+              </a:buClr>
+              <a:buFont typeface="Wingdings 2"/>
+              <a:buChar char=""/>
+              <a:defRPr kumimoji="0" sz="1000" kern="1200">
+                <a:solidFill>
+                  <a:schemeClr val="tx1"/>
+                </a:solidFill>
+                <a:latin typeface="+mn-lt"/>
+                <a:ea typeface="+mn-ea"/>
+                <a:cs typeface="+mn-cs"/>
+              </a:defRPr>
+            </a:lvl5pPr>
+            <a:lvl6pPr marL="1709928" indent="-210312" algn="l" rtl="0" eaLnBrk="1" latinLnBrk="1" hangingPunct="1">
+              <a:spcBef>
+                <a:spcPct val="20000"/>
+              </a:spcBef>
+              <a:buClr>
+                <a:schemeClr val="accent3"/>
+              </a:buClr>
+              <a:buFont typeface="Wingdings 2"/>
+              <a:buChar char=""/>
+              <a:defRPr kumimoji="0" sz="1800" kern="1200">
+                <a:solidFill>
+                  <a:schemeClr val="tx1"/>
+                </a:solidFill>
+                <a:latin typeface="+mn-lt"/>
+                <a:ea typeface="+mn-ea"/>
+                <a:cs typeface="+mn-cs"/>
+              </a:defRPr>
+            </a:lvl6pPr>
+            <a:lvl7pPr marL="1901952" indent="-182880" algn="l" rtl="0" eaLnBrk="1" latinLnBrk="1" hangingPunct="1">
+              <a:spcBef>
+                <a:spcPct val="20000"/>
+              </a:spcBef>
+              <a:buClr>
+                <a:schemeClr val="accent4"/>
+              </a:buClr>
+              <a:buFont typeface="Wingdings 2"/>
+              <a:buChar char=""/>
+              <a:defRPr kumimoji="0" sz="1600" kern="1200">
+                <a:solidFill>
+                  <a:schemeClr val="tx1"/>
+                </a:solidFill>
+                <a:latin typeface="+mn-lt"/>
+                <a:ea typeface="+mn-ea"/>
+                <a:cs typeface="+mn-cs"/>
+              </a:defRPr>
+            </a:lvl7pPr>
+            <a:lvl8pPr marL="2093976" indent="-182880" algn="l" rtl="0" eaLnBrk="1" latinLnBrk="1" hangingPunct="1">
+              <a:spcBef>
+                <a:spcPct val="20000"/>
+              </a:spcBef>
+              <a:buClr>
+                <a:schemeClr val="accent4"/>
+              </a:buClr>
+              <a:buFont typeface="Wingdings 2"/>
+              <a:buChar char=""/>
+              <a:defRPr kumimoji="0" sz="1600" kern="1200">
+                <a:solidFill>
+                  <a:schemeClr val="tx1"/>
+                </a:solidFill>
+                <a:latin typeface="+mn-lt"/>
+                <a:ea typeface="+mn-ea"/>
+                <a:cs typeface="+mn-cs"/>
+              </a:defRPr>
+            </a:lvl8pPr>
+            <a:lvl9pPr marL="2286000" indent="-182880" algn="l" rtl="0" eaLnBrk="1" latinLnBrk="1" hangingPunct="1">
+              <a:spcBef>
+                <a:spcPct val="20000"/>
+              </a:spcBef>
+              <a:buClr>
+                <a:schemeClr val="accent4"/>
+              </a:buClr>
+              <a:buFont typeface="Wingdings 2"/>
+              <a:buChar char=""/>
+              <a:defRPr kumimoji="0" sz="1600" kern="1200">
+                <a:solidFill>
+                  <a:schemeClr val="tx1"/>
+                </a:solidFill>
+                <a:latin typeface="+mn-lt"/>
+                <a:ea typeface="+mn-ea"/>
+                <a:cs typeface="+mn-cs"/>
+              </a:defRPr>
+            </a:lvl9pPr>
+            <a:extLst/>
+          </a:lstStyle>
+          <a:p>
+            <a:r>
+              <a:rPr lang="ko-KR" altLang="en-US" dirty="0" smtClean="0"/>
+              <a:t>튜플 </a:t>
+            </a:r>
+            <a:r>
+              <a:rPr lang="en-US" altLang="ko-KR" dirty="0" smtClean="0"/>
+              <a:t>(tuple</a:t>
+            </a:r>
+            <a:r>
+              <a:rPr lang="en-US" altLang="ko-KR" dirty="0"/>
+              <a:t>)</a:t>
+            </a:r>
+            <a:endParaRPr lang="en-US" altLang="ko-KR" dirty="0" smtClean="0"/>
+          </a:p>
+        </p:txBody>
+      </p:sp>
+      <p:sp>
+        <p:nvSpPr>
+          <p:cNvPr id="6" name="TextBox 5"/>
+          <p:cNvSpPr txBox="1"/>
+          <p:nvPr/>
+        </p:nvSpPr>
+        <p:spPr>
+          <a:xfrm>
+            <a:off x="971600" y="980728"/>
+            <a:ext cx="5588389" cy="1338828"/>
+          </a:xfrm>
+          <a:prstGeom prst="rect">
+            <a:avLst/>
+          </a:prstGeom>
+          <a:noFill/>
+        </p:spPr>
+        <p:txBody>
+          <a:bodyPr wrap="none" rtlCol="0">
+            <a:spAutoFit/>
+          </a:bodyPr>
+          <a:lstStyle/>
+          <a:p>
+            <a:pPr marL="342900" indent="-342900">
+              <a:lnSpc>
+                <a:spcPct val="150000"/>
+              </a:lnSpc>
+              <a:buFont typeface="Arial" panose="020B0604020202020204" pitchFamily="34" charset="0"/>
+              <a:buChar char="•"/>
+            </a:pPr>
+            <a:r>
+              <a:rPr lang="ko-KR" altLang="en-US" dirty="0" smtClean="0"/>
+              <a:t>타입의</a:t>
+            </a:r>
+            <a:r>
+              <a:rPr lang="en-US" altLang="ko-KR" dirty="0" smtClean="0"/>
+              <a:t>  </a:t>
+            </a:r>
+            <a:r>
+              <a:rPr lang="ko-KR" altLang="en-US" dirty="0" smtClean="0"/>
+              <a:t>이름이  따로 지정되어 있지 않음</a:t>
+            </a:r>
+            <a:endParaRPr lang="en-US" altLang="ko-KR" dirty="0" smtClean="0"/>
+          </a:p>
+          <a:p>
+            <a:pPr marL="342900" indent="-342900">
+              <a:lnSpc>
+                <a:spcPct val="150000"/>
+              </a:lnSpc>
+              <a:buFont typeface="Arial" panose="020B0604020202020204" pitchFamily="34" charset="0"/>
+              <a:buChar char="•"/>
+            </a:pPr>
+            <a:r>
+              <a:rPr lang="ko-KR" altLang="en-US" dirty="0" smtClean="0"/>
+              <a:t>개발자의 의도로 만드는 타입 </a:t>
+            </a:r>
+            <a:r>
+              <a:rPr lang="en-US" altLang="ko-KR" dirty="0" smtClean="0"/>
+              <a:t>– </a:t>
+            </a:r>
+            <a:r>
+              <a:rPr lang="ko-KR" altLang="en-US" b="1" u="sng" dirty="0" smtClean="0">
+                <a:solidFill>
+                  <a:schemeClr val="accent3">
+                    <a:lumMod val="60000"/>
+                    <a:lumOff val="40000"/>
+                  </a:schemeClr>
+                </a:solidFill>
+              </a:rPr>
+              <a:t>지정된 데이터 묶음</a:t>
+            </a:r>
+            <a:endParaRPr lang="en-US" altLang="ko-KR" b="1" u="sng" dirty="0" smtClean="0">
+              <a:solidFill>
+                <a:schemeClr val="accent3">
+                  <a:lumMod val="60000"/>
+                  <a:lumOff val="40000"/>
+                </a:schemeClr>
+              </a:solidFill>
+            </a:endParaRPr>
+          </a:p>
+          <a:p>
+            <a:pPr marL="342900" indent="-342900">
+              <a:lnSpc>
+                <a:spcPct val="150000"/>
+              </a:lnSpc>
+              <a:buFont typeface="Arial" panose="020B0604020202020204" pitchFamily="34" charset="0"/>
+              <a:buChar char="•"/>
+            </a:pPr>
+            <a:r>
+              <a:rPr lang="en-US" altLang="ko-KR" dirty="0"/>
+              <a:t>C</a:t>
+            </a:r>
+            <a:r>
+              <a:rPr lang="ko-KR" altLang="en-US" dirty="0"/>
+              <a:t>언어의 구조체 형태와 </a:t>
+            </a:r>
+            <a:r>
+              <a:rPr lang="ko-KR" altLang="en-US" dirty="0" smtClean="0"/>
+              <a:t>유사 </a:t>
+            </a:r>
+            <a:endParaRPr lang="en-US" altLang="ko-KR" dirty="0" smtClean="0"/>
+          </a:p>
+        </p:txBody>
+      </p:sp>
+      <p:sp>
+        <p:nvSpPr>
+          <p:cNvPr id="10" name="TextBox 9"/>
+          <p:cNvSpPr txBox="1"/>
+          <p:nvPr/>
+        </p:nvSpPr>
+        <p:spPr>
+          <a:xfrm>
+            <a:off x="346099" y="2748404"/>
+            <a:ext cx="8330357" cy="1600438"/>
+          </a:xfrm>
+          <a:prstGeom prst="rect">
+            <a:avLst/>
+          </a:prstGeom>
+          <a:noFill/>
+        </p:spPr>
+        <p:txBody>
+          <a:bodyPr wrap="none" rtlCol="0">
+            <a:spAutoFit/>
+          </a:bodyPr>
+          <a:lstStyle/>
+          <a:p>
+            <a:r>
+              <a:rPr lang="en-US" altLang="ko-KR" sz="1400" dirty="0" smtClean="0">
+                <a:latin typeface="+mn-ea"/>
+              </a:rPr>
+              <a:t>var</a:t>
+            </a:r>
+            <a:r>
+              <a:rPr lang="ko-KR" altLang="en-US" sz="1400" dirty="0" smtClean="0">
+                <a:latin typeface="+mn-ea"/>
+              </a:rPr>
+              <a:t> </a:t>
+            </a:r>
+            <a:r>
+              <a:rPr lang="en-US" altLang="ko-KR" sz="1400" dirty="0" smtClean="0">
+                <a:latin typeface="+mn-ea"/>
+              </a:rPr>
+              <a:t>person: (String, Int, Double) = (“Jason”, 85, 182.1)</a:t>
+            </a:r>
+          </a:p>
+          <a:p>
+            <a:r>
+              <a:rPr lang="en-US" altLang="ko-KR" sz="1400" dirty="0" smtClean="0">
+                <a:latin typeface="+mn-ea"/>
+              </a:rPr>
+              <a:t>print(“</a:t>
+            </a:r>
+            <a:r>
+              <a:rPr lang="ko-KR" altLang="en-US" sz="1400" dirty="0" smtClean="0">
+                <a:latin typeface="+mn-ea"/>
+              </a:rPr>
+              <a:t>이름</a:t>
+            </a:r>
+            <a:r>
+              <a:rPr lang="en-US" altLang="ko-KR" sz="1400" dirty="0" smtClean="0">
+                <a:latin typeface="+mn-ea"/>
+              </a:rPr>
+              <a:t>: \(</a:t>
+            </a:r>
+            <a:r>
+              <a:rPr lang="en-US" altLang="ko-KR" sz="1400" dirty="0" smtClean="0">
+                <a:solidFill>
+                  <a:schemeClr val="accent3">
+                    <a:lumMod val="60000"/>
+                    <a:lumOff val="40000"/>
+                  </a:schemeClr>
+                </a:solidFill>
+                <a:latin typeface="+mn-ea"/>
+              </a:rPr>
+              <a:t>person.0</a:t>
+            </a:r>
+            <a:r>
+              <a:rPr lang="en-US" altLang="ko-KR" sz="1400" dirty="0" smtClean="0">
+                <a:latin typeface="+mn-ea"/>
+              </a:rPr>
+              <a:t>), </a:t>
+            </a:r>
+            <a:r>
+              <a:rPr lang="ko-KR" altLang="en-US" sz="1400" dirty="0" smtClean="0">
+                <a:latin typeface="+mn-ea"/>
+              </a:rPr>
+              <a:t>나이</a:t>
+            </a:r>
+            <a:r>
+              <a:rPr lang="en-US" altLang="ko-KR" sz="1400" dirty="0" smtClean="0">
+                <a:latin typeface="+mn-ea"/>
+              </a:rPr>
+              <a:t>: </a:t>
+            </a:r>
+            <a:r>
+              <a:rPr lang="en-US" altLang="ko-KR" sz="1400" dirty="0">
+                <a:latin typeface="+mn-ea"/>
+              </a:rPr>
+              <a:t>\(</a:t>
+            </a:r>
+            <a:r>
+              <a:rPr lang="en-US" altLang="ko-KR" sz="1400" dirty="0">
+                <a:solidFill>
+                  <a:schemeClr val="accent3">
+                    <a:lumMod val="60000"/>
+                    <a:lumOff val="40000"/>
+                  </a:schemeClr>
+                </a:solidFill>
+                <a:latin typeface="+mn-ea"/>
+              </a:rPr>
+              <a:t>person.1</a:t>
+            </a:r>
+            <a:r>
+              <a:rPr lang="en-US" altLang="ko-KR" sz="1400" dirty="0" smtClean="0">
+                <a:latin typeface="+mn-ea"/>
+              </a:rPr>
+              <a:t>), </a:t>
+            </a:r>
+            <a:r>
+              <a:rPr lang="ko-KR" altLang="en-US" sz="1400" dirty="0" smtClean="0">
+                <a:latin typeface="+mn-ea"/>
+              </a:rPr>
+              <a:t>신장</a:t>
+            </a:r>
+            <a:r>
+              <a:rPr lang="en-US" altLang="ko-KR" sz="1400" dirty="0" smtClean="0">
+                <a:latin typeface="+mn-ea"/>
+              </a:rPr>
+              <a:t>: </a:t>
+            </a:r>
+            <a:r>
+              <a:rPr lang="en-US" altLang="ko-KR" sz="1400" dirty="0">
+                <a:latin typeface="+mn-ea"/>
+              </a:rPr>
+              <a:t>\(</a:t>
+            </a:r>
+            <a:r>
+              <a:rPr lang="en-US" altLang="ko-KR" sz="1400" dirty="0">
+                <a:solidFill>
+                  <a:schemeClr val="accent3">
+                    <a:lumMod val="60000"/>
+                    <a:lumOff val="40000"/>
+                  </a:schemeClr>
+                </a:solidFill>
+                <a:latin typeface="+mn-ea"/>
+              </a:rPr>
+              <a:t>person.2</a:t>
+            </a:r>
+            <a:r>
+              <a:rPr lang="en-US" altLang="ko-KR" sz="1400" dirty="0" smtClean="0">
+                <a:latin typeface="+mn-ea"/>
+              </a:rPr>
+              <a:t>)”) // </a:t>
+            </a:r>
+            <a:r>
+              <a:rPr lang="ko-KR" altLang="en-US" sz="1400" dirty="0" smtClean="0">
+                <a:latin typeface="+mn-ea"/>
+              </a:rPr>
+              <a:t>인덱스를 통해 값을 가져올 수 있음</a:t>
+            </a:r>
+            <a:endParaRPr lang="en-US" altLang="ko-KR" sz="1400" dirty="0" smtClean="0">
+              <a:latin typeface="+mn-ea"/>
+            </a:endParaRPr>
+          </a:p>
+          <a:p>
+            <a:endParaRPr lang="en-US" altLang="ko-KR" sz="1400" dirty="0">
+              <a:latin typeface="+mn-ea"/>
+            </a:endParaRPr>
+          </a:p>
+          <a:p>
+            <a:r>
+              <a:rPr lang="en-US" altLang="ko-KR" sz="1400" dirty="0" smtClean="0">
+                <a:latin typeface="+mn-ea"/>
+              </a:rPr>
+              <a:t>person.1 = 71</a:t>
+            </a:r>
+          </a:p>
+          <a:p>
+            <a:r>
+              <a:rPr lang="en-US" altLang="ko-KR" sz="1400" dirty="0" smtClean="0">
+                <a:latin typeface="+mn-ea"/>
+              </a:rPr>
+              <a:t>person.2 = 185</a:t>
+            </a:r>
+          </a:p>
+          <a:p>
+            <a:endParaRPr lang="en-US" altLang="ko-KR" sz="1400" dirty="0">
+              <a:latin typeface="+mn-ea"/>
+            </a:endParaRPr>
+          </a:p>
+          <a:p>
+            <a:r>
+              <a:rPr lang="en-US" altLang="ko-KR" sz="1400" dirty="0">
+                <a:latin typeface="+mn-ea"/>
+              </a:rPr>
+              <a:t>print(“</a:t>
+            </a:r>
+            <a:r>
+              <a:rPr lang="ko-KR" altLang="en-US" sz="1400" dirty="0">
+                <a:latin typeface="+mn-ea"/>
+              </a:rPr>
+              <a:t>이름</a:t>
+            </a:r>
+            <a:r>
+              <a:rPr lang="en-US" altLang="ko-KR" sz="1400" dirty="0">
+                <a:latin typeface="+mn-ea"/>
+              </a:rPr>
+              <a:t>: \(person.0), </a:t>
+            </a:r>
+            <a:r>
+              <a:rPr lang="ko-KR" altLang="en-US" sz="1400" dirty="0">
+                <a:latin typeface="+mn-ea"/>
+              </a:rPr>
+              <a:t>나이</a:t>
+            </a:r>
+            <a:r>
+              <a:rPr lang="en-US" altLang="ko-KR" sz="1400" dirty="0">
+                <a:latin typeface="+mn-ea"/>
+              </a:rPr>
+              <a:t>: \(person.1), </a:t>
+            </a:r>
+            <a:r>
+              <a:rPr lang="ko-KR" altLang="en-US" sz="1400" dirty="0">
+                <a:latin typeface="+mn-ea"/>
+              </a:rPr>
+              <a:t>신장</a:t>
+            </a:r>
+            <a:r>
+              <a:rPr lang="en-US" altLang="ko-KR" sz="1400" dirty="0">
+                <a:latin typeface="+mn-ea"/>
+              </a:rPr>
+              <a:t>: \(person.2)”)</a:t>
+            </a:r>
+            <a:endParaRPr lang="en-US" altLang="ko-KR" sz="1400" dirty="0" smtClean="0">
+              <a:latin typeface="+mn-ea"/>
+            </a:endParaRPr>
+          </a:p>
+        </p:txBody>
+      </p:sp>
+      <p:sp>
+        <p:nvSpPr>
+          <p:cNvPr id="7" name="TextBox 6"/>
+          <p:cNvSpPr txBox="1"/>
+          <p:nvPr/>
+        </p:nvSpPr>
+        <p:spPr>
+          <a:xfrm>
+            <a:off x="4204414" y="1974032"/>
+            <a:ext cx="1375698" cy="230832"/>
+          </a:xfrm>
+          <a:prstGeom prst="rect">
+            <a:avLst/>
+          </a:prstGeom>
+          <a:noFill/>
+        </p:spPr>
+        <p:txBody>
+          <a:bodyPr wrap="none" rtlCol="0">
+            <a:spAutoFit/>
+          </a:bodyPr>
+          <a:lstStyle/>
+          <a:p>
+            <a:r>
+              <a:rPr lang="en-US" altLang="ko-KR" sz="900" dirty="0" smtClean="0">
+                <a:solidFill>
+                  <a:schemeClr val="accent1">
+                    <a:lumMod val="60000"/>
+                    <a:lumOff val="40000"/>
+                  </a:schemeClr>
+                </a:solidFill>
+              </a:rPr>
+              <a:t>* </a:t>
+            </a:r>
+            <a:r>
+              <a:rPr lang="ko-KR" altLang="en-US" sz="900" dirty="0" err="1" smtClean="0">
+                <a:solidFill>
+                  <a:schemeClr val="accent1">
+                    <a:lumMod val="60000"/>
+                    <a:lumOff val="40000"/>
+                  </a:schemeClr>
+                </a:solidFill>
+              </a:rPr>
+              <a:t>파이썬의</a:t>
+            </a:r>
+            <a:r>
+              <a:rPr lang="ko-KR" altLang="en-US" sz="900" dirty="0" smtClean="0">
+                <a:solidFill>
+                  <a:schemeClr val="accent1">
+                    <a:lumMod val="60000"/>
+                    <a:lumOff val="40000"/>
+                  </a:schemeClr>
+                </a:solidFill>
+              </a:rPr>
+              <a:t> 튜플과 유사</a:t>
+            </a:r>
+            <a:endParaRPr lang="ko-KR" altLang="en-US" sz="900" dirty="0">
+              <a:solidFill>
+                <a:schemeClr val="accent1">
+                  <a:lumMod val="60000"/>
+                  <a:lumOff val="40000"/>
+                </a:schemeClr>
+              </a:solidFill>
+            </a:endParaRPr>
+          </a:p>
+        </p:txBody>
+      </p:sp>
+      <p:sp>
+        <p:nvSpPr>
+          <p:cNvPr id="4" name="TextBox 3"/>
+          <p:cNvSpPr txBox="1"/>
+          <p:nvPr/>
+        </p:nvSpPr>
+        <p:spPr>
+          <a:xfrm>
+            <a:off x="323528" y="2404626"/>
+            <a:ext cx="4182555" cy="369332"/>
+          </a:xfrm>
+          <a:prstGeom prst="rect">
+            <a:avLst/>
+          </a:prstGeom>
+          <a:noFill/>
+        </p:spPr>
+        <p:txBody>
+          <a:bodyPr wrap="none" rtlCol="0">
+            <a:spAutoFit/>
+          </a:bodyPr>
+          <a:lstStyle/>
+          <a:p>
+            <a:pPr marL="285750" indent="-285750">
+              <a:buFont typeface="Wingdings" panose="05000000000000000000" pitchFamily="2" charset="2"/>
+              <a:buChar char="v"/>
+            </a:pPr>
+            <a:r>
+              <a:rPr lang="en-US" altLang="ko-KR" dirty="0" smtClean="0"/>
+              <a:t>Index</a:t>
+            </a:r>
+            <a:r>
+              <a:rPr lang="ko-KR" altLang="en-US" dirty="0" smtClean="0"/>
+              <a:t>를 이용하여 튜플에 접근한 예제</a:t>
+            </a:r>
+            <a:endParaRPr lang="ko-KR" altLang="en-US" dirty="0"/>
+          </a:p>
+        </p:txBody>
+      </p:sp>
+      <p:sp>
+        <p:nvSpPr>
+          <p:cNvPr id="11" name="TextBox 10"/>
+          <p:cNvSpPr txBox="1"/>
+          <p:nvPr/>
+        </p:nvSpPr>
+        <p:spPr>
+          <a:xfrm>
+            <a:off x="346099" y="4852898"/>
+            <a:ext cx="6457089" cy="1600438"/>
+          </a:xfrm>
+          <a:prstGeom prst="rect">
+            <a:avLst/>
+          </a:prstGeom>
+          <a:noFill/>
+        </p:spPr>
+        <p:txBody>
+          <a:bodyPr wrap="none" rtlCol="0">
+            <a:spAutoFit/>
+          </a:bodyPr>
+          <a:lstStyle/>
+          <a:p>
+            <a:r>
+              <a:rPr lang="en-US" altLang="ko-KR" sz="1400" dirty="0" smtClean="0">
+                <a:latin typeface="+mn-ea"/>
+              </a:rPr>
+              <a:t>var</a:t>
+            </a:r>
+            <a:r>
+              <a:rPr lang="ko-KR" altLang="en-US" sz="1400" dirty="0" smtClean="0">
+                <a:latin typeface="+mn-ea"/>
+              </a:rPr>
+              <a:t> </a:t>
+            </a:r>
+            <a:r>
+              <a:rPr lang="en-US" altLang="ko-KR" sz="1400" dirty="0" smtClean="0">
+                <a:latin typeface="+mn-ea"/>
+              </a:rPr>
+              <a:t>person: (name: String, weight: Int, height: Double) = (“Jason”, 85, 182.1)</a:t>
+            </a:r>
+          </a:p>
+          <a:p>
+            <a:r>
+              <a:rPr lang="en-US" altLang="ko-KR" sz="1400" dirty="0" smtClean="0">
+                <a:latin typeface="+mn-ea"/>
+              </a:rPr>
+              <a:t>print(“</a:t>
+            </a:r>
+            <a:r>
+              <a:rPr lang="ko-KR" altLang="en-US" sz="1400" dirty="0" smtClean="0">
+                <a:latin typeface="+mn-ea"/>
+              </a:rPr>
+              <a:t>이름</a:t>
+            </a:r>
+            <a:r>
+              <a:rPr lang="en-US" altLang="ko-KR" sz="1400" dirty="0" smtClean="0">
+                <a:latin typeface="+mn-ea"/>
+              </a:rPr>
+              <a:t>: \(</a:t>
+            </a:r>
+            <a:r>
+              <a:rPr lang="en-US" altLang="ko-KR" sz="1400" dirty="0">
+                <a:solidFill>
+                  <a:schemeClr val="accent3">
+                    <a:lumMod val="60000"/>
+                    <a:lumOff val="40000"/>
+                  </a:schemeClr>
+                </a:solidFill>
+                <a:latin typeface="+mn-ea"/>
+              </a:rPr>
+              <a:t>person.name</a:t>
+            </a:r>
+            <a:r>
+              <a:rPr lang="en-US" altLang="ko-KR" sz="1400" dirty="0" smtClean="0">
+                <a:latin typeface="+mn-ea"/>
+              </a:rPr>
+              <a:t>), </a:t>
+            </a:r>
+            <a:r>
+              <a:rPr lang="ko-KR" altLang="en-US" sz="1400" dirty="0" smtClean="0">
+                <a:latin typeface="+mn-ea"/>
+              </a:rPr>
+              <a:t>나이</a:t>
+            </a:r>
+            <a:r>
+              <a:rPr lang="en-US" altLang="ko-KR" sz="1400" dirty="0" smtClean="0">
+                <a:latin typeface="+mn-ea"/>
+              </a:rPr>
+              <a:t>: </a:t>
+            </a:r>
+            <a:r>
+              <a:rPr lang="en-US" altLang="ko-KR" sz="1400" dirty="0">
+                <a:latin typeface="+mn-ea"/>
+              </a:rPr>
+              <a:t>\(</a:t>
+            </a:r>
+            <a:r>
+              <a:rPr lang="en-US" altLang="ko-KR" sz="1400" dirty="0" err="1">
+                <a:solidFill>
+                  <a:schemeClr val="accent3">
+                    <a:lumMod val="60000"/>
+                    <a:lumOff val="40000"/>
+                  </a:schemeClr>
+                </a:solidFill>
+                <a:latin typeface="+mn-ea"/>
+              </a:rPr>
+              <a:t>person.weight</a:t>
+            </a:r>
+            <a:r>
+              <a:rPr lang="en-US" altLang="ko-KR" sz="1400" dirty="0" smtClean="0">
+                <a:latin typeface="+mn-ea"/>
+              </a:rPr>
+              <a:t>), </a:t>
+            </a:r>
+            <a:r>
+              <a:rPr lang="ko-KR" altLang="en-US" sz="1400" dirty="0" smtClean="0">
+                <a:latin typeface="+mn-ea"/>
+              </a:rPr>
+              <a:t>신장</a:t>
+            </a:r>
+            <a:r>
+              <a:rPr lang="en-US" altLang="ko-KR" sz="1400" dirty="0" smtClean="0">
+                <a:latin typeface="+mn-ea"/>
+              </a:rPr>
+              <a:t>: </a:t>
+            </a:r>
+            <a:r>
+              <a:rPr lang="en-US" altLang="ko-KR" sz="1400" dirty="0">
+                <a:latin typeface="+mn-ea"/>
+              </a:rPr>
+              <a:t>\(</a:t>
+            </a:r>
+            <a:r>
+              <a:rPr lang="en-US" altLang="ko-KR" sz="1400" dirty="0" err="1">
+                <a:solidFill>
+                  <a:schemeClr val="accent3">
+                    <a:lumMod val="60000"/>
+                    <a:lumOff val="40000"/>
+                  </a:schemeClr>
+                </a:solidFill>
+                <a:latin typeface="+mn-ea"/>
+              </a:rPr>
+              <a:t>person.height</a:t>
+            </a:r>
+            <a:r>
+              <a:rPr lang="en-US" altLang="ko-KR" sz="1400" dirty="0" smtClean="0">
+                <a:latin typeface="+mn-ea"/>
+              </a:rPr>
+              <a:t>)”)</a:t>
+            </a:r>
+          </a:p>
+          <a:p>
+            <a:endParaRPr lang="en-US" altLang="ko-KR" sz="1400" dirty="0">
+              <a:latin typeface="+mn-ea"/>
+            </a:endParaRPr>
+          </a:p>
+          <a:p>
+            <a:r>
+              <a:rPr lang="en-US" altLang="ko-KR" sz="1400" dirty="0" err="1" smtClean="0">
+                <a:latin typeface="+mn-ea"/>
+              </a:rPr>
+              <a:t>person.</a:t>
+            </a:r>
+            <a:r>
+              <a:rPr lang="en-US" altLang="ko-KR" sz="1400" dirty="0" err="1" smtClean="0">
+                <a:solidFill>
+                  <a:schemeClr val="accent3">
+                    <a:lumMod val="60000"/>
+                    <a:lumOff val="40000"/>
+                  </a:schemeClr>
+                </a:solidFill>
+                <a:latin typeface="+mn-ea"/>
+              </a:rPr>
+              <a:t>weight</a:t>
+            </a:r>
+            <a:r>
+              <a:rPr lang="en-US" altLang="ko-KR" sz="1400" dirty="0" smtClean="0">
+                <a:latin typeface="+mn-ea"/>
+              </a:rPr>
+              <a:t> = 71</a:t>
+            </a:r>
+          </a:p>
+          <a:p>
+            <a:r>
+              <a:rPr lang="en-US" altLang="ko-KR" sz="1400" dirty="0" err="1" smtClean="0">
+                <a:latin typeface="+mn-ea"/>
+              </a:rPr>
+              <a:t>person.</a:t>
+            </a:r>
+            <a:r>
+              <a:rPr lang="en-US" altLang="ko-KR" sz="1400" dirty="0" err="1">
+                <a:solidFill>
+                  <a:schemeClr val="accent3">
+                    <a:lumMod val="60000"/>
+                    <a:lumOff val="40000"/>
+                  </a:schemeClr>
+                </a:solidFill>
+                <a:latin typeface="+mn-ea"/>
+              </a:rPr>
+              <a:t>height</a:t>
+            </a:r>
+            <a:r>
+              <a:rPr lang="en-US" altLang="ko-KR" sz="1400" dirty="0" smtClean="0">
+                <a:latin typeface="+mn-ea"/>
+              </a:rPr>
+              <a:t> = 185</a:t>
+            </a:r>
+          </a:p>
+          <a:p>
+            <a:endParaRPr lang="en-US" altLang="ko-KR" sz="1400" dirty="0">
+              <a:latin typeface="+mn-ea"/>
+            </a:endParaRPr>
+          </a:p>
+          <a:p>
+            <a:r>
+              <a:rPr lang="en-US" altLang="ko-KR" sz="1400" dirty="0">
+                <a:latin typeface="+mn-ea"/>
+              </a:rPr>
+              <a:t>print(“</a:t>
+            </a:r>
+            <a:r>
+              <a:rPr lang="ko-KR" altLang="en-US" sz="1400" dirty="0">
+                <a:latin typeface="+mn-ea"/>
+              </a:rPr>
+              <a:t>이름</a:t>
+            </a:r>
+            <a:r>
+              <a:rPr lang="en-US" altLang="ko-KR" sz="1400" dirty="0">
+                <a:latin typeface="+mn-ea"/>
+              </a:rPr>
+              <a:t>: \(person.name), </a:t>
+            </a:r>
+            <a:r>
+              <a:rPr lang="ko-KR" altLang="en-US" sz="1400" dirty="0">
+                <a:latin typeface="+mn-ea"/>
+              </a:rPr>
+              <a:t>나이</a:t>
+            </a:r>
+            <a:r>
+              <a:rPr lang="en-US" altLang="ko-KR" sz="1400" dirty="0">
+                <a:latin typeface="+mn-ea"/>
+              </a:rPr>
+              <a:t>: \(</a:t>
+            </a:r>
+            <a:r>
+              <a:rPr lang="en-US" altLang="ko-KR" sz="1400" dirty="0" err="1">
+                <a:latin typeface="+mn-ea"/>
+              </a:rPr>
+              <a:t>person.weight</a:t>
+            </a:r>
+            <a:r>
+              <a:rPr lang="en-US" altLang="ko-KR" sz="1400" dirty="0">
+                <a:latin typeface="+mn-ea"/>
+              </a:rPr>
+              <a:t>), </a:t>
+            </a:r>
+            <a:r>
+              <a:rPr lang="ko-KR" altLang="en-US" sz="1400" dirty="0">
+                <a:latin typeface="+mn-ea"/>
+              </a:rPr>
+              <a:t>신장</a:t>
+            </a:r>
+            <a:r>
+              <a:rPr lang="en-US" altLang="ko-KR" sz="1400" dirty="0">
+                <a:latin typeface="+mn-ea"/>
+              </a:rPr>
+              <a:t>: \(</a:t>
+            </a:r>
+            <a:r>
+              <a:rPr lang="en-US" altLang="ko-KR" sz="1400" dirty="0" err="1">
+                <a:latin typeface="+mn-ea"/>
+              </a:rPr>
+              <a:t>person.height</a:t>
+            </a:r>
+            <a:r>
+              <a:rPr lang="en-US" altLang="ko-KR" sz="1400" dirty="0">
+                <a:latin typeface="+mn-ea"/>
+              </a:rPr>
+              <a:t>)”)</a:t>
+            </a:r>
+            <a:endParaRPr lang="en-US" altLang="ko-KR" sz="1400" dirty="0" smtClean="0">
+              <a:latin typeface="+mn-ea"/>
+            </a:endParaRPr>
+          </a:p>
+        </p:txBody>
+      </p:sp>
+      <p:sp>
+        <p:nvSpPr>
+          <p:cNvPr id="12" name="TextBox 11"/>
+          <p:cNvSpPr txBox="1"/>
+          <p:nvPr/>
+        </p:nvSpPr>
+        <p:spPr>
+          <a:xfrm>
+            <a:off x="323528" y="4509120"/>
+            <a:ext cx="4764446" cy="369332"/>
+          </a:xfrm>
+          <a:prstGeom prst="rect">
+            <a:avLst/>
+          </a:prstGeom>
+          <a:noFill/>
+        </p:spPr>
+        <p:txBody>
+          <a:bodyPr wrap="none" rtlCol="0">
+            <a:spAutoFit/>
+          </a:bodyPr>
+          <a:lstStyle/>
+          <a:p>
+            <a:pPr marL="285750" indent="-285750">
+              <a:buFont typeface="Wingdings" panose="05000000000000000000" pitchFamily="2" charset="2"/>
+              <a:buChar char="v"/>
+            </a:pPr>
+            <a:r>
+              <a:rPr lang="en-US" altLang="ko-KR" dirty="0" smtClean="0"/>
+              <a:t>Elementary</a:t>
+            </a:r>
+            <a:r>
+              <a:rPr lang="ko-KR" altLang="en-US" dirty="0" smtClean="0"/>
+              <a:t>를 이용하여 튜플에 접근한 예제</a:t>
+            </a:r>
+            <a:endParaRPr lang="ko-KR" altLang="en-US" dirty="0"/>
+          </a:p>
+        </p:txBody>
+      </p:sp>
+    </p:spTree>
+    <p:extLst>
+      <p:ext uri="{BB962C8B-B14F-4D97-AF65-F5344CB8AC3E}">
+        <p14:creationId xmlns:p14="http://schemas.microsoft.com/office/powerpoint/2010/main" val="2046862123"/>
+      </p:ext>
+    </p:extLst>
+  </p:cSld>
+  <p:clrMapOvr>
+    <a:masterClrMapping/>
+  </p:clrMapOvr>
+</p:sld>
+</file>
+
+<file path=ppt/slides/slide45.xml><?xml version="1.0" encoding="utf-8"?>
+<p:sld xmlns:a="http://schemas.openxmlformats.org/drawingml/2006/main" xmlns:r="http://schemas.openxmlformats.org/officeDocument/2006/relationships" xmlns:p="http://schemas.openxmlformats.org/presentationml/2006/main">
+  <p:cSld>
+    <p:spTree>
+      <p:nvGrpSpPr>
+        <p:cNvPr id="1" name=""/>
+        <p:cNvGrpSpPr/>
+        <p:nvPr/>
+      </p:nvGrpSpPr>
+      <p:grpSpPr>
+        <a:xfrm>
+          <a:off x="0" y="0"/>
+          <a:ext cx="0" cy="0"/>
+          <a:chOff x="0" y="0"/>
+          <a:chExt cx="0" cy="0"/>
+        </a:xfrm>
+      </p:grpSpPr>
+      <p:sp>
+        <p:nvSpPr>
+          <p:cNvPr id="2" name="제목 1"/>
+          <p:cNvSpPr txBox="1">
+            <a:spLocks/>
+          </p:cNvSpPr>
+          <p:nvPr/>
+        </p:nvSpPr>
+        <p:spPr>
+          <a:xfrm>
+            <a:off x="539552" y="116632"/>
+            <a:ext cx="8680730" cy="596250"/>
+          </a:xfrm>
+          <a:prstGeom prst="rect">
+            <a:avLst/>
+          </a:prstGeom>
+        </p:spPr>
+        <p:txBody>
+          <a:bodyPr/>
+          <a:lstStyle>
+            <a:lvl1pPr algn="l" rtl="0" eaLnBrk="1" latinLnBrk="1" hangingPunct="1">
+              <a:spcBef>
+                <a:spcPct val="0"/>
+              </a:spcBef>
+              <a:buNone/>
+              <a:defRPr kumimoji="0" sz="3200" b="1" kern="1200" spc="-100" baseline="0">
+                <a:solidFill>
+                  <a:schemeClr val="tx2">
+                    <a:satMod val="200000"/>
+                  </a:schemeClr>
+                </a:solidFill>
+                <a:latin typeface="+mn-ea"/>
+                <a:ea typeface="+mn-ea"/>
+                <a:cs typeface="+mj-cs"/>
+              </a:defRPr>
+            </a:lvl1pPr>
+            <a:extLst/>
+          </a:lstStyle>
+          <a:p>
+            <a:r>
+              <a:rPr lang="ko-KR" altLang="en-US" dirty="0" smtClean="0"/>
+              <a:t>데이터타입 고급</a:t>
+            </a:r>
+            <a:endParaRPr lang="ko-KR" altLang="en-US" dirty="0"/>
+          </a:p>
+        </p:txBody>
+      </p:sp>
+      <p:sp>
+        <p:nvSpPr>
+          <p:cNvPr id="3" name="내용 개체 틀 2"/>
+          <p:cNvSpPr txBox="1">
+            <a:spLocks/>
+          </p:cNvSpPr>
+          <p:nvPr/>
+        </p:nvSpPr>
+        <p:spPr>
+          <a:xfrm>
+            <a:off x="683568" y="620688"/>
+            <a:ext cx="7772400" cy="539552"/>
+          </a:xfrm>
+          <a:prstGeom prst="rect">
+            <a:avLst/>
+          </a:prstGeom>
+        </p:spPr>
+        <p:txBody>
+          <a:bodyPr vert="horz">
+            <a:normAutofit/>
+          </a:bodyPr>
+          <a:lstStyle>
+            <a:lvl1pPr marL="411480" indent="-342900" algn="l" rtl="0" eaLnBrk="1" latinLnBrk="1" hangingPunct="1">
+              <a:spcBef>
+                <a:spcPts val="700"/>
+              </a:spcBef>
+              <a:buClr>
+                <a:schemeClr val="tx2"/>
+              </a:buClr>
+              <a:buSzPct val="95000"/>
+              <a:buFont typeface="Wingdings"/>
+              <a:buChar char=""/>
+              <a:defRPr kumimoji="0" sz="2400" kern="1200">
+                <a:solidFill>
+                  <a:schemeClr val="tx1"/>
+                </a:solidFill>
+                <a:latin typeface="+mn-ea"/>
+                <a:ea typeface="+mn-ea"/>
+                <a:cs typeface="+mn-cs"/>
+              </a:defRPr>
+            </a:lvl1pPr>
+            <a:lvl2pPr marL="740664" indent="-285750" algn="l" rtl="0" eaLnBrk="1" latinLnBrk="1" hangingPunct="1">
+              <a:spcBef>
+                <a:spcPct val="20000"/>
+              </a:spcBef>
+              <a:buClr>
+                <a:schemeClr val="accent2"/>
+              </a:buClr>
+              <a:buSzPct val="90000"/>
+              <a:buFont typeface="Wingdings"/>
+              <a:buChar char=""/>
+              <a:defRPr kumimoji="0" sz="1800" kern="1200">
+                <a:solidFill>
+                  <a:schemeClr val="tx1"/>
+                </a:solidFill>
+                <a:latin typeface="+mn-lt"/>
+                <a:ea typeface="+mn-ea"/>
+                <a:cs typeface="+mn-cs"/>
+              </a:defRPr>
+            </a:lvl2pPr>
+            <a:lvl3pPr marL="996696" indent="-228600" algn="l" rtl="0" eaLnBrk="1" latinLnBrk="1" hangingPunct="1">
+              <a:spcBef>
+                <a:spcPct val="20000"/>
+              </a:spcBef>
+              <a:buClr>
+                <a:schemeClr val="accent2"/>
+              </a:buClr>
+              <a:buFont typeface="Wingdings 2"/>
+              <a:buChar char=""/>
+              <a:defRPr kumimoji="0" sz="1600" kern="1200">
+                <a:solidFill>
+                  <a:schemeClr val="tx1"/>
+                </a:solidFill>
+                <a:latin typeface="+mn-lt"/>
+                <a:ea typeface="+mn-ea"/>
+                <a:cs typeface="+mn-cs"/>
+              </a:defRPr>
+            </a:lvl3pPr>
+            <a:lvl4pPr marL="1261872" indent="-228600" algn="l" rtl="0" eaLnBrk="1" latinLnBrk="1" hangingPunct="1">
+              <a:spcBef>
+                <a:spcPct val="20000"/>
+              </a:spcBef>
+              <a:buClr>
+                <a:schemeClr val="accent3"/>
+              </a:buClr>
+              <a:buFont typeface="Wingdings 3"/>
+              <a:buChar char=""/>
+              <a:defRPr kumimoji="0" sz="1200" kern="1200">
+                <a:solidFill>
+                  <a:schemeClr val="tx1"/>
+                </a:solidFill>
+                <a:latin typeface="+mn-lt"/>
+                <a:ea typeface="+mn-ea"/>
+                <a:cs typeface="+mn-cs"/>
+              </a:defRPr>
+            </a:lvl4pPr>
+            <a:lvl5pPr marL="1481328" indent="-210312" algn="l" rtl="0" eaLnBrk="1" latinLnBrk="1" hangingPunct="1">
+              <a:spcBef>
+                <a:spcPct val="20000"/>
+              </a:spcBef>
+              <a:buClr>
+                <a:schemeClr val="accent3"/>
+              </a:buClr>
+              <a:buFont typeface="Wingdings 2"/>
+              <a:buChar char=""/>
+              <a:defRPr kumimoji="0" sz="1000" kern="1200">
+                <a:solidFill>
+                  <a:schemeClr val="tx1"/>
+                </a:solidFill>
+                <a:latin typeface="+mn-lt"/>
+                <a:ea typeface="+mn-ea"/>
+                <a:cs typeface="+mn-cs"/>
+              </a:defRPr>
+            </a:lvl5pPr>
+            <a:lvl6pPr marL="1709928" indent="-210312" algn="l" rtl="0" eaLnBrk="1" latinLnBrk="1" hangingPunct="1">
+              <a:spcBef>
+                <a:spcPct val="20000"/>
+              </a:spcBef>
+              <a:buClr>
+                <a:schemeClr val="accent3"/>
+              </a:buClr>
+              <a:buFont typeface="Wingdings 2"/>
+              <a:buChar char=""/>
+              <a:defRPr kumimoji="0" sz="1800" kern="1200">
+                <a:solidFill>
+                  <a:schemeClr val="tx1"/>
+                </a:solidFill>
+                <a:latin typeface="+mn-lt"/>
+                <a:ea typeface="+mn-ea"/>
+                <a:cs typeface="+mn-cs"/>
+              </a:defRPr>
+            </a:lvl6pPr>
+            <a:lvl7pPr marL="1901952" indent="-182880" algn="l" rtl="0" eaLnBrk="1" latinLnBrk="1" hangingPunct="1">
+              <a:spcBef>
+                <a:spcPct val="20000"/>
+              </a:spcBef>
+              <a:buClr>
+                <a:schemeClr val="accent4"/>
+              </a:buClr>
+              <a:buFont typeface="Wingdings 2"/>
+              <a:buChar char=""/>
+              <a:defRPr kumimoji="0" sz="1600" kern="1200">
+                <a:solidFill>
+                  <a:schemeClr val="tx1"/>
+                </a:solidFill>
+                <a:latin typeface="+mn-lt"/>
+                <a:ea typeface="+mn-ea"/>
+                <a:cs typeface="+mn-cs"/>
+              </a:defRPr>
+            </a:lvl7pPr>
+            <a:lvl8pPr marL="2093976" indent="-182880" algn="l" rtl="0" eaLnBrk="1" latinLnBrk="1" hangingPunct="1">
+              <a:spcBef>
+                <a:spcPct val="20000"/>
+              </a:spcBef>
+              <a:buClr>
+                <a:schemeClr val="accent4"/>
+              </a:buClr>
+              <a:buFont typeface="Wingdings 2"/>
+              <a:buChar char=""/>
+              <a:defRPr kumimoji="0" sz="1600" kern="1200">
+                <a:solidFill>
+                  <a:schemeClr val="tx1"/>
+                </a:solidFill>
+                <a:latin typeface="+mn-lt"/>
+                <a:ea typeface="+mn-ea"/>
+                <a:cs typeface="+mn-cs"/>
+              </a:defRPr>
+            </a:lvl8pPr>
+            <a:lvl9pPr marL="2286000" indent="-182880" algn="l" rtl="0" eaLnBrk="1" latinLnBrk="1" hangingPunct="1">
+              <a:spcBef>
+                <a:spcPct val="20000"/>
+              </a:spcBef>
+              <a:buClr>
+                <a:schemeClr val="accent4"/>
+              </a:buClr>
+              <a:buFont typeface="Wingdings 2"/>
+              <a:buChar char=""/>
+              <a:defRPr kumimoji="0" sz="1600" kern="1200">
+                <a:solidFill>
+                  <a:schemeClr val="tx1"/>
+                </a:solidFill>
+                <a:latin typeface="+mn-lt"/>
+                <a:ea typeface="+mn-ea"/>
+                <a:cs typeface="+mn-cs"/>
+              </a:defRPr>
+            </a:lvl9pPr>
+            <a:extLst/>
+          </a:lstStyle>
+          <a:p>
+            <a:r>
+              <a:rPr lang="ko-KR" altLang="en-US" dirty="0" smtClean="0"/>
+              <a:t>튜플 </a:t>
+            </a:r>
+            <a:r>
+              <a:rPr lang="en-US" altLang="ko-KR" dirty="0" smtClean="0"/>
+              <a:t>(tuple</a:t>
+            </a:r>
+            <a:r>
+              <a:rPr lang="en-US" altLang="ko-KR" dirty="0"/>
+              <a:t>)</a:t>
+            </a:r>
+            <a:endParaRPr lang="en-US" altLang="ko-KR" dirty="0" smtClean="0"/>
+          </a:p>
+        </p:txBody>
+      </p:sp>
+      <p:sp>
+        <p:nvSpPr>
+          <p:cNvPr id="11" name="TextBox 10"/>
+          <p:cNvSpPr txBox="1"/>
+          <p:nvPr/>
+        </p:nvSpPr>
+        <p:spPr>
+          <a:xfrm>
+            <a:off x="346099" y="1756554"/>
+            <a:ext cx="6188041" cy="1600438"/>
+          </a:xfrm>
+          <a:prstGeom prst="rect">
+            <a:avLst/>
+          </a:prstGeom>
+          <a:noFill/>
+        </p:spPr>
+        <p:txBody>
+          <a:bodyPr wrap="none" rtlCol="0">
+            <a:spAutoFit/>
+          </a:bodyPr>
+          <a:lstStyle/>
+          <a:p>
+            <a:r>
+              <a:rPr lang="en-US" altLang="ko-KR" sz="1400" dirty="0">
+                <a:solidFill>
+                  <a:schemeClr val="accent3">
+                    <a:lumMod val="60000"/>
+                    <a:lumOff val="40000"/>
+                  </a:schemeClr>
+                </a:solidFill>
+                <a:latin typeface="+mn-ea"/>
+              </a:rPr>
+              <a:t>typealias </a:t>
+            </a:r>
+            <a:r>
+              <a:rPr lang="en-US" altLang="ko-KR" sz="1400" dirty="0" err="1">
+                <a:solidFill>
+                  <a:schemeClr val="accent3">
+                    <a:lumMod val="60000"/>
+                    <a:lumOff val="40000"/>
+                  </a:schemeClr>
+                </a:solidFill>
+                <a:latin typeface="+mn-ea"/>
+              </a:rPr>
+              <a:t>PersonTuple</a:t>
+            </a:r>
+            <a:r>
+              <a:rPr lang="en-US" altLang="ko-KR" sz="1400" dirty="0">
+                <a:solidFill>
+                  <a:schemeClr val="accent3">
+                    <a:lumMod val="60000"/>
+                    <a:lumOff val="40000"/>
+                  </a:schemeClr>
+                </a:solidFill>
+                <a:latin typeface="+mn-ea"/>
+              </a:rPr>
+              <a:t> = (name: String, weight: Int, height: Double)</a:t>
+            </a:r>
+          </a:p>
+          <a:p>
+            <a:endParaRPr lang="en-US" altLang="ko-KR" sz="1400" dirty="0">
+              <a:latin typeface="+mn-ea"/>
+            </a:endParaRPr>
+          </a:p>
+          <a:p>
+            <a:r>
+              <a:rPr lang="en-US" altLang="ko-KR" sz="1400" dirty="0" smtClean="0">
+                <a:latin typeface="+mn-ea"/>
+              </a:rPr>
+              <a:t>let</a:t>
+            </a:r>
+            <a:r>
+              <a:rPr lang="ko-KR" altLang="en-US" sz="1400" dirty="0" smtClean="0">
+                <a:latin typeface="+mn-ea"/>
+              </a:rPr>
+              <a:t> </a:t>
+            </a:r>
+            <a:r>
+              <a:rPr lang="en-US" altLang="ko-KR" sz="1400" dirty="0" err="1" smtClean="0">
+                <a:latin typeface="+mn-ea"/>
+              </a:rPr>
+              <a:t>jdlee</a:t>
+            </a:r>
+            <a:r>
+              <a:rPr lang="en-US" altLang="ko-KR" sz="1400" dirty="0" smtClean="0">
+                <a:latin typeface="+mn-ea"/>
+              </a:rPr>
+              <a:t>: </a:t>
+            </a:r>
+            <a:r>
+              <a:rPr lang="en-US" altLang="ko-KR" sz="1400" dirty="0" err="1">
+                <a:latin typeface="+mn-ea"/>
+              </a:rPr>
+              <a:t>PersonTuple</a:t>
+            </a:r>
+            <a:r>
+              <a:rPr lang="en-US" altLang="ko-KR" sz="1400" dirty="0">
+                <a:latin typeface="+mn-ea"/>
+              </a:rPr>
+              <a:t> = </a:t>
+            </a:r>
+            <a:r>
+              <a:rPr lang="en-US" altLang="ko-KR" sz="1400" dirty="0" smtClean="0">
+                <a:latin typeface="+mn-ea"/>
+              </a:rPr>
+              <a:t>(“</a:t>
+            </a:r>
+            <a:r>
+              <a:rPr lang="en-US" altLang="ko-KR" sz="1400" dirty="0" err="1" smtClean="0">
+                <a:latin typeface="+mn-ea"/>
+              </a:rPr>
+              <a:t>jason</a:t>
+            </a:r>
+            <a:r>
+              <a:rPr lang="en-US" altLang="ko-KR" sz="1400" dirty="0" smtClean="0">
+                <a:latin typeface="+mn-ea"/>
+              </a:rPr>
+              <a:t>”, 85, 182.1)</a:t>
+            </a:r>
+          </a:p>
+          <a:p>
+            <a:r>
+              <a:rPr lang="en-US" altLang="ko-KR" sz="1400" dirty="0">
+                <a:latin typeface="+mn-ea"/>
+              </a:rPr>
+              <a:t>let</a:t>
+            </a:r>
+            <a:r>
+              <a:rPr lang="ko-KR" altLang="en-US" sz="1400" dirty="0">
+                <a:latin typeface="+mn-ea"/>
+              </a:rPr>
+              <a:t> </a:t>
+            </a:r>
+            <a:r>
+              <a:rPr lang="en-US" altLang="ko-KR" sz="1400" dirty="0" err="1" smtClean="0">
+                <a:latin typeface="+mn-ea"/>
+              </a:rPr>
+              <a:t>eric</a:t>
+            </a:r>
+            <a:r>
+              <a:rPr lang="en-US" altLang="ko-KR" sz="1400" dirty="0" smtClean="0">
+                <a:latin typeface="+mn-ea"/>
+              </a:rPr>
+              <a:t>: </a:t>
+            </a:r>
+            <a:r>
+              <a:rPr lang="en-US" altLang="ko-KR" sz="1400" dirty="0" err="1">
+                <a:latin typeface="+mn-ea"/>
+              </a:rPr>
+              <a:t>PersonTuple</a:t>
+            </a:r>
+            <a:r>
+              <a:rPr lang="en-US" altLang="ko-KR" sz="1400" dirty="0">
+                <a:latin typeface="+mn-ea"/>
+              </a:rPr>
+              <a:t> = </a:t>
+            </a:r>
+            <a:r>
+              <a:rPr lang="en-US" altLang="ko-KR" sz="1400" dirty="0" smtClean="0">
+                <a:latin typeface="+mn-ea"/>
+              </a:rPr>
+              <a:t>(“</a:t>
+            </a:r>
+            <a:r>
+              <a:rPr lang="en-US" altLang="ko-KR" sz="1400" dirty="0" err="1" smtClean="0">
+                <a:latin typeface="+mn-ea"/>
+              </a:rPr>
+              <a:t>eric</a:t>
+            </a:r>
+            <a:r>
+              <a:rPr lang="en-US" altLang="ko-KR" sz="1400" dirty="0" smtClean="0">
+                <a:latin typeface="+mn-ea"/>
+              </a:rPr>
+              <a:t>”, 72, 185.6)</a:t>
+            </a:r>
+          </a:p>
+          <a:p>
+            <a:endParaRPr lang="en-US" altLang="ko-KR" sz="1400" dirty="0" smtClean="0">
+              <a:latin typeface="+mn-ea"/>
+            </a:endParaRPr>
+          </a:p>
+          <a:p>
+            <a:r>
+              <a:rPr lang="en-US" altLang="ko-KR" sz="1400" dirty="0" smtClean="0">
+                <a:latin typeface="+mn-ea"/>
+              </a:rPr>
+              <a:t>print(“</a:t>
+            </a:r>
+            <a:r>
+              <a:rPr lang="ko-KR" altLang="en-US" sz="1400" dirty="0" smtClean="0">
+                <a:latin typeface="+mn-ea"/>
+              </a:rPr>
+              <a:t>이름</a:t>
+            </a:r>
+            <a:r>
+              <a:rPr lang="en-US" altLang="ko-KR" sz="1400" dirty="0" smtClean="0">
+                <a:latin typeface="+mn-ea"/>
+              </a:rPr>
+              <a:t>: \(jdlee.name), </a:t>
+            </a:r>
+            <a:r>
+              <a:rPr lang="ko-KR" altLang="en-US" sz="1400" dirty="0" smtClean="0">
+                <a:latin typeface="+mn-ea"/>
+              </a:rPr>
+              <a:t>나이</a:t>
+            </a:r>
+            <a:r>
+              <a:rPr lang="en-US" altLang="ko-KR" sz="1400" dirty="0" smtClean="0">
+                <a:latin typeface="+mn-ea"/>
+              </a:rPr>
+              <a:t>: \(</a:t>
+            </a:r>
+            <a:r>
+              <a:rPr lang="en-US" altLang="ko-KR" sz="1400" dirty="0" err="1" smtClean="0">
+                <a:latin typeface="+mn-ea"/>
+              </a:rPr>
+              <a:t>jdlee.weight</a:t>
+            </a:r>
+            <a:r>
+              <a:rPr lang="en-US" altLang="ko-KR" sz="1400" dirty="0" smtClean="0">
+                <a:latin typeface="+mn-ea"/>
+              </a:rPr>
+              <a:t>), </a:t>
+            </a:r>
+            <a:r>
+              <a:rPr lang="ko-KR" altLang="en-US" sz="1400" dirty="0" smtClean="0">
+                <a:latin typeface="+mn-ea"/>
+              </a:rPr>
+              <a:t>신장</a:t>
+            </a:r>
+            <a:r>
+              <a:rPr lang="en-US" altLang="ko-KR" sz="1400" dirty="0" smtClean="0">
+                <a:latin typeface="+mn-ea"/>
+              </a:rPr>
+              <a:t>: \(</a:t>
+            </a:r>
+            <a:r>
+              <a:rPr lang="en-US" altLang="ko-KR" sz="1400" dirty="0" err="1" smtClean="0">
+                <a:latin typeface="+mn-ea"/>
+              </a:rPr>
+              <a:t>jdlee.height</a:t>
+            </a:r>
+            <a:r>
+              <a:rPr lang="en-US" altLang="ko-KR" sz="1400" dirty="0" err="1">
+                <a:latin typeface="+mn-ea"/>
+              </a:rPr>
+              <a:t>ht</a:t>
+            </a:r>
+            <a:r>
+              <a:rPr lang="en-US" altLang="ko-KR" sz="1400" dirty="0" smtClean="0">
+                <a:latin typeface="+mn-ea"/>
+              </a:rPr>
+              <a:t>)”)</a:t>
+            </a:r>
+            <a:endParaRPr lang="en-US" altLang="ko-KR" sz="1400" dirty="0">
+              <a:latin typeface="+mn-ea"/>
+            </a:endParaRPr>
+          </a:p>
+          <a:p>
+            <a:r>
+              <a:rPr lang="en-US" altLang="ko-KR" sz="1400" dirty="0">
+                <a:latin typeface="+mn-ea"/>
+              </a:rPr>
+              <a:t>print(“</a:t>
+            </a:r>
+            <a:r>
+              <a:rPr lang="ko-KR" altLang="en-US" sz="1400" dirty="0">
+                <a:latin typeface="+mn-ea"/>
+              </a:rPr>
+              <a:t>이름</a:t>
+            </a:r>
+            <a:r>
+              <a:rPr lang="en-US" altLang="ko-KR" sz="1400" dirty="0">
+                <a:latin typeface="+mn-ea"/>
+              </a:rPr>
+              <a:t>: </a:t>
+            </a:r>
+            <a:r>
+              <a:rPr lang="en-US" altLang="ko-KR" sz="1400" dirty="0" smtClean="0">
+                <a:latin typeface="+mn-ea"/>
+              </a:rPr>
+              <a:t>\(</a:t>
+            </a:r>
+            <a:r>
+              <a:rPr lang="en-US" altLang="ko-KR" sz="1400" dirty="0">
+                <a:latin typeface="+mn-ea"/>
+              </a:rPr>
+              <a:t>eric</a:t>
+            </a:r>
+            <a:r>
+              <a:rPr lang="en-US" altLang="ko-KR" sz="1400" dirty="0" smtClean="0">
+                <a:latin typeface="+mn-ea"/>
+              </a:rPr>
+              <a:t>.name</a:t>
+            </a:r>
+            <a:r>
+              <a:rPr lang="en-US" altLang="ko-KR" sz="1400" dirty="0">
+                <a:latin typeface="+mn-ea"/>
+              </a:rPr>
+              <a:t>), </a:t>
+            </a:r>
+            <a:r>
+              <a:rPr lang="ko-KR" altLang="en-US" sz="1400" dirty="0">
+                <a:latin typeface="+mn-ea"/>
+              </a:rPr>
+              <a:t>나이</a:t>
+            </a:r>
+            <a:r>
+              <a:rPr lang="en-US" altLang="ko-KR" sz="1400" dirty="0">
+                <a:latin typeface="+mn-ea"/>
+              </a:rPr>
+              <a:t>: </a:t>
+            </a:r>
+            <a:r>
+              <a:rPr lang="en-US" altLang="ko-KR" sz="1400" dirty="0" smtClean="0">
+                <a:latin typeface="+mn-ea"/>
+              </a:rPr>
+              <a:t>\(</a:t>
+            </a:r>
+            <a:r>
+              <a:rPr lang="en-US" altLang="ko-KR" sz="1400" dirty="0" err="1">
+                <a:latin typeface="+mn-ea"/>
+              </a:rPr>
+              <a:t>eric</a:t>
+            </a:r>
+            <a:r>
+              <a:rPr lang="en-US" altLang="ko-KR" sz="1400" dirty="0" err="1" smtClean="0">
+                <a:latin typeface="+mn-ea"/>
+              </a:rPr>
+              <a:t>.weight</a:t>
+            </a:r>
+            <a:r>
+              <a:rPr lang="en-US" altLang="ko-KR" sz="1400" dirty="0">
+                <a:latin typeface="+mn-ea"/>
+              </a:rPr>
+              <a:t>), </a:t>
+            </a:r>
+            <a:r>
+              <a:rPr lang="ko-KR" altLang="en-US" sz="1400" dirty="0">
+                <a:latin typeface="+mn-ea"/>
+              </a:rPr>
+              <a:t>신장</a:t>
+            </a:r>
+            <a:r>
+              <a:rPr lang="en-US" altLang="ko-KR" sz="1400" dirty="0">
+                <a:latin typeface="+mn-ea"/>
+              </a:rPr>
+              <a:t>: </a:t>
+            </a:r>
+            <a:r>
+              <a:rPr lang="en-US" altLang="ko-KR" sz="1400" dirty="0" smtClean="0">
+                <a:latin typeface="+mn-ea"/>
+              </a:rPr>
+              <a:t>\(</a:t>
+            </a:r>
+            <a:r>
+              <a:rPr lang="en-US" altLang="ko-KR" sz="1400">
+                <a:latin typeface="+mn-ea"/>
+              </a:rPr>
+              <a:t>eric</a:t>
+            </a:r>
+            <a:r>
+              <a:rPr lang="en-US" altLang="ko-KR" sz="1400" smtClean="0">
+                <a:latin typeface="+mn-ea"/>
+              </a:rPr>
+              <a:t>.height</a:t>
+            </a:r>
+            <a:r>
+              <a:rPr lang="en-US" altLang="ko-KR" sz="1400" dirty="0">
+                <a:latin typeface="+mn-ea"/>
+              </a:rPr>
+              <a:t>)”)</a:t>
+            </a:r>
+            <a:endParaRPr lang="en-US" altLang="ko-KR" sz="1400" dirty="0" smtClean="0">
+              <a:latin typeface="+mn-ea"/>
+            </a:endParaRPr>
+          </a:p>
+        </p:txBody>
+      </p:sp>
+      <p:sp>
+        <p:nvSpPr>
+          <p:cNvPr id="12" name="TextBox 11"/>
+          <p:cNvSpPr txBox="1"/>
+          <p:nvPr/>
+        </p:nvSpPr>
+        <p:spPr>
+          <a:xfrm>
+            <a:off x="323528" y="1412776"/>
+            <a:ext cx="6011326" cy="369332"/>
+          </a:xfrm>
+          <a:prstGeom prst="rect">
+            <a:avLst/>
+          </a:prstGeom>
+          <a:noFill/>
+        </p:spPr>
+        <p:txBody>
+          <a:bodyPr wrap="none" rtlCol="0">
+            <a:spAutoFit/>
+          </a:bodyPr>
+          <a:lstStyle/>
+          <a:p>
+            <a:pPr marL="285750" indent="-285750">
+              <a:buFont typeface="Wingdings" panose="05000000000000000000" pitchFamily="2" charset="2"/>
+              <a:buChar char="v"/>
+            </a:pPr>
+            <a:r>
+              <a:rPr lang="en-US" altLang="ko-KR" dirty="0" smtClean="0"/>
+              <a:t>Typealias</a:t>
+            </a:r>
+            <a:r>
+              <a:rPr lang="ko-KR" altLang="en-US" dirty="0" smtClean="0"/>
+              <a:t>와</a:t>
+            </a:r>
+            <a:r>
+              <a:rPr lang="en-US" altLang="ko-KR" dirty="0" smtClean="0"/>
+              <a:t> Elementary</a:t>
+            </a:r>
+            <a:r>
+              <a:rPr lang="ko-KR" altLang="en-US" dirty="0" smtClean="0"/>
+              <a:t>를 이용하여 튜플에 접근한 예제</a:t>
+            </a:r>
+            <a:endParaRPr lang="ko-KR" altLang="en-US" dirty="0"/>
+          </a:p>
+        </p:txBody>
+      </p:sp>
+    </p:spTree>
+    <p:extLst>
+      <p:ext uri="{BB962C8B-B14F-4D97-AF65-F5344CB8AC3E}">
+        <p14:creationId xmlns:p14="http://schemas.microsoft.com/office/powerpoint/2010/main" val="3438993528"/>
+      </p:ext>
+    </p:extLst>
+  </p:cSld>
+  <p:clrMapOvr>
+    <a:masterClrMapping/>
+  </p:clrMapOvr>
+</p:sld>
+</file>
+
 <file path=ppt/slides/slide5.xml><?xml version="1.0" encoding="utf-8"?>
 <p:sld xmlns:a="http://schemas.openxmlformats.org/drawingml/2006/main" xmlns:r="http://schemas.openxmlformats.org/officeDocument/2006/relationships" xmlns:p="http://schemas.openxmlformats.org/presentationml/2006/main">
   <p:cSld>
@@ -26205,19 +29298,7 @@
                 <a:rPr lang="en-US" altLang="ko-KR" sz="2000" dirty="0" smtClean="0">
                   <a:latin typeface="+mn-ea"/>
                 </a:rPr>
-                <a:t>let a: </a:t>
-              </a:r>
-              <a:r>
-                <a:rPr lang="en-US" altLang="ko-KR" sz="2000" dirty="0" err="1" smtClean="0">
-                  <a:latin typeface="+mn-ea"/>
-                </a:rPr>
-                <a:t>Int</a:t>
-              </a:r>
-              <a:r>
-                <a:rPr lang="en-US" altLang="ko-KR" sz="2000" dirty="0" smtClean="0">
-                  <a:latin typeface="+mn-ea"/>
-                </a:rPr>
-                <a:t> = 123</a:t>
+                <a:t>let a: Int = 123</a:t>
               </a:r>
               <a:endParaRPr lang="ko-KR" altLang="en-US" sz="2000" dirty="0">
                 <a:latin typeface="+mn-ea"/>
@@ -26535,17 +29616,8 @@
                   <a:rPr lang="en-US" altLang="ko-KR" sz="2000" dirty="0" smtClean="0">
                     <a:latin typeface="+mn-ea"/>
                   </a:rPr>
-                  <a:t>let a: </a:t>
+                  <a:t>let a: Int</a:t>
                 </a:r>
-                <a:r>
-                  <a:rPr lang="en-US" altLang="ko-KR" sz="2000" dirty="0" err="1" smtClean="0">
-                    <a:latin typeface="+mn-ea"/>
-                  </a:rPr>
-                  <a:t>Int</a:t>
-                </a:r>
-                <a:endParaRPr lang="en-US" altLang="ko-KR" sz="2000" dirty="0" smtClean="0">
-                  <a:latin typeface="+mn-ea"/>
-                </a:endParaRPr>
               </a:p>
               <a:p>
                 <a:r>
@@ -26637,17 +29709,8 @@
                 <a:rPr lang="en-US" altLang="ko-KR" sz="2000" dirty="0" smtClean="0">
                   <a:latin typeface="+mn-ea"/>
                 </a:rPr>
-                <a:t>let a: </a:t>
+                <a:t>let a: Int</a:t>
               </a:r>
-              <a:r>
-                <a:rPr lang="en-US" altLang="ko-KR" sz="2000" dirty="0" err="1" smtClean="0">
-                  <a:latin typeface="+mn-ea"/>
-                </a:rPr>
-                <a:t>Int</a:t>
-              </a:r>
-              <a:endParaRPr lang="en-US" altLang="ko-KR" sz="2000" dirty="0" smtClean="0">
-                <a:latin typeface="+mn-ea"/>
-              </a:endParaRPr>
             </a:p>
             <a:p>
               <a:r>
@@ -26716,17 +29779,8 @@
                   <a:rPr lang="en-US" altLang="ko-KR" sz="2000" dirty="0" smtClean="0">
                     <a:latin typeface="+mn-ea"/>
                   </a:rPr>
-                  <a:t>let a: </a:t>
+                  <a:t>let a: Int</a:t>
                 </a:r>
-                <a:r>
-                  <a:rPr lang="en-US" altLang="ko-KR" sz="2000" dirty="0" err="1" smtClean="0">
-                    <a:latin typeface="+mn-ea"/>
-                  </a:rPr>
-                  <a:t>Int</a:t>
-                </a:r>
-                <a:endParaRPr lang="en-US" altLang="ko-KR" sz="2000" dirty="0" smtClean="0">
-                  <a:latin typeface="+mn-ea"/>
-                </a:endParaRPr>
               </a:p>
               <a:p>
                 <a:r>
@@ -27959,14 +31013,14 @@
                 <a:gridCol w="1440160">
                   <a:extLst>
                     <a:ext uri="{9D8B030D-6E8A-4147-A177-3AD203B41FA5}">
-                      <a16:colId xmlns:a16="http://schemas.microsoft.com/office/drawing/2014/main" val="20000"/>
+                      <a16:colId xmlns:a16="http://schemas.microsoft.com/office/drawing/2014/main" xmlns="" val="20000"/>
                     </a:ext>
                   </a:extLst>
                 </a:gridCol>
                 <a:gridCol w="1440160">
                   <a:extLst>
                     <a:ext uri="{9D8B030D-6E8A-4147-A177-3AD203B41FA5}">
-                      <a16:colId xmlns:a16="http://schemas.microsoft.com/office/drawing/2014/main" val="20001"/>
+                      <a16:colId xmlns:a16="http://schemas.microsoft.com/office/drawing/2014/main" xmlns="" val="20001"/>
                     </a:ext>
                   </a:extLst>
                 </a:gridCol>
@@ -28002,7 +31056,7 @@
                     <a:p>
                       <a:pPr algn="ctr" latinLnBrk="1"/>
                       <a:r>
-                        <a:rPr lang="en-US" altLang="ko-KR" sz="1400" dirty="0" err="1" smtClean="0">
+                        <a:rPr lang="en-US" altLang="ko-KR" sz="1400" dirty="0" smtClean="0">
                           <a:latin typeface="+mn-ea"/>
                           <a:ea typeface="+mn-ea"/>
                         </a:rPr>
@@ -28020,7 +31074,7 @@
                 </a:tc>
                 <a:extLst>
                   <a:ext uri="{0D108BD9-81ED-4DB2-BD59-A6C34878D82A}">
-                    <a16:rowId xmlns:a16="http://schemas.microsoft.com/office/drawing/2014/main" val="10000"/>
+                    <a16:rowId xmlns:a16="http://schemas.microsoft.com/office/drawing/2014/main" xmlns="" val="10000"/>
                   </a:ext>
                 </a:extLst>
               </a:tr>
@@ -28095,7 +31149,7 @@
                 </a:tc>
                 <a:extLst>
                   <a:ext uri="{0D108BD9-81ED-4DB2-BD59-A6C34878D82A}">
-                    <a16:rowId xmlns:a16="http://schemas.microsoft.com/office/drawing/2014/main" val="10001"/>
+                    <a16:rowId xmlns:a16="http://schemas.microsoft.com/office/drawing/2014/main" xmlns="" val="10001"/>
                   </a:ext>
                 </a:extLst>
               </a:tr>
@@ -28170,7 +31224,7 @@
                 </a:tc>
                 <a:extLst>
                   <a:ext uri="{0D108BD9-81ED-4DB2-BD59-A6C34878D82A}">
-                    <a16:rowId xmlns:a16="http://schemas.microsoft.com/office/drawing/2014/main" val="10002"/>
+                    <a16:rowId xmlns:a16="http://schemas.microsoft.com/office/drawing/2014/main" xmlns="" val="10002"/>
                   </a:ext>
                 </a:extLst>
               </a:tr>
@@ -28245,7 +31299,7 @@
                 </a:tc>
                 <a:extLst>
                   <a:ext uri="{0D108BD9-81ED-4DB2-BD59-A6C34878D82A}">
-                    <a16:rowId xmlns:a16="http://schemas.microsoft.com/office/drawing/2014/main" val="10003"/>
+                    <a16:rowId xmlns:a16="http://schemas.microsoft.com/office/drawing/2014/main" xmlns="" val="10003"/>
                   </a:ext>
                 </a:extLst>
               </a:tr>
@@ -28320,7 +31374,7 @@
                 </a:tc>
                 <a:extLst>
                   <a:ext uri="{0D108BD9-81ED-4DB2-BD59-A6C34878D82A}">
-                    <a16:rowId xmlns:a16="http://schemas.microsoft.com/office/drawing/2014/main" val="10004"/>
+                    <a16:rowId xmlns:a16="http://schemas.microsoft.com/office/drawing/2014/main" xmlns="" val="10004"/>
                   </a:ext>
                 </a:extLst>
               </a:tr>
@@ -28746,14 +31800,14 @@
                 <a:gridCol w="1440160">
                   <a:extLst>
                     <a:ext uri="{9D8B030D-6E8A-4147-A177-3AD203B41FA5}">
-                      <a16:colId xmlns:a16="http://schemas.microsoft.com/office/drawing/2014/main" val="20000"/>
+                      <a16:colId xmlns:a16="http://schemas.microsoft.com/office/drawing/2014/main" xmlns="" val="20000"/>
                     </a:ext>
                   </a:extLst>
                 </a:gridCol>
                 <a:gridCol w="1440160">
                   <a:extLst>
                     <a:ext uri="{9D8B030D-6E8A-4147-A177-3AD203B41FA5}">
-                      <a16:colId xmlns:a16="http://schemas.microsoft.com/office/drawing/2014/main" val="20001"/>
+                      <a16:colId xmlns:a16="http://schemas.microsoft.com/office/drawing/2014/main" xmlns="" val="20001"/>
                     </a:ext>
                   </a:extLst>
                 </a:gridCol>
@@ -28807,7 +31861,7 @@
                 </a:tc>
                 <a:extLst>
                   <a:ext uri="{0D108BD9-81ED-4DB2-BD59-A6C34878D82A}">
-                    <a16:rowId xmlns:a16="http://schemas.microsoft.com/office/drawing/2014/main" val="10000"/>
+                    <a16:rowId xmlns:a16="http://schemas.microsoft.com/office/drawing/2014/main" xmlns="" val="10000"/>
                   </a:ext>
                 </a:extLst>
               </a:tr>
@@ -28872,7 +31926,7 @@
                 </a:tc>
                 <a:extLst>
                   <a:ext uri="{0D108BD9-81ED-4DB2-BD59-A6C34878D82A}">
-                    <a16:rowId xmlns:a16="http://schemas.microsoft.com/office/drawing/2014/main" val="10001"/>
+                    <a16:rowId xmlns:a16="http://schemas.microsoft.com/office/drawing/2014/main" xmlns="" val="10001"/>
                   </a:ext>
                 </a:extLst>
               </a:tr>
@@ -28937,7 +31991,7 @@
                 </a:tc>
                 <a:extLst>
                   <a:ext uri="{0D108BD9-81ED-4DB2-BD59-A6C34878D82A}">
-                    <a16:rowId xmlns:a16="http://schemas.microsoft.com/office/drawing/2014/main" val="10002"/>
+                    <a16:rowId xmlns:a16="http://schemas.microsoft.com/office/drawing/2014/main" xmlns="" val="10002"/>
                   </a:ext>
                 </a:extLst>
               </a:tr>

--- a/Swift세미나자료.pptx
+++ b/Swift세미나자료.pptx
@@ -50,6 +50,18 @@
     <p:sldId id="302" r:id="rId44"/>
     <p:sldId id="303" r:id="rId45"/>
     <p:sldId id="304" r:id="rId46"/>
+    <p:sldId id="305" r:id="rId47"/>
+    <p:sldId id="306" r:id="rId48"/>
+    <p:sldId id="307" r:id="rId49"/>
+    <p:sldId id="308" r:id="rId50"/>
+    <p:sldId id="309" r:id="rId51"/>
+    <p:sldId id="310" r:id="rId52"/>
+    <p:sldId id="311" r:id="rId53"/>
+    <p:sldId id="312" r:id="rId54"/>
+    <p:sldId id="313" r:id="rId55"/>
+    <p:sldId id="314" r:id="rId56"/>
+    <p:sldId id="315" r:id="rId57"/>
+    <p:sldId id="316" r:id="rId58"/>
   </p:sldIdLst>
   <p:sldSz cx="9144000" cy="6858000" type="screen4x3"/>
   <p:notesSz cx="6858000" cy="9144000"/>
@@ -150,7 +162,7 @@
   </p:defaultTextStyle>
   <p:extLst>
     <p:ext uri="{EFAFB233-063F-42B5-8137-9DF3F51BA10A}">
-      <p15:sldGuideLst xmlns:p15="http://schemas.microsoft.com/office/powerpoint/2012/main" xmlns="">
+      <p15:sldGuideLst xmlns:p15="http://schemas.microsoft.com/office/powerpoint/2012/main">
         <p15:guide id="1" orient="horz" pos="2160">
           <p15:clr>
             <a:srgbClr val="A4A3A4"/>
@@ -201,7 +213,7 @@
           <a:p>
             <a:fld id="{7BD332C6-334E-4F1C-B658-24FEC90472A2}" type="datetimeFigureOut">
               <a:rPr lang="ko-KR" altLang="en-US" smtClean="0"/>
-              <a:t>2017-01-19</a:t>
+              <a:t>2017-01-22</a:t>
             </a:fld>
             <a:endParaRPr lang="ko-KR" altLang="en-US"/>
           </a:p>
@@ -897,7 +909,7 @@
           <a:p>
             <a:fld id="{7BD332C6-334E-4F1C-B658-24FEC90472A2}" type="datetimeFigureOut">
               <a:rPr lang="ko-KR" altLang="en-US" smtClean="0"/>
-              <a:t>2017-01-19</a:t>
+              <a:t>2017-01-22</a:t>
             </a:fld>
             <a:endParaRPr lang="ko-KR" altLang="en-US"/>
           </a:p>
@@ -1072,7 +1084,7 @@
           <a:p>
             <a:fld id="{7BD332C6-334E-4F1C-B658-24FEC90472A2}" type="datetimeFigureOut">
               <a:rPr lang="ko-KR" altLang="en-US" smtClean="0"/>
-              <a:t>2017-01-19</a:t>
+              <a:t>2017-01-22</a:t>
             </a:fld>
             <a:endParaRPr lang="ko-KR" altLang="en-US"/>
           </a:p>
@@ -1258,7 +1270,7 @@
           <a:p>
             <a:fld id="{7BD332C6-334E-4F1C-B658-24FEC90472A2}" type="datetimeFigureOut">
               <a:rPr lang="ko-KR" altLang="en-US" smtClean="0"/>
-              <a:t>2017-01-19</a:t>
+              <a:t>2017-01-22</a:t>
             </a:fld>
             <a:endParaRPr lang="ko-KR" altLang="en-US"/>
           </a:p>
@@ -2712,7 +2724,7 @@
           <a:p>
             <a:fld id="{7BD332C6-334E-4F1C-B658-24FEC90472A2}" type="datetimeFigureOut">
               <a:rPr lang="ko-KR" altLang="en-US" smtClean="0"/>
-              <a:t>2017-01-19</a:t>
+              <a:t>2017-01-22</a:t>
             </a:fld>
             <a:endParaRPr lang="ko-KR" altLang="en-US"/>
           </a:p>
@@ -3299,7 +3311,7 @@
           <a:p>
             <a:fld id="{7BD332C6-334E-4F1C-B658-24FEC90472A2}" type="datetimeFigureOut">
               <a:rPr lang="ko-KR" altLang="en-US" smtClean="0"/>
-              <a:t>2017-01-19</a:t>
+              <a:t>2017-01-22</a:t>
             </a:fld>
             <a:endParaRPr lang="ko-KR" altLang="en-US"/>
           </a:p>
@@ -3735,7 +3747,7 @@
           <a:p>
             <a:fld id="{7BD332C6-334E-4F1C-B658-24FEC90472A2}" type="datetimeFigureOut">
               <a:rPr lang="ko-KR" altLang="en-US" smtClean="0"/>
-              <a:t>2017-01-19</a:t>
+              <a:t>2017-01-22</a:t>
             </a:fld>
             <a:endParaRPr lang="ko-KR" altLang="en-US"/>
           </a:p>
@@ -4279,7 +4291,7 @@
           <a:p>
             <a:fld id="{7BD332C6-334E-4F1C-B658-24FEC90472A2}" type="datetimeFigureOut">
               <a:rPr lang="ko-KR" altLang="en-US" smtClean="0"/>
-              <a:t>2017-01-19</a:t>
+              <a:t>2017-01-22</a:t>
             </a:fld>
             <a:endParaRPr lang="ko-KR" altLang="en-US"/>
           </a:p>
@@ -4376,7 +4388,7 @@
           <a:p>
             <a:fld id="{7BD332C6-334E-4F1C-B658-24FEC90472A2}" type="datetimeFigureOut">
               <a:rPr lang="ko-KR" altLang="en-US" smtClean="0"/>
-              <a:t>2017-01-19</a:t>
+              <a:t>2017-01-22</a:t>
             </a:fld>
             <a:endParaRPr lang="ko-KR" altLang="en-US"/>
           </a:p>
@@ -4631,7 +4643,7 @@
           <a:p>
             <a:fld id="{7BD332C6-334E-4F1C-B658-24FEC90472A2}" type="datetimeFigureOut">
               <a:rPr lang="ko-KR" altLang="en-US" smtClean="0"/>
-              <a:t>2017-01-19</a:t>
+              <a:t>2017-01-22</a:t>
             </a:fld>
             <a:endParaRPr lang="ko-KR" altLang="en-US"/>
           </a:p>
@@ -5351,7 +5363,7 @@
           <a:p>
             <a:fld id="{7BD332C6-334E-4F1C-B658-24FEC90472A2}" type="datetimeFigureOut">
               <a:rPr lang="ko-KR" altLang="en-US" smtClean="0"/>
-              <a:t>2017-01-19</a:t>
+              <a:t>2017-01-22</a:t>
             </a:fld>
             <a:endParaRPr lang="ko-KR" altLang="en-US"/>
           </a:p>
@@ -5439,244 +5451,6 @@
           <a:chExt cx="0" cy="0"/>
         </a:xfrm>
       </p:grpSpPr>
-      <p:sp>
-        <p:nvSpPr>
-          <p:cNvPr id="7" name="직사각형 6"/>
-          <p:cNvSpPr/>
-          <p:nvPr/>
-        </p:nvSpPr>
-        <p:spPr>
-          <a:xfrm>
-            <a:off x="0" y="-1"/>
-            <a:ext cx="365760" cy="6854456"/>
-          </a:xfrm>
-          <a:prstGeom prst="rect">
-            <a:avLst/>
-          </a:prstGeom>
-          <a:solidFill>
-            <a:srgbClr val="FFFFFF">
-              <a:alpha val="100000"/>
-            </a:srgbClr>
-          </a:solidFill>
-          <a:ln w="50800" cap="rnd" cmpd="dbl" algn="ctr">
-            <a:noFill/>
-            <a:prstDash val="solid"/>
-          </a:ln>
-          <a:effectLst/>
-        </p:spPr>
-        <p:style>
-          <a:lnRef idx="3">
-            <a:schemeClr val="lt1"/>
-          </a:lnRef>
-          <a:fillRef idx="1">
-            <a:schemeClr val="accent1"/>
-          </a:fillRef>
-          <a:effectRef idx="1">
-            <a:schemeClr val="accent1"/>
-          </a:effectRef>
-          <a:fontRef idx="minor">
-            <a:schemeClr val="lt1"/>
-          </a:fontRef>
-        </p:style>
-        <p:txBody>
-          <a:bodyPr anchor="ctr"/>
-          <a:lstStyle/>
-          <a:p>
-            <a:pPr algn="ctr" eaLnBrk="1" latinLnBrk="0" hangingPunct="1"/>
-            <a:endParaRPr kumimoji="0" lang="en-US"/>
-          </a:p>
-        </p:txBody>
-      </p:sp>
-      <p:sp>
-        <p:nvSpPr>
-          <p:cNvPr id="8" name="직사각형 7"/>
-          <p:cNvSpPr/>
-          <p:nvPr/>
-        </p:nvSpPr>
-        <p:spPr>
-          <a:xfrm>
-            <a:off x="255291" y="5047394"/>
-            <a:ext cx="73152" cy="1691640"/>
-          </a:xfrm>
-          <a:prstGeom prst="rect">
-            <a:avLst/>
-          </a:prstGeom>
-          <a:solidFill>
-            <a:schemeClr val="accent2">
-              <a:alpha val="100000"/>
-            </a:schemeClr>
-          </a:solidFill>
-          <a:ln w="50800" cap="rnd" cmpd="dbl" algn="ctr">
-            <a:noFill/>
-            <a:prstDash val="solid"/>
-          </a:ln>
-          <a:effectLst/>
-        </p:spPr>
-        <p:style>
-          <a:lnRef idx="3">
-            <a:schemeClr val="lt1"/>
-          </a:lnRef>
-          <a:fillRef idx="1">
-            <a:schemeClr val="accent1"/>
-          </a:fillRef>
-          <a:effectRef idx="1">
-            <a:schemeClr val="accent1"/>
-          </a:effectRef>
-          <a:fontRef idx="minor">
-            <a:schemeClr val="lt1"/>
-          </a:fontRef>
-        </p:style>
-        <p:txBody>
-          <a:bodyPr anchor="ctr"/>
-          <a:lstStyle/>
-          <a:p>
-            <a:pPr algn="ctr" eaLnBrk="1" latinLnBrk="0" hangingPunct="1"/>
-            <a:endParaRPr kumimoji="0" lang="en-US"/>
-          </a:p>
-        </p:txBody>
-      </p:sp>
-      <p:sp>
-        <p:nvSpPr>
-          <p:cNvPr id="9" name="직사각형 8"/>
-          <p:cNvSpPr/>
-          <p:nvPr/>
-        </p:nvSpPr>
-        <p:spPr>
-          <a:xfrm>
-            <a:off x="255291" y="4796819"/>
-            <a:ext cx="73152" cy="228600"/>
-          </a:xfrm>
-          <a:prstGeom prst="rect">
-            <a:avLst/>
-          </a:prstGeom>
-          <a:solidFill>
-            <a:schemeClr val="accent3">
-              <a:alpha val="100000"/>
-            </a:schemeClr>
-          </a:solidFill>
-          <a:ln w="50800" cap="rnd" cmpd="dbl" algn="ctr">
-            <a:noFill/>
-            <a:prstDash val="solid"/>
-          </a:ln>
-          <a:effectLst/>
-        </p:spPr>
-        <p:style>
-          <a:lnRef idx="3">
-            <a:schemeClr val="lt1"/>
-          </a:lnRef>
-          <a:fillRef idx="1">
-            <a:schemeClr val="accent1"/>
-          </a:fillRef>
-          <a:effectRef idx="1">
-            <a:schemeClr val="accent1"/>
-          </a:effectRef>
-          <a:fontRef idx="minor">
-            <a:schemeClr val="lt1"/>
-          </a:fontRef>
-        </p:style>
-        <p:txBody>
-          <a:bodyPr anchor="ctr"/>
-          <a:lstStyle/>
-          <a:p>
-            <a:pPr algn="ctr" eaLnBrk="1" latinLnBrk="0" hangingPunct="1"/>
-            <a:endParaRPr kumimoji="0" lang="en-US"/>
-          </a:p>
-        </p:txBody>
-      </p:sp>
-      <p:sp>
-        <p:nvSpPr>
-          <p:cNvPr id="10" name="직사각형 9"/>
-          <p:cNvSpPr/>
-          <p:nvPr/>
-        </p:nvSpPr>
-        <p:spPr>
-          <a:xfrm>
-            <a:off x="255291" y="4637685"/>
-            <a:ext cx="73152" cy="137160"/>
-          </a:xfrm>
-          <a:prstGeom prst="rect">
-            <a:avLst/>
-          </a:prstGeom>
-          <a:solidFill>
-            <a:schemeClr val="bg2"/>
-          </a:solidFill>
-          <a:ln w="50800" cap="rnd" cmpd="dbl" algn="ctr">
-            <a:noFill/>
-            <a:prstDash val="solid"/>
-          </a:ln>
-          <a:effectLst/>
-        </p:spPr>
-        <p:style>
-          <a:lnRef idx="3">
-            <a:schemeClr val="lt1"/>
-          </a:lnRef>
-          <a:fillRef idx="1">
-            <a:schemeClr val="accent1"/>
-          </a:fillRef>
-          <a:effectRef idx="1">
-            <a:schemeClr val="accent1"/>
-          </a:effectRef>
-          <a:fontRef idx="minor">
-            <a:schemeClr val="lt1"/>
-          </a:fontRef>
-        </p:style>
-        <p:txBody>
-          <a:bodyPr anchor="ctr"/>
-          <a:lstStyle/>
-          <a:p>
-            <a:pPr algn="ctr" eaLnBrk="1" latinLnBrk="0" hangingPunct="1"/>
-            <a:endParaRPr kumimoji="0" lang="en-US"/>
-          </a:p>
-        </p:txBody>
-      </p:sp>
-      <p:sp>
-        <p:nvSpPr>
-          <p:cNvPr id="11" name="직사각형 10"/>
-          <p:cNvSpPr/>
-          <p:nvPr/>
-        </p:nvSpPr>
-        <p:spPr>
-          <a:xfrm>
-            <a:off x="255291" y="4542559"/>
-            <a:ext cx="73152" cy="73152"/>
-          </a:xfrm>
-          <a:prstGeom prst="rect">
-            <a:avLst/>
-          </a:prstGeom>
-          <a:solidFill>
-            <a:schemeClr val="accent2">
-              <a:alpha val="100000"/>
-            </a:schemeClr>
-          </a:solidFill>
-          <a:ln w="50800" cap="rnd" cmpd="dbl" algn="ctr">
-            <a:noFill/>
-            <a:prstDash val="solid"/>
-          </a:ln>
-          <a:effectLst/>
-        </p:spPr>
-        <p:style>
-          <a:lnRef idx="3">
-            <a:schemeClr val="lt1"/>
-          </a:lnRef>
-          <a:fillRef idx="1">
-            <a:schemeClr val="accent1"/>
-          </a:fillRef>
-          <a:effectRef idx="1">
-            <a:schemeClr val="accent1"/>
-          </a:effectRef>
-          <a:fontRef idx="minor">
-            <a:schemeClr val="lt1"/>
-          </a:fontRef>
-        </p:style>
-        <p:txBody>
-          <a:bodyPr anchor="ctr"/>
-          <a:lstStyle/>
-          <a:p>
-            <a:pPr algn="ctr" eaLnBrk="1" latinLnBrk="0" hangingPunct="1"/>
-            <a:endParaRPr kumimoji="0" lang="en-US" dirty="0"/>
-          </a:p>
-        </p:txBody>
-      </p:sp>
       <p:sp>
         <p:nvSpPr>
           <p:cNvPr id="12" name="직사각형 11"/>
@@ -5998,7 +5772,7 @@
           <a:p>
             <a:fld id="{7BD332C6-334E-4F1C-B658-24FEC90472A2}" type="datetimeFigureOut">
               <a:rPr lang="ko-KR" altLang="en-US" smtClean="0"/>
-              <a:t>2017-01-19</a:t>
+              <a:t>2017-01-22</a:t>
             </a:fld>
             <a:endParaRPr lang="ko-KR" altLang="en-US"/>
           </a:p>
@@ -6148,11 +5922,11 @@
           <a:spcPct val="20000"/>
         </a:spcBef>
         <a:buClr>
-          <a:schemeClr val="accent2"/>
+          <a:schemeClr val="tx1"/>
         </a:buClr>
         <a:buSzPct val="90000"/>
-        <a:buFont typeface="Wingdings"/>
-        <a:buChar char=""/>
+        <a:buFont typeface="Arial" panose="020B0604020202020204" pitchFamily="34" charset="0"/>
+        <a:buChar char="•"/>
         <a:defRPr kumimoji="0" sz="2000" kern="1200">
           <a:solidFill>
             <a:schemeClr val="tx1"/>
@@ -6632,14 +6406,14 @@
                 <a:gridCol w="1440160">
                   <a:extLst>
                     <a:ext uri="{9D8B030D-6E8A-4147-A177-3AD203B41FA5}">
-                      <a16:colId xmlns:a16="http://schemas.microsoft.com/office/drawing/2014/main" xmlns="" val="20000"/>
+                      <a16:colId xmlns:a16="http://schemas.microsoft.com/office/drawing/2014/main" val="20000"/>
                     </a:ext>
                   </a:extLst>
                 </a:gridCol>
                 <a:gridCol w="1440160">
                   <a:extLst>
                     <a:ext uri="{9D8B030D-6E8A-4147-A177-3AD203B41FA5}">
-                      <a16:colId xmlns:a16="http://schemas.microsoft.com/office/drawing/2014/main" xmlns="" val="20001"/>
+                      <a16:colId xmlns:a16="http://schemas.microsoft.com/office/drawing/2014/main" val="20001"/>
                     </a:ext>
                   </a:extLst>
                 </a:gridCol>
@@ -6693,7 +6467,7 @@
                 </a:tc>
                 <a:extLst>
                   <a:ext uri="{0D108BD9-81ED-4DB2-BD59-A6C34878D82A}">
-                    <a16:rowId xmlns:a16="http://schemas.microsoft.com/office/drawing/2014/main" xmlns="" val="10000"/>
+                    <a16:rowId xmlns:a16="http://schemas.microsoft.com/office/drawing/2014/main" val="10000"/>
                   </a:ext>
                 </a:extLst>
               </a:tr>
@@ -6758,7 +6532,7 @@
                 </a:tc>
                 <a:extLst>
                   <a:ext uri="{0D108BD9-81ED-4DB2-BD59-A6C34878D82A}">
-                    <a16:rowId xmlns:a16="http://schemas.microsoft.com/office/drawing/2014/main" xmlns="" val="10001"/>
+                    <a16:rowId xmlns:a16="http://schemas.microsoft.com/office/drawing/2014/main" val="10001"/>
                   </a:ext>
                 </a:extLst>
               </a:tr>
@@ -7060,14 +6834,14 @@
                 <a:gridCol w="1980220">
                   <a:extLst>
                     <a:ext uri="{9D8B030D-6E8A-4147-A177-3AD203B41FA5}">
-                      <a16:colId xmlns:a16="http://schemas.microsoft.com/office/drawing/2014/main" xmlns="" val="20000"/>
+                      <a16:colId xmlns:a16="http://schemas.microsoft.com/office/drawing/2014/main" val="20000"/>
                     </a:ext>
                   </a:extLst>
                 </a:gridCol>
                 <a:gridCol w="1980220">
                   <a:extLst>
                     <a:ext uri="{9D8B030D-6E8A-4147-A177-3AD203B41FA5}">
-                      <a16:colId xmlns:a16="http://schemas.microsoft.com/office/drawing/2014/main" xmlns="" val="20001"/>
+                      <a16:colId xmlns:a16="http://schemas.microsoft.com/office/drawing/2014/main" val="20001"/>
                     </a:ext>
                   </a:extLst>
                 </a:gridCol>
@@ -7143,7 +6917,7 @@
                 </a:tc>
                 <a:extLst>
                   <a:ext uri="{0D108BD9-81ED-4DB2-BD59-A6C34878D82A}">
-                    <a16:rowId xmlns:a16="http://schemas.microsoft.com/office/drawing/2014/main" xmlns="" val="10000"/>
+                    <a16:rowId xmlns:a16="http://schemas.microsoft.com/office/drawing/2014/main" val="10000"/>
                   </a:ext>
                 </a:extLst>
               </a:tr>
@@ -7208,7 +6982,7 @@
                 </a:tc>
                 <a:extLst>
                   <a:ext uri="{0D108BD9-81ED-4DB2-BD59-A6C34878D82A}">
-                    <a16:rowId xmlns:a16="http://schemas.microsoft.com/office/drawing/2014/main" xmlns="" val="10001"/>
+                    <a16:rowId xmlns:a16="http://schemas.microsoft.com/office/drawing/2014/main" val="10001"/>
                   </a:ext>
                 </a:extLst>
               </a:tr>
@@ -7470,7 +7244,7 @@
           <a:graphicData uri="http://schemas.openxmlformats.org/presentationml/2006/ole">
             <mc:AlternateContent xmlns:mc="http://schemas.openxmlformats.org/markup-compatibility/2006">
               <mc:Choice xmlns:v="urn:schemas-microsoft-com:vml" Requires="v">
-                <p:oleObj spid="_x0000_s1085" name="포장기 셸 개체" showAsIcon="1" r:id="rId3" imgW="1154880" imgH="604800" progId="Package">
+                <p:oleObj spid="_x0000_s1092" name="포장기 셸 개체" showAsIcon="1" r:id="rId3" imgW="1154880" imgH="604800" progId="Package">
                   <p:embed/>
                 </p:oleObj>
               </mc:Choice>
@@ -8073,7 +7847,7 @@
           <a:graphicData uri="http://schemas.openxmlformats.org/presentationml/2006/ole">
             <mc:AlternateContent xmlns:mc="http://schemas.openxmlformats.org/markup-compatibility/2006">
               <mc:Choice xmlns:v="urn:schemas-microsoft-com:vml" Requires="v">
-                <p:oleObj spid="_x0000_s2109" name="포장기 셸 개체" showAsIcon="1" r:id="rId3" imgW="1154880" imgH="604800" progId="Package">
+                <p:oleObj spid="_x0000_s2116" name="포장기 셸 개체" showAsIcon="1" r:id="rId3" imgW="1154880" imgH="604800" progId="Package">
                   <p:embed/>
                 </p:oleObj>
               </mc:Choice>
@@ -9053,7 +8827,7 @@
           <a:graphicData uri="http://schemas.openxmlformats.org/presentationml/2006/ole">
             <mc:AlternateContent xmlns:mc="http://schemas.openxmlformats.org/markup-compatibility/2006">
               <mc:Choice xmlns:v="urn:schemas-microsoft-com:vml" Requires="v">
-                <p:oleObj spid="_x0000_s3132" name="포장기 셸 개체" showAsIcon="1" r:id="rId3" imgW="1154880" imgH="604800" progId="Package">
+                <p:oleObj spid="_x0000_s3139" name="포장기 셸 개체" showAsIcon="1" r:id="rId3" imgW="1154880" imgH="604800" progId="Package">
                   <p:embed/>
                 </p:oleObj>
               </mc:Choice>
@@ -13810,28 +13584,28 @@
                 <a:gridCol w="936104">
                   <a:extLst>
                     <a:ext uri="{9D8B030D-6E8A-4147-A177-3AD203B41FA5}">
-                      <a16:colId xmlns:a16="http://schemas.microsoft.com/office/drawing/2014/main" xmlns="" val="20000"/>
+                      <a16:colId xmlns:a16="http://schemas.microsoft.com/office/drawing/2014/main" val="20000"/>
                     </a:ext>
                   </a:extLst>
                 </a:gridCol>
                 <a:gridCol w="1512168">
                   <a:extLst>
                     <a:ext uri="{9D8B030D-6E8A-4147-A177-3AD203B41FA5}">
-                      <a16:colId xmlns:a16="http://schemas.microsoft.com/office/drawing/2014/main" xmlns="" val="20001"/>
+                      <a16:colId xmlns:a16="http://schemas.microsoft.com/office/drawing/2014/main" val="20001"/>
                     </a:ext>
                   </a:extLst>
                 </a:gridCol>
                 <a:gridCol w="4968552">
                   <a:extLst>
                     <a:ext uri="{9D8B030D-6E8A-4147-A177-3AD203B41FA5}">
-                      <a16:colId xmlns:a16="http://schemas.microsoft.com/office/drawing/2014/main" xmlns="" val="20002"/>
+                      <a16:colId xmlns:a16="http://schemas.microsoft.com/office/drawing/2014/main" val="20002"/>
                     </a:ext>
                   </a:extLst>
                 </a:gridCol>
                 <a:gridCol w="1008112">
                   <a:extLst>
                     <a:ext uri="{9D8B030D-6E8A-4147-A177-3AD203B41FA5}">
-                      <a16:colId xmlns:a16="http://schemas.microsoft.com/office/drawing/2014/main" xmlns="" val="20003"/>
+                      <a16:colId xmlns:a16="http://schemas.microsoft.com/office/drawing/2014/main" val="20003"/>
                     </a:ext>
                   </a:extLst>
                 </a:gridCol>
@@ -13911,7 +13685,7 @@
                 </a:tc>
                 <a:extLst>
                   <a:ext uri="{0D108BD9-81ED-4DB2-BD59-A6C34878D82A}">
-                    <a16:rowId xmlns:a16="http://schemas.microsoft.com/office/drawing/2014/main" xmlns="" val="10000"/>
+                    <a16:rowId xmlns:a16="http://schemas.microsoft.com/office/drawing/2014/main" val="10000"/>
                   </a:ext>
                 </a:extLst>
               </a:tr>
@@ -14149,7 +13923,7 @@
                 </a:tc>
                 <a:extLst>
                   <a:ext uri="{0D108BD9-81ED-4DB2-BD59-A6C34878D82A}">
-                    <a16:rowId xmlns:a16="http://schemas.microsoft.com/office/drawing/2014/main" xmlns="" val="10001"/>
+                    <a16:rowId xmlns:a16="http://schemas.microsoft.com/office/drawing/2014/main" val="10001"/>
                   </a:ext>
                 </a:extLst>
               </a:tr>
@@ -14403,7 +14177,7 @@
                 </a:tc>
                 <a:extLst>
                   <a:ext uri="{0D108BD9-81ED-4DB2-BD59-A6C34878D82A}">
-                    <a16:rowId xmlns:a16="http://schemas.microsoft.com/office/drawing/2014/main" xmlns="" val="10002"/>
+                    <a16:rowId xmlns:a16="http://schemas.microsoft.com/office/drawing/2014/main" val="10002"/>
                   </a:ext>
                 </a:extLst>
               </a:tr>
@@ -14973,28 +14747,28 @@
                 <a:gridCol w="936104">
                   <a:extLst>
                     <a:ext uri="{9D8B030D-6E8A-4147-A177-3AD203B41FA5}">
-                      <a16:colId xmlns:a16="http://schemas.microsoft.com/office/drawing/2014/main" xmlns="" val="20000"/>
+                      <a16:colId xmlns:a16="http://schemas.microsoft.com/office/drawing/2014/main" val="20000"/>
                     </a:ext>
                   </a:extLst>
                 </a:gridCol>
                 <a:gridCol w="1512168">
                   <a:extLst>
                     <a:ext uri="{9D8B030D-6E8A-4147-A177-3AD203B41FA5}">
-                      <a16:colId xmlns:a16="http://schemas.microsoft.com/office/drawing/2014/main" xmlns="" val="20001"/>
+                      <a16:colId xmlns:a16="http://schemas.microsoft.com/office/drawing/2014/main" val="20001"/>
                     </a:ext>
                   </a:extLst>
                 </a:gridCol>
                 <a:gridCol w="4968552">
                   <a:extLst>
                     <a:ext uri="{9D8B030D-6E8A-4147-A177-3AD203B41FA5}">
-                      <a16:colId xmlns:a16="http://schemas.microsoft.com/office/drawing/2014/main" xmlns="" val="20002"/>
+                      <a16:colId xmlns:a16="http://schemas.microsoft.com/office/drawing/2014/main" val="20002"/>
                     </a:ext>
                   </a:extLst>
                 </a:gridCol>
                 <a:gridCol w="1008112">
                   <a:extLst>
                     <a:ext uri="{9D8B030D-6E8A-4147-A177-3AD203B41FA5}">
-                      <a16:colId xmlns:a16="http://schemas.microsoft.com/office/drawing/2014/main" xmlns="" val="20003"/>
+                      <a16:colId xmlns:a16="http://schemas.microsoft.com/office/drawing/2014/main" val="20003"/>
                     </a:ext>
                   </a:extLst>
                 </a:gridCol>
@@ -15074,7 +14848,7 @@
                 </a:tc>
                 <a:extLst>
                   <a:ext uri="{0D108BD9-81ED-4DB2-BD59-A6C34878D82A}">
-                    <a16:rowId xmlns:a16="http://schemas.microsoft.com/office/drawing/2014/main" xmlns="" val="10000"/>
+                    <a16:rowId xmlns:a16="http://schemas.microsoft.com/office/drawing/2014/main" val="10000"/>
                   </a:ext>
                 </a:extLst>
               </a:tr>
@@ -15338,7 +15112,7 @@
                 </a:tc>
                 <a:extLst>
                   <a:ext uri="{0D108BD9-81ED-4DB2-BD59-A6C34878D82A}">
-                    <a16:rowId xmlns:a16="http://schemas.microsoft.com/office/drawing/2014/main" xmlns="" val="10001"/>
+                    <a16:rowId xmlns:a16="http://schemas.microsoft.com/office/drawing/2014/main" val="10001"/>
                   </a:ext>
                 </a:extLst>
               </a:tr>
@@ -15631,7 +15405,7 @@
                 </a:tc>
                 <a:extLst>
                   <a:ext uri="{0D108BD9-81ED-4DB2-BD59-A6C34878D82A}">
-                    <a16:rowId xmlns:a16="http://schemas.microsoft.com/office/drawing/2014/main" xmlns="" val="10002"/>
+                    <a16:rowId xmlns:a16="http://schemas.microsoft.com/office/drawing/2014/main" val="10002"/>
                   </a:ext>
                 </a:extLst>
               </a:tr>
@@ -15846,7 +15620,7 @@
                 </a:tc>
                 <a:extLst>
                   <a:ext uri="{0D108BD9-81ED-4DB2-BD59-A6C34878D82A}">
-                    <a16:rowId xmlns:a16="http://schemas.microsoft.com/office/drawing/2014/main" xmlns="" val="10003"/>
+                    <a16:rowId xmlns:a16="http://schemas.microsoft.com/office/drawing/2014/main" val="10003"/>
                   </a:ext>
                 </a:extLst>
               </a:tr>
@@ -16463,28 +16237,28 @@
                 <a:gridCol w="936104">
                   <a:extLst>
                     <a:ext uri="{9D8B030D-6E8A-4147-A177-3AD203B41FA5}">
-                      <a16:colId xmlns:a16="http://schemas.microsoft.com/office/drawing/2014/main" xmlns="" val="20000"/>
+                      <a16:colId xmlns:a16="http://schemas.microsoft.com/office/drawing/2014/main" val="20000"/>
                     </a:ext>
                   </a:extLst>
                 </a:gridCol>
                 <a:gridCol w="1512168">
                   <a:extLst>
                     <a:ext uri="{9D8B030D-6E8A-4147-A177-3AD203B41FA5}">
-                      <a16:colId xmlns:a16="http://schemas.microsoft.com/office/drawing/2014/main" xmlns="" val="20001"/>
+                      <a16:colId xmlns:a16="http://schemas.microsoft.com/office/drawing/2014/main" val="20001"/>
                     </a:ext>
                   </a:extLst>
                 </a:gridCol>
                 <a:gridCol w="4968552">
                   <a:extLst>
                     <a:ext uri="{9D8B030D-6E8A-4147-A177-3AD203B41FA5}">
-                      <a16:colId xmlns:a16="http://schemas.microsoft.com/office/drawing/2014/main" xmlns="" val="20002"/>
+                      <a16:colId xmlns:a16="http://schemas.microsoft.com/office/drawing/2014/main" val="20002"/>
                     </a:ext>
                   </a:extLst>
                 </a:gridCol>
                 <a:gridCol w="1008112">
                   <a:extLst>
                     <a:ext uri="{9D8B030D-6E8A-4147-A177-3AD203B41FA5}">
-                      <a16:colId xmlns:a16="http://schemas.microsoft.com/office/drawing/2014/main" xmlns="" val="20003"/>
+                      <a16:colId xmlns:a16="http://schemas.microsoft.com/office/drawing/2014/main" val="20003"/>
                     </a:ext>
                   </a:extLst>
                 </a:gridCol>
@@ -16564,7 +16338,7 @@
                 </a:tc>
                 <a:extLst>
                   <a:ext uri="{0D108BD9-81ED-4DB2-BD59-A6C34878D82A}">
-                    <a16:rowId xmlns:a16="http://schemas.microsoft.com/office/drawing/2014/main" xmlns="" val="10000"/>
+                    <a16:rowId xmlns:a16="http://schemas.microsoft.com/office/drawing/2014/main" val="10000"/>
                   </a:ext>
                 </a:extLst>
               </a:tr>
@@ -16750,7 +16524,7 @@
                 </a:tc>
                 <a:extLst>
                   <a:ext uri="{0D108BD9-81ED-4DB2-BD59-A6C34878D82A}">
-                    <a16:rowId xmlns:a16="http://schemas.microsoft.com/office/drawing/2014/main" xmlns="" val="10001"/>
+                    <a16:rowId xmlns:a16="http://schemas.microsoft.com/office/drawing/2014/main" val="10001"/>
                   </a:ext>
                 </a:extLst>
               </a:tr>
@@ -16936,7 +16710,7 @@
                 </a:tc>
                 <a:extLst>
                   <a:ext uri="{0D108BD9-81ED-4DB2-BD59-A6C34878D82A}">
-                    <a16:rowId xmlns:a16="http://schemas.microsoft.com/office/drawing/2014/main" xmlns="" val="10002"/>
+                    <a16:rowId xmlns:a16="http://schemas.microsoft.com/office/drawing/2014/main" val="10002"/>
                   </a:ext>
                 </a:extLst>
               </a:tr>
@@ -17109,7 +16883,7 @@
                 </a:tc>
                 <a:extLst>
                   <a:ext uri="{0D108BD9-81ED-4DB2-BD59-A6C34878D82A}">
-                    <a16:rowId xmlns:a16="http://schemas.microsoft.com/office/drawing/2014/main" xmlns="" val="10003"/>
+                    <a16:rowId xmlns:a16="http://schemas.microsoft.com/office/drawing/2014/main" val="10003"/>
                   </a:ext>
                 </a:extLst>
               </a:tr>
@@ -17285,7 +17059,7 @@
                 </a:tc>
                 <a:extLst>
                   <a:ext uri="{0D108BD9-81ED-4DB2-BD59-A6C34878D82A}">
-                    <a16:rowId xmlns:a16="http://schemas.microsoft.com/office/drawing/2014/main" xmlns="" val="10004"/>
+                    <a16:rowId xmlns:a16="http://schemas.microsoft.com/office/drawing/2014/main" val="10004"/>
                   </a:ext>
                 </a:extLst>
               </a:tr>
@@ -17617,7 +17391,7 @@
                 </a:tc>
                 <a:extLst>
                   <a:ext uri="{0D108BD9-81ED-4DB2-BD59-A6C34878D82A}">
-                    <a16:rowId xmlns:a16="http://schemas.microsoft.com/office/drawing/2014/main" xmlns="" val="10005"/>
+                    <a16:rowId xmlns:a16="http://schemas.microsoft.com/office/drawing/2014/main" val="10005"/>
                   </a:ext>
                 </a:extLst>
               </a:tr>
@@ -17936,7 +17710,7 @@
                 </a:tc>
                 <a:extLst>
                   <a:ext uri="{0D108BD9-81ED-4DB2-BD59-A6C34878D82A}">
-                    <a16:rowId xmlns:a16="http://schemas.microsoft.com/office/drawing/2014/main" xmlns="" val="10006"/>
+                    <a16:rowId xmlns:a16="http://schemas.microsoft.com/office/drawing/2014/main" val="10006"/>
                   </a:ext>
                 </a:extLst>
               </a:tr>
@@ -22443,7 +22217,7 @@
           <a:graphicData uri="http://schemas.openxmlformats.org/presentationml/2006/ole">
             <mc:AlternateContent xmlns:mc="http://schemas.openxmlformats.org/markup-compatibility/2006">
               <mc:Choice xmlns:v="urn:schemas-microsoft-com:vml" Requires="v">
-                <p:oleObj spid="_x0000_s4107" name="포장기 셸 개체" showAsIcon="1" r:id="rId3" imgW="1154880" imgH="604800" progId="Package">
+                <p:oleObj spid="_x0000_s4114" name="포장기 셸 개체" showAsIcon="1" r:id="rId3" imgW="1154880" imgH="604800" progId="Package">
                   <p:embed/>
                 </p:oleObj>
               </mc:Choice>
@@ -23120,7 +22894,7 @@
           <a:graphicData uri="http://schemas.openxmlformats.org/presentationml/2006/ole">
             <mc:AlternateContent xmlns:mc="http://schemas.openxmlformats.org/markup-compatibility/2006">
               <mc:Choice xmlns:v="urn:schemas-microsoft-com:vml" Requires="v">
-                <p:oleObj spid="_x0000_s5131" name="포장기 셸 개체" showAsIcon="1" r:id="rId3" imgW="1154880" imgH="604800" progId="Package">
+                <p:oleObj spid="_x0000_s5138" name="포장기 셸 개체" showAsIcon="1" r:id="rId3" imgW="1154880" imgH="604800" progId="Package">
                   <p:embed/>
                 </p:oleObj>
               </mc:Choice>
@@ -25852,6 +25626,88 @@
               </a:rPr>
               <a:t>)</a:t>
             </a:r>
+          </a:p>
+          <a:p>
+            <a:pPr lvl="1"/>
+            <a:r>
+              <a:rPr lang="en-US" altLang="ko-KR" dirty="0" smtClean="0"/>
+              <a:t>Loop</a:t>
+            </a:r>
+            <a:r>
+              <a:rPr lang="ko-KR" altLang="en-US" dirty="0" smtClean="0"/>
+              <a:t>에 이름을 지정 </a:t>
+            </a:r>
+            <a:r>
+              <a:rPr lang="en-US" altLang="ko-KR" dirty="0" smtClean="0">
+                <a:sym typeface="Wingdings" panose="05000000000000000000" pitchFamily="2" charset="2"/>
+              </a:rPr>
+              <a:t> break or continue {</a:t>
+            </a:r>
+            <a:r>
+              <a:rPr lang="ko-KR" altLang="en-US" dirty="0" err="1" smtClean="0">
+                <a:sym typeface="Wingdings" panose="05000000000000000000" pitchFamily="2" charset="2"/>
+              </a:rPr>
+              <a:t>라벨명</a:t>
+            </a:r>
+            <a:r>
+              <a:rPr lang="en-US" altLang="ko-KR" dirty="0" smtClean="0">
+                <a:sym typeface="Wingdings" panose="05000000000000000000" pitchFamily="2" charset="2"/>
+              </a:rPr>
+              <a:t>} </a:t>
+            </a:r>
+            <a:r>
+              <a:rPr lang="ko-KR" altLang="en-US" dirty="0" smtClean="0">
+                <a:sym typeface="Wingdings" panose="05000000000000000000" pitchFamily="2" charset="2"/>
+              </a:rPr>
+              <a:t>으로</a:t>
+            </a:r>
+            <a:r>
+              <a:rPr lang="en-US" altLang="ko-KR" dirty="0" smtClean="0">
+                <a:sym typeface="Wingdings" panose="05000000000000000000" pitchFamily="2" charset="2"/>
+              </a:rPr>
+              <a:t/>
+            </a:r>
+            <a:br>
+              <a:rPr lang="en-US" altLang="ko-KR" dirty="0" smtClean="0">
+                <a:sym typeface="Wingdings" panose="05000000000000000000" pitchFamily="2" charset="2"/>
+              </a:rPr>
+            </a:br>
+            <a:r>
+              <a:rPr lang="en-US" altLang="ko-KR" dirty="0" smtClean="0">
+                <a:sym typeface="Wingdings" panose="05000000000000000000" pitchFamily="2" charset="2"/>
+              </a:rPr>
+              <a:t>break </a:t>
+            </a:r>
+            <a:r>
+              <a:rPr lang="ko-KR" altLang="en-US" dirty="0" smtClean="0">
+                <a:sym typeface="Wingdings" panose="05000000000000000000" pitchFamily="2" charset="2"/>
+              </a:rPr>
+              <a:t>혹은 </a:t>
+            </a:r>
+            <a:r>
+              <a:rPr lang="en-US" altLang="ko-KR" dirty="0" smtClean="0">
+                <a:sym typeface="Wingdings" panose="05000000000000000000" pitchFamily="2" charset="2"/>
+              </a:rPr>
+              <a:t>continue</a:t>
+            </a:r>
+            <a:r>
+              <a:rPr lang="ko-KR" altLang="en-US" dirty="0" smtClean="0">
+                <a:sym typeface="Wingdings" panose="05000000000000000000" pitchFamily="2" charset="2"/>
+              </a:rPr>
+              <a:t>할 </a:t>
+            </a:r>
+            <a:r>
+              <a:rPr lang="en-US" altLang="ko-KR" dirty="0" smtClean="0">
+                <a:sym typeface="Wingdings" panose="05000000000000000000" pitchFamily="2" charset="2"/>
+              </a:rPr>
+              <a:t>loop</a:t>
+            </a:r>
+            <a:r>
+              <a:rPr lang="ko-KR" altLang="en-US" dirty="0" smtClean="0">
+                <a:sym typeface="Wingdings" panose="05000000000000000000" pitchFamily="2" charset="2"/>
+              </a:rPr>
+              <a:t>를 지정할 수 있음</a:t>
+            </a:r>
             <a:endParaRPr lang="en-US" altLang="ko-KR" dirty="0" smtClean="0"/>
           </a:p>
         </p:txBody>
@@ -29112,6 +28968,1277 @@
     <p:extLst>
       <p:ext uri="{BB962C8B-B14F-4D97-AF65-F5344CB8AC3E}">
         <p14:creationId xmlns:p14="http://schemas.microsoft.com/office/powerpoint/2010/main" val="3438993528"/>
+      </p:ext>
+    </p:extLst>
+  </p:cSld>
+  <p:clrMapOvr>
+    <a:masterClrMapping/>
+  </p:clrMapOvr>
+</p:sld>
+</file>
+
+<file path=ppt/slides/slide46.xml><?xml version="1.0" encoding="utf-8"?>
+<p:sld xmlns:a="http://schemas.openxmlformats.org/drawingml/2006/main" xmlns:r="http://schemas.openxmlformats.org/officeDocument/2006/relationships" xmlns:p="http://schemas.openxmlformats.org/presentationml/2006/main">
+  <p:cSld>
+    <p:spTree>
+      <p:nvGrpSpPr>
+        <p:cNvPr id="1" name=""/>
+        <p:cNvGrpSpPr/>
+        <p:nvPr/>
+      </p:nvGrpSpPr>
+      <p:grpSpPr>
+        <a:xfrm>
+          <a:off x="0" y="0"/>
+          <a:ext cx="0" cy="0"/>
+          <a:chOff x="0" y="0"/>
+          <a:chExt cx="0" cy="0"/>
+        </a:xfrm>
+      </p:grpSpPr>
+      <p:sp>
+        <p:nvSpPr>
+          <p:cNvPr id="2" name="TextBox 1"/>
+          <p:cNvSpPr txBox="1"/>
+          <p:nvPr/>
+        </p:nvSpPr>
+        <p:spPr>
+          <a:xfrm>
+            <a:off x="3478592" y="2937138"/>
+            <a:ext cx="2186817" cy="707886"/>
+          </a:xfrm>
+          <a:prstGeom prst="rect">
+            <a:avLst/>
+          </a:prstGeom>
+          <a:noFill/>
+        </p:spPr>
+        <p:txBody>
+          <a:bodyPr wrap="none" rtlCol="0">
+            <a:spAutoFit/>
+          </a:bodyPr>
+          <a:lstStyle/>
+          <a:p>
+            <a:r>
+              <a:rPr lang="en-US" altLang="ko-KR" sz="4000" dirty="0">
+                <a:latin typeface="+mn-ea"/>
+              </a:rPr>
+              <a:t>9</a:t>
+            </a:r>
+            <a:r>
+              <a:rPr lang="ko-KR" altLang="en-US" sz="4000" dirty="0" smtClean="0">
+                <a:latin typeface="+mn-ea"/>
+              </a:rPr>
+              <a:t>장 함수</a:t>
+            </a:r>
+            <a:endParaRPr lang="ko-KR" altLang="en-US" sz="4000" dirty="0">
+              <a:latin typeface="+mn-ea"/>
+            </a:endParaRPr>
+          </a:p>
+        </p:txBody>
+      </p:sp>
+    </p:spTree>
+    <p:extLst>
+      <p:ext uri="{BB962C8B-B14F-4D97-AF65-F5344CB8AC3E}">
+        <p14:creationId xmlns:p14="http://schemas.microsoft.com/office/powerpoint/2010/main" val="151398234"/>
+      </p:ext>
+    </p:extLst>
+  </p:cSld>
+  <p:clrMapOvr>
+    <a:masterClrMapping/>
+  </p:clrMapOvr>
+  <p:timing>
+    <p:tnLst>
+      <p:par>
+        <p:cTn id="1" dur="indefinite" restart="never" nodeType="tmRoot"/>
+      </p:par>
+    </p:tnLst>
+  </p:timing>
+</p:sld>
+</file>
+
+<file path=ppt/slides/slide47.xml><?xml version="1.0" encoding="utf-8"?>
+<p:sld xmlns:a="http://schemas.openxmlformats.org/drawingml/2006/main" xmlns:r="http://schemas.openxmlformats.org/officeDocument/2006/relationships" xmlns:p="http://schemas.openxmlformats.org/presentationml/2006/main">
+  <p:cSld>
+    <p:spTree>
+      <p:nvGrpSpPr>
+        <p:cNvPr id="1" name=""/>
+        <p:cNvGrpSpPr/>
+        <p:nvPr/>
+      </p:nvGrpSpPr>
+      <p:grpSpPr>
+        <a:xfrm>
+          <a:off x="0" y="0"/>
+          <a:ext cx="0" cy="0"/>
+          <a:chOff x="0" y="0"/>
+          <a:chExt cx="0" cy="0"/>
+        </a:xfrm>
+      </p:grpSpPr>
+      <p:sp>
+        <p:nvSpPr>
+          <p:cNvPr id="2" name="제목 1"/>
+          <p:cNvSpPr>
+            <a:spLocks noGrp="1"/>
+          </p:cNvSpPr>
+          <p:nvPr>
+            <p:ph type="title"/>
+          </p:nvPr>
+        </p:nvSpPr>
+        <p:spPr/>
+        <p:txBody>
+          <a:bodyPr/>
+          <a:lstStyle/>
+          <a:p>
+            <a:r>
+              <a:rPr lang="ko-KR" altLang="en-US" dirty="0" smtClean="0"/>
+              <a:t>함수</a:t>
+            </a:r>
+            <a:endParaRPr lang="ko-KR" altLang="en-US" dirty="0"/>
+          </a:p>
+        </p:txBody>
+      </p:sp>
+      <p:sp>
+        <p:nvSpPr>
+          <p:cNvPr id="3" name="내용 개체 틀 2"/>
+          <p:cNvSpPr>
+            <a:spLocks noGrp="1"/>
+          </p:cNvSpPr>
+          <p:nvPr>
+            <p:ph idx="1"/>
+          </p:nvPr>
+        </p:nvSpPr>
+        <p:spPr/>
+        <p:txBody>
+          <a:bodyPr/>
+          <a:lstStyle/>
+          <a:p>
+            <a:r>
+              <a:rPr lang="ko-KR" altLang="en-US" dirty="0" smtClean="0"/>
+              <a:t>함수</a:t>
+            </a:r>
+            <a:endParaRPr lang="en-US" altLang="ko-KR" dirty="0"/>
+          </a:p>
+          <a:p>
+            <a:pPr lvl="1"/>
+            <a:r>
+              <a:rPr lang="ko-KR" altLang="en-US" dirty="0" smtClean="0"/>
+              <a:t>작업의 가장 작은 </a:t>
+            </a:r>
+            <a:r>
+              <a:rPr lang="ko-KR" altLang="en-US" dirty="0" smtClean="0">
+                <a:solidFill>
+                  <a:schemeClr val="accent3"/>
+                </a:solidFill>
+              </a:rPr>
+              <a:t>단위</a:t>
+            </a:r>
+            <a:endParaRPr lang="en-US" altLang="ko-KR" dirty="0" smtClean="0">
+              <a:solidFill>
+                <a:schemeClr val="accent3"/>
+              </a:solidFill>
+            </a:endParaRPr>
+          </a:p>
+          <a:p>
+            <a:pPr lvl="1"/>
+            <a:r>
+              <a:rPr lang="en-US" altLang="ko-KR" dirty="0" smtClean="0"/>
+              <a:t>Swift</a:t>
+            </a:r>
+            <a:r>
+              <a:rPr lang="ko-KR" altLang="en-US" dirty="0" smtClean="0"/>
+              <a:t>에서는 함수를 </a:t>
+            </a:r>
+            <a:r>
+              <a:rPr lang="ko-KR" altLang="en-US" dirty="0" smtClean="0">
+                <a:solidFill>
+                  <a:schemeClr val="accent3"/>
+                </a:solidFill>
+              </a:rPr>
+              <a:t>하나의 값</a:t>
+            </a:r>
+            <a:r>
+              <a:rPr lang="ko-KR" altLang="en-US" dirty="0" smtClean="0"/>
+              <a:t>으로 사용 가능</a:t>
+            </a:r>
+            <a:endParaRPr lang="en-US" altLang="ko-KR" dirty="0" smtClean="0"/>
+          </a:p>
+          <a:p>
+            <a:pPr lvl="1"/>
+            <a:r>
+              <a:rPr lang="ko-KR" altLang="en-US" dirty="0" smtClean="0"/>
+              <a:t>함수</a:t>
+            </a:r>
+            <a:r>
+              <a:rPr lang="en-US" altLang="ko-KR" dirty="0" smtClean="0"/>
+              <a:t>: </a:t>
+            </a:r>
+            <a:r>
+              <a:rPr lang="ko-KR" altLang="en-US" dirty="0" smtClean="0"/>
+              <a:t>모듈 전체에서 전역적으로 사용</a:t>
+            </a:r>
+            <a:endParaRPr lang="en-US" altLang="ko-KR" dirty="0" smtClean="0"/>
+          </a:p>
+          <a:p>
+            <a:pPr lvl="1"/>
+            <a:r>
+              <a:rPr lang="ko-KR" altLang="en-US" dirty="0" smtClean="0"/>
+              <a:t>메서드</a:t>
+            </a:r>
+            <a:r>
+              <a:rPr lang="en-US" altLang="ko-KR" dirty="0" smtClean="0"/>
+              <a:t>: </a:t>
+            </a:r>
+            <a:r>
+              <a:rPr lang="ko-KR" altLang="en-US" dirty="0" smtClean="0"/>
+              <a:t>특정 타입에 연관되어 사용하는 함수</a:t>
+            </a:r>
+            <a:endParaRPr lang="en-US" altLang="ko-KR" dirty="0" smtClean="0"/>
+          </a:p>
+          <a:p>
+            <a:pPr lvl="1"/>
+            <a:r>
+              <a:rPr lang="ko-KR" altLang="en-US" dirty="0" smtClean="0"/>
+              <a:t>재정의</a:t>
+            </a:r>
+            <a:r>
+              <a:rPr lang="en-US" altLang="ko-KR" dirty="0" smtClean="0"/>
+              <a:t>(Override), </a:t>
+            </a:r>
+            <a:r>
+              <a:rPr lang="ko-KR" altLang="en-US" dirty="0" err="1" smtClean="0"/>
+              <a:t>중복정의</a:t>
+            </a:r>
+            <a:r>
+              <a:rPr lang="en-US" altLang="ko-KR" dirty="0" smtClean="0"/>
+              <a:t>(Overload)</a:t>
+            </a:r>
+            <a:r>
+              <a:rPr lang="ko-KR" altLang="en-US" dirty="0"/>
+              <a:t> </a:t>
+            </a:r>
+            <a:r>
+              <a:rPr lang="ko-KR" altLang="en-US" dirty="0" smtClean="0"/>
+              <a:t>모두 가능</a:t>
+            </a:r>
+            <a:endParaRPr lang="en-US" altLang="ko-KR" dirty="0" smtClean="0"/>
+          </a:p>
+          <a:p>
+            <a:pPr lvl="2"/>
+            <a:r>
+              <a:rPr lang="ko-KR" altLang="en-US" dirty="0" smtClean="0">
+                <a:solidFill>
+                  <a:schemeClr val="accent3"/>
+                </a:solidFill>
+              </a:rPr>
+              <a:t>매개변수의 이름</a:t>
+            </a:r>
+            <a:r>
+              <a:rPr lang="en-US" altLang="ko-KR" dirty="0" smtClean="0">
+                <a:solidFill>
+                  <a:schemeClr val="accent3"/>
+                </a:solidFill>
+              </a:rPr>
+              <a:t>, </a:t>
+            </a:r>
+            <a:r>
+              <a:rPr lang="ko-KR" altLang="en-US" dirty="0" smtClean="0">
+                <a:solidFill>
+                  <a:schemeClr val="accent3"/>
+                </a:solidFill>
+              </a:rPr>
+              <a:t>개수</a:t>
+            </a:r>
+            <a:r>
+              <a:rPr lang="en-US" altLang="ko-KR" dirty="0" smtClean="0">
+                <a:solidFill>
+                  <a:schemeClr val="accent3"/>
+                </a:solidFill>
+              </a:rPr>
+              <a:t>, </a:t>
+            </a:r>
+            <a:r>
+              <a:rPr lang="ko-KR" altLang="en-US" dirty="0" smtClean="0">
+                <a:solidFill>
+                  <a:schemeClr val="accent3"/>
+                </a:solidFill>
+              </a:rPr>
+              <a:t>타입 등이 다르면 </a:t>
+            </a:r>
+            <a:r>
+              <a:rPr lang="ko-KR" altLang="en-US" dirty="0" smtClean="0"/>
+              <a:t>서로 다른 함수로 </a:t>
+            </a:r>
+            <a:r>
+              <a:rPr lang="ko-KR" altLang="en-US" dirty="0" smtClean="0">
+                <a:solidFill>
+                  <a:schemeClr val="accent2"/>
+                </a:solidFill>
+              </a:rPr>
+              <a:t>중복 정의됨</a:t>
+            </a:r>
+            <a:endParaRPr lang="en-US" altLang="ko-KR" dirty="0">
+              <a:solidFill>
+                <a:schemeClr val="accent2"/>
+              </a:solidFill>
+            </a:endParaRPr>
+          </a:p>
+          <a:p>
+            <a:pPr lvl="1"/>
+            <a:endParaRPr lang="en-US" altLang="ko-KR" dirty="0" smtClean="0"/>
+          </a:p>
+          <a:p>
+            <a:r>
+              <a:rPr lang="ko-KR" altLang="en-US" dirty="0" smtClean="0"/>
+              <a:t>함수 정의</a:t>
+            </a:r>
+            <a:r>
+              <a:rPr lang="en-US" altLang="ko-KR" dirty="0" smtClean="0"/>
+              <a:t>, </a:t>
+            </a:r>
+            <a:r>
+              <a:rPr lang="ko-KR" altLang="en-US" dirty="0" smtClean="0"/>
+              <a:t>사용</a:t>
+            </a:r>
+            <a:endParaRPr lang="en-US" altLang="ko-KR" dirty="0" smtClean="0"/>
+          </a:p>
+          <a:p>
+            <a:pPr lvl="1"/>
+            <a:r>
+              <a:rPr lang="en-US" altLang="ko-KR" dirty="0" err="1" smtClean="0"/>
+              <a:t>func</a:t>
+            </a:r>
+            <a:r>
+              <a:rPr lang="en-US" altLang="ko-KR" dirty="0" smtClean="0"/>
+              <a:t> </a:t>
+            </a:r>
+            <a:r>
+              <a:rPr lang="ko-KR" altLang="en-US" dirty="0" smtClean="0"/>
+              <a:t>함수 이름 </a:t>
+            </a:r>
+            <a:r>
+              <a:rPr lang="en-US" altLang="ko-KR" dirty="0" smtClean="0"/>
+              <a:t>(</a:t>
+            </a:r>
+            <a:r>
+              <a:rPr lang="ko-KR" altLang="en-US" dirty="0" smtClean="0"/>
+              <a:t>매개변수</a:t>
+            </a:r>
+            <a:r>
+              <a:rPr lang="en-US" altLang="ko-KR" dirty="0" smtClean="0"/>
+              <a:t>…) -&gt; </a:t>
+            </a:r>
+            <a:r>
+              <a:rPr lang="ko-KR" altLang="en-US" dirty="0" smtClean="0"/>
+              <a:t>반환 타입</a:t>
+            </a:r>
+            <a:r>
+              <a:rPr lang="en-US" altLang="ko-KR" dirty="0"/>
+              <a:t> </a:t>
+            </a:r>
+            <a:r>
+              <a:rPr lang="en-US" altLang="ko-KR" dirty="0" smtClean="0"/>
+              <a:t>{  </a:t>
+            </a:r>
+            <a:r>
+              <a:rPr lang="en-US" altLang="ko-KR" sz="1200" dirty="0" smtClean="0">
+                <a:solidFill>
+                  <a:schemeClr val="accent6"/>
+                </a:solidFill>
+              </a:rPr>
+              <a:t>// </a:t>
+            </a:r>
+            <a:r>
+              <a:rPr lang="ko-KR" altLang="en-US" sz="1200" dirty="0" smtClean="0">
+                <a:solidFill>
+                  <a:schemeClr val="accent6"/>
+                </a:solidFill>
+              </a:rPr>
+              <a:t>매개변수 생략 가능</a:t>
+            </a:r>
+            <a:r>
+              <a:rPr lang="en-US" altLang="ko-KR" dirty="0" smtClean="0"/>
+              <a:t/>
+            </a:r>
+            <a:br>
+              <a:rPr lang="en-US" altLang="ko-KR" dirty="0" smtClean="0"/>
+            </a:br>
+            <a:r>
+              <a:rPr lang="en-US" altLang="ko-KR" dirty="0" smtClean="0"/>
+              <a:t>   </a:t>
+            </a:r>
+            <a:r>
+              <a:rPr lang="ko-KR" altLang="en-US" dirty="0" smtClean="0"/>
+              <a:t>실행 구문</a:t>
+            </a:r>
+            <a:r>
+              <a:rPr lang="en-US" altLang="ko-KR" dirty="0" smtClean="0"/>
+              <a:t/>
+            </a:r>
+            <a:br>
+              <a:rPr lang="en-US" altLang="ko-KR" dirty="0" smtClean="0"/>
+            </a:br>
+            <a:r>
+              <a:rPr lang="en-US" altLang="ko-KR" dirty="0" smtClean="0"/>
+              <a:t>   return </a:t>
+            </a:r>
+            <a:r>
+              <a:rPr lang="ko-KR" altLang="en-US" dirty="0" smtClean="0"/>
+              <a:t>반환 값</a:t>
+            </a:r>
+            <a:r>
+              <a:rPr lang="en-US" altLang="ko-KR" dirty="0" smtClean="0"/>
+              <a:t/>
+            </a:r>
+            <a:br>
+              <a:rPr lang="en-US" altLang="ko-KR" dirty="0" smtClean="0"/>
+            </a:br>
+            <a:r>
+              <a:rPr lang="en-US" altLang="ko-KR" dirty="0" smtClean="0"/>
+              <a:t>}</a:t>
+            </a:r>
+          </a:p>
+          <a:p>
+            <a:pPr lvl="1"/>
+            <a:r>
+              <a:rPr lang="ko-KR" altLang="en-US" dirty="0" smtClean="0"/>
+              <a:t>함수 이름</a:t>
+            </a:r>
+            <a:r>
+              <a:rPr lang="en-US" altLang="ko-KR" dirty="0" smtClean="0"/>
+              <a:t>(</a:t>
+            </a:r>
+            <a:r>
+              <a:rPr lang="ko-KR" altLang="en-US" dirty="0" smtClean="0"/>
+              <a:t>매개변수</a:t>
+            </a:r>
+            <a:r>
+              <a:rPr lang="en-US" altLang="ko-KR" dirty="0" smtClean="0"/>
+              <a:t>)</a:t>
+            </a:r>
+            <a:br>
+              <a:rPr lang="en-US" altLang="ko-KR" dirty="0" smtClean="0"/>
+            </a:br>
+            <a:endParaRPr lang="en-US" altLang="ko-KR" dirty="0" smtClean="0"/>
+          </a:p>
+        </p:txBody>
+      </p:sp>
+    </p:spTree>
+    <p:extLst>
+      <p:ext uri="{BB962C8B-B14F-4D97-AF65-F5344CB8AC3E}">
+        <p14:creationId xmlns:p14="http://schemas.microsoft.com/office/powerpoint/2010/main" val="635281134"/>
+      </p:ext>
+    </p:extLst>
+  </p:cSld>
+  <p:clrMapOvr>
+    <a:masterClrMapping/>
+  </p:clrMapOvr>
+</p:sld>
+</file>
+
+<file path=ppt/slides/slide48.xml><?xml version="1.0" encoding="utf-8"?>
+<p:sld xmlns:a="http://schemas.openxmlformats.org/drawingml/2006/main" xmlns:r="http://schemas.openxmlformats.org/officeDocument/2006/relationships" xmlns:p="http://schemas.openxmlformats.org/presentationml/2006/main">
+  <p:cSld>
+    <p:spTree>
+      <p:nvGrpSpPr>
+        <p:cNvPr id="1" name=""/>
+        <p:cNvGrpSpPr/>
+        <p:nvPr/>
+      </p:nvGrpSpPr>
+      <p:grpSpPr>
+        <a:xfrm>
+          <a:off x="0" y="0"/>
+          <a:ext cx="0" cy="0"/>
+          <a:chOff x="0" y="0"/>
+          <a:chExt cx="0" cy="0"/>
+        </a:xfrm>
+      </p:grpSpPr>
+      <p:sp>
+        <p:nvSpPr>
+          <p:cNvPr id="2" name="제목 1"/>
+          <p:cNvSpPr>
+            <a:spLocks noGrp="1"/>
+          </p:cNvSpPr>
+          <p:nvPr>
+            <p:ph type="title"/>
+          </p:nvPr>
+        </p:nvSpPr>
+        <p:spPr/>
+        <p:txBody>
+          <a:bodyPr/>
+          <a:lstStyle/>
+          <a:p>
+            <a:r>
+              <a:rPr lang="ko-KR" altLang="en-US" dirty="0" smtClean="0"/>
+              <a:t>함수</a:t>
+            </a:r>
+            <a:endParaRPr lang="ko-KR" altLang="en-US" dirty="0"/>
+          </a:p>
+        </p:txBody>
+      </p:sp>
+      <p:sp>
+        <p:nvSpPr>
+          <p:cNvPr id="3" name="내용 개체 틀 2"/>
+          <p:cNvSpPr>
+            <a:spLocks noGrp="1"/>
+          </p:cNvSpPr>
+          <p:nvPr>
+            <p:ph idx="1"/>
+          </p:nvPr>
+        </p:nvSpPr>
+        <p:spPr/>
+        <p:txBody>
+          <a:bodyPr/>
+          <a:lstStyle/>
+          <a:p>
+            <a:r>
+              <a:rPr lang="ko-KR" altLang="en-US" dirty="0" smtClean="0"/>
+              <a:t>함수 정의</a:t>
+            </a:r>
+            <a:r>
+              <a:rPr lang="en-US" altLang="ko-KR" dirty="0" smtClean="0"/>
+              <a:t>, </a:t>
+            </a:r>
+            <a:r>
+              <a:rPr lang="ko-KR" altLang="en-US" dirty="0" smtClean="0"/>
+              <a:t>사용 예</a:t>
+            </a:r>
+            <a:endParaRPr lang="en-US" altLang="ko-KR" dirty="0" smtClean="0"/>
+          </a:p>
+        </p:txBody>
+      </p:sp>
+      <p:sp>
+        <p:nvSpPr>
+          <p:cNvPr id="4" name="TextBox 3"/>
+          <p:cNvSpPr txBox="1"/>
+          <p:nvPr/>
+        </p:nvSpPr>
+        <p:spPr>
+          <a:xfrm>
+            <a:off x="1331640" y="1340768"/>
+            <a:ext cx="6753944" cy="1477328"/>
+          </a:xfrm>
+          <a:prstGeom prst="rect">
+            <a:avLst/>
+          </a:prstGeom>
+          <a:noFill/>
+        </p:spPr>
+        <p:txBody>
+          <a:bodyPr wrap="square" rtlCol="0">
+            <a:spAutoFit/>
+          </a:bodyPr>
+          <a:lstStyle/>
+          <a:p>
+            <a:r>
+              <a:rPr lang="en-US" altLang="ko-KR" dirty="0" err="1" smtClean="0"/>
+              <a:t>func</a:t>
+            </a:r>
+            <a:r>
+              <a:rPr lang="en-US" altLang="ko-KR" dirty="0" smtClean="0"/>
+              <a:t> </a:t>
+            </a:r>
+            <a:r>
+              <a:rPr lang="en-US" altLang="ko-KR" dirty="0" err="1" smtClean="0">
+                <a:solidFill>
+                  <a:schemeClr val="accent6"/>
+                </a:solidFill>
+              </a:rPr>
+              <a:t>sayHello</a:t>
+            </a:r>
+            <a:r>
+              <a:rPr lang="en-US" altLang="ko-KR" dirty="0" smtClean="0"/>
+              <a:t> (</a:t>
+            </a:r>
+            <a:r>
+              <a:rPr lang="en-US" altLang="ko-KR" dirty="0" err="1" smtClean="0">
+                <a:solidFill>
+                  <a:schemeClr val="accent3"/>
+                </a:solidFill>
+              </a:rPr>
+              <a:t>myName</a:t>
+            </a:r>
+            <a:r>
+              <a:rPr lang="en-US" altLang="ko-KR" dirty="0" smtClean="0">
+                <a:solidFill>
+                  <a:schemeClr val="accent3"/>
+                </a:solidFill>
+              </a:rPr>
+              <a:t>: String, </a:t>
+            </a:r>
+            <a:r>
+              <a:rPr lang="en-US" altLang="ko-KR" dirty="0" err="1" smtClean="0">
+                <a:solidFill>
+                  <a:schemeClr val="accent3"/>
+                </a:solidFill>
+              </a:rPr>
+              <a:t>yourName</a:t>
+            </a:r>
+            <a:r>
+              <a:rPr lang="en-US" altLang="ko-KR" dirty="0" smtClean="0">
+                <a:solidFill>
+                  <a:schemeClr val="accent3"/>
+                </a:solidFill>
+              </a:rPr>
+              <a:t>: String</a:t>
+            </a:r>
+            <a:r>
+              <a:rPr lang="en-US" altLang="ko-KR" dirty="0" smtClean="0"/>
+              <a:t>) -&gt; </a:t>
+            </a:r>
+            <a:r>
+              <a:rPr lang="en-US" altLang="ko-KR" dirty="0" smtClean="0">
+                <a:solidFill>
+                  <a:schemeClr val="accent6"/>
+                </a:solidFill>
+              </a:rPr>
+              <a:t>String</a:t>
+            </a:r>
+            <a:r>
+              <a:rPr lang="en-US" altLang="ko-KR" dirty="0" smtClean="0"/>
+              <a:t> {</a:t>
+            </a:r>
+          </a:p>
+          <a:p>
+            <a:r>
+              <a:rPr lang="en-US" altLang="ko-KR" dirty="0" smtClean="0"/>
+              <a:t>	</a:t>
+            </a:r>
+            <a:r>
+              <a:rPr lang="en-US" altLang="ko-KR" dirty="0" smtClean="0">
+                <a:solidFill>
+                  <a:schemeClr val="accent2"/>
+                </a:solidFill>
+              </a:rPr>
+              <a:t>return</a:t>
+            </a:r>
+            <a:r>
+              <a:rPr lang="en-US" altLang="ko-KR" dirty="0" smtClean="0"/>
+              <a:t> “Hello \(</a:t>
+            </a:r>
+            <a:r>
+              <a:rPr lang="en-US" altLang="ko-KR" dirty="0" err="1" smtClean="0"/>
+              <a:t>yourName</a:t>
+            </a:r>
+            <a:r>
+              <a:rPr lang="en-US" altLang="ko-KR" dirty="0" smtClean="0"/>
+              <a:t>)! I’m \(</a:t>
+            </a:r>
+            <a:r>
+              <a:rPr lang="en-US" altLang="ko-KR" dirty="0" err="1" smtClean="0"/>
+              <a:t>myName</a:t>
+            </a:r>
+            <a:r>
+              <a:rPr lang="en-US" altLang="ko-KR" dirty="0" smtClean="0"/>
+              <a:t>)”</a:t>
+            </a:r>
+            <a:endParaRPr lang="en-US" altLang="ko-KR" dirty="0"/>
+          </a:p>
+          <a:p>
+            <a:r>
+              <a:rPr lang="en-US" altLang="ko-KR" dirty="0" smtClean="0"/>
+              <a:t>}</a:t>
+            </a:r>
+          </a:p>
+          <a:p>
+            <a:endParaRPr lang="en-US" altLang="ko-KR" dirty="0"/>
+          </a:p>
+          <a:p>
+            <a:r>
+              <a:rPr lang="en-US" altLang="ko-KR" dirty="0" smtClean="0"/>
+              <a:t>print (</a:t>
+            </a:r>
+            <a:r>
+              <a:rPr lang="en-US" altLang="ko-KR" dirty="0" err="1" smtClean="0">
+                <a:solidFill>
+                  <a:schemeClr val="accent2"/>
+                </a:solidFill>
+              </a:rPr>
+              <a:t>sayHello</a:t>
+            </a:r>
+            <a:r>
+              <a:rPr lang="en-US" altLang="ko-KR" dirty="0" smtClean="0"/>
+              <a:t> (</a:t>
+            </a:r>
+            <a:r>
+              <a:rPr lang="en-US" altLang="ko-KR" dirty="0" err="1" smtClean="0">
+                <a:solidFill>
+                  <a:schemeClr val="accent3"/>
+                </a:solidFill>
+              </a:rPr>
+              <a:t>myName</a:t>
+            </a:r>
+            <a:r>
+              <a:rPr lang="en-US" altLang="ko-KR" dirty="0" smtClean="0">
+                <a:solidFill>
+                  <a:schemeClr val="accent3"/>
+                </a:solidFill>
+              </a:rPr>
+              <a:t>: “Kyoungho”, </a:t>
+            </a:r>
+            <a:r>
+              <a:rPr lang="en-US" altLang="ko-KR" dirty="0" err="1" smtClean="0">
+                <a:solidFill>
+                  <a:schemeClr val="accent3"/>
+                </a:solidFill>
+              </a:rPr>
+              <a:t>yourName</a:t>
+            </a:r>
+            <a:r>
+              <a:rPr lang="en-US" altLang="ko-KR" dirty="0" smtClean="0">
+                <a:solidFill>
+                  <a:schemeClr val="accent3"/>
+                </a:solidFill>
+              </a:rPr>
+              <a:t>: “Jason”</a:t>
+            </a:r>
+            <a:r>
+              <a:rPr lang="en-US" altLang="ko-KR" dirty="0" smtClean="0"/>
+              <a:t>))</a:t>
+            </a:r>
+            <a:endParaRPr lang="ko-KR" altLang="en-US" dirty="0"/>
+          </a:p>
+        </p:txBody>
+      </p:sp>
+      <p:pic>
+        <p:nvPicPr>
+          <p:cNvPr id="5" name="그림 4"/>
+          <p:cNvPicPr>
+            <a:picLocks noChangeAspect="1"/>
+          </p:cNvPicPr>
+          <p:nvPr/>
+        </p:nvPicPr>
+        <p:blipFill>
+          <a:blip r:embed="rId2"/>
+          <a:stretch>
+            <a:fillRect/>
+          </a:stretch>
+        </p:blipFill>
+        <p:spPr>
+          <a:xfrm>
+            <a:off x="409575" y="3212976"/>
+            <a:ext cx="8734425" cy="1676400"/>
+          </a:xfrm>
+          <a:prstGeom prst="rect">
+            <a:avLst/>
+          </a:prstGeom>
+        </p:spPr>
+      </p:pic>
+    </p:spTree>
+    <p:extLst>
+      <p:ext uri="{BB962C8B-B14F-4D97-AF65-F5344CB8AC3E}">
+        <p14:creationId xmlns:p14="http://schemas.microsoft.com/office/powerpoint/2010/main" val="2583647524"/>
+      </p:ext>
+    </p:extLst>
+  </p:cSld>
+  <p:clrMapOvr>
+    <a:masterClrMapping/>
+  </p:clrMapOvr>
+</p:sld>
+</file>
+
+<file path=ppt/slides/slide49.xml><?xml version="1.0" encoding="utf-8"?>
+<p:sld xmlns:a="http://schemas.openxmlformats.org/drawingml/2006/main" xmlns:r="http://schemas.openxmlformats.org/officeDocument/2006/relationships" xmlns:p="http://schemas.openxmlformats.org/presentationml/2006/main">
+  <p:cSld>
+    <p:spTree>
+      <p:nvGrpSpPr>
+        <p:cNvPr id="1" name=""/>
+        <p:cNvGrpSpPr/>
+        <p:nvPr/>
+      </p:nvGrpSpPr>
+      <p:grpSpPr>
+        <a:xfrm>
+          <a:off x="0" y="0"/>
+          <a:ext cx="0" cy="0"/>
+          <a:chOff x="0" y="0"/>
+          <a:chExt cx="0" cy="0"/>
+        </a:xfrm>
+      </p:grpSpPr>
+      <p:sp>
+        <p:nvSpPr>
+          <p:cNvPr id="2" name="제목 1"/>
+          <p:cNvSpPr>
+            <a:spLocks noGrp="1"/>
+          </p:cNvSpPr>
+          <p:nvPr>
+            <p:ph type="title"/>
+          </p:nvPr>
+        </p:nvSpPr>
+        <p:spPr/>
+        <p:txBody>
+          <a:bodyPr/>
+          <a:lstStyle/>
+          <a:p>
+            <a:r>
+              <a:rPr lang="ko-KR" altLang="en-US" dirty="0" smtClean="0"/>
+              <a:t>함수</a:t>
+            </a:r>
+            <a:endParaRPr lang="ko-KR" altLang="en-US" dirty="0"/>
+          </a:p>
+        </p:txBody>
+      </p:sp>
+      <p:sp>
+        <p:nvSpPr>
+          <p:cNvPr id="3" name="내용 개체 틀 2"/>
+          <p:cNvSpPr>
+            <a:spLocks noGrp="1"/>
+          </p:cNvSpPr>
+          <p:nvPr>
+            <p:ph idx="1"/>
+          </p:nvPr>
+        </p:nvSpPr>
+        <p:spPr/>
+        <p:txBody>
+          <a:bodyPr/>
+          <a:lstStyle/>
+          <a:p>
+            <a:r>
+              <a:rPr lang="ko-KR" altLang="en-US" dirty="0" smtClean="0"/>
+              <a:t>매개변수 이름</a:t>
+            </a:r>
+            <a:r>
+              <a:rPr lang="en-US" altLang="ko-KR" dirty="0" smtClean="0"/>
+              <a:t>, </a:t>
+            </a:r>
+            <a:r>
+              <a:rPr lang="ko-KR" altLang="en-US" dirty="0" smtClean="0"/>
+              <a:t>전달 인자 레이블</a:t>
+            </a:r>
+            <a:endParaRPr lang="en-US" altLang="ko-KR" dirty="0" smtClean="0"/>
+          </a:p>
+          <a:p>
+            <a:pPr lvl="1"/>
+            <a:r>
+              <a:rPr lang="ko-KR" altLang="en-US" dirty="0" smtClean="0"/>
+              <a:t>매개변수 이름은 함수 사용할 때 사용</a:t>
+            </a:r>
+            <a:endParaRPr lang="en-US" altLang="ko-KR" dirty="0" smtClean="0"/>
+          </a:p>
+          <a:p>
+            <a:pPr lvl="1"/>
+            <a:r>
+              <a:rPr lang="ko-KR" altLang="en-US" dirty="0" smtClean="0"/>
+              <a:t>전달 인자 레이블은 함수 내부에서 사용</a:t>
+            </a:r>
+            <a:endParaRPr lang="en-US" altLang="ko-KR" dirty="0"/>
+          </a:p>
+          <a:p>
+            <a:pPr marL="68580" indent="0">
+              <a:buNone/>
+            </a:pPr>
+            <a:r>
+              <a:rPr lang="en-US" altLang="ko-KR" dirty="0" smtClean="0"/>
+              <a:t/>
+            </a:r>
+            <a:br>
+              <a:rPr lang="en-US" altLang="ko-KR" dirty="0" smtClean="0"/>
+            </a:br>
+            <a:endParaRPr lang="en-US" altLang="ko-KR" dirty="0" smtClean="0"/>
+          </a:p>
+        </p:txBody>
+      </p:sp>
+      <p:sp>
+        <p:nvSpPr>
+          <p:cNvPr id="4" name="TextBox 3"/>
+          <p:cNvSpPr txBox="1"/>
+          <p:nvPr/>
+        </p:nvSpPr>
+        <p:spPr>
+          <a:xfrm>
+            <a:off x="1115616" y="2023680"/>
+            <a:ext cx="8280920" cy="1477328"/>
+          </a:xfrm>
+          <a:prstGeom prst="rect">
+            <a:avLst/>
+          </a:prstGeom>
+          <a:noFill/>
+        </p:spPr>
+        <p:txBody>
+          <a:bodyPr wrap="square" rtlCol="0">
+            <a:spAutoFit/>
+          </a:bodyPr>
+          <a:lstStyle/>
+          <a:p>
+            <a:r>
+              <a:rPr lang="en-US" altLang="ko-KR" dirty="0" err="1"/>
+              <a:t>func</a:t>
+            </a:r>
+            <a:r>
+              <a:rPr lang="en-US" altLang="ko-KR" dirty="0"/>
+              <a:t> </a:t>
+            </a:r>
+            <a:r>
+              <a:rPr lang="ko-KR" altLang="en-US" dirty="0"/>
+              <a:t>함수 이름 </a:t>
+            </a:r>
+            <a:r>
+              <a:rPr lang="en-US" altLang="ko-KR" dirty="0"/>
+              <a:t>(</a:t>
+            </a:r>
+            <a:r>
+              <a:rPr lang="ko-KR" altLang="en-US" dirty="0">
+                <a:solidFill>
+                  <a:schemeClr val="accent2"/>
+                </a:solidFill>
+              </a:rPr>
+              <a:t>매개변수 이름</a:t>
+            </a:r>
+            <a:r>
+              <a:rPr lang="en-US" altLang="ko-KR" dirty="0">
+                <a:solidFill>
+                  <a:schemeClr val="accent2"/>
+                </a:solidFill>
+              </a:rPr>
+              <a:t>  </a:t>
+            </a:r>
+            <a:r>
+              <a:rPr lang="ko-KR" altLang="en-US" dirty="0">
+                <a:solidFill>
+                  <a:schemeClr val="accent3"/>
+                </a:solidFill>
+              </a:rPr>
+              <a:t>전달 인자 레이블</a:t>
+            </a:r>
+            <a:r>
+              <a:rPr lang="en-US" altLang="ko-KR" dirty="0">
+                <a:solidFill>
+                  <a:schemeClr val="accent3"/>
+                </a:solidFill>
+              </a:rPr>
+              <a:t>: </a:t>
+            </a:r>
+            <a:r>
+              <a:rPr lang="ko-KR" altLang="en-US" dirty="0">
+                <a:solidFill>
+                  <a:schemeClr val="accent3"/>
+                </a:solidFill>
+              </a:rPr>
+              <a:t>매개변수 타입 </a:t>
+            </a:r>
+            <a:r>
+              <a:rPr lang="en-US" altLang="ko-KR" dirty="0"/>
+              <a:t>…) -&gt; </a:t>
+            </a:r>
+            <a:r>
+              <a:rPr lang="ko-KR" altLang="en-US" dirty="0"/>
+              <a:t>반환 타입</a:t>
+            </a:r>
+            <a:r>
+              <a:rPr lang="en-US" altLang="ko-KR" dirty="0"/>
+              <a:t>{</a:t>
+            </a:r>
+            <a:br>
+              <a:rPr lang="en-US" altLang="ko-KR" dirty="0"/>
+            </a:br>
+            <a:r>
+              <a:rPr lang="en-US" altLang="ko-KR" dirty="0"/>
+              <a:t>	// </a:t>
+            </a:r>
+            <a:r>
+              <a:rPr lang="ko-KR" altLang="en-US" dirty="0"/>
+              <a:t>함수 </a:t>
+            </a:r>
+            <a:r>
+              <a:rPr lang="ko-KR" altLang="en-US" dirty="0" smtClean="0"/>
+              <a:t>내용</a:t>
+            </a:r>
+            <a:r>
+              <a:rPr lang="en-US" altLang="ko-KR" dirty="0" smtClean="0"/>
+              <a:t/>
+            </a:r>
+            <a:br>
+              <a:rPr lang="en-US" altLang="ko-KR" dirty="0" smtClean="0"/>
+            </a:br>
+            <a:r>
+              <a:rPr lang="en-US" altLang="ko-KR" dirty="0" smtClean="0"/>
+              <a:t>	// ex) print(\(</a:t>
+            </a:r>
+            <a:r>
+              <a:rPr lang="ko-KR" altLang="en-US" dirty="0" smtClean="0">
+                <a:solidFill>
+                  <a:schemeClr val="accent3"/>
+                </a:solidFill>
+              </a:rPr>
+              <a:t>전달 인자 레이블</a:t>
+            </a:r>
+            <a:r>
+              <a:rPr lang="en-US" altLang="ko-KR" dirty="0" smtClean="0"/>
+              <a:t>))</a:t>
+            </a:r>
+            <a:r>
+              <a:rPr lang="en-US" altLang="ko-KR" dirty="0"/>
+              <a:t/>
+            </a:r>
+            <a:br>
+              <a:rPr lang="en-US" altLang="ko-KR" dirty="0"/>
+            </a:br>
+            <a:r>
+              <a:rPr lang="en-US" altLang="ko-KR" dirty="0" smtClean="0"/>
+              <a:t>}</a:t>
+            </a:r>
+          </a:p>
+          <a:p>
+            <a:r>
+              <a:rPr lang="ko-KR" altLang="en-US" dirty="0" smtClean="0"/>
+              <a:t>함수 이름 </a:t>
+            </a:r>
+            <a:r>
+              <a:rPr lang="en-US" altLang="ko-KR" dirty="0" smtClean="0"/>
+              <a:t>(</a:t>
+            </a:r>
+            <a:r>
+              <a:rPr lang="ko-KR" altLang="en-US" dirty="0" smtClean="0">
+                <a:solidFill>
+                  <a:schemeClr val="accent2"/>
+                </a:solidFill>
+              </a:rPr>
+              <a:t>매개변수 이름</a:t>
+            </a:r>
+            <a:r>
+              <a:rPr lang="en-US" altLang="ko-KR" dirty="0" smtClean="0">
+                <a:solidFill>
+                  <a:schemeClr val="accent2"/>
+                </a:solidFill>
+              </a:rPr>
+              <a:t>: </a:t>
+            </a:r>
+            <a:r>
+              <a:rPr lang="ko-KR" altLang="en-US" dirty="0" smtClean="0">
+                <a:solidFill>
+                  <a:schemeClr val="accent2"/>
+                </a:solidFill>
+              </a:rPr>
+              <a:t>전달 값</a:t>
+            </a:r>
+            <a:r>
+              <a:rPr lang="en-US" altLang="ko-KR" dirty="0" smtClean="0"/>
+              <a:t>)</a:t>
+            </a:r>
+            <a:endParaRPr lang="en-US" altLang="ko-KR" dirty="0"/>
+          </a:p>
+        </p:txBody>
+      </p:sp>
+      <p:sp>
+        <p:nvSpPr>
+          <p:cNvPr id="5" name="TextBox 4"/>
+          <p:cNvSpPr txBox="1"/>
+          <p:nvPr/>
+        </p:nvSpPr>
+        <p:spPr>
+          <a:xfrm>
+            <a:off x="1115616" y="3717032"/>
+            <a:ext cx="6753944" cy="1200329"/>
+          </a:xfrm>
+          <a:prstGeom prst="rect">
+            <a:avLst/>
+          </a:prstGeom>
+          <a:noFill/>
+        </p:spPr>
+        <p:txBody>
+          <a:bodyPr wrap="square" rtlCol="0">
+            <a:spAutoFit/>
+          </a:bodyPr>
+          <a:lstStyle/>
+          <a:p>
+            <a:r>
+              <a:rPr lang="en-US" altLang="ko-KR" dirty="0" err="1" smtClean="0"/>
+              <a:t>func</a:t>
+            </a:r>
+            <a:r>
+              <a:rPr lang="en-US" altLang="ko-KR" dirty="0" smtClean="0"/>
+              <a:t> </a:t>
+            </a:r>
+            <a:r>
+              <a:rPr lang="en-US" altLang="ko-KR" dirty="0" err="1" smtClean="0">
+                <a:solidFill>
+                  <a:schemeClr val="accent6"/>
+                </a:solidFill>
+              </a:rPr>
+              <a:t>sayHello</a:t>
+            </a:r>
+            <a:r>
+              <a:rPr lang="en-US" altLang="ko-KR" dirty="0" smtClean="0"/>
+              <a:t> (</a:t>
+            </a:r>
+            <a:r>
+              <a:rPr lang="en-US" altLang="ko-KR" dirty="0" smtClean="0">
+                <a:solidFill>
+                  <a:schemeClr val="accent2"/>
+                </a:solidFill>
+              </a:rPr>
+              <a:t>from</a:t>
+            </a:r>
+            <a:r>
+              <a:rPr lang="en-US" altLang="ko-KR" dirty="0" smtClean="0"/>
+              <a:t> </a:t>
+            </a:r>
+            <a:r>
+              <a:rPr lang="en-US" altLang="ko-KR" dirty="0" err="1" smtClean="0">
+                <a:solidFill>
+                  <a:schemeClr val="accent3"/>
+                </a:solidFill>
+              </a:rPr>
+              <a:t>myName</a:t>
+            </a:r>
+            <a:r>
+              <a:rPr lang="en-US" altLang="ko-KR" dirty="0" smtClean="0">
+                <a:solidFill>
+                  <a:schemeClr val="accent3"/>
+                </a:solidFill>
+              </a:rPr>
+              <a:t>: String, </a:t>
+            </a:r>
+            <a:r>
+              <a:rPr lang="en-US" altLang="ko-KR" dirty="0" smtClean="0">
+                <a:solidFill>
+                  <a:schemeClr val="accent2"/>
+                </a:solidFill>
+              </a:rPr>
+              <a:t>to </a:t>
+            </a:r>
+            <a:r>
+              <a:rPr lang="en-US" altLang="ko-KR" dirty="0" err="1" smtClean="0">
+                <a:solidFill>
+                  <a:schemeClr val="accent3"/>
+                </a:solidFill>
+              </a:rPr>
+              <a:t>yourName</a:t>
+            </a:r>
+            <a:r>
+              <a:rPr lang="en-US" altLang="ko-KR" dirty="0" smtClean="0">
+                <a:solidFill>
+                  <a:schemeClr val="accent3"/>
+                </a:solidFill>
+              </a:rPr>
+              <a:t>: String</a:t>
+            </a:r>
+            <a:r>
+              <a:rPr lang="en-US" altLang="ko-KR" dirty="0" smtClean="0"/>
+              <a:t>) -&gt; </a:t>
+            </a:r>
+            <a:r>
+              <a:rPr lang="en-US" altLang="ko-KR" dirty="0" smtClean="0">
+                <a:solidFill>
+                  <a:schemeClr val="accent6"/>
+                </a:solidFill>
+              </a:rPr>
+              <a:t>String</a:t>
+            </a:r>
+            <a:r>
+              <a:rPr lang="en-US" altLang="ko-KR" dirty="0" smtClean="0"/>
+              <a:t> {</a:t>
+            </a:r>
+          </a:p>
+          <a:p>
+            <a:r>
+              <a:rPr lang="en-US" altLang="ko-KR" dirty="0" smtClean="0"/>
+              <a:t>	return “Hello \(</a:t>
+            </a:r>
+            <a:r>
+              <a:rPr lang="en-US" altLang="ko-KR" dirty="0" err="1" smtClean="0"/>
+              <a:t>yourName</a:t>
+            </a:r>
+            <a:r>
+              <a:rPr lang="en-US" altLang="ko-KR" dirty="0" smtClean="0"/>
+              <a:t>)! I’m \(</a:t>
+            </a:r>
+            <a:r>
+              <a:rPr lang="en-US" altLang="ko-KR" dirty="0" err="1" smtClean="0"/>
+              <a:t>myName</a:t>
+            </a:r>
+            <a:r>
+              <a:rPr lang="en-US" altLang="ko-KR" dirty="0" smtClean="0"/>
+              <a:t>)”</a:t>
+            </a:r>
+            <a:endParaRPr lang="en-US" altLang="ko-KR" dirty="0"/>
+          </a:p>
+          <a:p>
+            <a:r>
+              <a:rPr lang="en-US" altLang="ko-KR" dirty="0" smtClean="0"/>
+              <a:t>}</a:t>
+            </a:r>
+            <a:endParaRPr lang="en-US" altLang="ko-KR" dirty="0"/>
+          </a:p>
+          <a:p>
+            <a:r>
+              <a:rPr lang="en-US" altLang="ko-KR" dirty="0" smtClean="0"/>
+              <a:t>print (</a:t>
+            </a:r>
+            <a:r>
+              <a:rPr lang="en-US" altLang="ko-KR" dirty="0" err="1" smtClean="0">
+                <a:solidFill>
+                  <a:schemeClr val="accent2"/>
+                </a:solidFill>
+              </a:rPr>
+              <a:t>sayHello</a:t>
+            </a:r>
+            <a:r>
+              <a:rPr lang="en-US" altLang="ko-KR" dirty="0" smtClean="0"/>
+              <a:t> (</a:t>
+            </a:r>
+            <a:r>
+              <a:rPr lang="en-US" altLang="ko-KR" dirty="0" smtClean="0">
+                <a:solidFill>
+                  <a:schemeClr val="accent2"/>
+                </a:solidFill>
+              </a:rPr>
+              <a:t>from</a:t>
+            </a:r>
+            <a:r>
+              <a:rPr lang="en-US" altLang="ko-KR" dirty="0" smtClean="0">
+                <a:solidFill>
+                  <a:schemeClr val="accent3"/>
+                </a:solidFill>
+              </a:rPr>
+              <a:t>: “Kyoungho”, </a:t>
+            </a:r>
+            <a:r>
+              <a:rPr lang="en-US" altLang="ko-KR" dirty="0" smtClean="0">
+                <a:solidFill>
+                  <a:schemeClr val="accent2"/>
+                </a:solidFill>
+              </a:rPr>
+              <a:t>to</a:t>
+            </a:r>
+            <a:r>
+              <a:rPr lang="en-US" altLang="ko-KR" dirty="0" smtClean="0">
+                <a:solidFill>
+                  <a:schemeClr val="accent3"/>
+                </a:solidFill>
+              </a:rPr>
+              <a:t>: “Jason”</a:t>
+            </a:r>
+            <a:r>
+              <a:rPr lang="en-US" altLang="ko-KR" dirty="0" smtClean="0"/>
+              <a:t>))</a:t>
+            </a:r>
+            <a:endParaRPr lang="ko-KR" altLang="en-US" dirty="0"/>
+          </a:p>
+        </p:txBody>
+      </p:sp>
+      <p:pic>
+        <p:nvPicPr>
+          <p:cNvPr id="6" name="그림 5"/>
+          <p:cNvPicPr>
+            <a:picLocks noChangeAspect="1"/>
+          </p:cNvPicPr>
+          <p:nvPr/>
+        </p:nvPicPr>
+        <p:blipFill>
+          <a:blip r:embed="rId2"/>
+          <a:stretch>
+            <a:fillRect/>
+          </a:stretch>
+        </p:blipFill>
+        <p:spPr>
+          <a:xfrm>
+            <a:off x="428625" y="5108401"/>
+            <a:ext cx="8715375" cy="1704975"/>
+          </a:xfrm>
+          <a:prstGeom prst="rect">
+            <a:avLst/>
+          </a:prstGeom>
+        </p:spPr>
+      </p:pic>
+    </p:spTree>
+    <p:extLst>
+      <p:ext uri="{BB962C8B-B14F-4D97-AF65-F5344CB8AC3E}">
+        <p14:creationId xmlns:p14="http://schemas.microsoft.com/office/powerpoint/2010/main" val="3130584816"/>
       </p:ext>
     </p:extLst>
   </p:cSld>
@@ -30059,6 +31186,2508 @@
 </p:sld>
 </file>
 
+<file path=ppt/slides/slide50.xml><?xml version="1.0" encoding="utf-8"?>
+<p:sld xmlns:a="http://schemas.openxmlformats.org/drawingml/2006/main" xmlns:r="http://schemas.openxmlformats.org/officeDocument/2006/relationships" xmlns:p="http://schemas.openxmlformats.org/presentationml/2006/main">
+  <p:cSld>
+    <p:spTree>
+      <p:nvGrpSpPr>
+        <p:cNvPr id="1" name=""/>
+        <p:cNvGrpSpPr/>
+        <p:nvPr/>
+      </p:nvGrpSpPr>
+      <p:grpSpPr>
+        <a:xfrm>
+          <a:off x="0" y="0"/>
+          <a:ext cx="0" cy="0"/>
+          <a:chOff x="0" y="0"/>
+          <a:chExt cx="0" cy="0"/>
+        </a:xfrm>
+      </p:grpSpPr>
+      <p:sp>
+        <p:nvSpPr>
+          <p:cNvPr id="2" name="제목 1"/>
+          <p:cNvSpPr>
+            <a:spLocks noGrp="1"/>
+          </p:cNvSpPr>
+          <p:nvPr>
+            <p:ph type="title"/>
+          </p:nvPr>
+        </p:nvSpPr>
+        <p:spPr/>
+        <p:txBody>
+          <a:bodyPr/>
+          <a:lstStyle/>
+          <a:p>
+            <a:r>
+              <a:rPr lang="ko-KR" altLang="en-US" dirty="0" smtClean="0"/>
+              <a:t>함수</a:t>
+            </a:r>
+            <a:endParaRPr lang="ko-KR" altLang="en-US" dirty="0"/>
+          </a:p>
+        </p:txBody>
+      </p:sp>
+      <p:sp>
+        <p:nvSpPr>
+          <p:cNvPr id="3" name="내용 개체 틀 2"/>
+          <p:cNvSpPr>
+            <a:spLocks noGrp="1"/>
+          </p:cNvSpPr>
+          <p:nvPr>
+            <p:ph idx="1"/>
+          </p:nvPr>
+        </p:nvSpPr>
+        <p:spPr/>
+        <p:txBody>
+          <a:bodyPr/>
+          <a:lstStyle/>
+          <a:p>
+            <a:r>
+              <a:rPr lang="ko-KR" altLang="en-US" dirty="0" smtClean="0"/>
+              <a:t>매개변수 이름</a:t>
+            </a:r>
+            <a:r>
+              <a:rPr lang="en-US" altLang="ko-KR" dirty="0" smtClean="0"/>
+              <a:t>, </a:t>
+            </a:r>
+            <a:r>
+              <a:rPr lang="ko-KR" altLang="en-US" dirty="0" smtClean="0"/>
+              <a:t>전달 인자 레이블</a:t>
+            </a:r>
+            <a:endParaRPr lang="en-US" altLang="ko-KR" dirty="0" smtClean="0"/>
+          </a:p>
+          <a:p>
+            <a:pPr lvl="1"/>
+            <a:r>
+              <a:rPr lang="en-US" altLang="ko-KR" dirty="0" smtClean="0"/>
+              <a:t>c, Java</a:t>
+            </a:r>
+            <a:r>
+              <a:rPr lang="ko-KR" altLang="en-US" dirty="0" smtClean="0"/>
+              <a:t>와 같이 사용하려면 매개변수 이름으로 와일드카드 문자 </a:t>
+            </a:r>
+            <a:r>
+              <a:rPr lang="en-US" altLang="ko-KR" dirty="0" smtClean="0"/>
+              <a:t>‘_’ </a:t>
+            </a:r>
+            <a:r>
+              <a:rPr lang="ko-KR" altLang="en-US" dirty="0" smtClean="0"/>
+              <a:t>사용</a:t>
+            </a:r>
+            <a:r>
+              <a:rPr lang="en-US" altLang="ko-KR" dirty="0" smtClean="0"/>
+              <a:t/>
+            </a:r>
+            <a:br>
+              <a:rPr lang="en-US" altLang="ko-KR" dirty="0" smtClean="0"/>
+            </a:br>
+            <a:endParaRPr lang="en-US" altLang="ko-KR" dirty="0" smtClean="0"/>
+          </a:p>
+        </p:txBody>
+      </p:sp>
+      <p:sp>
+        <p:nvSpPr>
+          <p:cNvPr id="4" name="TextBox 3"/>
+          <p:cNvSpPr txBox="1"/>
+          <p:nvPr/>
+        </p:nvSpPr>
+        <p:spPr>
+          <a:xfrm>
+            <a:off x="1115616" y="2023680"/>
+            <a:ext cx="8280920" cy="1477328"/>
+          </a:xfrm>
+          <a:prstGeom prst="rect">
+            <a:avLst/>
+          </a:prstGeom>
+          <a:noFill/>
+        </p:spPr>
+        <p:txBody>
+          <a:bodyPr wrap="square" rtlCol="0">
+            <a:spAutoFit/>
+          </a:bodyPr>
+          <a:lstStyle/>
+          <a:p>
+            <a:r>
+              <a:rPr lang="en-US" altLang="ko-KR" dirty="0" err="1"/>
+              <a:t>func</a:t>
+            </a:r>
+            <a:r>
+              <a:rPr lang="en-US" altLang="ko-KR" dirty="0"/>
+              <a:t> </a:t>
+            </a:r>
+            <a:r>
+              <a:rPr lang="ko-KR" altLang="en-US" dirty="0"/>
+              <a:t>함수 이름 </a:t>
+            </a:r>
+            <a:r>
+              <a:rPr lang="en-US" altLang="ko-KR" dirty="0" smtClean="0"/>
+              <a:t>(</a:t>
+            </a:r>
+            <a:r>
+              <a:rPr lang="en-US" altLang="ko-KR" dirty="0" smtClean="0">
+                <a:solidFill>
+                  <a:schemeClr val="accent2"/>
+                </a:solidFill>
+              </a:rPr>
+              <a:t>_</a:t>
+            </a:r>
+            <a:r>
+              <a:rPr lang="ko-KR" altLang="en-US" dirty="0" smtClean="0">
+                <a:solidFill>
+                  <a:schemeClr val="accent3"/>
+                </a:solidFill>
+              </a:rPr>
+              <a:t>전달 </a:t>
+            </a:r>
+            <a:r>
+              <a:rPr lang="ko-KR" altLang="en-US" dirty="0">
+                <a:solidFill>
+                  <a:schemeClr val="accent3"/>
+                </a:solidFill>
+              </a:rPr>
+              <a:t>인자 레이블</a:t>
+            </a:r>
+            <a:r>
+              <a:rPr lang="en-US" altLang="ko-KR" dirty="0">
+                <a:solidFill>
+                  <a:schemeClr val="accent3"/>
+                </a:solidFill>
+              </a:rPr>
+              <a:t>: </a:t>
+            </a:r>
+            <a:r>
+              <a:rPr lang="ko-KR" altLang="en-US" dirty="0">
+                <a:solidFill>
+                  <a:schemeClr val="accent3"/>
+                </a:solidFill>
+              </a:rPr>
+              <a:t>매개변수 타입 </a:t>
+            </a:r>
+            <a:r>
+              <a:rPr lang="en-US" altLang="ko-KR" dirty="0"/>
+              <a:t>…) -&gt; </a:t>
+            </a:r>
+            <a:r>
+              <a:rPr lang="ko-KR" altLang="en-US" dirty="0"/>
+              <a:t>반환 타입</a:t>
+            </a:r>
+            <a:r>
+              <a:rPr lang="en-US" altLang="ko-KR" dirty="0"/>
+              <a:t>{</a:t>
+            </a:r>
+            <a:br>
+              <a:rPr lang="en-US" altLang="ko-KR" dirty="0"/>
+            </a:br>
+            <a:r>
+              <a:rPr lang="en-US" altLang="ko-KR" dirty="0"/>
+              <a:t>	// </a:t>
+            </a:r>
+            <a:r>
+              <a:rPr lang="ko-KR" altLang="en-US" dirty="0"/>
+              <a:t>함수 </a:t>
+            </a:r>
+            <a:r>
+              <a:rPr lang="ko-KR" altLang="en-US" dirty="0" smtClean="0"/>
+              <a:t>내용</a:t>
+            </a:r>
+            <a:r>
+              <a:rPr lang="en-US" altLang="ko-KR" dirty="0" smtClean="0"/>
+              <a:t/>
+            </a:r>
+            <a:br>
+              <a:rPr lang="en-US" altLang="ko-KR" dirty="0" smtClean="0"/>
+            </a:br>
+            <a:r>
+              <a:rPr lang="en-US" altLang="ko-KR" dirty="0" smtClean="0"/>
+              <a:t>	// ex) print(\(</a:t>
+            </a:r>
+            <a:r>
+              <a:rPr lang="ko-KR" altLang="en-US" dirty="0" smtClean="0">
+                <a:solidFill>
+                  <a:schemeClr val="accent3"/>
+                </a:solidFill>
+              </a:rPr>
+              <a:t>전달 인자 레이블</a:t>
+            </a:r>
+            <a:r>
+              <a:rPr lang="en-US" altLang="ko-KR" dirty="0" smtClean="0"/>
+              <a:t>))</a:t>
+            </a:r>
+            <a:r>
+              <a:rPr lang="en-US" altLang="ko-KR" dirty="0"/>
+              <a:t/>
+            </a:r>
+            <a:br>
+              <a:rPr lang="en-US" altLang="ko-KR" dirty="0"/>
+            </a:br>
+            <a:r>
+              <a:rPr lang="en-US" altLang="ko-KR" dirty="0" smtClean="0"/>
+              <a:t>}</a:t>
+            </a:r>
+          </a:p>
+          <a:p>
+            <a:r>
+              <a:rPr lang="ko-KR" altLang="en-US" dirty="0" smtClean="0"/>
+              <a:t>함수 이름 </a:t>
+            </a:r>
+            <a:r>
+              <a:rPr lang="en-US" altLang="ko-KR" dirty="0" smtClean="0"/>
+              <a:t>(</a:t>
+            </a:r>
+            <a:r>
+              <a:rPr lang="ko-KR" altLang="en-US" dirty="0" smtClean="0">
+                <a:solidFill>
+                  <a:schemeClr val="accent2"/>
+                </a:solidFill>
+              </a:rPr>
+              <a:t>전달 값</a:t>
+            </a:r>
+            <a:r>
+              <a:rPr lang="en-US" altLang="ko-KR" dirty="0" smtClean="0"/>
+              <a:t>)</a:t>
+            </a:r>
+            <a:endParaRPr lang="en-US" altLang="ko-KR" dirty="0"/>
+          </a:p>
+        </p:txBody>
+      </p:sp>
+      <p:sp>
+        <p:nvSpPr>
+          <p:cNvPr id="5" name="TextBox 4"/>
+          <p:cNvSpPr txBox="1"/>
+          <p:nvPr/>
+        </p:nvSpPr>
+        <p:spPr>
+          <a:xfrm>
+            <a:off x="1115616" y="3717032"/>
+            <a:ext cx="6753944" cy="1200329"/>
+          </a:xfrm>
+          <a:prstGeom prst="rect">
+            <a:avLst/>
+          </a:prstGeom>
+          <a:noFill/>
+        </p:spPr>
+        <p:txBody>
+          <a:bodyPr wrap="square" rtlCol="0">
+            <a:spAutoFit/>
+          </a:bodyPr>
+          <a:lstStyle/>
+          <a:p>
+            <a:r>
+              <a:rPr lang="en-US" altLang="ko-KR" dirty="0" err="1" smtClean="0"/>
+              <a:t>func</a:t>
+            </a:r>
+            <a:r>
+              <a:rPr lang="en-US" altLang="ko-KR" dirty="0" smtClean="0"/>
+              <a:t> </a:t>
+            </a:r>
+            <a:r>
+              <a:rPr lang="en-US" altLang="ko-KR" dirty="0" err="1" smtClean="0">
+                <a:solidFill>
+                  <a:schemeClr val="accent6"/>
+                </a:solidFill>
+              </a:rPr>
+              <a:t>sayHello</a:t>
+            </a:r>
+            <a:r>
+              <a:rPr lang="en-US" altLang="ko-KR" dirty="0" smtClean="0"/>
+              <a:t> (</a:t>
+            </a:r>
+            <a:r>
+              <a:rPr lang="en-US" altLang="ko-KR" dirty="0">
+                <a:solidFill>
+                  <a:schemeClr val="accent2"/>
+                </a:solidFill>
+              </a:rPr>
+              <a:t>_</a:t>
+            </a:r>
+            <a:r>
+              <a:rPr lang="en-US" altLang="ko-KR" dirty="0" smtClean="0"/>
+              <a:t> </a:t>
+            </a:r>
+            <a:r>
+              <a:rPr lang="en-US" altLang="ko-KR" dirty="0" err="1" smtClean="0">
+                <a:solidFill>
+                  <a:schemeClr val="accent3"/>
+                </a:solidFill>
+              </a:rPr>
+              <a:t>myName</a:t>
+            </a:r>
+            <a:r>
+              <a:rPr lang="en-US" altLang="ko-KR" dirty="0" smtClean="0">
+                <a:solidFill>
+                  <a:schemeClr val="accent3"/>
+                </a:solidFill>
+              </a:rPr>
+              <a:t>: String, </a:t>
+            </a:r>
+            <a:r>
+              <a:rPr lang="en-US" altLang="ko-KR" dirty="0" smtClean="0">
+                <a:solidFill>
+                  <a:schemeClr val="accent2"/>
+                </a:solidFill>
+              </a:rPr>
+              <a:t>_ </a:t>
+            </a:r>
+            <a:r>
+              <a:rPr lang="en-US" altLang="ko-KR" dirty="0" err="1" smtClean="0">
+                <a:solidFill>
+                  <a:schemeClr val="accent3"/>
+                </a:solidFill>
+              </a:rPr>
+              <a:t>yourName</a:t>
+            </a:r>
+            <a:r>
+              <a:rPr lang="en-US" altLang="ko-KR" dirty="0" smtClean="0">
+                <a:solidFill>
+                  <a:schemeClr val="accent3"/>
+                </a:solidFill>
+              </a:rPr>
+              <a:t>: String</a:t>
+            </a:r>
+            <a:r>
+              <a:rPr lang="en-US" altLang="ko-KR" dirty="0" smtClean="0"/>
+              <a:t>) -&gt; </a:t>
+            </a:r>
+            <a:r>
+              <a:rPr lang="en-US" altLang="ko-KR" dirty="0" smtClean="0">
+                <a:solidFill>
+                  <a:schemeClr val="accent6"/>
+                </a:solidFill>
+              </a:rPr>
+              <a:t>String</a:t>
+            </a:r>
+            <a:r>
+              <a:rPr lang="en-US" altLang="ko-KR" dirty="0" smtClean="0"/>
+              <a:t> {</a:t>
+            </a:r>
+          </a:p>
+          <a:p>
+            <a:r>
+              <a:rPr lang="en-US" altLang="ko-KR" dirty="0" smtClean="0"/>
+              <a:t>	return “Hello \(</a:t>
+            </a:r>
+            <a:r>
+              <a:rPr lang="en-US" altLang="ko-KR" dirty="0" err="1" smtClean="0"/>
+              <a:t>yourName</a:t>
+            </a:r>
+            <a:r>
+              <a:rPr lang="en-US" altLang="ko-KR" dirty="0" smtClean="0"/>
+              <a:t>)! I’m \(</a:t>
+            </a:r>
+            <a:r>
+              <a:rPr lang="en-US" altLang="ko-KR" dirty="0" err="1" smtClean="0"/>
+              <a:t>myName</a:t>
+            </a:r>
+            <a:r>
+              <a:rPr lang="en-US" altLang="ko-KR" dirty="0" smtClean="0"/>
+              <a:t>)”</a:t>
+            </a:r>
+            <a:endParaRPr lang="en-US" altLang="ko-KR" dirty="0"/>
+          </a:p>
+          <a:p>
+            <a:r>
+              <a:rPr lang="en-US" altLang="ko-KR" dirty="0" smtClean="0"/>
+              <a:t>}</a:t>
+            </a:r>
+            <a:endParaRPr lang="en-US" altLang="ko-KR" dirty="0"/>
+          </a:p>
+          <a:p>
+            <a:r>
+              <a:rPr lang="en-US" altLang="ko-KR" dirty="0" smtClean="0"/>
+              <a:t>print (</a:t>
+            </a:r>
+            <a:r>
+              <a:rPr lang="en-US" altLang="ko-KR" dirty="0" err="1" smtClean="0">
+                <a:solidFill>
+                  <a:schemeClr val="accent2"/>
+                </a:solidFill>
+              </a:rPr>
+              <a:t>sayHello</a:t>
+            </a:r>
+            <a:r>
+              <a:rPr lang="en-US" altLang="ko-KR" dirty="0" smtClean="0"/>
+              <a:t> (</a:t>
+            </a:r>
+            <a:r>
+              <a:rPr lang="en-US" altLang="ko-KR" dirty="0" smtClean="0">
+                <a:solidFill>
+                  <a:schemeClr val="accent2"/>
+                </a:solidFill>
+              </a:rPr>
+              <a:t> </a:t>
+            </a:r>
+            <a:r>
+              <a:rPr lang="en-US" altLang="ko-KR" dirty="0" smtClean="0">
+                <a:solidFill>
+                  <a:schemeClr val="accent3"/>
+                </a:solidFill>
+              </a:rPr>
+              <a:t>“Kyoungho”, “Jason”</a:t>
+            </a:r>
+            <a:r>
+              <a:rPr lang="en-US" altLang="ko-KR" dirty="0" smtClean="0"/>
+              <a:t>))</a:t>
+            </a:r>
+            <a:endParaRPr lang="ko-KR" altLang="en-US" dirty="0"/>
+          </a:p>
+        </p:txBody>
+      </p:sp>
+      <p:pic>
+        <p:nvPicPr>
+          <p:cNvPr id="9" name="그림 8"/>
+          <p:cNvPicPr>
+            <a:picLocks noChangeAspect="1"/>
+          </p:cNvPicPr>
+          <p:nvPr/>
+        </p:nvPicPr>
+        <p:blipFill>
+          <a:blip r:embed="rId2"/>
+          <a:stretch>
+            <a:fillRect/>
+          </a:stretch>
+        </p:blipFill>
+        <p:spPr>
+          <a:xfrm>
+            <a:off x="409575" y="5213615"/>
+            <a:ext cx="8734425" cy="1638300"/>
+          </a:xfrm>
+          <a:prstGeom prst="rect">
+            <a:avLst/>
+          </a:prstGeom>
+        </p:spPr>
+      </p:pic>
+    </p:spTree>
+    <p:extLst>
+      <p:ext uri="{BB962C8B-B14F-4D97-AF65-F5344CB8AC3E}">
+        <p14:creationId xmlns:p14="http://schemas.microsoft.com/office/powerpoint/2010/main" val="2412458927"/>
+      </p:ext>
+    </p:extLst>
+  </p:cSld>
+  <p:clrMapOvr>
+    <a:masterClrMapping/>
+  </p:clrMapOvr>
+</p:sld>
+</file>
+
+<file path=ppt/slides/slide51.xml><?xml version="1.0" encoding="utf-8"?>
+<p:sld xmlns:a="http://schemas.openxmlformats.org/drawingml/2006/main" xmlns:r="http://schemas.openxmlformats.org/officeDocument/2006/relationships" xmlns:p="http://schemas.openxmlformats.org/presentationml/2006/main">
+  <p:cSld>
+    <p:spTree>
+      <p:nvGrpSpPr>
+        <p:cNvPr id="1" name=""/>
+        <p:cNvGrpSpPr/>
+        <p:nvPr/>
+      </p:nvGrpSpPr>
+      <p:grpSpPr>
+        <a:xfrm>
+          <a:off x="0" y="0"/>
+          <a:ext cx="0" cy="0"/>
+          <a:chOff x="0" y="0"/>
+          <a:chExt cx="0" cy="0"/>
+        </a:xfrm>
+      </p:grpSpPr>
+      <p:sp>
+        <p:nvSpPr>
+          <p:cNvPr id="2" name="제목 1"/>
+          <p:cNvSpPr>
+            <a:spLocks noGrp="1"/>
+          </p:cNvSpPr>
+          <p:nvPr>
+            <p:ph type="title"/>
+          </p:nvPr>
+        </p:nvSpPr>
+        <p:spPr/>
+        <p:txBody>
+          <a:bodyPr/>
+          <a:lstStyle/>
+          <a:p>
+            <a:r>
+              <a:rPr lang="ko-KR" altLang="en-US" dirty="0" smtClean="0"/>
+              <a:t>함수</a:t>
+            </a:r>
+            <a:endParaRPr lang="ko-KR" altLang="en-US" dirty="0"/>
+          </a:p>
+        </p:txBody>
+      </p:sp>
+      <p:sp>
+        <p:nvSpPr>
+          <p:cNvPr id="3" name="내용 개체 틀 2"/>
+          <p:cNvSpPr>
+            <a:spLocks noGrp="1"/>
+          </p:cNvSpPr>
+          <p:nvPr>
+            <p:ph idx="1"/>
+          </p:nvPr>
+        </p:nvSpPr>
+        <p:spPr/>
+        <p:txBody>
+          <a:bodyPr/>
+          <a:lstStyle/>
+          <a:p>
+            <a:r>
+              <a:rPr lang="ko-KR" altLang="en-US" dirty="0" smtClean="0"/>
+              <a:t>매개변수 기본값</a:t>
+            </a:r>
+            <a:endParaRPr lang="en-US" altLang="ko-KR" dirty="0"/>
+          </a:p>
+          <a:p>
+            <a:pPr lvl="1"/>
+            <a:r>
+              <a:rPr lang="ko-KR" altLang="en-US" dirty="0" smtClean="0"/>
+              <a:t>매개변수에</a:t>
+            </a:r>
+            <a:r>
+              <a:rPr lang="en-US" altLang="ko-KR" dirty="0"/>
+              <a:t> </a:t>
+            </a:r>
+            <a:r>
+              <a:rPr lang="ko-KR" altLang="en-US" dirty="0" smtClean="0"/>
+              <a:t>값이 전달되지 않으면 기본값을 갖도록 설정 가능</a:t>
+            </a:r>
+            <a:endParaRPr lang="en-US" altLang="ko-KR" dirty="0" smtClean="0"/>
+          </a:p>
+        </p:txBody>
+      </p:sp>
+      <p:sp>
+        <p:nvSpPr>
+          <p:cNvPr id="5" name="TextBox 4"/>
+          <p:cNvSpPr txBox="1"/>
+          <p:nvPr/>
+        </p:nvSpPr>
+        <p:spPr>
+          <a:xfrm>
+            <a:off x="1115616" y="1628800"/>
+            <a:ext cx="6753944" cy="2308324"/>
+          </a:xfrm>
+          <a:prstGeom prst="rect">
+            <a:avLst/>
+          </a:prstGeom>
+          <a:noFill/>
+        </p:spPr>
+        <p:txBody>
+          <a:bodyPr wrap="square" rtlCol="0">
+            <a:spAutoFit/>
+          </a:bodyPr>
+          <a:lstStyle/>
+          <a:p>
+            <a:r>
+              <a:rPr lang="en-US" altLang="ko-KR" dirty="0" err="1" smtClean="0"/>
+              <a:t>func</a:t>
+            </a:r>
+            <a:r>
+              <a:rPr lang="en-US" altLang="ko-KR" dirty="0" smtClean="0"/>
+              <a:t> </a:t>
+            </a:r>
+            <a:r>
+              <a:rPr lang="en-US" altLang="ko-KR" dirty="0" err="1" smtClean="0">
+                <a:solidFill>
+                  <a:schemeClr val="accent6"/>
+                </a:solidFill>
+              </a:rPr>
+              <a:t>repeatName</a:t>
+            </a:r>
+            <a:r>
+              <a:rPr lang="en-US" altLang="ko-KR" dirty="0" smtClean="0"/>
+              <a:t> (</a:t>
+            </a:r>
+            <a:r>
+              <a:rPr lang="en-US" altLang="ko-KR" dirty="0" smtClean="0">
+                <a:solidFill>
+                  <a:schemeClr val="accent3"/>
+                </a:solidFill>
+              </a:rPr>
+              <a:t>name: String, times: </a:t>
+            </a:r>
+            <a:r>
+              <a:rPr lang="en-US" altLang="ko-KR" dirty="0" err="1" smtClean="0">
+                <a:solidFill>
+                  <a:schemeClr val="accent3"/>
+                </a:solidFill>
+              </a:rPr>
+              <a:t>Int</a:t>
+            </a:r>
+            <a:r>
+              <a:rPr lang="en-US" altLang="ko-KR" dirty="0" smtClean="0">
+                <a:solidFill>
+                  <a:schemeClr val="accent3"/>
+                </a:solidFill>
+              </a:rPr>
+              <a:t> = 3</a:t>
+            </a:r>
+            <a:r>
+              <a:rPr lang="en-US" altLang="ko-KR" dirty="0" smtClean="0"/>
+              <a:t>) -&gt; </a:t>
+            </a:r>
+            <a:r>
+              <a:rPr lang="en-US" altLang="ko-KR" dirty="0" smtClean="0">
+                <a:solidFill>
+                  <a:schemeClr val="accent6"/>
+                </a:solidFill>
+              </a:rPr>
+              <a:t>String</a:t>
+            </a:r>
+            <a:r>
+              <a:rPr lang="en-US" altLang="ko-KR" dirty="0" smtClean="0"/>
+              <a:t> {</a:t>
+            </a:r>
+            <a:br>
+              <a:rPr lang="en-US" altLang="ko-KR" dirty="0" smtClean="0"/>
+            </a:br>
+            <a:r>
+              <a:rPr lang="en-US" altLang="ko-KR" dirty="0" smtClean="0"/>
+              <a:t>	</a:t>
+            </a:r>
+            <a:r>
+              <a:rPr lang="en-US" altLang="ko-KR" dirty="0" err="1" smtClean="0"/>
+              <a:t>var</a:t>
+            </a:r>
+            <a:r>
+              <a:rPr lang="en-US" altLang="ko-KR" dirty="0" smtClean="0"/>
+              <a:t> result: String = “”</a:t>
+            </a:r>
+            <a:br>
+              <a:rPr lang="en-US" altLang="ko-KR" dirty="0" smtClean="0"/>
+            </a:br>
+            <a:r>
+              <a:rPr lang="en-US" altLang="ko-KR" dirty="0" smtClean="0"/>
+              <a:t>	for  _ in 0..&lt;times {</a:t>
+            </a:r>
+            <a:br>
+              <a:rPr lang="en-US" altLang="ko-KR" dirty="0" smtClean="0"/>
+            </a:br>
+            <a:r>
+              <a:rPr lang="en-US" altLang="ko-KR" dirty="0" smtClean="0"/>
+              <a:t>		result += “\(name) “</a:t>
+            </a:r>
+            <a:br>
+              <a:rPr lang="en-US" altLang="ko-KR" dirty="0" smtClean="0"/>
+            </a:br>
+            <a:r>
+              <a:rPr lang="en-US" altLang="ko-KR" dirty="0" smtClean="0"/>
+              <a:t>	}</a:t>
+            </a:r>
+          </a:p>
+          <a:p>
+            <a:r>
+              <a:rPr lang="en-US" altLang="ko-KR" dirty="0" smtClean="0"/>
+              <a:t>	return result</a:t>
+            </a:r>
+            <a:endParaRPr lang="en-US" altLang="ko-KR" dirty="0"/>
+          </a:p>
+          <a:p>
+            <a:r>
+              <a:rPr lang="en-US" altLang="ko-KR" dirty="0" smtClean="0"/>
+              <a:t>}</a:t>
+            </a:r>
+            <a:endParaRPr lang="en-US" altLang="ko-KR" dirty="0"/>
+          </a:p>
+          <a:p>
+            <a:r>
+              <a:rPr lang="en-US" altLang="ko-KR" dirty="0" smtClean="0"/>
+              <a:t>print (</a:t>
+            </a:r>
+            <a:r>
+              <a:rPr lang="en-US" altLang="ko-KR" dirty="0" err="1" smtClean="0">
+                <a:solidFill>
+                  <a:schemeClr val="accent2"/>
+                </a:solidFill>
+              </a:rPr>
+              <a:t>repeatName</a:t>
+            </a:r>
+            <a:r>
+              <a:rPr lang="en-US" altLang="ko-KR" dirty="0" smtClean="0"/>
+              <a:t>(name: </a:t>
+            </a:r>
+            <a:r>
+              <a:rPr lang="en-US" altLang="ko-KR" dirty="0" smtClean="0">
+                <a:solidFill>
+                  <a:schemeClr val="accent3"/>
+                </a:solidFill>
+              </a:rPr>
+              <a:t>“Kyoungho”</a:t>
+            </a:r>
+            <a:r>
+              <a:rPr lang="en-US" altLang="ko-KR" dirty="0" smtClean="0"/>
+              <a:t>))</a:t>
+            </a:r>
+            <a:endParaRPr lang="ko-KR" altLang="en-US" dirty="0"/>
+          </a:p>
+        </p:txBody>
+      </p:sp>
+      <p:pic>
+        <p:nvPicPr>
+          <p:cNvPr id="6" name="그림 5"/>
+          <p:cNvPicPr>
+            <a:picLocks noChangeAspect="1"/>
+          </p:cNvPicPr>
+          <p:nvPr/>
+        </p:nvPicPr>
+        <p:blipFill>
+          <a:blip r:embed="rId2"/>
+          <a:stretch>
+            <a:fillRect/>
+          </a:stretch>
+        </p:blipFill>
+        <p:spPr>
+          <a:xfrm>
+            <a:off x="364764" y="4393645"/>
+            <a:ext cx="8753475" cy="2447925"/>
+          </a:xfrm>
+          <a:prstGeom prst="rect">
+            <a:avLst/>
+          </a:prstGeom>
+        </p:spPr>
+      </p:pic>
+    </p:spTree>
+    <p:extLst>
+      <p:ext uri="{BB962C8B-B14F-4D97-AF65-F5344CB8AC3E}">
+        <p14:creationId xmlns:p14="http://schemas.microsoft.com/office/powerpoint/2010/main" val="1454383497"/>
+      </p:ext>
+    </p:extLst>
+  </p:cSld>
+  <p:clrMapOvr>
+    <a:masterClrMapping/>
+  </p:clrMapOvr>
+</p:sld>
+</file>
+
+<file path=ppt/slides/slide52.xml><?xml version="1.0" encoding="utf-8"?>
+<p:sld xmlns:a="http://schemas.openxmlformats.org/drawingml/2006/main" xmlns:r="http://schemas.openxmlformats.org/officeDocument/2006/relationships" xmlns:p="http://schemas.openxmlformats.org/presentationml/2006/main">
+  <p:cSld>
+    <p:spTree>
+      <p:nvGrpSpPr>
+        <p:cNvPr id="1" name=""/>
+        <p:cNvGrpSpPr/>
+        <p:nvPr/>
+      </p:nvGrpSpPr>
+      <p:grpSpPr>
+        <a:xfrm>
+          <a:off x="0" y="0"/>
+          <a:ext cx="0" cy="0"/>
+          <a:chOff x="0" y="0"/>
+          <a:chExt cx="0" cy="0"/>
+        </a:xfrm>
+      </p:grpSpPr>
+      <p:sp>
+        <p:nvSpPr>
+          <p:cNvPr id="2" name="제목 1"/>
+          <p:cNvSpPr>
+            <a:spLocks noGrp="1"/>
+          </p:cNvSpPr>
+          <p:nvPr>
+            <p:ph type="title"/>
+          </p:nvPr>
+        </p:nvSpPr>
+        <p:spPr/>
+        <p:txBody>
+          <a:bodyPr/>
+          <a:lstStyle/>
+          <a:p>
+            <a:r>
+              <a:rPr lang="ko-KR" altLang="en-US" dirty="0" smtClean="0"/>
+              <a:t>함수</a:t>
+            </a:r>
+            <a:endParaRPr lang="ko-KR" altLang="en-US" dirty="0"/>
+          </a:p>
+        </p:txBody>
+      </p:sp>
+      <p:sp>
+        <p:nvSpPr>
+          <p:cNvPr id="3" name="내용 개체 틀 2"/>
+          <p:cNvSpPr>
+            <a:spLocks noGrp="1"/>
+          </p:cNvSpPr>
+          <p:nvPr>
+            <p:ph idx="1"/>
+          </p:nvPr>
+        </p:nvSpPr>
+        <p:spPr/>
+        <p:txBody>
+          <a:bodyPr/>
+          <a:lstStyle/>
+          <a:p>
+            <a:r>
+              <a:rPr lang="ko-KR" altLang="en-US" dirty="0" smtClean="0"/>
+              <a:t>가변 매개변수</a:t>
+            </a:r>
+            <a:endParaRPr lang="en-US" altLang="ko-KR" dirty="0"/>
+          </a:p>
+          <a:p>
+            <a:pPr lvl="1"/>
+            <a:r>
+              <a:rPr lang="ko-KR" altLang="en-US" dirty="0" smtClean="0"/>
+              <a:t>매개변수를 </a:t>
+            </a:r>
+            <a:r>
+              <a:rPr lang="en-US" altLang="ko-KR" dirty="0" smtClean="0"/>
+              <a:t>0</a:t>
+            </a:r>
+            <a:r>
+              <a:rPr lang="ko-KR" altLang="en-US" dirty="0" smtClean="0"/>
+              <a:t>개 이상 받을 수 있도록 하는 매개변수</a:t>
+            </a:r>
+            <a:endParaRPr lang="en-US" altLang="ko-KR" dirty="0" smtClean="0"/>
+          </a:p>
+          <a:p>
+            <a:pPr lvl="1"/>
+            <a:r>
+              <a:rPr lang="ko-KR" altLang="en-US" dirty="0" err="1" smtClean="0"/>
+              <a:t>함수별로</a:t>
+            </a:r>
+            <a:r>
+              <a:rPr lang="ko-KR" altLang="en-US" dirty="0" smtClean="0"/>
+              <a:t> </a:t>
+            </a:r>
+            <a:r>
+              <a:rPr lang="en-US" altLang="ko-KR" dirty="0" smtClean="0"/>
+              <a:t>1</a:t>
+            </a:r>
+            <a:r>
+              <a:rPr lang="ko-KR" altLang="en-US" dirty="0" smtClean="0"/>
+              <a:t>개만 사용 가능</a:t>
+            </a:r>
+            <a:endParaRPr lang="en-US" altLang="ko-KR" dirty="0" smtClean="0"/>
+          </a:p>
+        </p:txBody>
+      </p:sp>
+      <p:sp>
+        <p:nvSpPr>
+          <p:cNvPr id="5" name="TextBox 4"/>
+          <p:cNvSpPr txBox="1"/>
+          <p:nvPr/>
+        </p:nvSpPr>
+        <p:spPr>
+          <a:xfrm>
+            <a:off x="1115616" y="1840756"/>
+            <a:ext cx="6753944" cy="2308324"/>
+          </a:xfrm>
+          <a:prstGeom prst="rect">
+            <a:avLst/>
+          </a:prstGeom>
+          <a:noFill/>
+        </p:spPr>
+        <p:txBody>
+          <a:bodyPr wrap="square" rtlCol="0">
+            <a:spAutoFit/>
+          </a:bodyPr>
+          <a:lstStyle/>
+          <a:p>
+            <a:r>
+              <a:rPr lang="en-US" altLang="ko-KR" dirty="0" err="1" smtClean="0"/>
+              <a:t>func</a:t>
+            </a:r>
+            <a:r>
+              <a:rPr lang="en-US" altLang="ko-KR" dirty="0" smtClean="0"/>
+              <a:t> </a:t>
+            </a:r>
+            <a:r>
+              <a:rPr lang="en-US" altLang="ko-KR" dirty="0" err="1" smtClean="0">
+                <a:solidFill>
+                  <a:schemeClr val="accent6"/>
+                </a:solidFill>
+              </a:rPr>
+              <a:t>callFriends</a:t>
+            </a:r>
+            <a:r>
+              <a:rPr lang="en-US" altLang="ko-KR" dirty="0" smtClean="0">
+                <a:solidFill>
+                  <a:schemeClr val="accent6"/>
+                </a:solidFill>
+              </a:rPr>
+              <a:t> </a:t>
+            </a:r>
+            <a:r>
+              <a:rPr lang="en-US" altLang="ko-KR" dirty="0" smtClean="0"/>
+              <a:t>(friends </a:t>
+            </a:r>
+            <a:r>
+              <a:rPr lang="en-US" altLang="ko-KR" dirty="0" smtClean="0">
+                <a:solidFill>
+                  <a:schemeClr val="accent3"/>
+                </a:solidFill>
+              </a:rPr>
+              <a:t>names: String…</a:t>
+            </a:r>
+            <a:r>
+              <a:rPr lang="en-US" altLang="ko-KR" dirty="0" smtClean="0"/>
+              <a:t>) -&gt; </a:t>
+            </a:r>
+            <a:r>
+              <a:rPr lang="en-US" altLang="ko-KR" dirty="0" smtClean="0">
+                <a:solidFill>
+                  <a:schemeClr val="accent6"/>
+                </a:solidFill>
+              </a:rPr>
+              <a:t>String</a:t>
+            </a:r>
+            <a:r>
+              <a:rPr lang="en-US" altLang="ko-KR" dirty="0" smtClean="0"/>
+              <a:t> {</a:t>
+            </a:r>
+            <a:br>
+              <a:rPr lang="en-US" altLang="ko-KR" dirty="0" smtClean="0"/>
+            </a:br>
+            <a:r>
+              <a:rPr lang="en-US" altLang="ko-KR" dirty="0" smtClean="0"/>
+              <a:t>	</a:t>
+            </a:r>
+            <a:r>
+              <a:rPr lang="en-US" altLang="ko-KR" dirty="0" err="1" smtClean="0"/>
+              <a:t>var</a:t>
+            </a:r>
+            <a:r>
+              <a:rPr lang="en-US" altLang="ko-KR" dirty="0" smtClean="0"/>
+              <a:t> result: String = “”</a:t>
+            </a:r>
+            <a:br>
+              <a:rPr lang="en-US" altLang="ko-KR" dirty="0" smtClean="0"/>
+            </a:br>
+            <a:r>
+              <a:rPr lang="en-US" altLang="ko-KR" dirty="0" smtClean="0"/>
+              <a:t>	for  friend in names {</a:t>
+            </a:r>
+            <a:br>
+              <a:rPr lang="en-US" altLang="ko-KR" dirty="0" smtClean="0"/>
+            </a:br>
+            <a:r>
+              <a:rPr lang="en-US" altLang="ko-KR" dirty="0" smtClean="0"/>
+              <a:t>		result += “Hello \(friend)!“ + “ “</a:t>
+            </a:r>
+            <a:br>
+              <a:rPr lang="en-US" altLang="ko-KR" dirty="0" smtClean="0"/>
+            </a:br>
+            <a:r>
+              <a:rPr lang="en-US" altLang="ko-KR" dirty="0" smtClean="0"/>
+              <a:t>	}</a:t>
+            </a:r>
+          </a:p>
+          <a:p>
+            <a:r>
+              <a:rPr lang="en-US" altLang="ko-KR" dirty="0" smtClean="0"/>
+              <a:t>	return result</a:t>
+            </a:r>
+          </a:p>
+          <a:p>
+            <a:r>
+              <a:rPr lang="en-US" altLang="ko-KR" dirty="0" smtClean="0"/>
+              <a:t>}</a:t>
+            </a:r>
+          </a:p>
+          <a:p>
+            <a:r>
+              <a:rPr lang="en-US" altLang="ko-KR" dirty="0" smtClean="0"/>
+              <a:t>print (</a:t>
+            </a:r>
+            <a:r>
+              <a:rPr lang="en-US" altLang="ko-KR" dirty="0" err="1" smtClean="0">
+                <a:solidFill>
+                  <a:schemeClr val="accent2"/>
+                </a:solidFill>
+              </a:rPr>
+              <a:t>callFriends</a:t>
+            </a:r>
+            <a:r>
+              <a:rPr lang="en-US" altLang="ko-KR" dirty="0" smtClean="0"/>
+              <a:t>(friends: </a:t>
+            </a:r>
+            <a:r>
+              <a:rPr lang="en-US" altLang="ko-KR" dirty="0" smtClean="0">
+                <a:solidFill>
+                  <a:schemeClr val="accent3"/>
+                </a:solidFill>
+              </a:rPr>
+              <a:t>“Amy”, “Bob”, “Charles”</a:t>
+            </a:r>
+            <a:r>
+              <a:rPr lang="en-US" altLang="ko-KR" dirty="0" smtClean="0"/>
+              <a:t>))</a:t>
+            </a:r>
+            <a:endParaRPr lang="ko-KR" altLang="en-US" dirty="0"/>
+          </a:p>
+        </p:txBody>
+      </p:sp>
+      <p:pic>
+        <p:nvPicPr>
+          <p:cNvPr id="4" name="그림 3"/>
+          <p:cNvPicPr>
+            <a:picLocks noChangeAspect="1"/>
+          </p:cNvPicPr>
+          <p:nvPr/>
+        </p:nvPicPr>
+        <p:blipFill>
+          <a:blip r:embed="rId2"/>
+          <a:stretch>
+            <a:fillRect/>
+          </a:stretch>
+        </p:blipFill>
+        <p:spPr>
+          <a:xfrm>
+            <a:off x="400050" y="4744456"/>
+            <a:ext cx="8743950" cy="2105025"/>
+          </a:xfrm>
+          <a:prstGeom prst="rect">
+            <a:avLst/>
+          </a:prstGeom>
+        </p:spPr>
+      </p:pic>
+    </p:spTree>
+    <p:extLst>
+      <p:ext uri="{BB962C8B-B14F-4D97-AF65-F5344CB8AC3E}">
+        <p14:creationId xmlns:p14="http://schemas.microsoft.com/office/powerpoint/2010/main" val="1498929143"/>
+      </p:ext>
+    </p:extLst>
+  </p:cSld>
+  <p:clrMapOvr>
+    <a:masterClrMapping/>
+  </p:clrMapOvr>
+</p:sld>
+</file>
+
+<file path=ppt/slides/slide53.xml><?xml version="1.0" encoding="utf-8"?>
+<p:sld xmlns:a="http://schemas.openxmlformats.org/drawingml/2006/main" xmlns:r="http://schemas.openxmlformats.org/officeDocument/2006/relationships" xmlns:p="http://schemas.openxmlformats.org/presentationml/2006/main">
+  <p:cSld>
+    <p:spTree>
+      <p:nvGrpSpPr>
+        <p:cNvPr id="1" name=""/>
+        <p:cNvGrpSpPr/>
+        <p:nvPr/>
+      </p:nvGrpSpPr>
+      <p:grpSpPr>
+        <a:xfrm>
+          <a:off x="0" y="0"/>
+          <a:ext cx="0" cy="0"/>
+          <a:chOff x="0" y="0"/>
+          <a:chExt cx="0" cy="0"/>
+        </a:xfrm>
+      </p:grpSpPr>
+      <p:sp>
+        <p:nvSpPr>
+          <p:cNvPr id="2" name="제목 1"/>
+          <p:cNvSpPr>
+            <a:spLocks noGrp="1"/>
+          </p:cNvSpPr>
+          <p:nvPr>
+            <p:ph type="title"/>
+          </p:nvPr>
+        </p:nvSpPr>
+        <p:spPr/>
+        <p:txBody>
+          <a:bodyPr/>
+          <a:lstStyle/>
+          <a:p>
+            <a:r>
+              <a:rPr lang="ko-KR" altLang="en-US" dirty="0" smtClean="0"/>
+              <a:t>함수</a:t>
+            </a:r>
+            <a:endParaRPr lang="ko-KR" altLang="en-US" dirty="0"/>
+          </a:p>
+        </p:txBody>
+      </p:sp>
+      <p:sp>
+        <p:nvSpPr>
+          <p:cNvPr id="3" name="내용 개체 틀 2"/>
+          <p:cNvSpPr>
+            <a:spLocks noGrp="1"/>
+          </p:cNvSpPr>
+          <p:nvPr>
+            <p:ph idx="1"/>
+          </p:nvPr>
+        </p:nvSpPr>
+        <p:spPr/>
+        <p:txBody>
+          <a:bodyPr/>
+          <a:lstStyle/>
+          <a:p>
+            <a:r>
+              <a:rPr lang="ko-KR" altLang="en-US" dirty="0" smtClean="0"/>
+              <a:t>입출력 매개변수</a:t>
+            </a:r>
+            <a:endParaRPr lang="en-US" altLang="ko-KR" dirty="0"/>
+          </a:p>
+          <a:p>
+            <a:pPr lvl="1"/>
+            <a:r>
+              <a:rPr lang="en-US" altLang="ko-KR" dirty="0" smtClean="0"/>
+              <a:t>c</a:t>
+            </a:r>
+            <a:r>
+              <a:rPr lang="ko-KR" altLang="en-US" dirty="0" smtClean="0"/>
+              <a:t>언어의 포인터와 유사</a:t>
+            </a:r>
+            <a:endParaRPr lang="en-US" altLang="ko-KR" dirty="0" smtClean="0"/>
+          </a:p>
+          <a:p>
+            <a:pPr lvl="1"/>
+            <a:r>
+              <a:rPr lang="ko-KR" altLang="en-US" dirty="0" smtClean="0"/>
+              <a:t>값 데이터의 </a:t>
+            </a:r>
+            <a:r>
+              <a:rPr lang="en-US" altLang="ko-KR" dirty="0" smtClean="0"/>
+              <a:t>reference</a:t>
+            </a:r>
+            <a:r>
+              <a:rPr lang="ko-KR" altLang="en-US" dirty="0" smtClean="0"/>
+              <a:t>를 전달 인자로 사용</a:t>
+            </a:r>
+            <a:endParaRPr lang="en-US" altLang="ko-KR" dirty="0" smtClean="0"/>
+          </a:p>
+          <a:p>
+            <a:pPr lvl="1"/>
+            <a:r>
+              <a:rPr lang="ko-KR" altLang="en-US" dirty="0" smtClean="0"/>
+              <a:t>함수형 프로그래밍 패러다임에서는 지양</a:t>
+            </a:r>
+            <a:endParaRPr lang="en-US" altLang="ko-KR" dirty="0" smtClean="0"/>
+          </a:p>
+        </p:txBody>
+      </p:sp>
+      <p:sp>
+        <p:nvSpPr>
+          <p:cNvPr id="5" name="TextBox 4"/>
+          <p:cNvSpPr txBox="1"/>
+          <p:nvPr/>
+        </p:nvSpPr>
+        <p:spPr>
+          <a:xfrm>
+            <a:off x="1115616" y="2204864"/>
+            <a:ext cx="6753944" cy="2308324"/>
+          </a:xfrm>
+          <a:prstGeom prst="rect">
+            <a:avLst/>
+          </a:prstGeom>
+          <a:noFill/>
+        </p:spPr>
+        <p:txBody>
+          <a:bodyPr wrap="square" rtlCol="0">
+            <a:spAutoFit/>
+          </a:bodyPr>
+          <a:lstStyle/>
+          <a:p>
+            <a:r>
+              <a:rPr lang="en-US" altLang="ko-KR" dirty="0" err="1"/>
+              <a:t>var</a:t>
+            </a:r>
+            <a:r>
+              <a:rPr lang="en-US" altLang="ko-KR" dirty="0"/>
+              <a:t> numbers: [</a:t>
+            </a:r>
+            <a:r>
+              <a:rPr lang="en-US" altLang="ko-KR" dirty="0" err="1"/>
+              <a:t>Int</a:t>
+            </a:r>
+            <a:r>
+              <a:rPr lang="en-US" altLang="ko-KR" dirty="0"/>
+              <a:t>] = [1, 2, 3]</a:t>
+            </a:r>
+          </a:p>
+          <a:p>
+            <a:endParaRPr lang="en-US" altLang="ko-KR" dirty="0"/>
+          </a:p>
+          <a:p>
+            <a:r>
+              <a:rPr lang="en-US" altLang="ko-KR" dirty="0" err="1"/>
+              <a:t>func</a:t>
+            </a:r>
+            <a:r>
+              <a:rPr lang="en-US" altLang="ko-KR" dirty="0"/>
+              <a:t> </a:t>
+            </a:r>
+            <a:r>
+              <a:rPr lang="en-US" altLang="ko-KR" dirty="0" err="1"/>
+              <a:t>referenceParameter</a:t>
+            </a:r>
+            <a:r>
+              <a:rPr lang="en-US" altLang="ko-KR" dirty="0"/>
+              <a:t>(_ </a:t>
+            </a:r>
+            <a:r>
+              <a:rPr lang="en-US" altLang="ko-KR" dirty="0" err="1"/>
+              <a:t>arr</a:t>
+            </a:r>
+            <a:r>
+              <a:rPr lang="en-US" altLang="ko-KR" dirty="0"/>
+              <a:t>: </a:t>
+            </a:r>
+            <a:r>
+              <a:rPr lang="en-US" altLang="ko-KR" dirty="0" err="1">
+                <a:solidFill>
+                  <a:schemeClr val="accent2"/>
+                </a:solidFill>
+              </a:rPr>
+              <a:t>inout</a:t>
+            </a:r>
+            <a:r>
+              <a:rPr lang="en-US" altLang="ko-KR" dirty="0"/>
+              <a:t> [</a:t>
+            </a:r>
+            <a:r>
+              <a:rPr lang="en-US" altLang="ko-KR" dirty="0" err="1"/>
+              <a:t>Int</a:t>
+            </a:r>
+            <a:r>
+              <a:rPr lang="en-US" altLang="ko-KR" dirty="0"/>
+              <a:t>]) {</a:t>
+            </a:r>
+          </a:p>
+          <a:p>
+            <a:r>
+              <a:rPr lang="en-US" altLang="ko-KR" dirty="0"/>
+              <a:t>	</a:t>
+            </a:r>
+            <a:r>
+              <a:rPr lang="en-US" altLang="ko-KR" dirty="0" err="1">
+                <a:solidFill>
+                  <a:schemeClr val="accent3"/>
+                </a:solidFill>
+              </a:rPr>
+              <a:t>arr</a:t>
+            </a:r>
+            <a:r>
+              <a:rPr lang="en-US" altLang="ko-KR" dirty="0">
+                <a:solidFill>
+                  <a:schemeClr val="accent3"/>
+                </a:solidFill>
+              </a:rPr>
+              <a:t>[1] = 1</a:t>
+            </a:r>
+          </a:p>
+          <a:p>
+            <a:r>
+              <a:rPr lang="en-US" altLang="ko-KR" dirty="0"/>
+              <a:t>}</a:t>
+            </a:r>
+          </a:p>
+          <a:p>
+            <a:endParaRPr lang="en-US" altLang="ko-KR" dirty="0"/>
+          </a:p>
+          <a:p>
+            <a:r>
+              <a:rPr lang="en-US" altLang="ko-KR" dirty="0" err="1"/>
+              <a:t>referenceParameter</a:t>
+            </a:r>
+            <a:r>
+              <a:rPr lang="en-US" altLang="ko-KR" dirty="0"/>
+              <a:t>(</a:t>
+            </a:r>
+            <a:r>
+              <a:rPr lang="en-US" altLang="ko-KR" dirty="0">
+                <a:solidFill>
+                  <a:schemeClr val="accent2"/>
+                </a:solidFill>
+              </a:rPr>
+              <a:t>&amp;</a:t>
+            </a:r>
+            <a:r>
+              <a:rPr lang="en-US" altLang="ko-KR" dirty="0"/>
+              <a:t>numbers)</a:t>
+            </a:r>
+          </a:p>
+          <a:p>
+            <a:r>
+              <a:rPr lang="en-US" altLang="ko-KR" dirty="0"/>
+              <a:t>print(numbers</a:t>
+            </a:r>
+            <a:r>
+              <a:rPr lang="en-US" altLang="ko-KR" dirty="0" smtClean="0"/>
+              <a:t>)   // [1, 1, 3]</a:t>
+            </a:r>
+            <a:endParaRPr lang="ko-KR" altLang="en-US" dirty="0"/>
+          </a:p>
+        </p:txBody>
+      </p:sp>
+      <p:pic>
+        <p:nvPicPr>
+          <p:cNvPr id="6" name="그림 5"/>
+          <p:cNvPicPr>
+            <a:picLocks noChangeAspect="1"/>
+          </p:cNvPicPr>
+          <p:nvPr/>
+        </p:nvPicPr>
+        <p:blipFill>
+          <a:blip r:embed="rId2"/>
+          <a:stretch>
+            <a:fillRect/>
+          </a:stretch>
+        </p:blipFill>
+        <p:spPr>
+          <a:xfrm>
+            <a:off x="374086" y="4724400"/>
+            <a:ext cx="8743950" cy="2133600"/>
+          </a:xfrm>
+          <a:prstGeom prst="rect">
+            <a:avLst/>
+          </a:prstGeom>
+        </p:spPr>
+      </p:pic>
+    </p:spTree>
+    <p:extLst>
+      <p:ext uri="{BB962C8B-B14F-4D97-AF65-F5344CB8AC3E}">
+        <p14:creationId xmlns:p14="http://schemas.microsoft.com/office/powerpoint/2010/main" val="3006358801"/>
+      </p:ext>
+    </p:extLst>
+  </p:cSld>
+  <p:clrMapOvr>
+    <a:masterClrMapping/>
+  </p:clrMapOvr>
+</p:sld>
+</file>
+
+<file path=ppt/slides/slide54.xml><?xml version="1.0" encoding="utf-8"?>
+<p:sld xmlns:a="http://schemas.openxmlformats.org/drawingml/2006/main" xmlns:r="http://schemas.openxmlformats.org/officeDocument/2006/relationships" xmlns:p="http://schemas.openxmlformats.org/presentationml/2006/main">
+  <p:cSld>
+    <p:spTree>
+      <p:nvGrpSpPr>
+        <p:cNvPr id="1" name=""/>
+        <p:cNvGrpSpPr/>
+        <p:nvPr/>
+      </p:nvGrpSpPr>
+      <p:grpSpPr>
+        <a:xfrm>
+          <a:off x="0" y="0"/>
+          <a:ext cx="0" cy="0"/>
+          <a:chOff x="0" y="0"/>
+          <a:chExt cx="0" cy="0"/>
+        </a:xfrm>
+      </p:grpSpPr>
+      <p:sp>
+        <p:nvSpPr>
+          <p:cNvPr id="2" name="제목 1"/>
+          <p:cNvSpPr>
+            <a:spLocks noGrp="1"/>
+          </p:cNvSpPr>
+          <p:nvPr>
+            <p:ph type="title"/>
+          </p:nvPr>
+        </p:nvSpPr>
+        <p:spPr/>
+        <p:txBody>
+          <a:bodyPr/>
+          <a:lstStyle/>
+          <a:p>
+            <a:r>
+              <a:rPr lang="ko-KR" altLang="en-US" dirty="0" smtClean="0"/>
+              <a:t>함수</a:t>
+            </a:r>
+            <a:endParaRPr lang="ko-KR" altLang="en-US" dirty="0"/>
+          </a:p>
+        </p:txBody>
+      </p:sp>
+      <p:sp>
+        <p:nvSpPr>
+          <p:cNvPr id="3" name="내용 개체 틀 2"/>
+          <p:cNvSpPr>
+            <a:spLocks noGrp="1"/>
+          </p:cNvSpPr>
+          <p:nvPr>
+            <p:ph idx="1"/>
+          </p:nvPr>
+        </p:nvSpPr>
+        <p:spPr/>
+        <p:txBody>
+          <a:bodyPr/>
+          <a:lstStyle/>
+          <a:p>
+            <a:r>
+              <a:rPr lang="ko-KR" altLang="en-US" dirty="0" smtClean="0"/>
+              <a:t>함수의 </a:t>
+            </a:r>
+            <a:r>
+              <a:rPr lang="ko-KR" altLang="en-US" dirty="0" err="1" smtClean="0"/>
+              <a:t>데이터타입</a:t>
+            </a:r>
+            <a:r>
+              <a:rPr lang="ko-KR" altLang="en-US" dirty="0" smtClean="0"/>
+              <a:t> 표현</a:t>
+            </a:r>
+            <a:endParaRPr lang="en-US" altLang="ko-KR" dirty="0"/>
+          </a:p>
+          <a:p>
+            <a:pPr lvl="1"/>
+            <a:r>
+              <a:rPr lang="en-US" altLang="ko-KR" dirty="0" smtClean="0"/>
+              <a:t>(</a:t>
+            </a:r>
+            <a:r>
+              <a:rPr lang="ko-KR" altLang="en-US" dirty="0" smtClean="0"/>
+              <a:t>매개변수</a:t>
+            </a:r>
+            <a:r>
+              <a:rPr lang="ko-KR" altLang="en-US" dirty="0"/>
+              <a:t>의</a:t>
+            </a:r>
+            <a:r>
+              <a:rPr lang="ko-KR" altLang="en-US" dirty="0" smtClean="0"/>
+              <a:t> 타입 나열</a:t>
+            </a:r>
+            <a:r>
+              <a:rPr lang="en-US" altLang="ko-KR" dirty="0" smtClean="0"/>
+              <a:t>) -&gt; </a:t>
+            </a:r>
+            <a:r>
+              <a:rPr lang="ko-KR" altLang="en-US" dirty="0" smtClean="0"/>
+              <a:t>반환 타입</a:t>
+            </a:r>
+            <a:endParaRPr lang="en-US" altLang="ko-KR" dirty="0" smtClean="0"/>
+          </a:p>
+          <a:p>
+            <a:pPr lvl="1"/>
+            <a:r>
+              <a:rPr lang="ko-KR" altLang="en-US" dirty="0" smtClean="0"/>
+              <a:t>예</a:t>
+            </a:r>
+            <a:r>
+              <a:rPr lang="en-US" altLang="ko-KR" dirty="0" smtClean="0"/>
+              <a:t>)  (String, </a:t>
+            </a:r>
+            <a:r>
+              <a:rPr lang="en-US" altLang="ko-KR" dirty="0" err="1" smtClean="0"/>
+              <a:t>Int</a:t>
+            </a:r>
+            <a:r>
+              <a:rPr lang="en-US" altLang="ko-KR" dirty="0" smtClean="0"/>
+              <a:t>) -&gt; String</a:t>
+            </a:r>
+          </a:p>
+          <a:p>
+            <a:pPr lvl="1"/>
+            <a:r>
+              <a:rPr lang="ko-KR" altLang="en-US" dirty="0" smtClean="0"/>
+              <a:t>함수 타입 사용 예</a:t>
+            </a:r>
+            <a:r>
+              <a:rPr lang="en-US" altLang="ko-KR" dirty="0" smtClean="0"/>
+              <a:t>)</a:t>
+            </a:r>
+          </a:p>
+        </p:txBody>
+      </p:sp>
+      <p:sp>
+        <p:nvSpPr>
+          <p:cNvPr id="5" name="TextBox 4"/>
+          <p:cNvSpPr txBox="1"/>
+          <p:nvPr/>
+        </p:nvSpPr>
+        <p:spPr>
+          <a:xfrm>
+            <a:off x="1115616" y="2204864"/>
+            <a:ext cx="6753944" cy="2308324"/>
+          </a:xfrm>
+          <a:prstGeom prst="rect">
+            <a:avLst/>
+          </a:prstGeom>
+          <a:noFill/>
+        </p:spPr>
+        <p:txBody>
+          <a:bodyPr wrap="square" rtlCol="0">
+            <a:spAutoFit/>
+          </a:bodyPr>
+          <a:lstStyle/>
+          <a:p>
+            <a:r>
+              <a:rPr lang="en-US" altLang="ko-KR" dirty="0" err="1" smtClean="0"/>
+              <a:t>typealias</a:t>
+            </a:r>
+            <a:r>
+              <a:rPr lang="en-US" altLang="ko-KR" dirty="0" smtClean="0"/>
+              <a:t> </a:t>
+            </a:r>
+            <a:r>
+              <a:rPr lang="en-US" altLang="ko-KR" dirty="0" err="1" smtClean="0">
+                <a:solidFill>
+                  <a:schemeClr val="accent2"/>
+                </a:solidFill>
+              </a:rPr>
+              <a:t>CalculateTwoInts</a:t>
+            </a:r>
+            <a:r>
+              <a:rPr lang="en-US" altLang="ko-KR" dirty="0" smtClean="0">
+                <a:solidFill>
+                  <a:schemeClr val="accent3"/>
+                </a:solidFill>
+              </a:rPr>
+              <a:t> = (</a:t>
+            </a:r>
+            <a:r>
+              <a:rPr lang="en-US" altLang="ko-KR" dirty="0" err="1" smtClean="0">
+                <a:solidFill>
+                  <a:schemeClr val="accent3"/>
+                </a:solidFill>
+              </a:rPr>
+              <a:t>Int</a:t>
+            </a:r>
+            <a:r>
+              <a:rPr lang="en-US" altLang="ko-KR" dirty="0" smtClean="0">
+                <a:solidFill>
+                  <a:schemeClr val="accent3"/>
+                </a:solidFill>
+              </a:rPr>
+              <a:t>, </a:t>
+            </a:r>
+            <a:r>
+              <a:rPr lang="en-US" altLang="ko-KR" dirty="0" err="1" smtClean="0">
+                <a:solidFill>
+                  <a:schemeClr val="accent3"/>
+                </a:solidFill>
+              </a:rPr>
+              <a:t>Int</a:t>
+            </a:r>
+            <a:r>
+              <a:rPr lang="en-US" altLang="ko-KR" dirty="0" smtClean="0">
+                <a:solidFill>
+                  <a:schemeClr val="accent3"/>
+                </a:solidFill>
+              </a:rPr>
+              <a:t>) -&gt; </a:t>
+            </a:r>
+            <a:r>
+              <a:rPr lang="en-US" altLang="ko-KR" dirty="0" err="1" smtClean="0">
+                <a:solidFill>
+                  <a:schemeClr val="accent3"/>
+                </a:solidFill>
+              </a:rPr>
+              <a:t>Int</a:t>
+            </a:r>
+            <a:endParaRPr lang="en-US" altLang="ko-KR" dirty="0">
+              <a:solidFill>
+                <a:schemeClr val="accent3"/>
+              </a:solidFill>
+            </a:endParaRPr>
+          </a:p>
+          <a:p>
+            <a:endParaRPr lang="en-US" altLang="ko-KR" dirty="0"/>
+          </a:p>
+          <a:p>
+            <a:r>
+              <a:rPr lang="en-US" altLang="ko-KR" dirty="0" err="1"/>
+              <a:t>func</a:t>
+            </a:r>
+            <a:r>
+              <a:rPr lang="en-US" altLang="ko-KR" dirty="0"/>
+              <a:t> </a:t>
+            </a:r>
+            <a:r>
+              <a:rPr lang="en-US" altLang="ko-KR" dirty="0" err="1" smtClean="0"/>
+              <a:t>addTwoInts</a:t>
+            </a:r>
+            <a:r>
+              <a:rPr lang="en-US" altLang="ko-KR" dirty="0" smtClean="0"/>
+              <a:t>(_ a: </a:t>
+            </a:r>
+            <a:r>
+              <a:rPr lang="en-US" altLang="ko-KR" dirty="0" err="1" smtClean="0"/>
+              <a:t>Int</a:t>
+            </a:r>
+            <a:r>
+              <a:rPr lang="en-US" altLang="ko-KR" dirty="0" smtClean="0"/>
+              <a:t>, _ b: </a:t>
+            </a:r>
+            <a:r>
+              <a:rPr lang="en-US" altLang="ko-KR" dirty="0" err="1" smtClean="0"/>
+              <a:t>Int</a:t>
+            </a:r>
+            <a:r>
+              <a:rPr lang="en-US" altLang="ko-KR" dirty="0" smtClean="0"/>
+              <a:t>) -&gt; </a:t>
+            </a:r>
+            <a:r>
+              <a:rPr lang="en-US" altLang="ko-KR" dirty="0" err="1" smtClean="0"/>
+              <a:t>Int</a:t>
+            </a:r>
+            <a:r>
+              <a:rPr lang="en-US" altLang="ko-KR" dirty="0" smtClean="0"/>
+              <a:t> {</a:t>
+            </a:r>
+            <a:endParaRPr lang="en-US" altLang="ko-KR" dirty="0"/>
+          </a:p>
+          <a:p>
+            <a:r>
+              <a:rPr lang="en-US" altLang="ko-KR" dirty="0"/>
+              <a:t>	</a:t>
+            </a:r>
+            <a:r>
+              <a:rPr lang="en-US" altLang="ko-KR" dirty="0" smtClean="0">
+                <a:solidFill>
+                  <a:schemeClr val="accent3"/>
+                </a:solidFill>
+              </a:rPr>
+              <a:t>return a + b</a:t>
+            </a:r>
+            <a:endParaRPr lang="en-US" altLang="ko-KR" dirty="0">
+              <a:solidFill>
+                <a:schemeClr val="accent3"/>
+              </a:solidFill>
+            </a:endParaRPr>
+          </a:p>
+          <a:p>
+            <a:r>
+              <a:rPr lang="en-US" altLang="ko-KR" dirty="0"/>
+              <a:t>}</a:t>
+            </a:r>
+          </a:p>
+          <a:p>
+            <a:endParaRPr lang="en-US" altLang="ko-KR" dirty="0"/>
+          </a:p>
+          <a:p>
+            <a:r>
+              <a:rPr lang="en-US" altLang="ko-KR" dirty="0" err="1" smtClean="0"/>
+              <a:t>var</a:t>
+            </a:r>
+            <a:r>
+              <a:rPr lang="en-US" altLang="ko-KR" dirty="0" smtClean="0"/>
+              <a:t> </a:t>
+            </a:r>
+            <a:r>
+              <a:rPr lang="en-US" altLang="ko-KR" dirty="0" err="1" smtClean="0"/>
+              <a:t>addFunc</a:t>
+            </a:r>
+            <a:r>
+              <a:rPr lang="en-US" altLang="ko-KR" dirty="0" smtClean="0"/>
+              <a:t>: </a:t>
+            </a:r>
+            <a:r>
+              <a:rPr lang="en-US" altLang="ko-KR" dirty="0" err="1" smtClean="0">
+                <a:solidFill>
+                  <a:schemeClr val="accent2"/>
+                </a:solidFill>
+              </a:rPr>
+              <a:t>CalculateTwoInts</a:t>
+            </a:r>
+            <a:r>
+              <a:rPr lang="en-US" altLang="ko-KR" dirty="0" smtClean="0"/>
+              <a:t> = </a:t>
+            </a:r>
+            <a:r>
+              <a:rPr lang="en-US" altLang="ko-KR" dirty="0" err="1" smtClean="0"/>
+              <a:t>addTwoInts</a:t>
+            </a:r>
+            <a:endParaRPr lang="en-US" altLang="ko-KR" dirty="0"/>
+          </a:p>
+          <a:p>
+            <a:r>
+              <a:rPr lang="en-US" altLang="ko-KR" dirty="0" smtClean="0"/>
+              <a:t>print(</a:t>
+            </a:r>
+            <a:r>
+              <a:rPr lang="en-US" altLang="ko-KR" dirty="0" err="1" smtClean="0"/>
+              <a:t>addFunc</a:t>
+            </a:r>
+            <a:r>
+              <a:rPr lang="en-US" altLang="ko-KR" dirty="0" smtClean="0"/>
+              <a:t>(3, 4))</a:t>
+            </a:r>
+            <a:endParaRPr lang="en-US" altLang="ko-KR" dirty="0"/>
+          </a:p>
+        </p:txBody>
+      </p:sp>
+      <p:pic>
+        <p:nvPicPr>
+          <p:cNvPr id="4" name="그림 3"/>
+          <p:cNvPicPr>
+            <a:picLocks noChangeAspect="1"/>
+          </p:cNvPicPr>
+          <p:nvPr/>
+        </p:nvPicPr>
+        <p:blipFill>
+          <a:blip r:embed="rId2"/>
+          <a:stretch>
+            <a:fillRect/>
+          </a:stretch>
+        </p:blipFill>
+        <p:spPr>
+          <a:xfrm>
+            <a:off x="440187" y="4681829"/>
+            <a:ext cx="8715375" cy="2162175"/>
+          </a:xfrm>
+          <a:prstGeom prst="rect">
+            <a:avLst/>
+          </a:prstGeom>
+        </p:spPr>
+      </p:pic>
+    </p:spTree>
+    <p:extLst>
+      <p:ext uri="{BB962C8B-B14F-4D97-AF65-F5344CB8AC3E}">
+        <p14:creationId xmlns:p14="http://schemas.microsoft.com/office/powerpoint/2010/main" val="663065400"/>
+      </p:ext>
+    </p:extLst>
+  </p:cSld>
+  <p:clrMapOvr>
+    <a:masterClrMapping/>
+  </p:clrMapOvr>
+</p:sld>
+</file>
+
+<file path=ppt/slides/slide55.xml><?xml version="1.0" encoding="utf-8"?>
+<p:sld xmlns:a="http://schemas.openxmlformats.org/drawingml/2006/main" xmlns:r="http://schemas.openxmlformats.org/officeDocument/2006/relationships" xmlns:p="http://schemas.openxmlformats.org/presentationml/2006/main">
+  <p:cSld>
+    <p:spTree>
+      <p:nvGrpSpPr>
+        <p:cNvPr id="1" name=""/>
+        <p:cNvGrpSpPr/>
+        <p:nvPr/>
+      </p:nvGrpSpPr>
+      <p:grpSpPr>
+        <a:xfrm>
+          <a:off x="0" y="0"/>
+          <a:ext cx="0" cy="0"/>
+          <a:chOff x="0" y="0"/>
+          <a:chExt cx="0" cy="0"/>
+        </a:xfrm>
+      </p:grpSpPr>
+      <p:sp>
+        <p:nvSpPr>
+          <p:cNvPr id="2" name="제목 1"/>
+          <p:cNvSpPr>
+            <a:spLocks noGrp="1"/>
+          </p:cNvSpPr>
+          <p:nvPr>
+            <p:ph type="title"/>
+          </p:nvPr>
+        </p:nvSpPr>
+        <p:spPr/>
+        <p:txBody>
+          <a:bodyPr/>
+          <a:lstStyle/>
+          <a:p>
+            <a:r>
+              <a:rPr lang="ko-KR" altLang="en-US" dirty="0" smtClean="0"/>
+              <a:t>함수</a:t>
+            </a:r>
+            <a:endParaRPr lang="ko-KR" altLang="en-US" dirty="0"/>
+          </a:p>
+        </p:txBody>
+      </p:sp>
+      <p:sp>
+        <p:nvSpPr>
+          <p:cNvPr id="3" name="내용 개체 틀 2"/>
+          <p:cNvSpPr>
+            <a:spLocks noGrp="1"/>
+          </p:cNvSpPr>
+          <p:nvPr>
+            <p:ph idx="1"/>
+          </p:nvPr>
+        </p:nvSpPr>
+        <p:spPr/>
+        <p:txBody>
+          <a:bodyPr/>
+          <a:lstStyle/>
+          <a:p>
+            <a:r>
+              <a:rPr lang="ko-KR" altLang="en-US" dirty="0" smtClean="0"/>
+              <a:t>중첩 함수</a:t>
+            </a:r>
+            <a:endParaRPr lang="en-US" altLang="ko-KR" dirty="0"/>
+          </a:p>
+          <a:p>
+            <a:pPr lvl="1"/>
+            <a:r>
+              <a:rPr lang="ko-KR" altLang="en-US" dirty="0" smtClean="0"/>
+              <a:t>함수의 데이터 타입 표현이 가능하므로</a:t>
+            </a:r>
+            <a:r>
+              <a:rPr lang="en-US" altLang="ko-KR" dirty="0"/>
+              <a:t/>
+            </a:r>
+            <a:br>
+              <a:rPr lang="en-US" altLang="ko-KR" dirty="0"/>
+            </a:br>
+            <a:r>
+              <a:rPr lang="ko-KR" altLang="en-US" dirty="0" smtClean="0"/>
+              <a:t>함수를 </a:t>
+            </a:r>
+            <a:r>
+              <a:rPr lang="ko-KR" altLang="en-US" dirty="0" smtClean="0">
+                <a:solidFill>
+                  <a:schemeClr val="accent2"/>
+                </a:solidFill>
+              </a:rPr>
+              <a:t>매개변수</a:t>
+            </a:r>
+            <a:r>
+              <a:rPr lang="en-US" altLang="ko-KR" dirty="0" smtClean="0">
+                <a:solidFill>
+                  <a:schemeClr val="accent2"/>
+                </a:solidFill>
+              </a:rPr>
+              <a:t>, </a:t>
+            </a:r>
+            <a:r>
+              <a:rPr lang="ko-KR" altLang="en-US" dirty="0" err="1" smtClean="0">
+                <a:solidFill>
+                  <a:schemeClr val="accent2"/>
+                </a:solidFill>
+              </a:rPr>
+              <a:t>반환값으로</a:t>
+            </a:r>
+            <a:r>
+              <a:rPr lang="ko-KR" altLang="en-US" dirty="0" smtClean="0">
+                <a:solidFill>
+                  <a:schemeClr val="accent2"/>
+                </a:solidFill>
+              </a:rPr>
+              <a:t> </a:t>
+            </a:r>
+            <a:r>
+              <a:rPr lang="ko-KR" altLang="en-US" dirty="0" smtClean="0"/>
+              <a:t>사용 가능</a:t>
+            </a:r>
+            <a:endParaRPr lang="en-US" altLang="ko-KR" dirty="0" smtClean="0"/>
+          </a:p>
+        </p:txBody>
+      </p:sp>
+      <p:sp>
+        <p:nvSpPr>
+          <p:cNvPr id="5" name="TextBox 4"/>
+          <p:cNvSpPr txBox="1"/>
+          <p:nvPr/>
+        </p:nvSpPr>
+        <p:spPr>
+          <a:xfrm>
+            <a:off x="1115616" y="1916832"/>
+            <a:ext cx="6753944" cy="4247317"/>
+          </a:xfrm>
+          <a:prstGeom prst="rect">
+            <a:avLst/>
+          </a:prstGeom>
+          <a:noFill/>
+        </p:spPr>
+        <p:txBody>
+          <a:bodyPr wrap="square" rtlCol="0">
+            <a:spAutoFit/>
+          </a:bodyPr>
+          <a:lstStyle/>
+          <a:p>
+            <a:r>
+              <a:rPr lang="en-US" altLang="ko-KR" dirty="0" smtClean="0"/>
+              <a:t>// </a:t>
+            </a:r>
+            <a:r>
+              <a:rPr lang="en-US" altLang="ko-KR" dirty="0"/>
+              <a:t>| -3 | -2 | -1 |  0 |  1 |  2 |  3 |</a:t>
+            </a:r>
+          </a:p>
+          <a:p>
+            <a:endParaRPr lang="en-US" altLang="ko-KR" dirty="0" smtClean="0"/>
+          </a:p>
+          <a:p>
+            <a:r>
+              <a:rPr lang="en-US" altLang="ko-KR" dirty="0" err="1" smtClean="0"/>
+              <a:t>typealias</a:t>
+            </a:r>
+            <a:r>
+              <a:rPr lang="en-US" altLang="ko-KR" dirty="0" smtClean="0"/>
+              <a:t> </a:t>
+            </a:r>
+            <a:r>
+              <a:rPr lang="en-US" altLang="ko-KR" dirty="0" err="1">
+                <a:solidFill>
+                  <a:schemeClr val="accent2"/>
+                </a:solidFill>
+              </a:rPr>
+              <a:t>MoveFunc</a:t>
+            </a:r>
+            <a:r>
+              <a:rPr lang="en-US" altLang="ko-KR" dirty="0"/>
+              <a:t> = (</a:t>
+            </a:r>
+            <a:r>
+              <a:rPr lang="en-US" altLang="ko-KR" dirty="0" err="1"/>
+              <a:t>Int</a:t>
+            </a:r>
+            <a:r>
+              <a:rPr lang="en-US" altLang="ko-KR" dirty="0"/>
+              <a:t>) -&gt; </a:t>
+            </a:r>
+            <a:r>
+              <a:rPr lang="en-US" altLang="ko-KR" dirty="0" err="1"/>
+              <a:t>Int</a:t>
+            </a:r>
+            <a:endParaRPr lang="en-US" altLang="ko-KR" dirty="0"/>
+          </a:p>
+          <a:p>
+            <a:endParaRPr lang="en-US" altLang="ko-KR" dirty="0"/>
+          </a:p>
+          <a:p>
+            <a:r>
+              <a:rPr lang="en-US" altLang="ko-KR" dirty="0" err="1"/>
+              <a:t>func</a:t>
+            </a:r>
+            <a:r>
+              <a:rPr lang="en-US" altLang="ko-KR" dirty="0"/>
+              <a:t> </a:t>
+            </a:r>
+            <a:r>
+              <a:rPr lang="en-US" altLang="ko-KR" dirty="0" err="1"/>
+              <a:t>functionForMove</a:t>
+            </a:r>
+            <a:r>
+              <a:rPr lang="en-US" altLang="ko-KR" dirty="0"/>
+              <a:t>(_ </a:t>
+            </a:r>
+            <a:r>
+              <a:rPr lang="en-US" altLang="ko-KR" dirty="0" err="1"/>
+              <a:t>shouldGoLeft</a:t>
+            </a:r>
+            <a:r>
+              <a:rPr lang="en-US" altLang="ko-KR" dirty="0"/>
+              <a:t>: Bool) -&gt; </a:t>
+            </a:r>
+            <a:r>
+              <a:rPr lang="en-US" altLang="ko-KR" dirty="0" err="1">
+                <a:solidFill>
+                  <a:schemeClr val="accent2"/>
+                </a:solidFill>
+              </a:rPr>
+              <a:t>MoveFunc</a:t>
+            </a:r>
+            <a:r>
+              <a:rPr lang="en-US" altLang="ko-KR" dirty="0"/>
+              <a:t> {</a:t>
+            </a:r>
+          </a:p>
+          <a:p>
+            <a:r>
+              <a:rPr lang="en-US" altLang="ko-KR" dirty="0"/>
+              <a:t>	</a:t>
+            </a:r>
+            <a:r>
+              <a:rPr lang="en-US" altLang="ko-KR" dirty="0" err="1"/>
+              <a:t>func</a:t>
+            </a:r>
+            <a:r>
+              <a:rPr lang="en-US" altLang="ko-KR" dirty="0"/>
+              <a:t> </a:t>
+            </a:r>
+            <a:r>
+              <a:rPr lang="en-US" altLang="ko-KR" dirty="0" err="1">
+                <a:solidFill>
+                  <a:schemeClr val="accent3"/>
+                </a:solidFill>
+              </a:rPr>
+              <a:t>goRight</a:t>
+            </a:r>
+            <a:r>
+              <a:rPr lang="en-US" altLang="ko-KR" dirty="0"/>
+              <a:t>(_ </a:t>
+            </a:r>
+            <a:r>
+              <a:rPr lang="en-US" altLang="ko-KR" dirty="0" err="1"/>
+              <a:t>currentPosition</a:t>
+            </a:r>
+            <a:r>
+              <a:rPr lang="en-US" altLang="ko-KR" dirty="0"/>
+              <a:t>: </a:t>
+            </a:r>
+            <a:r>
+              <a:rPr lang="en-US" altLang="ko-KR" dirty="0" err="1"/>
+              <a:t>Int</a:t>
+            </a:r>
+            <a:r>
+              <a:rPr lang="en-US" altLang="ko-KR" dirty="0"/>
+              <a:t>) -&gt; </a:t>
+            </a:r>
+            <a:r>
+              <a:rPr lang="en-US" altLang="ko-KR" dirty="0" err="1"/>
+              <a:t>Int</a:t>
+            </a:r>
+            <a:r>
+              <a:rPr lang="en-US" altLang="ko-KR" dirty="0"/>
+              <a:t> {</a:t>
+            </a:r>
+          </a:p>
+          <a:p>
+            <a:r>
+              <a:rPr lang="en-US" altLang="ko-KR" dirty="0"/>
+              <a:t>		return </a:t>
+            </a:r>
+            <a:r>
+              <a:rPr lang="en-US" altLang="ko-KR" dirty="0" err="1"/>
+              <a:t>currentPosition</a:t>
+            </a:r>
+            <a:r>
+              <a:rPr lang="en-US" altLang="ko-KR" dirty="0"/>
+              <a:t> + 1</a:t>
+            </a:r>
+          </a:p>
+          <a:p>
+            <a:r>
+              <a:rPr lang="en-US" altLang="ko-KR" dirty="0"/>
+              <a:t>	}</a:t>
+            </a:r>
+          </a:p>
+          <a:p>
+            <a:endParaRPr lang="en-US" altLang="ko-KR" dirty="0"/>
+          </a:p>
+          <a:p>
+            <a:r>
+              <a:rPr lang="en-US" altLang="ko-KR" dirty="0"/>
+              <a:t>	</a:t>
+            </a:r>
+            <a:r>
+              <a:rPr lang="en-US" altLang="ko-KR" dirty="0" err="1"/>
+              <a:t>func</a:t>
+            </a:r>
+            <a:r>
+              <a:rPr lang="en-US" altLang="ko-KR" dirty="0"/>
+              <a:t> </a:t>
+            </a:r>
+            <a:r>
+              <a:rPr lang="en-US" altLang="ko-KR" dirty="0" err="1">
+                <a:solidFill>
+                  <a:schemeClr val="accent3"/>
+                </a:solidFill>
+              </a:rPr>
+              <a:t>goLeft</a:t>
+            </a:r>
+            <a:r>
+              <a:rPr lang="en-US" altLang="ko-KR" dirty="0"/>
+              <a:t>(_ </a:t>
+            </a:r>
+            <a:r>
+              <a:rPr lang="en-US" altLang="ko-KR" dirty="0" err="1"/>
+              <a:t>currentPosition</a:t>
+            </a:r>
+            <a:r>
+              <a:rPr lang="en-US" altLang="ko-KR" dirty="0"/>
+              <a:t>: </a:t>
+            </a:r>
+            <a:r>
+              <a:rPr lang="en-US" altLang="ko-KR" dirty="0" err="1"/>
+              <a:t>Int</a:t>
+            </a:r>
+            <a:r>
+              <a:rPr lang="en-US" altLang="ko-KR" dirty="0"/>
+              <a:t>) -&gt; </a:t>
+            </a:r>
+            <a:r>
+              <a:rPr lang="en-US" altLang="ko-KR" dirty="0" err="1"/>
+              <a:t>Int</a:t>
+            </a:r>
+            <a:r>
+              <a:rPr lang="en-US" altLang="ko-KR" dirty="0"/>
+              <a:t> {</a:t>
+            </a:r>
+          </a:p>
+          <a:p>
+            <a:r>
+              <a:rPr lang="en-US" altLang="ko-KR" dirty="0"/>
+              <a:t>		return </a:t>
+            </a:r>
+            <a:r>
+              <a:rPr lang="en-US" altLang="ko-KR" dirty="0" err="1"/>
+              <a:t>currentPosition</a:t>
+            </a:r>
+            <a:r>
+              <a:rPr lang="en-US" altLang="ko-KR" dirty="0"/>
+              <a:t> - 1</a:t>
+            </a:r>
+          </a:p>
+          <a:p>
+            <a:r>
+              <a:rPr lang="en-US" altLang="ko-KR" dirty="0"/>
+              <a:t>	}</a:t>
+            </a:r>
+          </a:p>
+          <a:p>
+            <a:endParaRPr lang="en-US" altLang="ko-KR" dirty="0"/>
+          </a:p>
+          <a:p>
+            <a:r>
+              <a:rPr lang="en-US" altLang="ko-KR" dirty="0"/>
+              <a:t>	return </a:t>
+            </a:r>
+            <a:r>
+              <a:rPr lang="en-US" altLang="ko-KR" dirty="0" err="1"/>
+              <a:t>shouldGoLeft</a:t>
+            </a:r>
+            <a:r>
+              <a:rPr lang="en-US" altLang="ko-KR" dirty="0"/>
+              <a:t> ? </a:t>
+            </a:r>
+            <a:r>
+              <a:rPr lang="en-US" altLang="ko-KR" dirty="0" err="1">
+                <a:solidFill>
+                  <a:schemeClr val="accent3"/>
+                </a:solidFill>
+              </a:rPr>
+              <a:t>goLeft</a:t>
+            </a:r>
+            <a:r>
+              <a:rPr lang="en-US" altLang="ko-KR" dirty="0"/>
+              <a:t> : </a:t>
+            </a:r>
+            <a:r>
+              <a:rPr lang="en-US" altLang="ko-KR" dirty="0" err="1">
+                <a:solidFill>
+                  <a:schemeClr val="accent3"/>
+                </a:solidFill>
+              </a:rPr>
+              <a:t>goRight</a:t>
+            </a:r>
+            <a:endParaRPr lang="en-US" altLang="ko-KR" dirty="0">
+              <a:solidFill>
+                <a:schemeClr val="accent3"/>
+              </a:solidFill>
+            </a:endParaRPr>
+          </a:p>
+          <a:p>
+            <a:r>
+              <a:rPr lang="en-US" altLang="ko-KR" dirty="0" smtClean="0"/>
+              <a:t>}</a:t>
+            </a:r>
+            <a:endParaRPr lang="en-US" altLang="ko-KR" dirty="0"/>
+          </a:p>
+        </p:txBody>
+      </p:sp>
+    </p:spTree>
+    <p:extLst>
+      <p:ext uri="{BB962C8B-B14F-4D97-AF65-F5344CB8AC3E}">
+        <p14:creationId xmlns:p14="http://schemas.microsoft.com/office/powerpoint/2010/main" val="1930745000"/>
+      </p:ext>
+    </p:extLst>
+  </p:cSld>
+  <p:clrMapOvr>
+    <a:masterClrMapping/>
+  </p:clrMapOvr>
+</p:sld>
+</file>
+
+<file path=ppt/slides/slide56.xml><?xml version="1.0" encoding="utf-8"?>
+<p:sld xmlns:a="http://schemas.openxmlformats.org/drawingml/2006/main" xmlns:r="http://schemas.openxmlformats.org/officeDocument/2006/relationships" xmlns:p="http://schemas.openxmlformats.org/presentationml/2006/main">
+  <p:cSld>
+    <p:spTree>
+      <p:nvGrpSpPr>
+        <p:cNvPr id="1" name=""/>
+        <p:cNvGrpSpPr/>
+        <p:nvPr/>
+      </p:nvGrpSpPr>
+      <p:grpSpPr>
+        <a:xfrm>
+          <a:off x="0" y="0"/>
+          <a:ext cx="0" cy="0"/>
+          <a:chOff x="0" y="0"/>
+          <a:chExt cx="0" cy="0"/>
+        </a:xfrm>
+      </p:grpSpPr>
+      <p:sp>
+        <p:nvSpPr>
+          <p:cNvPr id="2" name="제목 1"/>
+          <p:cNvSpPr>
+            <a:spLocks noGrp="1"/>
+          </p:cNvSpPr>
+          <p:nvPr>
+            <p:ph type="title"/>
+          </p:nvPr>
+        </p:nvSpPr>
+        <p:spPr/>
+        <p:txBody>
+          <a:bodyPr/>
+          <a:lstStyle/>
+          <a:p>
+            <a:r>
+              <a:rPr lang="ko-KR" altLang="en-US" dirty="0" smtClean="0"/>
+              <a:t>함수</a:t>
+            </a:r>
+            <a:endParaRPr lang="ko-KR" altLang="en-US" dirty="0"/>
+          </a:p>
+        </p:txBody>
+      </p:sp>
+      <p:sp>
+        <p:nvSpPr>
+          <p:cNvPr id="3" name="내용 개체 틀 2"/>
+          <p:cNvSpPr>
+            <a:spLocks noGrp="1"/>
+          </p:cNvSpPr>
+          <p:nvPr>
+            <p:ph idx="1"/>
+          </p:nvPr>
+        </p:nvSpPr>
+        <p:spPr/>
+        <p:txBody>
+          <a:bodyPr/>
+          <a:lstStyle/>
+          <a:p>
+            <a:r>
+              <a:rPr lang="ko-KR" altLang="en-US" dirty="0" smtClean="0"/>
+              <a:t>중첩 함수</a:t>
+            </a:r>
+            <a:endParaRPr lang="en-US" altLang="ko-KR" dirty="0"/>
+          </a:p>
+        </p:txBody>
+      </p:sp>
+      <p:pic>
+        <p:nvPicPr>
+          <p:cNvPr id="4" name="그림 3"/>
+          <p:cNvPicPr>
+            <a:picLocks noChangeAspect="1"/>
+          </p:cNvPicPr>
+          <p:nvPr/>
+        </p:nvPicPr>
+        <p:blipFill>
+          <a:blip r:embed="rId2"/>
+          <a:stretch>
+            <a:fillRect/>
+          </a:stretch>
+        </p:blipFill>
+        <p:spPr>
+          <a:xfrm>
+            <a:off x="390525" y="1340768"/>
+            <a:ext cx="8753475" cy="4762500"/>
+          </a:xfrm>
+          <a:prstGeom prst="rect">
+            <a:avLst/>
+          </a:prstGeom>
+        </p:spPr>
+      </p:pic>
+    </p:spTree>
+    <p:extLst>
+      <p:ext uri="{BB962C8B-B14F-4D97-AF65-F5344CB8AC3E}">
+        <p14:creationId xmlns:p14="http://schemas.microsoft.com/office/powerpoint/2010/main" val="3024788451"/>
+      </p:ext>
+    </p:extLst>
+  </p:cSld>
+  <p:clrMapOvr>
+    <a:masterClrMapping/>
+  </p:clrMapOvr>
+</p:sld>
+</file>
+
+<file path=ppt/slides/slide57.xml><?xml version="1.0" encoding="utf-8"?>
+<p:sld xmlns:a="http://schemas.openxmlformats.org/drawingml/2006/main" xmlns:r="http://schemas.openxmlformats.org/officeDocument/2006/relationships" xmlns:p="http://schemas.openxmlformats.org/presentationml/2006/main">
+  <p:cSld>
+    <p:spTree>
+      <p:nvGrpSpPr>
+        <p:cNvPr id="1" name=""/>
+        <p:cNvGrpSpPr/>
+        <p:nvPr/>
+      </p:nvGrpSpPr>
+      <p:grpSpPr>
+        <a:xfrm>
+          <a:off x="0" y="0"/>
+          <a:ext cx="0" cy="0"/>
+          <a:chOff x="0" y="0"/>
+          <a:chExt cx="0" cy="0"/>
+        </a:xfrm>
+      </p:grpSpPr>
+      <p:sp>
+        <p:nvSpPr>
+          <p:cNvPr id="2" name="제목 1"/>
+          <p:cNvSpPr>
+            <a:spLocks noGrp="1"/>
+          </p:cNvSpPr>
+          <p:nvPr>
+            <p:ph type="title"/>
+          </p:nvPr>
+        </p:nvSpPr>
+        <p:spPr/>
+        <p:txBody>
+          <a:bodyPr/>
+          <a:lstStyle/>
+          <a:p>
+            <a:r>
+              <a:rPr lang="ko-KR" altLang="en-US" dirty="0" smtClean="0"/>
+              <a:t>함수</a:t>
+            </a:r>
+            <a:endParaRPr lang="ko-KR" altLang="en-US" dirty="0"/>
+          </a:p>
+        </p:txBody>
+      </p:sp>
+      <p:sp>
+        <p:nvSpPr>
+          <p:cNvPr id="3" name="내용 개체 틀 2"/>
+          <p:cNvSpPr>
+            <a:spLocks noGrp="1"/>
+          </p:cNvSpPr>
+          <p:nvPr>
+            <p:ph idx="1"/>
+          </p:nvPr>
+        </p:nvSpPr>
+        <p:spPr/>
+        <p:txBody>
+          <a:bodyPr/>
+          <a:lstStyle/>
+          <a:p>
+            <a:r>
+              <a:rPr lang="ko-KR" altLang="en-US" dirty="0" smtClean="0"/>
+              <a:t>종료되지 않는 함수</a:t>
+            </a:r>
+            <a:endParaRPr lang="en-US" altLang="ko-KR" dirty="0" smtClean="0"/>
+          </a:p>
+          <a:p>
+            <a:pPr lvl="1"/>
+            <a:r>
+              <a:rPr lang="en-US" altLang="ko-KR" dirty="0" smtClean="0"/>
+              <a:t>return</a:t>
+            </a:r>
+            <a:r>
+              <a:rPr lang="ko-KR" altLang="en-US" dirty="0" smtClean="0"/>
+              <a:t>되지 않는 함수</a:t>
+            </a:r>
+            <a:r>
+              <a:rPr lang="en-US" altLang="ko-KR" dirty="0" smtClean="0"/>
+              <a:t>.</a:t>
+            </a:r>
+          </a:p>
+          <a:p>
+            <a:pPr lvl="1"/>
+            <a:r>
+              <a:rPr lang="ko-KR" altLang="en-US" dirty="0" smtClean="0"/>
+              <a:t>반환 값으로 </a:t>
+            </a:r>
+            <a:r>
+              <a:rPr lang="en-US" altLang="ko-KR" dirty="0" smtClean="0"/>
+              <a:t>Never</a:t>
+            </a:r>
+            <a:r>
+              <a:rPr lang="ko-KR" altLang="en-US" dirty="0" smtClean="0"/>
+              <a:t>를 명시</a:t>
+            </a:r>
+            <a:endParaRPr lang="en-US" altLang="ko-KR" dirty="0" smtClean="0"/>
+          </a:p>
+          <a:p>
+            <a:pPr lvl="1"/>
+            <a:r>
+              <a:rPr lang="ko-KR" altLang="en-US" dirty="0" smtClean="0"/>
+              <a:t>오류 처리 등 비정상적인 상황에서 사용</a:t>
+            </a:r>
+            <a:endParaRPr lang="en-US" altLang="ko-KR" dirty="0" smtClean="0"/>
+          </a:p>
+          <a:p>
+            <a:pPr lvl="2"/>
+            <a:r>
+              <a:rPr lang="en-US" altLang="ko-KR" dirty="0" smtClean="0">
+                <a:solidFill>
+                  <a:schemeClr val="accent6"/>
+                </a:solidFill>
+              </a:rPr>
+              <a:t>(</a:t>
+            </a:r>
+            <a:r>
+              <a:rPr lang="ko-KR" altLang="en-US" dirty="0" smtClean="0">
+                <a:solidFill>
+                  <a:schemeClr val="accent6"/>
+                </a:solidFill>
+              </a:rPr>
+              <a:t>오류 처리 </a:t>
+            </a:r>
+            <a:r>
+              <a:rPr lang="en-US" altLang="ko-KR" dirty="0" err="1" smtClean="0">
+                <a:solidFill>
+                  <a:schemeClr val="accent6"/>
+                </a:solidFill>
+              </a:rPr>
+              <a:t>chapte</a:t>
+            </a:r>
+            <a:r>
+              <a:rPr lang="ko-KR" altLang="en-US" dirty="0" smtClean="0">
+                <a:solidFill>
+                  <a:schemeClr val="accent6"/>
+                </a:solidFill>
+              </a:rPr>
+              <a:t>에서 다뤄질 예정</a:t>
+            </a:r>
+            <a:r>
+              <a:rPr lang="en-US" altLang="ko-KR" dirty="0" smtClean="0">
+                <a:solidFill>
+                  <a:schemeClr val="accent6"/>
+                </a:solidFill>
+              </a:rPr>
+              <a:t>)</a:t>
+            </a:r>
+          </a:p>
+          <a:p>
+            <a:pPr lvl="1"/>
+            <a:endParaRPr lang="en-US" altLang="ko-KR" dirty="0">
+              <a:solidFill>
+                <a:schemeClr val="accent6"/>
+              </a:solidFill>
+            </a:endParaRPr>
+          </a:p>
+          <a:p>
+            <a:pPr marL="454914" lvl="1" indent="0">
+              <a:buNone/>
+            </a:pPr>
+            <a:endParaRPr lang="en-US" altLang="ko-KR" dirty="0" smtClean="0">
+              <a:solidFill>
+                <a:schemeClr val="accent6"/>
+              </a:solidFill>
+            </a:endParaRPr>
+          </a:p>
+          <a:p>
+            <a:pPr lvl="1"/>
+            <a:r>
+              <a:rPr lang="en-US" altLang="ko-KR" dirty="0" err="1" smtClean="0"/>
+              <a:t>func</a:t>
+            </a:r>
+            <a:r>
+              <a:rPr lang="en-US" altLang="ko-KR" dirty="0" smtClean="0"/>
+              <a:t> </a:t>
+            </a:r>
+            <a:r>
+              <a:rPr lang="ko-KR" altLang="en-US" dirty="0" smtClean="0"/>
+              <a:t>함수 이름</a:t>
+            </a:r>
+            <a:r>
+              <a:rPr lang="en-US" altLang="ko-KR" dirty="0" smtClean="0"/>
+              <a:t>(</a:t>
+            </a:r>
+            <a:r>
+              <a:rPr lang="ko-KR" altLang="en-US" dirty="0" smtClean="0"/>
+              <a:t>매개 변수</a:t>
+            </a:r>
+            <a:r>
+              <a:rPr lang="en-US" altLang="ko-KR" dirty="0" smtClean="0"/>
+              <a:t>) -&gt; </a:t>
+            </a:r>
+            <a:r>
+              <a:rPr lang="en-US" altLang="ko-KR" dirty="0" smtClean="0">
+                <a:solidFill>
+                  <a:schemeClr val="accent2"/>
+                </a:solidFill>
+              </a:rPr>
+              <a:t>Never</a:t>
+            </a:r>
+            <a:r>
+              <a:rPr lang="en-US" altLang="ko-KR" dirty="0" smtClean="0"/>
+              <a:t> {</a:t>
+            </a:r>
+            <a:br>
+              <a:rPr lang="en-US" altLang="ko-KR" dirty="0" smtClean="0"/>
+            </a:br>
+            <a:r>
+              <a:rPr lang="en-US" altLang="ko-KR" dirty="0" smtClean="0"/>
+              <a:t>	// </a:t>
+            </a:r>
+            <a:r>
+              <a:rPr lang="ko-KR" altLang="en-US" dirty="0" smtClean="0"/>
+              <a:t>함수 내용</a:t>
+            </a:r>
+            <a:r>
+              <a:rPr lang="en-US" altLang="ko-KR" dirty="0" smtClean="0"/>
+              <a:t/>
+            </a:r>
+            <a:br>
+              <a:rPr lang="en-US" altLang="ko-KR" dirty="0" smtClean="0"/>
+            </a:br>
+            <a:r>
+              <a:rPr lang="en-US" altLang="ko-KR" dirty="0" smtClean="0"/>
+              <a:t>}</a:t>
+            </a:r>
+          </a:p>
+        </p:txBody>
+      </p:sp>
+    </p:spTree>
+    <p:extLst>
+      <p:ext uri="{BB962C8B-B14F-4D97-AF65-F5344CB8AC3E}">
+        <p14:creationId xmlns:p14="http://schemas.microsoft.com/office/powerpoint/2010/main" val="1661583166"/>
+      </p:ext>
+    </p:extLst>
+  </p:cSld>
+  <p:clrMapOvr>
+    <a:masterClrMapping/>
+  </p:clrMapOvr>
+</p:sld>
+</file>
+
 <file path=ppt/slides/slide6.xml><?xml version="1.0" encoding="utf-8"?>
 <p:sld xmlns:a="http://schemas.openxmlformats.org/drawingml/2006/main" xmlns:r="http://schemas.openxmlformats.org/officeDocument/2006/relationships" xmlns:p="http://schemas.openxmlformats.org/presentationml/2006/main">
   <p:cSld>
@@ -31013,14 +34642,14 @@
                 <a:gridCol w="1440160">
                   <a:extLst>
                     <a:ext uri="{9D8B030D-6E8A-4147-A177-3AD203B41FA5}">
-                      <a16:colId xmlns:a16="http://schemas.microsoft.com/office/drawing/2014/main" xmlns="" val="20000"/>
+                      <a16:colId xmlns:a16="http://schemas.microsoft.com/office/drawing/2014/main" val="20000"/>
                     </a:ext>
                   </a:extLst>
                 </a:gridCol>
                 <a:gridCol w="1440160">
                   <a:extLst>
                     <a:ext uri="{9D8B030D-6E8A-4147-A177-3AD203B41FA5}">
-                      <a16:colId xmlns:a16="http://schemas.microsoft.com/office/drawing/2014/main" xmlns="" val="20001"/>
+                      <a16:colId xmlns:a16="http://schemas.microsoft.com/office/drawing/2014/main" val="20001"/>
                     </a:ext>
                   </a:extLst>
                 </a:gridCol>
@@ -31074,7 +34703,7 @@
                 </a:tc>
                 <a:extLst>
                   <a:ext uri="{0D108BD9-81ED-4DB2-BD59-A6C34878D82A}">
-                    <a16:rowId xmlns:a16="http://schemas.microsoft.com/office/drawing/2014/main" xmlns="" val="10000"/>
+                    <a16:rowId xmlns:a16="http://schemas.microsoft.com/office/drawing/2014/main" val="10000"/>
                   </a:ext>
                 </a:extLst>
               </a:tr>
@@ -31149,7 +34778,7 @@
                 </a:tc>
                 <a:extLst>
                   <a:ext uri="{0D108BD9-81ED-4DB2-BD59-A6C34878D82A}">
-                    <a16:rowId xmlns:a16="http://schemas.microsoft.com/office/drawing/2014/main" xmlns="" val="10001"/>
+                    <a16:rowId xmlns:a16="http://schemas.microsoft.com/office/drawing/2014/main" val="10001"/>
                   </a:ext>
                 </a:extLst>
               </a:tr>
@@ -31224,7 +34853,7 @@
                 </a:tc>
                 <a:extLst>
                   <a:ext uri="{0D108BD9-81ED-4DB2-BD59-A6C34878D82A}">
-                    <a16:rowId xmlns:a16="http://schemas.microsoft.com/office/drawing/2014/main" xmlns="" val="10002"/>
+                    <a16:rowId xmlns:a16="http://schemas.microsoft.com/office/drawing/2014/main" val="10002"/>
                   </a:ext>
                 </a:extLst>
               </a:tr>
@@ -31299,7 +34928,7 @@
                 </a:tc>
                 <a:extLst>
                   <a:ext uri="{0D108BD9-81ED-4DB2-BD59-A6C34878D82A}">
-                    <a16:rowId xmlns:a16="http://schemas.microsoft.com/office/drawing/2014/main" xmlns="" val="10003"/>
+                    <a16:rowId xmlns:a16="http://schemas.microsoft.com/office/drawing/2014/main" val="10003"/>
                   </a:ext>
                 </a:extLst>
               </a:tr>
@@ -31374,7 +35003,7 @@
                 </a:tc>
                 <a:extLst>
                   <a:ext uri="{0D108BD9-81ED-4DB2-BD59-A6C34878D82A}">
-                    <a16:rowId xmlns:a16="http://schemas.microsoft.com/office/drawing/2014/main" xmlns="" val="10004"/>
+                    <a16:rowId xmlns:a16="http://schemas.microsoft.com/office/drawing/2014/main" val="10004"/>
                   </a:ext>
                 </a:extLst>
               </a:tr>
@@ -31800,14 +35429,14 @@
                 <a:gridCol w="1440160">
                   <a:extLst>
                     <a:ext uri="{9D8B030D-6E8A-4147-A177-3AD203B41FA5}">
-                      <a16:colId xmlns:a16="http://schemas.microsoft.com/office/drawing/2014/main" xmlns="" val="20000"/>
+                      <a16:colId xmlns:a16="http://schemas.microsoft.com/office/drawing/2014/main" val="20000"/>
                     </a:ext>
                   </a:extLst>
                 </a:gridCol>
                 <a:gridCol w="1440160">
                   <a:extLst>
                     <a:ext uri="{9D8B030D-6E8A-4147-A177-3AD203B41FA5}">
-                      <a16:colId xmlns:a16="http://schemas.microsoft.com/office/drawing/2014/main" xmlns="" val="20001"/>
+                      <a16:colId xmlns:a16="http://schemas.microsoft.com/office/drawing/2014/main" val="20001"/>
                     </a:ext>
                   </a:extLst>
                 </a:gridCol>
@@ -31861,7 +35490,7 @@
                 </a:tc>
                 <a:extLst>
                   <a:ext uri="{0D108BD9-81ED-4DB2-BD59-A6C34878D82A}">
-                    <a16:rowId xmlns:a16="http://schemas.microsoft.com/office/drawing/2014/main" xmlns="" val="10000"/>
+                    <a16:rowId xmlns:a16="http://schemas.microsoft.com/office/drawing/2014/main" val="10000"/>
                   </a:ext>
                 </a:extLst>
               </a:tr>
@@ -31926,7 +35555,7 @@
                 </a:tc>
                 <a:extLst>
                   <a:ext uri="{0D108BD9-81ED-4DB2-BD59-A6C34878D82A}">
-                    <a16:rowId xmlns:a16="http://schemas.microsoft.com/office/drawing/2014/main" xmlns="" val="10001"/>
+                    <a16:rowId xmlns:a16="http://schemas.microsoft.com/office/drawing/2014/main" val="10001"/>
                   </a:ext>
                 </a:extLst>
               </a:tr>
@@ -31991,7 +35620,7 @@
                 </a:tc>
                 <a:extLst>
                   <a:ext uri="{0D108BD9-81ED-4DB2-BD59-A6C34878D82A}">
-                    <a16:rowId xmlns:a16="http://schemas.microsoft.com/office/drawing/2014/main" xmlns="" val="10002"/>
+                    <a16:rowId xmlns:a16="http://schemas.microsoft.com/office/drawing/2014/main" val="10002"/>
                   </a:ext>
                 </a:extLst>
               </a:tr>

--- a/Swift세미나자료.pptx
+++ b/Swift세미나자료.pptx
@@ -69,6 +69,17 @@
     <p:sldId id="314" r:id="rId63"/>
     <p:sldId id="315" r:id="rId64"/>
     <p:sldId id="316" r:id="rId65"/>
+    <p:sldId id="324" r:id="rId66"/>
+    <p:sldId id="325" r:id="rId67"/>
+    <p:sldId id="326" r:id="rId68"/>
+    <p:sldId id="327" r:id="rId69"/>
+    <p:sldId id="328" r:id="rId70"/>
+    <p:sldId id="329" r:id="rId71"/>
+    <p:sldId id="330" r:id="rId72"/>
+    <p:sldId id="332" r:id="rId73"/>
+    <p:sldId id="333" r:id="rId74"/>
+    <p:sldId id="334" r:id="rId75"/>
+    <p:sldId id="335" r:id="rId76"/>
   </p:sldIdLst>
   <p:sldSz cx="9144000" cy="6858000" type="screen4x3"/>
   <p:notesSz cx="6858000" cy="9144000"/>
@@ -184,6 +195,18 @@
     </p:ext>
   </p:extLst>
 </p:presentation>
+</file>
+
+<file path=ppt/commentAuthors.xml><?xml version="1.0" encoding="utf-8"?>
+<p:cmAuthorLst xmlns:a="http://schemas.openxmlformats.org/drawingml/2006/main" xmlns:r="http://schemas.openxmlformats.org/officeDocument/2006/relationships" xmlns:p="http://schemas.openxmlformats.org/presentationml/2006/main">
+  <p:cmAuthor id="1" name="Kyoungho Choi" initials="KC" lastIdx="1" clrIdx="0">
+    <p:extLst>
+      <p:ext uri="{19B8F6BF-5375-455C-9EA6-DF929625EA0E}">
+        <p15:presenceInfo xmlns:p15="http://schemas.microsoft.com/office/powerpoint/2012/main" userId="4f68918042eb8058" providerId="Windows Live"/>
+      </p:ext>
+    </p:extLst>
+  </p:cmAuthor>
+</p:cmAuthorLst>
 </file>
 
 <file path=ppt/slideLayouts/slideLayout1.xml><?xml version="1.0" encoding="utf-8"?>
@@ -5739,7 +5762,11 @@
             <a:pPr lvl="4" eaLnBrk="1" latinLnBrk="0" hangingPunct="1"/>
             <a:r>
               <a:rPr kumimoji="0" lang="ko-KR" altLang="en-US" dirty="0" smtClean="0"/>
-              <a:t>다섯째 수준</a:t>
+              <a:t>다섯째 </a:t>
+            </a:r>
+            <a:r>
+              <a:rPr kumimoji="0" lang="ko-KR" altLang="en-US" dirty="0" smtClean="0"/>
+              <a:t>수준</a:t>
             </a:r>
             <a:endParaRPr kumimoji="0" lang="en-US" dirty="0"/>
           </a:p>
@@ -6413,14 +6440,14 @@
                 <a:gridCol w="1440160">
                   <a:extLst>
                     <a:ext uri="{9D8B030D-6E8A-4147-A177-3AD203B41FA5}">
-                      <a16:colId xmlns:a16="http://schemas.microsoft.com/office/drawing/2014/main" xmlns="" val="20000"/>
+                      <a16:colId xmlns:a16="http://schemas.microsoft.com/office/drawing/2014/main" val="20000"/>
                     </a:ext>
                   </a:extLst>
                 </a:gridCol>
                 <a:gridCol w="1440160">
                   <a:extLst>
                     <a:ext uri="{9D8B030D-6E8A-4147-A177-3AD203B41FA5}">
-                      <a16:colId xmlns:a16="http://schemas.microsoft.com/office/drawing/2014/main" xmlns="" val="20001"/>
+                      <a16:colId xmlns:a16="http://schemas.microsoft.com/office/drawing/2014/main" val="20001"/>
                     </a:ext>
                   </a:extLst>
                 </a:gridCol>
@@ -6474,7 +6501,7 @@
                 </a:tc>
                 <a:extLst>
                   <a:ext uri="{0D108BD9-81ED-4DB2-BD59-A6C34878D82A}">
-                    <a16:rowId xmlns:a16="http://schemas.microsoft.com/office/drawing/2014/main" xmlns="" val="10000"/>
+                    <a16:rowId xmlns:a16="http://schemas.microsoft.com/office/drawing/2014/main" val="10000"/>
                   </a:ext>
                 </a:extLst>
               </a:tr>
@@ -6539,7 +6566,7 @@
                 </a:tc>
                 <a:extLst>
                   <a:ext uri="{0D108BD9-81ED-4DB2-BD59-A6C34878D82A}">
-                    <a16:rowId xmlns:a16="http://schemas.microsoft.com/office/drawing/2014/main" xmlns="" val="10001"/>
+                    <a16:rowId xmlns:a16="http://schemas.microsoft.com/office/drawing/2014/main" val="10001"/>
                   </a:ext>
                 </a:extLst>
               </a:tr>
@@ -6841,14 +6868,14 @@
                 <a:gridCol w="1980220">
                   <a:extLst>
                     <a:ext uri="{9D8B030D-6E8A-4147-A177-3AD203B41FA5}">
-                      <a16:colId xmlns:a16="http://schemas.microsoft.com/office/drawing/2014/main" xmlns="" val="20000"/>
+                      <a16:colId xmlns:a16="http://schemas.microsoft.com/office/drawing/2014/main" val="20000"/>
                     </a:ext>
                   </a:extLst>
                 </a:gridCol>
                 <a:gridCol w="1980220">
                   <a:extLst>
                     <a:ext uri="{9D8B030D-6E8A-4147-A177-3AD203B41FA5}">
-                      <a16:colId xmlns:a16="http://schemas.microsoft.com/office/drawing/2014/main" xmlns="" val="20001"/>
+                      <a16:colId xmlns:a16="http://schemas.microsoft.com/office/drawing/2014/main" val="20001"/>
                     </a:ext>
                   </a:extLst>
                 </a:gridCol>
@@ -6924,7 +6951,7 @@
                 </a:tc>
                 <a:extLst>
                   <a:ext uri="{0D108BD9-81ED-4DB2-BD59-A6C34878D82A}">
-                    <a16:rowId xmlns:a16="http://schemas.microsoft.com/office/drawing/2014/main" xmlns="" val="10000"/>
+                    <a16:rowId xmlns:a16="http://schemas.microsoft.com/office/drawing/2014/main" val="10000"/>
                   </a:ext>
                 </a:extLst>
               </a:tr>
@@ -6989,7 +7016,7 @@
                 </a:tc>
                 <a:extLst>
                   <a:ext uri="{0D108BD9-81ED-4DB2-BD59-A6C34878D82A}">
-                    <a16:rowId xmlns:a16="http://schemas.microsoft.com/office/drawing/2014/main" xmlns="" val="10001"/>
+                    <a16:rowId xmlns:a16="http://schemas.microsoft.com/office/drawing/2014/main" val="10001"/>
                   </a:ext>
                 </a:extLst>
               </a:tr>
@@ -7251,7 +7278,7 @@
           <a:graphicData uri="http://schemas.openxmlformats.org/presentationml/2006/ole">
             <mc:AlternateContent xmlns:mc="http://schemas.openxmlformats.org/markup-compatibility/2006">
               <mc:Choice xmlns:v="urn:schemas-microsoft-com:vml" Requires="v">
-                <p:oleObj spid="_x0000_s1119" name="포장기 셸 개체" showAsIcon="1" r:id="rId3" imgW="1154880" imgH="604800" progId="Package">
+                <p:oleObj spid="_x0000_s1122" name="포장기 셸 개체" showAsIcon="1" r:id="rId3" imgW="1154880" imgH="604800" progId="Package">
                   <p:embed/>
                 </p:oleObj>
               </mc:Choice>
@@ -7854,7 +7881,7 @@
           <a:graphicData uri="http://schemas.openxmlformats.org/presentationml/2006/ole">
             <mc:AlternateContent xmlns:mc="http://schemas.openxmlformats.org/markup-compatibility/2006">
               <mc:Choice xmlns:v="urn:schemas-microsoft-com:vml" Requires="v">
-                <p:oleObj spid="_x0000_s2143" name="포장기 셸 개체" showAsIcon="1" r:id="rId3" imgW="1154880" imgH="604800" progId="Package">
+                <p:oleObj spid="_x0000_s2146" name="포장기 셸 개체" showAsIcon="1" r:id="rId3" imgW="1154880" imgH="604800" progId="Package">
                   <p:embed/>
                 </p:oleObj>
               </mc:Choice>
@@ -8834,7 +8861,7 @@
           <a:graphicData uri="http://schemas.openxmlformats.org/presentationml/2006/ole">
             <mc:AlternateContent xmlns:mc="http://schemas.openxmlformats.org/markup-compatibility/2006">
               <mc:Choice xmlns:v="urn:schemas-microsoft-com:vml" Requires="v">
-                <p:oleObj spid="_x0000_s3166" name="포장기 셸 개체" showAsIcon="1" r:id="rId3" imgW="1154880" imgH="604800" progId="Package">
+                <p:oleObj spid="_x0000_s3169" name="포장기 셸 개체" showAsIcon="1" r:id="rId3" imgW="1154880" imgH="604800" progId="Package">
                   <p:embed/>
                 </p:oleObj>
               </mc:Choice>
@@ -13591,28 +13618,28 @@
                 <a:gridCol w="936104">
                   <a:extLst>
                     <a:ext uri="{9D8B030D-6E8A-4147-A177-3AD203B41FA5}">
-                      <a16:colId xmlns:a16="http://schemas.microsoft.com/office/drawing/2014/main" xmlns="" val="20000"/>
+                      <a16:colId xmlns:a16="http://schemas.microsoft.com/office/drawing/2014/main" val="20000"/>
                     </a:ext>
                   </a:extLst>
                 </a:gridCol>
                 <a:gridCol w="1512168">
                   <a:extLst>
                     <a:ext uri="{9D8B030D-6E8A-4147-A177-3AD203B41FA5}">
-                      <a16:colId xmlns:a16="http://schemas.microsoft.com/office/drawing/2014/main" xmlns="" val="20001"/>
+                      <a16:colId xmlns:a16="http://schemas.microsoft.com/office/drawing/2014/main" val="20001"/>
                     </a:ext>
                   </a:extLst>
                 </a:gridCol>
                 <a:gridCol w="4968552">
                   <a:extLst>
                     <a:ext uri="{9D8B030D-6E8A-4147-A177-3AD203B41FA5}">
-                      <a16:colId xmlns:a16="http://schemas.microsoft.com/office/drawing/2014/main" xmlns="" val="20002"/>
+                      <a16:colId xmlns:a16="http://schemas.microsoft.com/office/drawing/2014/main" val="20002"/>
                     </a:ext>
                   </a:extLst>
                 </a:gridCol>
                 <a:gridCol w="1008112">
                   <a:extLst>
                     <a:ext uri="{9D8B030D-6E8A-4147-A177-3AD203B41FA5}">
-                      <a16:colId xmlns:a16="http://schemas.microsoft.com/office/drawing/2014/main" xmlns="" val="20003"/>
+                      <a16:colId xmlns:a16="http://schemas.microsoft.com/office/drawing/2014/main" val="20003"/>
                     </a:ext>
                   </a:extLst>
                 </a:gridCol>
@@ -13692,7 +13719,7 @@
                 </a:tc>
                 <a:extLst>
                   <a:ext uri="{0D108BD9-81ED-4DB2-BD59-A6C34878D82A}">
-                    <a16:rowId xmlns:a16="http://schemas.microsoft.com/office/drawing/2014/main" xmlns="" val="10000"/>
+                    <a16:rowId xmlns:a16="http://schemas.microsoft.com/office/drawing/2014/main" val="10000"/>
                   </a:ext>
                 </a:extLst>
               </a:tr>
@@ -13930,7 +13957,7 @@
                 </a:tc>
                 <a:extLst>
                   <a:ext uri="{0D108BD9-81ED-4DB2-BD59-A6C34878D82A}">
-                    <a16:rowId xmlns:a16="http://schemas.microsoft.com/office/drawing/2014/main" xmlns="" val="10001"/>
+                    <a16:rowId xmlns:a16="http://schemas.microsoft.com/office/drawing/2014/main" val="10001"/>
                   </a:ext>
                 </a:extLst>
               </a:tr>
@@ -14184,7 +14211,7 @@
                 </a:tc>
                 <a:extLst>
                   <a:ext uri="{0D108BD9-81ED-4DB2-BD59-A6C34878D82A}">
-                    <a16:rowId xmlns:a16="http://schemas.microsoft.com/office/drawing/2014/main" xmlns="" val="10002"/>
+                    <a16:rowId xmlns:a16="http://schemas.microsoft.com/office/drawing/2014/main" val="10002"/>
                   </a:ext>
                 </a:extLst>
               </a:tr>
@@ -14754,28 +14781,28 @@
                 <a:gridCol w="936104">
                   <a:extLst>
                     <a:ext uri="{9D8B030D-6E8A-4147-A177-3AD203B41FA5}">
-                      <a16:colId xmlns:a16="http://schemas.microsoft.com/office/drawing/2014/main" xmlns="" val="20000"/>
+                      <a16:colId xmlns:a16="http://schemas.microsoft.com/office/drawing/2014/main" val="20000"/>
                     </a:ext>
                   </a:extLst>
                 </a:gridCol>
                 <a:gridCol w="1512168">
                   <a:extLst>
                     <a:ext uri="{9D8B030D-6E8A-4147-A177-3AD203B41FA5}">
-                      <a16:colId xmlns:a16="http://schemas.microsoft.com/office/drawing/2014/main" xmlns="" val="20001"/>
+                      <a16:colId xmlns:a16="http://schemas.microsoft.com/office/drawing/2014/main" val="20001"/>
                     </a:ext>
                   </a:extLst>
                 </a:gridCol>
                 <a:gridCol w="4968552">
                   <a:extLst>
                     <a:ext uri="{9D8B030D-6E8A-4147-A177-3AD203B41FA5}">
-                      <a16:colId xmlns:a16="http://schemas.microsoft.com/office/drawing/2014/main" xmlns="" val="20002"/>
+                      <a16:colId xmlns:a16="http://schemas.microsoft.com/office/drawing/2014/main" val="20002"/>
                     </a:ext>
                   </a:extLst>
                 </a:gridCol>
                 <a:gridCol w="1008112">
                   <a:extLst>
                     <a:ext uri="{9D8B030D-6E8A-4147-A177-3AD203B41FA5}">
-                      <a16:colId xmlns:a16="http://schemas.microsoft.com/office/drawing/2014/main" xmlns="" val="20003"/>
+                      <a16:colId xmlns:a16="http://schemas.microsoft.com/office/drawing/2014/main" val="20003"/>
                     </a:ext>
                   </a:extLst>
                 </a:gridCol>
@@ -14855,7 +14882,7 @@
                 </a:tc>
                 <a:extLst>
                   <a:ext uri="{0D108BD9-81ED-4DB2-BD59-A6C34878D82A}">
-                    <a16:rowId xmlns:a16="http://schemas.microsoft.com/office/drawing/2014/main" xmlns="" val="10000"/>
+                    <a16:rowId xmlns:a16="http://schemas.microsoft.com/office/drawing/2014/main" val="10000"/>
                   </a:ext>
                 </a:extLst>
               </a:tr>
@@ -15119,7 +15146,7 @@
                 </a:tc>
                 <a:extLst>
                   <a:ext uri="{0D108BD9-81ED-4DB2-BD59-A6C34878D82A}">
-                    <a16:rowId xmlns:a16="http://schemas.microsoft.com/office/drawing/2014/main" xmlns="" val="10001"/>
+                    <a16:rowId xmlns:a16="http://schemas.microsoft.com/office/drawing/2014/main" val="10001"/>
                   </a:ext>
                 </a:extLst>
               </a:tr>
@@ -15412,7 +15439,7 @@
                 </a:tc>
                 <a:extLst>
                   <a:ext uri="{0D108BD9-81ED-4DB2-BD59-A6C34878D82A}">
-                    <a16:rowId xmlns:a16="http://schemas.microsoft.com/office/drawing/2014/main" xmlns="" val="10002"/>
+                    <a16:rowId xmlns:a16="http://schemas.microsoft.com/office/drawing/2014/main" val="10002"/>
                   </a:ext>
                 </a:extLst>
               </a:tr>
@@ -15627,7 +15654,7 @@
                 </a:tc>
                 <a:extLst>
                   <a:ext uri="{0D108BD9-81ED-4DB2-BD59-A6C34878D82A}">
-                    <a16:rowId xmlns:a16="http://schemas.microsoft.com/office/drawing/2014/main" xmlns="" val="10003"/>
+                    <a16:rowId xmlns:a16="http://schemas.microsoft.com/office/drawing/2014/main" val="10003"/>
                   </a:ext>
                 </a:extLst>
               </a:tr>
@@ -16244,28 +16271,28 @@
                 <a:gridCol w="936104">
                   <a:extLst>
                     <a:ext uri="{9D8B030D-6E8A-4147-A177-3AD203B41FA5}">
-                      <a16:colId xmlns:a16="http://schemas.microsoft.com/office/drawing/2014/main" xmlns="" val="20000"/>
+                      <a16:colId xmlns:a16="http://schemas.microsoft.com/office/drawing/2014/main" val="20000"/>
                     </a:ext>
                   </a:extLst>
                 </a:gridCol>
                 <a:gridCol w="1512168">
                   <a:extLst>
                     <a:ext uri="{9D8B030D-6E8A-4147-A177-3AD203B41FA5}">
-                      <a16:colId xmlns:a16="http://schemas.microsoft.com/office/drawing/2014/main" xmlns="" val="20001"/>
+                      <a16:colId xmlns:a16="http://schemas.microsoft.com/office/drawing/2014/main" val="20001"/>
                     </a:ext>
                   </a:extLst>
                 </a:gridCol>
                 <a:gridCol w="4968552">
                   <a:extLst>
                     <a:ext uri="{9D8B030D-6E8A-4147-A177-3AD203B41FA5}">
-                      <a16:colId xmlns:a16="http://schemas.microsoft.com/office/drawing/2014/main" xmlns="" val="20002"/>
+                      <a16:colId xmlns:a16="http://schemas.microsoft.com/office/drawing/2014/main" val="20002"/>
                     </a:ext>
                   </a:extLst>
                 </a:gridCol>
                 <a:gridCol w="1008112">
                   <a:extLst>
                     <a:ext uri="{9D8B030D-6E8A-4147-A177-3AD203B41FA5}">
-                      <a16:colId xmlns:a16="http://schemas.microsoft.com/office/drawing/2014/main" xmlns="" val="20003"/>
+                      <a16:colId xmlns:a16="http://schemas.microsoft.com/office/drawing/2014/main" val="20003"/>
                     </a:ext>
                   </a:extLst>
                 </a:gridCol>
@@ -16345,7 +16372,7 @@
                 </a:tc>
                 <a:extLst>
                   <a:ext uri="{0D108BD9-81ED-4DB2-BD59-A6C34878D82A}">
-                    <a16:rowId xmlns:a16="http://schemas.microsoft.com/office/drawing/2014/main" xmlns="" val="10000"/>
+                    <a16:rowId xmlns:a16="http://schemas.microsoft.com/office/drawing/2014/main" val="10000"/>
                   </a:ext>
                 </a:extLst>
               </a:tr>
@@ -16531,7 +16558,7 @@
                 </a:tc>
                 <a:extLst>
                   <a:ext uri="{0D108BD9-81ED-4DB2-BD59-A6C34878D82A}">
-                    <a16:rowId xmlns:a16="http://schemas.microsoft.com/office/drawing/2014/main" xmlns="" val="10001"/>
+                    <a16:rowId xmlns:a16="http://schemas.microsoft.com/office/drawing/2014/main" val="10001"/>
                   </a:ext>
                 </a:extLst>
               </a:tr>
@@ -16717,7 +16744,7 @@
                 </a:tc>
                 <a:extLst>
                   <a:ext uri="{0D108BD9-81ED-4DB2-BD59-A6C34878D82A}">
-                    <a16:rowId xmlns:a16="http://schemas.microsoft.com/office/drawing/2014/main" xmlns="" val="10002"/>
+                    <a16:rowId xmlns:a16="http://schemas.microsoft.com/office/drawing/2014/main" val="10002"/>
                   </a:ext>
                 </a:extLst>
               </a:tr>
@@ -16890,7 +16917,7 @@
                 </a:tc>
                 <a:extLst>
                   <a:ext uri="{0D108BD9-81ED-4DB2-BD59-A6C34878D82A}">
-                    <a16:rowId xmlns:a16="http://schemas.microsoft.com/office/drawing/2014/main" xmlns="" val="10003"/>
+                    <a16:rowId xmlns:a16="http://schemas.microsoft.com/office/drawing/2014/main" val="10003"/>
                   </a:ext>
                 </a:extLst>
               </a:tr>
@@ -17066,7 +17093,7 @@
                 </a:tc>
                 <a:extLst>
                   <a:ext uri="{0D108BD9-81ED-4DB2-BD59-A6C34878D82A}">
-                    <a16:rowId xmlns:a16="http://schemas.microsoft.com/office/drawing/2014/main" xmlns="" val="10004"/>
+                    <a16:rowId xmlns:a16="http://schemas.microsoft.com/office/drawing/2014/main" val="10004"/>
                   </a:ext>
                 </a:extLst>
               </a:tr>
@@ -17398,7 +17425,7 @@
                 </a:tc>
                 <a:extLst>
                   <a:ext uri="{0D108BD9-81ED-4DB2-BD59-A6C34878D82A}">
-                    <a16:rowId xmlns:a16="http://schemas.microsoft.com/office/drawing/2014/main" xmlns="" val="10005"/>
+                    <a16:rowId xmlns:a16="http://schemas.microsoft.com/office/drawing/2014/main" val="10005"/>
                   </a:ext>
                 </a:extLst>
               </a:tr>
@@ -17717,7 +17744,7 @@
                 </a:tc>
                 <a:extLst>
                   <a:ext uri="{0D108BD9-81ED-4DB2-BD59-A6C34878D82A}">
-                    <a16:rowId xmlns:a16="http://schemas.microsoft.com/office/drawing/2014/main" xmlns="" val="10006"/>
+                    <a16:rowId xmlns:a16="http://schemas.microsoft.com/office/drawing/2014/main" val="10006"/>
                   </a:ext>
                 </a:extLst>
               </a:tr>
@@ -22224,7 +22251,7 @@
           <a:graphicData uri="http://schemas.openxmlformats.org/presentationml/2006/ole">
             <mc:AlternateContent xmlns:mc="http://schemas.openxmlformats.org/markup-compatibility/2006">
               <mc:Choice xmlns:v="urn:schemas-microsoft-com:vml" Requires="v">
-                <p:oleObj spid="_x0000_s4141" name="포장기 셸 개체" showAsIcon="1" r:id="rId3" imgW="1154880" imgH="604800" progId="Package">
+                <p:oleObj spid="_x0000_s4144" name="포장기 셸 개체" showAsIcon="1" r:id="rId3" imgW="1154880" imgH="604800" progId="Package">
                   <p:embed/>
                 </p:oleObj>
               </mc:Choice>
@@ -22901,7 +22928,7 @@
           <a:graphicData uri="http://schemas.openxmlformats.org/presentationml/2006/ole">
             <mc:AlternateContent xmlns:mc="http://schemas.openxmlformats.org/markup-compatibility/2006">
               <mc:Choice xmlns:v="urn:schemas-microsoft-com:vml" Requires="v">
-                <p:oleObj spid="_x0000_s5165" name="포장기 셸 개체" showAsIcon="1" r:id="rId3" imgW="1154880" imgH="604800" progId="Package">
+                <p:oleObj spid="_x0000_s5168" name="포장기 셸 개체" showAsIcon="1" r:id="rId3" imgW="1154880" imgH="604800" progId="Package">
                   <p:embed/>
                 </p:oleObj>
               </mc:Choice>
@@ -29368,13 +29395,7 @@
               <a:rPr lang="ko-KR" altLang="en-US" sz="1400" dirty="0" smtClean="0">
                 <a:latin typeface="+mn-ea"/>
               </a:rPr>
-              <a:t>으로 선언하면 변경이 가능하지 </a:t>
-            </a:r>
-            <a:r>
-              <a:rPr lang="ko-KR" altLang="en-US" sz="1400" dirty="0" smtClean="0">
-                <a:latin typeface="+mn-ea"/>
-              </a:rPr>
-              <a:t>않음</a:t>
+              <a:t>으로 선언하면 변경이 가능하지 않음</a:t>
             </a:r>
             <a:endParaRPr lang="en-US" altLang="ko-KR" sz="1400" dirty="0">
               <a:latin typeface="+mn-ea"/>
@@ -31275,13 +31296,7 @@
               <a:rPr lang="en-US" altLang="ko-KR" sz="1400" dirty="0" smtClean="0">
                 <a:latin typeface="+mn-ea"/>
               </a:rPr>
-              <a:t>, </a:t>
-            </a:r>
-            <a:r>
-              <a:rPr lang="en-US" altLang="ko-KR" sz="1400" dirty="0" smtClean="0">
-                <a:latin typeface="+mn-ea"/>
-              </a:rPr>
-              <a:t>sorted()</a:t>
+              <a:t>, sorted()</a:t>
             </a:r>
             <a:r>
               <a:rPr lang="ko-KR" altLang="en-US" sz="1400" dirty="0" smtClean="0">
@@ -35341,13 +35356,7 @@
               <a:rPr lang="ko-KR" altLang="en-US" sz="1400" dirty="0" smtClean="0">
                 <a:latin typeface="+mn-ea"/>
               </a:rPr>
-              <a:t> 각 항목이 </a:t>
-            </a:r>
-            <a:r>
-              <a:rPr lang="ko-KR" altLang="en-US" sz="1400" dirty="0" smtClean="0">
-                <a:latin typeface="+mn-ea"/>
-              </a:rPr>
-              <a:t>연관</a:t>
+              <a:t> 각 항목이 연관</a:t>
             </a:r>
             <a:r>
               <a:rPr lang="en-US" altLang="ko-KR" sz="1400" dirty="0">
@@ -41117,6 +41126,1684 @@
 </p:sld>
 </file>
 
+<file path=ppt/slides/slide65.xml><?xml version="1.0" encoding="utf-8"?>
+<p:sld xmlns:a="http://schemas.openxmlformats.org/drawingml/2006/main" xmlns:r="http://schemas.openxmlformats.org/officeDocument/2006/relationships" xmlns:p="http://schemas.openxmlformats.org/presentationml/2006/main">
+  <p:cSld>
+    <p:spTree>
+      <p:nvGrpSpPr>
+        <p:cNvPr id="1" name=""/>
+        <p:cNvGrpSpPr/>
+        <p:nvPr/>
+      </p:nvGrpSpPr>
+      <p:grpSpPr>
+        <a:xfrm>
+          <a:off x="0" y="0"/>
+          <a:ext cx="0" cy="0"/>
+          <a:chOff x="0" y="0"/>
+          <a:chExt cx="0" cy="0"/>
+        </a:xfrm>
+      </p:grpSpPr>
+      <p:sp>
+        <p:nvSpPr>
+          <p:cNvPr id="2" name="TextBox 1"/>
+          <p:cNvSpPr txBox="1"/>
+          <p:nvPr/>
+        </p:nvSpPr>
+        <p:spPr>
+          <a:xfrm>
+            <a:off x="1964556" y="2937138"/>
+            <a:ext cx="5214889" cy="707886"/>
+          </a:xfrm>
+          <a:prstGeom prst="rect">
+            <a:avLst/>
+          </a:prstGeom>
+          <a:noFill/>
+        </p:spPr>
+        <p:txBody>
+          <a:bodyPr wrap="none" rtlCol="0">
+            <a:spAutoFit/>
+          </a:bodyPr>
+          <a:lstStyle/>
+          <a:p>
+            <a:r>
+              <a:rPr lang="en-US" altLang="ko-KR" sz="4000" dirty="0" smtClean="0">
+                <a:latin typeface="+mn-ea"/>
+              </a:rPr>
+              <a:t>11</a:t>
+            </a:r>
+            <a:r>
+              <a:rPr lang="ko-KR" altLang="en-US" sz="4000" dirty="0" smtClean="0">
+                <a:latin typeface="+mn-ea"/>
+              </a:rPr>
+              <a:t>장 구조체와 클래스</a:t>
+            </a:r>
+            <a:endParaRPr lang="ko-KR" altLang="en-US" sz="4000" dirty="0">
+              <a:latin typeface="+mn-ea"/>
+            </a:endParaRPr>
+          </a:p>
+        </p:txBody>
+      </p:sp>
+      <p:sp>
+        <p:nvSpPr>
+          <p:cNvPr id="3" name="TextBox 2"/>
+          <p:cNvSpPr txBox="1"/>
+          <p:nvPr/>
+        </p:nvSpPr>
+        <p:spPr>
+          <a:xfrm>
+            <a:off x="7092280" y="6525344"/>
+            <a:ext cx="2008820" cy="307777"/>
+          </a:xfrm>
+          <a:prstGeom prst="rect">
+            <a:avLst/>
+          </a:prstGeom>
+          <a:noFill/>
+        </p:spPr>
+        <p:txBody>
+          <a:bodyPr wrap="none" rtlCol="0">
+            <a:spAutoFit/>
+          </a:bodyPr>
+          <a:lstStyle/>
+          <a:p>
+            <a:r>
+              <a:rPr lang="en-US" altLang="ko-KR" sz="1400" dirty="0" smtClean="0">
+                <a:latin typeface="+mn-ea"/>
+              </a:rPr>
+              <a:t>New book: chapter 09</a:t>
+            </a:r>
+            <a:endParaRPr lang="ko-KR" altLang="en-US" sz="1400" dirty="0">
+              <a:latin typeface="+mn-ea"/>
+            </a:endParaRPr>
+          </a:p>
+        </p:txBody>
+      </p:sp>
+    </p:spTree>
+    <p:extLst>
+      <p:ext uri="{BB962C8B-B14F-4D97-AF65-F5344CB8AC3E}">
+        <p14:creationId xmlns:p14="http://schemas.microsoft.com/office/powerpoint/2010/main" val="1178902070"/>
+      </p:ext>
+    </p:extLst>
+  </p:cSld>
+  <p:clrMapOvr>
+    <a:masterClrMapping/>
+  </p:clrMapOvr>
+  <p:timing>
+    <p:tnLst>
+      <p:par>
+        <p:cTn id="1" dur="indefinite" restart="never" nodeType="tmRoot"/>
+      </p:par>
+    </p:tnLst>
+  </p:timing>
+</p:sld>
+</file>
+
+<file path=ppt/slides/slide66.xml><?xml version="1.0" encoding="utf-8"?>
+<p:sld xmlns:a="http://schemas.openxmlformats.org/drawingml/2006/main" xmlns:r="http://schemas.openxmlformats.org/officeDocument/2006/relationships" xmlns:p="http://schemas.openxmlformats.org/presentationml/2006/main">
+  <p:cSld>
+    <p:spTree>
+      <p:nvGrpSpPr>
+        <p:cNvPr id="1" name=""/>
+        <p:cNvGrpSpPr/>
+        <p:nvPr/>
+      </p:nvGrpSpPr>
+      <p:grpSpPr>
+        <a:xfrm>
+          <a:off x="0" y="0"/>
+          <a:ext cx="0" cy="0"/>
+          <a:chOff x="0" y="0"/>
+          <a:chExt cx="0" cy="0"/>
+        </a:xfrm>
+      </p:grpSpPr>
+      <p:sp>
+        <p:nvSpPr>
+          <p:cNvPr id="2" name="제목 1"/>
+          <p:cNvSpPr>
+            <a:spLocks noGrp="1"/>
+          </p:cNvSpPr>
+          <p:nvPr>
+            <p:ph type="title"/>
+          </p:nvPr>
+        </p:nvSpPr>
+        <p:spPr/>
+        <p:txBody>
+          <a:bodyPr/>
+          <a:lstStyle/>
+          <a:p>
+            <a:r>
+              <a:rPr lang="ko-KR" altLang="en-US" dirty="0" smtClean="0"/>
+              <a:t>구조체와 클래스</a:t>
+            </a:r>
+            <a:endParaRPr lang="ko-KR" altLang="en-US" dirty="0"/>
+          </a:p>
+        </p:txBody>
+      </p:sp>
+      <p:sp>
+        <p:nvSpPr>
+          <p:cNvPr id="3" name="내용 개체 틀 2"/>
+          <p:cNvSpPr>
+            <a:spLocks noGrp="1"/>
+          </p:cNvSpPr>
+          <p:nvPr>
+            <p:ph idx="1"/>
+          </p:nvPr>
+        </p:nvSpPr>
+        <p:spPr/>
+        <p:txBody>
+          <a:bodyPr/>
+          <a:lstStyle/>
+          <a:p>
+            <a:r>
+              <a:rPr lang="ko-KR" altLang="en-US" dirty="0" smtClean="0"/>
+              <a:t>구조체</a:t>
+            </a:r>
+            <a:endParaRPr lang="en-US" altLang="ko-KR" dirty="0" smtClean="0"/>
+          </a:p>
+          <a:p>
+            <a:pPr lvl="1"/>
+            <a:r>
+              <a:rPr lang="ko-KR" altLang="en-US" dirty="0" smtClean="0"/>
+              <a:t>구조체 정의</a:t>
+            </a:r>
+            <a:endParaRPr lang="en-US" altLang="ko-KR" dirty="0" smtClean="0"/>
+          </a:p>
+          <a:p>
+            <a:pPr lvl="2"/>
+            <a:r>
+              <a:rPr lang="en-US" altLang="ko-KR" dirty="0" err="1" smtClean="0"/>
+              <a:t>struct</a:t>
+            </a:r>
+            <a:r>
+              <a:rPr lang="en-US" altLang="ko-KR" dirty="0" smtClean="0"/>
+              <a:t> </a:t>
+            </a:r>
+            <a:r>
+              <a:rPr lang="ko-KR" altLang="en-US" dirty="0" smtClean="0"/>
+              <a:t>구조체 이름 </a:t>
+            </a:r>
+            <a:r>
+              <a:rPr lang="en-US" altLang="ko-KR" dirty="0" smtClean="0"/>
+              <a:t>{</a:t>
+            </a:r>
+            <a:br>
+              <a:rPr lang="en-US" altLang="ko-KR" dirty="0" smtClean="0"/>
+            </a:br>
+            <a:r>
+              <a:rPr lang="en-US" altLang="ko-KR" dirty="0" smtClean="0"/>
+              <a:t>   </a:t>
+            </a:r>
+            <a:r>
+              <a:rPr lang="ko-KR" altLang="en-US" dirty="0" err="1" smtClean="0"/>
+              <a:t>프로퍼티</a:t>
+            </a:r>
+            <a:r>
+              <a:rPr lang="en-US" altLang="ko-KR" dirty="0" smtClean="0"/>
+              <a:t/>
+            </a:r>
+            <a:br>
+              <a:rPr lang="en-US" altLang="ko-KR" dirty="0" smtClean="0"/>
+            </a:br>
+            <a:r>
+              <a:rPr lang="en-US" altLang="ko-KR" dirty="0" smtClean="0"/>
+              <a:t>   </a:t>
+            </a:r>
+            <a:r>
+              <a:rPr lang="ko-KR" altLang="en-US" dirty="0" err="1" smtClean="0"/>
+              <a:t>메소드</a:t>
+            </a:r>
+            <a:r>
+              <a:rPr lang="en-US" altLang="ko-KR" dirty="0" smtClean="0"/>
+              <a:t/>
+            </a:r>
+            <a:br>
+              <a:rPr lang="en-US" altLang="ko-KR" dirty="0" smtClean="0"/>
+            </a:br>
+            <a:r>
+              <a:rPr lang="en-US" altLang="ko-KR" dirty="0" smtClean="0"/>
+              <a:t>}</a:t>
+            </a:r>
+          </a:p>
+          <a:p>
+            <a:pPr lvl="2"/>
+            <a:r>
+              <a:rPr lang="ko-KR" altLang="en-US" dirty="0" smtClean="0"/>
+              <a:t>구조체 이름은 대문자 </a:t>
+            </a:r>
+            <a:r>
+              <a:rPr lang="en-US" altLang="ko-KR" dirty="0" err="1" smtClean="0"/>
+              <a:t>CamelCase</a:t>
+            </a:r>
+            <a:r>
+              <a:rPr lang="ko-KR" altLang="en-US" dirty="0" smtClean="0"/>
+              <a:t>로 명명</a:t>
+            </a:r>
+            <a:endParaRPr lang="en-US" altLang="ko-KR" dirty="0" smtClean="0"/>
+          </a:p>
+          <a:p>
+            <a:pPr lvl="2"/>
+            <a:r>
+              <a:rPr lang="ko-KR" altLang="en-US" dirty="0" err="1" smtClean="0"/>
+              <a:t>프로퍼티</a:t>
+            </a:r>
+            <a:r>
+              <a:rPr lang="en-US" altLang="ko-KR" dirty="0" smtClean="0"/>
+              <a:t> </a:t>
+            </a:r>
+            <a:r>
+              <a:rPr lang="ko-KR" altLang="en-US" dirty="0" smtClean="0"/>
+              <a:t>및 </a:t>
+            </a:r>
+            <a:r>
+              <a:rPr lang="ko-KR" altLang="en-US" dirty="0" err="1" smtClean="0"/>
+              <a:t>메소드는</a:t>
+            </a:r>
+            <a:r>
+              <a:rPr lang="ko-KR" altLang="en-US" dirty="0" smtClean="0"/>
+              <a:t> 소문자 </a:t>
+            </a:r>
+            <a:r>
+              <a:rPr lang="en-US" altLang="ko-KR" dirty="0" err="1" smtClean="0"/>
+              <a:t>camel</a:t>
+            </a:r>
+            <a:r>
+              <a:rPr lang="en-US" altLang="ko-KR" dirty="0" err="1"/>
+              <a:t>C</a:t>
+            </a:r>
+            <a:r>
+              <a:rPr lang="en-US" altLang="ko-KR" dirty="0" err="1" smtClean="0"/>
+              <a:t>ase</a:t>
+            </a:r>
+            <a:r>
+              <a:rPr lang="ko-KR" altLang="en-US" dirty="0" smtClean="0"/>
+              <a:t>로 명</a:t>
+            </a:r>
+            <a:endParaRPr lang="en-US" altLang="ko-KR" dirty="0" smtClean="0"/>
+          </a:p>
+          <a:p>
+            <a:pPr lvl="2"/>
+            <a:endParaRPr lang="en-US" altLang="ko-KR" dirty="0"/>
+          </a:p>
+          <a:p>
+            <a:pPr lvl="1"/>
+            <a:r>
+              <a:rPr lang="ko-KR" altLang="en-US" dirty="0" smtClean="0"/>
+              <a:t>생성 및 초기화</a:t>
+            </a:r>
+            <a:endParaRPr lang="en-US" altLang="ko-KR" dirty="0" smtClean="0"/>
+          </a:p>
+          <a:p>
+            <a:pPr lvl="2"/>
+            <a:r>
+              <a:rPr lang="ko-KR" altLang="en-US" dirty="0" err="1" smtClean="0"/>
+              <a:t>프로퍼티</a:t>
+            </a:r>
+            <a:r>
+              <a:rPr lang="ko-KR" altLang="en-US" dirty="0" smtClean="0"/>
+              <a:t> 이름으로 자동 생성된 </a:t>
+            </a:r>
+            <a:r>
+              <a:rPr lang="ko-KR" altLang="en-US" dirty="0" err="1" smtClean="0"/>
+              <a:t>이니셜라이저</a:t>
+            </a:r>
+            <a:endParaRPr lang="en-US" altLang="ko-KR" dirty="0" smtClean="0"/>
+          </a:p>
+          <a:p>
+            <a:pPr lvl="2"/>
+            <a:r>
+              <a:rPr lang="ko-KR" altLang="en-US" dirty="0" smtClean="0"/>
+              <a:t>구조체 이름</a:t>
+            </a:r>
+            <a:r>
+              <a:rPr lang="en-US" altLang="ko-KR" dirty="0" smtClean="0"/>
+              <a:t>(</a:t>
+            </a:r>
+            <a:r>
+              <a:rPr lang="ko-KR" altLang="en-US" dirty="0" err="1" smtClean="0"/>
+              <a:t>프로퍼티</a:t>
+            </a:r>
+            <a:r>
+              <a:rPr lang="en-US" altLang="ko-KR" dirty="0" smtClean="0"/>
+              <a:t>: “</a:t>
+            </a:r>
+            <a:r>
+              <a:rPr lang="ko-KR" altLang="en-US" dirty="0" smtClean="0"/>
+              <a:t>값</a:t>
+            </a:r>
+            <a:r>
+              <a:rPr lang="en-US" altLang="ko-KR" dirty="0" smtClean="0"/>
+              <a:t>”, </a:t>
+            </a:r>
+            <a:r>
+              <a:rPr lang="ko-KR" altLang="en-US" dirty="0" err="1" smtClean="0"/>
+              <a:t>프로퍼티</a:t>
+            </a:r>
+            <a:r>
+              <a:rPr lang="en-US" altLang="ko-KR" dirty="0" smtClean="0"/>
+              <a:t>: “</a:t>
+            </a:r>
+            <a:r>
+              <a:rPr lang="ko-KR" altLang="en-US" dirty="0" smtClean="0"/>
+              <a:t>값</a:t>
+            </a:r>
+            <a:r>
+              <a:rPr lang="en-US" altLang="ko-KR" dirty="0" smtClean="0"/>
+              <a:t>”……..)</a:t>
+            </a:r>
+          </a:p>
+          <a:p>
+            <a:pPr lvl="2"/>
+            <a:endParaRPr lang="en-US" altLang="ko-KR" dirty="0"/>
+          </a:p>
+          <a:p>
+            <a:pPr lvl="2"/>
+            <a:r>
+              <a:rPr lang="en-US" altLang="ko-KR" dirty="0" smtClean="0"/>
+              <a:t>ex)</a:t>
+            </a:r>
+            <a:br>
+              <a:rPr lang="en-US" altLang="ko-KR" dirty="0" smtClean="0"/>
+            </a:br>
+            <a:endParaRPr lang="en-US" altLang="ko-KR" dirty="0" smtClean="0"/>
+          </a:p>
+          <a:p>
+            <a:pPr lvl="2"/>
+            <a:endParaRPr lang="en-US" altLang="ko-KR" dirty="0" smtClean="0"/>
+          </a:p>
+          <a:p>
+            <a:pPr lvl="2"/>
+            <a:endParaRPr lang="en-US" altLang="ko-KR" dirty="0" smtClean="0"/>
+          </a:p>
+          <a:p>
+            <a:pPr lvl="1"/>
+            <a:endParaRPr lang="en-US" altLang="ko-KR" dirty="0" smtClean="0"/>
+          </a:p>
+        </p:txBody>
+      </p:sp>
+      <p:sp>
+        <p:nvSpPr>
+          <p:cNvPr id="4" name="TextBox 3"/>
+          <p:cNvSpPr txBox="1"/>
+          <p:nvPr/>
+        </p:nvSpPr>
+        <p:spPr>
+          <a:xfrm>
+            <a:off x="1619672" y="5013176"/>
+            <a:ext cx="7920880" cy="1754326"/>
+          </a:xfrm>
+          <a:prstGeom prst="rect">
+            <a:avLst/>
+          </a:prstGeom>
+          <a:noFill/>
+        </p:spPr>
+        <p:txBody>
+          <a:bodyPr wrap="square" rtlCol="0">
+            <a:spAutoFit/>
+          </a:bodyPr>
+          <a:lstStyle/>
+          <a:p>
+            <a:r>
+              <a:rPr lang="en-US" altLang="ko-KR" dirty="0" err="1" smtClean="0"/>
+              <a:t>struct</a:t>
+            </a:r>
+            <a:r>
+              <a:rPr lang="en-US" altLang="ko-KR" dirty="0" smtClean="0"/>
+              <a:t> </a:t>
+            </a:r>
+            <a:r>
+              <a:rPr lang="en-US" altLang="ko-KR" dirty="0" err="1" smtClean="0">
+                <a:solidFill>
+                  <a:schemeClr val="accent3"/>
+                </a:solidFill>
+              </a:rPr>
+              <a:t>BasicInformation</a:t>
+            </a:r>
+            <a:r>
+              <a:rPr lang="en-US" altLang="ko-KR" dirty="0" smtClean="0"/>
+              <a:t> {</a:t>
+            </a:r>
+            <a:br>
+              <a:rPr lang="en-US" altLang="ko-KR" dirty="0" smtClean="0"/>
+            </a:br>
+            <a:r>
+              <a:rPr lang="en-US" altLang="ko-KR" dirty="0" smtClean="0"/>
+              <a:t>	</a:t>
+            </a:r>
+            <a:r>
+              <a:rPr lang="en-US" altLang="ko-KR" dirty="0" err="1" smtClean="0"/>
+              <a:t>var</a:t>
+            </a:r>
+            <a:r>
+              <a:rPr lang="en-US" altLang="ko-KR" dirty="0" smtClean="0"/>
+              <a:t> </a:t>
+            </a:r>
+            <a:r>
+              <a:rPr lang="en-US" altLang="ko-KR" dirty="0" smtClean="0">
+                <a:solidFill>
+                  <a:schemeClr val="accent2"/>
+                </a:solidFill>
+              </a:rPr>
+              <a:t>name: String</a:t>
+            </a:r>
+            <a:r>
+              <a:rPr lang="en-US" altLang="ko-KR" dirty="0" smtClean="0"/>
+              <a:t>	</a:t>
+            </a:r>
+            <a:r>
+              <a:rPr lang="en-US" altLang="ko-KR" dirty="0" smtClean="0">
+                <a:solidFill>
+                  <a:schemeClr val="accent6"/>
+                </a:solidFill>
+              </a:rPr>
+              <a:t>// properties</a:t>
+            </a:r>
+            <a:r>
+              <a:rPr lang="en-US" altLang="ko-KR" dirty="0" smtClean="0"/>
+              <a:t/>
+            </a:r>
+            <a:br>
+              <a:rPr lang="en-US" altLang="ko-KR" dirty="0" smtClean="0"/>
+            </a:br>
+            <a:r>
+              <a:rPr lang="en-US" altLang="ko-KR" dirty="0" smtClean="0"/>
+              <a:t>	</a:t>
+            </a:r>
+            <a:r>
+              <a:rPr lang="en-US" altLang="ko-KR" dirty="0" err="1" smtClean="0"/>
+              <a:t>var</a:t>
+            </a:r>
+            <a:r>
+              <a:rPr lang="en-US" altLang="ko-KR" dirty="0" smtClean="0"/>
+              <a:t> </a:t>
+            </a:r>
+            <a:r>
+              <a:rPr lang="en-US" altLang="ko-KR" dirty="0" smtClean="0">
+                <a:solidFill>
+                  <a:schemeClr val="accent2"/>
+                </a:solidFill>
+              </a:rPr>
+              <a:t>age: </a:t>
+            </a:r>
+            <a:r>
+              <a:rPr lang="en-US" altLang="ko-KR" dirty="0" err="1" smtClean="0">
+                <a:solidFill>
+                  <a:schemeClr val="accent2"/>
+                </a:solidFill>
+              </a:rPr>
+              <a:t>Int</a:t>
+            </a:r>
+            <a:r>
+              <a:rPr lang="en-US" altLang="ko-KR" dirty="0" smtClean="0">
+                <a:solidFill>
+                  <a:schemeClr val="accent2"/>
+                </a:solidFill>
+              </a:rPr>
+              <a:t/>
+            </a:r>
+            <a:br>
+              <a:rPr lang="en-US" altLang="ko-KR" dirty="0" smtClean="0">
+                <a:solidFill>
+                  <a:schemeClr val="accent2"/>
+                </a:solidFill>
+              </a:rPr>
+            </a:br>
+            <a:r>
+              <a:rPr lang="en-US" altLang="ko-KR" dirty="0" smtClean="0"/>
+              <a:t>}</a:t>
+            </a:r>
+          </a:p>
+          <a:p>
+            <a:endParaRPr lang="en-US" altLang="ko-KR" dirty="0"/>
+          </a:p>
+          <a:p>
+            <a:r>
+              <a:rPr lang="en-US" altLang="ko-KR" dirty="0" err="1" smtClean="0"/>
+              <a:t>var</a:t>
+            </a:r>
+            <a:r>
+              <a:rPr lang="en-US" altLang="ko-KR" dirty="0" smtClean="0"/>
+              <a:t> </a:t>
+            </a:r>
+            <a:r>
+              <a:rPr lang="en-US" altLang="ko-KR" dirty="0" err="1" smtClean="0"/>
+              <a:t>myInfo</a:t>
+            </a:r>
+            <a:r>
+              <a:rPr lang="en-US" altLang="ko-KR" dirty="0" smtClean="0"/>
+              <a:t>: </a:t>
+            </a:r>
+            <a:r>
+              <a:rPr lang="en-US" altLang="ko-KR" dirty="0" err="1" smtClean="0"/>
+              <a:t>BasicInformation</a:t>
+            </a:r>
+            <a:r>
+              <a:rPr lang="en-US" altLang="ko-KR" dirty="0" smtClean="0"/>
+              <a:t> = </a:t>
+            </a:r>
+            <a:r>
+              <a:rPr lang="en-US" altLang="ko-KR" dirty="0" err="1" smtClean="0">
+                <a:solidFill>
+                  <a:schemeClr val="accent3"/>
+                </a:solidFill>
+              </a:rPr>
+              <a:t>BasicInformation</a:t>
+            </a:r>
+            <a:r>
+              <a:rPr lang="en-US" altLang="ko-KR" dirty="0" smtClean="0">
+                <a:solidFill>
+                  <a:schemeClr val="accent2"/>
+                </a:solidFill>
+              </a:rPr>
+              <a:t>(name: “Kyoungho”, age: 30)</a:t>
+            </a:r>
+            <a:endParaRPr lang="ko-KR" altLang="en-US" dirty="0">
+              <a:solidFill>
+                <a:schemeClr val="accent2"/>
+              </a:solidFill>
+            </a:endParaRPr>
+          </a:p>
+        </p:txBody>
+      </p:sp>
+    </p:spTree>
+    <p:extLst>
+      <p:ext uri="{BB962C8B-B14F-4D97-AF65-F5344CB8AC3E}">
+        <p14:creationId xmlns:p14="http://schemas.microsoft.com/office/powerpoint/2010/main" val="4022816183"/>
+      </p:ext>
+    </p:extLst>
+  </p:cSld>
+  <p:clrMapOvr>
+    <a:masterClrMapping/>
+  </p:clrMapOvr>
+</p:sld>
+</file>
+
+<file path=ppt/slides/slide67.xml><?xml version="1.0" encoding="utf-8"?>
+<p:sld xmlns:a="http://schemas.openxmlformats.org/drawingml/2006/main" xmlns:r="http://schemas.openxmlformats.org/officeDocument/2006/relationships" xmlns:p="http://schemas.openxmlformats.org/presentationml/2006/main">
+  <p:cSld>
+    <p:spTree>
+      <p:nvGrpSpPr>
+        <p:cNvPr id="1" name=""/>
+        <p:cNvGrpSpPr/>
+        <p:nvPr/>
+      </p:nvGrpSpPr>
+      <p:grpSpPr>
+        <a:xfrm>
+          <a:off x="0" y="0"/>
+          <a:ext cx="0" cy="0"/>
+          <a:chOff x="0" y="0"/>
+          <a:chExt cx="0" cy="0"/>
+        </a:xfrm>
+      </p:grpSpPr>
+      <p:sp>
+        <p:nvSpPr>
+          <p:cNvPr id="2" name="제목 1"/>
+          <p:cNvSpPr>
+            <a:spLocks noGrp="1"/>
+          </p:cNvSpPr>
+          <p:nvPr>
+            <p:ph type="title"/>
+          </p:nvPr>
+        </p:nvSpPr>
+        <p:spPr/>
+        <p:txBody>
+          <a:bodyPr/>
+          <a:lstStyle/>
+          <a:p>
+            <a:r>
+              <a:rPr lang="ko-KR" altLang="en-US" dirty="0" smtClean="0"/>
+              <a:t>구조체와 클래스</a:t>
+            </a:r>
+            <a:endParaRPr lang="ko-KR" altLang="en-US" dirty="0"/>
+          </a:p>
+        </p:txBody>
+      </p:sp>
+      <p:sp>
+        <p:nvSpPr>
+          <p:cNvPr id="3" name="내용 개체 틀 2"/>
+          <p:cNvSpPr>
+            <a:spLocks noGrp="1"/>
+          </p:cNvSpPr>
+          <p:nvPr>
+            <p:ph idx="1"/>
+          </p:nvPr>
+        </p:nvSpPr>
+        <p:spPr/>
+        <p:txBody>
+          <a:bodyPr>
+            <a:normAutofit/>
+          </a:bodyPr>
+          <a:lstStyle/>
+          <a:p>
+            <a:r>
+              <a:rPr lang="ko-KR" altLang="en-US" dirty="0" smtClean="0"/>
+              <a:t>구조체</a:t>
+            </a:r>
+            <a:endParaRPr lang="en-US" altLang="ko-KR" dirty="0" smtClean="0"/>
+          </a:p>
+          <a:p>
+            <a:pPr lvl="1"/>
+            <a:r>
+              <a:rPr lang="ko-KR" altLang="en-US" dirty="0" err="1" smtClean="0"/>
+              <a:t>프로퍼티</a:t>
+            </a:r>
+            <a:r>
+              <a:rPr lang="ko-KR" altLang="en-US" dirty="0" smtClean="0"/>
+              <a:t> 접근</a:t>
+            </a:r>
+            <a:endParaRPr lang="en-US" altLang="ko-KR" dirty="0" smtClean="0"/>
+          </a:p>
+          <a:p>
+            <a:pPr lvl="2"/>
+            <a:r>
+              <a:rPr lang="ko-KR" altLang="en-US" dirty="0" smtClean="0"/>
+              <a:t>구조체 인스턴스</a:t>
+            </a:r>
+            <a:r>
+              <a:rPr lang="en-US" altLang="ko-KR" sz="1800" b="1" u="sng" dirty="0" smtClean="0">
+                <a:solidFill>
+                  <a:schemeClr val="accent2"/>
+                </a:solidFill>
+              </a:rPr>
+              <a:t>.</a:t>
+            </a:r>
+            <a:r>
+              <a:rPr lang="ko-KR" altLang="en-US" dirty="0" err="1" smtClean="0"/>
+              <a:t>프로퍼티</a:t>
+            </a:r>
+            <a:endParaRPr lang="en-US" altLang="ko-KR" dirty="0" smtClean="0"/>
+          </a:p>
+          <a:p>
+            <a:pPr lvl="2"/>
+            <a:endParaRPr lang="en-US" altLang="ko-KR" dirty="0"/>
+          </a:p>
+          <a:p>
+            <a:pPr lvl="2"/>
+            <a:endParaRPr lang="en-US" altLang="ko-KR" dirty="0" smtClean="0"/>
+          </a:p>
+          <a:p>
+            <a:pPr lvl="2"/>
+            <a:r>
+              <a:rPr lang="ko-KR" altLang="en-US" dirty="0" smtClean="0">
+                <a:solidFill>
+                  <a:schemeClr val="accent6"/>
+                </a:solidFill>
+              </a:rPr>
+              <a:t>구조체 인스턴스가 </a:t>
+            </a:r>
+            <a:r>
+              <a:rPr lang="en-US" altLang="ko-KR" dirty="0" smtClean="0">
+                <a:solidFill>
+                  <a:schemeClr val="accent6"/>
+                </a:solidFill>
+              </a:rPr>
+              <a:t>let </a:t>
+            </a:r>
+            <a:r>
+              <a:rPr lang="ko-KR" altLang="en-US" dirty="0" smtClean="0">
+                <a:solidFill>
+                  <a:schemeClr val="accent6"/>
+                </a:solidFill>
+              </a:rPr>
+              <a:t>으로 선언되었다면 </a:t>
+            </a:r>
+            <a:r>
+              <a:rPr lang="ko-KR" altLang="en-US" dirty="0" err="1" smtClean="0">
+                <a:solidFill>
+                  <a:schemeClr val="accent6"/>
+                </a:solidFill>
+              </a:rPr>
+              <a:t>프로퍼티</a:t>
+            </a:r>
+            <a:r>
+              <a:rPr lang="ko-KR" altLang="en-US" dirty="0" smtClean="0">
+                <a:solidFill>
+                  <a:schemeClr val="accent6"/>
+                </a:solidFill>
+              </a:rPr>
+              <a:t> 변경 불가</a:t>
+            </a:r>
+            <a:endParaRPr lang="en-US" altLang="ko-KR" dirty="0" smtClean="0">
+              <a:solidFill>
+                <a:schemeClr val="accent6"/>
+              </a:solidFill>
+            </a:endParaRPr>
+          </a:p>
+          <a:p>
+            <a:pPr marL="768096" lvl="2" indent="0">
+              <a:buNone/>
+            </a:pPr>
+            <a:endParaRPr lang="en-US" altLang="ko-KR" dirty="0" smtClean="0"/>
+          </a:p>
+          <a:p>
+            <a:pPr lvl="2"/>
+            <a:endParaRPr lang="en-US" altLang="ko-KR" dirty="0" smtClean="0"/>
+          </a:p>
+          <a:p>
+            <a:pPr lvl="1"/>
+            <a:endParaRPr lang="en-US" altLang="ko-KR" dirty="0" smtClean="0"/>
+          </a:p>
+        </p:txBody>
+      </p:sp>
+      <p:sp>
+        <p:nvSpPr>
+          <p:cNvPr id="4" name="TextBox 3"/>
+          <p:cNvSpPr txBox="1"/>
+          <p:nvPr/>
+        </p:nvSpPr>
+        <p:spPr>
+          <a:xfrm>
+            <a:off x="1979712" y="1772816"/>
+            <a:ext cx="5472608" cy="923330"/>
+          </a:xfrm>
+          <a:prstGeom prst="rect">
+            <a:avLst/>
+          </a:prstGeom>
+          <a:noFill/>
+        </p:spPr>
+        <p:txBody>
+          <a:bodyPr wrap="square" rtlCol="0">
+            <a:spAutoFit/>
+          </a:bodyPr>
+          <a:lstStyle/>
+          <a:p>
+            <a:r>
+              <a:rPr lang="en-US" altLang="ko-KR" dirty="0" err="1" smtClean="0"/>
+              <a:t>myInfo</a:t>
+            </a:r>
+            <a:r>
+              <a:rPr lang="en-US" altLang="ko-KR" dirty="0" err="1" smtClean="0">
+                <a:solidFill>
+                  <a:schemeClr val="accent3"/>
+                </a:solidFill>
+              </a:rPr>
+              <a:t>.age</a:t>
+            </a:r>
+            <a:r>
+              <a:rPr lang="en-US" altLang="ko-KR" dirty="0" smtClean="0">
+                <a:solidFill>
+                  <a:schemeClr val="accent3"/>
+                </a:solidFill>
+              </a:rPr>
+              <a:t> </a:t>
+            </a:r>
+            <a:r>
+              <a:rPr lang="en-US" altLang="ko-KR" dirty="0" smtClean="0"/>
+              <a:t>= 27</a:t>
+            </a:r>
+          </a:p>
+          <a:p>
+            <a:r>
+              <a:rPr lang="en-US" altLang="ko-KR" dirty="0" smtClean="0"/>
+              <a:t>myInfo</a:t>
+            </a:r>
+            <a:r>
+              <a:rPr lang="en-US" altLang="ko-KR" dirty="0" smtClean="0">
+                <a:solidFill>
+                  <a:schemeClr val="accent3"/>
+                </a:solidFill>
+              </a:rPr>
+              <a:t>.name </a:t>
+            </a:r>
+            <a:r>
+              <a:rPr lang="en-US" altLang="ko-KR" dirty="0" smtClean="0"/>
+              <a:t>= “Bob”</a:t>
+            </a:r>
+          </a:p>
+          <a:p>
+            <a:endParaRPr lang="ko-KR" altLang="en-US" dirty="0">
+              <a:solidFill>
+                <a:schemeClr val="accent2"/>
+              </a:solidFill>
+            </a:endParaRPr>
+          </a:p>
+        </p:txBody>
+      </p:sp>
+      <p:pic>
+        <p:nvPicPr>
+          <p:cNvPr id="5" name="그림 4"/>
+          <p:cNvPicPr>
+            <a:picLocks noChangeAspect="1"/>
+          </p:cNvPicPr>
+          <p:nvPr/>
+        </p:nvPicPr>
+        <p:blipFill>
+          <a:blip r:embed="rId2"/>
+          <a:stretch>
+            <a:fillRect/>
+          </a:stretch>
+        </p:blipFill>
+        <p:spPr>
+          <a:xfrm>
+            <a:off x="428625" y="3486150"/>
+            <a:ext cx="8715375" cy="3371850"/>
+          </a:xfrm>
+          <a:prstGeom prst="rect">
+            <a:avLst/>
+          </a:prstGeom>
+        </p:spPr>
+      </p:pic>
+    </p:spTree>
+    <p:extLst>
+      <p:ext uri="{BB962C8B-B14F-4D97-AF65-F5344CB8AC3E}">
+        <p14:creationId xmlns:p14="http://schemas.microsoft.com/office/powerpoint/2010/main" val="722806307"/>
+      </p:ext>
+    </p:extLst>
+  </p:cSld>
+  <p:clrMapOvr>
+    <a:masterClrMapping/>
+  </p:clrMapOvr>
+</p:sld>
+</file>
+
+<file path=ppt/slides/slide68.xml><?xml version="1.0" encoding="utf-8"?>
+<p:sld xmlns:a="http://schemas.openxmlformats.org/drawingml/2006/main" xmlns:r="http://schemas.openxmlformats.org/officeDocument/2006/relationships" xmlns:p="http://schemas.openxmlformats.org/presentationml/2006/main">
+  <p:cSld>
+    <p:spTree>
+      <p:nvGrpSpPr>
+        <p:cNvPr id="1" name=""/>
+        <p:cNvGrpSpPr/>
+        <p:nvPr/>
+      </p:nvGrpSpPr>
+      <p:grpSpPr>
+        <a:xfrm>
+          <a:off x="0" y="0"/>
+          <a:ext cx="0" cy="0"/>
+          <a:chOff x="0" y="0"/>
+          <a:chExt cx="0" cy="0"/>
+        </a:xfrm>
+      </p:grpSpPr>
+      <p:sp>
+        <p:nvSpPr>
+          <p:cNvPr id="2" name="제목 1"/>
+          <p:cNvSpPr>
+            <a:spLocks noGrp="1"/>
+          </p:cNvSpPr>
+          <p:nvPr>
+            <p:ph type="title"/>
+          </p:nvPr>
+        </p:nvSpPr>
+        <p:spPr/>
+        <p:txBody>
+          <a:bodyPr/>
+          <a:lstStyle/>
+          <a:p>
+            <a:r>
+              <a:rPr lang="ko-KR" altLang="en-US" dirty="0" smtClean="0"/>
+              <a:t>구조체와 클래스</a:t>
+            </a:r>
+            <a:endParaRPr lang="ko-KR" altLang="en-US" dirty="0"/>
+          </a:p>
+        </p:txBody>
+      </p:sp>
+      <p:sp>
+        <p:nvSpPr>
+          <p:cNvPr id="3" name="내용 개체 틀 2"/>
+          <p:cNvSpPr>
+            <a:spLocks noGrp="1"/>
+          </p:cNvSpPr>
+          <p:nvPr>
+            <p:ph idx="1"/>
+          </p:nvPr>
+        </p:nvSpPr>
+        <p:spPr/>
+        <p:txBody>
+          <a:bodyPr/>
+          <a:lstStyle/>
+          <a:p>
+            <a:r>
+              <a:rPr lang="ko-KR" altLang="en-US" dirty="0" smtClean="0"/>
+              <a:t>클래스 </a:t>
+            </a:r>
+            <a:r>
+              <a:rPr lang="en-US" altLang="ko-KR" sz="1600" dirty="0" smtClean="0">
+                <a:solidFill>
+                  <a:schemeClr val="accent6"/>
+                </a:solidFill>
+              </a:rPr>
+              <a:t>(</a:t>
+            </a:r>
+            <a:r>
+              <a:rPr lang="ko-KR" altLang="en-US" sz="1600" dirty="0" smtClean="0">
+                <a:solidFill>
+                  <a:schemeClr val="accent6"/>
+                </a:solidFill>
+              </a:rPr>
+              <a:t>구조체와는 다르게 참조 타입</a:t>
+            </a:r>
+            <a:r>
+              <a:rPr lang="en-US" altLang="ko-KR" sz="1600" dirty="0" smtClean="0">
+                <a:solidFill>
+                  <a:schemeClr val="accent6"/>
+                </a:solidFill>
+              </a:rPr>
+              <a:t>)</a:t>
+            </a:r>
+            <a:endParaRPr lang="en-US" altLang="ko-KR" dirty="0" smtClean="0">
+              <a:solidFill>
+                <a:schemeClr val="accent6"/>
+              </a:solidFill>
+            </a:endParaRPr>
+          </a:p>
+          <a:p>
+            <a:pPr lvl="1"/>
+            <a:r>
+              <a:rPr lang="ko-KR" altLang="en-US" dirty="0" smtClean="0"/>
+              <a:t>클래스 정의</a:t>
+            </a:r>
+            <a:endParaRPr lang="en-US" altLang="ko-KR" dirty="0" smtClean="0"/>
+          </a:p>
+          <a:p>
+            <a:pPr lvl="2"/>
+            <a:r>
+              <a:rPr lang="en-US" altLang="ko-KR" dirty="0" smtClean="0"/>
+              <a:t>class </a:t>
+            </a:r>
+            <a:r>
+              <a:rPr lang="ko-KR" altLang="en-US" dirty="0" smtClean="0"/>
+              <a:t>클래스 이름</a:t>
+            </a:r>
+            <a:r>
+              <a:rPr lang="en-US" altLang="ko-KR" dirty="0" smtClean="0"/>
+              <a:t>: </a:t>
+            </a:r>
+            <a:r>
+              <a:rPr lang="ko-KR" altLang="en-US" dirty="0" smtClean="0"/>
+              <a:t>부모 클래스 이름 </a:t>
+            </a:r>
+            <a:r>
+              <a:rPr lang="en-US" altLang="ko-KR" dirty="0" smtClean="0"/>
+              <a:t>{  </a:t>
+            </a:r>
+            <a:r>
+              <a:rPr lang="en-US" altLang="ko-KR" dirty="0" smtClean="0">
+                <a:solidFill>
+                  <a:schemeClr val="accent6"/>
+                </a:solidFill>
+              </a:rPr>
+              <a:t>// </a:t>
+            </a:r>
+            <a:r>
+              <a:rPr lang="ko-KR" altLang="en-US" dirty="0" smtClean="0">
+                <a:solidFill>
+                  <a:schemeClr val="accent6"/>
+                </a:solidFill>
+              </a:rPr>
+              <a:t>상속 받을 경우</a:t>
+            </a:r>
+            <a:r>
+              <a:rPr lang="en-US" altLang="ko-KR" dirty="0" smtClean="0"/>
+              <a:t/>
+            </a:r>
+            <a:br>
+              <a:rPr lang="en-US" altLang="ko-KR" dirty="0" smtClean="0"/>
+            </a:br>
+            <a:r>
+              <a:rPr lang="en-US" altLang="ko-KR" dirty="0" smtClean="0"/>
+              <a:t>   </a:t>
+            </a:r>
+            <a:r>
+              <a:rPr lang="ko-KR" altLang="en-US" dirty="0" err="1" smtClean="0"/>
+              <a:t>프로퍼티</a:t>
+            </a:r>
+            <a:r>
+              <a:rPr lang="ko-KR" altLang="en-US" dirty="0" smtClean="0"/>
+              <a:t> </a:t>
+            </a:r>
+            <a:r>
+              <a:rPr lang="en-US" altLang="ko-KR" dirty="0" smtClean="0"/>
+              <a:t>= </a:t>
+            </a:r>
+            <a:r>
+              <a:rPr lang="ko-KR" altLang="en-US" dirty="0" smtClean="0"/>
+              <a:t>기본값</a:t>
+            </a:r>
+            <a:r>
+              <a:rPr lang="en-US" altLang="ko-KR" dirty="0" smtClean="0"/>
+              <a:t/>
+            </a:r>
+            <a:br>
+              <a:rPr lang="en-US" altLang="ko-KR" dirty="0" smtClean="0"/>
+            </a:br>
+            <a:r>
+              <a:rPr lang="en-US" altLang="ko-KR" dirty="0" smtClean="0"/>
+              <a:t>   </a:t>
+            </a:r>
+            <a:r>
+              <a:rPr lang="ko-KR" altLang="en-US" dirty="0" err="1" smtClean="0"/>
+              <a:t>메소드</a:t>
+            </a:r>
+            <a:r>
+              <a:rPr lang="en-US" altLang="ko-KR" dirty="0" smtClean="0"/>
+              <a:t/>
+            </a:r>
+            <a:br>
+              <a:rPr lang="en-US" altLang="ko-KR" dirty="0" smtClean="0"/>
+            </a:br>
+            <a:r>
+              <a:rPr lang="en-US" altLang="ko-KR" dirty="0" smtClean="0"/>
+              <a:t>}</a:t>
+            </a:r>
+          </a:p>
+          <a:p>
+            <a:pPr lvl="2"/>
+            <a:r>
+              <a:rPr lang="ko-KR" altLang="en-US" dirty="0" smtClean="0"/>
+              <a:t>클래스 이름은 대문자 </a:t>
+            </a:r>
+            <a:r>
+              <a:rPr lang="en-US" altLang="ko-KR" dirty="0" err="1" smtClean="0"/>
+              <a:t>CamelCase</a:t>
+            </a:r>
+            <a:r>
+              <a:rPr lang="ko-KR" altLang="en-US" dirty="0" smtClean="0"/>
+              <a:t>로 명명</a:t>
+            </a:r>
+            <a:endParaRPr lang="en-US" altLang="ko-KR" dirty="0" smtClean="0"/>
+          </a:p>
+          <a:p>
+            <a:pPr lvl="2"/>
+            <a:r>
+              <a:rPr lang="ko-KR" altLang="en-US" dirty="0" err="1" smtClean="0"/>
+              <a:t>프로퍼티</a:t>
+            </a:r>
+            <a:r>
+              <a:rPr lang="en-US" altLang="ko-KR" dirty="0" smtClean="0"/>
+              <a:t> </a:t>
+            </a:r>
+            <a:r>
+              <a:rPr lang="ko-KR" altLang="en-US" dirty="0" smtClean="0"/>
+              <a:t>및 </a:t>
+            </a:r>
+            <a:r>
+              <a:rPr lang="ko-KR" altLang="en-US" dirty="0" err="1" smtClean="0"/>
+              <a:t>메소드는</a:t>
+            </a:r>
+            <a:r>
+              <a:rPr lang="ko-KR" altLang="en-US" dirty="0" smtClean="0"/>
+              <a:t> 소문자 </a:t>
+            </a:r>
+            <a:r>
+              <a:rPr lang="en-US" altLang="ko-KR" dirty="0" err="1" smtClean="0"/>
+              <a:t>camel</a:t>
+            </a:r>
+            <a:r>
+              <a:rPr lang="en-US" altLang="ko-KR" dirty="0" err="1"/>
+              <a:t>C</a:t>
+            </a:r>
+            <a:r>
+              <a:rPr lang="en-US" altLang="ko-KR" dirty="0" err="1" smtClean="0"/>
+              <a:t>ase</a:t>
+            </a:r>
+            <a:r>
+              <a:rPr lang="ko-KR" altLang="en-US" dirty="0" smtClean="0"/>
+              <a:t>로 명</a:t>
+            </a:r>
+            <a:endParaRPr lang="en-US" altLang="ko-KR" dirty="0" smtClean="0"/>
+          </a:p>
+          <a:p>
+            <a:pPr lvl="2"/>
+            <a:endParaRPr lang="en-US" altLang="ko-KR" dirty="0"/>
+          </a:p>
+          <a:p>
+            <a:pPr lvl="1"/>
+            <a:r>
+              <a:rPr lang="ko-KR" altLang="en-US" dirty="0" smtClean="0"/>
+              <a:t>생성 및 초기화</a:t>
+            </a:r>
+            <a:endParaRPr lang="en-US" altLang="ko-KR" dirty="0" smtClean="0"/>
+          </a:p>
+          <a:p>
+            <a:pPr lvl="2"/>
+            <a:r>
+              <a:rPr lang="ko-KR" altLang="en-US" dirty="0" smtClean="0"/>
+              <a:t>자동 생성된 </a:t>
+            </a:r>
+            <a:r>
+              <a:rPr lang="ko-KR" altLang="en-US" dirty="0" err="1" smtClean="0"/>
+              <a:t>이니셜라이저</a:t>
+            </a:r>
+            <a:r>
+              <a:rPr lang="ko-KR" altLang="en-US" dirty="0" smtClean="0"/>
+              <a:t> 이용하여 생성 </a:t>
+            </a:r>
+            <a:r>
+              <a:rPr lang="en-US" altLang="ko-KR" dirty="0" smtClean="0"/>
+              <a:t>: </a:t>
+            </a:r>
+            <a:r>
+              <a:rPr lang="ko-KR" altLang="en-US" dirty="0" smtClean="0"/>
+              <a:t>클래스 이름</a:t>
+            </a:r>
+            <a:r>
+              <a:rPr lang="en-US" altLang="ko-KR" dirty="0" smtClean="0"/>
+              <a:t>()</a:t>
+            </a:r>
+          </a:p>
+          <a:p>
+            <a:pPr lvl="2"/>
+            <a:r>
+              <a:rPr lang="ko-KR" altLang="en-US" dirty="0" smtClean="0"/>
+              <a:t>마침표</a:t>
+            </a:r>
+            <a:r>
+              <a:rPr lang="en-US" altLang="ko-KR" dirty="0" smtClean="0"/>
+              <a:t>(.) </a:t>
+            </a:r>
+            <a:r>
+              <a:rPr lang="ko-KR" altLang="en-US" dirty="0" smtClean="0"/>
+              <a:t>사용하여 </a:t>
+            </a:r>
+            <a:r>
+              <a:rPr lang="ko-KR" altLang="en-US" dirty="0" err="1" smtClean="0"/>
+              <a:t>프로퍼티에</a:t>
+            </a:r>
+            <a:r>
+              <a:rPr lang="ko-KR" altLang="en-US" dirty="0" smtClean="0"/>
+              <a:t> 접근</a:t>
+            </a:r>
+            <a:endParaRPr lang="en-US" altLang="ko-KR" dirty="0" smtClean="0"/>
+          </a:p>
+          <a:p>
+            <a:pPr lvl="2"/>
+            <a:r>
+              <a:rPr lang="en-US" altLang="ko-KR" dirty="0" smtClean="0"/>
+              <a:t>ex)</a:t>
+            </a:r>
+            <a:br>
+              <a:rPr lang="en-US" altLang="ko-KR" dirty="0" smtClean="0"/>
+            </a:br>
+            <a:endParaRPr lang="en-US" altLang="ko-KR" dirty="0" smtClean="0"/>
+          </a:p>
+          <a:p>
+            <a:pPr lvl="2"/>
+            <a:endParaRPr lang="en-US" altLang="ko-KR" dirty="0" smtClean="0"/>
+          </a:p>
+          <a:p>
+            <a:pPr lvl="2"/>
+            <a:endParaRPr lang="en-US" altLang="ko-KR" dirty="0" smtClean="0"/>
+          </a:p>
+          <a:p>
+            <a:pPr lvl="1"/>
+            <a:endParaRPr lang="en-US" altLang="ko-KR" dirty="0" smtClean="0"/>
+          </a:p>
+        </p:txBody>
+      </p:sp>
+      <p:sp>
+        <p:nvSpPr>
+          <p:cNvPr id="4" name="TextBox 3"/>
+          <p:cNvSpPr txBox="1"/>
+          <p:nvPr/>
+        </p:nvSpPr>
+        <p:spPr>
+          <a:xfrm>
+            <a:off x="1619672" y="4581128"/>
+            <a:ext cx="7920880" cy="2031325"/>
+          </a:xfrm>
+          <a:prstGeom prst="rect">
+            <a:avLst/>
+          </a:prstGeom>
+          <a:noFill/>
+        </p:spPr>
+        <p:txBody>
+          <a:bodyPr wrap="square" rtlCol="0">
+            <a:spAutoFit/>
+          </a:bodyPr>
+          <a:lstStyle/>
+          <a:p>
+            <a:r>
+              <a:rPr lang="en-US" altLang="ko-KR" dirty="0" smtClean="0"/>
+              <a:t>class </a:t>
+            </a:r>
+            <a:r>
+              <a:rPr lang="en-US" altLang="ko-KR" dirty="0" smtClean="0">
+                <a:solidFill>
+                  <a:schemeClr val="accent3"/>
+                </a:solidFill>
+              </a:rPr>
+              <a:t>Person</a:t>
+            </a:r>
+            <a:r>
+              <a:rPr lang="en-US" altLang="ko-KR" dirty="0" smtClean="0"/>
+              <a:t> {</a:t>
+            </a:r>
+            <a:br>
+              <a:rPr lang="en-US" altLang="ko-KR" dirty="0" smtClean="0"/>
+            </a:br>
+            <a:r>
+              <a:rPr lang="en-US" altLang="ko-KR" dirty="0" smtClean="0"/>
+              <a:t>	</a:t>
+            </a:r>
+            <a:r>
+              <a:rPr lang="en-US" altLang="ko-KR" dirty="0" err="1" smtClean="0"/>
+              <a:t>var</a:t>
+            </a:r>
+            <a:r>
+              <a:rPr lang="en-US" altLang="ko-KR" dirty="0" smtClean="0"/>
+              <a:t> </a:t>
+            </a:r>
+            <a:r>
+              <a:rPr lang="en-US" altLang="ko-KR" dirty="0" smtClean="0">
+                <a:solidFill>
+                  <a:schemeClr val="accent2"/>
+                </a:solidFill>
+              </a:rPr>
+              <a:t>height: Float = 0.0</a:t>
+            </a:r>
+            <a:r>
+              <a:rPr lang="en-US" altLang="ko-KR" dirty="0" smtClean="0"/>
+              <a:t>	</a:t>
+            </a:r>
+            <a:r>
+              <a:rPr lang="en-US" altLang="ko-KR" dirty="0" smtClean="0">
+                <a:solidFill>
+                  <a:schemeClr val="accent6"/>
+                </a:solidFill>
+              </a:rPr>
+              <a:t>// </a:t>
+            </a:r>
+            <a:r>
+              <a:rPr lang="ko-KR" altLang="en-US" dirty="0" err="1" smtClean="0">
+                <a:solidFill>
+                  <a:schemeClr val="accent6"/>
+                </a:solidFill>
+              </a:rPr>
+              <a:t>프로퍼티의</a:t>
+            </a:r>
+            <a:r>
+              <a:rPr lang="ko-KR" altLang="en-US" dirty="0" smtClean="0">
+                <a:solidFill>
+                  <a:schemeClr val="accent6"/>
+                </a:solidFill>
+              </a:rPr>
+              <a:t> 기본값 지정 가능</a:t>
+            </a:r>
+            <a:r>
+              <a:rPr lang="en-US" altLang="ko-KR" dirty="0" smtClean="0"/>
+              <a:t/>
+            </a:r>
+            <a:br>
+              <a:rPr lang="en-US" altLang="ko-KR" dirty="0" smtClean="0"/>
+            </a:br>
+            <a:r>
+              <a:rPr lang="en-US" altLang="ko-KR" dirty="0" smtClean="0"/>
+              <a:t>	</a:t>
+            </a:r>
+            <a:r>
+              <a:rPr lang="en-US" altLang="ko-KR" dirty="0" err="1" smtClean="0"/>
+              <a:t>var</a:t>
+            </a:r>
+            <a:r>
+              <a:rPr lang="en-US" altLang="ko-KR" dirty="0" smtClean="0"/>
+              <a:t> </a:t>
+            </a:r>
+            <a:r>
+              <a:rPr lang="en-US" altLang="ko-KR" dirty="0" smtClean="0">
+                <a:solidFill>
+                  <a:schemeClr val="accent2"/>
+                </a:solidFill>
+              </a:rPr>
+              <a:t>weight: Float = 0.0</a:t>
+            </a:r>
+            <a:br>
+              <a:rPr lang="en-US" altLang="ko-KR" dirty="0" smtClean="0">
+                <a:solidFill>
+                  <a:schemeClr val="accent2"/>
+                </a:solidFill>
+              </a:rPr>
+            </a:br>
+            <a:r>
+              <a:rPr lang="en-US" altLang="ko-KR" dirty="0" smtClean="0"/>
+              <a:t>}</a:t>
+            </a:r>
+            <a:endParaRPr lang="en-US" altLang="ko-KR" dirty="0"/>
+          </a:p>
+          <a:p>
+            <a:r>
+              <a:rPr lang="en-US" altLang="ko-KR" dirty="0" err="1" smtClean="0"/>
+              <a:t>var</a:t>
+            </a:r>
+            <a:r>
+              <a:rPr lang="en-US" altLang="ko-KR" dirty="0" smtClean="0"/>
+              <a:t> </a:t>
+            </a:r>
+            <a:r>
+              <a:rPr lang="en-US" altLang="ko-KR" dirty="0" err="1" smtClean="0"/>
+              <a:t>myInfo</a:t>
+            </a:r>
+            <a:r>
+              <a:rPr lang="en-US" altLang="ko-KR" dirty="0" smtClean="0"/>
+              <a:t>: </a:t>
+            </a:r>
+            <a:r>
+              <a:rPr lang="en-US" altLang="ko-KR" dirty="0" smtClean="0">
+                <a:solidFill>
+                  <a:schemeClr val="accent3"/>
+                </a:solidFill>
+              </a:rPr>
+              <a:t>Person</a:t>
+            </a:r>
+            <a:r>
+              <a:rPr lang="en-US" altLang="ko-KR" dirty="0" smtClean="0"/>
+              <a:t> = </a:t>
+            </a:r>
+            <a:r>
+              <a:rPr lang="en-US" altLang="ko-KR" dirty="0" smtClean="0">
+                <a:solidFill>
+                  <a:schemeClr val="accent3"/>
+                </a:solidFill>
+              </a:rPr>
+              <a:t>Person</a:t>
+            </a:r>
+            <a:r>
+              <a:rPr lang="en-US" altLang="ko-KR" dirty="0" smtClean="0">
+                <a:solidFill>
+                  <a:schemeClr val="accent2"/>
+                </a:solidFill>
+              </a:rPr>
+              <a:t>()</a:t>
+            </a:r>
+          </a:p>
+          <a:p>
+            <a:r>
+              <a:rPr lang="en-US" altLang="ko-KR" dirty="0" err="1" smtClean="0">
+                <a:solidFill>
+                  <a:schemeClr val="accent3"/>
+                </a:solidFill>
+              </a:rPr>
+              <a:t>myInfo.height</a:t>
+            </a:r>
+            <a:r>
+              <a:rPr lang="en-US" altLang="ko-KR" dirty="0" smtClean="0">
+                <a:solidFill>
+                  <a:schemeClr val="accent2"/>
+                </a:solidFill>
+              </a:rPr>
+              <a:t> </a:t>
+            </a:r>
+            <a:r>
+              <a:rPr lang="en-US" altLang="ko-KR" dirty="0" smtClean="0"/>
+              <a:t>= 170.0</a:t>
+            </a:r>
+          </a:p>
+          <a:p>
+            <a:r>
+              <a:rPr lang="en-US" altLang="ko-KR" dirty="0" err="1" smtClean="0">
+                <a:solidFill>
+                  <a:schemeClr val="accent3"/>
+                </a:solidFill>
+              </a:rPr>
+              <a:t>myInfo.weight</a:t>
+            </a:r>
+            <a:r>
+              <a:rPr lang="en-US" altLang="ko-KR" dirty="0" smtClean="0">
+                <a:solidFill>
+                  <a:schemeClr val="accent2"/>
+                </a:solidFill>
+              </a:rPr>
+              <a:t> </a:t>
+            </a:r>
+            <a:r>
+              <a:rPr lang="en-US" altLang="ko-KR" dirty="0" smtClean="0"/>
+              <a:t>= 65.0</a:t>
+            </a:r>
+            <a:endParaRPr lang="ko-KR" altLang="en-US" dirty="0"/>
+          </a:p>
+        </p:txBody>
+      </p:sp>
+    </p:spTree>
+    <p:extLst>
+      <p:ext uri="{BB962C8B-B14F-4D97-AF65-F5344CB8AC3E}">
+        <p14:creationId xmlns:p14="http://schemas.microsoft.com/office/powerpoint/2010/main" val="2861596981"/>
+      </p:ext>
+    </p:extLst>
+  </p:cSld>
+  <p:clrMapOvr>
+    <a:masterClrMapping/>
+  </p:clrMapOvr>
+</p:sld>
+</file>
+
+<file path=ppt/slides/slide69.xml><?xml version="1.0" encoding="utf-8"?>
+<p:sld xmlns:a="http://schemas.openxmlformats.org/drawingml/2006/main" xmlns:r="http://schemas.openxmlformats.org/officeDocument/2006/relationships" xmlns:p="http://schemas.openxmlformats.org/presentationml/2006/main">
+  <p:cSld>
+    <p:spTree>
+      <p:nvGrpSpPr>
+        <p:cNvPr id="1" name=""/>
+        <p:cNvGrpSpPr/>
+        <p:nvPr/>
+      </p:nvGrpSpPr>
+      <p:grpSpPr>
+        <a:xfrm>
+          <a:off x="0" y="0"/>
+          <a:ext cx="0" cy="0"/>
+          <a:chOff x="0" y="0"/>
+          <a:chExt cx="0" cy="0"/>
+        </a:xfrm>
+      </p:grpSpPr>
+      <p:sp>
+        <p:nvSpPr>
+          <p:cNvPr id="2" name="제목 1"/>
+          <p:cNvSpPr>
+            <a:spLocks noGrp="1"/>
+          </p:cNvSpPr>
+          <p:nvPr>
+            <p:ph type="title"/>
+          </p:nvPr>
+        </p:nvSpPr>
+        <p:spPr/>
+        <p:txBody>
+          <a:bodyPr/>
+          <a:lstStyle/>
+          <a:p>
+            <a:r>
+              <a:rPr lang="ko-KR" altLang="en-US" dirty="0" smtClean="0"/>
+              <a:t>구조체와 클래스</a:t>
+            </a:r>
+            <a:endParaRPr lang="ko-KR" altLang="en-US" dirty="0"/>
+          </a:p>
+        </p:txBody>
+      </p:sp>
+      <p:sp>
+        <p:nvSpPr>
+          <p:cNvPr id="3" name="내용 개체 틀 2"/>
+          <p:cNvSpPr>
+            <a:spLocks noGrp="1"/>
+          </p:cNvSpPr>
+          <p:nvPr>
+            <p:ph idx="1"/>
+          </p:nvPr>
+        </p:nvSpPr>
+        <p:spPr/>
+        <p:txBody>
+          <a:bodyPr>
+            <a:normAutofit/>
+          </a:bodyPr>
+          <a:lstStyle/>
+          <a:p>
+            <a:r>
+              <a:rPr lang="ko-KR" altLang="en-US" dirty="0" smtClean="0"/>
+              <a:t>클래스</a:t>
+            </a:r>
+            <a:endParaRPr lang="en-US" altLang="ko-KR" dirty="0" smtClean="0"/>
+          </a:p>
+          <a:p>
+            <a:pPr lvl="1"/>
+            <a:r>
+              <a:rPr lang="ko-KR" altLang="en-US" dirty="0" smtClean="0"/>
+              <a:t>클래스의 인스턴스는 참조 타입</a:t>
+            </a:r>
+            <a:endParaRPr lang="en-US" altLang="ko-KR" dirty="0" smtClean="0"/>
+          </a:p>
+          <a:p>
+            <a:pPr lvl="2"/>
+            <a:r>
+              <a:rPr lang="en-US" altLang="ko-KR" dirty="0" smtClean="0">
+                <a:solidFill>
+                  <a:schemeClr val="accent6"/>
+                </a:solidFill>
+              </a:rPr>
+              <a:t>let</a:t>
+            </a:r>
+            <a:r>
+              <a:rPr lang="ko-KR" altLang="en-US" dirty="0" smtClean="0">
+                <a:solidFill>
+                  <a:schemeClr val="accent6"/>
+                </a:solidFill>
+              </a:rPr>
+              <a:t>으로 인스턴스를 선언하여도 내부 </a:t>
+            </a:r>
+            <a:r>
+              <a:rPr lang="ko-KR" altLang="en-US" dirty="0" err="1" smtClean="0">
+                <a:solidFill>
+                  <a:schemeClr val="accent6"/>
+                </a:solidFill>
+              </a:rPr>
+              <a:t>프로퍼티</a:t>
+            </a:r>
+            <a:r>
+              <a:rPr lang="ko-KR" altLang="en-US" dirty="0" smtClean="0">
+                <a:solidFill>
+                  <a:schemeClr val="accent6"/>
+                </a:solidFill>
+              </a:rPr>
+              <a:t> 변경 가능</a:t>
+            </a:r>
+            <a:endParaRPr lang="en-US" altLang="ko-KR" dirty="0">
+              <a:solidFill>
+                <a:schemeClr val="accent6"/>
+              </a:solidFill>
+            </a:endParaRPr>
+          </a:p>
+          <a:p>
+            <a:pPr lvl="2"/>
+            <a:endParaRPr lang="en-US" altLang="ko-KR" dirty="0" smtClean="0"/>
+          </a:p>
+          <a:p>
+            <a:pPr marL="768096" lvl="2" indent="0">
+              <a:buNone/>
+            </a:pPr>
+            <a:endParaRPr lang="en-US" altLang="ko-KR" dirty="0" smtClean="0"/>
+          </a:p>
+          <a:p>
+            <a:pPr lvl="2"/>
+            <a:endParaRPr lang="en-US" altLang="ko-KR" dirty="0" smtClean="0"/>
+          </a:p>
+          <a:p>
+            <a:pPr lvl="1"/>
+            <a:endParaRPr lang="en-US" altLang="ko-KR" dirty="0" smtClean="0"/>
+          </a:p>
+        </p:txBody>
+      </p:sp>
+      <p:sp>
+        <p:nvSpPr>
+          <p:cNvPr id="4" name="TextBox 3"/>
+          <p:cNvSpPr txBox="1"/>
+          <p:nvPr/>
+        </p:nvSpPr>
+        <p:spPr>
+          <a:xfrm>
+            <a:off x="1979712" y="1772816"/>
+            <a:ext cx="5472608" cy="1477328"/>
+          </a:xfrm>
+          <a:prstGeom prst="rect">
+            <a:avLst/>
+          </a:prstGeom>
+          <a:noFill/>
+        </p:spPr>
+        <p:txBody>
+          <a:bodyPr wrap="square" rtlCol="0">
+            <a:spAutoFit/>
+          </a:bodyPr>
+          <a:lstStyle/>
+          <a:p>
+            <a:r>
+              <a:rPr lang="en-US" altLang="ko-KR" dirty="0" smtClean="0"/>
+              <a:t>let </a:t>
+            </a:r>
+            <a:r>
+              <a:rPr lang="en-US" altLang="ko-KR" dirty="0" err="1" smtClean="0"/>
+              <a:t>myInfo</a:t>
+            </a:r>
+            <a:r>
+              <a:rPr lang="en-US" altLang="ko-KR" dirty="0" smtClean="0"/>
+              <a:t>: Person = Person()</a:t>
+            </a:r>
+          </a:p>
+          <a:p>
+            <a:endParaRPr lang="en-US" altLang="ko-KR" dirty="0"/>
+          </a:p>
+          <a:p>
+            <a:r>
+              <a:rPr lang="en-US" altLang="ko-KR" dirty="0" err="1" smtClean="0"/>
+              <a:t>myInfo</a:t>
+            </a:r>
+            <a:r>
+              <a:rPr lang="en-US" altLang="ko-KR" dirty="0" err="1" smtClean="0">
+                <a:solidFill>
+                  <a:schemeClr val="accent3"/>
+                </a:solidFill>
+              </a:rPr>
+              <a:t>.height</a:t>
+            </a:r>
+            <a:r>
+              <a:rPr lang="en-US" altLang="ko-KR" dirty="0" smtClean="0">
+                <a:solidFill>
+                  <a:schemeClr val="accent3"/>
+                </a:solidFill>
+              </a:rPr>
+              <a:t> </a:t>
+            </a:r>
+            <a:r>
+              <a:rPr lang="en-US" altLang="ko-KR" dirty="0" smtClean="0"/>
+              <a:t>= 180.0</a:t>
+            </a:r>
+          </a:p>
+          <a:p>
+            <a:r>
+              <a:rPr lang="en-US" altLang="ko-KR" dirty="0" err="1" smtClean="0"/>
+              <a:t>myInfo</a:t>
+            </a:r>
+            <a:r>
+              <a:rPr lang="en-US" altLang="ko-KR" dirty="0" err="1" smtClean="0">
+                <a:solidFill>
+                  <a:schemeClr val="accent3"/>
+                </a:solidFill>
+              </a:rPr>
+              <a:t>.weight</a:t>
+            </a:r>
+            <a:r>
+              <a:rPr lang="en-US" altLang="ko-KR" dirty="0" smtClean="0">
+                <a:solidFill>
+                  <a:schemeClr val="accent3"/>
+                </a:solidFill>
+              </a:rPr>
+              <a:t> </a:t>
+            </a:r>
+            <a:r>
+              <a:rPr lang="en-US" altLang="ko-KR" dirty="0" smtClean="0"/>
+              <a:t>= 70.0</a:t>
+            </a:r>
+          </a:p>
+          <a:p>
+            <a:endParaRPr lang="ko-KR" altLang="en-US" dirty="0">
+              <a:solidFill>
+                <a:schemeClr val="accent2"/>
+              </a:solidFill>
+            </a:endParaRPr>
+          </a:p>
+        </p:txBody>
+      </p:sp>
+    </p:spTree>
+    <p:extLst>
+      <p:ext uri="{BB962C8B-B14F-4D97-AF65-F5344CB8AC3E}">
+        <p14:creationId xmlns:p14="http://schemas.microsoft.com/office/powerpoint/2010/main" val="3269727912"/>
+      </p:ext>
+    </p:extLst>
+  </p:cSld>
+  <p:clrMapOvr>
+    <a:masterClrMapping/>
+  </p:clrMapOvr>
+</p:sld>
+</file>
+
 <file path=ppt/slides/slide7.xml><?xml version="1.0" encoding="utf-8"?>
 <p:sld xmlns:a="http://schemas.openxmlformats.org/drawingml/2006/main" xmlns:r="http://schemas.openxmlformats.org/officeDocument/2006/relationships" xmlns:p="http://schemas.openxmlformats.org/presentationml/2006/main">
   <p:cSld>
@@ -41782,6 +43469,2248 @@
       </p:par>
     </p:tnLst>
   </p:timing>
+</p:sld>
+</file>
+
+<file path=ppt/slides/slide70.xml><?xml version="1.0" encoding="utf-8"?>
+<p:sld xmlns:a="http://schemas.openxmlformats.org/drawingml/2006/main" xmlns:r="http://schemas.openxmlformats.org/officeDocument/2006/relationships" xmlns:p="http://schemas.openxmlformats.org/presentationml/2006/main">
+  <p:cSld>
+    <p:spTree>
+      <p:nvGrpSpPr>
+        <p:cNvPr id="1" name=""/>
+        <p:cNvGrpSpPr/>
+        <p:nvPr/>
+      </p:nvGrpSpPr>
+      <p:grpSpPr>
+        <a:xfrm>
+          <a:off x="0" y="0"/>
+          <a:ext cx="0" cy="0"/>
+          <a:chOff x="0" y="0"/>
+          <a:chExt cx="0" cy="0"/>
+        </a:xfrm>
+      </p:grpSpPr>
+      <p:sp>
+        <p:nvSpPr>
+          <p:cNvPr id="2" name="제목 1"/>
+          <p:cNvSpPr>
+            <a:spLocks noGrp="1"/>
+          </p:cNvSpPr>
+          <p:nvPr>
+            <p:ph type="title"/>
+          </p:nvPr>
+        </p:nvSpPr>
+        <p:spPr/>
+        <p:txBody>
+          <a:bodyPr/>
+          <a:lstStyle/>
+          <a:p>
+            <a:r>
+              <a:rPr lang="ko-KR" altLang="en-US" dirty="0" smtClean="0"/>
+              <a:t>구조체와 클래스</a:t>
+            </a:r>
+            <a:endParaRPr lang="ko-KR" altLang="en-US" dirty="0"/>
+          </a:p>
+        </p:txBody>
+      </p:sp>
+      <p:sp>
+        <p:nvSpPr>
+          <p:cNvPr id="3" name="내용 개체 틀 2"/>
+          <p:cNvSpPr>
+            <a:spLocks noGrp="1"/>
+          </p:cNvSpPr>
+          <p:nvPr>
+            <p:ph idx="1"/>
+          </p:nvPr>
+        </p:nvSpPr>
+        <p:spPr/>
+        <p:txBody>
+          <a:bodyPr>
+            <a:normAutofit/>
+          </a:bodyPr>
+          <a:lstStyle/>
+          <a:p>
+            <a:r>
+              <a:rPr lang="ko-KR" altLang="en-US" dirty="0" smtClean="0"/>
+              <a:t>클래스</a:t>
+            </a:r>
+            <a:endParaRPr lang="en-US" altLang="ko-KR" dirty="0" smtClean="0"/>
+          </a:p>
+          <a:p>
+            <a:pPr lvl="1"/>
+            <a:r>
+              <a:rPr lang="ko-KR" altLang="en-US" dirty="0" smtClean="0"/>
+              <a:t>인스턴스의 소멸</a:t>
+            </a:r>
+            <a:endParaRPr lang="en-US" altLang="ko-KR" dirty="0" smtClean="0"/>
+          </a:p>
+          <a:p>
+            <a:pPr lvl="2"/>
+            <a:r>
+              <a:rPr lang="ko-KR" altLang="en-US" dirty="0" smtClean="0"/>
+              <a:t>인스턴스가 참조 타입이므로 필요 없을 때 메모리에서 해제됨</a:t>
+            </a:r>
+            <a:endParaRPr lang="en-US" altLang="ko-KR" dirty="0" smtClean="0"/>
+          </a:p>
+          <a:p>
+            <a:pPr lvl="2"/>
+            <a:r>
+              <a:rPr lang="ko-KR" altLang="en-US" dirty="0" smtClean="0">
+                <a:solidFill>
+                  <a:schemeClr val="accent6"/>
+                </a:solidFill>
+              </a:rPr>
+              <a:t>소멸되기 직전 </a:t>
+            </a:r>
+            <a:r>
+              <a:rPr lang="en-US" altLang="ko-KR" dirty="0" err="1" smtClean="0">
+                <a:solidFill>
+                  <a:schemeClr val="accent6"/>
+                </a:solidFill>
+              </a:rPr>
+              <a:t>deinit</a:t>
+            </a:r>
+            <a:r>
+              <a:rPr lang="en-US" altLang="ko-KR" dirty="0" smtClean="0">
+                <a:solidFill>
+                  <a:schemeClr val="accent6"/>
+                </a:solidFill>
+              </a:rPr>
+              <a:t> </a:t>
+            </a:r>
+            <a:r>
+              <a:rPr lang="ko-KR" altLang="en-US" dirty="0" err="1" smtClean="0">
+                <a:solidFill>
+                  <a:schemeClr val="accent6"/>
+                </a:solidFill>
+              </a:rPr>
+              <a:t>메소드가</a:t>
+            </a:r>
+            <a:r>
+              <a:rPr lang="ko-KR" altLang="en-US" dirty="0" smtClean="0">
+                <a:solidFill>
+                  <a:schemeClr val="accent6"/>
+                </a:solidFill>
+              </a:rPr>
+              <a:t> 호출됨</a:t>
+            </a:r>
+            <a:endParaRPr lang="en-US" altLang="ko-KR" dirty="0">
+              <a:solidFill>
+                <a:schemeClr val="accent6"/>
+              </a:solidFill>
+            </a:endParaRPr>
+          </a:p>
+          <a:p>
+            <a:pPr lvl="2"/>
+            <a:endParaRPr lang="en-US" altLang="ko-KR" dirty="0" smtClean="0"/>
+          </a:p>
+          <a:p>
+            <a:pPr marL="768096" lvl="2" indent="0">
+              <a:buNone/>
+            </a:pPr>
+            <a:endParaRPr lang="en-US" altLang="ko-KR" dirty="0" smtClean="0"/>
+          </a:p>
+          <a:p>
+            <a:pPr lvl="2"/>
+            <a:endParaRPr lang="en-US" altLang="ko-KR" dirty="0" smtClean="0"/>
+          </a:p>
+          <a:p>
+            <a:pPr lvl="1"/>
+            <a:endParaRPr lang="en-US" altLang="ko-KR" dirty="0" smtClean="0"/>
+          </a:p>
+        </p:txBody>
+      </p:sp>
+      <p:sp>
+        <p:nvSpPr>
+          <p:cNvPr id="4" name="TextBox 3"/>
+          <p:cNvSpPr txBox="1"/>
+          <p:nvPr/>
+        </p:nvSpPr>
+        <p:spPr>
+          <a:xfrm>
+            <a:off x="1979712" y="2060848"/>
+            <a:ext cx="5472608" cy="2308324"/>
+          </a:xfrm>
+          <a:prstGeom prst="rect">
+            <a:avLst/>
+          </a:prstGeom>
+          <a:noFill/>
+        </p:spPr>
+        <p:txBody>
+          <a:bodyPr wrap="square" rtlCol="0">
+            <a:spAutoFit/>
+          </a:bodyPr>
+          <a:lstStyle/>
+          <a:p>
+            <a:r>
+              <a:rPr lang="en-US" altLang="ko-KR" sz="1600" dirty="0"/>
+              <a:t>class </a:t>
+            </a:r>
+            <a:r>
+              <a:rPr lang="en-US" altLang="ko-KR" sz="1600" dirty="0">
+                <a:solidFill>
+                  <a:schemeClr val="accent3"/>
+                </a:solidFill>
+              </a:rPr>
+              <a:t>Person</a:t>
+            </a:r>
+            <a:r>
+              <a:rPr lang="en-US" altLang="ko-KR" sz="1600" dirty="0"/>
+              <a:t> {</a:t>
+            </a:r>
+            <a:br>
+              <a:rPr lang="en-US" altLang="ko-KR" sz="1600" dirty="0"/>
+            </a:br>
+            <a:r>
+              <a:rPr lang="en-US" altLang="ko-KR" sz="1600" dirty="0"/>
+              <a:t>	</a:t>
+            </a:r>
+            <a:r>
+              <a:rPr lang="en-US" altLang="ko-KR" sz="1600" dirty="0" err="1"/>
+              <a:t>var</a:t>
+            </a:r>
+            <a:r>
+              <a:rPr lang="en-US" altLang="ko-KR" sz="1600" dirty="0"/>
+              <a:t> height: Float = </a:t>
+            </a:r>
+            <a:r>
+              <a:rPr lang="en-US" altLang="ko-KR" sz="1600" dirty="0" smtClean="0"/>
+              <a:t>0.0</a:t>
+            </a:r>
+            <a:r>
+              <a:rPr lang="en-US" altLang="ko-KR" sz="1600" dirty="0"/>
+              <a:t/>
+            </a:r>
+            <a:br>
+              <a:rPr lang="en-US" altLang="ko-KR" sz="1600" dirty="0"/>
+            </a:br>
+            <a:r>
+              <a:rPr lang="en-US" altLang="ko-KR" sz="1600" dirty="0"/>
+              <a:t>	</a:t>
+            </a:r>
+            <a:r>
+              <a:rPr lang="en-US" altLang="ko-KR" sz="1600" dirty="0" err="1"/>
+              <a:t>var</a:t>
+            </a:r>
+            <a:r>
+              <a:rPr lang="en-US" altLang="ko-KR" sz="1600" dirty="0"/>
+              <a:t> weight: Float = </a:t>
+            </a:r>
+            <a:r>
+              <a:rPr lang="en-US" altLang="ko-KR" sz="1600" dirty="0" smtClean="0"/>
+              <a:t>0.0</a:t>
+            </a:r>
+            <a:br>
+              <a:rPr lang="en-US" altLang="ko-KR" sz="1600" dirty="0" smtClean="0"/>
+            </a:br>
+            <a:r>
+              <a:rPr lang="en-US" altLang="ko-KR" sz="1600" dirty="0" smtClean="0">
+                <a:solidFill>
+                  <a:schemeClr val="accent2"/>
+                </a:solidFill>
+              </a:rPr>
+              <a:t>	</a:t>
+            </a:r>
+            <a:r>
+              <a:rPr lang="en-US" altLang="ko-KR" sz="1600" dirty="0" err="1" smtClean="0">
+                <a:solidFill>
+                  <a:schemeClr val="accent2"/>
+                </a:solidFill>
+              </a:rPr>
+              <a:t>deinit</a:t>
+            </a:r>
+            <a:r>
+              <a:rPr lang="en-US" altLang="ko-KR" sz="1600" dirty="0" smtClean="0">
+                <a:solidFill>
+                  <a:schemeClr val="accent2"/>
+                </a:solidFill>
+              </a:rPr>
+              <a:t> {</a:t>
+            </a:r>
+            <a:br>
+              <a:rPr lang="en-US" altLang="ko-KR" sz="1600" dirty="0" smtClean="0">
+                <a:solidFill>
+                  <a:schemeClr val="accent2"/>
+                </a:solidFill>
+              </a:rPr>
+            </a:br>
+            <a:r>
+              <a:rPr lang="en-US" altLang="ko-KR" sz="1600" dirty="0" smtClean="0">
+                <a:solidFill>
+                  <a:schemeClr val="accent2"/>
+                </a:solidFill>
+              </a:rPr>
+              <a:t>	</a:t>
+            </a:r>
+            <a:r>
+              <a:rPr lang="en-US" altLang="ko-KR" sz="1600" dirty="0">
+                <a:solidFill>
+                  <a:schemeClr val="accent2"/>
+                </a:solidFill>
+              </a:rPr>
+              <a:t>	</a:t>
+            </a:r>
+            <a:r>
+              <a:rPr lang="en-US" altLang="ko-KR" sz="1600" dirty="0" smtClean="0">
+                <a:solidFill>
+                  <a:schemeClr val="accent2"/>
+                </a:solidFill>
+              </a:rPr>
+              <a:t>print(“Person </a:t>
+            </a:r>
+            <a:r>
+              <a:rPr lang="ko-KR" altLang="en-US" sz="1600" dirty="0" smtClean="0">
+                <a:solidFill>
+                  <a:schemeClr val="accent2"/>
+                </a:solidFill>
+              </a:rPr>
+              <a:t>인스턴스 소멸</a:t>
+            </a:r>
+            <a:r>
+              <a:rPr lang="en-US" altLang="ko-KR" sz="1600" dirty="0" smtClean="0">
+                <a:solidFill>
+                  <a:schemeClr val="accent2"/>
+                </a:solidFill>
+              </a:rPr>
+              <a:t>”)</a:t>
+            </a:r>
+          </a:p>
+          <a:p>
+            <a:r>
+              <a:rPr lang="en-US" altLang="ko-KR" sz="1600" dirty="0" smtClean="0">
+                <a:solidFill>
+                  <a:schemeClr val="accent2"/>
+                </a:solidFill>
+              </a:rPr>
+              <a:t>	}</a:t>
+            </a:r>
+            <a:r>
+              <a:rPr lang="en-US" altLang="ko-KR" sz="1600" dirty="0">
+                <a:solidFill>
+                  <a:schemeClr val="accent2"/>
+                </a:solidFill>
+              </a:rPr>
+              <a:t/>
+            </a:r>
+            <a:br>
+              <a:rPr lang="en-US" altLang="ko-KR" sz="1600" dirty="0">
+                <a:solidFill>
+                  <a:schemeClr val="accent2"/>
+                </a:solidFill>
+              </a:rPr>
+            </a:br>
+            <a:r>
+              <a:rPr lang="en-US" altLang="ko-KR" sz="1600" dirty="0" smtClean="0"/>
+              <a:t>}</a:t>
+            </a:r>
+            <a:br>
+              <a:rPr lang="en-US" altLang="ko-KR" sz="1600" dirty="0" smtClean="0"/>
+            </a:br>
+            <a:r>
+              <a:rPr lang="en-US" altLang="ko-KR" sz="1600" dirty="0" err="1" smtClean="0"/>
+              <a:t>var</a:t>
+            </a:r>
+            <a:r>
+              <a:rPr lang="en-US" altLang="ko-KR" sz="1600" dirty="0" smtClean="0"/>
+              <a:t> </a:t>
+            </a:r>
+            <a:r>
+              <a:rPr lang="en-US" altLang="ko-KR" sz="1600" dirty="0" err="1" smtClean="0"/>
+              <a:t>myInstance</a:t>
+            </a:r>
+            <a:r>
+              <a:rPr lang="en-US" altLang="ko-KR" sz="1600" dirty="0" smtClean="0"/>
+              <a:t>: Person? = Person()</a:t>
+            </a:r>
+          </a:p>
+          <a:p>
+            <a:r>
+              <a:rPr lang="en-US" altLang="ko-KR" sz="1600" dirty="0" err="1" smtClean="0"/>
+              <a:t>myInstance</a:t>
+            </a:r>
+            <a:r>
+              <a:rPr lang="en-US" altLang="ko-KR" sz="1600" dirty="0" smtClean="0"/>
+              <a:t> = nil   </a:t>
+            </a:r>
+            <a:r>
+              <a:rPr lang="en-US" altLang="ko-KR" sz="1200" dirty="0" smtClean="0">
+                <a:solidFill>
+                  <a:schemeClr val="accent6"/>
+                </a:solidFill>
+              </a:rPr>
+              <a:t>// </a:t>
+            </a:r>
+            <a:r>
+              <a:rPr lang="ko-KR" altLang="en-US" sz="1200" dirty="0" smtClean="0">
+                <a:solidFill>
+                  <a:schemeClr val="accent6"/>
+                </a:solidFill>
+              </a:rPr>
+              <a:t>이 시점에서 </a:t>
+            </a:r>
+            <a:r>
+              <a:rPr lang="en-US" altLang="ko-KR" sz="1200" dirty="0" smtClean="0">
+                <a:solidFill>
+                  <a:schemeClr val="accent6"/>
+                </a:solidFill>
+              </a:rPr>
+              <a:t>Person </a:t>
+            </a:r>
+            <a:r>
+              <a:rPr lang="ko-KR" altLang="en-US" sz="1200" dirty="0" smtClean="0">
+                <a:solidFill>
+                  <a:schemeClr val="accent6"/>
+                </a:solidFill>
+              </a:rPr>
+              <a:t>인스턴스 소멸</a:t>
+            </a:r>
+            <a:endParaRPr lang="en-US" altLang="ko-KR" sz="1200" dirty="0">
+              <a:solidFill>
+                <a:schemeClr val="accent6"/>
+              </a:solidFill>
+            </a:endParaRPr>
+          </a:p>
+        </p:txBody>
+      </p:sp>
+      <p:pic>
+        <p:nvPicPr>
+          <p:cNvPr id="5" name="그림 4"/>
+          <p:cNvPicPr>
+            <a:picLocks noChangeAspect="1"/>
+          </p:cNvPicPr>
+          <p:nvPr/>
+        </p:nvPicPr>
+        <p:blipFill>
+          <a:blip r:embed="rId2"/>
+          <a:stretch>
+            <a:fillRect/>
+          </a:stretch>
+        </p:blipFill>
+        <p:spPr>
+          <a:xfrm>
+            <a:off x="406581" y="4357067"/>
+            <a:ext cx="8743950" cy="2600325"/>
+          </a:xfrm>
+          <a:prstGeom prst="rect">
+            <a:avLst/>
+          </a:prstGeom>
+        </p:spPr>
+      </p:pic>
+    </p:spTree>
+    <p:extLst>
+      <p:ext uri="{BB962C8B-B14F-4D97-AF65-F5344CB8AC3E}">
+        <p14:creationId xmlns:p14="http://schemas.microsoft.com/office/powerpoint/2010/main" val="16513156"/>
+      </p:ext>
+    </p:extLst>
+  </p:cSld>
+  <p:clrMapOvr>
+    <a:masterClrMapping/>
+  </p:clrMapOvr>
+</p:sld>
+</file>
+
+<file path=ppt/slides/slide71.xml><?xml version="1.0" encoding="utf-8"?>
+<p:sld xmlns:a="http://schemas.openxmlformats.org/drawingml/2006/main" xmlns:r="http://schemas.openxmlformats.org/officeDocument/2006/relationships" xmlns:p="http://schemas.openxmlformats.org/presentationml/2006/main">
+  <p:cSld>
+    <p:spTree>
+      <p:nvGrpSpPr>
+        <p:cNvPr id="1" name=""/>
+        <p:cNvGrpSpPr/>
+        <p:nvPr/>
+      </p:nvGrpSpPr>
+      <p:grpSpPr>
+        <a:xfrm>
+          <a:off x="0" y="0"/>
+          <a:ext cx="0" cy="0"/>
+          <a:chOff x="0" y="0"/>
+          <a:chExt cx="0" cy="0"/>
+        </a:xfrm>
+      </p:grpSpPr>
+      <p:sp>
+        <p:nvSpPr>
+          <p:cNvPr id="2" name="제목 1"/>
+          <p:cNvSpPr>
+            <a:spLocks noGrp="1"/>
+          </p:cNvSpPr>
+          <p:nvPr>
+            <p:ph type="title"/>
+          </p:nvPr>
+        </p:nvSpPr>
+        <p:spPr/>
+        <p:txBody>
+          <a:bodyPr/>
+          <a:lstStyle/>
+          <a:p>
+            <a:r>
+              <a:rPr lang="ko-KR" altLang="en-US" dirty="0" smtClean="0"/>
+              <a:t>구조체와 클래스</a:t>
+            </a:r>
+            <a:endParaRPr lang="ko-KR" altLang="en-US" dirty="0"/>
+          </a:p>
+        </p:txBody>
+      </p:sp>
+      <p:sp>
+        <p:nvSpPr>
+          <p:cNvPr id="3" name="내용 개체 틀 2"/>
+          <p:cNvSpPr>
+            <a:spLocks noGrp="1"/>
+          </p:cNvSpPr>
+          <p:nvPr>
+            <p:ph idx="1"/>
+          </p:nvPr>
+        </p:nvSpPr>
+        <p:spPr/>
+        <p:txBody>
+          <a:bodyPr>
+            <a:normAutofit/>
+          </a:bodyPr>
+          <a:lstStyle/>
+          <a:p>
+            <a:r>
+              <a:rPr lang="ko-KR" altLang="en-US" dirty="0" smtClean="0"/>
+              <a:t>구조체와 클래스의 차이</a:t>
+            </a:r>
+            <a:endParaRPr lang="en-US" altLang="ko-KR" dirty="0"/>
+          </a:p>
+          <a:p>
+            <a:endParaRPr lang="en-US" altLang="ko-KR" dirty="0" smtClean="0"/>
+          </a:p>
+          <a:p>
+            <a:endParaRPr lang="en-US" altLang="ko-KR" dirty="0"/>
+          </a:p>
+          <a:p>
+            <a:endParaRPr lang="en-US" altLang="ko-KR" dirty="0" smtClean="0"/>
+          </a:p>
+          <a:p>
+            <a:endParaRPr lang="en-US" altLang="ko-KR" dirty="0"/>
+          </a:p>
+          <a:p>
+            <a:pPr marL="454914" lvl="1" indent="0">
+              <a:buNone/>
+            </a:pPr>
+            <a:endParaRPr lang="en-US" altLang="ko-KR" dirty="0" smtClean="0"/>
+          </a:p>
+          <a:p>
+            <a:endParaRPr lang="en-US" altLang="ko-KR" dirty="0"/>
+          </a:p>
+          <a:p>
+            <a:endParaRPr lang="en-US" altLang="ko-KR" dirty="0" smtClean="0"/>
+          </a:p>
+          <a:p>
+            <a:endParaRPr lang="en-US" altLang="ko-KR" dirty="0"/>
+          </a:p>
+          <a:p>
+            <a:endParaRPr lang="en-US" altLang="ko-KR" dirty="0" smtClean="0"/>
+          </a:p>
+          <a:p>
+            <a:endParaRPr lang="en-US" altLang="ko-KR" dirty="0"/>
+          </a:p>
+        </p:txBody>
+      </p:sp>
+      <p:graphicFrame>
+        <p:nvGraphicFramePr>
+          <p:cNvPr id="6" name="표 5"/>
+          <p:cNvGraphicFramePr>
+            <a:graphicFrameLocks noGrp="1"/>
+          </p:cNvGraphicFramePr>
+          <p:nvPr>
+            <p:extLst>
+              <p:ext uri="{D42A27DB-BD31-4B8C-83A1-F6EECF244321}">
+                <p14:modId xmlns:p14="http://schemas.microsoft.com/office/powerpoint/2010/main" val="547536864"/>
+              </p:ext>
+            </p:extLst>
+          </p:nvPr>
+        </p:nvGraphicFramePr>
+        <p:xfrm>
+          <a:off x="1475656" y="1196752"/>
+          <a:ext cx="6096000" cy="2214880"/>
+        </p:xfrm>
+        <a:graphic>
+          <a:graphicData uri="http://schemas.openxmlformats.org/drawingml/2006/table">
+            <a:tbl>
+              <a:tblPr firstRow="1" bandRow="1">
+                <a:tableStyleId>{10A1B5D5-9B99-4C35-A422-299274C87663}</a:tableStyleId>
+              </a:tblPr>
+              <a:tblGrid>
+                <a:gridCol w="2032000">
+                  <a:extLst>
+                    <a:ext uri="{9D8B030D-6E8A-4147-A177-3AD203B41FA5}">
+                      <a16:colId xmlns:a16="http://schemas.microsoft.com/office/drawing/2014/main" val="4183474523"/>
+                    </a:ext>
+                  </a:extLst>
+                </a:gridCol>
+                <a:gridCol w="2032000">
+                  <a:extLst>
+                    <a:ext uri="{9D8B030D-6E8A-4147-A177-3AD203B41FA5}">
+                      <a16:colId xmlns:a16="http://schemas.microsoft.com/office/drawing/2014/main" val="1622359793"/>
+                    </a:ext>
+                  </a:extLst>
+                </a:gridCol>
+                <a:gridCol w="2032000">
+                  <a:extLst>
+                    <a:ext uri="{9D8B030D-6E8A-4147-A177-3AD203B41FA5}">
+                      <a16:colId xmlns:a16="http://schemas.microsoft.com/office/drawing/2014/main" val="294171533"/>
+                    </a:ext>
+                  </a:extLst>
+                </a:gridCol>
+              </a:tblGrid>
+              <a:tr h="370840">
+                <a:tc>
+                  <a:txBody>
+                    <a:bodyPr/>
+                    <a:lstStyle/>
+                    <a:p>
+                      <a:pPr latinLnBrk="1"/>
+                      <a:endParaRPr lang="ko-KR" altLang="en-US" dirty="0"/>
+                    </a:p>
+                  </a:txBody>
+                  <a:tcPr/>
+                </a:tc>
+                <a:tc>
+                  <a:txBody>
+                    <a:bodyPr/>
+                    <a:lstStyle/>
+                    <a:p>
+                      <a:pPr latinLnBrk="1"/>
+                      <a:r>
+                        <a:rPr lang="ko-KR" altLang="en-US" dirty="0" smtClean="0"/>
+                        <a:t>구조체</a:t>
+                      </a:r>
+                      <a:endParaRPr lang="ko-KR" altLang="en-US" dirty="0"/>
+                    </a:p>
+                  </a:txBody>
+                  <a:tcPr/>
+                </a:tc>
+                <a:tc>
+                  <a:txBody>
+                    <a:bodyPr/>
+                    <a:lstStyle/>
+                    <a:p>
+                      <a:pPr latinLnBrk="1"/>
+                      <a:r>
+                        <a:rPr lang="ko-KR" altLang="en-US" dirty="0" smtClean="0"/>
+                        <a:t>클래스</a:t>
+                      </a:r>
+                      <a:endParaRPr lang="ko-KR" altLang="en-US" dirty="0"/>
+                    </a:p>
+                  </a:txBody>
+                  <a:tcPr/>
+                </a:tc>
+                <a:extLst>
+                  <a:ext uri="{0D108BD9-81ED-4DB2-BD59-A6C34878D82A}">
+                    <a16:rowId xmlns:a16="http://schemas.microsoft.com/office/drawing/2014/main" val="1883699554"/>
+                  </a:ext>
+                </a:extLst>
+              </a:tr>
+              <a:tr h="370840">
+                <a:tc>
+                  <a:txBody>
+                    <a:bodyPr/>
+                    <a:lstStyle/>
+                    <a:p>
+                      <a:pPr latinLnBrk="1"/>
+                      <a:r>
+                        <a:rPr lang="ko-KR" altLang="en-US" dirty="0" smtClean="0"/>
+                        <a:t>상속</a:t>
+                      </a:r>
+                      <a:endParaRPr lang="ko-KR" altLang="en-US" dirty="0"/>
+                    </a:p>
+                  </a:txBody>
+                  <a:tcPr/>
+                </a:tc>
+                <a:tc>
+                  <a:txBody>
+                    <a:bodyPr/>
+                    <a:lstStyle/>
+                    <a:p>
+                      <a:pPr latinLnBrk="1"/>
+                      <a:r>
+                        <a:rPr lang="en-US" altLang="ko-KR" dirty="0" smtClean="0"/>
+                        <a:t>X</a:t>
+                      </a:r>
+                      <a:endParaRPr lang="ko-KR" altLang="en-US" dirty="0"/>
+                    </a:p>
+                  </a:txBody>
+                  <a:tcPr/>
+                </a:tc>
+                <a:tc>
+                  <a:txBody>
+                    <a:bodyPr/>
+                    <a:lstStyle/>
+                    <a:p>
+                      <a:pPr latinLnBrk="1"/>
+                      <a:r>
+                        <a:rPr lang="en-US" altLang="ko-KR" dirty="0" smtClean="0"/>
+                        <a:t>O</a:t>
+                      </a:r>
+                      <a:endParaRPr lang="ko-KR" altLang="en-US" dirty="0"/>
+                    </a:p>
+                  </a:txBody>
+                  <a:tcPr/>
+                </a:tc>
+                <a:extLst>
+                  <a:ext uri="{0D108BD9-81ED-4DB2-BD59-A6C34878D82A}">
+                    <a16:rowId xmlns:a16="http://schemas.microsoft.com/office/drawing/2014/main" val="3082145626"/>
+                  </a:ext>
+                </a:extLst>
+              </a:tr>
+              <a:tr h="370840">
+                <a:tc>
+                  <a:txBody>
+                    <a:bodyPr/>
+                    <a:lstStyle/>
+                    <a:p>
+                      <a:pPr latinLnBrk="1"/>
+                      <a:r>
+                        <a:rPr lang="en-US" altLang="ko-KR" dirty="0" smtClean="0"/>
+                        <a:t>Type casting</a:t>
+                      </a:r>
+                      <a:endParaRPr lang="ko-KR" altLang="en-US" dirty="0"/>
+                    </a:p>
+                  </a:txBody>
+                  <a:tcPr/>
+                </a:tc>
+                <a:tc>
+                  <a:txBody>
+                    <a:bodyPr/>
+                    <a:lstStyle/>
+                    <a:p>
+                      <a:pPr latinLnBrk="1"/>
+                      <a:r>
+                        <a:rPr lang="en-US" altLang="ko-KR" dirty="0" smtClean="0"/>
+                        <a:t>X</a:t>
+                      </a:r>
+                      <a:endParaRPr lang="ko-KR" altLang="en-US" dirty="0"/>
+                    </a:p>
+                  </a:txBody>
+                  <a:tcPr/>
+                </a:tc>
+                <a:tc>
+                  <a:txBody>
+                    <a:bodyPr/>
+                    <a:lstStyle/>
+                    <a:p>
+                      <a:pPr latinLnBrk="1"/>
+                      <a:r>
+                        <a:rPr lang="en-US" altLang="ko-KR" dirty="0" smtClean="0"/>
+                        <a:t>O</a:t>
+                      </a:r>
+                      <a:endParaRPr lang="ko-KR" altLang="en-US" dirty="0"/>
+                    </a:p>
+                  </a:txBody>
+                  <a:tcPr/>
+                </a:tc>
+                <a:extLst>
+                  <a:ext uri="{0D108BD9-81ED-4DB2-BD59-A6C34878D82A}">
+                    <a16:rowId xmlns:a16="http://schemas.microsoft.com/office/drawing/2014/main" val="1237999315"/>
+                  </a:ext>
+                </a:extLst>
+              </a:tr>
+              <a:tr h="370840">
+                <a:tc>
+                  <a:txBody>
+                    <a:bodyPr/>
+                    <a:lstStyle/>
+                    <a:p>
+                      <a:pPr latinLnBrk="1"/>
+                      <a:r>
+                        <a:rPr lang="en-US" altLang="ko-KR" dirty="0" err="1" smtClean="0"/>
+                        <a:t>Deinitializer</a:t>
+                      </a:r>
+                      <a:endParaRPr lang="ko-KR" altLang="en-US" dirty="0"/>
+                    </a:p>
+                  </a:txBody>
+                  <a:tcPr/>
+                </a:tc>
+                <a:tc>
+                  <a:txBody>
+                    <a:bodyPr/>
+                    <a:lstStyle/>
+                    <a:p>
+                      <a:pPr latinLnBrk="1"/>
+                      <a:r>
+                        <a:rPr lang="en-US" altLang="ko-KR" dirty="0" smtClean="0"/>
+                        <a:t>X</a:t>
+                      </a:r>
+                      <a:endParaRPr lang="ko-KR" altLang="en-US" dirty="0"/>
+                    </a:p>
+                  </a:txBody>
+                  <a:tcPr/>
+                </a:tc>
+                <a:tc>
+                  <a:txBody>
+                    <a:bodyPr/>
+                    <a:lstStyle/>
+                    <a:p>
+                      <a:pPr latinLnBrk="1"/>
+                      <a:r>
+                        <a:rPr lang="en-US" altLang="ko-KR" dirty="0" smtClean="0"/>
+                        <a:t>O</a:t>
+                      </a:r>
+                      <a:endParaRPr lang="ko-KR" altLang="en-US" dirty="0"/>
+                    </a:p>
+                  </a:txBody>
+                  <a:tcPr/>
+                </a:tc>
+                <a:extLst>
+                  <a:ext uri="{0D108BD9-81ED-4DB2-BD59-A6C34878D82A}">
+                    <a16:rowId xmlns:a16="http://schemas.microsoft.com/office/drawing/2014/main" val="2656202295"/>
+                  </a:ext>
+                </a:extLst>
+              </a:tr>
+              <a:tr h="185420">
+                <a:tc>
+                  <a:txBody>
+                    <a:bodyPr/>
+                    <a:lstStyle/>
+                    <a:p>
+                      <a:pPr latinLnBrk="1"/>
+                      <a:r>
+                        <a:rPr lang="en-US" altLang="ko-KR" dirty="0" smtClean="0"/>
+                        <a:t>Reference counting</a:t>
+                      </a:r>
+                      <a:endParaRPr lang="ko-KR" altLang="en-US" dirty="0"/>
+                    </a:p>
+                  </a:txBody>
+                  <a:tcPr/>
+                </a:tc>
+                <a:tc>
+                  <a:txBody>
+                    <a:bodyPr/>
+                    <a:lstStyle/>
+                    <a:p>
+                      <a:pPr latinLnBrk="1"/>
+                      <a:r>
+                        <a:rPr lang="en-US" altLang="ko-KR" dirty="0" smtClean="0"/>
+                        <a:t>X</a:t>
+                      </a:r>
+                    </a:p>
+                  </a:txBody>
+                  <a:tcPr/>
+                </a:tc>
+                <a:tc>
+                  <a:txBody>
+                    <a:bodyPr/>
+                    <a:lstStyle/>
+                    <a:p>
+                      <a:pPr latinLnBrk="1"/>
+                      <a:r>
+                        <a:rPr lang="en-US" altLang="ko-KR" dirty="0" smtClean="0"/>
+                        <a:t>O</a:t>
+                      </a:r>
+                      <a:endParaRPr lang="ko-KR" altLang="en-US" dirty="0"/>
+                    </a:p>
+                  </a:txBody>
+                  <a:tcPr/>
+                </a:tc>
+                <a:extLst>
+                  <a:ext uri="{0D108BD9-81ED-4DB2-BD59-A6C34878D82A}">
+                    <a16:rowId xmlns:a16="http://schemas.microsoft.com/office/drawing/2014/main" val="3820442643"/>
+                  </a:ext>
+                </a:extLst>
+              </a:tr>
+              <a:tr h="185420">
+                <a:tc>
+                  <a:txBody>
+                    <a:bodyPr/>
+                    <a:lstStyle/>
+                    <a:p>
+                      <a:pPr latinLnBrk="1"/>
+                      <a:r>
+                        <a:rPr lang="en-US" altLang="ko-KR" dirty="0" smtClean="0">
+                          <a:solidFill>
+                            <a:schemeClr val="accent2"/>
+                          </a:solidFill>
+                        </a:rPr>
+                        <a:t>Data</a:t>
+                      </a:r>
+                      <a:r>
+                        <a:rPr lang="en-US" altLang="ko-KR" baseline="0" dirty="0" smtClean="0">
+                          <a:solidFill>
+                            <a:schemeClr val="accent2"/>
+                          </a:solidFill>
+                        </a:rPr>
+                        <a:t> type</a:t>
+                      </a:r>
+                      <a:endParaRPr lang="ko-KR" altLang="en-US" dirty="0">
+                        <a:solidFill>
+                          <a:schemeClr val="accent2"/>
+                        </a:solidFill>
+                      </a:endParaRPr>
+                    </a:p>
+                  </a:txBody>
+                  <a:tcPr/>
+                </a:tc>
+                <a:tc>
+                  <a:txBody>
+                    <a:bodyPr/>
+                    <a:lstStyle/>
+                    <a:p>
+                      <a:pPr latinLnBrk="1"/>
+                      <a:r>
+                        <a:rPr lang="ko-KR" altLang="en-US" dirty="0" smtClean="0">
+                          <a:solidFill>
+                            <a:schemeClr val="accent2"/>
+                          </a:solidFill>
+                        </a:rPr>
+                        <a:t>값</a:t>
+                      </a:r>
+                      <a:endParaRPr lang="en-US" altLang="ko-KR" dirty="0" smtClean="0">
+                        <a:solidFill>
+                          <a:schemeClr val="accent2"/>
+                        </a:solidFill>
+                      </a:endParaRPr>
+                    </a:p>
+                  </a:txBody>
+                  <a:tcPr/>
+                </a:tc>
+                <a:tc>
+                  <a:txBody>
+                    <a:bodyPr/>
+                    <a:lstStyle/>
+                    <a:p>
+                      <a:pPr latinLnBrk="1"/>
+                      <a:r>
+                        <a:rPr lang="ko-KR" altLang="en-US" dirty="0" smtClean="0">
+                          <a:solidFill>
+                            <a:schemeClr val="accent2"/>
+                          </a:solidFill>
+                        </a:rPr>
+                        <a:t>참조</a:t>
+                      </a:r>
+                      <a:endParaRPr lang="ko-KR" altLang="en-US" dirty="0">
+                        <a:solidFill>
+                          <a:schemeClr val="accent2"/>
+                        </a:solidFill>
+                      </a:endParaRPr>
+                    </a:p>
+                  </a:txBody>
+                  <a:tcPr/>
+                </a:tc>
+                <a:extLst>
+                  <a:ext uri="{0D108BD9-81ED-4DB2-BD59-A6C34878D82A}">
+                    <a16:rowId xmlns:a16="http://schemas.microsoft.com/office/drawing/2014/main" val="3177822037"/>
+                  </a:ext>
+                </a:extLst>
+              </a:tr>
+            </a:tbl>
+          </a:graphicData>
+        </a:graphic>
+      </p:graphicFrame>
+    </p:spTree>
+    <p:extLst>
+      <p:ext uri="{BB962C8B-B14F-4D97-AF65-F5344CB8AC3E}">
+        <p14:creationId xmlns:p14="http://schemas.microsoft.com/office/powerpoint/2010/main" val="2926061900"/>
+      </p:ext>
+    </p:extLst>
+  </p:cSld>
+  <p:clrMapOvr>
+    <a:masterClrMapping/>
+  </p:clrMapOvr>
+</p:sld>
+</file>
+
+<file path=ppt/slides/slide72.xml><?xml version="1.0" encoding="utf-8"?>
+<p:sld xmlns:a="http://schemas.openxmlformats.org/drawingml/2006/main" xmlns:r="http://schemas.openxmlformats.org/officeDocument/2006/relationships" xmlns:p="http://schemas.openxmlformats.org/presentationml/2006/main">
+  <p:cSld>
+    <p:spTree>
+      <p:nvGrpSpPr>
+        <p:cNvPr id="1" name=""/>
+        <p:cNvGrpSpPr/>
+        <p:nvPr/>
+      </p:nvGrpSpPr>
+      <p:grpSpPr>
+        <a:xfrm>
+          <a:off x="0" y="0"/>
+          <a:ext cx="0" cy="0"/>
+          <a:chOff x="0" y="0"/>
+          <a:chExt cx="0" cy="0"/>
+        </a:xfrm>
+      </p:grpSpPr>
+      <p:sp>
+        <p:nvSpPr>
+          <p:cNvPr id="2" name="제목 1"/>
+          <p:cNvSpPr>
+            <a:spLocks noGrp="1"/>
+          </p:cNvSpPr>
+          <p:nvPr>
+            <p:ph type="title"/>
+          </p:nvPr>
+        </p:nvSpPr>
+        <p:spPr/>
+        <p:txBody>
+          <a:bodyPr/>
+          <a:lstStyle/>
+          <a:p>
+            <a:r>
+              <a:rPr lang="ko-KR" altLang="en-US" dirty="0" smtClean="0"/>
+              <a:t>구조체와 클래스</a:t>
+            </a:r>
+            <a:endParaRPr lang="ko-KR" altLang="en-US" dirty="0"/>
+          </a:p>
+        </p:txBody>
+      </p:sp>
+      <p:sp>
+        <p:nvSpPr>
+          <p:cNvPr id="3" name="내용 개체 틀 2"/>
+          <p:cNvSpPr>
+            <a:spLocks noGrp="1"/>
+          </p:cNvSpPr>
+          <p:nvPr>
+            <p:ph idx="1"/>
+          </p:nvPr>
+        </p:nvSpPr>
+        <p:spPr/>
+        <p:txBody>
+          <a:bodyPr>
+            <a:normAutofit/>
+          </a:bodyPr>
+          <a:lstStyle/>
+          <a:p>
+            <a:r>
+              <a:rPr lang="ko-KR" altLang="en-US" dirty="0" smtClean="0"/>
+              <a:t>구조체와 클래스의 차이</a:t>
+            </a:r>
+            <a:endParaRPr lang="en-US" altLang="ko-KR" dirty="0" smtClean="0"/>
+          </a:p>
+          <a:p>
+            <a:pPr lvl="1"/>
+            <a:r>
+              <a:rPr lang="ko-KR" altLang="en-US" dirty="0" smtClean="0"/>
+              <a:t>함수의 전달 인자로 전달될 때</a:t>
+            </a:r>
+            <a:endParaRPr lang="en-US" altLang="ko-KR" dirty="0"/>
+          </a:p>
+          <a:p>
+            <a:pPr lvl="2"/>
+            <a:r>
+              <a:rPr lang="ko-KR" altLang="en-US" dirty="0" smtClean="0"/>
+              <a:t>구조체</a:t>
+            </a:r>
+            <a:r>
+              <a:rPr lang="en-US" altLang="ko-KR" dirty="0" smtClean="0"/>
+              <a:t>:</a:t>
+            </a:r>
+            <a:r>
+              <a:rPr lang="ko-KR" altLang="en-US" dirty="0" smtClean="0"/>
+              <a:t> </a:t>
+            </a:r>
+            <a:r>
+              <a:rPr lang="ko-KR" altLang="en-US" dirty="0" smtClean="0">
+                <a:solidFill>
+                  <a:schemeClr val="accent3"/>
+                </a:solidFill>
+              </a:rPr>
+              <a:t>값이 복사</a:t>
+            </a:r>
+            <a:r>
+              <a:rPr lang="ko-KR" altLang="en-US" dirty="0" smtClean="0"/>
+              <a:t>되어 전달</a:t>
+            </a:r>
+            <a:endParaRPr lang="en-US" altLang="ko-KR" dirty="0" smtClean="0"/>
+          </a:p>
+          <a:p>
+            <a:pPr lvl="2"/>
+            <a:r>
+              <a:rPr lang="ko-KR" altLang="en-US" dirty="0" smtClean="0"/>
+              <a:t>클래스</a:t>
+            </a:r>
+            <a:r>
+              <a:rPr lang="en-US" altLang="ko-KR" dirty="0" smtClean="0"/>
+              <a:t>:</a:t>
+            </a:r>
+            <a:r>
+              <a:rPr lang="ko-KR" altLang="en-US" dirty="0" smtClean="0"/>
+              <a:t> 클래스의 </a:t>
+            </a:r>
+            <a:r>
+              <a:rPr lang="ko-KR" altLang="en-US" dirty="0" err="1" smtClean="0">
+                <a:solidFill>
+                  <a:schemeClr val="accent2"/>
+                </a:solidFill>
+              </a:rPr>
+              <a:t>참조값</a:t>
+            </a:r>
+            <a:r>
+              <a:rPr lang="ko-KR" altLang="en-US" dirty="0" smtClean="0"/>
+              <a:t> 전달</a:t>
+            </a:r>
+            <a:endParaRPr lang="en-US" altLang="ko-KR" dirty="0"/>
+          </a:p>
+          <a:p>
+            <a:endParaRPr lang="en-US" altLang="ko-KR" dirty="0" smtClean="0"/>
+          </a:p>
+          <a:p>
+            <a:endParaRPr lang="en-US" altLang="ko-KR" dirty="0"/>
+          </a:p>
+          <a:p>
+            <a:endParaRPr lang="en-US" altLang="ko-KR" dirty="0" smtClean="0"/>
+          </a:p>
+          <a:p>
+            <a:endParaRPr lang="en-US" altLang="ko-KR" dirty="0"/>
+          </a:p>
+          <a:p>
+            <a:pPr marL="454914" lvl="1" indent="0">
+              <a:buNone/>
+            </a:pPr>
+            <a:endParaRPr lang="en-US" altLang="ko-KR" dirty="0" smtClean="0"/>
+          </a:p>
+          <a:p>
+            <a:endParaRPr lang="en-US" altLang="ko-KR" dirty="0"/>
+          </a:p>
+          <a:p>
+            <a:endParaRPr lang="en-US" altLang="ko-KR" dirty="0" smtClean="0"/>
+          </a:p>
+          <a:p>
+            <a:endParaRPr lang="en-US" altLang="ko-KR" dirty="0"/>
+          </a:p>
+          <a:p>
+            <a:endParaRPr lang="en-US" altLang="ko-KR" dirty="0" smtClean="0"/>
+          </a:p>
+          <a:p>
+            <a:endParaRPr lang="en-US" altLang="ko-KR" dirty="0"/>
+          </a:p>
+        </p:txBody>
+      </p:sp>
+      <p:sp>
+        <p:nvSpPr>
+          <p:cNvPr id="4" name="TextBox 3"/>
+          <p:cNvSpPr txBox="1"/>
+          <p:nvPr/>
+        </p:nvSpPr>
+        <p:spPr>
+          <a:xfrm>
+            <a:off x="971600" y="2204864"/>
+            <a:ext cx="8172400" cy="4401205"/>
+          </a:xfrm>
+          <a:prstGeom prst="rect">
+            <a:avLst/>
+          </a:prstGeom>
+          <a:noFill/>
+        </p:spPr>
+        <p:txBody>
+          <a:bodyPr wrap="square" rtlCol="0">
+            <a:spAutoFit/>
+          </a:bodyPr>
+          <a:lstStyle/>
+          <a:p>
+            <a:r>
+              <a:rPr lang="en-US" altLang="ko-KR" sz="1400" dirty="0" err="1" smtClean="0"/>
+              <a:t>struct</a:t>
+            </a:r>
+            <a:r>
+              <a:rPr lang="en-US" altLang="ko-KR" sz="1400" dirty="0" smtClean="0"/>
+              <a:t> </a:t>
+            </a:r>
+            <a:r>
+              <a:rPr lang="en-US" altLang="ko-KR" sz="1400" dirty="0" err="1">
+                <a:solidFill>
+                  <a:schemeClr val="accent3"/>
+                </a:solidFill>
+              </a:rPr>
+              <a:t>SampleStruct</a:t>
+            </a:r>
+            <a:r>
+              <a:rPr lang="en-US" altLang="ko-KR" sz="1400" dirty="0"/>
+              <a:t> {</a:t>
+            </a:r>
+          </a:p>
+          <a:p>
+            <a:r>
+              <a:rPr lang="en-US" altLang="ko-KR" sz="1400" dirty="0"/>
+              <a:t>	</a:t>
+            </a:r>
+            <a:r>
+              <a:rPr lang="en-US" altLang="ko-KR" sz="1400" dirty="0" err="1"/>
+              <a:t>var</a:t>
+            </a:r>
+            <a:r>
+              <a:rPr lang="en-US" altLang="ko-KR" sz="1400" dirty="0"/>
+              <a:t> name: String</a:t>
+            </a:r>
+          </a:p>
+          <a:p>
+            <a:r>
+              <a:rPr lang="en-US" altLang="ko-KR" sz="1400" dirty="0"/>
+              <a:t>	</a:t>
+            </a:r>
+            <a:r>
+              <a:rPr lang="en-US" altLang="ko-KR" sz="1400" dirty="0" err="1"/>
+              <a:t>var</a:t>
+            </a:r>
+            <a:r>
+              <a:rPr lang="en-US" altLang="ko-KR" sz="1400" dirty="0"/>
+              <a:t> count: </a:t>
+            </a:r>
+            <a:r>
+              <a:rPr lang="en-US" altLang="ko-KR" sz="1400" dirty="0" err="1"/>
+              <a:t>Int</a:t>
+            </a:r>
+            <a:endParaRPr lang="en-US" altLang="ko-KR" sz="1400" dirty="0"/>
+          </a:p>
+          <a:p>
+            <a:r>
+              <a:rPr lang="en-US" altLang="ko-KR" sz="1400" dirty="0"/>
+              <a:t>}</a:t>
+            </a:r>
+          </a:p>
+          <a:p>
+            <a:endParaRPr lang="en-US" altLang="ko-KR" sz="1400" dirty="0"/>
+          </a:p>
+          <a:p>
+            <a:r>
+              <a:rPr lang="en-US" altLang="ko-KR" sz="1400" dirty="0" err="1"/>
+              <a:t>var</a:t>
+            </a:r>
+            <a:r>
+              <a:rPr lang="en-US" altLang="ko-KR" sz="1400" dirty="0"/>
+              <a:t> </a:t>
+            </a:r>
+            <a:r>
+              <a:rPr lang="en-US" altLang="ko-KR" sz="1400" dirty="0" err="1"/>
+              <a:t>testStruct</a:t>
+            </a:r>
+            <a:r>
+              <a:rPr lang="en-US" altLang="ko-KR" sz="1400" dirty="0"/>
+              <a:t>: </a:t>
+            </a:r>
+            <a:r>
+              <a:rPr lang="en-US" altLang="ko-KR" sz="1400" dirty="0" err="1">
+                <a:solidFill>
+                  <a:schemeClr val="accent3"/>
+                </a:solidFill>
+              </a:rPr>
+              <a:t>SampleStruct</a:t>
+            </a:r>
+            <a:r>
+              <a:rPr lang="en-US" altLang="ko-KR" sz="1400" dirty="0"/>
+              <a:t> = </a:t>
+            </a:r>
+            <a:r>
+              <a:rPr lang="en-US" altLang="ko-KR" sz="1400" dirty="0" err="1"/>
+              <a:t>SampleStruct</a:t>
+            </a:r>
+            <a:r>
+              <a:rPr lang="en-US" altLang="ko-KR" sz="1400" dirty="0"/>
+              <a:t>(name: "Sample </a:t>
+            </a:r>
+            <a:r>
+              <a:rPr lang="en-US" altLang="ko-KR" sz="1400" dirty="0" err="1"/>
+              <a:t>Struct</a:t>
+            </a:r>
+            <a:r>
+              <a:rPr lang="en-US" altLang="ko-KR" sz="1400" dirty="0"/>
+              <a:t>", count: 1)</a:t>
+            </a:r>
+          </a:p>
+          <a:p>
+            <a:endParaRPr lang="en-US" altLang="ko-KR" sz="1400" dirty="0"/>
+          </a:p>
+          <a:p>
+            <a:r>
+              <a:rPr lang="en-US" altLang="ko-KR" sz="1400" dirty="0"/>
+              <a:t>class </a:t>
+            </a:r>
+            <a:r>
+              <a:rPr lang="en-US" altLang="ko-KR" sz="1400" dirty="0" err="1">
+                <a:solidFill>
+                  <a:schemeClr val="accent3"/>
+                </a:solidFill>
+              </a:rPr>
+              <a:t>SampleClass</a:t>
+            </a:r>
+            <a:r>
+              <a:rPr lang="en-US" altLang="ko-KR" sz="1400" dirty="0"/>
+              <a:t> {</a:t>
+            </a:r>
+          </a:p>
+          <a:p>
+            <a:r>
+              <a:rPr lang="en-US" altLang="ko-KR" sz="1400" dirty="0"/>
+              <a:t>	</a:t>
+            </a:r>
+            <a:r>
+              <a:rPr lang="en-US" altLang="ko-KR" sz="1400" dirty="0" err="1"/>
+              <a:t>var</a:t>
+            </a:r>
+            <a:r>
+              <a:rPr lang="en-US" altLang="ko-KR" sz="1400" dirty="0"/>
+              <a:t> name: String = ""</a:t>
+            </a:r>
+          </a:p>
+          <a:p>
+            <a:r>
+              <a:rPr lang="en-US" altLang="ko-KR" sz="1400" dirty="0"/>
+              <a:t>	</a:t>
+            </a:r>
+            <a:r>
+              <a:rPr lang="en-US" altLang="ko-KR" sz="1400" dirty="0" err="1"/>
+              <a:t>var</a:t>
+            </a:r>
+            <a:r>
+              <a:rPr lang="en-US" altLang="ko-KR" sz="1400" dirty="0"/>
+              <a:t> count: </a:t>
+            </a:r>
+            <a:r>
+              <a:rPr lang="en-US" altLang="ko-KR" sz="1400" dirty="0" err="1"/>
+              <a:t>Int</a:t>
+            </a:r>
+            <a:r>
+              <a:rPr lang="en-US" altLang="ko-KR" sz="1400" dirty="0"/>
+              <a:t> = 0</a:t>
+            </a:r>
+          </a:p>
+          <a:p>
+            <a:r>
+              <a:rPr lang="en-US" altLang="ko-KR" sz="1400" dirty="0"/>
+              <a:t>}</a:t>
+            </a:r>
+          </a:p>
+          <a:p>
+            <a:endParaRPr lang="en-US" altLang="ko-KR" sz="1400" dirty="0"/>
+          </a:p>
+          <a:p>
+            <a:r>
+              <a:rPr lang="en-US" altLang="ko-KR" sz="1400" dirty="0" err="1"/>
+              <a:t>var</a:t>
+            </a:r>
+            <a:r>
+              <a:rPr lang="en-US" altLang="ko-KR" sz="1400" dirty="0"/>
+              <a:t> </a:t>
+            </a:r>
+            <a:r>
+              <a:rPr lang="en-US" altLang="ko-KR" sz="1400" dirty="0" err="1"/>
+              <a:t>testClass</a:t>
+            </a:r>
+            <a:r>
+              <a:rPr lang="en-US" altLang="ko-KR" sz="1400" dirty="0"/>
+              <a:t>: </a:t>
+            </a:r>
+            <a:r>
+              <a:rPr lang="en-US" altLang="ko-KR" sz="1400" dirty="0" err="1">
+                <a:solidFill>
+                  <a:schemeClr val="accent3"/>
+                </a:solidFill>
+              </a:rPr>
+              <a:t>SampleClass</a:t>
+            </a:r>
+            <a:r>
+              <a:rPr lang="en-US" altLang="ko-KR" sz="1400" dirty="0"/>
+              <a:t> = </a:t>
+            </a:r>
+            <a:r>
+              <a:rPr lang="en-US" altLang="ko-KR" sz="1400" dirty="0" err="1"/>
+              <a:t>SampleClass</a:t>
+            </a:r>
+            <a:r>
+              <a:rPr lang="en-US" altLang="ko-KR" sz="1400" dirty="0"/>
+              <a:t>()</a:t>
+            </a:r>
+          </a:p>
+          <a:p>
+            <a:endParaRPr lang="en-US" altLang="ko-KR" sz="1400" dirty="0"/>
+          </a:p>
+          <a:p>
+            <a:r>
+              <a:rPr lang="en-US" altLang="ko-KR" sz="1400" dirty="0"/>
+              <a:t>testClass.name = "Sample Class"</a:t>
+            </a:r>
+          </a:p>
+          <a:p>
+            <a:r>
+              <a:rPr lang="en-US" altLang="ko-KR" sz="1400" dirty="0" err="1"/>
+              <a:t>testClass.count</a:t>
+            </a:r>
+            <a:r>
+              <a:rPr lang="en-US" altLang="ko-KR" sz="1400" dirty="0"/>
+              <a:t> = 1</a:t>
+            </a:r>
+          </a:p>
+          <a:p>
+            <a:endParaRPr lang="en-US" altLang="ko-KR" sz="1400" dirty="0"/>
+          </a:p>
+          <a:p>
+            <a:r>
+              <a:rPr lang="en-US" altLang="ko-KR" sz="1400" dirty="0"/>
+              <a:t>print("------ before change ------")</a:t>
+            </a:r>
+          </a:p>
+          <a:p>
+            <a:r>
+              <a:rPr lang="en-US" altLang="ko-KR" sz="1400" dirty="0"/>
+              <a:t>print("Sample </a:t>
+            </a:r>
+            <a:r>
+              <a:rPr lang="en-US" altLang="ko-KR" sz="1400" dirty="0" err="1"/>
+              <a:t>Struct</a:t>
+            </a:r>
+            <a:r>
+              <a:rPr lang="en-US" altLang="ko-KR" sz="1400" dirty="0"/>
+              <a:t>: Name: \(testStruct.name), Count: \(</a:t>
+            </a:r>
+            <a:r>
+              <a:rPr lang="en-US" altLang="ko-KR" sz="1400" dirty="0" err="1"/>
+              <a:t>testStruct.count</a:t>
+            </a:r>
+            <a:r>
+              <a:rPr lang="en-US" altLang="ko-KR" sz="1400" dirty="0"/>
+              <a:t>)")</a:t>
+            </a:r>
+          </a:p>
+          <a:p>
+            <a:r>
+              <a:rPr lang="en-US" altLang="ko-KR" sz="1400" dirty="0"/>
+              <a:t>print("Sample Class : Name: \(testClass.name), Count: \(</a:t>
+            </a:r>
+            <a:r>
+              <a:rPr lang="en-US" altLang="ko-KR" sz="1400" dirty="0" err="1"/>
+              <a:t>testClass.count</a:t>
+            </a:r>
+            <a:r>
+              <a:rPr lang="en-US" altLang="ko-KR" sz="1400" dirty="0" smtClean="0"/>
+              <a:t>)")</a:t>
+            </a:r>
+            <a:endParaRPr lang="en-US" altLang="ko-KR" sz="1400" dirty="0"/>
+          </a:p>
+        </p:txBody>
+      </p:sp>
+    </p:spTree>
+    <p:extLst>
+      <p:ext uri="{BB962C8B-B14F-4D97-AF65-F5344CB8AC3E}">
+        <p14:creationId xmlns:p14="http://schemas.microsoft.com/office/powerpoint/2010/main" val="2473512210"/>
+      </p:ext>
+    </p:extLst>
+  </p:cSld>
+  <p:clrMapOvr>
+    <a:masterClrMapping/>
+  </p:clrMapOvr>
+</p:sld>
+</file>
+
+<file path=ppt/slides/slide73.xml><?xml version="1.0" encoding="utf-8"?>
+<p:sld xmlns:a="http://schemas.openxmlformats.org/drawingml/2006/main" xmlns:r="http://schemas.openxmlformats.org/officeDocument/2006/relationships" xmlns:p="http://schemas.openxmlformats.org/presentationml/2006/main">
+  <p:cSld>
+    <p:spTree>
+      <p:nvGrpSpPr>
+        <p:cNvPr id="1" name=""/>
+        <p:cNvGrpSpPr/>
+        <p:nvPr/>
+      </p:nvGrpSpPr>
+      <p:grpSpPr>
+        <a:xfrm>
+          <a:off x="0" y="0"/>
+          <a:ext cx="0" cy="0"/>
+          <a:chOff x="0" y="0"/>
+          <a:chExt cx="0" cy="0"/>
+        </a:xfrm>
+      </p:grpSpPr>
+      <p:sp>
+        <p:nvSpPr>
+          <p:cNvPr id="2" name="제목 1"/>
+          <p:cNvSpPr>
+            <a:spLocks noGrp="1"/>
+          </p:cNvSpPr>
+          <p:nvPr>
+            <p:ph type="title"/>
+          </p:nvPr>
+        </p:nvSpPr>
+        <p:spPr/>
+        <p:txBody>
+          <a:bodyPr/>
+          <a:lstStyle/>
+          <a:p>
+            <a:r>
+              <a:rPr lang="ko-KR" altLang="en-US" dirty="0" smtClean="0"/>
+              <a:t>구조체와 클래스</a:t>
+            </a:r>
+            <a:endParaRPr lang="ko-KR" altLang="en-US" dirty="0"/>
+          </a:p>
+        </p:txBody>
+      </p:sp>
+      <p:sp>
+        <p:nvSpPr>
+          <p:cNvPr id="3" name="내용 개체 틀 2"/>
+          <p:cNvSpPr>
+            <a:spLocks noGrp="1"/>
+          </p:cNvSpPr>
+          <p:nvPr>
+            <p:ph idx="1"/>
+          </p:nvPr>
+        </p:nvSpPr>
+        <p:spPr/>
+        <p:txBody>
+          <a:bodyPr>
+            <a:normAutofit/>
+          </a:bodyPr>
+          <a:lstStyle/>
+          <a:p>
+            <a:r>
+              <a:rPr lang="ko-KR" altLang="en-US" dirty="0" smtClean="0"/>
+              <a:t>구조체와 클래스의 차이</a:t>
+            </a:r>
+            <a:endParaRPr lang="en-US" altLang="ko-KR" dirty="0" smtClean="0"/>
+          </a:p>
+          <a:p>
+            <a:endParaRPr lang="en-US" altLang="ko-KR" dirty="0"/>
+          </a:p>
+          <a:p>
+            <a:endParaRPr lang="en-US" altLang="ko-KR" dirty="0" smtClean="0"/>
+          </a:p>
+          <a:p>
+            <a:endParaRPr lang="en-US" altLang="ko-KR" dirty="0"/>
+          </a:p>
+          <a:p>
+            <a:pPr marL="454914" lvl="1" indent="0">
+              <a:buNone/>
+            </a:pPr>
+            <a:endParaRPr lang="en-US" altLang="ko-KR" dirty="0" smtClean="0"/>
+          </a:p>
+          <a:p>
+            <a:endParaRPr lang="en-US" altLang="ko-KR" dirty="0"/>
+          </a:p>
+          <a:p>
+            <a:endParaRPr lang="en-US" altLang="ko-KR" dirty="0" smtClean="0"/>
+          </a:p>
+          <a:p>
+            <a:endParaRPr lang="en-US" altLang="ko-KR" dirty="0"/>
+          </a:p>
+          <a:p>
+            <a:endParaRPr lang="en-US" altLang="ko-KR" dirty="0" smtClean="0"/>
+          </a:p>
+          <a:p>
+            <a:endParaRPr lang="en-US" altLang="ko-KR" dirty="0"/>
+          </a:p>
+        </p:txBody>
+      </p:sp>
+      <p:sp>
+        <p:nvSpPr>
+          <p:cNvPr id="4" name="TextBox 3"/>
+          <p:cNvSpPr txBox="1"/>
+          <p:nvPr/>
+        </p:nvSpPr>
+        <p:spPr>
+          <a:xfrm>
+            <a:off x="971600" y="1196752"/>
+            <a:ext cx="8172400" cy="3970318"/>
+          </a:xfrm>
+          <a:prstGeom prst="rect">
+            <a:avLst/>
+          </a:prstGeom>
+          <a:noFill/>
+        </p:spPr>
+        <p:txBody>
+          <a:bodyPr wrap="square" rtlCol="0">
+            <a:spAutoFit/>
+          </a:bodyPr>
+          <a:lstStyle/>
+          <a:p>
+            <a:r>
+              <a:rPr lang="en-US" altLang="ko-KR" sz="1400" dirty="0" err="1" smtClean="0"/>
+              <a:t>func</a:t>
+            </a:r>
+            <a:r>
+              <a:rPr lang="en-US" altLang="ko-KR" sz="1400" dirty="0" smtClean="0"/>
+              <a:t> </a:t>
+            </a:r>
+            <a:r>
+              <a:rPr lang="en-US" altLang="ko-KR" sz="1400" dirty="0" err="1">
+                <a:solidFill>
+                  <a:schemeClr val="accent2"/>
+                </a:solidFill>
+              </a:rPr>
+              <a:t>changeStructProperties</a:t>
+            </a:r>
+            <a:r>
+              <a:rPr lang="en-US" altLang="ko-KR" sz="1400" dirty="0"/>
+              <a:t>(_ info: </a:t>
+            </a:r>
+            <a:r>
+              <a:rPr lang="en-US" altLang="ko-KR" sz="1400" dirty="0" err="1"/>
+              <a:t>SampleStruct</a:t>
+            </a:r>
+            <a:r>
+              <a:rPr lang="en-US" altLang="ko-KR" sz="1400" dirty="0"/>
+              <a:t>) {</a:t>
+            </a:r>
+          </a:p>
+          <a:p>
+            <a:r>
+              <a:rPr lang="en-US" altLang="ko-KR" sz="1400" dirty="0"/>
+              <a:t>	</a:t>
+            </a:r>
+            <a:r>
+              <a:rPr lang="en-US" altLang="ko-KR" sz="1400" dirty="0" err="1"/>
+              <a:t>var</a:t>
+            </a:r>
+            <a:r>
+              <a:rPr lang="en-US" altLang="ko-KR" sz="1400" dirty="0"/>
+              <a:t> </a:t>
+            </a:r>
+            <a:r>
+              <a:rPr lang="en-US" altLang="ko-KR" sz="1400" dirty="0" err="1"/>
+              <a:t>copiedInfo</a:t>
+            </a:r>
+            <a:r>
+              <a:rPr lang="en-US" altLang="ko-KR" sz="1400" dirty="0"/>
+              <a:t>: </a:t>
+            </a:r>
+            <a:r>
+              <a:rPr lang="en-US" altLang="ko-KR" sz="1400" dirty="0" err="1"/>
+              <a:t>SampleStruct</a:t>
+            </a:r>
+            <a:r>
+              <a:rPr lang="en-US" altLang="ko-KR" sz="1400" dirty="0"/>
+              <a:t> = info</a:t>
+            </a:r>
+          </a:p>
+          <a:p>
+            <a:r>
+              <a:rPr lang="en-US" altLang="ko-KR" sz="1400" dirty="0"/>
+              <a:t>	copiedInfo.name = "</a:t>
+            </a:r>
+            <a:r>
+              <a:rPr lang="en-US" altLang="ko-KR" sz="1400" dirty="0" err="1"/>
+              <a:t>Struct</a:t>
+            </a:r>
+            <a:r>
+              <a:rPr lang="en-US" altLang="ko-KR" sz="1400" dirty="0"/>
+              <a:t> name is changed."</a:t>
+            </a:r>
+          </a:p>
+          <a:p>
+            <a:r>
+              <a:rPr lang="en-US" altLang="ko-KR" sz="1400" dirty="0"/>
+              <a:t>	</a:t>
+            </a:r>
+            <a:r>
+              <a:rPr lang="en-US" altLang="ko-KR" sz="1400" dirty="0" err="1"/>
+              <a:t>copiedInfo.count</a:t>
+            </a:r>
+            <a:r>
+              <a:rPr lang="en-US" altLang="ko-KR" sz="1400" dirty="0"/>
+              <a:t> = 2</a:t>
+            </a:r>
+          </a:p>
+          <a:p>
+            <a:r>
+              <a:rPr lang="en-US" altLang="ko-KR" sz="1400" dirty="0"/>
+              <a:t>}</a:t>
+            </a:r>
+          </a:p>
+          <a:p>
+            <a:endParaRPr lang="en-US" altLang="ko-KR" sz="1400" dirty="0"/>
+          </a:p>
+          <a:p>
+            <a:r>
+              <a:rPr lang="en-US" altLang="ko-KR" sz="1400" dirty="0" err="1"/>
+              <a:t>func</a:t>
+            </a:r>
+            <a:r>
+              <a:rPr lang="en-US" altLang="ko-KR" sz="1400" dirty="0"/>
+              <a:t> </a:t>
+            </a:r>
+            <a:r>
+              <a:rPr lang="en-US" altLang="ko-KR" sz="1400" dirty="0" err="1">
+                <a:solidFill>
+                  <a:schemeClr val="accent2"/>
+                </a:solidFill>
+              </a:rPr>
+              <a:t>changeClassProperties</a:t>
+            </a:r>
+            <a:r>
+              <a:rPr lang="en-US" altLang="ko-KR" sz="1400" dirty="0"/>
+              <a:t>(_ info: </a:t>
+            </a:r>
+            <a:r>
+              <a:rPr lang="en-US" altLang="ko-KR" sz="1400" dirty="0" err="1"/>
+              <a:t>SampleClass</a:t>
+            </a:r>
+            <a:r>
+              <a:rPr lang="en-US" altLang="ko-KR" sz="1400" dirty="0"/>
+              <a:t>) {</a:t>
+            </a:r>
+          </a:p>
+          <a:p>
+            <a:r>
+              <a:rPr lang="en-US" altLang="ko-KR" sz="1400" dirty="0"/>
+              <a:t>	let </a:t>
+            </a:r>
+            <a:r>
+              <a:rPr lang="en-US" altLang="ko-KR" sz="1400" dirty="0" err="1"/>
+              <a:t>copiedInfo</a:t>
+            </a:r>
+            <a:r>
+              <a:rPr lang="en-US" altLang="ko-KR" sz="1400" dirty="0"/>
+              <a:t>: </a:t>
+            </a:r>
+            <a:r>
+              <a:rPr lang="en-US" altLang="ko-KR" sz="1400" dirty="0" err="1"/>
+              <a:t>SampleClass</a:t>
+            </a:r>
+            <a:r>
+              <a:rPr lang="en-US" altLang="ko-KR" sz="1400" dirty="0"/>
+              <a:t> = info</a:t>
+            </a:r>
+          </a:p>
+          <a:p>
+            <a:r>
+              <a:rPr lang="en-US" altLang="ko-KR" sz="1400" dirty="0"/>
+              <a:t>	copiedInfo.name = "Class name is changed."</a:t>
+            </a:r>
+          </a:p>
+          <a:p>
+            <a:r>
+              <a:rPr lang="en-US" altLang="ko-KR" sz="1400" dirty="0"/>
+              <a:t>	</a:t>
+            </a:r>
+            <a:r>
+              <a:rPr lang="en-US" altLang="ko-KR" sz="1400" dirty="0" err="1"/>
+              <a:t>copiedInfo.count</a:t>
+            </a:r>
+            <a:r>
+              <a:rPr lang="en-US" altLang="ko-KR" sz="1400" dirty="0"/>
+              <a:t> = 2</a:t>
+            </a:r>
+          </a:p>
+          <a:p>
+            <a:r>
+              <a:rPr lang="en-US" altLang="ko-KR" sz="1400" dirty="0"/>
+              <a:t>}</a:t>
+            </a:r>
+          </a:p>
+          <a:p>
+            <a:endParaRPr lang="en-US" altLang="ko-KR" sz="1400" dirty="0"/>
+          </a:p>
+          <a:p>
+            <a:r>
+              <a:rPr lang="en-US" altLang="ko-KR" sz="1400" dirty="0" err="1">
+                <a:solidFill>
+                  <a:schemeClr val="accent2"/>
+                </a:solidFill>
+              </a:rPr>
+              <a:t>changeStructProperties</a:t>
+            </a:r>
+            <a:r>
+              <a:rPr lang="en-US" altLang="ko-KR" sz="1400" dirty="0">
+                <a:solidFill>
+                  <a:schemeClr val="accent3"/>
+                </a:solidFill>
+              </a:rPr>
+              <a:t>(</a:t>
+            </a:r>
+            <a:r>
+              <a:rPr lang="en-US" altLang="ko-KR" sz="1400" dirty="0" err="1">
+                <a:solidFill>
+                  <a:schemeClr val="accent3"/>
+                </a:solidFill>
+              </a:rPr>
+              <a:t>testStruct</a:t>
+            </a:r>
+            <a:r>
+              <a:rPr lang="en-US" altLang="ko-KR" sz="1400" dirty="0">
+                <a:solidFill>
+                  <a:schemeClr val="accent3"/>
+                </a:solidFill>
+              </a:rPr>
+              <a:t>)</a:t>
+            </a:r>
+          </a:p>
+          <a:p>
+            <a:r>
+              <a:rPr lang="en-US" altLang="ko-KR" sz="1400" dirty="0" err="1">
+                <a:solidFill>
+                  <a:schemeClr val="accent2"/>
+                </a:solidFill>
+              </a:rPr>
+              <a:t>changeClassProperties</a:t>
+            </a:r>
+            <a:r>
+              <a:rPr lang="en-US" altLang="ko-KR" sz="1400" dirty="0">
+                <a:solidFill>
+                  <a:schemeClr val="accent3"/>
+                </a:solidFill>
+              </a:rPr>
+              <a:t>(</a:t>
+            </a:r>
+            <a:r>
+              <a:rPr lang="en-US" altLang="ko-KR" sz="1400" dirty="0" err="1">
+                <a:solidFill>
+                  <a:schemeClr val="accent3"/>
+                </a:solidFill>
+              </a:rPr>
+              <a:t>testClass</a:t>
+            </a:r>
+            <a:r>
+              <a:rPr lang="en-US" altLang="ko-KR" sz="1400" dirty="0">
+                <a:solidFill>
+                  <a:schemeClr val="accent3"/>
+                </a:solidFill>
+              </a:rPr>
+              <a:t>)</a:t>
+            </a:r>
+          </a:p>
+          <a:p>
+            <a:endParaRPr lang="en-US" altLang="ko-KR" sz="1400" dirty="0"/>
+          </a:p>
+          <a:p>
+            <a:r>
+              <a:rPr lang="en-US" altLang="ko-KR" sz="1400" dirty="0"/>
+              <a:t>print("------ after change ------")</a:t>
+            </a:r>
+          </a:p>
+          <a:p>
+            <a:r>
+              <a:rPr lang="en-US" altLang="ko-KR" sz="1400" dirty="0"/>
+              <a:t>print("Sample </a:t>
+            </a:r>
+            <a:r>
+              <a:rPr lang="en-US" altLang="ko-KR" sz="1400" dirty="0" err="1"/>
+              <a:t>Struct</a:t>
+            </a:r>
+            <a:r>
+              <a:rPr lang="en-US" altLang="ko-KR" sz="1400" dirty="0"/>
+              <a:t>: Name: \(testStruct.name), Count: \(</a:t>
+            </a:r>
+            <a:r>
+              <a:rPr lang="en-US" altLang="ko-KR" sz="1400" dirty="0" err="1"/>
+              <a:t>testStruct.count</a:t>
+            </a:r>
+            <a:r>
+              <a:rPr lang="en-US" altLang="ko-KR" sz="1400" dirty="0"/>
+              <a:t>)")</a:t>
+            </a:r>
+          </a:p>
+          <a:p>
+            <a:r>
+              <a:rPr lang="en-US" altLang="ko-KR" sz="1400" dirty="0"/>
+              <a:t>print("Sample Class : Name: \(testClass.name), Count: \(</a:t>
+            </a:r>
+            <a:r>
+              <a:rPr lang="en-US" altLang="ko-KR" sz="1400" dirty="0" err="1"/>
+              <a:t>testClass.count</a:t>
+            </a:r>
+            <a:r>
+              <a:rPr lang="en-US" altLang="ko-KR" sz="1400" dirty="0"/>
+              <a:t>)")</a:t>
+            </a:r>
+            <a:endParaRPr lang="ko-KR" altLang="en-US" sz="1400" dirty="0"/>
+          </a:p>
+        </p:txBody>
+      </p:sp>
+    </p:spTree>
+    <p:extLst>
+      <p:ext uri="{BB962C8B-B14F-4D97-AF65-F5344CB8AC3E}">
+        <p14:creationId xmlns:p14="http://schemas.microsoft.com/office/powerpoint/2010/main" val="1244378856"/>
+      </p:ext>
+    </p:extLst>
+  </p:cSld>
+  <p:clrMapOvr>
+    <a:masterClrMapping/>
+  </p:clrMapOvr>
+</p:sld>
+</file>
+
+<file path=ppt/slides/slide74.xml><?xml version="1.0" encoding="utf-8"?>
+<p:sld xmlns:a="http://schemas.openxmlformats.org/drawingml/2006/main" xmlns:r="http://schemas.openxmlformats.org/officeDocument/2006/relationships" xmlns:p="http://schemas.openxmlformats.org/presentationml/2006/main">
+  <p:cSld>
+    <p:spTree>
+      <p:nvGrpSpPr>
+        <p:cNvPr id="1" name=""/>
+        <p:cNvGrpSpPr/>
+        <p:nvPr/>
+      </p:nvGrpSpPr>
+      <p:grpSpPr>
+        <a:xfrm>
+          <a:off x="0" y="0"/>
+          <a:ext cx="0" cy="0"/>
+          <a:chOff x="0" y="0"/>
+          <a:chExt cx="0" cy="0"/>
+        </a:xfrm>
+      </p:grpSpPr>
+      <p:sp>
+        <p:nvSpPr>
+          <p:cNvPr id="2" name="제목 1"/>
+          <p:cNvSpPr>
+            <a:spLocks noGrp="1"/>
+          </p:cNvSpPr>
+          <p:nvPr>
+            <p:ph type="title"/>
+          </p:nvPr>
+        </p:nvSpPr>
+        <p:spPr/>
+        <p:txBody>
+          <a:bodyPr/>
+          <a:lstStyle/>
+          <a:p>
+            <a:r>
+              <a:rPr lang="ko-KR" altLang="en-US" dirty="0" smtClean="0"/>
+              <a:t>구조체와 클래스</a:t>
+            </a:r>
+            <a:endParaRPr lang="ko-KR" altLang="en-US" dirty="0"/>
+          </a:p>
+        </p:txBody>
+      </p:sp>
+      <p:sp>
+        <p:nvSpPr>
+          <p:cNvPr id="3" name="내용 개체 틀 2"/>
+          <p:cNvSpPr>
+            <a:spLocks noGrp="1"/>
+          </p:cNvSpPr>
+          <p:nvPr>
+            <p:ph idx="1"/>
+          </p:nvPr>
+        </p:nvSpPr>
+        <p:spPr/>
+        <p:txBody>
+          <a:bodyPr>
+            <a:normAutofit/>
+          </a:bodyPr>
+          <a:lstStyle/>
+          <a:p>
+            <a:r>
+              <a:rPr lang="ko-KR" altLang="en-US" dirty="0" smtClean="0"/>
+              <a:t>구조체와 클래스의 차이</a:t>
+            </a:r>
+            <a:endParaRPr lang="en-US" altLang="ko-KR" dirty="0" smtClean="0"/>
+          </a:p>
+          <a:p>
+            <a:endParaRPr lang="en-US" altLang="ko-KR" dirty="0"/>
+          </a:p>
+          <a:p>
+            <a:endParaRPr lang="en-US" altLang="ko-KR" dirty="0" smtClean="0"/>
+          </a:p>
+          <a:p>
+            <a:endParaRPr lang="en-US" altLang="ko-KR" dirty="0"/>
+          </a:p>
+          <a:p>
+            <a:pPr marL="454914" lvl="1" indent="0">
+              <a:buNone/>
+            </a:pPr>
+            <a:endParaRPr lang="en-US" altLang="ko-KR" dirty="0" smtClean="0"/>
+          </a:p>
+          <a:p>
+            <a:endParaRPr lang="en-US" altLang="ko-KR" dirty="0"/>
+          </a:p>
+          <a:p>
+            <a:endParaRPr lang="en-US" altLang="ko-KR" dirty="0" smtClean="0"/>
+          </a:p>
+          <a:p>
+            <a:endParaRPr lang="en-US" altLang="ko-KR" dirty="0"/>
+          </a:p>
+          <a:p>
+            <a:endParaRPr lang="en-US" altLang="ko-KR" dirty="0" smtClean="0"/>
+          </a:p>
+          <a:p>
+            <a:endParaRPr lang="en-US" altLang="ko-KR" dirty="0"/>
+          </a:p>
+        </p:txBody>
+      </p:sp>
+      <p:pic>
+        <p:nvPicPr>
+          <p:cNvPr id="5" name="그림 4"/>
+          <p:cNvPicPr>
+            <a:picLocks noChangeAspect="1"/>
+          </p:cNvPicPr>
+          <p:nvPr/>
+        </p:nvPicPr>
+        <p:blipFill>
+          <a:blip r:embed="rId2"/>
+          <a:stretch>
+            <a:fillRect/>
+          </a:stretch>
+        </p:blipFill>
+        <p:spPr>
+          <a:xfrm>
+            <a:off x="2267744" y="1196752"/>
+            <a:ext cx="6468689" cy="5645145"/>
+          </a:xfrm>
+          <a:prstGeom prst="rect">
+            <a:avLst/>
+          </a:prstGeom>
+        </p:spPr>
+      </p:pic>
+    </p:spTree>
+    <p:extLst>
+      <p:ext uri="{BB962C8B-B14F-4D97-AF65-F5344CB8AC3E}">
+        <p14:creationId xmlns:p14="http://schemas.microsoft.com/office/powerpoint/2010/main" val="3132518845"/>
+      </p:ext>
+    </p:extLst>
+  </p:cSld>
+  <p:clrMapOvr>
+    <a:masterClrMapping/>
+  </p:clrMapOvr>
+</p:sld>
+</file>
+
+<file path=ppt/slides/slide75.xml><?xml version="1.0" encoding="utf-8"?>
+<p:sld xmlns:a="http://schemas.openxmlformats.org/drawingml/2006/main" xmlns:r="http://schemas.openxmlformats.org/officeDocument/2006/relationships" xmlns:p="http://schemas.openxmlformats.org/presentationml/2006/main">
+  <p:cSld>
+    <p:spTree>
+      <p:nvGrpSpPr>
+        <p:cNvPr id="1" name=""/>
+        <p:cNvGrpSpPr/>
+        <p:nvPr/>
+      </p:nvGrpSpPr>
+      <p:grpSpPr>
+        <a:xfrm>
+          <a:off x="0" y="0"/>
+          <a:ext cx="0" cy="0"/>
+          <a:chOff x="0" y="0"/>
+          <a:chExt cx="0" cy="0"/>
+        </a:xfrm>
+      </p:grpSpPr>
+      <p:sp>
+        <p:nvSpPr>
+          <p:cNvPr id="2" name="제목 1"/>
+          <p:cNvSpPr>
+            <a:spLocks noGrp="1"/>
+          </p:cNvSpPr>
+          <p:nvPr>
+            <p:ph type="title"/>
+          </p:nvPr>
+        </p:nvSpPr>
+        <p:spPr/>
+        <p:txBody>
+          <a:bodyPr/>
+          <a:lstStyle/>
+          <a:p>
+            <a:r>
+              <a:rPr lang="ko-KR" altLang="en-US" dirty="0" smtClean="0"/>
+              <a:t>구조체와 클래스</a:t>
+            </a:r>
+            <a:endParaRPr lang="ko-KR" altLang="en-US" dirty="0"/>
+          </a:p>
+        </p:txBody>
+      </p:sp>
+      <p:sp>
+        <p:nvSpPr>
+          <p:cNvPr id="3" name="내용 개체 틀 2"/>
+          <p:cNvSpPr>
+            <a:spLocks noGrp="1"/>
+          </p:cNvSpPr>
+          <p:nvPr>
+            <p:ph idx="1"/>
+          </p:nvPr>
+        </p:nvSpPr>
+        <p:spPr/>
+        <p:txBody>
+          <a:bodyPr>
+            <a:normAutofit/>
+          </a:bodyPr>
+          <a:lstStyle/>
+          <a:p>
+            <a:r>
+              <a:rPr lang="ko-KR" altLang="en-US" dirty="0" smtClean="0"/>
+              <a:t>식별 연산자 </a:t>
+            </a:r>
+            <a:r>
+              <a:rPr lang="en-US" altLang="ko-KR" dirty="0" smtClean="0"/>
+              <a:t>(===, !==)</a:t>
+            </a:r>
+          </a:p>
+          <a:p>
+            <a:pPr lvl="1"/>
+            <a:r>
+              <a:rPr lang="ko-KR" altLang="en-US" dirty="0" smtClean="0"/>
+              <a:t>클래스의 인스턴스가 같은 </a:t>
+            </a:r>
+            <a:r>
+              <a:rPr lang="ko-KR" altLang="en-US" dirty="0" err="1" smtClean="0"/>
+              <a:t>참조값을</a:t>
+            </a:r>
+            <a:r>
+              <a:rPr lang="ko-KR" altLang="en-US" dirty="0" smtClean="0"/>
+              <a:t> 갖는지</a:t>
+            </a:r>
+            <a:r>
+              <a:rPr lang="en-US" altLang="ko-KR" dirty="0"/>
+              <a:t> </a:t>
+            </a:r>
+            <a:r>
+              <a:rPr lang="ko-KR" altLang="en-US" dirty="0" smtClean="0"/>
+              <a:t>확인할 수 있다</a:t>
+            </a:r>
+            <a:r>
+              <a:rPr lang="en-US" altLang="ko-KR" dirty="0" smtClean="0"/>
+              <a:t>.</a:t>
+            </a:r>
+          </a:p>
+          <a:p>
+            <a:pPr marL="454914" lvl="1" indent="0">
+              <a:buNone/>
+            </a:pPr>
+            <a:endParaRPr lang="en-US" altLang="ko-KR" dirty="0" smtClean="0"/>
+          </a:p>
+          <a:p>
+            <a:endParaRPr lang="en-US" altLang="ko-KR" dirty="0"/>
+          </a:p>
+          <a:p>
+            <a:endParaRPr lang="en-US" altLang="ko-KR" dirty="0" smtClean="0"/>
+          </a:p>
+          <a:p>
+            <a:endParaRPr lang="en-US" altLang="ko-KR" dirty="0"/>
+          </a:p>
+          <a:p>
+            <a:pPr marL="454914" lvl="1" indent="0">
+              <a:buNone/>
+            </a:pPr>
+            <a:endParaRPr lang="en-US" altLang="ko-KR" dirty="0" smtClean="0"/>
+          </a:p>
+          <a:p>
+            <a:endParaRPr lang="en-US" altLang="ko-KR" dirty="0"/>
+          </a:p>
+          <a:p>
+            <a:endParaRPr lang="en-US" altLang="ko-KR" dirty="0" smtClean="0"/>
+          </a:p>
+          <a:p>
+            <a:endParaRPr lang="en-US" altLang="ko-KR" dirty="0"/>
+          </a:p>
+          <a:p>
+            <a:endParaRPr lang="en-US" altLang="ko-KR" dirty="0" smtClean="0"/>
+          </a:p>
+          <a:p>
+            <a:endParaRPr lang="en-US" altLang="ko-KR" dirty="0"/>
+          </a:p>
+        </p:txBody>
+      </p:sp>
+      <p:sp>
+        <p:nvSpPr>
+          <p:cNvPr id="5" name="TextBox 4"/>
+          <p:cNvSpPr txBox="1"/>
+          <p:nvPr/>
+        </p:nvSpPr>
+        <p:spPr>
+          <a:xfrm>
+            <a:off x="1619672" y="1656566"/>
+            <a:ext cx="7272808" cy="1754326"/>
+          </a:xfrm>
+          <a:prstGeom prst="rect">
+            <a:avLst/>
+          </a:prstGeom>
+          <a:noFill/>
+        </p:spPr>
+        <p:txBody>
+          <a:bodyPr wrap="square" rtlCol="0">
+            <a:spAutoFit/>
+          </a:bodyPr>
+          <a:lstStyle/>
+          <a:p>
+            <a:r>
+              <a:rPr lang="en-US" altLang="ko-KR" dirty="0" err="1" smtClean="0"/>
+              <a:t>var</a:t>
+            </a:r>
+            <a:r>
+              <a:rPr lang="en-US" altLang="ko-KR" dirty="0" smtClean="0"/>
+              <a:t> </a:t>
+            </a:r>
+            <a:r>
+              <a:rPr lang="en-US" altLang="ko-KR" dirty="0" smtClean="0">
+                <a:solidFill>
+                  <a:schemeClr val="accent3"/>
+                </a:solidFill>
+              </a:rPr>
+              <a:t>bob</a:t>
+            </a:r>
+            <a:r>
+              <a:rPr lang="en-US" altLang="ko-KR" dirty="0" smtClean="0"/>
+              <a:t>: Person = Person()</a:t>
+            </a:r>
+          </a:p>
+          <a:p>
+            <a:r>
+              <a:rPr lang="en-US" altLang="ko-KR" dirty="0" smtClean="0"/>
+              <a:t>let </a:t>
+            </a:r>
+            <a:r>
+              <a:rPr lang="en-US" altLang="ko-KR" dirty="0" smtClean="0">
+                <a:solidFill>
+                  <a:schemeClr val="accent3"/>
+                </a:solidFill>
+              </a:rPr>
+              <a:t>friend</a:t>
+            </a:r>
+            <a:r>
+              <a:rPr lang="en-US" altLang="ko-KR" dirty="0" smtClean="0"/>
+              <a:t>: Person = bob</a:t>
+            </a:r>
+          </a:p>
+          <a:p>
+            <a:r>
+              <a:rPr lang="en-US" altLang="ko-KR" dirty="0" smtClean="0"/>
+              <a:t>let </a:t>
+            </a:r>
+            <a:r>
+              <a:rPr lang="en-US" altLang="ko-KR" dirty="0" err="1" smtClean="0">
+                <a:solidFill>
+                  <a:schemeClr val="accent3"/>
+                </a:solidFill>
+              </a:rPr>
+              <a:t>anotherFriend</a:t>
+            </a:r>
+            <a:r>
+              <a:rPr lang="en-US" altLang="ko-KR" dirty="0" smtClean="0"/>
+              <a:t>: Person = Person()</a:t>
+            </a:r>
+          </a:p>
+          <a:p>
+            <a:endParaRPr lang="en-US" altLang="ko-KR" dirty="0"/>
+          </a:p>
+          <a:p>
+            <a:r>
+              <a:rPr lang="en-US" altLang="ko-KR" dirty="0" smtClean="0"/>
+              <a:t>print(bob === friend)	// true</a:t>
+            </a:r>
+          </a:p>
+          <a:p>
+            <a:r>
+              <a:rPr lang="en-US" altLang="ko-KR" dirty="0" smtClean="0"/>
+              <a:t>print(bob === </a:t>
+            </a:r>
+            <a:r>
+              <a:rPr lang="en-US" altLang="ko-KR" dirty="0" err="1" smtClean="0"/>
+              <a:t>anotherFirend</a:t>
+            </a:r>
+            <a:r>
+              <a:rPr lang="en-US" altLang="ko-KR" dirty="0" smtClean="0"/>
+              <a:t>)	// false</a:t>
+            </a:r>
+            <a:endParaRPr lang="ko-KR" altLang="en-US" dirty="0"/>
+          </a:p>
+        </p:txBody>
+      </p:sp>
+      <p:pic>
+        <p:nvPicPr>
+          <p:cNvPr id="6" name="그림 5"/>
+          <p:cNvPicPr>
+            <a:picLocks noChangeAspect="1"/>
+          </p:cNvPicPr>
+          <p:nvPr/>
+        </p:nvPicPr>
+        <p:blipFill>
+          <a:blip r:embed="rId2"/>
+          <a:stretch>
+            <a:fillRect/>
+          </a:stretch>
+        </p:blipFill>
+        <p:spPr>
+          <a:xfrm>
+            <a:off x="409575" y="4255070"/>
+            <a:ext cx="8734425" cy="2590800"/>
+          </a:xfrm>
+          <a:prstGeom prst="rect">
+            <a:avLst/>
+          </a:prstGeom>
+        </p:spPr>
+      </p:pic>
+    </p:spTree>
+    <p:extLst>
+      <p:ext uri="{BB962C8B-B14F-4D97-AF65-F5344CB8AC3E}">
+        <p14:creationId xmlns:p14="http://schemas.microsoft.com/office/powerpoint/2010/main" val="440137252"/>
+      </p:ext>
+    </p:extLst>
+  </p:cSld>
+  <p:clrMapOvr>
+    <a:masterClrMapping/>
+  </p:clrMapOvr>
 </p:sld>
 </file>
 
@@ -41994,14 +45923,14 @@
                 <a:gridCol w="1440160">
                   <a:extLst>
                     <a:ext uri="{9D8B030D-6E8A-4147-A177-3AD203B41FA5}">
-                      <a16:colId xmlns:a16="http://schemas.microsoft.com/office/drawing/2014/main" xmlns="" val="20000"/>
+                      <a16:colId xmlns:a16="http://schemas.microsoft.com/office/drawing/2014/main" val="20000"/>
                     </a:ext>
                   </a:extLst>
                 </a:gridCol>
                 <a:gridCol w="1440160">
                   <a:extLst>
                     <a:ext uri="{9D8B030D-6E8A-4147-A177-3AD203B41FA5}">
-                      <a16:colId xmlns:a16="http://schemas.microsoft.com/office/drawing/2014/main" xmlns="" val="20001"/>
+                      <a16:colId xmlns:a16="http://schemas.microsoft.com/office/drawing/2014/main" val="20001"/>
                     </a:ext>
                   </a:extLst>
                 </a:gridCol>
@@ -42055,7 +45984,7 @@
                 </a:tc>
                 <a:extLst>
                   <a:ext uri="{0D108BD9-81ED-4DB2-BD59-A6C34878D82A}">
-                    <a16:rowId xmlns:a16="http://schemas.microsoft.com/office/drawing/2014/main" xmlns="" val="10000"/>
+                    <a16:rowId xmlns:a16="http://schemas.microsoft.com/office/drawing/2014/main" val="10000"/>
                   </a:ext>
                 </a:extLst>
               </a:tr>
@@ -42130,7 +46059,7 @@
                 </a:tc>
                 <a:extLst>
                   <a:ext uri="{0D108BD9-81ED-4DB2-BD59-A6C34878D82A}">
-                    <a16:rowId xmlns:a16="http://schemas.microsoft.com/office/drawing/2014/main" xmlns="" val="10001"/>
+                    <a16:rowId xmlns:a16="http://schemas.microsoft.com/office/drawing/2014/main" val="10001"/>
                   </a:ext>
                 </a:extLst>
               </a:tr>
@@ -42205,7 +46134,7 @@
                 </a:tc>
                 <a:extLst>
                   <a:ext uri="{0D108BD9-81ED-4DB2-BD59-A6C34878D82A}">
-                    <a16:rowId xmlns:a16="http://schemas.microsoft.com/office/drawing/2014/main" xmlns="" val="10002"/>
+                    <a16:rowId xmlns:a16="http://schemas.microsoft.com/office/drawing/2014/main" val="10002"/>
                   </a:ext>
                 </a:extLst>
               </a:tr>
@@ -42280,7 +46209,7 @@
                 </a:tc>
                 <a:extLst>
                   <a:ext uri="{0D108BD9-81ED-4DB2-BD59-A6C34878D82A}">
-                    <a16:rowId xmlns:a16="http://schemas.microsoft.com/office/drawing/2014/main" xmlns="" val="10003"/>
+                    <a16:rowId xmlns:a16="http://schemas.microsoft.com/office/drawing/2014/main" val="10003"/>
                   </a:ext>
                 </a:extLst>
               </a:tr>
@@ -42355,7 +46284,7 @@
                 </a:tc>
                 <a:extLst>
                   <a:ext uri="{0D108BD9-81ED-4DB2-BD59-A6C34878D82A}">
-                    <a16:rowId xmlns:a16="http://schemas.microsoft.com/office/drawing/2014/main" xmlns="" val="10004"/>
+                    <a16:rowId xmlns:a16="http://schemas.microsoft.com/office/drawing/2014/main" val="10004"/>
                   </a:ext>
                 </a:extLst>
               </a:tr>
@@ -42781,14 +46710,14 @@
                 <a:gridCol w="1440160">
                   <a:extLst>
                     <a:ext uri="{9D8B030D-6E8A-4147-A177-3AD203B41FA5}">
-                      <a16:colId xmlns:a16="http://schemas.microsoft.com/office/drawing/2014/main" xmlns="" val="20000"/>
+                      <a16:colId xmlns:a16="http://schemas.microsoft.com/office/drawing/2014/main" val="20000"/>
                     </a:ext>
                   </a:extLst>
                 </a:gridCol>
                 <a:gridCol w="1440160">
                   <a:extLst>
                     <a:ext uri="{9D8B030D-6E8A-4147-A177-3AD203B41FA5}">
-                      <a16:colId xmlns:a16="http://schemas.microsoft.com/office/drawing/2014/main" xmlns="" val="20001"/>
+                      <a16:colId xmlns:a16="http://schemas.microsoft.com/office/drawing/2014/main" val="20001"/>
                     </a:ext>
                   </a:extLst>
                 </a:gridCol>
@@ -42842,7 +46771,7 @@
                 </a:tc>
                 <a:extLst>
                   <a:ext uri="{0D108BD9-81ED-4DB2-BD59-A6C34878D82A}">
-                    <a16:rowId xmlns:a16="http://schemas.microsoft.com/office/drawing/2014/main" xmlns="" val="10000"/>
+                    <a16:rowId xmlns:a16="http://schemas.microsoft.com/office/drawing/2014/main" val="10000"/>
                   </a:ext>
                 </a:extLst>
               </a:tr>
@@ -42907,7 +46836,7 @@
                 </a:tc>
                 <a:extLst>
                   <a:ext uri="{0D108BD9-81ED-4DB2-BD59-A6C34878D82A}">
-                    <a16:rowId xmlns:a16="http://schemas.microsoft.com/office/drawing/2014/main" xmlns="" val="10001"/>
+                    <a16:rowId xmlns:a16="http://schemas.microsoft.com/office/drawing/2014/main" val="10001"/>
                   </a:ext>
                 </a:extLst>
               </a:tr>
@@ -42972,7 +46901,7 @@
                 </a:tc>
                 <a:extLst>
                   <a:ext uri="{0D108BD9-81ED-4DB2-BD59-A6C34878D82A}">
-                    <a16:rowId xmlns:a16="http://schemas.microsoft.com/office/drawing/2014/main" xmlns="" val="10002"/>
+                    <a16:rowId xmlns:a16="http://schemas.microsoft.com/office/drawing/2014/main" val="10002"/>
                   </a:ext>
                 </a:extLst>
               </a:tr>

--- a/Swift세미나자료.pptx
+++ b/Swift세미나자료.pptx
@@ -87,6 +87,24 @@
     <p:sldId id="333" r:id="rId81"/>
     <p:sldId id="334" r:id="rId82"/>
     <p:sldId id="335" r:id="rId83"/>
+    <p:sldId id="343" r:id="rId84"/>
+    <p:sldId id="344" r:id="rId85"/>
+    <p:sldId id="348" r:id="rId86"/>
+    <p:sldId id="345" r:id="rId87"/>
+    <p:sldId id="349" r:id="rId88"/>
+    <p:sldId id="346" r:id="rId89"/>
+    <p:sldId id="347" r:id="rId90"/>
+    <p:sldId id="350" r:id="rId91"/>
+    <p:sldId id="351" r:id="rId92"/>
+    <p:sldId id="352" r:id="rId93"/>
+    <p:sldId id="354" r:id="rId94"/>
+    <p:sldId id="355" r:id="rId95"/>
+    <p:sldId id="359" r:id="rId96"/>
+    <p:sldId id="356" r:id="rId97"/>
+    <p:sldId id="360" r:id="rId98"/>
+    <p:sldId id="358" r:id="rId99"/>
+    <p:sldId id="357" r:id="rId100"/>
+    <p:sldId id="353" r:id="rId101"/>
   </p:sldIdLst>
   <p:sldSz cx="9144000" cy="6858000" type="screen4x3"/>
   <p:notesSz cx="6858000" cy="9144000"/>
@@ -250,7 +268,7 @@
           <a:p>
             <a:fld id="{7BD332C6-334E-4F1C-B658-24FEC90472A2}" type="datetimeFigureOut">
               <a:rPr lang="ko-KR" altLang="en-US" smtClean="0"/>
-              <a:t>2017-01-30</a:t>
+              <a:t>2017-02-01</a:t>
             </a:fld>
             <a:endParaRPr lang="ko-KR" altLang="en-US"/>
           </a:p>
@@ -946,7 +964,7 @@
           <a:p>
             <a:fld id="{7BD332C6-334E-4F1C-B658-24FEC90472A2}" type="datetimeFigureOut">
               <a:rPr lang="ko-KR" altLang="en-US" smtClean="0"/>
-              <a:t>2017-01-30</a:t>
+              <a:t>2017-02-01</a:t>
             </a:fld>
             <a:endParaRPr lang="ko-KR" altLang="en-US"/>
           </a:p>
@@ -1121,7 +1139,7 @@
           <a:p>
             <a:fld id="{7BD332C6-334E-4F1C-B658-24FEC90472A2}" type="datetimeFigureOut">
               <a:rPr lang="ko-KR" altLang="en-US" smtClean="0"/>
-              <a:t>2017-01-30</a:t>
+              <a:t>2017-02-01</a:t>
             </a:fld>
             <a:endParaRPr lang="ko-KR" altLang="en-US"/>
           </a:p>
@@ -1307,7 +1325,7 @@
           <a:p>
             <a:fld id="{7BD332C6-334E-4F1C-B658-24FEC90472A2}" type="datetimeFigureOut">
               <a:rPr lang="ko-KR" altLang="en-US" smtClean="0"/>
-              <a:t>2017-01-30</a:t>
+              <a:t>2017-02-01</a:t>
             </a:fld>
             <a:endParaRPr lang="ko-KR" altLang="en-US"/>
           </a:p>
@@ -2761,7 +2779,7 @@
           <a:p>
             <a:fld id="{7BD332C6-334E-4F1C-B658-24FEC90472A2}" type="datetimeFigureOut">
               <a:rPr lang="ko-KR" altLang="en-US" smtClean="0"/>
-              <a:t>2017-01-30</a:t>
+              <a:t>2017-02-01</a:t>
             </a:fld>
             <a:endParaRPr lang="ko-KR" altLang="en-US"/>
           </a:p>
@@ -3348,7 +3366,7 @@
           <a:p>
             <a:fld id="{7BD332C6-334E-4F1C-B658-24FEC90472A2}" type="datetimeFigureOut">
               <a:rPr lang="ko-KR" altLang="en-US" smtClean="0"/>
-              <a:t>2017-01-30</a:t>
+              <a:t>2017-02-01</a:t>
             </a:fld>
             <a:endParaRPr lang="ko-KR" altLang="en-US"/>
           </a:p>
@@ -3784,7 +3802,7 @@
           <a:p>
             <a:fld id="{7BD332C6-334E-4F1C-B658-24FEC90472A2}" type="datetimeFigureOut">
               <a:rPr lang="ko-KR" altLang="en-US" smtClean="0"/>
-              <a:t>2017-01-30</a:t>
+              <a:t>2017-02-01</a:t>
             </a:fld>
             <a:endParaRPr lang="ko-KR" altLang="en-US"/>
           </a:p>
@@ -4328,7 +4346,7 @@
           <a:p>
             <a:fld id="{7BD332C6-334E-4F1C-B658-24FEC90472A2}" type="datetimeFigureOut">
               <a:rPr lang="ko-KR" altLang="en-US" smtClean="0"/>
-              <a:t>2017-01-30</a:t>
+              <a:t>2017-02-01</a:t>
             </a:fld>
             <a:endParaRPr lang="ko-KR" altLang="en-US"/>
           </a:p>
@@ -4425,7 +4443,7 @@
           <a:p>
             <a:fld id="{7BD332C6-334E-4F1C-B658-24FEC90472A2}" type="datetimeFigureOut">
               <a:rPr lang="ko-KR" altLang="en-US" smtClean="0"/>
-              <a:t>2017-01-30</a:t>
+              <a:t>2017-02-01</a:t>
             </a:fld>
             <a:endParaRPr lang="ko-KR" altLang="en-US"/>
           </a:p>
@@ -4680,7 +4698,7 @@
           <a:p>
             <a:fld id="{7BD332C6-334E-4F1C-B658-24FEC90472A2}" type="datetimeFigureOut">
               <a:rPr lang="ko-KR" altLang="en-US" smtClean="0"/>
-              <a:t>2017-01-30</a:t>
+              <a:t>2017-02-01</a:t>
             </a:fld>
             <a:endParaRPr lang="ko-KR" altLang="en-US"/>
           </a:p>
@@ -5400,7 +5418,7 @@
           <a:p>
             <a:fld id="{7BD332C6-334E-4F1C-B658-24FEC90472A2}" type="datetimeFigureOut">
               <a:rPr lang="ko-KR" altLang="en-US" smtClean="0"/>
-              <a:t>2017-01-30</a:t>
+              <a:t>2017-02-01</a:t>
             </a:fld>
             <a:endParaRPr lang="ko-KR" altLang="en-US"/>
           </a:p>
@@ -5809,7 +5827,7 @@
           <a:p>
             <a:fld id="{7BD332C6-334E-4F1C-B658-24FEC90472A2}" type="datetimeFigureOut">
               <a:rPr lang="ko-KR" altLang="en-US" smtClean="0"/>
-              <a:t>2017-01-30</a:t>
+              <a:t>2017-02-01</a:t>
             </a:fld>
             <a:endParaRPr lang="ko-KR" altLang="en-US"/>
           </a:p>
@@ -6443,14 +6461,14 @@
                 <a:gridCol w="1440160">
                   <a:extLst>
                     <a:ext uri="{9D8B030D-6E8A-4147-A177-3AD203B41FA5}">
-                      <a16:colId xmlns:a16="http://schemas.microsoft.com/office/drawing/2014/main" xmlns="" val="20000"/>
+                      <a16:colId xmlns:a16="http://schemas.microsoft.com/office/drawing/2014/main" val="20000"/>
                     </a:ext>
                   </a:extLst>
                 </a:gridCol>
                 <a:gridCol w="1440160">
                   <a:extLst>
                     <a:ext uri="{9D8B030D-6E8A-4147-A177-3AD203B41FA5}">
-                      <a16:colId xmlns:a16="http://schemas.microsoft.com/office/drawing/2014/main" xmlns="" val="20001"/>
+                      <a16:colId xmlns:a16="http://schemas.microsoft.com/office/drawing/2014/main" val="20001"/>
                     </a:ext>
                   </a:extLst>
                 </a:gridCol>
@@ -6504,7 +6522,7 @@
                 </a:tc>
                 <a:extLst>
                   <a:ext uri="{0D108BD9-81ED-4DB2-BD59-A6C34878D82A}">
-                    <a16:rowId xmlns:a16="http://schemas.microsoft.com/office/drawing/2014/main" xmlns="" val="10000"/>
+                    <a16:rowId xmlns:a16="http://schemas.microsoft.com/office/drawing/2014/main" val="10000"/>
                   </a:ext>
                 </a:extLst>
               </a:tr>
@@ -6569,7 +6587,7 @@
                 </a:tc>
                 <a:extLst>
                   <a:ext uri="{0D108BD9-81ED-4DB2-BD59-A6C34878D82A}">
-                    <a16:rowId xmlns:a16="http://schemas.microsoft.com/office/drawing/2014/main" xmlns="" val="10001"/>
+                    <a16:rowId xmlns:a16="http://schemas.microsoft.com/office/drawing/2014/main" val="10001"/>
                   </a:ext>
                 </a:extLst>
               </a:tr>
@@ -6687,6 +6705,146 @@
       </p:par>
     </p:tnLst>
   </p:timing>
+</p:sld>
+</file>
+
+<file path=ppt/slides/slide100.xml><?xml version="1.0" encoding="utf-8"?>
+<p:sld xmlns:a="http://schemas.openxmlformats.org/drawingml/2006/main" xmlns:r="http://schemas.openxmlformats.org/officeDocument/2006/relationships" xmlns:p="http://schemas.openxmlformats.org/presentationml/2006/main">
+  <p:cSld>
+    <p:spTree>
+      <p:nvGrpSpPr>
+        <p:cNvPr id="1" name=""/>
+        <p:cNvGrpSpPr/>
+        <p:nvPr/>
+      </p:nvGrpSpPr>
+      <p:grpSpPr>
+        <a:xfrm>
+          <a:off x="0" y="0"/>
+          <a:ext cx="0" cy="0"/>
+          <a:chOff x="0" y="0"/>
+          <a:chExt cx="0" cy="0"/>
+        </a:xfrm>
+      </p:grpSpPr>
+      <p:sp>
+        <p:nvSpPr>
+          <p:cNvPr id="2" name="제목 1"/>
+          <p:cNvSpPr>
+            <a:spLocks noGrp="1"/>
+          </p:cNvSpPr>
+          <p:nvPr>
+            <p:ph type="title"/>
+          </p:nvPr>
+        </p:nvSpPr>
+        <p:spPr/>
+        <p:txBody>
+          <a:bodyPr/>
+          <a:lstStyle/>
+          <a:p>
+            <a:endParaRPr lang="ko-KR" altLang="en-US"/>
+          </a:p>
+        </p:txBody>
+      </p:sp>
+      <p:sp>
+        <p:nvSpPr>
+          <p:cNvPr id="3" name="내용 개체 틀 2"/>
+          <p:cNvSpPr>
+            <a:spLocks noGrp="1"/>
+          </p:cNvSpPr>
+          <p:nvPr>
+            <p:ph idx="1"/>
+          </p:nvPr>
+        </p:nvSpPr>
+        <p:spPr/>
+        <p:txBody>
+          <a:bodyPr/>
+          <a:lstStyle/>
+          <a:p>
+            <a:endParaRPr lang="ko-KR" altLang="en-US"/>
+          </a:p>
+        </p:txBody>
+      </p:sp>
+      <p:pic>
+        <p:nvPicPr>
+          <p:cNvPr id="6" name="그림 5"/>
+          <p:cNvPicPr>
+            <a:picLocks noChangeAspect="1"/>
+          </p:cNvPicPr>
+          <p:nvPr/>
+        </p:nvPicPr>
+        <p:blipFill>
+          <a:blip r:embed="rId2"/>
+          <a:stretch>
+            <a:fillRect/>
+          </a:stretch>
+        </p:blipFill>
+        <p:spPr>
+          <a:xfrm>
+            <a:off x="-1620688" y="4163825"/>
+            <a:ext cx="8334375" cy="2447925"/>
+          </a:xfrm>
+          <a:prstGeom prst="rect">
+            <a:avLst/>
+          </a:prstGeom>
+        </p:spPr>
+      </p:pic>
+      <p:pic>
+        <p:nvPicPr>
+          <p:cNvPr id="8" name="그림 7"/>
+          <p:cNvPicPr>
+            <a:picLocks noChangeAspect="1"/>
+          </p:cNvPicPr>
+          <p:nvPr/>
+        </p:nvPicPr>
+        <p:blipFill>
+          <a:blip r:embed="rId3"/>
+          <a:stretch>
+            <a:fillRect/>
+          </a:stretch>
+        </p:blipFill>
+        <p:spPr>
+          <a:xfrm>
+            <a:off x="6327158" y="2564904"/>
+            <a:ext cx="6419850" cy="5448300"/>
+          </a:xfrm>
+          <a:prstGeom prst="rect">
+            <a:avLst/>
+          </a:prstGeom>
+        </p:spPr>
+      </p:pic>
+      <p:pic>
+        <p:nvPicPr>
+          <p:cNvPr id="9" name="그림 8"/>
+          <p:cNvPicPr>
+            <a:picLocks noChangeAspect="1"/>
+          </p:cNvPicPr>
+          <p:nvPr/>
+        </p:nvPicPr>
+        <p:blipFill>
+          <a:blip r:embed="rId4"/>
+          <a:stretch>
+            <a:fillRect/>
+          </a:stretch>
+        </p:blipFill>
+        <p:spPr>
+          <a:xfrm>
+            <a:off x="7482164" y="3711574"/>
+            <a:ext cx="7772400" cy="2705100"/>
+          </a:xfrm>
+          <a:prstGeom prst="rect">
+            <a:avLst/>
+          </a:prstGeom>
+        </p:spPr>
+      </p:pic>
+    </p:spTree>
+    <p:extLst>
+      <p:ext uri="{BB962C8B-B14F-4D97-AF65-F5344CB8AC3E}">
+        <p14:creationId xmlns:p14="http://schemas.microsoft.com/office/powerpoint/2010/main" val="507436730"/>
+      </p:ext>
+    </p:extLst>
+  </p:cSld>
+  <p:clrMapOvr>
+    <a:masterClrMapping/>
+  </p:clrMapOvr>
 </p:sld>
 </file>
 
@@ -6871,14 +7029,14 @@
                 <a:gridCol w="1980220">
                   <a:extLst>
                     <a:ext uri="{9D8B030D-6E8A-4147-A177-3AD203B41FA5}">
-                      <a16:colId xmlns:a16="http://schemas.microsoft.com/office/drawing/2014/main" xmlns="" val="20000"/>
+                      <a16:colId xmlns:a16="http://schemas.microsoft.com/office/drawing/2014/main" val="20000"/>
                     </a:ext>
                   </a:extLst>
                 </a:gridCol>
                 <a:gridCol w="1980220">
                   <a:extLst>
                     <a:ext uri="{9D8B030D-6E8A-4147-A177-3AD203B41FA5}">
-                      <a16:colId xmlns:a16="http://schemas.microsoft.com/office/drawing/2014/main" xmlns="" val="20001"/>
+                      <a16:colId xmlns:a16="http://schemas.microsoft.com/office/drawing/2014/main" val="20001"/>
                     </a:ext>
                   </a:extLst>
                 </a:gridCol>
@@ -6954,7 +7112,7 @@
                 </a:tc>
                 <a:extLst>
                   <a:ext uri="{0D108BD9-81ED-4DB2-BD59-A6C34878D82A}">
-                    <a16:rowId xmlns:a16="http://schemas.microsoft.com/office/drawing/2014/main" xmlns="" val="10000"/>
+                    <a16:rowId xmlns:a16="http://schemas.microsoft.com/office/drawing/2014/main" val="10000"/>
                   </a:ext>
                 </a:extLst>
               </a:tr>
@@ -7019,7 +7177,7 @@
                 </a:tc>
                 <a:extLst>
                   <a:ext uri="{0D108BD9-81ED-4DB2-BD59-A6C34878D82A}">
-                    <a16:rowId xmlns:a16="http://schemas.microsoft.com/office/drawing/2014/main" xmlns="" val="10001"/>
+                    <a16:rowId xmlns:a16="http://schemas.microsoft.com/office/drawing/2014/main" val="10001"/>
                   </a:ext>
                 </a:extLst>
               </a:tr>
@@ -7058,17 +7216,8 @@
               <a:rPr lang="en-US" altLang="ko-KR" sz="2000" dirty="0" smtClean="0">
                 <a:latin typeface="+mn-ea"/>
               </a:rPr>
-              <a:t>var a: character = </a:t>
-            </a:r>
-            <a:r>
-              <a:rPr lang="en-US" altLang="ko-KR" sz="2000" dirty="0" smtClean="0">
-                <a:latin typeface="+mn-ea"/>
-              </a:rPr>
-              <a:t>"c"</a:t>
-            </a:r>
-            <a:endParaRPr lang="en-US" altLang="ko-KR" sz="2000" dirty="0" smtClean="0">
-              <a:latin typeface="+mn-ea"/>
-            </a:endParaRPr>
+              <a:t>var a: character = "c"</a:t>
+            </a:r>
           </a:p>
           <a:p>
             <a:pPr>
@@ -7092,29 +7241,8 @@
               <a:rPr lang="en-US" altLang="ko-KR" sz="2000" dirty="0" smtClean="0">
                 <a:latin typeface="+mn-ea"/>
               </a:rPr>
-              <a:t>: String = </a:t>
-            </a:r>
-            <a:r>
-              <a:rPr lang="en-US" altLang="ko-KR" sz="2000" dirty="0" smtClean="0">
-                <a:latin typeface="+mn-ea"/>
-              </a:rPr>
-              <a:t>"Swift </a:t>
-            </a:r>
-            <a:r>
-              <a:rPr lang="en-US" altLang="ko-KR" sz="2000" dirty="0" smtClean="0">
-                <a:latin typeface="+mn-ea"/>
-              </a:rPr>
-              <a:t>String </a:t>
-            </a:r>
-            <a:r>
-              <a:rPr lang="en-US" altLang="ko-KR" sz="2000" dirty="0" smtClean="0">
-                <a:latin typeface="+mn-ea"/>
-              </a:rPr>
-              <a:t>Literal"</a:t>
-            </a:r>
-            <a:endParaRPr lang="en-US" altLang="ko-KR" sz="2000" dirty="0" smtClean="0">
-              <a:latin typeface="+mn-ea"/>
-            </a:endParaRPr>
+              <a:t>: String = "Swift String Literal"</a:t>
+            </a:r>
           </a:p>
           <a:p>
             <a:pPr>
@@ -7138,13 +7266,7 @@
               <a:rPr lang="en-US" altLang="ko-KR" sz="2000" dirty="0" smtClean="0">
                 <a:latin typeface="+mn-ea"/>
               </a:rPr>
-              <a:t> = </a:t>
-            </a:r>
-            <a:r>
-              <a:rPr lang="en-US" altLang="ko-KR" sz="2000" dirty="0" smtClean="0">
-                <a:latin typeface="+mn-ea"/>
-              </a:rPr>
-              <a:t>"S" </a:t>
+              <a:t> = "S" </a:t>
             </a:r>
             <a:r>
               <a:rPr lang="en-US" altLang="ko-KR" sz="1100" dirty="0" smtClean="0">
@@ -7317,7 +7439,7 @@
           <a:graphicData uri="http://schemas.openxmlformats.org/presentationml/2006/ole">
             <mc:AlternateContent xmlns:mc="http://schemas.openxmlformats.org/markup-compatibility/2006">
               <mc:Choice xmlns:v="urn:schemas-microsoft-com:vml" Requires="v">
-                <p:oleObj spid="_x0000_s1139" name="포장기 셸 개체" showAsIcon="1" r:id="rId3" imgW="1154880" imgH="604800" progId="Package">
+                <p:oleObj spid="_x0000_s1142" name="포장기 셸 개체" showAsIcon="1" r:id="rId3" imgW="1154880" imgH="604800" progId="Package">
                   <p:embed/>
                 </p:oleObj>
               </mc:Choice>
@@ -7908,7 +8030,7 @@
           <a:graphicData uri="http://schemas.openxmlformats.org/presentationml/2006/ole">
             <mc:AlternateContent xmlns:mc="http://schemas.openxmlformats.org/markup-compatibility/2006">
               <mc:Choice xmlns:v="urn:schemas-microsoft-com:vml" Requires="v">
-                <p:oleObj spid="_x0000_s2163" name="포장기 셸 개체" showAsIcon="1" r:id="rId3" imgW="1154880" imgH="604800" progId="Package">
+                <p:oleObj spid="_x0000_s2166" name="포장기 셸 개체" showAsIcon="1" r:id="rId3" imgW="1154880" imgH="604800" progId="Package">
                   <p:embed/>
                 </p:oleObj>
               </mc:Choice>
@@ -8302,13 +8424,8 @@
             <a:pPr lvl="2"/>
             <a:r>
               <a:rPr lang="en-US" altLang="ko-KR" dirty="0" smtClean="0"/>
-              <a:t>var  name: String! = </a:t>
-            </a:r>
-            <a:r>
-              <a:rPr lang="en-US" altLang="ko-KR" dirty="0" smtClean="0"/>
-              <a:t>"Swift"</a:t>
-            </a:r>
-            <a:endParaRPr lang="en-US" altLang="ko-KR" dirty="0" smtClean="0"/>
+              <a:t>var  name: String! = "Swift"</a:t>
+            </a:r>
           </a:p>
           <a:p>
             <a:pPr lvl="2"/>
@@ -8393,13 +8510,7 @@
                 <a:rPr lang="en-US" altLang="ko-KR" sz="2000" dirty="0" smtClean="0">
                   <a:latin typeface="+mn-ea"/>
                 </a:rPr>
-                <a:t>("%d", </a:t>
-              </a:r>
-              <a:r>
-                <a:rPr lang="en-US" altLang="ko-KR" sz="2000" dirty="0" smtClean="0">
-                  <a:latin typeface="+mn-ea"/>
-                </a:rPr>
-                <a:t>*</a:t>
+                <a:t>("%d", *</a:t>
               </a:r>
               <a:r>
                 <a:rPr lang="en-US" altLang="ko-KR" sz="2000" dirty="0" err="1" smtClean="0">
@@ -8899,7 +9010,7 @@
           <a:graphicData uri="http://schemas.openxmlformats.org/presentationml/2006/ole">
             <mc:AlternateContent xmlns:mc="http://schemas.openxmlformats.org/markup-compatibility/2006">
               <mc:Choice xmlns:v="urn:schemas-microsoft-com:vml" Requires="v">
-                <p:oleObj spid="_x0000_s3186" name="포장기 셸 개체" showAsIcon="1" r:id="rId3" imgW="1154880" imgH="604800" progId="Package">
+                <p:oleObj spid="_x0000_s3189" name="포장기 셸 개체" showAsIcon="1" r:id="rId3" imgW="1154880" imgH="604800" progId="Package">
                   <p:embed/>
                 </p:oleObj>
               </mc:Choice>
@@ -11971,13 +12082,7 @@
               <a:rPr lang="ko-KR" altLang="en-US" dirty="0" smtClean="0">
                 <a:latin typeface="+mn-ea"/>
               </a:rPr>
-              <a:t>가 </a:t>
-            </a:r>
-            <a:r>
-              <a:rPr lang="ko-KR" altLang="en-US" dirty="0" smtClean="0">
-                <a:latin typeface="+mn-ea"/>
-              </a:rPr>
-              <a:t>새로이 도입</a:t>
+              <a:t>가 새로이 도입</a:t>
             </a:r>
             <a:endParaRPr lang="en-US" altLang="ko-KR" dirty="0" smtClean="0">
               <a:latin typeface="+mn-ea"/>
@@ -12432,29 +12537,8 @@
                 <a:rPr lang="en-US" altLang="ko-KR" dirty="0" smtClean="0">
                   <a:latin typeface="+mn-ea"/>
                 </a:rPr>
-                <a:t>print</a:t>
+                <a:t>print("\(a) == \(b) : \(result)")</a:t>
               </a:r>
-              <a:r>
-                <a:rPr lang="en-US" altLang="ko-KR" dirty="0" smtClean="0">
-                  <a:latin typeface="+mn-ea"/>
-                </a:rPr>
-                <a:t>("\(</a:t>
-              </a:r>
-              <a:r>
-                <a:rPr lang="en-US" altLang="ko-KR" dirty="0" smtClean="0">
-                  <a:latin typeface="+mn-ea"/>
-                </a:rPr>
-                <a:t>a) == \(b) : \(result</a:t>
-              </a:r>
-              <a:r>
-                <a:rPr lang="en-US" altLang="ko-KR" dirty="0" smtClean="0">
-                  <a:latin typeface="+mn-ea"/>
-                </a:rPr>
-                <a:t>)")</a:t>
-              </a:r>
-              <a:endParaRPr lang="en-US" altLang="ko-KR" dirty="0" smtClean="0">
-                <a:latin typeface="+mn-ea"/>
-              </a:endParaRPr>
             </a:p>
             <a:p>
               <a:r>
@@ -12690,9 +12774,6 @@
                 </a:rPr>
                 <a:t>&lt;&lt;"true";</a:t>
               </a:r>
-              <a:endParaRPr lang="en-US" altLang="ko-KR" dirty="0" smtClean="0">
-                <a:latin typeface="+mn-ea"/>
-              </a:endParaRPr>
             </a:p>
             <a:p>
               <a:r>
@@ -12799,29 +12880,8 @@
                 <a:rPr lang="en-US" altLang="ko-KR" dirty="0" smtClean="0">
                   <a:latin typeface="+mn-ea"/>
                 </a:rPr>
-                <a:t>print</a:t>
+                <a:t>print("\(a) != \(b) : \(result)")</a:t>
               </a:r>
-              <a:r>
-                <a:rPr lang="en-US" altLang="ko-KR" dirty="0" smtClean="0">
-                  <a:latin typeface="+mn-ea"/>
-                </a:rPr>
-                <a:t>("\(</a:t>
-              </a:r>
-              <a:r>
-                <a:rPr lang="en-US" altLang="ko-KR" dirty="0" smtClean="0">
-                  <a:latin typeface="+mn-ea"/>
-                </a:rPr>
-                <a:t>a) != \(b) : \(result</a:t>
-              </a:r>
-              <a:r>
-                <a:rPr lang="en-US" altLang="ko-KR" dirty="0" smtClean="0">
-                  <a:latin typeface="+mn-ea"/>
-                </a:rPr>
-                <a:t>)")</a:t>
-              </a:r>
-              <a:endParaRPr lang="en-US" altLang="ko-KR" dirty="0" smtClean="0">
-                <a:latin typeface="+mn-ea"/>
-              </a:endParaRPr>
             </a:p>
             <a:p>
               <a:r>
@@ -13057,9 +13117,6 @@
                 </a:rPr>
                 <a:t>&lt;&lt;"true";</a:t>
               </a:r>
-              <a:endParaRPr lang="en-US" altLang="ko-KR" dirty="0" smtClean="0">
-                <a:latin typeface="+mn-ea"/>
-              </a:endParaRPr>
             </a:p>
             <a:p>
               <a:r>
@@ -13166,29 +13223,8 @@
                 <a:rPr lang="en-US" altLang="ko-KR" dirty="0" smtClean="0">
                   <a:latin typeface="+mn-ea"/>
                 </a:rPr>
-                <a:t>print</a:t>
+                <a:t>print("\(a) &lt; \(b) : \(result)")</a:t>
               </a:r>
-              <a:r>
-                <a:rPr lang="en-US" altLang="ko-KR" dirty="0" smtClean="0">
-                  <a:latin typeface="+mn-ea"/>
-                </a:rPr>
-                <a:t>("\(</a:t>
-              </a:r>
-              <a:r>
-                <a:rPr lang="en-US" altLang="ko-KR" dirty="0" smtClean="0">
-                  <a:latin typeface="+mn-ea"/>
-                </a:rPr>
-                <a:t>a) &lt; \(b) : \(result</a:t>
-              </a:r>
-              <a:r>
-                <a:rPr lang="en-US" altLang="ko-KR" dirty="0" smtClean="0">
-                  <a:latin typeface="+mn-ea"/>
-                </a:rPr>
-                <a:t>)")</a:t>
-              </a:r>
-              <a:endParaRPr lang="en-US" altLang="ko-KR" dirty="0" smtClean="0">
-                <a:latin typeface="+mn-ea"/>
-              </a:endParaRPr>
             </a:p>
             <a:p>
               <a:r>
@@ -13424,9 +13460,6 @@
                 </a:rPr>
                 <a:t>&lt;&lt;"true";</a:t>
               </a:r>
-              <a:endParaRPr lang="en-US" altLang="ko-KR" dirty="0" smtClean="0">
-                <a:latin typeface="+mn-ea"/>
-              </a:endParaRPr>
             </a:p>
             <a:p>
               <a:r>
@@ -13734,28 +13767,28 @@
                 <a:gridCol w="936104">
                   <a:extLst>
                     <a:ext uri="{9D8B030D-6E8A-4147-A177-3AD203B41FA5}">
-                      <a16:colId xmlns:a16="http://schemas.microsoft.com/office/drawing/2014/main" xmlns="" val="20000"/>
+                      <a16:colId xmlns:a16="http://schemas.microsoft.com/office/drawing/2014/main" val="20000"/>
                     </a:ext>
                   </a:extLst>
                 </a:gridCol>
                 <a:gridCol w="1512168">
                   <a:extLst>
                     <a:ext uri="{9D8B030D-6E8A-4147-A177-3AD203B41FA5}">
-                      <a16:colId xmlns:a16="http://schemas.microsoft.com/office/drawing/2014/main" xmlns="" val="20001"/>
+                      <a16:colId xmlns:a16="http://schemas.microsoft.com/office/drawing/2014/main" val="20001"/>
                     </a:ext>
                   </a:extLst>
                 </a:gridCol>
                 <a:gridCol w="4968552">
                   <a:extLst>
                     <a:ext uri="{9D8B030D-6E8A-4147-A177-3AD203B41FA5}">
-                      <a16:colId xmlns:a16="http://schemas.microsoft.com/office/drawing/2014/main" xmlns="" val="20002"/>
+                      <a16:colId xmlns:a16="http://schemas.microsoft.com/office/drawing/2014/main" val="20002"/>
                     </a:ext>
                   </a:extLst>
                 </a:gridCol>
                 <a:gridCol w="1008112">
                   <a:extLst>
                     <a:ext uri="{9D8B030D-6E8A-4147-A177-3AD203B41FA5}">
-                      <a16:colId xmlns:a16="http://schemas.microsoft.com/office/drawing/2014/main" xmlns="" val="20003"/>
+                      <a16:colId xmlns:a16="http://schemas.microsoft.com/office/drawing/2014/main" val="20003"/>
                     </a:ext>
                   </a:extLst>
                 </a:gridCol>
@@ -13835,7 +13868,7 @@
                 </a:tc>
                 <a:extLst>
                   <a:ext uri="{0D108BD9-81ED-4DB2-BD59-A6C34878D82A}">
-                    <a16:rowId xmlns:a16="http://schemas.microsoft.com/office/drawing/2014/main" xmlns="" val="10000"/>
+                    <a16:rowId xmlns:a16="http://schemas.microsoft.com/office/drawing/2014/main" val="10000"/>
                   </a:ext>
                 </a:extLst>
               </a:tr>
@@ -14073,7 +14106,7 @@
                 </a:tc>
                 <a:extLst>
                   <a:ext uri="{0D108BD9-81ED-4DB2-BD59-A6C34878D82A}">
-                    <a16:rowId xmlns:a16="http://schemas.microsoft.com/office/drawing/2014/main" xmlns="" val="10001"/>
+                    <a16:rowId xmlns:a16="http://schemas.microsoft.com/office/drawing/2014/main" val="10001"/>
                   </a:ext>
                 </a:extLst>
               </a:tr>
@@ -14327,7 +14360,7 @@
                 </a:tc>
                 <a:extLst>
                   <a:ext uri="{0D108BD9-81ED-4DB2-BD59-A6C34878D82A}">
-                    <a16:rowId xmlns:a16="http://schemas.microsoft.com/office/drawing/2014/main" xmlns="" val="10002"/>
+                    <a16:rowId xmlns:a16="http://schemas.microsoft.com/office/drawing/2014/main" val="10002"/>
                   </a:ext>
                 </a:extLst>
               </a:tr>
@@ -14431,29 +14464,20 @@
               <a:rPr lang="en-US" altLang="ko-KR" sz="1400" dirty="0" smtClean="0">
                 <a:latin typeface="+mn-ea"/>
               </a:rPr>
-              <a:t>(format: </a:t>
+              <a:t>(format: "%@", "</a:t>
+            </a:r>
+            <a:r>
+              <a:rPr lang="en-US" altLang="ko-KR" sz="1400" dirty="0" err="1" smtClean="0">
+                <a:latin typeface="+mn-ea"/>
+              </a:rPr>
+              <a:t>str</a:t>
             </a:r>
             <a:r>
               <a:rPr lang="en-US" altLang="ko-KR" sz="1400" dirty="0" smtClean="0">
                 <a:latin typeface="+mn-ea"/>
               </a:rPr>
-              <a:t>"%@", "</a:t>
-            </a:r>
-            <a:r>
-              <a:rPr lang="en-US" altLang="ko-KR" sz="1400" dirty="0" err="1" smtClean="0">
-                <a:latin typeface="+mn-ea"/>
-              </a:rPr>
-              <a:t>str</a:t>
-            </a:r>
-            <a:r>
-              <a:rPr lang="en-US" altLang="ko-KR" sz="1400" dirty="0" smtClean="0">
-                <a:latin typeface="+mn-ea"/>
-              </a:rPr>
               <a:t>")</a:t>
             </a:r>
-            <a:endParaRPr lang="en-US" altLang="ko-KR" sz="1400" dirty="0" smtClean="0">
-              <a:latin typeface="+mn-ea"/>
-            </a:endParaRPr>
           </a:p>
           <a:p>
             <a:r>
@@ -14499,72 +14523,30 @@
               <a:rPr lang="en-US" altLang="ko-KR" sz="1400" dirty="0" smtClean="0">
                 <a:latin typeface="+mn-ea"/>
               </a:rPr>
-              <a:t>  print</a:t>
-            </a:r>
+              <a:t>  print("str1 is equal to str2")</a:t>
+            </a:r>
+          </a:p>
+          <a:p>
             <a:r>
               <a:rPr lang="en-US" altLang="ko-KR" sz="1400" dirty="0" smtClean="0">
                 <a:latin typeface="+mn-ea"/>
               </a:rPr>
-              <a:t>("str1 </a:t>
+              <a:t>} else {</a:t>
+            </a:r>
+          </a:p>
+          <a:p>
+            <a:r>
+              <a:rPr lang="en-US" altLang="ko-KR" sz="1400" dirty="0">
+                <a:latin typeface="+mn-ea"/>
+              </a:rPr>
+              <a:t> </a:t>
             </a:r>
             <a:r>
               <a:rPr lang="en-US" altLang="ko-KR" sz="1400" dirty="0" smtClean="0">
                 <a:latin typeface="+mn-ea"/>
               </a:rPr>
-              <a:t>is equal to </a:t>
-            </a:r>
-            <a:r>
-              <a:rPr lang="en-US" altLang="ko-KR" sz="1400" dirty="0" smtClean="0">
-                <a:latin typeface="+mn-ea"/>
-              </a:rPr>
-              <a:t>str2")</a:t>
-            </a:r>
-            <a:endParaRPr lang="en-US" altLang="ko-KR" sz="1400" dirty="0" smtClean="0">
-              <a:latin typeface="+mn-ea"/>
-            </a:endParaRPr>
-          </a:p>
-          <a:p>
-            <a:r>
-              <a:rPr lang="en-US" altLang="ko-KR" sz="1400" dirty="0" smtClean="0">
-                <a:latin typeface="+mn-ea"/>
-              </a:rPr>
-              <a:t>} else {</a:t>
-            </a:r>
-          </a:p>
-          <a:p>
-            <a:r>
-              <a:rPr lang="en-US" altLang="ko-KR" sz="1400" dirty="0">
-                <a:latin typeface="+mn-ea"/>
-              </a:rPr>
-              <a:t> </a:t>
-            </a:r>
-            <a:r>
-              <a:rPr lang="en-US" altLang="ko-KR" sz="1400" dirty="0" smtClean="0">
-                <a:latin typeface="+mn-ea"/>
-              </a:rPr>
-              <a:t>  print</a:t>
-            </a:r>
-            <a:r>
-              <a:rPr lang="en-US" altLang="ko-KR" sz="1400" dirty="0" smtClean="0">
-                <a:latin typeface="+mn-ea"/>
-              </a:rPr>
-              <a:t>("str1 </a:t>
-            </a:r>
-            <a:r>
-              <a:rPr lang="en-US" altLang="ko-KR" sz="1400" dirty="0" smtClean="0">
-                <a:latin typeface="+mn-ea"/>
-              </a:rPr>
-              <a:t>is not equal to </a:t>
-            </a:r>
-            <a:r>
-              <a:rPr lang="en-US" altLang="ko-KR" sz="1400" dirty="0" smtClean="0">
-                <a:latin typeface="+mn-ea"/>
-              </a:rPr>
-              <a:t>str2")</a:t>
-            </a:r>
-            <a:endParaRPr lang="en-US" altLang="ko-KR" sz="1400" dirty="0" smtClean="0">
-              <a:latin typeface="+mn-ea"/>
-            </a:endParaRPr>
+              <a:t>  print("str1 is not equal to str2")</a:t>
+            </a:r>
           </a:p>
           <a:p>
             <a:r>
@@ -14990,28 +14972,28 @@
                 <a:gridCol w="936104">
                   <a:extLst>
                     <a:ext uri="{9D8B030D-6E8A-4147-A177-3AD203B41FA5}">
-                      <a16:colId xmlns:a16="http://schemas.microsoft.com/office/drawing/2014/main" xmlns="" val="20000"/>
+                      <a16:colId xmlns:a16="http://schemas.microsoft.com/office/drawing/2014/main" val="20000"/>
                     </a:ext>
                   </a:extLst>
                 </a:gridCol>
                 <a:gridCol w="1512168">
                   <a:extLst>
                     <a:ext uri="{9D8B030D-6E8A-4147-A177-3AD203B41FA5}">
-                      <a16:colId xmlns:a16="http://schemas.microsoft.com/office/drawing/2014/main" xmlns="" val="20001"/>
+                      <a16:colId xmlns:a16="http://schemas.microsoft.com/office/drawing/2014/main" val="20001"/>
                     </a:ext>
                   </a:extLst>
                 </a:gridCol>
                 <a:gridCol w="4968552">
                   <a:extLst>
                     <a:ext uri="{9D8B030D-6E8A-4147-A177-3AD203B41FA5}">
-                      <a16:colId xmlns:a16="http://schemas.microsoft.com/office/drawing/2014/main" xmlns="" val="20002"/>
+                      <a16:colId xmlns:a16="http://schemas.microsoft.com/office/drawing/2014/main" val="20002"/>
                     </a:ext>
                   </a:extLst>
                 </a:gridCol>
                 <a:gridCol w="1008112">
                   <a:extLst>
                     <a:ext uri="{9D8B030D-6E8A-4147-A177-3AD203B41FA5}">
-                      <a16:colId xmlns:a16="http://schemas.microsoft.com/office/drawing/2014/main" xmlns="" val="20003"/>
+                      <a16:colId xmlns:a16="http://schemas.microsoft.com/office/drawing/2014/main" val="20003"/>
                     </a:ext>
                   </a:extLst>
                 </a:gridCol>
@@ -15091,7 +15073,7 @@
                 </a:tc>
                 <a:extLst>
                   <a:ext uri="{0D108BD9-81ED-4DB2-BD59-A6C34878D82A}">
-                    <a16:rowId xmlns:a16="http://schemas.microsoft.com/office/drawing/2014/main" xmlns="" val="10000"/>
+                    <a16:rowId xmlns:a16="http://schemas.microsoft.com/office/drawing/2014/main" val="10000"/>
                   </a:ext>
                 </a:extLst>
               </a:tr>
@@ -15355,7 +15337,7 @@
                 </a:tc>
                 <a:extLst>
                   <a:ext uri="{0D108BD9-81ED-4DB2-BD59-A6C34878D82A}">
-                    <a16:rowId xmlns:a16="http://schemas.microsoft.com/office/drawing/2014/main" xmlns="" val="10001"/>
+                    <a16:rowId xmlns:a16="http://schemas.microsoft.com/office/drawing/2014/main" val="10001"/>
                   </a:ext>
                 </a:extLst>
               </a:tr>
@@ -15648,7 +15630,7 @@
                 </a:tc>
                 <a:extLst>
                   <a:ext uri="{0D108BD9-81ED-4DB2-BD59-A6C34878D82A}">
-                    <a16:rowId xmlns:a16="http://schemas.microsoft.com/office/drawing/2014/main" xmlns="" val="10002"/>
+                    <a16:rowId xmlns:a16="http://schemas.microsoft.com/office/drawing/2014/main" val="10002"/>
                   </a:ext>
                 </a:extLst>
               </a:tr>
@@ -15863,7 +15845,7 @@
                 </a:tc>
                 <a:extLst>
                   <a:ext uri="{0D108BD9-81ED-4DB2-BD59-A6C34878D82A}">
-                    <a16:rowId xmlns:a16="http://schemas.microsoft.com/office/drawing/2014/main" xmlns="" val="10003"/>
+                    <a16:rowId xmlns:a16="http://schemas.microsoft.com/office/drawing/2014/main" val="10003"/>
                   </a:ext>
                 </a:extLst>
               </a:tr>
@@ -16480,28 +16462,28 @@
                 <a:gridCol w="936104">
                   <a:extLst>
                     <a:ext uri="{9D8B030D-6E8A-4147-A177-3AD203B41FA5}">
-                      <a16:colId xmlns:a16="http://schemas.microsoft.com/office/drawing/2014/main" xmlns="" val="20000"/>
+                      <a16:colId xmlns:a16="http://schemas.microsoft.com/office/drawing/2014/main" val="20000"/>
                     </a:ext>
                   </a:extLst>
                 </a:gridCol>
                 <a:gridCol w="1512168">
                   <a:extLst>
                     <a:ext uri="{9D8B030D-6E8A-4147-A177-3AD203B41FA5}">
-                      <a16:colId xmlns:a16="http://schemas.microsoft.com/office/drawing/2014/main" xmlns="" val="20001"/>
+                      <a16:colId xmlns:a16="http://schemas.microsoft.com/office/drawing/2014/main" val="20001"/>
                     </a:ext>
                   </a:extLst>
                 </a:gridCol>
                 <a:gridCol w="4968552">
                   <a:extLst>
                     <a:ext uri="{9D8B030D-6E8A-4147-A177-3AD203B41FA5}">
-                      <a16:colId xmlns:a16="http://schemas.microsoft.com/office/drawing/2014/main" xmlns="" val="20002"/>
+                      <a16:colId xmlns:a16="http://schemas.microsoft.com/office/drawing/2014/main" val="20002"/>
                     </a:ext>
                   </a:extLst>
                 </a:gridCol>
                 <a:gridCol w="1008112">
                   <a:extLst>
                     <a:ext uri="{9D8B030D-6E8A-4147-A177-3AD203B41FA5}">
-                      <a16:colId xmlns:a16="http://schemas.microsoft.com/office/drawing/2014/main" xmlns="" val="20003"/>
+                      <a16:colId xmlns:a16="http://schemas.microsoft.com/office/drawing/2014/main" val="20003"/>
                     </a:ext>
                   </a:extLst>
                 </a:gridCol>
@@ -16581,7 +16563,7 @@
                 </a:tc>
                 <a:extLst>
                   <a:ext uri="{0D108BD9-81ED-4DB2-BD59-A6C34878D82A}">
-                    <a16:rowId xmlns:a16="http://schemas.microsoft.com/office/drawing/2014/main" xmlns="" val="10000"/>
+                    <a16:rowId xmlns:a16="http://schemas.microsoft.com/office/drawing/2014/main" val="10000"/>
                   </a:ext>
                 </a:extLst>
               </a:tr>
@@ -16767,7 +16749,7 @@
                 </a:tc>
                 <a:extLst>
                   <a:ext uri="{0D108BD9-81ED-4DB2-BD59-A6C34878D82A}">
-                    <a16:rowId xmlns:a16="http://schemas.microsoft.com/office/drawing/2014/main" xmlns="" val="10001"/>
+                    <a16:rowId xmlns:a16="http://schemas.microsoft.com/office/drawing/2014/main" val="10001"/>
                   </a:ext>
                 </a:extLst>
               </a:tr>
@@ -16953,7 +16935,7 @@
                 </a:tc>
                 <a:extLst>
                   <a:ext uri="{0D108BD9-81ED-4DB2-BD59-A6C34878D82A}">
-                    <a16:rowId xmlns:a16="http://schemas.microsoft.com/office/drawing/2014/main" xmlns="" val="10002"/>
+                    <a16:rowId xmlns:a16="http://schemas.microsoft.com/office/drawing/2014/main" val="10002"/>
                   </a:ext>
                 </a:extLst>
               </a:tr>
@@ -17126,7 +17108,7 @@
                 </a:tc>
                 <a:extLst>
                   <a:ext uri="{0D108BD9-81ED-4DB2-BD59-A6C34878D82A}">
-                    <a16:rowId xmlns:a16="http://schemas.microsoft.com/office/drawing/2014/main" xmlns="" val="10003"/>
+                    <a16:rowId xmlns:a16="http://schemas.microsoft.com/office/drawing/2014/main" val="10003"/>
                   </a:ext>
                 </a:extLst>
               </a:tr>
@@ -17302,7 +17284,7 @@
                 </a:tc>
                 <a:extLst>
                   <a:ext uri="{0D108BD9-81ED-4DB2-BD59-A6C34878D82A}">
-                    <a16:rowId xmlns:a16="http://schemas.microsoft.com/office/drawing/2014/main" xmlns="" val="10004"/>
+                    <a16:rowId xmlns:a16="http://schemas.microsoft.com/office/drawing/2014/main" val="10004"/>
                   </a:ext>
                 </a:extLst>
               </a:tr>
@@ -17634,7 +17616,7 @@
                 </a:tc>
                 <a:extLst>
                   <a:ext uri="{0D108BD9-81ED-4DB2-BD59-A6C34878D82A}">
-                    <a16:rowId xmlns:a16="http://schemas.microsoft.com/office/drawing/2014/main" xmlns="" val="10005"/>
+                    <a16:rowId xmlns:a16="http://schemas.microsoft.com/office/drawing/2014/main" val="10005"/>
                   </a:ext>
                 </a:extLst>
               </a:tr>
@@ -17953,7 +17935,7 @@
                 </a:tc>
                 <a:extLst>
                   <a:ext uri="{0D108BD9-81ED-4DB2-BD59-A6C34878D82A}">
-                    <a16:rowId xmlns:a16="http://schemas.microsoft.com/office/drawing/2014/main" xmlns="" val="10006"/>
+                    <a16:rowId xmlns:a16="http://schemas.microsoft.com/office/drawing/2014/main" val="10006"/>
                   </a:ext>
                 </a:extLst>
               </a:tr>
@@ -18890,17 +18872,8 @@
                 <a:rPr lang="en-US" altLang="ko-KR" dirty="0" smtClean="0">
                   <a:latin typeface="+mn-ea"/>
                 </a:rPr>
-                <a:t>  print</a:t>
+                <a:t>  print("John doe")</a:t>
               </a:r>
-              <a:r>
-                <a:rPr lang="en-US" altLang="ko-KR" dirty="0" smtClean="0">
-                  <a:latin typeface="+mn-ea"/>
-                </a:rPr>
-                <a:t>("John doe")</a:t>
-              </a:r>
-              <a:endParaRPr lang="en-US" altLang="ko-KR" dirty="0" smtClean="0">
-                <a:latin typeface="+mn-ea"/>
-              </a:endParaRPr>
             </a:p>
             <a:p>
               <a:r>
@@ -18971,17 +18944,8 @@
                 <a:rPr lang="en-US" altLang="ko-KR" dirty="0" smtClean="0">
                   <a:latin typeface="+mn-ea"/>
                 </a:rPr>
-                <a:t>print(name != nil ? name! : </a:t>
+                <a:t>print(name != nil ? name! : "John doe")</a:t>
               </a:r>
-              <a:r>
-                <a:rPr lang="en-US" altLang="ko-KR" dirty="0" smtClean="0">
-                  <a:latin typeface="+mn-ea"/>
-                </a:rPr>
-                <a:t>"John doe")</a:t>
-              </a:r>
-              <a:endParaRPr lang="en-US" altLang="ko-KR" dirty="0" smtClean="0">
-                <a:latin typeface="+mn-ea"/>
-              </a:endParaRPr>
             </a:p>
           </p:txBody>
         </p:sp>
@@ -19041,17 +19005,8 @@
                 <a:rPr lang="en-US" altLang="ko-KR" dirty="0" smtClean="0">
                   <a:latin typeface="+mn-ea"/>
                 </a:rPr>
-                <a:t>print(name ?? </a:t>
+                <a:t>print(name ?? "John doe")</a:t>
               </a:r>
-              <a:r>
-                <a:rPr lang="en-US" altLang="ko-KR" dirty="0" smtClean="0">
-                  <a:latin typeface="+mn-ea"/>
-                </a:rPr>
-                <a:t>"John doe")</a:t>
-              </a:r>
-              <a:endParaRPr lang="en-US" altLang="ko-KR" dirty="0" smtClean="0">
-                <a:latin typeface="+mn-ea"/>
-              </a:endParaRPr>
             </a:p>
           </p:txBody>
         </p:sp>
@@ -22487,7 +22442,7 @@
           <a:graphicData uri="http://schemas.openxmlformats.org/presentationml/2006/ole">
             <mc:AlternateContent xmlns:mc="http://schemas.openxmlformats.org/markup-compatibility/2006">
               <mc:Choice xmlns:v="urn:schemas-microsoft-com:vml" Requires="v">
-                <p:oleObj spid="_x0000_s4161" name="포장기 셸 개체" showAsIcon="1" r:id="rId3" imgW="1154880" imgH="604800" progId="Package">
+                <p:oleObj spid="_x0000_s4164" name="포장기 셸 개체" showAsIcon="1" r:id="rId3" imgW="1154880" imgH="604800" progId="Package">
                   <p:embed/>
                 </p:oleObj>
               </mc:Choice>
@@ -23164,7 +23119,7 @@
           <a:graphicData uri="http://schemas.openxmlformats.org/presentationml/2006/ole">
             <mc:AlternateContent xmlns:mc="http://schemas.openxmlformats.org/markup-compatibility/2006">
               <mc:Choice xmlns:v="urn:schemas-microsoft-com:vml" Requires="v">
-                <p:oleObj spid="_x0000_s5185" name="포장기 셸 개체" showAsIcon="1" r:id="rId3" imgW="1154880" imgH="604800" progId="Package">
+                <p:oleObj spid="_x0000_s5188" name="포장기 셸 개체" showAsIcon="1" r:id="rId3" imgW="1154880" imgH="604800" progId="Package">
                   <p:embed/>
                 </p:oleObj>
               </mc:Choice>
@@ -26790,13 +26745,7 @@
               <a:rPr lang="en-US" altLang="ko-KR" sz="1400" dirty="0" smtClean="0">
                 <a:latin typeface="+mn-ea"/>
               </a:rPr>
-              <a:t>name = </a:t>
-            </a:r>
-            <a:r>
-              <a:rPr lang="en-US" altLang="ko-KR" sz="1400" dirty="0" smtClean="0">
-                <a:latin typeface="+mn-ea"/>
-              </a:rPr>
-              <a:t>"Jason" </a:t>
+              <a:t>name = "Jason" </a:t>
             </a:r>
             <a:r>
               <a:rPr lang="en-US" altLang="ko-KR" sz="1400" dirty="0">
@@ -28020,9 +27969,6 @@
               </a:rPr>
               <a:t>)")</a:t>
             </a:r>
-            <a:endParaRPr lang="en-US" altLang="ko-KR" sz="1400" dirty="0" smtClean="0">
-              <a:latin typeface="+mn-ea"/>
-            </a:endParaRPr>
           </a:p>
         </p:txBody>
       </p:sp>
@@ -30215,9 +30161,6 @@
               </a:rPr>
               <a:t>)</a:t>
             </a:r>
-            <a:endParaRPr lang="en-US" altLang="ko-KR" sz="1200" dirty="0">
-              <a:latin typeface="+mn-ea"/>
-            </a:endParaRPr>
           </a:p>
         </p:txBody>
       </p:sp>
@@ -30436,51 +30379,33 @@
               <a:rPr lang="en-US" altLang="ko-KR" sz="1200" dirty="0" smtClean="0">
                 <a:latin typeface="+mn-ea"/>
               </a:rPr>
-              <a:t>("aa", </a:t>
+              <a:t>("aa", at:2)</a:t>
+            </a:r>
+          </a:p>
+          <a:p>
+            <a:r>
+              <a:rPr lang="en-US" altLang="ko-KR" sz="1200" dirty="0" err="1" smtClean="0">
+                <a:latin typeface="+mn-ea"/>
+              </a:rPr>
+              <a:t>names.insert</a:t>
             </a:r>
             <a:r>
               <a:rPr lang="en-US" altLang="ko-KR" sz="1200" dirty="0" smtClean="0">
                 <a:latin typeface="+mn-ea"/>
               </a:rPr>
-              <a:t>at:2)</a:t>
-            </a:r>
-          </a:p>
-          <a:p>
+              <a:t>(</a:t>
+            </a:r>
             <a:r>
               <a:rPr lang="en-US" altLang="ko-KR" sz="1200" dirty="0" err="1" smtClean="0">
                 <a:latin typeface="+mn-ea"/>
               </a:rPr>
-              <a:t>names.insert</a:t>
+              <a:t>contentsOf</a:t>
             </a:r>
             <a:r>
               <a:rPr lang="en-US" altLang="ko-KR" sz="1200" dirty="0" smtClean="0">
                 <a:latin typeface="+mn-ea"/>
               </a:rPr>
-              <a:t>(</a:t>
-            </a:r>
-            <a:r>
-              <a:rPr lang="en-US" altLang="ko-KR" sz="1200" dirty="0" err="1" smtClean="0">
-                <a:latin typeface="+mn-ea"/>
-              </a:rPr>
-              <a:t>contentsOf</a:t>
-            </a:r>
-            <a:r>
-              <a:rPr lang="en-US" altLang="ko-KR" sz="1200" dirty="0" smtClean="0">
-                <a:latin typeface="+mn-ea"/>
-              </a:rPr>
-              <a:t>: </a:t>
-            </a:r>
-            <a:r>
-              <a:rPr lang="en-US" altLang="ko-KR" sz="1200" dirty="0" smtClean="0">
-                <a:latin typeface="+mn-ea"/>
-              </a:rPr>
-              <a:t>["bb", "cc"], </a:t>
-            </a:r>
-            <a:r>
-              <a:rPr lang="en-US" altLang="ko-KR" sz="1200" dirty="0" smtClean="0">
-                <a:latin typeface="+mn-ea"/>
-              </a:rPr>
-              <a:t>at:5)</a:t>
+              <a:t>: ["bb", "cc"], at:5)</a:t>
             </a:r>
           </a:p>
         </p:txBody>
@@ -31135,9 +31060,6 @@
               </a:rPr>
               <a:t>: "a"))</a:t>
             </a:r>
-            <a:endParaRPr lang="en-US" altLang="ko-KR" sz="1200" dirty="0">
-              <a:latin typeface="+mn-ea"/>
-            </a:endParaRPr>
           </a:p>
         </p:txBody>
       </p:sp>
@@ -31753,9 +31675,6 @@
               </a:rPr>
               <a:t>print(names2.remove("b"))</a:t>
             </a:r>
-            <a:endParaRPr lang="en-US" altLang="ko-KR" sz="1100" dirty="0">
-              <a:latin typeface="+mn-ea"/>
-            </a:endParaRPr>
           </a:p>
         </p:txBody>
       </p:sp>
@@ -32025,9 +31944,6 @@
               </a:rPr>
               <a:t>())</a:t>
             </a:r>
-            <a:endParaRPr lang="en-US" altLang="ko-KR" sz="1100" dirty="0">
-              <a:latin typeface="+mn-ea"/>
-            </a:endParaRPr>
           </a:p>
         </p:txBody>
       </p:sp>
@@ -32946,7 +32862,13 @@
               <a:rPr lang="en-US" altLang="ko-KR" sz="1100" dirty="0" smtClean="0">
                 <a:latin typeface="+mn-ea"/>
               </a:rPr>
-              <a:t> case primary = </a:t>
+              <a:t> case primary = "</a:t>
+            </a:r>
+            <a:r>
+              <a:rPr lang="ko-KR" altLang="en-US" sz="1100" dirty="0" smtClean="0">
+                <a:latin typeface="+mn-ea"/>
+              </a:rPr>
+              <a:t>유치원</a:t>
             </a:r>
             <a:r>
               <a:rPr lang="en-US" altLang="ko-KR" sz="1100" dirty="0" smtClean="0">
@@ -32954,24 +32876,371 @@
               </a:rPr>
               <a:t>"</a:t>
             </a:r>
+          </a:p>
+          <a:p>
+            <a:r>
+              <a:rPr lang="en-US" altLang="ko-KR" sz="1100" dirty="0">
+                <a:latin typeface="+mn-ea"/>
+              </a:rPr>
+              <a:t> </a:t>
+            </a:r>
+            <a:r>
+              <a:rPr lang="en-US" altLang="ko-KR" sz="1100" dirty="0" smtClean="0">
+                <a:latin typeface="+mn-ea"/>
+              </a:rPr>
+              <a:t>case</a:t>
+            </a:r>
             <a:r>
               <a:rPr lang="ko-KR" altLang="en-US" sz="1100" dirty="0" smtClean="0">
                 <a:latin typeface="+mn-ea"/>
               </a:rPr>
-              <a:t>유치원</a:t>
+              <a:t> </a:t>
             </a:r>
             <a:r>
               <a:rPr lang="en-US" altLang="ko-KR" sz="1100" dirty="0" smtClean="0">
                 <a:latin typeface="+mn-ea"/>
               </a:rPr>
+              <a:t>elementary = "</a:t>
+            </a:r>
+            <a:r>
+              <a:rPr lang="ko-KR" altLang="en-US" sz="1100" dirty="0" smtClean="0">
+                <a:latin typeface="+mn-ea"/>
+              </a:rPr>
+              <a:t>초등학교</a:t>
+            </a:r>
+            <a:r>
+              <a:rPr lang="en-US" altLang="ko-KR" sz="1100" dirty="0" smtClean="0">
+                <a:latin typeface="+mn-ea"/>
+              </a:rPr>
               <a:t>"</a:t>
             </a:r>
+          </a:p>
+          <a:p>
+            <a:r>
+              <a:rPr lang="en-US" altLang="ko-KR" sz="1100" dirty="0">
+                <a:latin typeface="+mn-ea"/>
+              </a:rPr>
+              <a:t> </a:t>
+            </a:r>
+            <a:r>
+              <a:rPr lang="en-US" altLang="ko-KR" sz="1100" dirty="0" smtClean="0">
+                <a:latin typeface="+mn-ea"/>
+              </a:rPr>
+              <a:t>case middle = "</a:t>
+            </a:r>
+            <a:r>
+              <a:rPr lang="ko-KR" altLang="en-US" sz="1100" dirty="0" smtClean="0">
+                <a:latin typeface="+mn-ea"/>
+              </a:rPr>
+              <a:t>중학교</a:t>
+            </a:r>
+            <a:r>
+              <a:rPr lang="en-US" altLang="ko-KR" sz="1100" dirty="0" smtClean="0">
+                <a:latin typeface="+mn-ea"/>
+              </a:rPr>
+              <a:t>"</a:t>
+            </a:r>
+          </a:p>
+          <a:p>
+            <a:r>
+              <a:rPr lang="en-US" altLang="ko-KR" sz="1100" dirty="0">
+                <a:latin typeface="+mn-ea"/>
+              </a:rPr>
+              <a:t> </a:t>
+            </a:r>
+            <a:r>
+              <a:rPr lang="en-US" altLang="ko-KR" sz="1100" dirty="0" smtClean="0">
+                <a:latin typeface="+mn-ea"/>
+              </a:rPr>
+              <a:t>case high = "</a:t>
+            </a:r>
+            <a:r>
+              <a:rPr lang="ko-KR" altLang="en-US" sz="1100" dirty="0" smtClean="0">
+                <a:latin typeface="+mn-ea"/>
+              </a:rPr>
+              <a:t>고등학교</a:t>
+            </a:r>
+            <a:r>
+              <a:rPr lang="en-US" altLang="ko-KR" sz="1100" dirty="0" smtClean="0">
+                <a:latin typeface="+mn-ea"/>
+              </a:rPr>
+              <a:t>"</a:t>
+            </a:r>
+          </a:p>
+          <a:p>
+            <a:r>
+              <a:rPr lang="en-US" altLang="ko-KR" sz="1100" dirty="0">
+                <a:latin typeface="+mn-ea"/>
+              </a:rPr>
+              <a:t> </a:t>
+            </a:r>
+            <a:r>
+              <a:rPr lang="en-US" altLang="ko-KR" sz="1100" dirty="0" smtClean="0">
+                <a:latin typeface="+mn-ea"/>
+              </a:rPr>
+              <a:t>case collage = "</a:t>
+            </a:r>
+            <a:r>
+              <a:rPr lang="ko-KR" altLang="en-US" sz="1100" dirty="0" smtClean="0">
+                <a:latin typeface="+mn-ea"/>
+              </a:rPr>
+              <a:t>대학</a:t>
+            </a:r>
+            <a:r>
+              <a:rPr lang="en-US" altLang="ko-KR" sz="1100" dirty="0" smtClean="0">
+                <a:latin typeface="+mn-ea"/>
+              </a:rPr>
+              <a:t>"</a:t>
+            </a:r>
+          </a:p>
+          <a:p>
+            <a:r>
+              <a:rPr lang="en-US" altLang="ko-KR" sz="1100" dirty="0">
+                <a:latin typeface="+mn-ea"/>
+              </a:rPr>
+              <a:t> </a:t>
+            </a:r>
+            <a:r>
+              <a:rPr lang="en-US" altLang="ko-KR" sz="1100" dirty="0" smtClean="0">
+                <a:latin typeface="+mn-ea"/>
+              </a:rPr>
+              <a:t>case university = "</a:t>
+            </a:r>
+            <a:r>
+              <a:rPr lang="ko-KR" altLang="en-US" sz="1100" dirty="0" smtClean="0">
+                <a:latin typeface="+mn-ea"/>
+              </a:rPr>
+              <a:t>대학교</a:t>
+            </a:r>
+            <a:r>
+              <a:rPr lang="en-US" altLang="ko-KR" sz="1100" dirty="0" smtClean="0">
+                <a:latin typeface="+mn-ea"/>
+              </a:rPr>
+              <a:t>"</a:t>
+            </a:r>
+          </a:p>
+          <a:p>
+            <a:r>
+              <a:rPr lang="en-US" altLang="ko-KR" sz="1100" dirty="0">
+                <a:latin typeface="+mn-ea"/>
+              </a:rPr>
+              <a:t> </a:t>
+            </a:r>
+            <a:r>
+              <a:rPr lang="en-US" altLang="ko-KR" sz="1100" dirty="0" smtClean="0">
+                <a:latin typeface="+mn-ea"/>
+              </a:rPr>
+              <a:t>case graduate</a:t>
+            </a:r>
+            <a:r>
+              <a:rPr lang="ko-KR" altLang="en-US" sz="1100" dirty="0" smtClean="0">
+                <a:latin typeface="+mn-ea"/>
+              </a:rPr>
+              <a:t> </a:t>
+            </a:r>
+            <a:r>
+              <a:rPr lang="en-US" altLang="ko-KR" sz="1100" dirty="0" smtClean="0">
+                <a:latin typeface="+mn-ea"/>
+              </a:rPr>
+              <a:t>= "</a:t>
+            </a:r>
+            <a:r>
+              <a:rPr lang="ko-KR" altLang="en-US" sz="1100" dirty="0" smtClean="0">
+                <a:latin typeface="+mn-ea"/>
+              </a:rPr>
+              <a:t>대학원</a:t>
+            </a:r>
+            <a:r>
+              <a:rPr lang="en-US" altLang="ko-KR" sz="1100" dirty="0" smtClean="0">
+                <a:latin typeface="+mn-ea"/>
+              </a:rPr>
+              <a:t>"</a:t>
+            </a:r>
+          </a:p>
+          <a:p>
+            <a:r>
+              <a:rPr lang="en-US" altLang="ko-KR" sz="1100" dirty="0" smtClean="0">
+                <a:latin typeface="+mn-ea"/>
+              </a:rPr>
+              <a:t>}</a:t>
+            </a:r>
+          </a:p>
+          <a:p>
+            <a:endParaRPr lang="en-US" altLang="ko-KR" sz="1100" dirty="0">
+              <a:latin typeface="+mn-ea"/>
+            </a:endParaRPr>
+          </a:p>
+          <a:p>
+            <a:r>
+              <a:rPr lang="en-US" altLang="ko-KR" sz="1100" dirty="0" smtClean="0">
+                <a:latin typeface="+mn-ea"/>
+              </a:rPr>
+              <a:t>let</a:t>
+            </a:r>
+            <a:r>
+              <a:rPr lang="ko-KR" altLang="en-US" sz="1100" dirty="0" smtClean="0">
+                <a:latin typeface="+mn-ea"/>
+              </a:rPr>
+              <a:t> </a:t>
+            </a:r>
+            <a:r>
+              <a:rPr lang="en-US" altLang="ko-KR" sz="1100" dirty="0" err="1" smtClean="0">
+                <a:latin typeface="+mn-ea"/>
+              </a:rPr>
+              <a:t>highestEducationLevel</a:t>
+            </a:r>
+            <a:r>
+              <a:rPr lang="en-US" altLang="ko-KR" sz="1100" dirty="0" smtClean="0">
+                <a:latin typeface="+mn-ea"/>
+              </a:rPr>
+              <a:t>: School = </a:t>
+            </a:r>
+            <a:r>
+              <a:rPr lang="en-US" altLang="ko-KR" sz="1100" dirty="0" err="1" smtClean="0">
+                <a:latin typeface="+mn-ea"/>
+              </a:rPr>
+              <a:t>School.university</a:t>
+            </a:r>
+            <a:endParaRPr lang="en-US" altLang="ko-KR" sz="1100" dirty="0">
+              <a:latin typeface="+mn-ea"/>
+            </a:endParaRPr>
+          </a:p>
+          <a:p>
             <a:endParaRPr lang="en-US" altLang="ko-KR" sz="1100" dirty="0" smtClean="0">
               <a:latin typeface="+mn-ea"/>
             </a:endParaRPr>
           </a:p>
           <a:p>
             <a:r>
+              <a:rPr lang="en-US" altLang="ko-KR" sz="1100" dirty="0" smtClean="0">
+                <a:latin typeface="+mn-ea"/>
+              </a:rPr>
+              <a:t>print("</a:t>
+            </a:r>
+            <a:r>
+              <a:rPr lang="ko-KR" altLang="en-US" sz="1100" dirty="0" smtClean="0">
+                <a:latin typeface="+mn-ea"/>
+              </a:rPr>
+              <a:t>저의 최종 학력은</a:t>
+            </a:r>
+            <a:r>
+              <a:rPr lang="en-US" altLang="ko-KR" sz="1100" dirty="0" smtClean="0">
+                <a:latin typeface="+mn-ea"/>
+              </a:rPr>
+              <a:t> \(</a:t>
+            </a:r>
+            <a:r>
+              <a:rPr lang="en-US" altLang="ko-KR" sz="1100" dirty="0" err="1" smtClean="0">
+                <a:latin typeface="+mn-ea"/>
+              </a:rPr>
+              <a:t>highestEducationLevel.rawValue</a:t>
+            </a:r>
+            <a:r>
+              <a:rPr lang="en-US" altLang="ko-KR" sz="1100" dirty="0" smtClean="0">
+                <a:latin typeface="+mn-ea"/>
+              </a:rPr>
+              <a:t>) </a:t>
+            </a:r>
+            <a:r>
+              <a:rPr lang="ko-KR" altLang="en-US" sz="1100" dirty="0" smtClean="0">
+                <a:latin typeface="+mn-ea"/>
+              </a:rPr>
+              <a:t>졸업입니다</a:t>
+            </a:r>
+            <a:r>
+              <a:rPr lang="en-US" altLang="ko-KR" sz="1100" dirty="0" smtClean="0">
+                <a:latin typeface="+mn-ea"/>
+              </a:rPr>
+              <a:t>.")</a:t>
+            </a:r>
+          </a:p>
+          <a:p>
+            <a:endParaRPr lang="en-US" altLang="ko-KR" sz="1100" dirty="0">
+              <a:latin typeface="+mn-ea"/>
+            </a:endParaRPr>
+          </a:p>
+          <a:p>
+            <a:r>
+              <a:rPr lang="en-US" altLang="ko-KR" sz="1100" dirty="0" smtClean="0">
+                <a:latin typeface="+mn-ea"/>
+              </a:rPr>
+              <a:t>enum </a:t>
+            </a:r>
+            <a:r>
+              <a:rPr lang="en-US" altLang="ko-KR" sz="1100" dirty="0" err="1" smtClean="0">
+                <a:latin typeface="+mn-ea"/>
+              </a:rPr>
+              <a:t>WeekDays</a:t>
+            </a:r>
+            <a:r>
+              <a:rPr lang="en-US" altLang="ko-KR" sz="1100" dirty="0" smtClean="0">
+                <a:latin typeface="+mn-ea"/>
+              </a:rPr>
+              <a:t>: Character {</a:t>
+            </a:r>
+          </a:p>
+          <a:p>
+            <a:r>
+              <a:rPr lang="en-US" altLang="ko-KR" sz="1100" dirty="0" smtClean="0">
+                <a:latin typeface="+mn-ea"/>
+              </a:rPr>
+              <a:t> case mon = "</a:t>
+            </a:r>
+            <a:r>
+              <a:rPr lang="ko-KR" altLang="en-US" sz="1100" dirty="0" smtClean="0">
+                <a:latin typeface="+mn-ea"/>
+              </a:rPr>
+              <a:t>월</a:t>
+            </a:r>
+            <a:r>
+              <a:rPr lang="en-US" altLang="ko-KR" sz="1100" dirty="0" smtClean="0">
+                <a:latin typeface="+mn-ea"/>
+              </a:rPr>
+              <a:t>", </a:t>
+            </a:r>
+            <a:r>
+              <a:rPr lang="en-US" altLang="ko-KR" sz="1100" dirty="0" err="1" smtClean="0">
+                <a:latin typeface="+mn-ea"/>
+              </a:rPr>
+              <a:t>tue</a:t>
+            </a:r>
+            <a:r>
+              <a:rPr lang="en-US" altLang="ko-KR" sz="1100" dirty="0" smtClean="0">
+                <a:latin typeface="+mn-ea"/>
+              </a:rPr>
+              <a:t> = "</a:t>
+            </a:r>
+            <a:r>
+              <a:rPr lang="ko-KR" altLang="en-US" sz="1100" dirty="0" smtClean="0">
+                <a:latin typeface="+mn-ea"/>
+              </a:rPr>
+              <a:t>화</a:t>
+            </a:r>
+            <a:r>
+              <a:rPr lang="en-US" altLang="ko-KR" sz="1100" dirty="0" smtClean="0">
+                <a:latin typeface="+mn-ea"/>
+              </a:rPr>
+              <a:t>", wed = "</a:t>
+            </a:r>
+            <a:r>
+              <a:rPr lang="ko-KR" altLang="en-US" sz="1100" dirty="0" smtClean="0">
+                <a:latin typeface="+mn-ea"/>
+              </a:rPr>
+              <a:t>수</a:t>
+            </a:r>
+            <a:r>
+              <a:rPr lang="en-US" altLang="ko-KR" sz="1100" dirty="0" smtClean="0">
+                <a:latin typeface="+mn-ea"/>
+              </a:rPr>
+              <a:t>", </a:t>
+            </a:r>
+            <a:r>
+              <a:rPr lang="en-US" altLang="ko-KR" sz="1100" dirty="0" err="1" smtClean="0">
+                <a:latin typeface="+mn-ea"/>
+              </a:rPr>
+              <a:t>thu</a:t>
+            </a:r>
+            <a:r>
               <a:rPr lang="en-US" altLang="ko-KR" sz="1100" dirty="0">
                 <a:latin typeface="+mn-ea"/>
               </a:rPr>
@@ -32981,19 +33250,73 @@
               <a:rPr lang="en-US" altLang="ko-KR" sz="1100" dirty="0" smtClean="0">
                 <a:latin typeface="+mn-ea"/>
               </a:rPr>
-              <a:t>case</a:t>
+              <a:t>= "</a:t>
             </a:r>
             <a:r>
               <a:rPr lang="ko-KR" altLang="en-US" sz="1100" dirty="0" smtClean="0">
                 <a:latin typeface="+mn-ea"/>
               </a:rPr>
+              <a:t>목</a:t>
+            </a:r>
+            <a:r>
+              <a:rPr lang="en-US" altLang="ko-KR" sz="1100" dirty="0" smtClean="0">
+                <a:latin typeface="+mn-ea"/>
+              </a:rPr>
+              <a:t>", </a:t>
+            </a:r>
+            <a:r>
+              <a:rPr lang="en-US" altLang="ko-KR" sz="1100" dirty="0" err="1" smtClean="0">
+                <a:latin typeface="+mn-ea"/>
+              </a:rPr>
+              <a:t>fri</a:t>
+            </a:r>
+            <a:r>
+              <a:rPr lang="en-US" altLang="ko-KR" sz="1100" dirty="0" smtClean="0">
+                <a:latin typeface="+mn-ea"/>
+              </a:rPr>
+              <a:t> = "</a:t>
+            </a:r>
+            <a:r>
+              <a:rPr lang="ko-KR" altLang="en-US" sz="1100" dirty="0" smtClean="0">
+                <a:latin typeface="+mn-ea"/>
+              </a:rPr>
+              <a:t>금</a:t>
+            </a:r>
+            <a:r>
+              <a:rPr lang="en-US" altLang="ko-KR" sz="1100" dirty="0" smtClean="0">
+                <a:latin typeface="+mn-ea"/>
+              </a:rPr>
+              <a:t>", sat = "</a:t>
+            </a:r>
+            <a:r>
+              <a:rPr lang="ko-KR" altLang="en-US" sz="1100" dirty="0" smtClean="0">
+                <a:latin typeface="+mn-ea"/>
+              </a:rPr>
+              <a:t>토</a:t>
+            </a:r>
+            <a:r>
+              <a:rPr lang="en-US" altLang="ko-KR" sz="1100" dirty="0" smtClean="0">
+                <a:latin typeface="+mn-ea"/>
+              </a:rPr>
+              <a:t>", sun</a:t>
+            </a:r>
+            <a:r>
+              <a:rPr lang="ko-KR" altLang="en-US" sz="1100" dirty="0" smtClean="0">
+                <a:latin typeface="+mn-ea"/>
+              </a:rPr>
               <a:t> </a:t>
             </a:r>
             <a:r>
               <a:rPr lang="en-US" altLang="ko-KR" sz="1100" dirty="0" smtClean="0">
                 <a:latin typeface="+mn-ea"/>
               </a:rPr>
-              <a:t>elementary = </a:t>
+              <a:t>= "</a:t>
+            </a:r>
+            <a:r>
+              <a:rPr lang="ko-KR" altLang="en-US" sz="1100" dirty="0" smtClean="0">
+                <a:latin typeface="+mn-ea"/>
+              </a:rPr>
+              <a:t>일</a:t>
             </a:r>
             <a:r>
               <a:rPr lang="en-US" altLang="ko-KR" sz="1100" dirty="0" smtClean="0">
@@ -33001,17 +33324,56 @@
               </a:rPr>
               <a:t>"</a:t>
             </a:r>
+          </a:p>
+          <a:p>
+            <a:r>
+              <a:rPr lang="en-US" altLang="ko-KR" sz="1100" dirty="0" smtClean="0">
+                <a:latin typeface="+mn-ea"/>
+              </a:rPr>
+              <a:t>}</a:t>
+            </a:r>
+          </a:p>
+          <a:p>
+            <a:endParaRPr lang="en-US" altLang="ko-KR" sz="1100" dirty="0">
+              <a:latin typeface="+mn-ea"/>
+            </a:endParaRPr>
+          </a:p>
+          <a:p>
+            <a:r>
+              <a:rPr lang="en-US" altLang="ko-KR" sz="1100" dirty="0" smtClean="0">
+                <a:latin typeface="+mn-ea"/>
+              </a:rPr>
+              <a:t>let</a:t>
+            </a:r>
             <a:r>
               <a:rPr lang="ko-KR" altLang="en-US" sz="1100" dirty="0" smtClean="0">
                 <a:latin typeface="+mn-ea"/>
               </a:rPr>
-              <a:t>초등학교</a:t>
+              <a:t> </a:t>
             </a:r>
             <a:r>
               <a:rPr lang="en-US" altLang="ko-KR" sz="1100" dirty="0" smtClean="0">
                 <a:latin typeface="+mn-ea"/>
               </a:rPr>
-              <a:t>"</a:t>
+              <a:t>today: </a:t>
+            </a:r>
+            <a:r>
+              <a:rPr lang="en-US" altLang="ko-KR" sz="1100" dirty="0" err="1" smtClean="0">
+                <a:latin typeface="+mn-ea"/>
+              </a:rPr>
+              <a:t>WeekDays</a:t>
+            </a:r>
+            <a:r>
+              <a:rPr lang="en-US" altLang="ko-KR" sz="1100" dirty="0" smtClean="0">
+                <a:latin typeface="+mn-ea"/>
+              </a:rPr>
+              <a:t> = </a:t>
+            </a:r>
+            <a:r>
+              <a:rPr lang="en-US" altLang="ko-KR" sz="1100" dirty="0" err="1" smtClean="0">
+                <a:latin typeface="+mn-ea"/>
+              </a:rPr>
+              <a:t>WeekDays.fri</a:t>
             </a:r>
             <a:endParaRPr lang="en-US" altLang="ko-KR" sz="1100" dirty="0" smtClean="0">
               <a:latin typeface="+mn-ea"/>
@@ -33019,603 +33381,10 @@
           </a:p>
           <a:p>
             <a:r>
-              <a:rPr lang="en-US" altLang="ko-KR" sz="1100" dirty="0">
-                <a:latin typeface="+mn-ea"/>
-              </a:rPr>
-              <a:t> </a:t>
-            </a:r>
-            <a:r>
               <a:rPr lang="en-US" altLang="ko-KR" sz="1100" dirty="0" smtClean="0">
                 <a:latin typeface="+mn-ea"/>
               </a:rPr>
-              <a:t>case middle = </a:t>
-            </a:r>
-            <a:r>
-              <a:rPr lang="en-US" altLang="ko-KR" sz="1100" dirty="0" smtClean="0">
-                <a:latin typeface="+mn-ea"/>
-              </a:rPr>
-              <a:t>"</a:t>
-            </a:r>
-            <a:r>
-              <a:rPr lang="ko-KR" altLang="en-US" sz="1100" dirty="0" smtClean="0">
-                <a:latin typeface="+mn-ea"/>
-              </a:rPr>
-              <a:t>중학교</a:t>
-            </a:r>
-            <a:r>
-              <a:rPr lang="en-US" altLang="ko-KR" sz="1100" dirty="0" smtClean="0">
-                <a:latin typeface="+mn-ea"/>
-              </a:rPr>
-              <a:t>"</a:t>
-            </a:r>
-            <a:endParaRPr lang="en-US" altLang="ko-KR" sz="1100" dirty="0" smtClean="0">
-              <a:latin typeface="+mn-ea"/>
-            </a:endParaRPr>
-          </a:p>
-          <a:p>
-            <a:r>
-              <a:rPr lang="en-US" altLang="ko-KR" sz="1100" dirty="0">
-                <a:latin typeface="+mn-ea"/>
-              </a:rPr>
-              <a:t> </a:t>
-            </a:r>
-            <a:r>
-              <a:rPr lang="en-US" altLang="ko-KR" sz="1100" dirty="0" smtClean="0">
-                <a:latin typeface="+mn-ea"/>
-              </a:rPr>
-              <a:t>case high = </a:t>
-            </a:r>
-            <a:r>
-              <a:rPr lang="en-US" altLang="ko-KR" sz="1100" dirty="0" smtClean="0">
-                <a:latin typeface="+mn-ea"/>
-              </a:rPr>
-              <a:t>"</a:t>
-            </a:r>
-            <a:r>
-              <a:rPr lang="ko-KR" altLang="en-US" sz="1100" dirty="0" smtClean="0">
-                <a:latin typeface="+mn-ea"/>
-              </a:rPr>
-              <a:t>고등학교</a:t>
-            </a:r>
-            <a:r>
-              <a:rPr lang="en-US" altLang="ko-KR" sz="1100" dirty="0" smtClean="0">
-                <a:latin typeface="+mn-ea"/>
-              </a:rPr>
-              <a:t>"</a:t>
-            </a:r>
-            <a:endParaRPr lang="en-US" altLang="ko-KR" sz="1100" dirty="0" smtClean="0">
-              <a:latin typeface="+mn-ea"/>
-            </a:endParaRPr>
-          </a:p>
-          <a:p>
-            <a:r>
-              <a:rPr lang="en-US" altLang="ko-KR" sz="1100" dirty="0">
-                <a:latin typeface="+mn-ea"/>
-              </a:rPr>
-              <a:t> </a:t>
-            </a:r>
-            <a:r>
-              <a:rPr lang="en-US" altLang="ko-KR" sz="1100" dirty="0" smtClean="0">
-                <a:latin typeface="+mn-ea"/>
-              </a:rPr>
-              <a:t>case collage = </a:t>
-            </a:r>
-            <a:r>
-              <a:rPr lang="en-US" altLang="ko-KR" sz="1100" dirty="0" smtClean="0">
-                <a:latin typeface="+mn-ea"/>
-              </a:rPr>
-              <a:t>"</a:t>
-            </a:r>
-            <a:r>
-              <a:rPr lang="ko-KR" altLang="en-US" sz="1100" dirty="0" smtClean="0">
-                <a:latin typeface="+mn-ea"/>
-              </a:rPr>
-              <a:t>대학</a:t>
-            </a:r>
-            <a:r>
-              <a:rPr lang="en-US" altLang="ko-KR" sz="1100" dirty="0" smtClean="0">
-                <a:latin typeface="+mn-ea"/>
-              </a:rPr>
-              <a:t>"</a:t>
-            </a:r>
-            <a:endParaRPr lang="en-US" altLang="ko-KR" sz="1100" dirty="0" smtClean="0">
-              <a:latin typeface="+mn-ea"/>
-            </a:endParaRPr>
-          </a:p>
-          <a:p>
-            <a:r>
-              <a:rPr lang="en-US" altLang="ko-KR" sz="1100" dirty="0">
-                <a:latin typeface="+mn-ea"/>
-              </a:rPr>
-              <a:t> </a:t>
-            </a:r>
-            <a:r>
-              <a:rPr lang="en-US" altLang="ko-KR" sz="1100" dirty="0" smtClean="0">
-                <a:latin typeface="+mn-ea"/>
-              </a:rPr>
-              <a:t>case university = </a:t>
-            </a:r>
-            <a:r>
-              <a:rPr lang="en-US" altLang="ko-KR" sz="1100" dirty="0" smtClean="0">
-                <a:latin typeface="+mn-ea"/>
-              </a:rPr>
-              <a:t>"</a:t>
-            </a:r>
-            <a:r>
-              <a:rPr lang="ko-KR" altLang="en-US" sz="1100" dirty="0" smtClean="0">
-                <a:latin typeface="+mn-ea"/>
-              </a:rPr>
-              <a:t>대학교</a:t>
-            </a:r>
-            <a:r>
-              <a:rPr lang="en-US" altLang="ko-KR" sz="1100" dirty="0" smtClean="0">
-                <a:latin typeface="+mn-ea"/>
-              </a:rPr>
-              <a:t>"</a:t>
-            </a:r>
-            <a:endParaRPr lang="en-US" altLang="ko-KR" sz="1100" dirty="0" smtClean="0">
-              <a:latin typeface="+mn-ea"/>
-            </a:endParaRPr>
-          </a:p>
-          <a:p>
-            <a:r>
-              <a:rPr lang="en-US" altLang="ko-KR" sz="1100" dirty="0">
-                <a:latin typeface="+mn-ea"/>
-              </a:rPr>
-              <a:t> </a:t>
-            </a:r>
-            <a:r>
-              <a:rPr lang="en-US" altLang="ko-KR" sz="1100" dirty="0" smtClean="0">
-                <a:latin typeface="+mn-ea"/>
-              </a:rPr>
-              <a:t>case graduate</a:t>
-            </a:r>
-            <a:r>
-              <a:rPr lang="ko-KR" altLang="en-US" sz="1100" dirty="0" smtClean="0">
-                <a:latin typeface="+mn-ea"/>
-              </a:rPr>
-              <a:t> </a:t>
-            </a:r>
-            <a:r>
-              <a:rPr lang="en-US" altLang="ko-KR" sz="1100" dirty="0" smtClean="0">
-                <a:latin typeface="+mn-ea"/>
-              </a:rPr>
-              <a:t>= </a:t>
-            </a:r>
-            <a:r>
-              <a:rPr lang="en-US" altLang="ko-KR" sz="1100" dirty="0" smtClean="0">
-                <a:latin typeface="+mn-ea"/>
-              </a:rPr>
-              <a:t>"</a:t>
-            </a:r>
-            <a:r>
-              <a:rPr lang="ko-KR" altLang="en-US" sz="1100" dirty="0" smtClean="0">
-                <a:latin typeface="+mn-ea"/>
-              </a:rPr>
-              <a:t>대학원</a:t>
-            </a:r>
-            <a:r>
-              <a:rPr lang="en-US" altLang="ko-KR" sz="1100" dirty="0" smtClean="0">
-                <a:latin typeface="+mn-ea"/>
-              </a:rPr>
-              <a:t>"</a:t>
-            </a:r>
-            <a:endParaRPr lang="en-US" altLang="ko-KR" sz="1100" dirty="0" smtClean="0">
-              <a:latin typeface="+mn-ea"/>
-            </a:endParaRPr>
-          </a:p>
-          <a:p>
-            <a:r>
-              <a:rPr lang="en-US" altLang="ko-KR" sz="1100" dirty="0" smtClean="0">
-                <a:latin typeface="+mn-ea"/>
-              </a:rPr>
-              <a:t>}</a:t>
-            </a:r>
-          </a:p>
-          <a:p>
-            <a:endParaRPr lang="en-US" altLang="ko-KR" sz="1100" dirty="0">
-              <a:latin typeface="+mn-ea"/>
-            </a:endParaRPr>
-          </a:p>
-          <a:p>
-            <a:r>
-              <a:rPr lang="en-US" altLang="ko-KR" sz="1100" dirty="0" smtClean="0">
-                <a:latin typeface="+mn-ea"/>
-              </a:rPr>
-              <a:t>let</a:t>
-            </a:r>
-            <a:r>
-              <a:rPr lang="ko-KR" altLang="en-US" sz="1100" dirty="0" smtClean="0">
-                <a:latin typeface="+mn-ea"/>
-              </a:rPr>
-              <a:t> </a:t>
-            </a:r>
-            <a:r>
-              <a:rPr lang="en-US" altLang="ko-KR" sz="1100" dirty="0" err="1" smtClean="0">
-                <a:latin typeface="+mn-ea"/>
-              </a:rPr>
-              <a:t>highestEducationLevel</a:t>
-            </a:r>
-            <a:r>
-              <a:rPr lang="en-US" altLang="ko-KR" sz="1100" dirty="0" smtClean="0">
-                <a:latin typeface="+mn-ea"/>
-              </a:rPr>
-              <a:t>: School = </a:t>
-            </a:r>
-            <a:r>
-              <a:rPr lang="en-US" altLang="ko-KR" sz="1100" dirty="0" err="1" smtClean="0">
-                <a:latin typeface="+mn-ea"/>
-              </a:rPr>
-              <a:t>School.university</a:t>
-            </a:r>
-            <a:endParaRPr lang="en-US" altLang="ko-KR" sz="1100" dirty="0">
-              <a:latin typeface="+mn-ea"/>
-            </a:endParaRPr>
-          </a:p>
-          <a:p>
-            <a:endParaRPr lang="en-US" altLang="ko-KR" sz="1100" dirty="0" smtClean="0">
-              <a:latin typeface="+mn-ea"/>
-            </a:endParaRPr>
-          </a:p>
-          <a:p>
-            <a:r>
-              <a:rPr lang="en-US" altLang="ko-KR" sz="1100" dirty="0" smtClean="0">
-                <a:latin typeface="+mn-ea"/>
-              </a:rPr>
-              <a:t>print</a:t>
-            </a:r>
-            <a:r>
-              <a:rPr lang="en-US" altLang="ko-KR" sz="1100" dirty="0" smtClean="0">
-                <a:latin typeface="+mn-ea"/>
-              </a:rPr>
-              <a:t>("</a:t>
-            </a:r>
-            <a:r>
-              <a:rPr lang="ko-KR" altLang="en-US" sz="1100" dirty="0" smtClean="0">
-                <a:latin typeface="+mn-ea"/>
-              </a:rPr>
-              <a:t>저의 </a:t>
-            </a:r>
-            <a:r>
-              <a:rPr lang="ko-KR" altLang="en-US" sz="1100" dirty="0" smtClean="0">
-                <a:latin typeface="+mn-ea"/>
-              </a:rPr>
-              <a:t>최종 학력은</a:t>
-            </a:r>
-            <a:r>
-              <a:rPr lang="en-US" altLang="ko-KR" sz="1100" dirty="0" smtClean="0">
-                <a:latin typeface="+mn-ea"/>
-              </a:rPr>
-              <a:t> \(</a:t>
-            </a:r>
-            <a:r>
-              <a:rPr lang="en-US" altLang="ko-KR" sz="1100" dirty="0" err="1" smtClean="0">
-                <a:latin typeface="+mn-ea"/>
-              </a:rPr>
-              <a:t>highestEducationLevel.rawValue</a:t>
-            </a:r>
-            <a:r>
-              <a:rPr lang="en-US" altLang="ko-KR" sz="1100" dirty="0" smtClean="0">
-                <a:latin typeface="+mn-ea"/>
-              </a:rPr>
-              <a:t>) </a:t>
-            </a:r>
-            <a:r>
-              <a:rPr lang="ko-KR" altLang="en-US" sz="1100" dirty="0" smtClean="0">
-                <a:latin typeface="+mn-ea"/>
-              </a:rPr>
-              <a:t>졸업입니다</a:t>
-            </a:r>
-            <a:r>
-              <a:rPr lang="en-US" altLang="ko-KR" sz="1100" dirty="0" smtClean="0">
-                <a:latin typeface="+mn-ea"/>
-              </a:rPr>
-              <a:t>.")</a:t>
-            </a:r>
-            <a:endParaRPr lang="en-US" altLang="ko-KR" sz="1100" dirty="0" smtClean="0">
-              <a:latin typeface="+mn-ea"/>
-            </a:endParaRPr>
-          </a:p>
-          <a:p>
-            <a:endParaRPr lang="en-US" altLang="ko-KR" sz="1100" dirty="0">
-              <a:latin typeface="+mn-ea"/>
-            </a:endParaRPr>
-          </a:p>
-          <a:p>
-            <a:r>
-              <a:rPr lang="en-US" altLang="ko-KR" sz="1100" dirty="0" smtClean="0">
-                <a:latin typeface="+mn-ea"/>
-              </a:rPr>
-              <a:t>enum </a:t>
-            </a:r>
-            <a:r>
-              <a:rPr lang="en-US" altLang="ko-KR" sz="1100" dirty="0" err="1" smtClean="0">
-                <a:latin typeface="+mn-ea"/>
-              </a:rPr>
-              <a:t>WeekDays</a:t>
-            </a:r>
-            <a:r>
-              <a:rPr lang="en-US" altLang="ko-KR" sz="1100" dirty="0" smtClean="0">
-                <a:latin typeface="+mn-ea"/>
-              </a:rPr>
-              <a:t>: Character {</a:t>
-            </a:r>
-          </a:p>
-          <a:p>
-            <a:r>
-              <a:rPr lang="en-US" altLang="ko-KR" sz="1100" dirty="0" smtClean="0">
-                <a:latin typeface="+mn-ea"/>
-              </a:rPr>
-              <a:t> case mon = </a:t>
-            </a:r>
-            <a:r>
-              <a:rPr lang="en-US" altLang="ko-KR" sz="1100" dirty="0" smtClean="0">
-                <a:latin typeface="+mn-ea"/>
-              </a:rPr>
-              <a:t>"</a:t>
-            </a:r>
-            <a:r>
-              <a:rPr lang="ko-KR" altLang="en-US" sz="1100" dirty="0" smtClean="0">
-                <a:latin typeface="+mn-ea"/>
-              </a:rPr>
-              <a:t>월</a:t>
-            </a:r>
-            <a:r>
-              <a:rPr lang="en-US" altLang="ko-KR" sz="1100" dirty="0" smtClean="0">
-                <a:latin typeface="+mn-ea"/>
-              </a:rPr>
-              <a:t>", </a:t>
-            </a:r>
-            <a:r>
-              <a:rPr lang="en-US" altLang="ko-KR" sz="1100" dirty="0" err="1" smtClean="0">
-                <a:latin typeface="+mn-ea"/>
-              </a:rPr>
-              <a:t>tue</a:t>
-            </a:r>
-            <a:r>
-              <a:rPr lang="en-US" altLang="ko-KR" sz="1100" dirty="0" smtClean="0">
-                <a:latin typeface="+mn-ea"/>
-              </a:rPr>
-              <a:t> = </a:t>
-            </a:r>
-            <a:r>
-              <a:rPr lang="en-US" altLang="ko-KR" sz="1100" dirty="0" smtClean="0">
-                <a:latin typeface="+mn-ea"/>
-              </a:rPr>
-              <a:t>"</a:t>
-            </a:r>
-            <a:r>
-              <a:rPr lang="ko-KR" altLang="en-US" sz="1100" dirty="0" smtClean="0">
-                <a:latin typeface="+mn-ea"/>
-              </a:rPr>
-              <a:t>화</a:t>
-            </a:r>
-            <a:r>
-              <a:rPr lang="en-US" altLang="ko-KR" sz="1100" dirty="0" smtClean="0">
-                <a:latin typeface="+mn-ea"/>
-              </a:rPr>
-              <a:t>", </a:t>
-            </a:r>
-            <a:r>
-              <a:rPr lang="en-US" altLang="ko-KR" sz="1100" dirty="0" smtClean="0">
-                <a:latin typeface="+mn-ea"/>
-              </a:rPr>
-              <a:t>wed = </a:t>
-            </a:r>
-            <a:r>
-              <a:rPr lang="en-US" altLang="ko-KR" sz="1100" dirty="0" smtClean="0">
-                <a:latin typeface="+mn-ea"/>
-              </a:rPr>
-              <a:t>"</a:t>
-            </a:r>
-            <a:r>
-              <a:rPr lang="ko-KR" altLang="en-US" sz="1100" dirty="0" smtClean="0">
-                <a:latin typeface="+mn-ea"/>
-              </a:rPr>
-              <a:t>수</a:t>
-            </a:r>
-            <a:r>
-              <a:rPr lang="en-US" altLang="ko-KR" sz="1100" dirty="0" smtClean="0">
-                <a:latin typeface="+mn-ea"/>
-              </a:rPr>
-              <a:t>", </a:t>
-            </a:r>
-            <a:r>
-              <a:rPr lang="en-US" altLang="ko-KR" sz="1100" dirty="0" err="1" smtClean="0">
-                <a:latin typeface="+mn-ea"/>
-              </a:rPr>
-              <a:t>thu</a:t>
-            </a:r>
-            <a:r>
-              <a:rPr lang="en-US" altLang="ko-KR" sz="1100" dirty="0">
-                <a:latin typeface="+mn-ea"/>
-              </a:rPr>
-              <a:t> </a:t>
-            </a:r>
-            <a:r>
-              <a:rPr lang="en-US" altLang="ko-KR" sz="1100" dirty="0" smtClean="0">
-                <a:latin typeface="+mn-ea"/>
-              </a:rPr>
-              <a:t>= </a:t>
-            </a:r>
-            <a:r>
-              <a:rPr lang="en-US" altLang="ko-KR" sz="1100" dirty="0" smtClean="0">
-                <a:latin typeface="+mn-ea"/>
-              </a:rPr>
-              <a:t>"</a:t>
-            </a:r>
-            <a:r>
-              <a:rPr lang="ko-KR" altLang="en-US" sz="1100" dirty="0" smtClean="0">
-                <a:latin typeface="+mn-ea"/>
-              </a:rPr>
-              <a:t>목</a:t>
-            </a:r>
-            <a:r>
-              <a:rPr lang="en-US" altLang="ko-KR" sz="1100" dirty="0" smtClean="0">
-                <a:latin typeface="+mn-ea"/>
-              </a:rPr>
-              <a:t>", </a:t>
-            </a:r>
-            <a:r>
-              <a:rPr lang="en-US" altLang="ko-KR" sz="1100" dirty="0" err="1" smtClean="0">
-                <a:latin typeface="+mn-ea"/>
-              </a:rPr>
-              <a:t>fri</a:t>
-            </a:r>
-            <a:r>
-              <a:rPr lang="en-US" altLang="ko-KR" sz="1100" dirty="0" smtClean="0">
-                <a:latin typeface="+mn-ea"/>
-              </a:rPr>
-              <a:t> = </a:t>
-            </a:r>
-            <a:r>
-              <a:rPr lang="en-US" altLang="ko-KR" sz="1100" dirty="0" smtClean="0">
-                <a:latin typeface="+mn-ea"/>
-              </a:rPr>
-              <a:t>"</a:t>
-            </a:r>
-            <a:r>
-              <a:rPr lang="ko-KR" altLang="en-US" sz="1100" dirty="0" smtClean="0">
-                <a:latin typeface="+mn-ea"/>
-              </a:rPr>
-              <a:t>금</a:t>
-            </a:r>
-            <a:r>
-              <a:rPr lang="en-US" altLang="ko-KR" sz="1100" dirty="0" smtClean="0">
-                <a:latin typeface="+mn-ea"/>
-              </a:rPr>
-              <a:t>", </a:t>
-            </a:r>
-            <a:r>
-              <a:rPr lang="en-US" altLang="ko-KR" sz="1100" dirty="0" smtClean="0">
-                <a:latin typeface="+mn-ea"/>
-              </a:rPr>
-              <a:t>sat = </a:t>
-            </a:r>
-            <a:r>
-              <a:rPr lang="en-US" altLang="ko-KR" sz="1100" dirty="0" smtClean="0">
-                <a:latin typeface="+mn-ea"/>
-              </a:rPr>
-              <a:t>"</a:t>
-            </a:r>
-            <a:r>
-              <a:rPr lang="ko-KR" altLang="en-US" sz="1100" dirty="0" smtClean="0">
-                <a:latin typeface="+mn-ea"/>
-              </a:rPr>
-              <a:t>토</a:t>
-            </a:r>
-            <a:r>
-              <a:rPr lang="en-US" altLang="ko-KR" sz="1100" dirty="0" smtClean="0">
-                <a:latin typeface="+mn-ea"/>
-              </a:rPr>
-              <a:t>", </a:t>
-            </a:r>
-            <a:r>
-              <a:rPr lang="en-US" altLang="ko-KR" sz="1100" dirty="0" smtClean="0">
-                <a:latin typeface="+mn-ea"/>
-              </a:rPr>
-              <a:t>sun</a:t>
-            </a:r>
-            <a:r>
-              <a:rPr lang="ko-KR" altLang="en-US" sz="1100" dirty="0" smtClean="0">
-                <a:latin typeface="+mn-ea"/>
-              </a:rPr>
-              <a:t> </a:t>
-            </a:r>
-            <a:r>
-              <a:rPr lang="en-US" altLang="ko-KR" sz="1100" dirty="0" smtClean="0">
-                <a:latin typeface="+mn-ea"/>
-              </a:rPr>
-              <a:t>= </a:t>
-            </a:r>
-            <a:r>
-              <a:rPr lang="en-US" altLang="ko-KR" sz="1100" dirty="0" smtClean="0">
-                <a:latin typeface="+mn-ea"/>
-              </a:rPr>
-              <a:t>"</a:t>
-            </a:r>
-            <a:r>
-              <a:rPr lang="ko-KR" altLang="en-US" sz="1100" dirty="0" smtClean="0">
-                <a:latin typeface="+mn-ea"/>
-              </a:rPr>
-              <a:t>일</a:t>
-            </a:r>
-            <a:r>
-              <a:rPr lang="en-US" altLang="ko-KR" sz="1100" dirty="0" smtClean="0">
-                <a:latin typeface="+mn-ea"/>
-              </a:rPr>
-              <a:t>"</a:t>
-            </a:r>
-            <a:endParaRPr lang="en-US" altLang="ko-KR" sz="1100" dirty="0" smtClean="0">
-              <a:latin typeface="+mn-ea"/>
-            </a:endParaRPr>
-          </a:p>
-          <a:p>
-            <a:r>
-              <a:rPr lang="en-US" altLang="ko-KR" sz="1100" dirty="0" smtClean="0">
-                <a:latin typeface="+mn-ea"/>
-              </a:rPr>
-              <a:t>}</a:t>
-            </a:r>
-          </a:p>
-          <a:p>
-            <a:endParaRPr lang="en-US" altLang="ko-KR" sz="1100" dirty="0">
-              <a:latin typeface="+mn-ea"/>
-            </a:endParaRPr>
-          </a:p>
-          <a:p>
-            <a:r>
-              <a:rPr lang="en-US" altLang="ko-KR" sz="1100" dirty="0" smtClean="0">
-                <a:latin typeface="+mn-ea"/>
-              </a:rPr>
-              <a:t>let</a:t>
-            </a:r>
-            <a:r>
-              <a:rPr lang="ko-KR" altLang="en-US" sz="1100" dirty="0" smtClean="0">
-                <a:latin typeface="+mn-ea"/>
-              </a:rPr>
-              <a:t> </a:t>
-            </a:r>
-            <a:r>
-              <a:rPr lang="en-US" altLang="ko-KR" sz="1100" dirty="0" smtClean="0">
-                <a:latin typeface="+mn-ea"/>
-              </a:rPr>
-              <a:t>today: </a:t>
-            </a:r>
-            <a:r>
-              <a:rPr lang="en-US" altLang="ko-KR" sz="1100" dirty="0" err="1" smtClean="0">
-                <a:latin typeface="+mn-ea"/>
-              </a:rPr>
-              <a:t>WeekDays</a:t>
-            </a:r>
-            <a:r>
-              <a:rPr lang="en-US" altLang="ko-KR" sz="1100" dirty="0" smtClean="0">
-                <a:latin typeface="+mn-ea"/>
-              </a:rPr>
-              <a:t> = </a:t>
-            </a:r>
-            <a:r>
-              <a:rPr lang="en-US" altLang="ko-KR" sz="1100" dirty="0" err="1" smtClean="0">
-                <a:latin typeface="+mn-ea"/>
-              </a:rPr>
-              <a:t>WeekDays.fri</a:t>
-            </a:r>
-            <a:endParaRPr lang="en-US" altLang="ko-KR" sz="1100" dirty="0" smtClean="0">
-              <a:latin typeface="+mn-ea"/>
-            </a:endParaRPr>
-          </a:p>
-          <a:p>
-            <a:r>
-              <a:rPr lang="en-US" altLang="ko-KR" sz="1100" dirty="0" smtClean="0">
-                <a:latin typeface="+mn-ea"/>
-              </a:rPr>
-              <a:t>print</a:t>
-            </a:r>
-            <a:r>
-              <a:rPr lang="en-US" altLang="ko-KR" sz="1100" dirty="0" smtClean="0">
-                <a:latin typeface="+mn-ea"/>
-              </a:rPr>
-              <a:t>("</a:t>
+              <a:t>print("</a:t>
             </a:r>
             <a:r>
               <a:rPr lang="ko-KR" altLang="en-US" sz="1100" dirty="0" smtClean="0">
@@ -33789,13 +33558,7 @@
               <a:rPr lang="en-US" altLang="ko-KR" sz="1100" dirty="0" smtClean="0">
                 <a:latin typeface="+mn-ea"/>
               </a:rPr>
-              <a:t>print</a:t>
-            </a:r>
-            <a:r>
-              <a:rPr lang="en-US" altLang="ko-KR" sz="1100" dirty="0" smtClean="0">
-                <a:latin typeface="+mn-ea"/>
-              </a:rPr>
-              <a:t>("\(</a:t>
+              <a:t>print("\(</a:t>
             </a:r>
             <a:r>
               <a:rPr lang="en-US" altLang="ko-KR" sz="1100" dirty="0" err="1" smtClean="0">
@@ -33887,9 +33650,6 @@
               </a:rPr>
               <a:t>)")</a:t>
             </a:r>
-            <a:endParaRPr lang="en-US" altLang="ko-KR" sz="1100" dirty="0" smtClean="0">
-              <a:latin typeface="+mn-ea"/>
-            </a:endParaRPr>
           </a:p>
         </p:txBody>
       </p:sp>
@@ -33999,13 +33759,7 @@
               <a:rPr lang="en-US" altLang="ko-KR" sz="1100" dirty="0" smtClean="0">
                 <a:latin typeface="+mn-ea"/>
               </a:rPr>
-              <a:t>case </a:t>
-            </a:r>
-            <a:r>
-              <a:rPr lang="en-US" altLang="ko-KR" sz="1100" dirty="0" smtClean="0">
-                <a:latin typeface="+mn-ea"/>
-              </a:rPr>
-              <a:t>high</a:t>
+              <a:t>case high</a:t>
             </a:r>
           </a:p>
           <a:p>
@@ -35556,84 +35310,63 @@
               <a:rPr lang="en-US" altLang="ko-KR" sz="1100" dirty="0" smtClean="0">
                 <a:latin typeface="+mn-ea"/>
               </a:rPr>
-              <a:t>: </a:t>
+              <a:t>: "</a:t>
+            </a:r>
+            <a:r>
+              <a:rPr lang="ko-KR" altLang="en-US" sz="1100" dirty="0" smtClean="0">
+                <a:latin typeface="+mn-ea"/>
+              </a:rPr>
+              <a:t>유치원</a:t>
             </a:r>
             <a:r>
               <a:rPr lang="en-US" altLang="ko-KR" sz="1100" dirty="0" smtClean="0">
                 <a:latin typeface="+mn-ea"/>
               </a:rPr>
-              <a:t>"</a:t>
+              <a:t>")</a:t>
+            </a:r>
+          </a:p>
+          <a:p>
+            <a:r>
+              <a:rPr lang="en-US" altLang="ko-KR" sz="1100" dirty="0" smtClean="0">
+                <a:latin typeface="+mn-ea"/>
+              </a:rPr>
+              <a:t>let</a:t>
             </a:r>
             <a:r>
               <a:rPr lang="ko-KR" altLang="en-US" sz="1100" dirty="0" smtClean="0">
                 <a:latin typeface="+mn-ea"/>
               </a:rPr>
-              <a:t>유치원</a:t>
+              <a:t> </a:t>
             </a:r>
             <a:r>
               <a:rPr lang="en-US" altLang="ko-KR" sz="1100" dirty="0" smtClean="0">
                 <a:latin typeface="+mn-ea"/>
               </a:rPr>
-              <a:t>")</a:t>
-            </a:r>
-            <a:endParaRPr lang="en-US" altLang="ko-KR" sz="1100" dirty="0" smtClean="0">
-              <a:latin typeface="+mn-ea"/>
-            </a:endParaRPr>
-          </a:p>
-          <a:p>
+              <a:t>graduate = School(</a:t>
+            </a:r>
+            <a:r>
+              <a:rPr lang="en-US" altLang="ko-KR" sz="1100" dirty="0" err="1" smtClean="0">
+                <a:latin typeface="+mn-ea"/>
+              </a:rPr>
+              <a:t>rawValue</a:t>
+            </a:r>
             <a:r>
               <a:rPr lang="en-US" altLang="ko-KR" sz="1100" dirty="0" smtClean="0">
                 <a:latin typeface="+mn-ea"/>
               </a:rPr>
-              <a:t>let</a:t>
-            </a:r>
-            <a:r>
-              <a:rPr lang="ko-KR" altLang="en-US" sz="1100" dirty="0" smtClean="0">
-                <a:latin typeface="+mn-ea"/>
-              </a:rPr>
-              <a:t> </a:t>
+              <a:t>: "</a:t>
+            </a:r>
+            <a:r>
+              <a:rPr lang="ko-KR" altLang="en-US" sz="1100" dirty="0" err="1" smtClean="0">
+                <a:latin typeface="+mn-ea"/>
+              </a:rPr>
+              <a:t>석박사</a:t>
             </a:r>
             <a:r>
               <a:rPr lang="en-US" altLang="ko-KR" sz="1100" dirty="0" smtClean="0">
                 <a:latin typeface="+mn-ea"/>
               </a:rPr>
-              <a:t>graduate = School(</a:t>
-            </a:r>
-            <a:r>
-              <a:rPr lang="en-US" altLang="ko-KR" sz="1100" dirty="0" err="1" smtClean="0">
-                <a:latin typeface="+mn-ea"/>
-              </a:rPr>
-              <a:t>rawValue</a:t>
-            </a:r>
-            <a:r>
-              <a:rPr lang="en-US" altLang="ko-KR" sz="1100" dirty="0" smtClean="0">
-                <a:latin typeface="+mn-ea"/>
-              </a:rPr>
-              <a:t>: </a:t>
-            </a:r>
-            <a:r>
-              <a:rPr lang="en-US" altLang="ko-KR" sz="1100" dirty="0" smtClean="0">
-                <a:latin typeface="+mn-ea"/>
-              </a:rPr>
-              <a:t>"</a:t>
-            </a:r>
-            <a:r>
-              <a:rPr lang="ko-KR" altLang="en-US" sz="1100" dirty="0" err="1" smtClean="0">
-                <a:latin typeface="+mn-ea"/>
-              </a:rPr>
-              <a:t>석박사</a:t>
-            </a:r>
-            <a:r>
-              <a:rPr lang="en-US" altLang="ko-KR" sz="1100" dirty="0" smtClean="0">
-                <a:latin typeface="+mn-ea"/>
-              </a:rPr>
-              <a:t>")   </a:t>
-            </a:r>
-            <a:r>
-              <a:rPr lang="en-US" altLang="ko-KR" sz="1100" dirty="0" smtClean="0">
-                <a:latin typeface="+mn-ea"/>
-              </a:rPr>
-              <a:t>//nil</a:t>
+              <a:t>")   //nil</a:t>
             </a:r>
           </a:p>
           <a:p>
@@ -35997,94 +35730,64 @@
               <a:rPr lang="en-US" altLang="ko-KR" sz="1100" dirty="0" smtClean="0">
                 <a:latin typeface="+mn-ea"/>
               </a:rPr>
-              <a:t>(taste: </a:t>
+              <a:t>(taste: "</a:t>
+            </a:r>
+            <a:r>
+              <a:rPr lang="ko-KR" altLang="en-US" sz="1100" dirty="0" smtClean="0">
+                <a:latin typeface="+mn-ea"/>
+              </a:rPr>
+              <a:t>크림</a:t>
             </a:r>
             <a:r>
               <a:rPr lang="en-US" altLang="ko-KR" sz="1100" dirty="0" smtClean="0">
                 <a:latin typeface="+mn-ea"/>
               </a:rPr>
-              <a:t>"</a:t>
+              <a:t>")</a:t>
+            </a:r>
+          </a:p>
+          <a:p>
+            <a:r>
+              <a:rPr lang="en-US" altLang="ko-KR" sz="1100" dirty="0" smtClean="0">
+                <a:latin typeface="+mn-ea"/>
+              </a:rPr>
+              <a:t>dinner</a:t>
             </a:r>
             <a:r>
               <a:rPr lang="ko-KR" altLang="en-US" sz="1100" dirty="0" smtClean="0">
                 <a:latin typeface="+mn-ea"/>
               </a:rPr>
-              <a:t>크림</a:t>
+              <a:t> </a:t>
             </a:r>
             <a:r>
               <a:rPr lang="en-US" altLang="ko-KR" sz="1100" dirty="0" smtClean="0">
                 <a:latin typeface="+mn-ea"/>
               </a:rPr>
+              <a:t>= .pizza(dough: "</a:t>
+            </a:r>
+            <a:r>
+              <a:rPr lang="ko-KR" altLang="en-US" sz="1100" dirty="0" err="1" smtClean="0">
+                <a:latin typeface="+mn-ea"/>
+              </a:rPr>
+              <a:t>치즈크러스트</a:t>
+            </a:r>
+            <a:r>
+              <a:rPr lang="en-US" altLang="ko-KR" sz="1100" dirty="0" smtClean="0">
+                <a:latin typeface="+mn-ea"/>
+              </a:rPr>
+              <a:t>", topping: "</a:t>
+            </a:r>
+            <a:r>
+              <a:rPr lang="ko-KR" altLang="en-US" sz="1100" dirty="0" smtClean="0">
+                <a:latin typeface="+mn-ea"/>
+              </a:rPr>
+              <a:t>불고기</a:t>
+            </a:r>
+            <a:r>
+              <a:rPr lang="en-US" altLang="ko-KR" sz="1100" dirty="0" smtClean="0">
+                <a:latin typeface="+mn-ea"/>
+              </a:rPr>
               <a:t>")</a:t>
             </a:r>
-            <a:endParaRPr lang="en-US" altLang="ko-KR" sz="1100" dirty="0" smtClean="0">
-              <a:latin typeface="+mn-ea"/>
-            </a:endParaRPr>
-          </a:p>
-          <a:p>
-            <a:r>
-              <a:rPr lang="en-US" altLang="ko-KR" sz="1100" dirty="0" smtClean="0">
-                <a:latin typeface="+mn-ea"/>
-              </a:rPr>
-              <a:t>dinner</a:t>
-            </a:r>
-            <a:r>
-              <a:rPr lang="ko-KR" altLang="en-US" sz="1100" dirty="0" smtClean="0">
-                <a:latin typeface="+mn-ea"/>
-              </a:rPr>
-              <a:t> </a:t>
-            </a:r>
-            <a:r>
-              <a:rPr lang="en-US" altLang="ko-KR" sz="1100" dirty="0" smtClean="0">
-                <a:latin typeface="+mn-ea"/>
-              </a:rPr>
-              <a:t>= .pizza(dough: </a:t>
-            </a:r>
-            <a:r>
-              <a:rPr lang="en-US" altLang="ko-KR" sz="1100" dirty="0" smtClean="0">
-                <a:latin typeface="+mn-ea"/>
-              </a:rPr>
-              <a:t>"</a:t>
-            </a:r>
-            <a:r>
-              <a:rPr lang="ko-KR" altLang="en-US" sz="1100" dirty="0" err="1" smtClean="0">
-                <a:latin typeface="+mn-ea"/>
-              </a:rPr>
-              <a:t>치즈크러스트</a:t>
-            </a:r>
-            <a:r>
-              <a:rPr lang="en-US" altLang="ko-KR" sz="1100" dirty="0" smtClean="0">
-                <a:latin typeface="+mn-ea"/>
-              </a:rPr>
-              <a:t>", </a:t>
-            </a:r>
-            <a:r>
-              <a:rPr lang="en-US" altLang="ko-KR" sz="1100" dirty="0" smtClean="0">
-                <a:latin typeface="+mn-ea"/>
-              </a:rPr>
-              <a:t>topping: </a:t>
-            </a:r>
-            <a:r>
-              <a:rPr lang="en-US" altLang="ko-KR" sz="1100" dirty="0" smtClean="0">
-                <a:latin typeface="+mn-ea"/>
-              </a:rPr>
-              <a:t>"</a:t>
-            </a:r>
-            <a:r>
-              <a:rPr lang="ko-KR" altLang="en-US" sz="1100" dirty="0" smtClean="0">
-                <a:latin typeface="+mn-ea"/>
-              </a:rPr>
-              <a:t>불고기</a:t>
-            </a:r>
-            <a:r>
-              <a:rPr lang="en-US" altLang="ko-KR" sz="1100" dirty="0" smtClean="0">
-                <a:latin typeface="+mn-ea"/>
-              </a:rPr>
-              <a:t>")</a:t>
-            </a:r>
-            <a:endParaRPr lang="en-US" altLang="ko-KR" sz="1100" dirty="0" smtClean="0">
-              <a:latin typeface="+mn-ea"/>
-            </a:endParaRPr>
           </a:p>
           <a:p>
             <a:r>
@@ -37844,29 +37547,8 @@
               <a:rPr lang="en-US" altLang="ko-KR" sz="1000" dirty="0" smtClean="0">
                 <a:latin typeface="+mn-ea"/>
               </a:rPr>
-              <a:t>print</a:t>
-            </a:r>
-            <a:r>
-              <a:rPr lang="en-US" altLang="ko-KR" sz="1000" dirty="0" smtClean="0">
-                <a:latin typeface="+mn-ea"/>
-              </a:rPr>
-              <a:t>("(</a:t>
-            </a:r>
-            <a:r>
-              <a:rPr lang="en-US" altLang="ko-KR" sz="1000" dirty="0" smtClean="0">
-                <a:latin typeface="+mn-ea"/>
-              </a:rPr>
-              <a:t>5+4)*2 = \(result</a:t>
-            </a:r>
-            <a:r>
-              <a:rPr lang="en-US" altLang="ko-KR" sz="1000" dirty="0" smtClean="0">
-                <a:latin typeface="+mn-ea"/>
-              </a:rPr>
-              <a:t>)")</a:t>
-            </a:r>
-            <a:endParaRPr lang="en-US" altLang="ko-KR" sz="1000" dirty="0" smtClean="0">
-              <a:latin typeface="+mn-ea"/>
-            </a:endParaRPr>
+              <a:t>print("(5+4)*2 = \(result)")</a:t>
+            </a:r>
           </a:p>
         </p:txBody>
       </p:sp>
@@ -38507,15 +38189,7 @@
             </a:r>
             <a:r>
               <a:rPr lang="en-US" altLang="ko-KR" dirty="0" smtClean="0"/>
-              <a:t> </a:t>
-            </a:r>
-            <a:r>
-              <a:rPr lang="en-US" altLang="ko-KR" dirty="0" smtClean="0"/>
-              <a:t>"Hello </a:t>
-            </a:r>
-            <a:r>
-              <a:rPr lang="en-US" altLang="ko-KR" dirty="0" smtClean="0"/>
-              <a:t>\(</a:t>
+              <a:t> "Hello \(</a:t>
             </a:r>
             <a:r>
               <a:rPr lang="en-US" altLang="ko-KR" dirty="0" err="1" smtClean="0"/>
@@ -38575,7 +38249,15 @@
                   <a:schemeClr val="accent3"/>
                 </a:solidFill>
               </a:rPr>
-              <a:t>: </a:t>
+              <a:t>: "</a:t>
+            </a:r>
+            <a:r>
+              <a:rPr lang="en-US" altLang="ko-KR" dirty="0" err="1" smtClean="0">
+                <a:solidFill>
+                  <a:schemeClr val="accent3"/>
+                </a:solidFill>
+              </a:rPr>
+              <a:t>Kyoungho</a:t>
             </a:r>
             <a:r>
               <a:rPr lang="en-US" altLang="ko-KR" dirty="0" smtClean="0">
@@ -38583,7 +38265,7 @@
                   <a:schemeClr val="accent3"/>
                 </a:solidFill>
               </a:rPr>
-              <a:t>"</a:t>
+              <a:t>", </a:t>
             </a:r>
             <a:r>
               <a:rPr lang="en-US" altLang="ko-KR" dirty="0" err="1" smtClean="0">
@@ -38591,7 +38273,7 @@
                   <a:schemeClr val="accent3"/>
                 </a:solidFill>
               </a:rPr>
-              <a:t>Kyoungho</a:t>
+              <a:t>yourName</a:t>
             </a:r>
             <a:r>
               <a:rPr lang="en-US" altLang="ko-KR" dirty="0" smtClean="0">
@@ -38599,31 +38281,7 @@
                   <a:schemeClr val="accent3"/>
                 </a:solidFill>
               </a:rPr>
-              <a:t>", </a:t>
-            </a:r>
-            <a:r>
-              <a:rPr lang="en-US" altLang="ko-KR" dirty="0" err="1" smtClean="0">
-                <a:solidFill>
-                  <a:schemeClr val="accent3"/>
-                </a:solidFill>
-              </a:rPr>
-              <a:t>yourName</a:t>
-            </a:r>
-            <a:r>
-              <a:rPr lang="en-US" altLang="ko-KR" dirty="0" smtClean="0">
-                <a:solidFill>
-                  <a:schemeClr val="accent3"/>
-                </a:solidFill>
-              </a:rPr>
-              <a:t>: </a:t>
-            </a:r>
-            <a:r>
-              <a:rPr lang="en-US" altLang="ko-KR" dirty="0" smtClean="0">
-                <a:solidFill>
-                  <a:schemeClr val="accent3"/>
-                </a:solidFill>
-              </a:rPr>
-              <a:t>"Jason"</a:t>
+              <a:t>: "Jason"</a:t>
             </a:r>
             <a:r>
               <a:rPr lang="en-US" altLang="ko-KR" dirty="0" smtClean="0"/>
@@ -39057,15 +38715,7 @@
           <a:p>
             <a:r>
               <a:rPr lang="en-US" altLang="ko-KR" dirty="0" smtClean="0"/>
-              <a:t>	return </a:t>
-            </a:r>
-            <a:r>
-              <a:rPr lang="en-US" altLang="ko-KR" dirty="0" smtClean="0"/>
-              <a:t>"Hello </a:t>
-            </a:r>
-            <a:r>
-              <a:rPr lang="en-US" altLang="ko-KR" dirty="0" smtClean="0"/>
-              <a:t>\(</a:t>
+              <a:t>	return "Hello \(</a:t>
             </a:r>
             <a:r>
               <a:rPr lang="en-US" altLang="ko-KR" dirty="0" err="1" smtClean="0"/>
@@ -39123,7 +38773,15 @@
                   <a:schemeClr val="accent3"/>
                 </a:solidFill>
               </a:rPr>
-              <a:t>: </a:t>
+              <a:t>: "</a:t>
+            </a:r>
+            <a:r>
+              <a:rPr lang="en-US" altLang="ko-KR" dirty="0" err="1" smtClean="0">
+                <a:solidFill>
+                  <a:schemeClr val="accent3"/>
+                </a:solidFill>
+              </a:rPr>
+              <a:t>Kyoungho</a:t>
             </a:r>
             <a:r>
               <a:rPr lang="en-US" altLang="ko-KR" dirty="0" smtClean="0">
@@ -39131,47 +38789,23 @@
                   <a:schemeClr val="accent3"/>
                 </a:solidFill>
               </a:rPr>
-              <a:t>"</a:t>
-            </a:r>
-            <a:r>
-              <a:rPr lang="en-US" altLang="ko-KR" dirty="0" err="1" smtClean="0">
+              <a:t>", </a:t>
+            </a:r>
+            <a:r>
+              <a:rPr lang="en-US" altLang="ko-KR" dirty="0" smtClean="0">
+                <a:solidFill>
+                  <a:schemeClr val="accent2"/>
+                </a:solidFill>
+              </a:rPr>
+              <a:t>to</a:t>
+            </a:r>
+            <a:r>
+              <a:rPr lang="en-US" altLang="ko-KR" dirty="0" smtClean="0">
                 <a:solidFill>
                   <a:schemeClr val="accent3"/>
                 </a:solidFill>
               </a:rPr>
-              <a:t>Kyoungho</a:t>
-            </a:r>
-            <a:r>
-              <a:rPr lang="en-US" altLang="ko-KR" dirty="0" smtClean="0">
-                <a:solidFill>
-                  <a:schemeClr val="accent3"/>
-                </a:solidFill>
-              </a:rPr>
-              <a:t>", </a:t>
-            </a:r>
-            <a:r>
-              <a:rPr lang="en-US" altLang="ko-KR" dirty="0" smtClean="0">
-                <a:solidFill>
-                  <a:schemeClr val="accent2"/>
-                </a:solidFill>
-              </a:rPr>
-              <a:t>to</a:t>
-            </a:r>
-            <a:r>
-              <a:rPr lang="en-US" altLang="ko-KR" dirty="0" smtClean="0">
-                <a:solidFill>
-                  <a:schemeClr val="accent3"/>
-                </a:solidFill>
-              </a:rPr>
-              <a:t>: </a:t>
-            </a:r>
-            <a:r>
-              <a:rPr lang="en-US" altLang="ko-KR" dirty="0" smtClean="0">
-                <a:solidFill>
-                  <a:schemeClr val="accent3"/>
-                </a:solidFill>
-              </a:rPr>
-              <a:t>"Jason"</a:t>
+              <a:t>: "Jason"</a:t>
             </a:r>
             <a:r>
               <a:rPr lang="en-US" altLang="ko-KR" dirty="0" smtClean="0"/>
@@ -39587,15 +39221,7 @@
           <a:p>
             <a:r>
               <a:rPr lang="en-US" altLang="ko-KR" dirty="0" smtClean="0"/>
-              <a:t>	return </a:t>
-            </a:r>
-            <a:r>
-              <a:rPr lang="en-US" altLang="ko-KR" dirty="0" smtClean="0"/>
-              <a:t>"Hello </a:t>
-            </a:r>
-            <a:r>
-              <a:rPr lang="en-US" altLang="ko-KR" dirty="0" smtClean="0"/>
-              <a:t>\(</a:t>
+              <a:t>	return "Hello \(</a:t>
             </a:r>
             <a:r>
               <a:rPr lang="en-US" altLang="ko-KR" dirty="0" err="1" smtClean="0"/>
@@ -39862,15 +39488,7 @@
             </a:br>
             <a:r>
               <a:rPr lang="en-US" altLang="ko-KR" dirty="0" smtClean="0"/>
-              <a:t>	var result: String = </a:t>
-            </a:r>
-            <a:r>
-              <a:rPr lang="en-US" altLang="ko-KR" dirty="0" smtClean="0"/>
-              <a:t>""</a:t>
-            </a:r>
-            <a:r>
-              <a:rPr lang="en-US" altLang="ko-KR" dirty="0" smtClean="0"/>
-              <a:t/>
+              <a:t>	var result: String = ""</a:t>
             </a:r>
             <a:br>
               <a:rPr lang="en-US" altLang="ko-KR" dirty="0" smtClean="0"/>
@@ -39884,23 +39502,7 @@
             </a:br>
             <a:r>
               <a:rPr lang="en-US" altLang="ko-KR" dirty="0" smtClean="0"/>
-              <a:t>		result += </a:t>
-            </a:r>
-            <a:r>
-              <a:rPr lang="en-US" altLang="ko-KR" dirty="0" smtClean="0"/>
-              <a:t>"\(</a:t>
-            </a:r>
-            <a:r>
-              <a:rPr lang="en-US" altLang="ko-KR" dirty="0" smtClean="0"/>
-              <a:t>name) </a:t>
-            </a:r>
-            <a:r>
-              <a:rPr lang="en-US" altLang="ko-KR" dirty="0" smtClean="0"/>
-              <a:t>"</a:t>
-            </a:r>
-            <a:r>
-              <a:rPr lang="en-US" altLang="ko-KR" dirty="0" smtClean="0"/>
-              <a:t/>
+              <a:t>		result += "\(name) "</a:t>
             </a:r>
             <a:br>
               <a:rPr lang="en-US" altLang="ko-KR" dirty="0" smtClean="0"/>
@@ -40184,15 +39786,7 @@
             </a:br>
             <a:r>
               <a:rPr lang="en-US" altLang="ko-KR" dirty="0" smtClean="0"/>
-              <a:t>	var result: String = </a:t>
-            </a:r>
-            <a:r>
-              <a:rPr lang="en-US" altLang="ko-KR" dirty="0" smtClean="0"/>
-              <a:t>""</a:t>
-            </a:r>
-            <a:r>
-              <a:rPr lang="en-US" altLang="ko-KR" dirty="0" smtClean="0"/>
-              <a:t/>
+              <a:t>	var result: String = ""</a:t>
             </a:r>
             <a:br>
               <a:rPr lang="en-US" altLang="ko-KR" dirty="0" smtClean="0"/>
@@ -40206,31 +39800,7 @@
             </a:br>
             <a:r>
               <a:rPr lang="en-US" altLang="ko-KR" dirty="0" smtClean="0"/>
-              <a:t>		result += </a:t>
-            </a:r>
-            <a:r>
-              <a:rPr lang="en-US" altLang="ko-KR" dirty="0" smtClean="0"/>
-              <a:t>"Hello </a:t>
-            </a:r>
-            <a:r>
-              <a:rPr lang="en-US" altLang="ko-KR" dirty="0" smtClean="0"/>
-              <a:t>\(friend</a:t>
-            </a:r>
-            <a:r>
-              <a:rPr lang="en-US" altLang="ko-KR" dirty="0" smtClean="0"/>
-              <a:t>)!" </a:t>
-            </a:r>
-            <a:r>
-              <a:rPr lang="en-US" altLang="ko-KR" dirty="0" smtClean="0"/>
-              <a:t>+ </a:t>
-            </a:r>
-            <a:r>
-              <a:rPr lang="en-US" altLang="ko-KR" dirty="0" smtClean="0"/>
-              <a:t>" "</a:t>
-            </a:r>
-            <a:r>
-              <a:rPr lang="en-US" altLang="ko-KR" dirty="0" smtClean="0"/>
-              <a:t/>
+              <a:t>		result += "Hello \(friend)!" + " "</a:t>
             </a:r>
             <a:br>
               <a:rPr lang="en-US" altLang="ko-KR" dirty="0" smtClean="0"/>
@@ -42177,9 +41747,6 @@
               </a:rPr>
               <a:t> = nil;</a:t>
             </a:r>
-            <a:endParaRPr lang="en-US" altLang="ko-KR" sz="1200" dirty="0" smtClean="0">
-              <a:latin typeface="+mn-ea"/>
-            </a:endParaRPr>
           </a:p>
         </p:txBody>
       </p:sp>
@@ -42353,9 +41920,6 @@
               </a:rPr>
               <a:t>)</a:t>
             </a:r>
-            <a:endParaRPr lang="en-US" altLang="ko-KR" sz="1200" dirty="0" smtClean="0">
-              <a:latin typeface="+mn-ea"/>
-            </a:endParaRPr>
           </a:p>
         </p:txBody>
       </p:sp>
@@ -42471,9 +42035,6 @@
               </a:rPr>
               <a:t>)</a:t>
             </a:r>
-            <a:endParaRPr lang="en-US" altLang="ko-KR" sz="1200" dirty="0" smtClean="0">
-              <a:latin typeface="+mn-ea"/>
-            </a:endParaRPr>
           </a:p>
         </p:txBody>
       </p:sp>
@@ -42974,9 +42535,6 @@
               </a:rPr>
               <a:t>}</a:t>
             </a:r>
-            <a:endParaRPr lang="en-US" altLang="ko-KR" sz="1200" dirty="0" smtClean="0">
-              <a:latin typeface="+mn-ea"/>
-            </a:endParaRPr>
           </a:p>
         </p:txBody>
       </p:sp>
@@ -44178,11 +43736,7 @@
             </a:r>
             <a:r>
               <a:rPr lang="ko-KR" altLang="en-US" dirty="0" smtClean="0"/>
-              <a:t>를 이용한 </a:t>
-            </a:r>
-            <a:r>
-              <a:rPr lang="ko-KR" altLang="en-US" dirty="0" smtClean="0"/>
-              <a:t>옵셔널 확인</a:t>
+              <a:t>를 이용한 옵셔널 확인</a:t>
             </a:r>
             <a:endParaRPr lang="en-US" altLang="ko-KR" dirty="0" smtClean="0"/>
           </a:p>
@@ -44819,9 +44373,6 @@
               </a:rPr>
               <a:t>)</a:t>
             </a:r>
-            <a:endParaRPr lang="en-US" altLang="ko-KR" sz="1200" dirty="0" smtClean="0">
-              <a:latin typeface="+mn-ea"/>
-            </a:endParaRPr>
           </a:p>
           <a:p>
             <a:r>
@@ -44855,9 +44406,6 @@
               </a:rPr>
               <a:t> == nil</a:t>
             </a:r>
-            <a:endParaRPr lang="en-US" altLang="ko-KR" sz="1200" dirty="0" smtClean="0">
-              <a:latin typeface="+mn-ea"/>
-            </a:endParaRPr>
           </a:p>
         </p:txBody>
       </p:sp>
@@ -46710,11 +46258,7 @@
             </a:r>
             <a:r>
               <a:rPr lang="ko-KR" altLang="en-US" dirty="0" smtClean="0"/>
-              <a:t>암시적 추출 </a:t>
-            </a:r>
-            <a:r>
-              <a:rPr lang="ko-KR" altLang="en-US" dirty="0" smtClean="0"/>
-              <a:t>옵셔널</a:t>
+              <a:t>암시적 추출 옵셔널</a:t>
             </a:r>
           </a:p>
           <a:p>
@@ -46731,11 +46275,7 @@
             </a:r>
             <a:r>
               <a:rPr lang="ko-KR" altLang="en-US" dirty="0" smtClean="0"/>
-              <a:t>을 할당 해줄 수 있는 옵셔널을 선언 </a:t>
-            </a:r>
-            <a:r>
-              <a:rPr lang="ko-KR" altLang="en-US" dirty="0" smtClean="0"/>
-              <a:t>때</a:t>
+              <a:t>을 할당 해줄 수 있는 옵셔널을 선언 때</a:t>
             </a:r>
             <a:r>
               <a:rPr lang="en-US" altLang="ko-KR" dirty="0" smtClean="0"/>
@@ -46757,11 +46297,7 @@
             </a:pPr>
             <a:r>
               <a:rPr lang="ko-KR" altLang="en-US" dirty="0" smtClean="0"/>
-              <a:t>암시적인 옵셔널 사용을 </a:t>
-            </a:r>
-            <a:r>
-              <a:rPr lang="ko-KR" altLang="en-US" dirty="0" smtClean="0"/>
-              <a:t>위해</a:t>
+              <a:t>암시적인 옵셔널 사용을 위해</a:t>
             </a:r>
             <a:r>
               <a:rPr lang="en-US" altLang="ko-KR" dirty="0" smtClean="0"/>
@@ -47403,11 +46939,7 @@
             </a:r>
             <a:r>
               <a:rPr lang="en-US" altLang="ko-KR" dirty="0" smtClean="0"/>
-              <a:t>: </a:t>
-            </a:r>
-            <a:r>
-              <a:rPr lang="en-US" altLang="ko-KR" dirty="0" smtClean="0"/>
-              <a:t>"</a:t>
+              <a:t>: "</a:t>
             </a:r>
             <a:r>
               <a:rPr lang="ko-KR" altLang="en-US" dirty="0" smtClean="0"/>
@@ -47423,11 +46955,7 @@
             </a:r>
             <a:r>
               <a:rPr lang="en-US" altLang="ko-KR" dirty="0" smtClean="0"/>
-              <a:t>: </a:t>
-            </a:r>
-            <a:r>
-              <a:rPr lang="en-US" altLang="ko-KR" dirty="0" smtClean="0"/>
-              <a:t>"</a:t>
+              <a:t>: "</a:t>
             </a:r>
             <a:r>
               <a:rPr lang="ko-KR" altLang="en-US" dirty="0" smtClean="0"/>
@@ -47437,7 +46965,6 @@
               <a:rPr lang="en-US" altLang="ko-KR" dirty="0" smtClean="0"/>
               <a:t>"……..)</a:t>
             </a:r>
-            <a:endParaRPr lang="en-US" altLang="ko-KR" dirty="0" smtClean="0"/>
           </a:p>
           <a:p>
             <a:pPr lvl="2"/>
@@ -47638,7 +47165,15 @@
                   <a:schemeClr val="accent2"/>
                 </a:solidFill>
               </a:rPr>
-              <a:t>(name: </a:t>
+              <a:t>(name: "</a:t>
+            </a:r>
+            <a:r>
+              <a:rPr lang="en-US" altLang="ko-KR" dirty="0" err="1" smtClean="0">
+                <a:solidFill>
+                  <a:schemeClr val="accent2"/>
+                </a:solidFill>
+              </a:rPr>
+              <a:t>Kyoungho</a:t>
             </a:r>
             <a:r>
               <a:rPr lang="en-US" altLang="ko-KR" dirty="0" smtClean="0">
@@ -47646,31 +47181,7 @@
                   <a:schemeClr val="accent2"/>
                 </a:solidFill>
               </a:rPr>
-              <a:t>"</a:t>
-            </a:r>
-            <a:r>
-              <a:rPr lang="en-US" altLang="ko-KR" dirty="0" err="1" smtClean="0">
-                <a:solidFill>
-                  <a:schemeClr val="accent2"/>
-                </a:solidFill>
-              </a:rPr>
-              <a:t>Kyoungho</a:t>
-            </a:r>
-            <a:r>
-              <a:rPr lang="en-US" altLang="ko-KR" dirty="0" smtClean="0">
-                <a:solidFill>
-                  <a:schemeClr val="accent2"/>
-                </a:solidFill>
-              </a:rPr>
-              <a:t>", </a:t>
-            </a:r>
-            <a:r>
-              <a:rPr lang="en-US" altLang="ko-KR" dirty="0" smtClean="0">
-                <a:solidFill>
-                  <a:schemeClr val="accent2"/>
-                </a:solidFill>
-              </a:rPr>
-              <a:t>age: 30)</a:t>
+              <a:t>", age: 30)</a:t>
             </a:r>
             <a:endParaRPr lang="ko-KR" altLang="en-US" dirty="0">
               <a:solidFill>
@@ -47922,13 +47433,8 @@
             </a:r>
             <a:r>
               <a:rPr lang="en-US" altLang="ko-KR" dirty="0" smtClean="0"/>
-              <a:t>= </a:t>
-            </a:r>
-            <a:r>
-              <a:rPr lang="en-US" altLang="ko-KR" dirty="0" smtClean="0"/>
-              <a:t>"Bob"</a:t>
-            </a:r>
-            <a:endParaRPr lang="en-US" altLang="ko-KR" dirty="0" smtClean="0"/>
+              <a:t>= "Bob"</a:t>
+            </a:r>
           </a:p>
           <a:p>
             <a:endParaRPr lang="ko-KR" altLang="en-US" dirty="0">
@@ -49054,7 +48560,23 @@
                   <a:schemeClr val="accent2"/>
                 </a:solidFill>
               </a:rPr>
-              <a:t>print</a:t>
+              <a:t>print("Person </a:t>
+            </a:r>
+            <a:r>
+              <a:rPr lang="ko-KR" altLang="en-US" sz="1600" dirty="0" err="1" smtClean="0">
+                <a:solidFill>
+                  <a:schemeClr val="accent2"/>
+                </a:solidFill>
+              </a:rPr>
+              <a:t>인스턴스</a:t>
+            </a:r>
+            <a:r>
+              <a:rPr lang="ko-KR" altLang="en-US" sz="1600" dirty="0" smtClean="0">
+                <a:solidFill>
+                  <a:schemeClr val="accent2"/>
+                </a:solidFill>
+              </a:rPr>
+              <a:t> 소멸</a:t>
             </a:r>
             <a:r>
               <a:rPr lang="en-US" altLang="ko-KR" sz="1600" dirty="0" smtClean="0">
@@ -49062,45 +48584,8 @@
                   <a:schemeClr val="accent2"/>
                 </a:solidFill>
               </a:rPr>
-              <a:t>("Person </a:t>
-            </a:r>
-            <a:r>
-              <a:rPr lang="ko-KR" altLang="en-US" sz="1600" dirty="0" err="1" smtClean="0">
-                <a:solidFill>
-                  <a:schemeClr val="accent2"/>
-                </a:solidFill>
-              </a:rPr>
-              <a:t>인스턴스</a:t>
-            </a:r>
-            <a:r>
-              <a:rPr lang="ko-KR" altLang="en-US" sz="1600" dirty="0" smtClean="0">
-                <a:solidFill>
-                  <a:schemeClr val="accent2"/>
-                </a:solidFill>
-              </a:rPr>
-              <a:t> </a:t>
-            </a:r>
-            <a:r>
-              <a:rPr lang="ko-KR" altLang="en-US" sz="1600" dirty="0" smtClean="0">
-                <a:solidFill>
-                  <a:schemeClr val="accent2"/>
-                </a:solidFill>
-              </a:rPr>
-              <a:t>소멸</a:t>
-            </a:r>
-            <a:r>
-              <a:rPr lang="en-US" altLang="ko-KR" sz="1600" dirty="0" smtClean="0">
-                <a:solidFill>
-                  <a:schemeClr val="accent2"/>
-                </a:solidFill>
-              </a:rPr>
               <a:t>")</a:t>
             </a:r>
-            <a:endParaRPr lang="en-US" altLang="ko-KR" sz="1600" dirty="0" smtClean="0">
-              <a:solidFill>
-                <a:schemeClr val="accent2"/>
-              </a:solidFill>
-            </a:endParaRPr>
           </a:p>
           <a:p>
             <a:r>
@@ -49362,21 +48847,21 @@
                 <a:gridCol w="2032000">
                   <a:extLst>
                     <a:ext uri="{9D8B030D-6E8A-4147-A177-3AD203B41FA5}">
-                      <a16:colId xmlns:a16="http://schemas.microsoft.com/office/drawing/2014/main" xmlns="" val="4183474523"/>
+                      <a16:colId xmlns:a16="http://schemas.microsoft.com/office/drawing/2014/main" val="4183474523"/>
                     </a:ext>
                   </a:extLst>
                 </a:gridCol>
                 <a:gridCol w="2032000">
                   <a:extLst>
                     <a:ext uri="{9D8B030D-6E8A-4147-A177-3AD203B41FA5}">
-                      <a16:colId xmlns:a16="http://schemas.microsoft.com/office/drawing/2014/main" xmlns="" val="1622359793"/>
+                      <a16:colId xmlns:a16="http://schemas.microsoft.com/office/drawing/2014/main" val="1622359793"/>
                     </a:ext>
                   </a:extLst>
                 </a:gridCol>
                 <a:gridCol w="2032000">
                   <a:extLst>
                     <a:ext uri="{9D8B030D-6E8A-4147-A177-3AD203B41FA5}">
-                      <a16:colId xmlns:a16="http://schemas.microsoft.com/office/drawing/2014/main" xmlns="" val="294171533"/>
+                      <a16:colId xmlns:a16="http://schemas.microsoft.com/office/drawing/2014/main" val="294171533"/>
                     </a:ext>
                   </a:extLst>
                 </a:gridCol>
@@ -49425,7 +48910,7 @@
                 </a:tc>
                 <a:extLst>
                   <a:ext uri="{0D108BD9-81ED-4DB2-BD59-A6C34878D82A}">
-                    <a16:rowId xmlns:a16="http://schemas.microsoft.com/office/drawing/2014/main" xmlns="" val="1883699554"/>
+                    <a16:rowId xmlns:a16="http://schemas.microsoft.com/office/drawing/2014/main" val="1883699554"/>
                   </a:ext>
                 </a:extLst>
               </a:tr>
@@ -49477,7 +48962,7 @@
                 </a:tc>
                 <a:extLst>
                   <a:ext uri="{0D108BD9-81ED-4DB2-BD59-A6C34878D82A}">
-                    <a16:rowId xmlns:a16="http://schemas.microsoft.com/office/drawing/2014/main" xmlns="" val="3082145626"/>
+                    <a16:rowId xmlns:a16="http://schemas.microsoft.com/office/drawing/2014/main" val="3082145626"/>
                   </a:ext>
                 </a:extLst>
               </a:tr>
@@ -49529,7 +49014,7 @@
                 </a:tc>
                 <a:extLst>
                   <a:ext uri="{0D108BD9-81ED-4DB2-BD59-A6C34878D82A}">
-                    <a16:rowId xmlns:a16="http://schemas.microsoft.com/office/drawing/2014/main" xmlns="" val="1237999315"/>
+                    <a16:rowId xmlns:a16="http://schemas.microsoft.com/office/drawing/2014/main" val="1237999315"/>
                   </a:ext>
                 </a:extLst>
               </a:tr>
@@ -49581,7 +49066,7 @@
                 </a:tc>
                 <a:extLst>
                   <a:ext uri="{0D108BD9-81ED-4DB2-BD59-A6C34878D82A}">
-                    <a16:rowId xmlns:a16="http://schemas.microsoft.com/office/drawing/2014/main" xmlns="" val="2656202295"/>
+                    <a16:rowId xmlns:a16="http://schemas.microsoft.com/office/drawing/2014/main" val="2656202295"/>
                   </a:ext>
                 </a:extLst>
               </a:tr>
@@ -49632,7 +49117,7 @@
                 </a:tc>
                 <a:extLst>
                   <a:ext uri="{0D108BD9-81ED-4DB2-BD59-A6C34878D82A}">
-                    <a16:rowId xmlns:a16="http://schemas.microsoft.com/office/drawing/2014/main" xmlns="" val="3820442643"/>
+                    <a16:rowId xmlns:a16="http://schemas.microsoft.com/office/drawing/2014/main" val="3820442643"/>
                   </a:ext>
                 </a:extLst>
               </a:tr>
@@ -49716,7 +49201,7 @@
                 </a:tc>
                 <a:extLst>
                   <a:ext uri="{0D108BD9-81ED-4DB2-BD59-A6C34878D82A}">
-                    <a16:rowId xmlns:a16="http://schemas.microsoft.com/office/drawing/2014/main" xmlns="" val="3177822037"/>
+                    <a16:rowId xmlns:a16="http://schemas.microsoft.com/office/drawing/2014/main" val="3177822037"/>
                   </a:ext>
                 </a:extLst>
               </a:tr>
@@ -50455,14 +49940,14 @@
                 <a:gridCol w="1440160">
                   <a:extLst>
                     <a:ext uri="{9D8B030D-6E8A-4147-A177-3AD203B41FA5}">
-                      <a16:colId xmlns:a16="http://schemas.microsoft.com/office/drawing/2014/main" xmlns="" val="20000"/>
+                      <a16:colId xmlns:a16="http://schemas.microsoft.com/office/drawing/2014/main" val="20000"/>
                     </a:ext>
                   </a:extLst>
                 </a:gridCol>
                 <a:gridCol w="1440160">
                   <a:extLst>
                     <a:ext uri="{9D8B030D-6E8A-4147-A177-3AD203B41FA5}">
-                      <a16:colId xmlns:a16="http://schemas.microsoft.com/office/drawing/2014/main" xmlns="" val="20001"/>
+                      <a16:colId xmlns:a16="http://schemas.microsoft.com/office/drawing/2014/main" val="20001"/>
                     </a:ext>
                   </a:extLst>
                 </a:gridCol>
@@ -50516,7 +50001,7 @@
                 </a:tc>
                 <a:extLst>
                   <a:ext uri="{0D108BD9-81ED-4DB2-BD59-A6C34878D82A}">
-                    <a16:rowId xmlns:a16="http://schemas.microsoft.com/office/drawing/2014/main" xmlns="" val="10000"/>
+                    <a16:rowId xmlns:a16="http://schemas.microsoft.com/office/drawing/2014/main" val="10000"/>
                   </a:ext>
                 </a:extLst>
               </a:tr>
@@ -50591,7 +50076,7 @@
                 </a:tc>
                 <a:extLst>
                   <a:ext uri="{0D108BD9-81ED-4DB2-BD59-A6C34878D82A}">
-                    <a16:rowId xmlns:a16="http://schemas.microsoft.com/office/drawing/2014/main" xmlns="" val="10001"/>
+                    <a16:rowId xmlns:a16="http://schemas.microsoft.com/office/drawing/2014/main" val="10001"/>
                   </a:ext>
                 </a:extLst>
               </a:tr>
@@ -50666,7 +50151,7 @@
                 </a:tc>
                 <a:extLst>
                   <a:ext uri="{0D108BD9-81ED-4DB2-BD59-A6C34878D82A}">
-                    <a16:rowId xmlns:a16="http://schemas.microsoft.com/office/drawing/2014/main" xmlns="" val="10002"/>
+                    <a16:rowId xmlns:a16="http://schemas.microsoft.com/office/drawing/2014/main" val="10002"/>
                   </a:ext>
                 </a:extLst>
               </a:tr>
@@ -50741,7 +50226,7 @@
                 </a:tc>
                 <a:extLst>
                   <a:ext uri="{0D108BD9-81ED-4DB2-BD59-A6C34878D82A}">
-                    <a16:rowId xmlns:a16="http://schemas.microsoft.com/office/drawing/2014/main" xmlns="" val="10003"/>
+                    <a16:rowId xmlns:a16="http://schemas.microsoft.com/office/drawing/2014/main" val="10003"/>
                   </a:ext>
                 </a:extLst>
               </a:tr>
@@ -50816,7 +50301,7 @@
                 </a:tc>
                 <a:extLst>
                   <a:ext uri="{0D108BD9-81ED-4DB2-BD59-A6C34878D82A}">
-                    <a16:rowId xmlns:a16="http://schemas.microsoft.com/office/drawing/2014/main" xmlns="" val="10004"/>
+                    <a16:rowId xmlns:a16="http://schemas.microsoft.com/office/drawing/2014/main" val="10004"/>
                   </a:ext>
                 </a:extLst>
               </a:tr>
@@ -51878,6 +51363,2430 @@
 </p:sld>
 </file>
 
+<file path=ppt/slides/slide83.xml><?xml version="1.0" encoding="utf-8"?>
+<p:sld xmlns:a="http://schemas.openxmlformats.org/drawingml/2006/main" xmlns:r="http://schemas.openxmlformats.org/officeDocument/2006/relationships" xmlns:p="http://schemas.openxmlformats.org/presentationml/2006/main">
+  <p:cSld>
+    <p:spTree>
+      <p:nvGrpSpPr>
+        <p:cNvPr id="1" name=""/>
+        <p:cNvGrpSpPr/>
+        <p:nvPr/>
+      </p:nvGrpSpPr>
+      <p:grpSpPr>
+        <a:xfrm>
+          <a:off x="0" y="0"/>
+          <a:ext cx="0" cy="0"/>
+          <a:chOff x="0" y="0"/>
+          <a:chExt cx="0" cy="0"/>
+        </a:xfrm>
+      </p:grpSpPr>
+      <p:sp>
+        <p:nvSpPr>
+          <p:cNvPr id="2" name="TextBox 1"/>
+          <p:cNvSpPr txBox="1"/>
+          <p:nvPr/>
+        </p:nvSpPr>
+        <p:spPr>
+          <a:xfrm>
+            <a:off x="1013975" y="2937138"/>
+            <a:ext cx="7116051" cy="707886"/>
+          </a:xfrm>
+          <a:prstGeom prst="rect">
+            <a:avLst/>
+          </a:prstGeom>
+          <a:noFill/>
+        </p:spPr>
+        <p:txBody>
+          <a:bodyPr wrap="none" rtlCol="0">
+            <a:spAutoFit/>
+          </a:bodyPr>
+          <a:lstStyle/>
+          <a:p>
+            <a:r>
+              <a:rPr lang="en-US" altLang="ko-KR" sz="4000" dirty="0" smtClean="0">
+                <a:latin typeface="+mn-ea"/>
+              </a:rPr>
+              <a:t>13</a:t>
+            </a:r>
+            <a:r>
+              <a:rPr lang="ko-KR" altLang="en-US" sz="4000" dirty="0" smtClean="0">
+                <a:latin typeface="+mn-ea"/>
+              </a:rPr>
+              <a:t>장 인스턴스의 생성 및 소멸</a:t>
+            </a:r>
+            <a:endParaRPr lang="ko-KR" altLang="en-US" sz="4000" dirty="0">
+              <a:latin typeface="+mn-ea"/>
+            </a:endParaRPr>
+          </a:p>
+        </p:txBody>
+      </p:sp>
+      <p:sp>
+        <p:nvSpPr>
+          <p:cNvPr id="3" name="TextBox 2"/>
+          <p:cNvSpPr txBox="1"/>
+          <p:nvPr/>
+        </p:nvSpPr>
+        <p:spPr>
+          <a:xfrm>
+            <a:off x="7092280" y="6525344"/>
+            <a:ext cx="2008820" cy="307777"/>
+          </a:xfrm>
+          <a:prstGeom prst="rect">
+            <a:avLst/>
+          </a:prstGeom>
+          <a:noFill/>
+        </p:spPr>
+        <p:txBody>
+          <a:bodyPr wrap="none" rtlCol="0">
+            <a:spAutoFit/>
+          </a:bodyPr>
+          <a:lstStyle/>
+          <a:p>
+            <a:r>
+              <a:rPr lang="en-US" altLang="ko-KR" sz="1400" dirty="0" smtClean="0">
+                <a:latin typeface="+mn-ea"/>
+              </a:rPr>
+              <a:t>New book: chapter 09</a:t>
+            </a:r>
+            <a:endParaRPr lang="ko-KR" altLang="en-US" sz="1400" dirty="0">
+              <a:latin typeface="+mn-ea"/>
+            </a:endParaRPr>
+          </a:p>
+        </p:txBody>
+      </p:sp>
+    </p:spTree>
+    <p:extLst>
+      <p:ext uri="{BB962C8B-B14F-4D97-AF65-F5344CB8AC3E}">
+        <p14:creationId xmlns:p14="http://schemas.microsoft.com/office/powerpoint/2010/main" val="1090042405"/>
+      </p:ext>
+    </p:extLst>
+  </p:cSld>
+  <p:clrMapOvr>
+    <a:masterClrMapping/>
+  </p:clrMapOvr>
+  <p:timing>
+    <p:tnLst>
+      <p:par>
+        <p:cTn id="1" dur="indefinite" restart="never" nodeType="tmRoot"/>
+      </p:par>
+    </p:tnLst>
+  </p:timing>
+</p:sld>
+</file>
+
+<file path=ppt/slides/slide84.xml><?xml version="1.0" encoding="utf-8"?>
+<p:sld xmlns:a="http://schemas.openxmlformats.org/drawingml/2006/main" xmlns:r="http://schemas.openxmlformats.org/officeDocument/2006/relationships" xmlns:p="http://schemas.openxmlformats.org/presentationml/2006/main">
+  <p:cSld>
+    <p:spTree>
+      <p:nvGrpSpPr>
+        <p:cNvPr id="1" name=""/>
+        <p:cNvGrpSpPr/>
+        <p:nvPr/>
+      </p:nvGrpSpPr>
+      <p:grpSpPr>
+        <a:xfrm>
+          <a:off x="0" y="0"/>
+          <a:ext cx="0" cy="0"/>
+          <a:chOff x="0" y="0"/>
+          <a:chExt cx="0" cy="0"/>
+        </a:xfrm>
+      </p:grpSpPr>
+      <p:sp>
+        <p:nvSpPr>
+          <p:cNvPr id="2" name="제목 1"/>
+          <p:cNvSpPr>
+            <a:spLocks noGrp="1"/>
+          </p:cNvSpPr>
+          <p:nvPr>
+            <p:ph type="title"/>
+          </p:nvPr>
+        </p:nvSpPr>
+        <p:spPr/>
+        <p:txBody>
+          <a:bodyPr/>
+          <a:lstStyle/>
+          <a:p>
+            <a:r>
+              <a:rPr lang="ko-KR" altLang="en-US" dirty="0"/>
+              <a:t>인스턴스의 생성 및 소멸</a:t>
+            </a:r>
+            <a:endParaRPr lang="ko-KR" altLang="en-US" dirty="0"/>
+          </a:p>
+        </p:txBody>
+      </p:sp>
+      <p:sp>
+        <p:nvSpPr>
+          <p:cNvPr id="3" name="내용 개체 틀 2"/>
+          <p:cNvSpPr>
+            <a:spLocks noGrp="1"/>
+          </p:cNvSpPr>
+          <p:nvPr>
+            <p:ph idx="1"/>
+          </p:nvPr>
+        </p:nvSpPr>
+        <p:spPr/>
+        <p:txBody>
+          <a:bodyPr>
+            <a:normAutofit/>
+          </a:bodyPr>
+          <a:lstStyle/>
+          <a:p>
+            <a:r>
+              <a:rPr lang="en-US" altLang="ko-KR" dirty="0"/>
+              <a:t>Instance </a:t>
+            </a:r>
+            <a:r>
+              <a:rPr lang="ko-KR" altLang="en-US" dirty="0"/>
+              <a:t>생성 </a:t>
+            </a:r>
+            <a:r>
+              <a:rPr lang="en-US" altLang="ko-KR" dirty="0" smtClean="0"/>
+              <a:t>– initializer</a:t>
+            </a:r>
+          </a:p>
+          <a:p>
+            <a:pPr lvl="1"/>
+            <a:r>
+              <a:rPr lang="en-US" altLang="ko-KR" dirty="0"/>
+              <a:t>initializer</a:t>
+            </a:r>
+            <a:r>
+              <a:rPr lang="ko-KR" altLang="en-US" dirty="0"/>
+              <a:t>는 반환 값이 없다</a:t>
+            </a:r>
+            <a:r>
+              <a:rPr lang="en-US" altLang="ko-KR" dirty="0" smtClean="0"/>
+              <a:t>.</a:t>
+            </a:r>
+          </a:p>
+          <a:p>
+            <a:pPr lvl="1"/>
+            <a:r>
+              <a:rPr lang="en-US" altLang="ko-KR" dirty="0"/>
+              <a:t>instance</a:t>
+            </a:r>
+            <a:r>
+              <a:rPr lang="ko-KR" altLang="en-US" dirty="0"/>
+              <a:t>의 </a:t>
+            </a:r>
+            <a:r>
+              <a:rPr lang="en-US" altLang="ko-KR" dirty="0"/>
+              <a:t>property </a:t>
+            </a:r>
+            <a:r>
+              <a:rPr lang="ko-KR" altLang="en-US" dirty="0"/>
+              <a:t>초기값을 </a:t>
+            </a:r>
+            <a:r>
+              <a:rPr lang="ko-KR" altLang="en-US" dirty="0" smtClean="0"/>
+              <a:t>설정하는 역할</a:t>
+            </a:r>
+            <a:endParaRPr lang="en-US" altLang="ko-KR" dirty="0" smtClean="0"/>
+          </a:p>
+          <a:p>
+            <a:pPr lvl="1"/>
+            <a:r>
+              <a:rPr lang="en-US" altLang="ko-KR" dirty="0" err="1"/>
+              <a:t>init</a:t>
+            </a:r>
+            <a:r>
+              <a:rPr lang="en-US" altLang="ko-KR" dirty="0"/>
+              <a:t> </a:t>
+            </a:r>
+            <a:r>
+              <a:rPr lang="ko-KR" altLang="en-US" dirty="0"/>
+              <a:t>키워드를 사용한 </a:t>
+            </a:r>
+            <a:r>
+              <a:rPr lang="en-US" altLang="ko-KR" dirty="0" err="1"/>
+              <a:t>init</a:t>
+            </a:r>
+            <a:r>
+              <a:rPr lang="en-US" altLang="ko-KR" dirty="0"/>
+              <a:t>() method</a:t>
+            </a:r>
+            <a:r>
+              <a:rPr lang="ko-KR" altLang="en-US" dirty="0"/>
+              <a:t>를 </a:t>
+            </a:r>
+            <a:r>
+              <a:rPr lang="ko-KR" altLang="en-US" dirty="0" smtClean="0"/>
+              <a:t>사용</a:t>
+            </a:r>
+            <a:endParaRPr lang="en-US" altLang="ko-KR" dirty="0" smtClean="0"/>
+          </a:p>
+          <a:p>
+            <a:pPr lvl="1"/>
+            <a:endParaRPr lang="en-US" altLang="ko-KR" dirty="0" smtClean="0"/>
+          </a:p>
+          <a:p>
+            <a:pPr marL="454914" lvl="1" indent="0">
+              <a:buNone/>
+            </a:pPr>
+            <a:endParaRPr lang="en-US" altLang="ko-KR" dirty="0" smtClean="0"/>
+          </a:p>
+          <a:p>
+            <a:endParaRPr lang="en-US" altLang="ko-KR" dirty="0"/>
+          </a:p>
+          <a:p>
+            <a:endParaRPr lang="en-US" altLang="ko-KR" dirty="0" smtClean="0"/>
+          </a:p>
+          <a:p>
+            <a:endParaRPr lang="en-US" altLang="ko-KR" dirty="0"/>
+          </a:p>
+          <a:p>
+            <a:pPr marL="454914" lvl="1" indent="0">
+              <a:buNone/>
+            </a:pPr>
+            <a:endParaRPr lang="en-US" altLang="ko-KR" dirty="0" smtClean="0"/>
+          </a:p>
+          <a:p>
+            <a:endParaRPr lang="en-US" altLang="ko-KR" dirty="0"/>
+          </a:p>
+          <a:p>
+            <a:endParaRPr lang="en-US" altLang="ko-KR" dirty="0" smtClean="0"/>
+          </a:p>
+          <a:p>
+            <a:endParaRPr lang="en-US" altLang="ko-KR" dirty="0"/>
+          </a:p>
+          <a:p>
+            <a:endParaRPr lang="en-US" altLang="ko-KR" dirty="0" smtClean="0"/>
+          </a:p>
+          <a:p>
+            <a:endParaRPr lang="en-US" altLang="ko-KR" dirty="0"/>
+          </a:p>
+        </p:txBody>
+      </p:sp>
+      <p:sp>
+        <p:nvSpPr>
+          <p:cNvPr id="5" name="TextBox 4"/>
+          <p:cNvSpPr txBox="1"/>
+          <p:nvPr/>
+        </p:nvSpPr>
+        <p:spPr>
+          <a:xfrm>
+            <a:off x="914400" y="3429000"/>
+            <a:ext cx="4392488" cy="3139321"/>
+          </a:xfrm>
+          <a:prstGeom prst="rect">
+            <a:avLst/>
+          </a:prstGeom>
+          <a:noFill/>
+        </p:spPr>
+        <p:txBody>
+          <a:bodyPr wrap="square" rtlCol="0">
+            <a:spAutoFit/>
+          </a:bodyPr>
+          <a:lstStyle/>
+          <a:p>
+            <a:r>
+              <a:rPr lang="en-US" altLang="ko-KR" dirty="0">
+                <a:solidFill>
+                  <a:schemeClr val="accent2"/>
+                </a:solidFill>
+              </a:rPr>
+              <a:t>class</a:t>
+            </a:r>
+            <a:r>
+              <a:rPr lang="en-US" altLang="ko-KR" dirty="0"/>
+              <a:t> </a:t>
+            </a:r>
+            <a:r>
+              <a:rPr lang="en-US" altLang="ko-KR" dirty="0" err="1"/>
+              <a:t>SomeClass</a:t>
+            </a:r>
+            <a:r>
+              <a:rPr lang="en-US" altLang="ko-KR" dirty="0"/>
+              <a:t> {</a:t>
+            </a:r>
+          </a:p>
+          <a:p>
+            <a:r>
+              <a:rPr lang="en-US" altLang="ko-KR" dirty="0" smtClean="0"/>
+              <a:t>      </a:t>
+            </a:r>
+            <a:r>
+              <a:rPr lang="en-US" altLang="ko-KR" dirty="0" err="1" smtClean="0">
+                <a:solidFill>
+                  <a:schemeClr val="accent6"/>
+                </a:solidFill>
+              </a:rPr>
+              <a:t>init</a:t>
+            </a:r>
+            <a:r>
+              <a:rPr lang="en-US" altLang="ko-KR" dirty="0"/>
+              <a:t>() {</a:t>
+            </a:r>
+          </a:p>
+          <a:p>
+            <a:r>
+              <a:rPr lang="en-US" altLang="ko-KR" dirty="0" smtClean="0"/>
+              <a:t>            // </a:t>
+            </a:r>
+            <a:r>
+              <a:rPr lang="ko-KR" altLang="en-US" dirty="0"/>
+              <a:t>초기화 시 필요한 코드</a:t>
+            </a:r>
+          </a:p>
+          <a:p>
+            <a:r>
+              <a:rPr lang="en-US" altLang="ko-KR" dirty="0" smtClean="0"/>
+              <a:t>      }</a:t>
+            </a:r>
+            <a:endParaRPr lang="en-US" altLang="ko-KR" dirty="0"/>
+          </a:p>
+          <a:p>
+            <a:r>
+              <a:rPr lang="en-US" altLang="ko-KR" dirty="0"/>
+              <a:t>}</a:t>
+            </a:r>
+          </a:p>
+          <a:p>
+            <a:endParaRPr lang="en-US" altLang="ko-KR" dirty="0"/>
+          </a:p>
+          <a:p>
+            <a:r>
+              <a:rPr lang="en-US" altLang="ko-KR" dirty="0" err="1">
+                <a:solidFill>
+                  <a:schemeClr val="accent2"/>
+                </a:solidFill>
+              </a:rPr>
+              <a:t>struct</a:t>
+            </a:r>
+            <a:r>
+              <a:rPr lang="en-US" altLang="ko-KR" dirty="0"/>
+              <a:t> </a:t>
+            </a:r>
+            <a:r>
+              <a:rPr lang="en-US" altLang="ko-KR" dirty="0" err="1"/>
+              <a:t>SomeStruct</a:t>
+            </a:r>
+            <a:r>
+              <a:rPr lang="en-US" altLang="ko-KR" dirty="0"/>
+              <a:t> {</a:t>
+            </a:r>
+          </a:p>
+          <a:p>
+            <a:r>
+              <a:rPr lang="en-US" altLang="ko-KR" dirty="0" smtClean="0"/>
+              <a:t>      </a:t>
+            </a:r>
+            <a:r>
+              <a:rPr lang="en-US" altLang="ko-KR" dirty="0" err="1" smtClean="0">
+                <a:solidFill>
+                  <a:schemeClr val="accent6"/>
+                </a:solidFill>
+              </a:rPr>
+              <a:t>init</a:t>
+            </a:r>
+            <a:r>
+              <a:rPr lang="en-US" altLang="ko-KR" dirty="0"/>
+              <a:t>() {</a:t>
+            </a:r>
+          </a:p>
+          <a:p>
+            <a:r>
+              <a:rPr lang="en-US" altLang="ko-KR" dirty="0" smtClean="0"/>
+              <a:t>            // </a:t>
+            </a:r>
+            <a:r>
+              <a:rPr lang="ko-KR" altLang="en-US" dirty="0"/>
+              <a:t>초기화 시 필요한 코드</a:t>
+            </a:r>
+          </a:p>
+          <a:p>
+            <a:r>
+              <a:rPr lang="en-US" altLang="ko-KR" dirty="0" smtClean="0"/>
+              <a:t>      }</a:t>
+            </a:r>
+            <a:endParaRPr lang="en-US" altLang="ko-KR" dirty="0"/>
+          </a:p>
+          <a:p>
+            <a:r>
+              <a:rPr lang="en-US" altLang="ko-KR" dirty="0" smtClean="0"/>
+              <a:t>}</a:t>
+            </a:r>
+            <a:endParaRPr lang="en-US" altLang="ko-KR" dirty="0"/>
+          </a:p>
+        </p:txBody>
+      </p:sp>
+      <p:sp>
+        <p:nvSpPr>
+          <p:cNvPr id="8" name="TextBox 7"/>
+          <p:cNvSpPr txBox="1"/>
+          <p:nvPr/>
+        </p:nvSpPr>
+        <p:spPr>
+          <a:xfrm>
+            <a:off x="4605349" y="3429000"/>
+            <a:ext cx="4392488" cy="2862322"/>
+          </a:xfrm>
+          <a:prstGeom prst="rect">
+            <a:avLst/>
+          </a:prstGeom>
+          <a:noFill/>
+        </p:spPr>
+        <p:txBody>
+          <a:bodyPr wrap="square" rtlCol="0">
+            <a:spAutoFit/>
+          </a:bodyPr>
+          <a:lstStyle/>
+          <a:p>
+            <a:r>
+              <a:rPr lang="en-US" altLang="ko-KR" dirty="0" err="1" smtClean="0">
+                <a:solidFill>
+                  <a:schemeClr val="accent2"/>
+                </a:solidFill>
+              </a:rPr>
+              <a:t>enum</a:t>
+            </a:r>
+            <a:r>
+              <a:rPr lang="en-US" altLang="ko-KR" dirty="0" smtClean="0"/>
+              <a:t> </a:t>
+            </a:r>
+            <a:r>
+              <a:rPr lang="en-US" altLang="ko-KR" dirty="0" err="1"/>
+              <a:t>SomeEnum</a:t>
+            </a:r>
+            <a:r>
+              <a:rPr lang="en-US" altLang="ko-KR" dirty="0"/>
+              <a:t> {</a:t>
+            </a:r>
+          </a:p>
+          <a:p>
+            <a:r>
+              <a:rPr lang="en-US" altLang="ko-KR" dirty="0" smtClean="0"/>
+              <a:t>      case </a:t>
+            </a:r>
+            <a:r>
+              <a:rPr lang="en-US" altLang="ko-KR" dirty="0"/>
+              <a:t>someCase1</a:t>
+            </a:r>
+          </a:p>
+          <a:p>
+            <a:r>
+              <a:rPr lang="en-US" altLang="ko-KR" dirty="0" smtClean="0"/>
+              <a:t>      case </a:t>
+            </a:r>
+            <a:r>
+              <a:rPr lang="en-US" altLang="ko-KR" dirty="0"/>
+              <a:t>someCase2</a:t>
+            </a:r>
+          </a:p>
+          <a:p>
+            <a:endParaRPr lang="en-US" altLang="ko-KR" dirty="0"/>
+          </a:p>
+          <a:p>
+            <a:r>
+              <a:rPr lang="en-US" altLang="ko-KR" dirty="0" smtClean="0"/>
+              <a:t>      </a:t>
+            </a:r>
+            <a:r>
+              <a:rPr lang="en-US" altLang="ko-KR" dirty="0" err="1" smtClean="0">
+                <a:solidFill>
+                  <a:schemeClr val="accent6"/>
+                </a:solidFill>
+              </a:rPr>
+              <a:t>init</a:t>
+            </a:r>
+            <a:r>
+              <a:rPr lang="en-US" altLang="ko-KR" dirty="0"/>
+              <a:t>() {</a:t>
+            </a:r>
+          </a:p>
+          <a:p>
+            <a:r>
+              <a:rPr lang="en-US" altLang="ko-KR" dirty="0" smtClean="0"/>
+              <a:t>            // </a:t>
+            </a:r>
+            <a:r>
+              <a:rPr lang="ko-KR" altLang="en-US" dirty="0" smtClean="0"/>
+              <a:t>각 </a:t>
+            </a:r>
+            <a:r>
+              <a:rPr lang="ko-KR" altLang="en-US" dirty="0">
+                <a:solidFill>
+                  <a:schemeClr val="accent3"/>
+                </a:solidFill>
+              </a:rPr>
+              <a:t>케이스 중 하나를 반드시 </a:t>
+            </a:r>
+            <a:r>
+              <a:rPr lang="ko-KR" altLang="en-US" dirty="0"/>
+              <a:t>할당</a:t>
+            </a:r>
+          </a:p>
+          <a:p>
+            <a:r>
+              <a:rPr lang="ko-KR" altLang="en-US" dirty="0" smtClean="0"/>
+              <a:t>            </a:t>
+            </a:r>
+            <a:r>
+              <a:rPr lang="en-US" altLang="ko-KR" dirty="0" smtClean="0"/>
+              <a:t>self </a:t>
+            </a:r>
+            <a:r>
+              <a:rPr lang="en-US" altLang="ko-KR" dirty="0"/>
+              <a:t>= .someCase1</a:t>
+            </a:r>
+          </a:p>
+          <a:p>
+            <a:r>
+              <a:rPr lang="en-US" altLang="ko-KR" dirty="0" smtClean="0"/>
+              <a:t>            // </a:t>
+            </a:r>
+            <a:r>
+              <a:rPr lang="ko-KR" altLang="en-US" dirty="0"/>
+              <a:t>초기화 시 필요한 코드</a:t>
+            </a:r>
+          </a:p>
+          <a:p>
+            <a:r>
+              <a:rPr lang="en-US" altLang="ko-KR" dirty="0" smtClean="0"/>
+              <a:t>      }</a:t>
+            </a:r>
+            <a:endParaRPr lang="en-US" altLang="ko-KR" dirty="0"/>
+          </a:p>
+          <a:p>
+            <a:r>
+              <a:rPr lang="en-US" altLang="ko-KR" dirty="0"/>
+              <a:t>}</a:t>
+            </a:r>
+            <a:endParaRPr lang="ko-KR" altLang="en-US" dirty="0"/>
+          </a:p>
+        </p:txBody>
+      </p:sp>
+    </p:spTree>
+    <p:extLst>
+      <p:ext uri="{BB962C8B-B14F-4D97-AF65-F5344CB8AC3E}">
+        <p14:creationId xmlns:p14="http://schemas.microsoft.com/office/powerpoint/2010/main" val="1577286609"/>
+      </p:ext>
+    </p:extLst>
+  </p:cSld>
+  <p:clrMapOvr>
+    <a:masterClrMapping/>
+  </p:clrMapOvr>
+</p:sld>
+</file>
+
+<file path=ppt/slides/slide85.xml><?xml version="1.0" encoding="utf-8"?>
+<p:sld xmlns:a="http://schemas.openxmlformats.org/drawingml/2006/main" xmlns:r="http://schemas.openxmlformats.org/officeDocument/2006/relationships" xmlns:p="http://schemas.openxmlformats.org/presentationml/2006/main">
+  <p:cSld>
+    <p:spTree>
+      <p:nvGrpSpPr>
+        <p:cNvPr id="1" name=""/>
+        <p:cNvGrpSpPr/>
+        <p:nvPr/>
+      </p:nvGrpSpPr>
+      <p:grpSpPr>
+        <a:xfrm>
+          <a:off x="0" y="0"/>
+          <a:ext cx="0" cy="0"/>
+          <a:chOff x="0" y="0"/>
+          <a:chExt cx="0" cy="0"/>
+        </a:xfrm>
+      </p:grpSpPr>
+      <p:sp>
+        <p:nvSpPr>
+          <p:cNvPr id="2" name="제목 1"/>
+          <p:cNvSpPr>
+            <a:spLocks noGrp="1"/>
+          </p:cNvSpPr>
+          <p:nvPr>
+            <p:ph type="title"/>
+          </p:nvPr>
+        </p:nvSpPr>
+        <p:spPr/>
+        <p:txBody>
+          <a:bodyPr/>
+          <a:lstStyle/>
+          <a:p>
+            <a:r>
+              <a:rPr lang="ko-KR" altLang="en-US" dirty="0"/>
+              <a:t>인스턴스의 생성 및 소멸</a:t>
+            </a:r>
+            <a:endParaRPr lang="ko-KR" altLang="en-US" dirty="0"/>
+          </a:p>
+        </p:txBody>
+      </p:sp>
+      <p:sp>
+        <p:nvSpPr>
+          <p:cNvPr id="3" name="내용 개체 틀 2"/>
+          <p:cNvSpPr>
+            <a:spLocks noGrp="1"/>
+          </p:cNvSpPr>
+          <p:nvPr>
+            <p:ph idx="1"/>
+          </p:nvPr>
+        </p:nvSpPr>
+        <p:spPr/>
+        <p:txBody>
+          <a:bodyPr>
+            <a:normAutofit/>
+          </a:bodyPr>
+          <a:lstStyle/>
+          <a:p>
+            <a:r>
+              <a:rPr lang="en-US" altLang="ko-KR" dirty="0"/>
+              <a:t>Instance </a:t>
+            </a:r>
+            <a:r>
+              <a:rPr lang="ko-KR" altLang="en-US" dirty="0"/>
+              <a:t>생성 </a:t>
+            </a:r>
+            <a:r>
+              <a:rPr lang="en-US" altLang="ko-KR" dirty="0" smtClean="0"/>
+              <a:t>– initializer</a:t>
+            </a:r>
+          </a:p>
+          <a:p>
+            <a:pPr lvl="1"/>
+            <a:endParaRPr lang="en-US" altLang="ko-KR" dirty="0" smtClean="0"/>
+          </a:p>
+          <a:p>
+            <a:pPr marL="454914" lvl="1" indent="0">
+              <a:buNone/>
+            </a:pPr>
+            <a:endParaRPr lang="en-US" altLang="ko-KR" dirty="0" smtClean="0"/>
+          </a:p>
+          <a:p>
+            <a:endParaRPr lang="en-US" altLang="ko-KR" dirty="0"/>
+          </a:p>
+          <a:p>
+            <a:endParaRPr lang="en-US" altLang="ko-KR" dirty="0" smtClean="0"/>
+          </a:p>
+          <a:p>
+            <a:endParaRPr lang="en-US" altLang="ko-KR" dirty="0"/>
+          </a:p>
+          <a:p>
+            <a:pPr marL="454914" lvl="1" indent="0">
+              <a:buNone/>
+            </a:pPr>
+            <a:endParaRPr lang="en-US" altLang="ko-KR" dirty="0" smtClean="0"/>
+          </a:p>
+          <a:p>
+            <a:endParaRPr lang="en-US" altLang="ko-KR" dirty="0"/>
+          </a:p>
+          <a:p>
+            <a:endParaRPr lang="en-US" altLang="ko-KR" dirty="0" smtClean="0"/>
+          </a:p>
+          <a:p>
+            <a:endParaRPr lang="en-US" altLang="ko-KR" dirty="0"/>
+          </a:p>
+          <a:p>
+            <a:endParaRPr lang="en-US" altLang="ko-KR" dirty="0" smtClean="0"/>
+          </a:p>
+          <a:p>
+            <a:endParaRPr lang="en-US" altLang="ko-KR" dirty="0"/>
+          </a:p>
+        </p:txBody>
+      </p:sp>
+      <p:pic>
+        <p:nvPicPr>
+          <p:cNvPr id="6" name="그림 5"/>
+          <p:cNvPicPr>
+            <a:picLocks noChangeAspect="1"/>
+          </p:cNvPicPr>
+          <p:nvPr/>
+        </p:nvPicPr>
+        <p:blipFill>
+          <a:blip r:embed="rId2"/>
+          <a:stretch>
+            <a:fillRect/>
+          </a:stretch>
+        </p:blipFill>
+        <p:spPr>
+          <a:xfrm>
+            <a:off x="466725" y="2204864"/>
+            <a:ext cx="8677275" cy="4086225"/>
+          </a:xfrm>
+          <a:prstGeom prst="rect">
+            <a:avLst/>
+          </a:prstGeom>
+        </p:spPr>
+      </p:pic>
+    </p:spTree>
+    <p:extLst>
+      <p:ext uri="{BB962C8B-B14F-4D97-AF65-F5344CB8AC3E}">
+        <p14:creationId xmlns:p14="http://schemas.microsoft.com/office/powerpoint/2010/main" val="1792237995"/>
+      </p:ext>
+    </p:extLst>
+  </p:cSld>
+  <p:clrMapOvr>
+    <a:masterClrMapping/>
+  </p:clrMapOvr>
+</p:sld>
+</file>
+
+<file path=ppt/slides/slide86.xml><?xml version="1.0" encoding="utf-8"?>
+<p:sld xmlns:a="http://schemas.openxmlformats.org/drawingml/2006/main" xmlns:r="http://schemas.openxmlformats.org/officeDocument/2006/relationships" xmlns:p="http://schemas.openxmlformats.org/presentationml/2006/main">
+  <p:cSld>
+    <p:spTree>
+      <p:nvGrpSpPr>
+        <p:cNvPr id="1" name=""/>
+        <p:cNvGrpSpPr/>
+        <p:nvPr/>
+      </p:nvGrpSpPr>
+      <p:grpSpPr>
+        <a:xfrm>
+          <a:off x="0" y="0"/>
+          <a:ext cx="0" cy="0"/>
+          <a:chOff x="0" y="0"/>
+          <a:chExt cx="0" cy="0"/>
+        </a:xfrm>
+      </p:grpSpPr>
+      <p:sp>
+        <p:nvSpPr>
+          <p:cNvPr id="2" name="제목 1"/>
+          <p:cNvSpPr>
+            <a:spLocks noGrp="1"/>
+          </p:cNvSpPr>
+          <p:nvPr>
+            <p:ph type="title"/>
+          </p:nvPr>
+        </p:nvSpPr>
+        <p:spPr/>
+        <p:txBody>
+          <a:bodyPr/>
+          <a:lstStyle/>
+          <a:p>
+            <a:r>
+              <a:rPr lang="ko-KR" altLang="en-US" dirty="0"/>
+              <a:t>인스턴스의 생성 및 소멸</a:t>
+            </a:r>
+            <a:endParaRPr lang="ko-KR" altLang="en-US" dirty="0"/>
+          </a:p>
+        </p:txBody>
+      </p:sp>
+      <p:sp>
+        <p:nvSpPr>
+          <p:cNvPr id="3" name="내용 개체 틀 2"/>
+          <p:cNvSpPr>
+            <a:spLocks noGrp="1"/>
+          </p:cNvSpPr>
+          <p:nvPr>
+            <p:ph idx="1"/>
+          </p:nvPr>
+        </p:nvSpPr>
+        <p:spPr/>
+        <p:txBody>
+          <a:bodyPr>
+            <a:normAutofit/>
+          </a:bodyPr>
+          <a:lstStyle/>
+          <a:p>
+            <a:r>
+              <a:rPr lang="en-US" altLang="ko-KR" dirty="0"/>
+              <a:t>property </a:t>
+            </a:r>
+            <a:r>
+              <a:rPr lang="ko-KR" altLang="en-US" dirty="0"/>
+              <a:t>기본값</a:t>
+            </a:r>
+            <a:endParaRPr lang="en-US" altLang="ko-KR" dirty="0" smtClean="0"/>
+          </a:p>
+          <a:p>
+            <a:pPr lvl="1"/>
+            <a:r>
+              <a:rPr lang="ko-KR" altLang="en-US" dirty="0"/>
+              <a:t>구조체와 클래스의 모든 </a:t>
+            </a:r>
+            <a:r>
+              <a:rPr lang="en-US" altLang="ko-KR" dirty="0"/>
+              <a:t>property</a:t>
+            </a:r>
+            <a:r>
+              <a:rPr lang="ko-KR" altLang="en-US" dirty="0"/>
+              <a:t>는 생성 시점에 초기값 할당 </a:t>
+            </a:r>
+            <a:r>
+              <a:rPr lang="ko-KR" altLang="en-US" dirty="0" smtClean="0"/>
+              <a:t>필수</a:t>
+            </a:r>
+            <a:r>
+              <a:rPr lang="en-US" altLang="ko-KR" dirty="0" smtClean="0"/>
+              <a:t/>
+            </a:r>
+            <a:br>
+              <a:rPr lang="en-US" altLang="ko-KR" dirty="0" smtClean="0"/>
+            </a:br>
+            <a:r>
+              <a:rPr lang="en-US" altLang="ko-KR" dirty="0" smtClean="0"/>
+              <a:t>(</a:t>
+            </a:r>
+            <a:r>
+              <a:rPr lang="en-US" altLang="ko-KR" dirty="0"/>
+              <a:t>optional </a:t>
+            </a:r>
+            <a:r>
+              <a:rPr lang="ko-KR" altLang="en-US" dirty="0"/>
+              <a:t>제외</a:t>
+            </a:r>
+            <a:r>
+              <a:rPr lang="en-US" altLang="ko-KR" dirty="0" smtClean="0"/>
+              <a:t>)</a:t>
+            </a:r>
+          </a:p>
+          <a:p>
+            <a:pPr lvl="1"/>
+            <a:r>
+              <a:rPr lang="ko-KR" altLang="en-US" dirty="0"/>
+              <a:t>정의 할 때 기본값을 </a:t>
+            </a:r>
+            <a:r>
+              <a:rPr lang="ko-KR" altLang="en-US" dirty="0" smtClean="0"/>
+              <a:t>할당하면 </a:t>
+            </a:r>
+            <a:r>
+              <a:rPr lang="ko-KR" altLang="en-US" dirty="0"/>
+              <a:t>초기값 할당이 필요 없음</a:t>
+            </a:r>
+            <a:endParaRPr lang="en-US" altLang="ko-KR" dirty="0" smtClean="0"/>
+          </a:p>
+          <a:p>
+            <a:pPr marL="454914" lvl="1" indent="0">
+              <a:buNone/>
+            </a:pPr>
+            <a:endParaRPr lang="en-US" altLang="ko-KR" dirty="0" smtClean="0"/>
+          </a:p>
+          <a:p>
+            <a:endParaRPr lang="en-US" altLang="ko-KR" dirty="0"/>
+          </a:p>
+          <a:p>
+            <a:endParaRPr lang="en-US" altLang="ko-KR" dirty="0" smtClean="0"/>
+          </a:p>
+          <a:p>
+            <a:endParaRPr lang="en-US" altLang="ko-KR" dirty="0"/>
+          </a:p>
+          <a:p>
+            <a:pPr marL="454914" lvl="1" indent="0">
+              <a:buNone/>
+            </a:pPr>
+            <a:endParaRPr lang="en-US" altLang="ko-KR" dirty="0" smtClean="0"/>
+          </a:p>
+          <a:p>
+            <a:endParaRPr lang="en-US" altLang="ko-KR" dirty="0"/>
+          </a:p>
+          <a:p>
+            <a:endParaRPr lang="en-US" altLang="ko-KR" dirty="0" smtClean="0"/>
+          </a:p>
+          <a:p>
+            <a:endParaRPr lang="en-US" altLang="ko-KR" dirty="0"/>
+          </a:p>
+          <a:p>
+            <a:endParaRPr lang="en-US" altLang="ko-KR" dirty="0" smtClean="0"/>
+          </a:p>
+          <a:p>
+            <a:endParaRPr lang="en-US" altLang="ko-KR" dirty="0"/>
+          </a:p>
+        </p:txBody>
+      </p:sp>
+      <p:sp>
+        <p:nvSpPr>
+          <p:cNvPr id="6" name="TextBox 5"/>
+          <p:cNvSpPr txBox="1"/>
+          <p:nvPr/>
+        </p:nvSpPr>
+        <p:spPr>
+          <a:xfrm>
+            <a:off x="914400" y="3429000"/>
+            <a:ext cx="4392488" cy="1754326"/>
+          </a:xfrm>
+          <a:prstGeom prst="rect">
+            <a:avLst/>
+          </a:prstGeom>
+          <a:noFill/>
+        </p:spPr>
+        <p:txBody>
+          <a:bodyPr wrap="square" rtlCol="0">
+            <a:spAutoFit/>
+          </a:bodyPr>
+          <a:lstStyle/>
+          <a:p>
+            <a:r>
+              <a:rPr lang="en-US" altLang="ko-KR" dirty="0" err="1"/>
+              <a:t>struct</a:t>
+            </a:r>
+            <a:r>
+              <a:rPr lang="en-US" altLang="ko-KR" dirty="0"/>
+              <a:t> Area1 {</a:t>
+            </a:r>
+          </a:p>
+          <a:p>
+            <a:r>
+              <a:rPr lang="en-US" altLang="ko-KR" dirty="0" smtClean="0"/>
+              <a:t>      </a:t>
+            </a:r>
+            <a:r>
+              <a:rPr lang="en-US" altLang="ko-KR" dirty="0" err="1" smtClean="0"/>
+              <a:t>var</a:t>
+            </a:r>
+            <a:r>
+              <a:rPr lang="en-US" altLang="ko-KR" dirty="0" smtClean="0"/>
+              <a:t> </a:t>
+            </a:r>
+            <a:r>
+              <a:rPr lang="en-US" altLang="ko-KR" dirty="0" err="1"/>
+              <a:t>squarMeter</a:t>
+            </a:r>
+            <a:r>
+              <a:rPr lang="en-US" altLang="ko-KR" dirty="0"/>
+              <a:t>: Double </a:t>
+            </a:r>
+            <a:r>
+              <a:rPr lang="en-US" altLang="ko-KR" dirty="0">
+                <a:solidFill>
+                  <a:schemeClr val="accent2"/>
+                </a:solidFill>
+              </a:rPr>
+              <a:t>= 0.0</a:t>
+            </a:r>
+          </a:p>
+          <a:p>
+            <a:r>
+              <a:rPr lang="en-US" altLang="ko-KR" dirty="0"/>
+              <a:t>}</a:t>
+            </a:r>
+          </a:p>
+          <a:p>
+            <a:endParaRPr lang="en-US" altLang="ko-KR" dirty="0"/>
+          </a:p>
+          <a:p>
+            <a:r>
+              <a:rPr lang="en-US" altLang="ko-KR" dirty="0"/>
+              <a:t>let room1: Area1 = Area1()</a:t>
+            </a:r>
+          </a:p>
+          <a:p>
+            <a:r>
+              <a:rPr lang="en-US" altLang="ko-KR" dirty="0"/>
+              <a:t>print(room1.squarMeter)	// 0.0</a:t>
+            </a:r>
+          </a:p>
+        </p:txBody>
+      </p:sp>
+      <p:sp>
+        <p:nvSpPr>
+          <p:cNvPr id="8" name="TextBox 7"/>
+          <p:cNvSpPr txBox="1"/>
+          <p:nvPr/>
+        </p:nvSpPr>
+        <p:spPr>
+          <a:xfrm>
+            <a:off x="4605349" y="3429000"/>
+            <a:ext cx="4392488" cy="2862322"/>
+          </a:xfrm>
+          <a:prstGeom prst="rect">
+            <a:avLst/>
+          </a:prstGeom>
+          <a:noFill/>
+        </p:spPr>
+        <p:txBody>
+          <a:bodyPr wrap="square" rtlCol="0">
+            <a:spAutoFit/>
+          </a:bodyPr>
+          <a:lstStyle/>
+          <a:p>
+            <a:r>
+              <a:rPr lang="en-US" altLang="ko-KR" dirty="0" err="1"/>
+              <a:t>struct</a:t>
+            </a:r>
+            <a:r>
+              <a:rPr lang="en-US" altLang="ko-KR" dirty="0"/>
+              <a:t> Area2 {</a:t>
+            </a:r>
+          </a:p>
+          <a:p>
+            <a:r>
+              <a:rPr lang="en-US" altLang="ko-KR" dirty="0" smtClean="0"/>
+              <a:t>      </a:t>
+            </a:r>
+            <a:r>
+              <a:rPr lang="en-US" altLang="ko-KR" dirty="0" err="1" smtClean="0"/>
+              <a:t>var</a:t>
+            </a:r>
+            <a:r>
+              <a:rPr lang="en-US" altLang="ko-KR" dirty="0" smtClean="0"/>
+              <a:t> </a:t>
+            </a:r>
+            <a:r>
+              <a:rPr lang="en-US" altLang="ko-KR" dirty="0" err="1"/>
+              <a:t>squarMeter</a:t>
+            </a:r>
+            <a:r>
+              <a:rPr lang="en-US" altLang="ko-KR" dirty="0"/>
+              <a:t>: Double</a:t>
+            </a:r>
+          </a:p>
+          <a:p>
+            <a:endParaRPr lang="en-US" altLang="ko-KR" dirty="0"/>
+          </a:p>
+          <a:p>
+            <a:r>
+              <a:rPr lang="en-US" altLang="ko-KR" dirty="0" smtClean="0"/>
+              <a:t>      </a:t>
+            </a:r>
+            <a:r>
+              <a:rPr lang="en-US" altLang="ko-KR" dirty="0" err="1" smtClean="0"/>
+              <a:t>init</a:t>
+            </a:r>
+            <a:r>
+              <a:rPr lang="en-US" altLang="ko-KR" dirty="0"/>
+              <a:t>() {</a:t>
+            </a:r>
+          </a:p>
+          <a:p>
+            <a:r>
+              <a:rPr lang="en-US" altLang="ko-KR" dirty="0" smtClean="0"/>
+              <a:t>            </a:t>
+            </a:r>
+            <a:r>
+              <a:rPr lang="en-US" altLang="ko-KR" dirty="0" err="1" smtClean="0"/>
+              <a:t>squarMeter</a:t>
+            </a:r>
+            <a:r>
+              <a:rPr lang="en-US" altLang="ko-KR" dirty="0" smtClean="0"/>
+              <a:t> </a:t>
+            </a:r>
+            <a:r>
+              <a:rPr lang="en-US" altLang="ko-KR" dirty="0">
+                <a:solidFill>
+                  <a:schemeClr val="accent2"/>
+                </a:solidFill>
+              </a:rPr>
+              <a:t>= 0.0 </a:t>
+            </a:r>
+            <a:r>
+              <a:rPr lang="en-US" altLang="ko-KR" dirty="0">
+                <a:solidFill>
+                  <a:schemeClr val="accent6"/>
+                </a:solidFill>
+              </a:rPr>
+              <a:t>// </a:t>
+            </a:r>
+            <a:r>
+              <a:rPr lang="ko-KR" altLang="en-US" dirty="0">
+                <a:solidFill>
+                  <a:schemeClr val="accent6"/>
+                </a:solidFill>
+              </a:rPr>
+              <a:t>초기값 할당</a:t>
+            </a:r>
+          </a:p>
+          <a:p>
+            <a:r>
+              <a:rPr lang="en-US" altLang="ko-KR" dirty="0" smtClean="0"/>
+              <a:t>      }</a:t>
+            </a:r>
+            <a:endParaRPr lang="en-US" altLang="ko-KR" dirty="0"/>
+          </a:p>
+          <a:p>
+            <a:r>
+              <a:rPr lang="en-US" altLang="ko-KR" dirty="0"/>
+              <a:t>}</a:t>
+            </a:r>
+          </a:p>
+          <a:p>
+            <a:endParaRPr lang="en-US" altLang="ko-KR" dirty="0"/>
+          </a:p>
+          <a:p>
+            <a:r>
+              <a:rPr lang="en-US" altLang="ko-KR" dirty="0"/>
+              <a:t>let room2: Area2 = Area2()</a:t>
+            </a:r>
+          </a:p>
+          <a:p>
+            <a:r>
+              <a:rPr lang="en-US" altLang="ko-KR" dirty="0"/>
+              <a:t>print(room2.squarMeter)	// 0.0</a:t>
+            </a:r>
+            <a:endParaRPr lang="ko-KR" altLang="en-US" dirty="0"/>
+          </a:p>
+        </p:txBody>
+      </p:sp>
+    </p:spTree>
+    <p:extLst>
+      <p:ext uri="{BB962C8B-B14F-4D97-AF65-F5344CB8AC3E}">
+        <p14:creationId xmlns:p14="http://schemas.microsoft.com/office/powerpoint/2010/main" val="2560498614"/>
+      </p:ext>
+    </p:extLst>
+  </p:cSld>
+  <p:clrMapOvr>
+    <a:masterClrMapping/>
+  </p:clrMapOvr>
+</p:sld>
+</file>
+
+<file path=ppt/slides/slide87.xml><?xml version="1.0" encoding="utf-8"?>
+<p:sld xmlns:a="http://schemas.openxmlformats.org/drawingml/2006/main" xmlns:r="http://schemas.openxmlformats.org/officeDocument/2006/relationships" xmlns:p="http://schemas.openxmlformats.org/presentationml/2006/main">
+  <p:cSld>
+    <p:spTree>
+      <p:nvGrpSpPr>
+        <p:cNvPr id="1" name=""/>
+        <p:cNvGrpSpPr/>
+        <p:nvPr/>
+      </p:nvGrpSpPr>
+      <p:grpSpPr>
+        <a:xfrm>
+          <a:off x="0" y="0"/>
+          <a:ext cx="0" cy="0"/>
+          <a:chOff x="0" y="0"/>
+          <a:chExt cx="0" cy="0"/>
+        </a:xfrm>
+      </p:grpSpPr>
+      <p:sp>
+        <p:nvSpPr>
+          <p:cNvPr id="2" name="제목 1"/>
+          <p:cNvSpPr>
+            <a:spLocks noGrp="1"/>
+          </p:cNvSpPr>
+          <p:nvPr>
+            <p:ph type="title"/>
+          </p:nvPr>
+        </p:nvSpPr>
+        <p:spPr/>
+        <p:txBody>
+          <a:bodyPr/>
+          <a:lstStyle/>
+          <a:p>
+            <a:r>
+              <a:rPr lang="ko-KR" altLang="en-US" dirty="0"/>
+              <a:t>인스턴스의 생성 및 소멸</a:t>
+            </a:r>
+            <a:endParaRPr lang="ko-KR" altLang="en-US" dirty="0"/>
+          </a:p>
+        </p:txBody>
+      </p:sp>
+      <p:sp>
+        <p:nvSpPr>
+          <p:cNvPr id="3" name="내용 개체 틀 2"/>
+          <p:cNvSpPr>
+            <a:spLocks noGrp="1"/>
+          </p:cNvSpPr>
+          <p:nvPr>
+            <p:ph idx="1"/>
+          </p:nvPr>
+        </p:nvSpPr>
+        <p:spPr/>
+        <p:txBody>
+          <a:bodyPr>
+            <a:normAutofit/>
+          </a:bodyPr>
+          <a:lstStyle/>
+          <a:p>
+            <a:r>
+              <a:rPr lang="en-US" altLang="ko-KR" dirty="0"/>
+              <a:t>initializer</a:t>
+            </a:r>
+            <a:r>
+              <a:rPr lang="ko-KR" altLang="en-US" dirty="0"/>
+              <a:t>의 매개변수</a:t>
+            </a:r>
+            <a:endParaRPr lang="en-US" altLang="ko-KR" dirty="0" smtClean="0"/>
+          </a:p>
+          <a:p>
+            <a:pPr lvl="1"/>
+            <a:r>
+              <a:rPr lang="ko-KR" altLang="en-US" dirty="0"/>
+              <a:t>사용자 정의 </a:t>
+            </a:r>
+            <a:r>
+              <a:rPr lang="en-US" altLang="ko-KR" dirty="0"/>
+              <a:t>initializer</a:t>
+            </a:r>
+            <a:r>
+              <a:rPr lang="ko-KR" altLang="en-US" dirty="0"/>
+              <a:t>를 </a:t>
+            </a:r>
+            <a:r>
+              <a:rPr lang="ko-KR" altLang="en-US" dirty="0" smtClean="0"/>
+              <a:t>정의할 수 있음</a:t>
+            </a:r>
+            <a:endParaRPr lang="en-US" altLang="ko-KR" dirty="0" smtClean="0"/>
+          </a:p>
+          <a:p>
+            <a:pPr lvl="1"/>
+            <a:r>
+              <a:rPr lang="ko-KR" altLang="en-US" dirty="0" smtClean="0"/>
+              <a:t>기본 </a:t>
+            </a:r>
+            <a:r>
+              <a:rPr lang="en-US" altLang="ko-KR" dirty="0"/>
+              <a:t>initializer</a:t>
+            </a:r>
+            <a:r>
+              <a:rPr lang="ko-KR" altLang="en-US" dirty="0"/>
+              <a:t>는 사용 불가</a:t>
+            </a:r>
+            <a:r>
+              <a:rPr lang="en-US" altLang="ko-KR" dirty="0"/>
+              <a:t>. </a:t>
+            </a:r>
+            <a:r>
+              <a:rPr lang="ko-KR" altLang="en-US" dirty="0"/>
+              <a:t>따로 구현해야 </a:t>
+            </a:r>
+            <a:r>
+              <a:rPr lang="ko-KR" altLang="en-US" dirty="0" smtClean="0"/>
+              <a:t>함</a:t>
+            </a:r>
+            <a:endParaRPr lang="en-US" altLang="ko-KR" dirty="0" smtClean="0"/>
+          </a:p>
+          <a:p>
+            <a:endParaRPr lang="en-US" altLang="ko-KR" dirty="0"/>
+          </a:p>
+          <a:p>
+            <a:endParaRPr lang="en-US" altLang="ko-KR" dirty="0" smtClean="0"/>
+          </a:p>
+          <a:p>
+            <a:endParaRPr lang="en-US" altLang="ko-KR" dirty="0"/>
+          </a:p>
+          <a:p>
+            <a:pPr marL="454914" lvl="1" indent="0">
+              <a:buNone/>
+            </a:pPr>
+            <a:endParaRPr lang="en-US" altLang="ko-KR" dirty="0" smtClean="0"/>
+          </a:p>
+          <a:p>
+            <a:endParaRPr lang="en-US" altLang="ko-KR" dirty="0"/>
+          </a:p>
+          <a:p>
+            <a:endParaRPr lang="en-US" altLang="ko-KR" dirty="0" smtClean="0"/>
+          </a:p>
+          <a:p>
+            <a:endParaRPr lang="en-US" altLang="ko-KR" dirty="0"/>
+          </a:p>
+          <a:p>
+            <a:endParaRPr lang="en-US" altLang="ko-KR" dirty="0" smtClean="0"/>
+          </a:p>
+          <a:p>
+            <a:endParaRPr lang="en-US" altLang="ko-KR" dirty="0"/>
+          </a:p>
+        </p:txBody>
+      </p:sp>
+      <p:sp>
+        <p:nvSpPr>
+          <p:cNvPr id="6" name="TextBox 5"/>
+          <p:cNvSpPr txBox="1"/>
+          <p:nvPr/>
+        </p:nvSpPr>
+        <p:spPr>
+          <a:xfrm>
+            <a:off x="539552" y="1988840"/>
+            <a:ext cx="4104456" cy="4478149"/>
+          </a:xfrm>
+          <a:prstGeom prst="rect">
+            <a:avLst/>
+          </a:prstGeom>
+          <a:noFill/>
+        </p:spPr>
+        <p:txBody>
+          <a:bodyPr wrap="square" rtlCol="0">
+            <a:spAutoFit/>
+          </a:bodyPr>
+          <a:lstStyle/>
+          <a:p>
+            <a:r>
+              <a:rPr lang="en-US" altLang="ko-KR" sz="1500" dirty="0" err="1"/>
+              <a:t>struct</a:t>
+            </a:r>
+            <a:r>
+              <a:rPr lang="en-US" altLang="ko-KR" sz="1500" dirty="0"/>
+              <a:t> </a:t>
+            </a:r>
+            <a:r>
+              <a:rPr lang="en-US" altLang="ko-KR" sz="1500" dirty="0" err="1"/>
+              <a:t>AreaStruct</a:t>
+            </a:r>
+            <a:r>
+              <a:rPr lang="en-US" altLang="ko-KR" sz="1500" dirty="0"/>
+              <a:t> {</a:t>
+            </a:r>
+          </a:p>
+          <a:p>
+            <a:r>
+              <a:rPr lang="en-US" altLang="ko-KR" sz="1500" dirty="0" smtClean="0"/>
+              <a:t>      </a:t>
+            </a:r>
+            <a:r>
+              <a:rPr lang="en-US" altLang="ko-KR" sz="1500" dirty="0" err="1" smtClean="0"/>
+              <a:t>var</a:t>
+            </a:r>
+            <a:r>
+              <a:rPr lang="en-US" altLang="ko-KR" sz="1500" dirty="0" smtClean="0"/>
+              <a:t> </a:t>
+            </a:r>
+            <a:r>
+              <a:rPr lang="en-US" altLang="ko-KR" sz="1500" dirty="0" err="1" smtClean="0"/>
+              <a:t>squarMeter</a:t>
+            </a:r>
+            <a:r>
+              <a:rPr lang="en-US" altLang="ko-KR" sz="1500" dirty="0" smtClean="0"/>
+              <a:t>: Double</a:t>
+            </a:r>
+          </a:p>
+          <a:p>
+            <a:endParaRPr lang="en-US" altLang="ko-KR" sz="1500" dirty="0"/>
+          </a:p>
+          <a:p>
+            <a:r>
+              <a:rPr lang="en-US" altLang="ko-KR" sz="1500" dirty="0" smtClean="0"/>
+              <a:t>      </a:t>
+            </a:r>
+            <a:r>
+              <a:rPr lang="en-US" altLang="ko-KR" sz="1500" dirty="0" err="1" smtClean="0">
+                <a:solidFill>
+                  <a:schemeClr val="accent2"/>
+                </a:solidFill>
+              </a:rPr>
+              <a:t>init</a:t>
+            </a:r>
+            <a:r>
+              <a:rPr lang="en-US" altLang="ko-KR" sz="1500" dirty="0" smtClean="0"/>
+              <a:t> </a:t>
+            </a:r>
+            <a:r>
+              <a:rPr lang="en-US" altLang="ko-KR" sz="1500" dirty="0"/>
+              <a:t>(</a:t>
+            </a:r>
+            <a:r>
+              <a:rPr lang="en-US" altLang="ko-KR" sz="1500" dirty="0" err="1"/>
+              <a:t>fromPy</a:t>
+            </a:r>
+            <a:r>
+              <a:rPr lang="en-US" altLang="ko-KR" sz="1500" dirty="0"/>
+              <a:t> </a:t>
+            </a:r>
+            <a:r>
+              <a:rPr lang="en-US" altLang="ko-KR" sz="1500" dirty="0" err="1"/>
+              <a:t>py</a:t>
+            </a:r>
+            <a:r>
+              <a:rPr lang="en-US" altLang="ko-KR" sz="1500" dirty="0"/>
+              <a:t>: Double) {</a:t>
+            </a:r>
+          </a:p>
+          <a:p>
+            <a:r>
+              <a:rPr lang="en-US" altLang="ko-KR" sz="1500" dirty="0"/>
+              <a:t>	</a:t>
+            </a:r>
+            <a:r>
+              <a:rPr lang="en-US" altLang="ko-KR" sz="1500" dirty="0" err="1"/>
+              <a:t>squarMeter</a:t>
+            </a:r>
+            <a:r>
+              <a:rPr lang="en-US" altLang="ko-KR" sz="1500" dirty="0"/>
+              <a:t> = </a:t>
+            </a:r>
+            <a:r>
+              <a:rPr lang="en-US" altLang="ko-KR" sz="1500" dirty="0" err="1"/>
+              <a:t>py</a:t>
+            </a:r>
+            <a:r>
+              <a:rPr lang="en-US" altLang="ko-KR" sz="1500" dirty="0"/>
+              <a:t> * 3.3058</a:t>
+            </a:r>
+          </a:p>
+          <a:p>
+            <a:r>
+              <a:rPr lang="en-US" altLang="ko-KR" sz="1500" dirty="0" smtClean="0"/>
+              <a:t>      }</a:t>
+            </a:r>
+            <a:endParaRPr lang="en-US" altLang="ko-KR" sz="1500" dirty="0"/>
+          </a:p>
+          <a:p>
+            <a:endParaRPr lang="en-US" altLang="ko-KR" sz="1500" dirty="0"/>
+          </a:p>
+          <a:p>
+            <a:r>
+              <a:rPr lang="en-US" altLang="ko-KR" sz="1500" dirty="0" smtClean="0"/>
+              <a:t>      </a:t>
+            </a:r>
+            <a:r>
+              <a:rPr lang="en-US" altLang="ko-KR" sz="1500" dirty="0" err="1" smtClean="0">
+                <a:solidFill>
+                  <a:schemeClr val="accent2"/>
+                </a:solidFill>
+              </a:rPr>
+              <a:t>init</a:t>
+            </a:r>
+            <a:r>
+              <a:rPr lang="en-US" altLang="ko-KR" sz="1500" dirty="0" smtClean="0"/>
+              <a:t> </a:t>
+            </a:r>
+            <a:r>
+              <a:rPr lang="en-US" altLang="ko-KR" sz="1500" dirty="0"/>
+              <a:t>(</a:t>
+            </a:r>
+            <a:r>
+              <a:rPr lang="en-US" altLang="ko-KR" sz="1500" dirty="0" err="1"/>
+              <a:t>fromSquareMether</a:t>
+            </a:r>
+            <a:r>
+              <a:rPr lang="en-US" altLang="ko-KR" sz="1500" dirty="0"/>
+              <a:t> </a:t>
+            </a:r>
+            <a:r>
+              <a:rPr lang="en-US" altLang="ko-KR" sz="1500" dirty="0" err="1"/>
+              <a:t>squarMeter</a:t>
+            </a:r>
+            <a:r>
+              <a:rPr lang="en-US" altLang="ko-KR" sz="1500" dirty="0"/>
+              <a:t>: Double</a:t>
+            </a:r>
+            <a:r>
+              <a:rPr lang="en-US" altLang="ko-KR" sz="1500" dirty="0" smtClean="0"/>
+              <a:t>) {</a:t>
+            </a:r>
+            <a:endParaRPr lang="en-US" altLang="ko-KR" sz="1500" dirty="0"/>
+          </a:p>
+          <a:p>
+            <a:r>
+              <a:rPr lang="en-US" altLang="ko-KR" sz="1500" dirty="0" smtClean="0"/>
+              <a:t>	</a:t>
+            </a:r>
+            <a:r>
+              <a:rPr lang="en-US" altLang="ko-KR" sz="1500" dirty="0" err="1" smtClean="0"/>
+              <a:t>self.squarMeter</a:t>
+            </a:r>
+            <a:r>
+              <a:rPr lang="en-US" altLang="ko-KR" sz="1500" dirty="0" smtClean="0"/>
+              <a:t> = </a:t>
+            </a:r>
+            <a:r>
+              <a:rPr lang="en-US" altLang="ko-KR" sz="1500" dirty="0" err="1" smtClean="0"/>
+              <a:t>squarMeter</a:t>
+            </a:r>
+            <a:endParaRPr lang="en-US" altLang="ko-KR" sz="1500" dirty="0" smtClean="0"/>
+          </a:p>
+          <a:p>
+            <a:r>
+              <a:rPr lang="en-US" altLang="ko-KR" sz="1500" dirty="0" smtClean="0"/>
+              <a:t>      }</a:t>
+            </a:r>
+          </a:p>
+          <a:p>
+            <a:endParaRPr lang="en-US" altLang="ko-KR" sz="1500" dirty="0"/>
+          </a:p>
+          <a:p>
+            <a:r>
+              <a:rPr lang="en-US" altLang="ko-KR" sz="1500" dirty="0" smtClean="0"/>
+              <a:t>      </a:t>
+            </a:r>
+            <a:r>
+              <a:rPr lang="en-US" altLang="ko-KR" sz="1500" dirty="0" err="1" smtClean="0">
+                <a:solidFill>
+                  <a:schemeClr val="accent2"/>
+                </a:solidFill>
+              </a:rPr>
+              <a:t>init</a:t>
+            </a:r>
+            <a:r>
+              <a:rPr lang="en-US" altLang="ko-KR" sz="1500" dirty="0" smtClean="0"/>
+              <a:t> </a:t>
+            </a:r>
+            <a:r>
+              <a:rPr lang="en-US" altLang="ko-KR" sz="1500" dirty="0"/>
+              <a:t>(value: Double) {</a:t>
+            </a:r>
+          </a:p>
+          <a:p>
+            <a:r>
+              <a:rPr lang="en-US" altLang="ko-KR" sz="1500" dirty="0"/>
+              <a:t>	</a:t>
+            </a:r>
+            <a:r>
+              <a:rPr lang="en-US" altLang="ko-KR" sz="1500" dirty="0" err="1"/>
+              <a:t>squarMeter</a:t>
+            </a:r>
+            <a:r>
+              <a:rPr lang="en-US" altLang="ko-KR" sz="1500" dirty="0"/>
+              <a:t> = value</a:t>
+            </a:r>
+          </a:p>
+          <a:p>
+            <a:r>
+              <a:rPr lang="en-US" altLang="ko-KR" sz="1500" dirty="0" smtClean="0"/>
+              <a:t>      }</a:t>
+            </a:r>
+            <a:endParaRPr lang="en-US" altLang="ko-KR" sz="1500" dirty="0"/>
+          </a:p>
+          <a:p>
+            <a:endParaRPr lang="en-US" altLang="ko-KR" sz="1500" dirty="0"/>
+          </a:p>
+          <a:p>
+            <a:r>
+              <a:rPr lang="en-US" altLang="ko-KR" sz="1500" dirty="0" smtClean="0"/>
+              <a:t>      </a:t>
+            </a:r>
+            <a:r>
+              <a:rPr lang="en-US" altLang="ko-KR" sz="1500" dirty="0" err="1" smtClean="0">
+                <a:solidFill>
+                  <a:schemeClr val="accent2"/>
+                </a:solidFill>
+              </a:rPr>
+              <a:t>init</a:t>
+            </a:r>
+            <a:r>
+              <a:rPr lang="en-US" altLang="ko-KR" sz="1500" dirty="0" smtClean="0"/>
+              <a:t> </a:t>
+            </a:r>
+            <a:r>
+              <a:rPr lang="en-US" altLang="ko-KR" sz="1500" dirty="0"/>
+              <a:t>(_ value: Double) {</a:t>
+            </a:r>
+          </a:p>
+          <a:p>
+            <a:r>
+              <a:rPr lang="en-US" altLang="ko-KR" sz="1500" dirty="0"/>
+              <a:t>	</a:t>
+            </a:r>
+            <a:r>
+              <a:rPr lang="en-US" altLang="ko-KR" sz="1500" dirty="0" err="1"/>
+              <a:t>squarMeter</a:t>
+            </a:r>
+            <a:r>
+              <a:rPr lang="en-US" altLang="ko-KR" sz="1500" dirty="0"/>
+              <a:t> = value</a:t>
+            </a:r>
+          </a:p>
+          <a:p>
+            <a:r>
+              <a:rPr lang="en-US" altLang="ko-KR" sz="1500" dirty="0" smtClean="0"/>
+              <a:t>      }</a:t>
+            </a:r>
+            <a:endParaRPr lang="en-US" altLang="ko-KR" sz="1500" dirty="0"/>
+          </a:p>
+          <a:p>
+            <a:r>
+              <a:rPr lang="en-US" altLang="ko-KR" sz="1500" dirty="0"/>
+              <a:t>}</a:t>
+            </a:r>
+          </a:p>
+        </p:txBody>
+      </p:sp>
+      <p:sp>
+        <p:nvSpPr>
+          <p:cNvPr id="7" name="TextBox 6"/>
+          <p:cNvSpPr txBox="1"/>
+          <p:nvPr/>
+        </p:nvSpPr>
+        <p:spPr>
+          <a:xfrm>
+            <a:off x="4664373" y="1988840"/>
+            <a:ext cx="4104456" cy="3323987"/>
+          </a:xfrm>
+          <a:prstGeom prst="rect">
+            <a:avLst/>
+          </a:prstGeom>
+          <a:noFill/>
+        </p:spPr>
+        <p:txBody>
+          <a:bodyPr wrap="square" rtlCol="0">
+            <a:spAutoFit/>
+          </a:bodyPr>
+          <a:lstStyle/>
+          <a:p>
+            <a:r>
+              <a:rPr lang="en-US" altLang="ko-KR" sz="1400" dirty="0"/>
+              <a:t>let </a:t>
+            </a:r>
+            <a:r>
+              <a:rPr lang="en-US" altLang="ko-KR" sz="1400" dirty="0" err="1"/>
+              <a:t>roomOne</a:t>
+            </a:r>
+            <a:r>
+              <a:rPr lang="en-US" altLang="ko-KR" sz="1400" dirty="0"/>
+              <a:t>: </a:t>
+            </a:r>
+            <a:r>
+              <a:rPr lang="en-US" altLang="ko-KR" sz="1400" dirty="0" err="1"/>
+              <a:t>AreaStruct</a:t>
+            </a:r>
+            <a:r>
+              <a:rPr lang="en-US" altLang="ko-KR" sz="1400" dirty="0"/>
+              <a:t> = </a:t>
+            </a:r>
+            <a:r>
+              <a:rPr lang="en-US" altLang="ko-KR" sz="1400" dirty="0" err="1">
+                <a:solidFill>
+                  <a:schemeClr val="accent3"/>
+                </a:solidFill>
+              </a:rPr>
+              <a:t>AreaStruct</a:t>
+            </a:r>
+            <a:r>
+              <a:rPr lang="en-US" altLang="ko-KR" sz="1400" dirty="0">
+                <a:solidFill>
+                  <a:schemeClr val="accent3"/>
+                </a:solidFill>
+              </a:rPr>
+              <a:t>(</a:t>
+            </a:r>
+            <a:r>
+              <a:rPr lang="en-US" altLang="ko-KR" sz="1400" dirty="0" err="1">
+                <a:solidFill>
+                  <a:schemeClr val="accent3"/>
+                </a:solidFill>
+              </a:rPr>
+              <a:t>fromPy</a:t>
+            </a:r>
+            <a:r>
+              <a:rPr lang="en-US" altLang="ko-KR" sz="1400" dirty="0">
+                <a:solidFill>
+                  <a:schemeClr val="accent3"/>
+                </a:solidFill>
+              </a:rPr>
+              <a:t>: 15.0)</a:t>
+            </a:r>
+          </a:p>
+          <a:p>
+            <a:r>
+              <a:rPr lang="en-US" altLang="ko-KR" sz="1400" dirty="0"/>
+              <a:t>print(</a:t>
+            </a:r>
+            <a:r>
+              <a:rPr lang="en-US" altLang="ko-KR" sz="1400" dirty="0" err="1"/>
+              <a:t>roomOne.squarMeter</a:t>
+            </a:r>
+            <a:r>
+              <a:rPr lang="en-US" altLang="ko-KR" sz="1400" dirty="0"/>
+              <a:t>) // 15.0 * 3.3058</a:t>
+            </a:r>
+          </a:p>
+          <a:p>
+            <a:endParaRPr lang="en-US" altLang="ko-KR" sz="1400" dirty="0" smtClean="0"/>
+          </a:p>
+          <a:p>
+            <a:endParaRPr lang="en-US" altLang="ko-KR" sz="1400" dirty="0"/>
+          </a:p>
+          <a:p>
+            <a:r>
+              <a:rPr lang="en-US" altLang="ko-KR" sz="1400" dirty="0"/>
+              <a:t>let </a:t>
+            </a:r>
+            <a:r>
+              <a:rPr lang="en-US" altLang="ko-KR" sz="1400" dirty="0" err="1"/>
+              <a:t>roomTwo</a:t>
+            </a:r>
+            <a:r>
+              <a:rPr lang="en-US" altLang="ko-KR" sz="1400" dirty="0"/>
+              <a:t>: </a:t>
+            </a:r>
+            <a:r>
+              <a:rPr lang="en-US" altLang="ko-KR" sz="1400" dirty="0" err="1"/>
+              <a:t>AreaStruct</a:t>
+            </a:r>
+            <a:r>
+              <a:rPr lang="en-US" altLang="ko-KR" sz="1400" dirty="0"/>
+              <a:t> = </a:t>
+            </a:r>
+            <a:r>
+              <a:rPr lang="en-US" altLang="ko-KR" sz="1400" dirty="0" err="1">
+                <a:solidFill>
+                  <a:schemeClr val="accent3"/>
+                </a:solidFill>
+              </a:rPr>
+              <a:t>AreaStruct</a:t>
+            </a:r>
+            <a:r>
+              <a:rPr lang="en-US" altLang="ko-KR" sz="1400" dirty="0">
+                <a:solidFill>
+                  <a:schemeClr val="accent3"/>
+                </a:solidFill>
+              </a:rPr>
+              <a:t>(</a:t>
+            </a:r>
+            <a:r>
+              <a:rPr lang="en-US" altLang="ko-KR" sz="1400" dirty="0" err="1">
+                <a:solidFill>
+                  <a:schemeClr val="accent3"/>
+                </a:solidFill>
+              </a:rPr>
+              <a:t>fromSquareMether</a:t>
+            </a:r>
+            <a:r>
+              <a:rPr lang="en-US" altLang="ko-KR" sz="1400" dirty="0">
+                <a:solidFill>
+                  <a:schemeClr val="accent3"/>
+                </a:solidFill>
+              </a:rPr>
+              <a:t>: 33.06)</a:t>
+            </a:r>
+          </a:p>
+          <a:p>
+            <a:r>
+              <a:rPr lang="en-US" altLang="ko-KR" sz="1400" dirty="0"/>
+              <a:t>print(</a:t>
+            </a:r>
+            <a:r>
+              <a:rPr lang="en-US" altLang="ko-KR" sz="1400" dirty="0" err="1"/>
+              <a:t>roomTwo.squarMeter</a:t>
+            </a:r>
+            <a:r>
+              <a:rPr lang="en-US" altLang="ko-KR" sz="1400" dirty="0"/>
+              <a:t>) // </a:t>
+            </a:r>
+            <a:r>
+              <a:rPr lang="en-US" altLang="ko-KR" sz="1400" dirty="0" err="1"/>
+              <a:t>fromSquareMether</a:t>
+            </a:r>
+            <a:endParaRPr lang="en-US" altLang="ko-KR" sz="1400" dirty="0"/>
+          </a:p>
+          <a:p>
+            <a:endParaRPr lang="en-US" altLang="ko-KR" sz="1400" dirty="0" smtClean="0"/>
+          </a:p>
+          <a:p>
+            <a:endParaRPr lang="en-US" altLang="ko-KR" sz="1400" dirty="0"/>
+          </a:p>
+          <a:p>
+            <a:r>
+              <a:rPr lang="en-US" altLang="ko-KR" sz="1400" dirty="0"/>
+              <a:t>let </a:t>
+            </a:r>
+            <a:r>
+              <a:rPr lang="en-US" altLang="ko-KR" sz="1400" dirty="0" err="1"/>
+              <a:t>roomThree</a:t>
+            </a:r>
+            <a:r>
+              <a:rPr lang="en-US" altLang="ko-KR" sz="1400" dirty="0"/>
+              <a:t>: </a:t>
+            </a:r>
+            <a:r>
+              <a:rPr lang="en-US" altLang="ko-KR" sz="1400" dirty="0" err="1"/>
+              <a:t>AreaStruct</a:t>
+            </a:r>
+            <a:r>
+              <a:rPr lang="en-US" altLang="ko-KR" sz="1400" dirty="0"/>
+              <a:t> = </a:t>
+            </a:r>
+            <a:r>
+              <a:rPr lang="en-US" altLang="ko-KR" sz="1400" dirty="0" err="1">
+                <a:solidFill>
+                  <a:schemeClr val="accent3"/>
+                </a:solidFill>
+              </a:rPr>
+              <a:t>AreaStruct</a:t>
+            </a:r>
+            <a:r>
+              <a:rPr lang="en-US" altLang="ko-KR" sz="1400" dirty="0">
+                <a:solidFill>
+                  <a:schemeClr val="accent3"/>
+                </a:solidFill>
+              </a:rPr>
+              <a:t>(value: 45.0)</a:t>
+            </a:r>
+          </a:p>
+          <a:p>
+            <a:r>
+              <a:rPr lang="en-US" altLang="ko-KR" sz="1400" dirty="0"/>
+              <a:t>print(</a:t>
+            </a:r>
+            <a:r>
+              <a:rPr lang="en-US" altLang="ko-KR" sz="1400" dirty="0" err="1"/>
+              <a:t>roomThree.squarMeter</a:t>
+            </a:r>
+            <a:r>
+              <a:rPr lang="en-US" altLang="ko-KR" sz="1400" dirty="0"/>
+              <a:t>) // value</a:t>
+            </a:r>
+          </a:p>
+          <a:p>
+            <a:endParaRPr lang="en-US" altLang="ko-KR" sz="1400" dirty="0" smtClean="0"/>
+          </a:p>
+          <a:p>
+            <a:endParaRPr lang="en-US" altLang="ko-KR" sz="1400" dirty="0"/>
+          </a:p>
+          <a:p>
+            <a:r>
+              <a:rPr lang="en-US" altLang="ko-KR" sz="1400" dirty="0"/>
+              <a:t>let </a:t>
+            </a:r>
+            <a:r>
+              <a:rPr lang="en-US" altLang="ko-KR" sz="1400" dirty="0" err="1"/>
+              <a:t>roomFour</a:t>
+            </a:r>
+            <a:r>
+              <a:rPr lang="en-US" altLang="ko-KR" sz="1400" dirty="0"/>
+              <a:t>: </a:t>
+            </a:r>
+            <a:r>
+              <a:rPr lang="en-US" altLang="ko-KR" sz="1400" dirty="0" err="1"/>
+              <a:t>AreaStruct</a:t>
+            </a:r>
+            <a:r>
+              <a:rPr lang="en-US" altLang="ko-KR" sz="1400" dirty="0"/>
+              <a:t> = </a:t>
+            </a:r>
+            <a:r>
+              <a:rPr lang="en-US" altLang="ko-KR" sz="1400" dirty="0" err="1">
+                <a:solidFill>
+                  <a:schemeClr val="accent3"/>
+                </a:solidFill>
+              </a:rPr>
+              <a:t>AreaStruct</a:t>
+            </a:r>
+            <a:r>
+              <a:rPr lang="en-US" altLang="ko-KR" sz="1400" dirty="0">
+                <a:solidFill>
+                  <a:schemeClr val="accent3"/>
+                </a:solidFill>
+              </a:rPr>
+              <a:t>(39.0)</a:t>
+            </a:r>
+          </a:p>
+          <a:p>
+            <a:r>
+              <a:rPr lang="en-US" altLang="ko-KR" sz="1400" dirty="0"/>
+              <a:t>print(</a:t>
+            </a:r>
+            <a:r>
+              <a:rPr lang="en-US" altLang="ko-KR" sz="1400" dirty="0" err="1"/>
+              <a:t>roomFour.squarMeter</a:t>
+            </a:r>
+            <a:r>
+              <a:rPr lang="en-US" altLang="ko-KR" sz="1400" dirty="0"/>
+              <a:t>) // 39.0</a:t>
+            </a:r>
+          </a:p>
+        </p:txBody>
+      </p:sp>
+    </p:spTree>
+    <p:extLst>
+      <p:ext uri="{BB962C8B-B14F-4D97-AF65-F5344CB8AC3E}">
+        <p14:creationId xmlns:p14="http://schemas.microsoft.com/office/powerpoint/2010/main" val="2606720262"/>
+      </p:ext>
+    </p:extLst>
+  </p:cSld>
+  <p:clrMapOvr>
+    <a:masterClrMapping/>
+  </p:clrMapOvr>
+</p:sld>
+</file>
+
+<file path=ppt/slides/slide88.xml><?xml version="1.0" encoding="utf-8"?>
+<p:sld xmlns:a="http://schemas.openxmlformats.org/drawingml/2006/main" xmlns:r="http://schemas.openxmlformats.org/officeDocument/2006/relationships" xmlns:p="http://schemas.openxmlformats.org/presentationml/2006/main">
+  <p:cSld>
+    <p:spTree>
+      <p:nvGrpSpPr>
+        <p:cNvPr id="1" name=""/>
+        <p:cNvGrpSpPr/>
+        <p:nvPr/>
+      </p:nvGrpSpPr>
+      <p:grpSpPr>
+        <a:xfrm>
+          <a:off x="0" y="0"/>
+          <a:ext cx="0" cy="0"/>
+          <a:chOff x="0" y="0"/>
+          <a:chExt cx="0" cy="0"/>
+        </a:xfrm>
+      </p:grpSpPr>
+      <p:sp>
+        <p:nvSpPr>
+          <p:cNvPr id="2" name="제목 1"/>
+          <p:cNvSpPr>
+            <a:spLocks noGrp="1"/>
+          </p:cNvSpPr>
+          <p:nvPr>
+            <p:ph type="title"/>
+          </p:nvPr>
+        </p:nvSpPr>
+        <p:spPr/>
+        <p:txBody>
+          <a:bodyPr/>
+          <a:lstStyle/>
+          <a:p>
+            <a:r>
+              <a:rPr lang="ko-KR" altLang="en-US" dirty="0"/>
+              <a:t>인스턴스의 생성 및 소멸</a:t>
+            </a:r>
+            <a:endParaRPr lang="ko-KR" altLang="en-US" dirty="0"/>
+          </a:p>
+        </p:txBody>
+      </p:sp>
+      <p:sp>
+        <p:nvSpPr>
+          <p:cNvPr id="3" name="내용 개체 틀 2"/>
+          <p:cNvSpPr>
+            <a:spLocks noGrp="1"/>
+          </p:cNvSpPr>
+          <p:nvPr>
+            <p:ph idx="1"/>
+          </p:nvPr>
+        </p:nvSpPr>
+        <p:spPr/>
+        <p:txBody>
+          <a:bodyPr>
+            <a:normAutofit/>
+          </a:bodyPr>
+          <a:lstStyle/>
+          <a:p>
+            <a:r>
+              <a:rPr lang="en-US" altLang="ko-KR" dirty="0"/>
+              <a:t>initializer</a:t>
+            </a:r>
+            <a:r>
+              <a:rPr lang="ko-KR" altLang="en-US" dirty="0"/>
+              <a:t>의 매개변수</a:t>
+            </a:r>
+            <a:endParaRPr lang="en-US" altLang="ko-KR" dirty="0"/>
+          </a:p>
+          <a:p>
+            <a:endParaRPr lang="en-US" altLang="ko-KR" dirty="0" smtClean="0"/>
+          </a:p>
+          <a:p>
+            <a:endParaRPr lang="en-US" altLang="ko-KR" dirty="0" smtClean="0"/>
+          </a:p>
+          <a:p>
+            <a:endParaRPr lang="en-US" altLang="ko-KR" dirty="0"/>
+          </a:p>
+          <a:p>
+            <a:endParaRPr lang="en-US" altLang="ko-KR" dirty="0" smtClean="0"/>
+          </a:p>
+          <a:p>
+            <a:endParaRPr lang="en-US" altLang="ko-KR" dirty="0"/>
+          </a:p>
+        </p:txBody>
+      </p:sp>
+      <p:pic>
+        <p:nvPicPr>
+          <p:cNvPr id="9" name="그림 8"/>
+          <p:cNvPicPr>
+            <a:picLocks noChangeAspect="1"/>
+          </p:cNvPicPr>
+          <p:nvPr/>
+        </p:nvPicPr>
+        <p:blipFill rotWithShape="1">
+          <a:blip r:embed="rId2"/>
+          <a:srcRect t="10340" r="34586" b="712"/>
+          <a:stretch/>
+        </p:blipFill>
+        <p:spPr>
+          <a:xfrm>
+            <a:off x="1259632" y="1248601"/>
+            <a:ext cx="5688632" cy="5574754"/>
+          </a:xfrm>
+          <a:prstGeom prst="rect">
+            <a:avLst/>
+          </a:prstGeom>
+        </p:spPr>
+      </p:pic>
+    </p:spTree>
+    <p:extLst>
+      <p:ext uri="{BB962C8B-B14F-4D97-AF65-F5344CB8AC3E}">
+        <p14:creationId xmlns:p14="http://schemas.microsoft.com/office/powerpoint/2010/main" val="4032694157"/>
+      </p:ext>
+    </p:extLst>
+  </p:cSld>
+  <p:clrMapOvr>
+    <a:masterClrMapping/>
+  </p:clrMapOvr>
+</p:sld>
+</file>
+
+<file path=ppt/slides/slide89.xml><?xml version="1.0" encoding="utf-8"?>
+<p:sld xmlns:a="http://schemas.openxmlformats.org/drawingml/2006/main" xmlns:r="http://schemas.openxmlformats.org/officeDocument/2006/relationships" xmlns:p="http://schemas.openxmlformats.org/presentationml/2006/main">
+  <p:cSld>
+    <p:spTree>
+      <p:nvGrpSpPr>
+        <p:cNvPr id="1" name=""/>
+        <p:cNvGrpSpPr/>
+        <p:nvPr/>
+      </p:nvGrpSpPr>
+      <p:grpSpPr>
+        <a:xfrm>
+          <a:off x="0" y="0"/>
+          <a:ext cx="0" cy="0"/>
+          <a:chOff x="0" y="0"/>
+          <a:chExt cx="0" cy="0"/>
+        </a:xfrm>
+      </p:grpSpPr>
+      <p:sp>
+        <p:nvSpPr>
+          <p:cNvPr id="2" name="제목 1"/>
+          <p:cNvSpPr>
+            <a:spLocks noGrp="1"/>
+          </p:cNvSpPr>
+          <p:nvPr>
+            <p:ph type="title"/>
+          </p:nvPr>
+        </p:nvSpPr>
+        <p:spPr/>
+        <p:txBody>
+          <a:bodyPr/>
+          <a:lstStyle/>
+          <a:p>
+            <a:r>
+              <a:rPr lang="ko-KR" altLang="en-US" dirty="0"/>
+              <a:t>인스턴스의 생성 및 소멸</a:t>
+            </a:r>
+            <a:endParaRPr lang="ko-KR" altLang="en-US" dirty="0"/>
+          </a:p>
+        </p:txBody>
+      </p:sp>
+      <p:sp>
+        <p:nvSpPr>
+          <p:cNvPr id="3" name="내용 개체 틀 2"/>
+          <p:cNvSpPr>
+            <a:spLocks noGrp="1"/>
+          </p:cNvSpPr>
+          <p:nvPr>
+            <p:ph idx="1"/>
+          </p:nvPr>
+        </p:nvSpPr>
+        <p:spPr/>
+        <p:txBody>
+          <a:bodyPr>
+            <a:normAutofit/>
+          </a:bodyPr>
+          <a:lstStyle/>
+          <a:p>
+            <a:r>
+              <a:rPr lang="en-US" altLang="ko-KR" dirty="0"/>
+              <a:t>optional property </a:t>
+            </a:r>
+            <a:r>
+              <a:rPr lang="en-US" altLang="ko-KR" dirty="0" smtClean="0"/>
+              <a:t>type</a:t>
+            </a:r>
+          </a:p>
+          <a:p>
+            <a:pPr lvl="1"/>
+            <a:r>
+              <a:rPr lang="ko-KR" altLang="en-US" dirty="0"/>
+              <a:t>값을 꼭 가지지 않아도 되는 </a:t>
+            </a:r>
+            <a:r>
+              <a:rPr lang="en-US" altLang="ko-KR" dirty="0" smtClean="0"/>
+              <a:t>property</a:t>
+            </a:r>
+          </a:p>
+          <a:p>
+            <a:pPr lvl="1"/>
+            <a:r>
+              <a:rPr lang="ko-KR" altLang="en-US" dirty="0"/>
+              <a:t>초기화 할 때 </a:t>
+            </a:r>
+            <a:r>
+              <a:rPr lang="en-US" altLang="ko-KR" dirty="0"/>
+              <a:t>property</a:t>
+            </a:r>
+            <a:r>
+              <a:rPr lang="ko-KR" altLang="en-US" dirty="0"/>
+              <a:t>의 값 지정이 어려운 </a:t>
+            </a:r>
+            <a:r>
+              <a:rPr lang="ko-KR" altLang="en-US" dirty="0" smtClean="0"/>
+              <a:t>경우</a:t>
+            </a:r>
+            <a:endParaRPr lang="en-US" altLang="ko-KR" dirty="0" smtClean="0"/>
+          </a:p>
+          <a:p>
+            <a:pPr lvl="1"/>
+            <a:r>
+              <a:rPr lang="en-US" altLang="ko-KR" dirty="0"/>
+              <a:t>optional</a:t>
+            </a:r>
+            <a:r>
+              <a:rPr lang="ko-KR" altLang="en-US" dirty="0"/>
+              <a:t>로 선언 </a:t>
+            </a:r>
+            <a:r>
+              <a:rPr lang="ko-KR" altLang="en-US" dirty="0" smtClean="0"/>
+              <a:t>가능</a:t>
+            </a:r>
+            <a:endParaRPr lang="en-US" altLang="ko-KR" dirty="0" smtClean="0"/>
+          </a:p>
+          <a:p>
+            <a:pPr lvl="1"/>
+            <a:r>
+              <a:rPr lang="ko-KR" altLang="en-US" dirty="0"/>
+              <a:t>값을 할당하지 않으면 자동적으로 </a:t>
+            </a:r>
+            <a:r>
+              <a:rPr lang="en-US" altLang="ko-KR" dirty="0"/>
+              <a:t>nil</a:t>
+            </a:r>
+            <a:r>
+              <a:rPr lang="ko-KR" altLang="en-US" dirty="0"/>
+              <a:t>이 할당</a:t>
+            </a:r>
+            <a:endParaRPr lang="en-US" altLang="ko-KR" dirty="0" smtClean="0"/>
+          </a:p>
+          <a:p>
+            <a:endParaRPr lang="en-US" altLang="ko-KR" dirty="0"/>
+          </a:p>
+          <a:p>
+            <a:endParaRPr lang="en-US" altLang="ko-KR" dirty="0" smtClean="0"/>
+          </a:p>
+          <a:p>
+            <a:endParaRPr lang="en-US" altLang="ko-KR" dirty="0"/>
+          </a:p>
+          <a:p>
+            <a:pPr marL="454914" lvl="1" indent="0">
+              <a:buNone/>
+            </a:pPr>
+            <a:endParaRPr lang="en-US" altLang="ko-KR" dirty="0" smtClean="0"/>
+          </a:p>
+          <a:p>
+            <a:endParaRPr lang="en-US" altLang="ko-KR" dirty="0"/>
+          </a:p>
+          <a:p>
+            <a:endParaRPr lang="en-US" altLang="ko-KR" dirty="0" smtClean="0"/>
+          </a:p>
+          <a:p>
+            <a:endParaRPr lang="en-US" altLang="ko-KR" dirty="0"/>
+          </a:p>
+          <a:p>
+            <a:endParaRPr lang="en-US" altLang="ko-KR" dirty="0" smtClean="0"/>
+          </a:p>
+          <a:p>
+            <a:endParaRPr lang="en-US" altLang="ko-KR" dirty="0"/>
+          </a:p>
+        </p:txBody>
+      </p:sp>
+      <p:sp>
+        <p:nvSpPr>
+          <p:cNvPr id="5" name="TextBox 4"/>
+          <p:cNvSpPr txBox="1"/>
+          <p:nvPr/>
+        </p:nvSpPr>
+        <p:spPr>
+          <a:xfrm>
+            <a:off x="1423323" y="2576512"/>
+            <a:ext cx="4156789" cy="4308872"/>
+          </a:xfrm>
+          <a:prstGeom prst="rect">
+            <a:avLst/>
+          </a:prstGeom>
+          <a:noFill/>
+        </p:spPr>
+        <p:txBody>
+          <a:bodyPr wrap="square" rtlCol="0">
+            <a:spAutoFit/>
+          </a:bodyPr>
+          <a:lstStyle/>
+          <a:p>
+            <a:r>
+              <a:rPr lang="en-US" altLang="ko-KR" sz="1600" dirty="0"/>
+              <a:t>class Person {</a:t>
+            </a:r>
+          </a:p>
+          <a:p>
+            <a:r>
+              <a:rPr lang="en-US" altLang="ko-KR" sz="1600" dirty="0" smtClean="0"/>
+              <a:t>      </a:t>
+            </a:r>
+            <a:r>
+              <a:rPr lang="en-US" altLang="ko-KR" sz="1600" dirty="0" err="1" smtClean="0"/>
+              <a:t>var</a:t>
+            </a:r>
+            <a:r>
+              <a:rPr lang="en-US" altLang="ko-KR" sz="1600" dirty="0" smtClean="0"/>
+              <a:t> </a:t>
+            </a:r>
+            <a:r>
+              <a:rPr lang="en-US" altLang="ko-KR" sz="1600" dirty="0"/>
+              <a:t>name: String</a:t>
+            </a:r>
+          </a:p>
+          <a:p>
+            <a:r>
+              <a:rPr lang="en-US" altLang="ko-KR" sz="1600" dirty="0" smtClean="0"/>
+              <a:t>      </a:t>
+            </a:r>
+            <a:r>
+              <a:rPr lang="en-US" altLang="ko-KR" sz="1600" dirty="0" err="1" smtClean="0"/>
+              <a:t>var</a:t>
+            </a:r>
+            <a:r>
+              <a:rPr lang="en-US" altLang="ko-KR" sz="1600" dirty="0" smtClean="0"/>
+              <a:t> </a:t>
+            </a:r>
+            <a:r>
+              <a:rPr lang="en-US" altLang="ko-KR" sz="1600" dirty="0"/>
+              <a:t>age: </a:t>
+            </a:r>
+            <a:r>
+              <a:rPr lang="en-US" altLang="ko-KR" sz="1600" dirty="0" err="1">
+                <a:solidFill>
+                  <a:schemeClr val="accent2"/>
+                </a:solidFill>
+              </a:rPr>
+              <a:t>Int</a:t>
+            </a:r>
+            <a:r>
+              <a:rPr lang="en-US" altLang="ko-KR" sz="1600" dirty="0">
+                <a:solidFill>
+                  <a:schemeClr val="accent2"/>
+                </a:solidFill>
+              </a:rPr>
+              <a:t>?</a:t>
+            </a:r>
+          </a:p>
+          <a:p>
+            <a:endParaRPr lang="en-US" altLang="ko-KR" sz="1600" dirty="0"/>
+          </a:p>
+          <a:p>
+            <a:r>
+              <a:rPr lang="en-US" altLang="ko-KR" sz="1600" dirty="0" smtClean="0"/>
+              <a:t>      </a:t>
+            </a:r>
+            <a:r>
+              <a:rPr lang="en-US" altLang="ko-KR" sz="1600" dirty="0" err="1" smtClean="0"/>
+              <a:t>init</a:t>
+            </a:r>
+            <a:r>
+              <a:rPr lang="en-US" altLang="ko-KR" sz="1600" dirty="0" smtClean="0"/>
+              <a:t> </a:t>
+            </a:r>
+            <a:r>
+              <a:rPr lang="en-US" altLang="ko-KR" sz="1600" dirty="0"/>
+              <a:t>(name: String) {</a:t>
+            </a:r>
+          </a:p>
+          <a:p>
+            <a:r>
+              <a:rPr lang="en-US" altLang="ko-KR" sz="1600" dirty="0"/>
+              <a:t>	self.name = name</a:t>
+            </a:r>
+          </a:p>
+          <a:p>
+            <a:r>
+              <a:rPr lang="en-US" altLang="ko-KR" sz="1600" dirty="0" smtClean="0"/>
+              <a:t>      }</a:t>
+            </a:r>
+            <a:endParaRPr lang="en-US" altLang="ko-KR" sz="1600" dirty="0"/>
+          </a:p>
+          <a:p>
+            <a:r>
+              <a:rPr lang="en-US" altLang="ko-KR" sz="1600" dirty="0"/>
+              <a:t>}</a:t>
+            </a:r>
+          </a:p>
+          <a:p>
+            <a:endParaRPr lang="en-US" altLang="ko-KR" sz="1600" dirty="0"/>
+          </a:p>
+          <a:p>
+            <a:r>
+              <a:rPr lang="en-US" altLang="ko-KR" sz="1600" dirty="0"/>
+              <a:t>let </a:t>
+            </a:r>
+            <a:r>
+              <a:rPr lang="en-US" altLang="ko-KR" sz="1600" dirty="0" err="1"/>
+              <a:t>myInfo</a:t>
+            </a:r>
+            <a:r>
+              <a:rPr lang="en-US" altLang="ko-KR" sz="1600" dirty="0"/>
+              <a:t>: Person = Person(name: "Kyoungho")</a:t>
+            </a:r>
+          </a:p>
+          <a:p>
+            <a:endParaRPr lang="en-US" altLang="ko-KR" sz="1600" dirty="0"/>
+          </a:p>
+          <a:p>
+            <a:r>
+              <a:rPr lang="en-US" altLang="ko-KR" sz="1600" dirty="0"/>
+              <a:t>print(myInfo.name)	// Kyoungho</a:t>
+            </a:r>
+          </a:p>
+          <a:p>
+            <a:r>
+              <a:rPr lang="en-US" altLang="ko-KR" sz="1600" dirty="0">
+                <a:solidFill>
+                  <a:schemeClr val="accent3"/>
+                </a:solidFill>
+              </a:rPr>
+              <a:t>print(</a:t>
+            </a:r>
+            <a:r>
+              <a:rPr lang="en-US" altLang="ko-KR" sz="1600" dirty="0" err="1">
+                <a:solidFill>
+                  <a:schemeClr val="accent3"/>
+                </a:solidFill>
+              </a:rPr>
+              <a:t>myInfo.age</a:t>
+            </a:r>
+            <a:r>
+              <a:rPr lang="en-US" altLang="ko-KR" sz="1600" dirty="0">
+                <a:solidFill>
+                  <a:schemeClr val="accent3"/>
+                </a:solidFill>
+              </a:rPr>
+              <a:t>)	// nil</a:t>
+            </a:r>
+          </a:p>
+          <a:p>
+            <a:endParaRPr lang="en-US" altLang="ko-KR" sz="1600" dirty="0"/>
+          </a:p>
+          <a:p>
+            <a:r>
+              <a:rPr lang="en-US" altLang="ko-KR" sz="1600" dirty="0" err="1"/>
+              <a:t>myInfo.age</a:t>
+            </a:r>
+            <a:r>
+              <a:rPr lang="en-US" altLang="ko-KR" sz="1600" dirty="0"/>
+              <a:t> </a:t>
+            </a:r>
+            <a:r>
+              <a:rPr lang="en-US" altLang="ko-KR" sz="1600" dirty="0">
+                <a:solidFill>
+                  <a:schemeClr val="accent2"/>
+                </a:solidFill>
+              </a:rPr>
+              <a:t>= 30</a:t>
+            </a:r>
+          </a:p>
+          <a:p>
+            <a:endParaRPr lang="en-US" altLang="ko-KR" sz="1600" dirty="0"/>
+          </a:p>
+          <a:p>
+            <a:r>
+              <a:rPr lang="en-US" altLang="ko-KR" sz="1600" dirty="0">
+                <a:solidFill>
+                  <a:schemeClr val="accent3"/>
+                </a:solidFill>
+              </a:rPr>
+              <a:t>print(</a:t>
+            </a:r>
+            <a:r>
+              <a:rPr lang="en-US" altLang="ko-KR" sz="1600" dirty="0" err="1">
+                <a:solidFill>
+                  <a:schemeClr val="accent3"/>
+                </a:solidFill>
+              </a:rPr>
+              <a:t>myInfo.age</a:t>
+            </a:r>
+            <a:r>
+              <a:rPr lang="en-US" altLang="ko-KR" sz="1600" dirty="0">
+                <a:solidFill>
+                  <a:schemeClr val="accent3"/>
+                </a:solidFill>
+              </a:rPr>
+              <a:t>)	// optional(30)</a:t>
+            </a:r>
+            <a:endParaRPr lang="ko-KR" altLang="en-US" sz="1600" dirty="0">
+              <a:solidFill>
+                <a:schemeClr val="accent3"/>
+              </a:solidFill>
+            </a:endParaRPr>
+          </a:p>
+        </p:txBody>
+      </p:sp>
+    </p:spTree>
+    <p:extLst>
+      <p:ext uri="{BB962C8B-B14F-4D97-AF65-F5344CB8AC3E}">
+        <p14:creationId xmlns:p14="http://schemas.microsoft.com/office/powerpoint/2010/main" val="146117162"/>
+      </p:ext>
+    </p:extLst>
+  </p:cSld>
+  <p:clrMapOvr>
+    <a:masterClrMapping/>
+  </p:clrMapOvr>
+</p:sld>
+</file>
+
 <file path=ppt/slides/slide9.xml><?xml version="1.0" encoding="utf-8"?>
 <p:sld xmlns:a="http://schemas.openxmlformats.org/drawingml/2006/main" xmlns:r="http://schemas.openxmlformats.org/officeDocument/2006/relationships" xmlns:p="http://schemas.openxmlformats.org/presentationml/2006/main">
   <p:cSld>
@@ -52114,14 +54023,14 @@
                 <a:gridCol w="1440160">
                   <a:extLst>
                     <a:ext uri="{9D8B030D-6E8A-4147-A177-3AD203B41FA5}">
-                      <a16:colId xmlns:a16="http://schemas.microsoft.com/office/drawing/2014/main" xmlns="" val="20000"/>
+                      <a16:colId xmlns:a16="http://schemas.microsoft.com/office/drawing/2014/main" val="20000"/>
                     </a:ext>
                   </a:extLst>
                 </a:gridCol>
                 <a:gridCol w="1440160">
                   <a:extLst>
                     <a:ext uri="{9D8B030D-6E8A-4147-A177-3AD203B41FA5}">
-                      <a16:colId xmlns:a16="http://schemas.microsoft.com/office/drawing/2014/main" xmlns="" val="20001"/>
+                      <a16:colId xmlns:a16="http://schemas.microsoft.com/office/drawing/2014/main" val="20001"/>
                     </a:ext>
                   </a:extLst>
                 </a:gridCol>
@@ -52175,7 +54084,7 @@
                 </a:tc>
                 <a:extLst>
                   <a:ext uri="{0D108BD9-81ED-4DB2-BD59-A6C34878D82A}">
-                    <a16:rowId xmlns:a16="http://schemas.microsoft.com/office/drawing/2014/main" xmlns="" val="10000"/>
+                    <a16:rowId xmlns:a16="http://schemas.microsoft.com/office/drawing/2014/main" val="10000"/>
                   </a:ext>
                 </a:extLst>
               </a:tr>
@@ -52240,7 +54149,7 @@
                 </a:tc>
                 <a:extLst>
                   <a:ext uri="{0D108BD9-81ED-4DB2-BD59-A6C34878D82A}">
-                    <a16:rowId xmlns:a16="http://schemas.microsoft.com/office/drawing/2014/main" xmlns="" val="10001"/>
+                    <a16:rowId xmlns:a16="http://schemas.microsoft.com/office/drawing/2014/main" val="10001"/>
                   </a:ext>
                 </a:extLst>
               </a:tr>
@@ -52305,7 +54214,7 @@
                 </a:tc>
                 <a:extLst>
                   <a:ext uri="{0D108BD9-81ED-4DB2-BD59-A6C34878D82A}">
-                    <a16:rowId xmlns:a16="http://schemas.microsoft.com/office/drawing/2014/main" xmlns="" val="10002"/>
+                    <a16:rowId xmlns:a16="http://schemas.microsoft.com/office/drawing/2014/main" val="10002"/>
                   </a:ext>
                 </a:extLst>
               </a:tr>
@@ -52480,6 +54389,3328 @@
       </p:par>
     </p:tnLst>
   </p:timing>
+</p:sld>
+</file>
+
+<file path=ppt/slides/slide90.xml><?xml version="1.0" encoding="utf-8"?>
+<p:sld xmlns:a="http://schemas.openxmlformats.org/drawingml/2006/main" xmlns:r="http://schemas.openxmlformats.org/officeDocument/2006/relationships" xmlns:p="http://schemas.openxmlformats.org/presentationml/2006/main">
+  <p:cSld>
+    <p:spTree>
+      <p:nvGrpSpPr>
+        <p:cNvPr id="1" name=""/>
+        <p:cNvGrpSpPr/>
+        <p:nvPr/>
+      </p:nvGrpSpPr>
+      <p:grpSpPr>
+        <a:xfrm>
+          <a:off x="0" y="0"/>
+          <a:ext cx="0" cy="0"/>
+          <a:chOff x="0" y="0"/>
+          <a:chExt cx="0" cy="0"/>
+        </a:xfrm>
+      </p:grpSpPr>
+      <p:sp>
+        <p:nvSpPr>
+          <p:cNvPr id="2" name="제목 1"/>
+          <p:cNvSpPr>
+            <a:spLocks noGrp="1"/>
+          </p:cNvSpPr>
+          <p:nvPr>
+            <p:ph type="title"/>
+          </p:nvPr>
+        </p:nvSpPr>
+        <p:spPr/>
+        <p:txBody>
+          <a:bodyPr/>
+          <a:lstStyle/>
+          <a:p>
+            <a:r>
+              <a:rPr lang="ko-KR" altLang="en-US" dirty="0"/>
+              <a:t>인스턴스의 생성 및 소멸</a:t>
+            </a:r>
+            <a:endParaRPr lang="ko-KR" altLang="en-US" dirty="0"/>
+          </a:p>
+        </p:txBody>
+      </p:sp>
+      <p:sp>
+        <p:nvSpPr>
+          <p:cNvPr id="3" name="내용 개체 틀 2"/>
+          <p:cNvSpPr>
+            <a:spLocks noGrp="1"/>
+          </p:cNvSpPr>
+          <p:nvPr>
+            <p:ph idx="1"/>
+          </p:nvPr>
+        </p:nvSpPr>
+        <p:spPr/>
+        <p:txBody>
+          <a:bodyPr>
+            <a:normAutofit/>
+          </a:bodyPr>
+          <a:lstStyle/>
+          <a:p>
+            <a:r>
+              <a:rPr lang="ko-KR" altLang="en-US" dirty="0" smtClean="0"/>
+              <a:t>상수 </a:t>
+            </a:r>
+            <a:r>
+              <a:rPr lang="en-US" altLang="ko-KR" dirty="0" smtClean="0"/>
+              <a:t>property</a:t>
+            </a:r>
+          </a:p>
+          <a:p>
+            <a:pPr lvl="1"/>
+            <a:r>
+              <a:rPr lang="en-US" altLang="ko-KR" dirty="0" smtClean="0"/>
+              <a:t>Property </a:t>
+            </a:r>
+            <a:r>
+              <a:rPr lang="ko-KR" altLang="en-US" dirty="0" smtClean="0"/>
+              <a:t>값의 변화를 주고 싶지 않을 때 사용</a:t>
+            </a:r>
+            <a:r>
+              <a:rPr lang="en-US" altLang="ko-KR" dirty="0" smtClean="0"/>
+              <a:t>.</a:t>
+            </a:r>
+            <a:endParaRPr lang="en-US" altLang="ko-KR" dirty="0" smtClean="0"/>
+          </a:p>
+          <a:p>
+            <a:pPr lvl="1"/>
+            <a:r>
+              <a:rPr lang="ko-KR" altLang="en-US" dirty="0"/>
+              <a:t>상수 </a:t>
+            </a:r>
+            <a:r>
+              <a:rPr lang="en-US" altLang="ko-KR" dirty="0"/>
+              <a:t>property</a:t>
+            </a:r>
+            <a:r>
+              <a:rPr lang="ko-KR" altLang="en-US" dirty="0"/>
+              <a:t>는 </a:t>
+            </a:r>
+            <a:r>
+              <a:rPr lang="en-US" altLang="ko-KR" dirty="0"/>
+              <a:t>instance </a:t>
+            </a:r>
+            <a:r>
+              <a:rPr lang="ko-KR" altLang="en-US" dirty="0"/>
+              <a:t>초기화 과정에서만 값을 할당</a:t>
+            </a:r>
+            <a:endParaRPr lang="en-US" altLang="ko-KR" dirty="0"/>
+          </a:p>
+          <a:p>
+            <a:endParaRPr lang="en-US" altLang="ko-KR" dirty="0" smtClean="0"/>
+          </a:p>
+          <a:p>
+            <a:endParaRPr lang="en-US" altLang="ko-KR" dirty="0"/>
+          </a:p>
+          <a:p>
+            <a:pPr marL="454914" lvl="1" indent="0">
+              <a:buNone/>
+            </a:pPr>
+            <a:endParaRPr lang="en-US" altLang="ko-KR" dirty="0" smtClean="0"/>
+          </a:p>
+          <a:p>
+            <a:endParaRPr lang="en-US" altLang="ko-KR" dirty="0"/>
+          </a:p>
+          <a:p>
+            <a:endParaRPr lang="en-US" altLang="ko-KR" dirty="0" smtClean="0"/>
+          </a:p>
+          <a:p>
+            <a:endParaRPr lang="en-US" altLang="ko-KR" dirty="0"/>
+          </a:p>
+          <a:p>
+            <a:endParaRPr lang="en-US" altLang="ko-KR" dirty="0" smtClean="0"/>
+          </a:p>
+          <a:p>
+            <a:endParaRPr lang="en-US" altLang="ko-KR" dirty="0"/>
+          </a:p>
+        </p:txBody>
+      </p:sp>
+      <p:sp>
+        <p:nvSpPr>
+          <p:cNvPr id="5" name="TextBox 4"/>
+          <p:cNvSpPr txBox="1"/>
+          <p:nvPr/>
+        </p:nvSpPr>
+        <p:spPr>
+          <a:xfrm>
+            <a:off x="912006" y="2233895"/>
+            <a:ext cx="7272808" cy="3139321"/>
+          </a:xfrm>
+          <a:prstGeom prst="rect">
+            <a:avLst/>
+          </a:prstGeom>
+          <a:noFill/>
+        </p:spPr>
+        <p:txBody>
+          <a:bodyPr wrap="square" rtlCol="0">
+            <a:spAutoFit/>
+          </a:bodyPr>
+          <a:lstStyle/>
+          <a:p>
+            <a:r>
+              <a:rPr lang="en-US" altLang="ko-KR" dirty="0"/>
+              <a:t>class Person {</a:t>
+            </a:r>
+          </a:p>
+          <a:p>
+            <a:r>
+              <a:rPr lang="en-US" altLang="ko-KR" dirty="0" smtClean="0">
+                <a:solidFill>
+                  <a:schemeClr val="accent2"/>
+                </a:solidFill>
+              </a:rPr>
+              <a:t>      let </a:t>
+            </a:r>
+            <a:r>
+              <a:rPr lang="en-US" altLang="ko-KR" dirty="0"/>
+              <a:t>name: String</a:t>
+            </a:r>
+          </a:p>
+          <a:p>
+            <a:r>
+              <a:rPr lang="en-US" altLang="ko-KR" dirty="0" smtClean="0"/>
+              <a:t>      </a:t>
+            </a:r>
+            <a:r>
+              <a:rPr lang="en-US" altLang="ko-KR" dirty="0" err="1" smtClean="0"/>
+              <a:t>var</a:t>
+            </a:r>
+            <a:r>
+              <a:rPr lang="en-US" altLang="ko-KR" dirty="0" smtClean="0"/>
+              <a:t> </a:t>
+            </a:r>
+            <a:r>
+              <a:rPr lang="en-US" altLang="ko-KR" dirty="0"/>
+              <a:t>age: </a:t>
+            </a:r>
+            <a:r>
+              <a:rPr lang="en-US" altLang="ko-KR" dirty="0" err="1"/>
+              <a:t>Int</a:t>
+            </a:r>
+            <a:r>
+              <a:rPr lang="en-US" altLang="ko-KR" dirty="0"/>
+              <a:t>?</a:t>
+            </a:r>
+          </a:p>
+          <a:p>
+            <a:endParaRPr lang="en-US" altLang="ko-KR" dirty="0"/>
+          </a:p>
+          <a:p>
+            <a:r>
+              <a:rPr lang="en-US" altLang="ko-KR" dirty="0" smtClean="0"/>
+              <a:t>      </a:t>
+            </a:r>
+            <a:r>
+              <a:rPr lang="en-US" altLang="ko-KR" dirty="0" err="1" smtClean="0"/>
+              <a:t>init</a:t>
+            </a:r>
+            <a:r>
+              <a:rPr lang="en-US" altLang="ko-KR" dirty="0" smtClean="0"/>
+              <a:t>(name</a:t>
+            </a:r>
+            <a:r>
+              <a:rPr lang="en-US" altLang="ko-KR" dirty="0"/>
+              <a:t>: String) {</a:t>
+            </a:r>
+          </a:p>
+          <a:p>
+            <a:r>
+              <a:rPr lang="en-US" altLang="ko-KR" dirty="0"/>
+              <a:t>	self.name = name</a:t>
+            </a:r>
+          </a:p>
+          <a:p>
+            <a:r>
+              <a:rPr lang="en-US" altLang="ko-KR" dirty="0" smtClean="0"/>
+              <a:t>      }</a:t>
+            </a:r>
+            <a:endParaRPr lang="en-US" altLang="ko-KR" dirty="0"/>
+          </a:p>
+          <a:p>
+            <a:r>
+              <a:rPr lang="en-US" altLang="ko-KR" dirty="0"/>
+              <a:t>}</a:t>
+            </a:r>
+          </a:p>
+          <a:p>
+            <a:endParaRPr lang="en-US" altLang="ko-KR" dirty="0"/>
+          </a:p>
+          <a:p>
+            <a:r>
+              <a:rPr lang="en-US" altLang="ko-KR" dirty="0"/>
+              <a:t>let </a:t>
+            </a:r>
+            <a:r>
+              <a:rPr lang="en-US" altLang="ko-KR" dirty="0" err="1"/>
+              <a:t>myInfo</a:t>
+            </a:r>
+            <a:r>
+              <a:rPr lang="en-US" altLang="ko-KR" dirty="0"/>
+              <a:t>: Person = </a:t>
+            </a:r>
+            <a:r>
+              <a:rPr lang="en-US" altLang="ko-KR" dirty="0" smtClean="0">
+                <a:solidFill>
+                  <a:schemeClr val="accent6"/>
+                </a:solidFill>
+              </a:rPr>
+              <a:t>Person(name</a:t>
+            </a:r>
+            <a:r>
+              <a:rPr lang="en-US" altLang="ko-KR" dirty="0">
+                <a:solidFill>
+                  <a:schemeClr val="accent6"/>
+                </a:solidFill>
+              </a:rPr>
+              <a:t>: "</a:t>
+            </a:r>
+            <a:r>
+              <a:rPr lang="en-US" altLang="ko-KR" dirty="0" smtClean="0">
+                <a:solidFill>
+                  <a:schemeClr val="accent6"/>
+                </a:solidFill>
+              </a:rPr>
+              <a:t>Kyoungho")</a:t>
+            </a:r>
+            <a:endParaRPr lang="en-US" altLang="ko-KR" dirty="0">
+              <a:solidFill>
+                <a:schemeClr val="accent6"/>
+              </a:solidFill>
+            </a:endParaRPr>
+          </a:p>
+          <a:p>
+            <a:r>
+              <a:rPr lang="en-US" altLang="ko-KR" dirty="0"/>
+              <a:t>myInfo.name = "Eric"	</a:t>
+            </a:r>
+            <a:r>
+              <a:rPr lang="en-US" altLang="ko-KR" dirty="0">
+                <a:solidFill>
+                  <a:schemeClr val="accent2"/>
+                </a:solidFill>
+              </a:rPr>
+              <a:t>// Error!!!</a:t>
+            </a:r>
+            <a:endParaRPr lang="ko-KR" altLang="en-US" dirty="0">
+              <a:solidFill>
+                <a:schemeClr val="accent2"/>
+              </a:solidFill>
+            </a:endParaRPr>
+          </a:p>
+        </p:txBody>
+      </p:sp>
+    </p:spTree>
+    <p:extLst>
+      <p:ext uri="{BB962C8B-B14F-4D97-AF65-F5344CB8AC3E}">
+        <p14:creationId xmlns:p14="http://schemas.microsoft.com/office/powerpoint/2010/main" val="1317265859"/>
+      </p:ext>
+    </p:extLst>
+  </p:cSld>
+  <p:clrMapOvr>
+    <a:masterClrMapping/>
+  </p:clrMapOvr>
+</p:sld>
+</file>
+
+<file path=ppt/slides/slide91.xml><?xml version="1.0" encoding="utf-8"?>
+<p:sld xmlns:a="http://schemas.openxmlformats.org/drawingml/2006/main" xmlns:r="http://schemas.openxmlformats.org/officeDocument/2006/relationships" xmlns:p="http://schemas.openxmlformats.org/presentationml/2006/main">
+  <p:cSld>
+    <p:spTree>
+      <p:nvGrpSpPr>
+        <p:cNvPr id="1" name=""/>
+        <p:cNvGrpSpPr/>
+        <p:nvPr/>
+      </p:nvGrpSpPr>
+      <p:grpSpPr>
+        <a:xfrm>
+          <a:off x="0" y="0"/>
+          <a:ext cx="0" cy="0"/>
+          <a:chOff x="0" y="0"/>
+          <a:chExt cx="0" cy="0"/>
+        </a:xfrm>
+      </p:grpSpPr>
+      <p:sp>
+        <p:nvSpPr>
+          <p:cNvPr id="2" name="제목 1"/>
+          <p:cNvSpPr>
+            <a:spLocks noGrp="1"/>
+          </p:cNvSpPr>
+          <p:nvPr>
+            <p:ph type="title"/>
+          </p:nvPr>
+        </p:nvSpPr>
+        <p:spPr/>
+        <p:txBody>
+          <a:bodyPr/>
+          <a:lstStyle/>
+          <a:p>
+            <a:r>
+              <a:rPr lang="ko-KR" altLang="en-US" dirty="0"/>
+              <a:t>인스턴스의 생성 및 소멸</a:t>
+            </a:r>
+            <a:endParaRPr lang="ko-KR" altLang="en-US" dirty="0"/>
+          </a:p>
+        </p:txBody>
+      </p:sp>
+      <p:sp>
+        <p:nvSpPr>
+          <p:cNvPr id="3" name="내용 개체 틀 2"/>
+          <p:cNvSpPr>
+            <a:spLocks noGrp="1"/>
+          </p:cNvSpPr>
+          <p:nvPr>
+            <p:ph idx="1"/>
+          </p:nvPr>
+        </p:nvSpPr>
+        <p:spPr/>
+        <p:txBody>
+          <a:bodyPr>
+            <a:normAutofit/>
+          </a:bodyPr>
+          <a:lstStyle/>
+          <a:p>
+            <a:r>
+              <a:rPr lang="ko-KR" altLang="en-US" dirty="0" smtClean="0"/>
+              <a:t>상수 </a:t>
+            </a:r>
+            <a:r>
+              <a:rPr lang="en-US" altLang="ko-KR" dirty="0" smtClean="0"/>
+              <a:t>property</a:t>
+            </a:r>
+          </a:p>
+          <a:p>
+            <a:endParaRPr lang="en-US" altLang="ko-KR" dirty="0" smtClean="0"/>
+          </a:p>
+          <a:p>
+            <a:endParaRPr lang="en-US" altLang="ko-KR" dirty="0"/>
+          </a:p>
+          <a:p>
+            <a:pPr marL="454914" lvl="1" indent="0">
+              <a:buNone/>
+            </a:pPr>
+            <a:endParaRPr lang="en-US" altLang="ko-KR" dirty="0" smtClean="0"/>
+          </a:p>
+          <a:p>
+            <a:endParaRPr lang="en-US" altLang="ko-KR" dirty="0"/>
+          </a:p>
+          <a:p>
+            <a:endParaRPr lang="en-US" altLang="ko-KR" dirty="0" smtClean="0"/>
+          </a:p>
+          <a:p>
+            <a:endParaRPr lang="en-US" altLang="ko-KR" dirty="0"/>
+          </a:p>
+          <a:p>
+            <a:endParaRPr lang="en-US" altLang="ko-KR" dirty="0" smtClean="0"/>
+          </a:p>
+          <a:p>
+            <a:endParaRPr lang="en-US" altLang="ko-KR" dirty="0"/>
+          </a:p>
+        </p:txBody>
+      </p:sp>
+      <p:pic>
+        <p:nvPicPr>
+          <p:cNvPr id="4" name="그림 3"/>
+          <p:cNvPicPr>
+            <a:picLocks noChangeAspect="1"/>
+          </p:cNvPicPr>
+          <p:nvPr/>
+        </p:nvPicPr>
+        <p:blipFill>
+          <a:blip r:embed="rId2"/>
+          <a:stretch>
+            <a:fillRect/>
+          </a:stretch>
+        </p:blipFill>
+        <p:spPr>
+          <a:xfrm>
+            <a:off x="646054" y="1556792"/>
+            <a:ext cx="8467725" cy="3286125"/>
+          </a:xfrm>
+          <a:prstGeom prst="rect">
+            <a:avLst/>
+          </a:prstGeom>
+        </p:spPr>
+      </p:pic>
+    </p:spTree>
+    <p:extLst>
+      <p:ext uri="{BB962C8B-B14F-4D97-AF65-F5344CB8AC3E}">
+        <p14:creationId xmlns:p14="http://schemas.microsoft.com/office/powerpoint/2010/main" val="2778367185"/>
+      </p:ext>
+    </p:extLst>
+  </p:cSld>
+  <p:clrMapOvr>
+    <a:masterClrMapping/>
+  </p:clrMapOvr>
+</p:sld>
+</file>
+
+<file path=ppt/slides/slide92.xml><?xml version="1.0" encoding="utf-8"?>
+<p:sld xmlns:a="http://schemas.openxmlformats.org/drawingml/2006/main" xmlns:r="http://schemas.openxmlformats.org/officeDocument/2006/relationships" xmlns:p="http://schemas.openxmlformats.org/presentationml/2006/main">
+  <p:cSld>
+    <p:spTree>
+      <p:nvGrpSpPr>
+        <p:cNvPr id="1" name=""/>
+        <p:cNvGrpSpPr/>
+        <p:nvPr/>
+      </p:nvGrpSpPr>
+      <p:grpSpPr>
+        <a:xfrm>
+          <a:off x="0" y="0"/>
+          <a:ext cx="0" cy="0"/>
+          <a:chOff x="0" y="0"/>
+          <a:chExt cx="0" cy="0"/>
+        </a:xfrm>
+      </p:grpSpPr>
+      <p:sp>
+        <p:nvSpPr>
+          <p:cNvPr id="2" name="제목 1"/>
+          <p:cNvSpPr>
+            <a:spLocks noGrp="1"/>
+          </p:cNvSpPr>
+          <p:nvPr>
+            <p:ph type="title"/>
+          </p:nvPr>
+        </p:nvSpPr>
+        <p:spPr/>
+        <p:txBody>
+          <a:bodyPr/>
+          <a:lstStyle/>
+          <a:p>
+            <a:r>
+              <a:rPr lang="ko-KR" altLang="en-US" dirty="0"/>
+              <a:t>인스턴스의 생성 및 소멸</a:t>
+            </a:r>
+            <a:endParaRPr lang="ko-KR" altLang="en-US" dirty="0"/>
+          </a:p>
+        </p:txBody>
+      </p:sp>
+      <p:sp>
+        <p:nvSpPr>
+          <p:cNvPr id="3" name="내용 개체 틀 2"/>
+          <p:cNvSpPr>
+            <a:spLocks noGrp="1"/>
+          </p:cNvSpPr>
+          <p:nvPr>
+            <p:ph idx="1"/>
+          </p:nvPr>
+        </p:nvSpPr>
+        <p:spPr/>
+        <p:txBody>
+          <a:bodyPr>
+            <a:normAutofit/>
+          </a:bodyPr>
+          <a:lstStyle/>
+          <a:p>
+            <a:r>
+              <a:rPr lang="ko-KR" altLang="en-US" dirty="0" smtClean="0"/>
+              <a:t>상수 </a:t>
+            </a:r>
+            <a:r>
+              <a:rPr lang="en-US" altLang="ko-KR" dirty="0" smtClean="0"/>
+              <a:t>property</a:t>
+            </a:r>
+          </a:p>
+          <a:p>
+            <a:pPr lvl="1"/>
+            <a:r>
+              <a:rPr lang="en-US" altLang="ko-KR" dirty="0" smtClean="0"/>
+              <a:t>Property </a:t>
+            </a:r>
+            <a:r>
+              <a:rPr lang="ko-KR" altLang="en-US" dirty="0" smtClean="0"/>
+              <a:t>값의 변화를 주고 싶지 않을 때 사용</a:t>
+            </a:r>
+            <a:r>
+              <a:rPr lang="en-US" altLang="ko-KR" dirty="0" smtClean="0"/>
+              <a:t>.</a:t>
+            </a:r>
+            <a:endParaRPr lang="en-US" altLang="ko-KR" dirty="0" smtClean="0"/>
+          </a:p>
+          <a:p>
+            <a:pPr lvl="1"/>
+            <a:r>
+              <a:rPr lang="ko-KR" altLang="en-US" dirty="0"/>
+              <a:t>상수 </a:t>
+            </a:r>
+            <a:r>
+              <a:rPr lang="en-US" altLang="ko-KR" dirty="0"/>
+              <a:t>property</a:t>
+            </a:r>
+            <a:r>
+              <a:rPr lang="ko-KR" altLang="en-US" dirty="0"/>
+              <a:t>는 </a:t>
+            </a:r>
+            <a:r>
+              <a:rPr lang="en-US" altLang="ko-KR" dirty="0"/>
+              <a:t>instance </a:t>
+            </a:r>
+            <a:r>
+              <a:rPr lang="ko-KR" altLang="en-US" dirty="0"/>
+              <a:t>초기화 과정에서만 값을 할당</a:t>
+            </a:r>
+            <a:endParaRPr lang="en-US" altLang="ko-KR" dirty="0"/>
+          </a:p>
+          <a:p>
+            <a:endParaRPr lang="en-US" altLang="ko-KR" dirty="0" smtClean="0"/>
+          </a:p>
+          <a:p>
+            <a:endParaRPr lang="en-US" altLang="ko-KR" dirty="0"/>
+          </a:p>
+          <a:p>
+            <a:pPr marL="454914" lvl="1" indent="0">
+              <a:buNone/>
+            </a:pPr>
+            <a:endParaRPr lang="en-US" altLang="ko-KR" dirty="0" smtClean="0"/>
+          </a:p>
+          <a:p>
+            <a:endParaRPr lang="en-US" altLang="ko-KR" dirty="0"/>
+          </a:p>
+          <a:p>
+            <a:endParaRPr lang="en-US" altLang="ko-KR" dirty="0" smtClean="0"/>
+          </a:p>
+          <a:p>
+            <a:endParaRPr lang="en-US" altLang="ko-KR" dirty="0"/>
+          </a:p>
+          <a:p>
+            <a:endParaRPr lang="en-US" altLang="ko-KR" dirty="0" smtClean="0"/>
+          </a:p>
+          <a:p>
+            <a:endParaRPr lang="en-US" altLang="ko-KR" dirty="0"/>
+          </a:p>
+        </p:txBody>
+      </p:sp>
+      <p:sp>
+        <p:nvSpPr>
+          <p:cNvPr id="5" name="TextBox 4"/>
+          <p:cNvSpPr txBox="1"/>
+          <p:nvPr/>
+        </p:nvSpPr>
+        <p:spPr>
+          <a:xfrm>
+            <a:off x="912006" y="2233895"/>
+            <a:ext cx="7272808" cy="3139321"/>
+          </a:xfrm>
+          <a:prstGeom prst="rect">
+            <a:avLst/>
+          </a:prstGeom>
+          <a:noFill/>
+        </p:spPr>
+        <p:txBody>
+          <a:bodyPr wrap="square" rtlCol="0">
+            <a:spAutoFit/>
+          </a:bodyPr>
+          <a:lstStyle/>
+          <a:p>
+            <a:r>
+              <a:rPr lang="en-US" altLang="ko-KR" dirty="0"/>
+              <a:t>class Person {</a:t>
+            </a:r>
+          </a:p>
+          <a:p>
+            <a:r>
+              <a:rPr lang="en-US" altLang="ko-KR" dirty="0" smtClean="0">
+                <a:solidFill>
+                  <a:schemeClr val="accent2"/>
+                </a:solidFill>
+              </a:rPr>
+              <a:t>      let </a:t>
+            </a:r>
+            <a:r>
+              <a:rPr lang="en-US" altLang="ko-KR" dirty="0"/>
+              <a:t>name: String</a:t>
+            </a:r>
+          </a:p>
+          <a:p>
+            <a:r>
+              <a:rPr lang="en-US" altLang="ko-KR" dirty="0" smtClean="0"/>
+              <a:t>      </a:t>
+            </a:r>
+            <a:r>
+              <a:rPr lang="en-US" altLang="ko-KR" dirty="0" err="1" smtClean="0"/>
+              <a:t>var</a:t>
+            </a:r>
+            <a:r>
+              <a:rPr lang="en-US" altLang="ko-KR" dirty="0" smtClean="0"/>
+              <a:t> </a:t>
+            </a:r>
+            <a:r>
+              <a:rPr lang="en-US" altLang="ko-KR" dirty="0"/>
+              <a:t>age: </a:t>
+            </a:r>
+            <a:r>
+              <a:rPr lang="en-US" altLang="ko-KR" dirty="0" err="1"/>
+              <a:t>Int</a:t>
+            </a:r>
+            <a:r>
+              <a:rPr lang="en-US" altLang="ko-KR" dirty="0"/>
+              <a:t>?</a:t>
+            </a:r>
+          </a:p>
+          <a:p>
+            <a:endParaRPr lang="en-US" altLang="ko-KR" dirty="0"/>
+          </a:p>
+          <a:p>
+            <a:r>
+              <a:rPr lang="en-US" altLang="ko-KR" dirty="0" smtClean="0"/>
+              <a:t>      </a:t>
+            </a:r>
+            <a:r>
+              <a:rPr lang="en-US" altLang="ko-KR" dirty="0" err="1" smtClean="0"/>
+              <a:t>init</a:t>
+            </a:r>
+            <a:r>
+              <a:rPr lang="en-US" altLang="ko-KR" dirty="0" smtClean="0"/>
+              <a:t>(name</a:t>
+            </a:r>
+            <a:r>
+              <a:rPr lang="en-US" altLang="ko-KR" dirty="0"/>
+              <a:t>: String) {</a:t>
+            </a:r>
+          </a:p>
+          <a:p>
+            <a:r>
+              <a:rPr lang="en-US" altLang="ko-KR" dirty="0"/>
+              <a:t>	self.name = name</a:t>
+            </a:r>
+          </a:p>
+          <a:p>
+            <a:r>
+              <a:rPr lang="en-US" altLang="ko-KR" dirty="0" smtClean="0"/>
+              <a:t>      }</a:t>
+            </a:r>
+            <a:endParaRPr lang="en-US" altLang="ko-KR" dirty="0"/>
+          </a:p>
+          <a:p>
+            <a:r>
+              <a:rPr lang="en-US" altLang="ko-KR" dirty="0"/>
+              <a:t>}</a:t>
+            </a:r>
+          </a:p>
+          <a:p>
+            <a:endParaRPr lang="en-US" altLang="ko-KR" dirty="0"/>
+          </a:p>
+          <a:p>
+            <a:r>
+              <a:rPr lang="en-US" altLang="ko-KR" dirty="0"/>
+              <a:t>let </a:t>
+            </a:r>
+            <a:r>
+              <a:rPr lang="en-US" altLang="ko-KR" dirty="0" err="1"/>
+              <a:t>myInfo</a:t>
+            </a:r>
+            <a:r>
+              <a:rPr lang="en-US" altLang="ko-KR" dirty="0"/>
+              <a:t>: Person = </a:t>
+            </a:r>
+            <a:r>
+              <a:rPr lang="en-US" altLang="ko-KR" dirty="0" smtClean="0">
+                <a:solidFill>
+                  <a:schemeClr val="accent6"/>
+                </a:solidFill>
+              </a:rPr>
+              <a:t>Person(name</a:t>
+            </a:r>
+            <a:r>
+              <a:rPr lang="en-US" altLang="ko-KR" dirty="0">
+                <a:solidFill>
+                  <a:schemeClr val="accent6"/>
+                </a:solidFill>
+              </a:rPr>
+              <a:t>: "</a:t>
+            </a:r>
+            <a:r>
+              <a:rPr lang="en-US" altLang="ko-KR" dirty="0" smtClean="0">
+                <a:solidFill>
+                  <a:schemeClr val="accent6"/>
+                </a:solidFill>
+              </a:rPr>
+              <a:t>Kyoungho")</a:t>
+            </a:r>
+            <a:endParaRPr lang="en-US" altLang="ko-KR" dirty="0">
+              <a:solidFill>
+                <a:schemeClr val="accent6"/>
+              </a:solidFill>
+            </a:endParaRPr>
+          </a:p>
+          <a:p>
+            <a:r>
+              <a:rPr lang="en-US" altLang="ko-KR" dirty="0"/>
+              <a:t>myInfo.name = "Eric"	</a:t>
+            </a:r>
+            <a:r>
+              <a:rPr lang="en-US" altLang="ko-KR" dirty="0">
+                <a:solidFill>
+                  <a:schemeClr val="accent2"/>
+                </a:solidFill>
+              </a:rPr>
+              <a:t>// Error!!!</a:t>
+            </a:r>
+            <a:endParaRPr lang="ko-KR" altLang="en-US" dirty="0">
+              <a:solidFill>
+                <a:schemeClr val="accent2"/>
+              </a:solidFill>
+            </a:endParaRPr>
+          </a:p>
+        </p:txBody>
+      </p:sp>
+    </p:spTree>
+    <p:extLst>
+      <p:ext uri="{BB962C8B-B14F-4D97-AF65-F5344CB8AC3E}">
+        <p14:creationId xmlns:p14="http://schemas.microsoft.com/office/powerpoint/2010/main" val="2051901843"/>
+      </p:ext>
+    </p:extLst>
+  </p:cSld>
+  <p:clrMapOvr>
+    <a:masterClrMapping/>
+  </p:clrMapOvr>
+</p:sld>
+</file>
+
+<file path=ppt/slides/slide93.xml><?xml version="1.0" encoding="utf-8"?>
+<p:sld xmlns:a="http://schemas.openxmlformats.org/drawingml/2006/main" xmlns:r="http://schemas.openxmlformats.org/officeDocument/2006/relationships" xmlns:p="http://schemas.openxmlformats.org/presentationml/2006/main">
+  <p:cSld>
+    <p:spTree>
+      <p:nvGrpSpPr>
+        <p:cNvPr id="1" name=""/>
+        <p:cNvGrpSpPr/>
+        <p:nvPr/>
+      </p:nvGrpSpPr>
+      <p:grpSpPr>
+        <a:xfrm>
+          <a:off x="0" y="0"/>
+          <a:ext cx="0" cy="0"/>
+          <a:chOff x="0" y="0"/>
+          <a:chExt cx="0" cy="0"/>
+        </a:xfrm>
+      </p:grpSpPr>
+      <p:sp>
+        <p:nvSpPr>
+          <p:cNvPr id="2" name="제목 1"/>
+          <p:cNvSpPr>
+            <a:spLocks noGrp="1"/>
+          </p:cNvSpPr>
+          <p:nvPr>
+            <p:ph type="title"/>
+          </p:nvPr>
+        </p:nvSpPr>
+        <p:spPr/>
+        <p:txBody>
+          <a:bodyPr/>
+          <a:lstStyle/>
+          <a:p>
+            <a:r>
+              <a:rPr lang="ko-KR" altLang="en-US" dirty="0"/>
+              <a:t>인스턴스의 생성 및 소멸</a:t>
+            </a:r>
+            <a:endParaRPr lang="ko-KR" altLang="en-US" dirty="0"/>
+          </a:p>
+        </p:txBody>
+      </p:sp>
+      <p:sp>
+        <p:nvSpPr>
+          <p:cNvPr id="3" name="내용 개체 틀 2"/>
+          <p:cNvSpPr>
+            <a:spLocks noGrp="1"/>
+          </p:cNvSpPr>
+          <p:nvPr>
+            <p:ph idx="1"/>
+          </p:nvPr>
+        </p:nvSpPr>
+        <p:spPr/>
+        <p:txBody>
+          <a:bodyPr>
+            <a:normAutofit/>
+          </a:bodyPr>
+          <a:lstStyle/>
+          <a:p>
+            <a:r>
+              <a:rPr lang="ko-KR" altLang="en-US" dirty="0"/>
+              <a:t>기본 </a:t>
+            </a:r>
+            <a:r>
+              <a:rPr lang="en-US" altLang="ko-KR" dirty="0"/>
+              <a:t>initializer</a:t>
+            </a:r>
+            <a:r>
+              <a:rPr lang="ko-KR" altLang="en-US" dirty="0"/>
+              <a:t>와 </a:t>
+            </a:r>
+            <a:r>
+              <a:rPr lang="ko-KR" altLang="en-US" dirty="0" err="1"/>
+              <a:t>멤버와이즈</a:t>
+            </a:r>
+            <a:r>
+              <a:rPr lang="ko-KR" altLang="en-US" dirty="0"/>
+              <a:t> </a:t>
+            </a:r>
+            <a:r>
+              <a:rPr lang="en-US" altLang="ko-KR" dirty="0" smtClean="0"/>
+              <a:t>initializer</a:t>
+            </a:r>
+          </a:p>
+          <a:p>
+            <a:pPr lvl="1"/>
+            <a:r>
+              <a:rPr lang="ko-KR" altLang="en-US" dirty="0"/>
+              <a:t>기본 </a:t>
+            </a:r>
+            <a:r>
+              <a:rPr lang="en-US" altLang="ko-KR" dirty="0" smtClean="0"/>
+              <a:t>initializer</a:t>
+            </a:r>
+            <a:br>
+              <a:rPr lang="en-US" altLang="ko-KR" dirty="0" smtClean="0"/>
+            </a:br>
+            <a:r>
+              <a:rPr lang="en-US" altLang="ko-KR" dirty="0" smtClean="0"/>
+              <a:t>: </a:t>
+            </a:r>
+            <a:r>
+              <a:rPr lang="en-US" altLang="ko-KR" dirty="0"/>
+              <a:t>property</a:t>
+            </a:r>
+            <a:r>
+              <a:rPr lang="ko-KR" altLang="en-US" dirty="0"/>
+              <a:t>의 기본값이 모두 지정 </a:t>
+            </a:r>
+            <a:r>
+              <a:rPr lang="en-US" altLang="ko-KR" dirty="0"/>
+              <a:t>&amp;&amp; </a:t>
+            </a:r>
+            <a:r>
+              <a:rPr lang="ko-KR" altLang="en-US" dirty="0"/>
+              <a:t>사용자 정의 </a:t>
+            </a:r>
+            <a:r>
+              <a:rPr lang="en-US" altLang="ko-KR" dirty="0" err="1"/>
+              <a:t>initalizer</a:t>
+            </a:r>
+            <a:r>
+              <a:rPr lang="en-US" altLang="ko-KR" dirty="0"/>
+              <a:t> </a:t>
+            </a:r>
+            <a:r>
+              <a:rPr lang="ko-KR" altLang="en-US" dirty="0"/>
+              <a:t>정의되지 않음</a:t>
+            </a:r>
+            <a:endParaRPr lang="en-US" altLang="ko-KR" dirty="0" smtClean="0"/>
+          </a:p>
+          <a:p>
+            <a:pPr lvl="1"/>
+            <a:r>
+              <a:rPr lang="ko-KR" altLang="en-US" dirty="0" err="1"/>
+              <a:t>멤버와이즈</a:t>
+            </a:r>
+            <a:r>
+              <a:rPr lang="ko-KR" altLang="en-US" dirty="0"/>
+              <a:t> </a:t>
+            </a:r>
+            <a:r>
+              <a:rPr lang="en-US" altLang="ko-KR" dirty="0"/>
+              <a:t>initializer (</a:t>
+            </a:r>
+            <a:r>
+              <a:rPr lang="ko-KR" altLang="en-US" dirty="0"/>
+              <a:t>구조체 </a:t>
+            </a:r>
+            <a:r>
+              <a:rPr lang="en-US" altLang="ko-KR" dirty="0"/>
+              <a:t>only)</a:t>
+            </a:r>
+            <a:br>
+              <a:rPr lang="en-US" altLang="ko-KR" dirty="0"/>
+            </a:br>
+            <a:r>
+              <a:rPr lang="en-US" altLang="ko-KR" dirty="0"/>
+              <a:t>: property</a:t>
+            </a:r>
+            <a:r>
+              <a:rPr lang="ko-KR" altLang="en-US" dirty="0"/>
+              <a:t>의 이름으로 매개변수를 가지는 </a:t>
+            </a:r>
+            <a:r>
+              <a:rPr lang="en-US" altLang="ko-KR" dirty="0"/>
+              <a:t>initializer</a:t>
+            </a:r>
+            <a:r>
+              <a:rPr lang="ko-KR" altLang="en-US" dirty="0"/>
+              <a:t>를 제공</a:t>
+            </a:r>
+            <a:endParaRPr lang="en-US" altLang="ko-KR" dirty="0"/>
+          </a:p>
+          <a:p>
+            <a:endParaRPr lang="en-US" altLang="ko-KR" dirty="0" smtClean="0"/>
+          </a:p>
+          <a:p>
+            <a:endParaRPr lang="en-US" altLang="ko-KR" dirty="0"/>
+          </a:p>
+          <a:p>
+            <a:pPr marL="454914" lvl="1" indent="0">
+              <a:buNone/>
+            </a:pPr>
+            <a:endParaRPr lang="en-US" altLang="ko-KR" dirty="0" smtClean="0"/>
+          </a:p>
+          <a:p>
+            <a:endParaRPr lang="en-US" altLang="ko-KR" dirty="0"/>
+          </a:p>
+          <a:p>
+            <a:endParaRPr lang="en-US" altLang="ko-KR" dirty="0" smtClean="0"/>
+          </a:p>
+          <a:p>
+            <a:endParaRPr lang="en-US" altLang="ko-KR" dirty="0"/>
+          </a:p>
+          <a:p>
+            <a:endParaRPr lang="en-US" altLang="ko-KR" dirty="0" smtClean="0"/>
+          </a:p>
+          <a:p>
+            <a:endParaRPr lang="en-US" altLang="ko-KR" dirty="0"/>
+          </a:p>
+        </p:txBody>
+      </p:sp>
+      <p:sp>
+        <p:nvSpPr>
+          <p:cNvPr id="5" name="TextBox 4"/>
+          <p:cNvSpPr txBox="1"/>
+          <p:nvPr/>
+        </p:nvSpPr>
+        <p:spPr>
+          <a:xfrm>
+            <a:off x="827584" y="2549803"/>
+            <a:ext cx="7272808" cy="2031325"/>
+          </a:xfrm>
+          <a:prstGeom prst="rect">
+            <a:avLst/>
+          </a:prstGeom>
+          <a:noFill/>
+        </p:spPr>
+        <p:txBody>
+          <a:bodyPr wrap="square" rtlCol="0">
+            <a:spAutoFit/>
+          </a:bodyPr>
+          <a:lstStyle/>
+          <a:p>
+            <a:r>
+              <a:rPr lang="fr-FR" altLang="ko-KR" dirty="0"/>
+              <a:t>struct Point {</a:t>
+            </a:r>
+          </a:p>
+          <a:p>
+            <a:r>
+              <a:rPr lang="fr-FR" altLang="ko-KR" dirty="0"/>
+              <a:t>	var x: Double</a:t>
+            </a:r>
+          </a:p>
+          <a:p>
+            <a:r>
+              <a:rPr lang="fr-FR" altLang="ko-KR" dirty="0"/>
+              <a:t>	var y: Double</a:t>
+            </a:r>
+          </a:p>
+          <a:p>
+            <a:r>
+              <a:rPr lang="fr-FR" altLang="ko-KR" dirty="0"/>
+              <a:t>}</a:t>
+            </a:r>
+          </a:p>
+          <a:p>
+            <a:endParaRPr lang="fr-FR" altLang="ko-KR" dirty="0"/>
+          </a:p>
+          <a:p>
+            <a:r>
+              <a:rPr lang="fr-FR" altLang="ko-KR" dirty="0"/>
+              <a:t>let point: Point = </a:t>
+            </a:r>
+            <a:r>
+              <a:rPr lang="fr-FR" altLang="ko-KR" dirty="0">
+                <a:solidFill>
+                  <a:schemeClr val="accent2"/>
+                </a:solidFill>
+              </a:rPr>
+              <a:t>Point(x: 0.0, y: 0.0</a:t>
+            </a:r>
+            <a:r>
+              <a:rPr lang="fr-FR" altLang="ko-KR" dirty="0" smtClean="0">
+                <a:solidFill>
+                  <a:schemeClr val="accent2"/>
+                </a:solidFill>
+              </a:rPr>
+              <a:t>)  </a:t>
+            </a:r>
+            <a:r>
+              <a:rPr lang="fr-FR" altLang="ko-KR" dirty="0" smtClean="0">
+                <a:solidFill>
+                  <a:schemeClr val="accent6"/>
+                </a:solidFill>
+              </a:rPr>
+              <a:t>// </a:t>
+            </a:r>
+            <a:r>
+              <a:rPr lang="ko-KR" altLang="en-US" dirty="0" err="1" smtClean="0">
+                <a:solidFill>
+                  <a:schemeClr val="accent6"/>
+                </a:solidFill>
+              </a:rPr>
+              <a:t>멤버와이즈</a:t>
+            </a:r>
+            <a:r>
+              <a:rPr lang="ko-KR" altLang="en-US" dirty="0" smtClean="0">
+                <a:solidFill>
+                  <a:schemeClr val="accent6"/>
+                </a:solidFill>
+              </a:rPr>
+              <a:t> </a:t>
+            </a:r>
+            <a:r>
+              <a:rPr lang="en-US" altLang="ko-KR" dirty="0" smtClean="0">
+                <a:solidFill>
+                  <a:schemeClr val="accent6"/>
+                </a:solidFill>
+              </a:rPr>
+              <a:t>initializer</a:t>
+            </a:r>
+            <a:endParaRPr lang="fr-FR" altLang="ko-KR" dirty="0">
+              <a:solidFill>
+                <a:schemeClr val="accent6"/>
+              </a:solidFill>
+            </a:endParaRPr>
+          </a:p>
+          <a:p>
+            <a:r>
+              <a:rPr lang="fr-FR" altLang="ko-KR" dirty="0"/>
+              <a:t>print("(\(point.x), \(point.y))")</a:t>
+            </a:r>
+            <a:endParaRPr lang="ko-KR" altLang="en-US" dirty="0">
+              <a:solidFill>
+                <a:schemeClr val="accent2"/>
+              </a:solidFill>
+            </a:endParaRPr>
+          </a:p>
+        </p:txBody>
+      </p:sp>
+      <p:pic>
+        <p:nvPicPr>
+          <p:cNvPr id="6" name="그림 5"/>
+          <p:cNvPicPr>
+            <a:picLocks noChangeAspect="1"/>
+          </p:cNvPicPr>
+          <p:nvPr/>
+        </p:nvPicPr>
+        <p:blipFill rotWithShape="1">
+          <a:blip r:embed="rId2"/>
+          <a:srcRect t="18984" r="20461"/>
+          <a:stretch/>
+        </p:blipFill>
+        <p:spPr>
+          <a:xfrm>
+            <a:off x="3825602" y="4319188"/>
+            <a:ext cx="5318398" cy="2538812"/>
+          </a:xfrm>
+          <a:prstGeom prst="rect">
+            <a:avLst/>
+          </a:prstGeom>
+        </p:spPr>
+      </p:pic>
+    </p:spTree>
+    <p:extLst>
+      <p:ext uri="{BB962C8B-B14F-4D97-AF65-F5344CB8AC3E}">
+        <p14:creationId xmlns:p14="http://schemas.microsoft.com/office/powerpoint/2010/main" val="115964168"/>
+      </p:ext>
+    </p:extLst>
+  </p:cSld>
+  <p:clrMapOvr>
+    <a:masterClrMapping/>
+  </p:clrMapOvr>
+</p:sld>
+</file>
+
+<file path=ppt/slides/slide94.xml><?xml version="1.0" encoding="utf-8"?>
+<p:sld xmlns:a="http://schemas.openxmlformats.org/drawingml/2006/main" xmlns:r="http://schemas.openxmlformats.org/officeDocument/2006/relationships" xmlns:p="http://schemas.openxmlformats.org/presentationml/2006/main">
+  <p:cSld>
+    <p:spTree>
+      <p:nvGrpSpPr>
+        <p:cNvPr id="1" name=""/>
+        <p:cNvGrpSpPr/>
+        <p:nvPr/>
+      </p:nvGrpSpPr>
+      <p:grpSpPr>
+        <a:xfrm>
+          <a:off x="0" y="0"/>
+          <a:ext cx="0" cy="0"/>
+          <a:chOff x="0" y="0"/>
+          <a:chExt cx="0" cy="0"/>
+        </a:xfrm>
+      </p:grpSpPr>
+      <p:sp>
+        <p:nvSpPr>
+          <p:cNvPr id="2" name="제목 1"/>
+          <p:cNvSpPr>
+            <a:spLocks noGrp="1"/>
+          </p:cNvSpPr>
+          <p:nvPr>
+            <p:ph type="title"/>
+          </p:nvPr>
+        </p:nvSpPr>
+        <p:spPr/>
+        <p:txBody>
+          <a:bodyPr/>
+          <a:lstStyle/>
+          <a:p>
+            <a:r>
+              <a:rPr lang="ko-KR" altLang="en-US" dirty="0"/>
+              <a:t>인스턴스의 생성 및 소멸</a:t>
+            </a:r>
+            <a:endParaRPr lang="ko-KR" altLang="en-US" dirty="0"/>
+          </a:p>
+        </p:txBody>
+      </p:sp>
+      <p:sp>
+        <p:nvSpPr>
+          <p:cNvPr id="3" name="내용 개체 틀 2"/>
+          <p:cNvSpPr>
+            <a:spLocks noGrp="1"/>
+          </p:cNvSpPr>
+          <p:nvPr>
+            <p:ph idx="1"/>
+          </p:nvPr>
+        </p:nvSpPr>
+        <p:spPr/>
+        <p:txBody>
+          <a:bodyPr>
+            <a:normAutofit/>
+          </a:bodyPr>
+          <a:lstStyle/>
+          <a:p>
+            <a:r>
+              <a:rPr lang="ko-KR" altLang="en-US" dirty="0"/>
+              <a:t>초기화 위임</a:t>
+            </a:r>
+            <a:endParaRPr lang="en-US" altLang="ko-KR" dirty="0" smtClean="0"/>
+          </a:p>
+          <a:p>
+            <a:pPr lvl="1"/>
+            <a:r>
+              <a:rPr lang="ko-KR" altLang="en-US" dirty="0"/>
+              <a:t>구조체와 </a:t>
+            </a:r>
+            <a:r>
+              <a:rPr lang="ko-KR" altLang="en-US" dirty="0" err="1"/>
+              <a:t>열거형은</a:t>
+            </a:r>
+            <a:r>
+              <a:rPr lang="ko-KR" altLang="en-US" dirty="0"/>
+              <a:t> 다른 </a:t>
+            </a:r>
+            <a:r>
+              <a:rPr lang="en-US" altLang="ko-KR" dirty="0"/>
+              <a:t>initializer</a:t>
+            </a:r>
+            <a:r>
+              <a:rPr lang="ko-KR" altLang="en-US" dirty="0"/>
+              <a:t>에게 초기화를 위임 가능</a:t>
+            </a:r>
+            <a:endParaRPr lang="en-US" altLang="ko-KR" dirty="0" smtClean="0"/>
+          </a:p>
+          <a:p>
+            <a:pPr lvl="1"/>
+            <a:r>
+              <a:rPr lang="en-US" altLang="ko-KR" dirty="0" err="1"/>
+              <a:t>self.init</a:t>
+            </a:r>
+            <a:r>
+              <a:rPr lang="en-US" altLang="ko-KR" dirty="0"/>
+              <a:t>(...) </a:t>
+            </a:r>
+            <a:r>
+              <a:rPr lang="ko-KR" altLang="en-US" dirty="0"/>
+              <a:t>을 </a:t>
+            </a:r>
+            <a:r>
+              <a:rPr lang="ko-KR" altLang="en-US" dirty="0" smtClean="0"/>
+              <a:t>사용</a:t>
+            </a:r>
+            <a:endParaRPr lang="en-US" altLang="ko-KR" dirty="0" smtClean="0"/>
+          </a:p>
+          <a:p>
+            <a:pPr lvl="1"/>
+            <a:r>
+              <a:rPr lang="ko-KR" altLang="en-US" dirty="0"/>
+              <a:t>최소 </a:t>
+            </a:r>
+            <a:r>
+              <a:rPr lang="en-US" altLang="ko-KR" dirty="0"/>
+              <a:t>2</a:t>
+            </a:r>
+            <a:r>
+              <a:rPr lang="ko-KR" altLang="en-US" dirty="0"/>
+              <a:t>개 이상의 </a:t>
+            </a:r>
+            <a:r>
+              <a:rPr lang="en-US" altLang="ko-KR" dirty="0"/>
+              <a:t>initializer</a:t>
+            </a:r>
+            <a:r>
+              <a:rPr lang="ko-KR" altLang="en-US" dirty="0"/>
+              <a:t>를 정의해야 한다</a:t>
+            </a:r>
+            <a:r>
+              <a:rPr lang="en-US" altLang="ko-KR" dirty="0"/>
+              <a:t>.</a:t>
+            </a:r>
+            <a:endParaRPr lang="en-US" altLang="ko-KR" dirty="0"/>
+          </a:p>
+          <a:p>
+            <a:endParaRPr lang="en-US" altLang="ko-KR" dirty="0" smtClean="0"/>
+          </a:p>
+          <a:p>
+            <a:endParaRPr lang="en-US" altLang="ko-KR" dirty="0"/>
+          </a:p>
+          <a:p>
+            <a:pPr marL="454914" lvl="1" indent="0">
+              <a:buNone/>
+            </a:pPr>
+            <a:endParaRPr lang="en-US" altLang="ko-KR" dirty="0" smtClean="0"/>
+          </a:p>
+          <a:p>
+            <a:endParaRPr lang="en-US" altLang="ko-KR" dirty="0"/>
+          </a:p>
+          <a:p>
+            <a:endParaRPr lang="en-US" altLang="ko-KR" dirty="0" smtClean="0"/>
+          </a:p>
+          <a:p>
+            <a:endParaRPr lang="en-US" altLang="ko-KR" dirty="0"/>
+          </a:p>
+          <a:p>
+            <a:endParaRPr lang="en-US" altLang="ko-KR" dirty="0" smtClean="0"/>
+          </a:p>
+          <a:p>
+            <a:endParaRPr lang="en-US" altLang="ko-KR" dirty="0"/>
+          </a:p>
+        </p:txBody>
+      </p:sp>
+      <p:sp>
+        <p:nvSpPr>
+          <p:cNvPr id="5" name="TextBox 4"/>
+          <p:cNvSpPr txBox="1"/>
+          <p:nvPr/>
+        </p:nvSpPr>
+        <p:spPr>
+          <a:xfrm>
+            <a:off x="1187624" y="2132856"/>
+            <a:ext cx="4608512" cy="4893647"/>
+          </a:xfrm>
+          <a:prstGeom prst="rect">
+            <a:avLst/>
+          </a:prstGeom>
+          <a:noFill/>
+        </p:spPr>
+        <p:txBody>
+          <a:bodyPr wrap="square" rtlCol="0">
+            <a:spAutoFit/>
+          </a:bodyPr>
+          <a:lstStyle/>
+          <a:p>
+            <a:r>
+              <a:rPr lang="en-US" altLang="ko-KR" sz="1200" dirty="0" err="1"/>
+              <a:t>enum</a:t>
+            </a:r>
+            <a:r>
+              <a:rPr lang="en-US" altLang="ko-KR" sz="1200" dirty="0"/>
+              <a:t> Student {</a:t>
+            </a:r>
+          </a:p>
+          <a:p>
+            <a:r>
+              <a:rPr lang="en-US" altLang="ko-KR" sz="1200" dirty="0" smtClean="0"/>
+              <a:t>      case </a:t>
+            </a:r>
+            <a:r>
+              <a:rPr lang="en-US" altLang="ko-KR" sz="1200" dirty="0"/>
+              <a:t>elementary, middle, high</a:t>
+            </a:r>
+          </a:p>
+          <a:p>
+            <a:r>
+              <a:rPr lang="en-US" altLang="ko-KR" sz="1200" dirty="0" smtClean="0"/>
+              <a:t>      case </a:t>
+            </a:r>
+            <a:r>
+              <a:rPr lang="en-US" altLang="ko-KR" sz="1200" dirty="0"/>
+              <a:t>none</a:t>
+            </a:r>
+          </a:p>
+          <a:p>
+            <a:endParaRPr lang="en-US" altLang="ko-KR" sz="1200" dirty="0"/>
+          </a:p>
+          <a:p>
+            <a:r>
+              <a:rPr lang="en-US" altLang="ko-KR" sz="1200" dirty="0" smtClean="0"/>
+              <a:t>      </a:t>
+            </a:r>
+            <a:r>
+              <a:rPr lang="en-US" altLang="ko-KR" sz="1200" dirty="0" err="1" smtClean="0"/>
+              <a:t>init</a:t>
+            </a:r>
+            <a:r>
+              <a:rPr lang="en-US" altLang="ko-KR" sz="1200" dirty="0"/>
+              <a:t>() {</a:t>
+            </a:r>
+          </a:p>
+          <a:p>
+            <a:r>
+              <a:rPr lang="en-US" altLang="ko-KR" sz="1200" dirty="0"/>
+              <a:t>	self = .none</a:t>
+            </a:r>
+          </a:p>
+          <a:p>
+            <a:r>
+              <a:rPr lang="en-US" altLang="ko-KR" sz="1200" dirty="0" smtClean="0"/>
+              <a:t>      }</a:t>
+            </a:r>
+            <a:endParaRPr lang="en-US" altLang="ko-KR" sz="1200" dirty="0"/>
+          </a:p>
+          <a:p>
+            <a:endParaRPr lang="en-US" altLang="ko-KR" sz="1200" dirty="0"/>
+          </a:p>
+          <a:p>
+            <a:r>
+              <a:rPr lang="en-US" altLang="ko-KR" sz="1200" dirty="0" smtClean="0"/>
+              <a:t>      </a:t>
+            </a:r>
+            <a:r>
+              <a:rPr lang="en-US" altLang="ko-KR" sz="1200" dirty="0" err="1" smtClean="0">
+                <a:solidFill>
+                  <a:schemeClr val="accent6"/>
+                </a:solidFill>
+              </a:rPr>
+              <a:t>init</a:t>
+            </a:r>
+            <a:r>
+              <a:rPr lang="en-US" altLang="ko-KR" sz="1200" dirty="0" smtClean="0">
+                <a:solidFill>
+                  <a:schemeClr val="accent6"/>
+                </a:solidFill>
+              </a:rPr>
+              <a:t> </a:t>
+            </a:r>
+            <a:r>
+              <a:rPr lang="en-US" altLang="ko-KR" sz="1200" dirty="0">
+                <a:solidFill>
+                  <a:schemeClr val="accent6"/>
+                </a:solidFill>
+              </a:rPr>
+              <a:t>(</a:t>
+            </a:r>
+            <a:r>
+              <a:rPr lang="en-US" altLang="ko-KR" sz="1200" dirty="0" err="1">
+                <a:solidFill>
+                  <a:schemeClr val="accent6"/>
+                </a:solidFill>
+              </a:rPr>
+              <a:t>koreanAge</a:t>
+            </a:r>
+            <a:r>
+              <a:rPr lang="en-US" altLang="ko-KR" sz="1200" dirty="0">
+                <a:solidFill>
+                  <a:schemeClr val="accent6"/>
+                </a:solidFill>
+              </a:rPr>
+              <a:t>: </a:t>
+            </a:r>
+            <a:r>
+              <a:rPr lang="en-US" altLang="ko-KR" sz="1200" dirty="0" err="1">
+                <a:solidFill>
+                  <a:schemeClr val="accent6"/>
+                </a:solidFill>
+              </a:rPr>
+              <a:t>Int</a:t>
+            </a:r>
+            <a:r>
+              <a:rPr lang="en-US" altLang="ko-KR" sz="1200" dirty="0">
+                <a:solidFill>
+                  <a:schemeClr val="accent6"/>
+                </a:solidFill>
+              </a:rPr>
+              <a:t>) {</a:t>
+            </a:r>
+          </a:p>
+          <a:p>
+            <a:r>
+              <a:rPr lang="en-US" altLang="ko-KR" sz="1200" dirty="0"/>
+              <a:t>	switch </a:t>
+            </a:r>
+            <a:r>
+              <a:rPr lang="en-US" altLang="ko-KR" sz="1200" dirty="0" err="1"/>
+              <a:t>koreanAge</a:t>
+            </a:r>
+            <a:r>
+              <a:rPr lang="en-US" altLang="ko-KR" sz="1200" dirty="0"/>
+              <a:t> {</a:t>
+            </a:r>
+          </a:p>
+          <a:p>
+            <a:r>
+              <a:rPr lang="en-US" altLang="ko-KR" sz="1200" dirty="0"/>
+              <a:t>	case 8...13:</a:t>
+            </a:r>
+          </a:p>
+          <a:p>
+            <a:r>
+              <a:rPr lang="en-US" altLang="ko-KR" sz="1200" dirty="0" smtClean="0"/>
+              <a:t>	      self </a:t>
+            </a:r>
+            <a:r>
+              <a:rPr lang="en-US" altLang="ko-KR" sz="1200" dirty="0"/>
+              <a:t>= .elementary</a:t>
+            </a:r>
+          </a:p>
+          <a:p>
+            <a:r>
+              <a:rPr lang="en-US" altLang="ko-KR" sz="1200" dirty="0"/>
+              <a:t>	</a:t>
+            </a:r>
+            <a:r>
+              <a:rPr lang="en-US" altLang="ko-KR" sz="1200" dirty="0" smtClean="0"/>
+              <a:t>case </a:t>
+            </a:r>
+            <a:r>
+              <a:rPr lang="en-US" altLang="ko-KR" sz="1200" dirty="0"/>
+              <a:t>14...16:</a:t>
+            </a:r>
+          </a:p>
+          <a:p>
+            <a:r>
+              <a:rPr lang="en-US" altLang="ko-KR" sz="1200" dirty="0"/>
+              <a:t>	</a:t>
+            </a:r>
+            <a:r>
+              <a:rPr lang="en-US" altLang="ko-KR" sz="1200" dirty="0" smtClean="0"/>
+              <a:t>      self </a:t>
+            </a:r>
+            <a:r>
+              <a:rPr lang="en-US" altLang="ko-KR" sz="1200" dirty="0"/>
+              <a:t>= .middle</a:t>
+            </a:r>
+          </a:p>
+          <a:p>
+            <a:r>
+              <a:rPr lang="en-US" altLang="ko-KR" sz="1200" dirty="0"/>
+              <a:t>	</a:t>
+            </a:r>
+            <a:r>
+              <a:rPr lang="en-US" altLang="ko-KR" sz="1200" dirty="0" smtClean="0"/>
+              <a:t>case </a:t>
+            </a:r>
+            <a:r>
+              <a:rPr lang="en-US" altLang="ko-KR" sz="1200" dirty="0"/>
+              <a:t>17...19:</a:t>
+            </a:r>
+          </a:p>
+          <a:p>
+            <a:r>
+              <a:rPr lang="en-US" altLang="ko-KR" sz="1200" dirty="0"/>
+              <a:t>	</a:t>
+            </a:r>
+            <a:r>
+              <a:rPr lang="en-US" altLang="ko-KR" sz="1200" dirty="0" smtClean="0"/>
+              <a:t>      self </a:t>
+            </a:r>
+            <a:r>
+              <a:rPr lang="en-US" altLang="ko-KR" sz="1200" dirty="0"/>
+              <a:t>= .high</a:t>
+            </a:r>
+          </a:p>
+          <a:p>
+            <a:r>
+              <a:rPr lang="en-US" altLang="ko-KR" sz="1200" dirty="0"/>
+              <a:t>	</a:t>
+            </a:r>
+            <a:r>
+              <a:rPr lang="en-US" altLang="ko-KR" sz="1200" dirty="0" smtClean="0"/>
+              <a:t>default</a:t>
+            </a:r>
+            <a:r>
+              <a:rPr lang="en-US" altLang="ko-KR" sz="1200" dirty="0"/>
+              <a:t>:</a:t>
+            </a:r>
+          </a:p>
+          <a:p>
+            <a:r>
+              <a:rPr lang="en-US" altLang="ko-KR" sz="1200" dirty="0"/>
+              <a:t>	</a:t>
+            </a:r>
+            <a:r>
+              <a:rPr lang="en-US" altLang="ko-KR" sz="1200" dirty="0" smtClean="0"/>
+              <a:t>      self </a:t>
+            </a:r>
+            <a:r>
+              <a:rPr lang="en-US" altLang="ko-KR" sz="1200" dirty="0"/>
+              <a:t>= .none</a:t>
+            </a:r>
+          </a:p>
+          <a:p>
+            <a:r>
+              <a:rPr lang="en-US" altLang="ko-KR" sz="1200" dirty="0"/>
+              <a:t>	</a:t>
+            </a:r>
+            <a:r>
+              <a:rPr lang="en-US" altLang="ko-KR" sz="1200" dirty="0" smtClean="0"/>
+              <a:t>}</a:t>
+            </a:r>
+            <a:endParaRPr lang="en-US" altLang="ko-KR" sz="1200" dirty="0"/>
+          </a:p>
+          <a:p>
+            <a:r>
+              <a:rPr lang="en-US" altLang="ko-KR" sz="1200" dirty="0" smtClean="0"/>
+              <a:t>      }</a:t>
+            </a:r>
+            <a:endParaRPr lang="en-US" altLang="ko-KR" sz="1200" dirty="0"/>
+          </a:p>
+          <a:p>
+            <a:endParaRPr lang="en-US" altLang="ko-KR" sz="1200" dirty="0"/>
+          </a:p>
+          <a:p>
+            <a:r>
+              <a:rPr lang="en-US" altLang="ko-KR" sz="1200" dirty="0" smtClean="0"/>
+              <a:t>      </a:t>
+            </a:r>
+            <a:r>
+              <a:rPr lang="en-US" altLang="ko-KR" sz="1200" dirty="0" err="1" smtClean="0">
+                <a:solidFill>
+                  <a:schemeClr val="accent3"/>
+                </a:solidFill>
+              </a:rPr>
+              <a:t>init</a:t>
+            </a:r>
+            <a:r>
+              <a:rPr lang="en-US" altLang="ko-KR" sz="1200" dirty="0" smtClean="0">
+                <a:solidFill>
+                  <a:schemeClr val="accent3"/>
+                </a:solidFill>
+              </a:rPr>
+              <a:t> </a:t>
+            </a:r>
+            <a:r>
+              <a:rPr lang="en-US" altLang="ko-KR" sz="1200" dirty="0">
+                <a:solidFill>
+                  <a:schemeClr val="accent3"/>
+                </a:solidFill>
+              </a:rPr>
+              <a:t>(</a:t>
+            </a:r>
+            <a:r>
+              <a:rPr lang="en-US" altLang="ko-KR" sz="1200" dirty="0" err="1">
+                <a:solidFill>
+                  <a:schemeClr val="accent3"/>
+                </a:solidFill>
+              </a:rPr>
+              <a:t>bornAt</a:t>
+            </a:r>
+            <a:r>
+              <a:rPr lang="en-US" altLang="ko-KR" sz="1200" dirty="0">
+                <a:solidFill>
+                  <a:schemeClr val="accent3"/>
+                </a:solidFill>
+              </a:rPr>
+              <a:t>: </a:t>
+            </a:r>
+            <a:r>
+              <a:rPr lang="en-US" altLang="ko-KR" sz="1200" dirty="0" err="1">
+                <a:solidFill>
+                  <a:schemeClr val="accent3"/>
+                </a:solidFill>
+              </a:rPr>
+              <a:t>Int</a:t>
+            </a:r>
+            <a:r>
+              <a:rPr lang="en-US" altLang="ko-KR" sz="1200" dirty="0">
+                <a:solidFill>
+                  <a:schemeClr val="accent3"/>
+                </a:solidFill>
+              </a:rPr>
+              <a:t>, </a:t>
+            </a:r>
+            <a:r>
+              <a:rPr lang="en-US" altLang="ko-KR" sz="1200" dirty="0" err="1">
+                <a:solidFill>
+                  <a:schemeClr val="accent3"/>
+                </a:solidFill>
+              </a:rPr>
+              <a:t>currentYear</a:t>
+            </a:r>
+            <a:r>
+              <a:rPr lang="en-US" altLang="ko-KR" sz="1200" dirty="0">
+                <a:solidFill>
+                  <a:schemeClr val="accent3"/>
+                </a:solidFill>
+              </a:rPr>
+              <a:t>: </a:t>
+            </a:r>
+            <a:r>
+              <a:rPr lang="en-US" altLang="ko-KR" sz="1200" dirty="0" err="1">
+                <a:solidFill>
+                  <a:schemeClr val="accent3"/>
+                </a:solidFill>
+              </a:rPr>
+              <a:t>Int</a:t>
+            </a:r>
+            <a:r>
+              <a:rPr lang="en-US" altLang="ko-KR" sz="1200" dirty="0">
+                <a:solidFill>
+                  <a:schemeClr val="accent3"/>
+                </a:solidFill>
+              </a:rPr>
+              <a:t>) {</a:t>
+            </a:r>
+          </a:p>
+          <a:p>
+            <a:r>
+              <a:rPr lang="en-US" altLang="ko-KR" sz="1200" dirty="0"/>
+              <a:t>	</a:t>
+            </a:r>
+            <a:r>
+              <a:rPr lang="en-US" altLang="ko-KR" sz="1200" dirty="0" err="1">
+                <a:solidFill>
+                  <a:schemeClr val="accent2"/>
+                </a:solidFill>
+              </a:rPr>
+              <a:t>self.init</a:t>
+            </a:r>
+            <a:r>
+              <a:rPr lang="en-US" altLang="ko-KR" sz="1200" dirty="0">
+                <a:solidFill>
+                  <a:schemeClr val="accent2"/>
+                </a:solidFill>
+              </a:rPr>
+              <a:t>(</a:t>
+            </a:r>
+            <a:r>
+              <a:rPr lang="en-US" altLang="ko-KR" sz="1200" dirty="0" err="1">
+                <a:solidFill>
+                  <a:schemeClr val="accent2"/>
+                </a:solidFill>
+              </a:rPr>
+              <a:t>koreanAge</a:t>
+            </a:r>
+            <a:r>
+              <a:rPr lang="en-US" altLang="ko-KR" sz="1200" dirty="0">
+                <a:solidFill>
+                  <a:schemeClr val="accent2"/>
+                </a:solidFill>
+              </a:rPr>
+              <a:t>: </a:t>
+            </a:r>
+            <a:r>
+              <a:rPr lang="en-US" altLang="ko-KR" sz="1200" dirty="0" err="1">
+                <a:solidFill>
+                  <a:schemeClr val="accent2"/>
+                </a:solidFill>
+              </a:rPr>
+              <a:t>currentYear</a:t>
+            </a:r>
+            <a:r>
+              <a:rPr lang="en-US" altLang="ko-KR" sz="1200" dirty="0">
+                <a:solidFill>
+                  <a:schemeClr val="accent2"/>
+                </a:solidFill>
+              </a:rPr>
+              <a:t> - </a:t>
+            </a:r>
+            <a:r>
+              <a:rPr lang="en-US" altLang="ko-KR" sz="1200" dirty="0" err="1">
+                <a:solidFill>
+                  <a:schemeClr val="accent2"/>
+                </a:solidFill>
+              </a:rPr>
+              <a:t>bornAt</a:t>
+            </a:r>
+            <a:r>
+              <a:rPr lang="en-US" altLang="ko-KR" sz="1200" dirty="0">
+                <a:solidFill>
+                  <a:schemeClr val="accent2"/>
+                </a:solidFill>
+              </a:rPr>
+              <a:t> + 1)</a:t>
+            </a:r>
+          </a:p>
+          <a:p>
+            <a:r>
+              <a:rPr lang="en-US" altLang="ko-KR" sz="1200" dirty="0" smtClean="0"/>
+              <a:t>      }</a:t>
+            </a:r>
+            <a:endParaRPr lang="en-US" altLang="ko-KR" sz="1200" dirty="0"/>
+          </a:p>
+          <a:p>
+            <a:r>
+              <a:rPr lang="en-US" altLang="ko-KR" sz="1200" dirty="0"/>
+              <a:t>}</a:t>
+            </a:r>
+            <a:endParaRPr lang="ko-KR" altLang="en-US" sz="1200" dirty="0">
+              <a:solidFill>
+                <a:schemeClr val="accent2"/>
+              </a:solidFill>
+            </a:endParaRPr>
+          </a:p>
+        </p:txBody>
+      </p:sp>
+      <p:sp>
+        <p:nvSpPr>
+          <p:cNvPr id="6" name="TextBox 5"/>
+          <p:cNvSpPr txBox="1"/>
+          <p:nvPr/>
+        </p:nvSpPr>
+        <p:spPr>
+          <a:xfrm>
+            <a:off x="4932040" y="3564016"/>
+            <a:ext cx="4608512" cy="1015663"/>
+          </a:xfrm>
+          <a:prstGeom prst="rect">
+            <a:avLst/>
+          </a:prstGeom>
+          <a:noFill/>
+        </p:spPr>
+        <p:txBody>
+          <a:bodyPr wrap="square" rtlCol="0">
+            <a:spAutoFit/>
+          </a:bodyPr>
+          <a:lstStyle/>
+          <a:p>
+            <a:r>
+              <a:rPr lang="en-US" altLang="ko-KR" sz="1200" dirty="0" err="1"/>
+              <a:t>var</a:t>
+            </a:r>
+            <a:r>
+              <a:rPr lang="en-US" altLang="ko-KR" sz="1200" dirty="0"/>
+              <a:t> student: Student = Student(</a:t>
+            </a:r>
+            <a:r>
+              <a:rPr lang="en-US" altLang="ko-KR" sz="1200" dirty="0" err="1"/>
+              <a:t>koreanAge</a:t>
+            </a:r>
+            <a:r>
+              <a:rPr lang="en-US" altLang="ko-KR" sz="1200" dirty="0"/>
+              <a:t>: 10)</a:t>
+            </a:r>
+          </a:p>
+          <a:p>
+            <a:r>
+              <a:rPr lang="en-US" altLang="ko-KR" sz="1200" dirty="0"/>
+              <a:t>print(student)</a:t>
+            </a:r>
+          </a:p>
+          <a:p>
+            <a:endParaRPr lang="en-US" altLang="ko-KR" sz="1200" dirty="0"/>
+          </a:p>
+          <a:p>
+            <a:r>
+              <a:rPr lang="en-US" altLang="ko-KR" sz="1200" dirty="0"/>
+              <a:t>student = </a:t>
+            </a:r>
+            <a:r>
+              <a:rPr lang="en-US" altLang="ko-KR" sz="1200" dirty="0">
+                <a:solidFill>
+                  <a:schemeClr val="accent3"/>
+                </a:solidFill>
+              </a:rPr>
+              <a:t>Student(</a:t>
+            </a:r>
+            <a:r>
+              <a:rPr lang="en-US" altLang="ko-KR" sz="1200" dirty="0" err="1">
+                <a:solidFill>
+                  <a:schemeClr val="accent3"/>
+                </a:solidFill>
+              </a:rPr>
+              <a:t>bornAt</a:t>
+            </a:r>
+            <a:r>
+              <a:rPr lang="en-US" altLang="ko-KR" sz="1200" dirty="0">
+                <a:solidFill>
+                  <a:schemeClr val="accent3"/>
+                </a:solidFill>
+              </a:rPr>
+              <a:t>: 2000, </a:t>
+            </a:r>
+            <a:r>
+              <a:rPr lang="en-US" altLang="ko-KR" sz="1200" dirty="0" err="1">
+                <a:solidFill>
+                  <a:schemeClr val="accent3"/>
+                </a:solidFill>
+              </a:rPr>
+              <a:t>currentYear</a:t>
+            </a:r>
+            <a:r>
+              <a:rPr lang="en-US" altLang="ko-KR" sz="1200" dirty="0">
+                <a:solidFill>
+                  <a:schemeClr val="accent3"/>
+                </a:solidFill>
+              </a:rPr>
+              <a:t>: 2017)</a:t>
+            </a:r>
+          </a:p>
+          <a:p>
+            <a:r>
+              <a:rPr lang="en-US" altLang="ko-KR" sz="1200" dirty="0"/>
+              <a:t>print(student)</a:t>
+            </a:r>
+            <a:endParaRPr lang="ko-KR" altLang="en-US" sz="1200" dirty="0">
+              <a:solidFill>
+                <a:schemeClr val="accent2"/>
+              </a:solidFill>
+            </a:endParaRPr>
+          </a:p>
+        </p:txBody>
+      </p:sp>
+    </p:spTree>
+    <p:extLst>
+      <p:ext uri="{BB962C8B-B14F-4D97-AF65-F5344CB8AC3E}">
+        <p14:creationId xmlns:p14="http://schemas.microsoft.com/office/powerpoint/2010/main" val="3340468309"/>
+      </p:ext>
+    </p:extLst>
+  </p:cSld>
+  <p:clrMapOvr>
+    <a:masterClrMapping/>
+  </p:clrMapOvr>
+</p:sld>
+</file>
+
+<file path=ppt/slides/slide95.xml><?xml version="1.0" encoding="utf-8"?>
+<p:sld xmlns:a="http://schemas.openxmlformats.org/drawingml/2006/main" xmlns:r="http://schemas.openxmlformats.org/officeDocument/2006/relationships" xmlns:p="http://schemas.openxmlformats.org/presentationml/2006/main">
+  <p:cSld>
+    <p:spTree>
+      <p:nvGrpSpPr>
+        <p:cNvPr id="1" name=""/>
+        <p:cNvGrpSpPr/>
+        <p:nvPr/>
+      </p:nvGrpSpPr>
+      <p:grpSpPr>
+        <a:xfrm>
+          <a:off x="0" y="0"/>
+          <a:ext cx="0" cy="0"/>
+          <a:chOff x="0" y="0"/>
+          <a:chExt cx="0" cy="0"/>
+        </a:xfrm>
+      </p:grpSpPr>
+      <p:sp>
+        <p:nvSpPr>
+          <p:cNvPr id="2" name="제목 1"/>
+          <p:cNvSpPr>
+            <a:spLocks noGrp="1"/>
+          </p:cNvSpPr>
+          <p:nvPr>
+            <p:ph type="title"/>
+          </p:nvPr>
+        </p:nvSpPr>
+        <p:spPr/>
+        <p:txBody>
+          <a:bodyPr/>
+          <a:lstStyle/>
+          <a:p>
+            <a:r>
+              <a:rPr lang="ko-KR" altLang="en-US" dirty="0"/>
+              <a:t>인스턴스의 생성 및 소멸</a:t>
+            </a:r>
+            <a:endParaRPr lang="ko-KR" altLang="en-US" dirty="0"/>
+          </a:p>
+        </p:txBody>
+      </p:sp>
+      <p:sp>
+        <p:nvSpPr>
+          <p:cNvPr id="3" name="내용 개체 틀 2"/>
+          <p:cNvSpPr>
+            <a:spLocks noGrp="1"/>
+          </p:cNvSpPr>
+          <p:nvPr>
+            <p:ph idx="1"/>
+          </p:nvPr>
+        </p:nvSpPr>
+        <p:spPr/>
+        <p:txBody>
+          <a:bodyPr>
+            <a:normAutofit/>
+          </a:bodyPr>
+          <a:lstStyle/>
+          <a:p>
+            <a:r>
+              <a:rPr lang="ko-KR" altLang="en-US" dirty="0"/>
+              <a:t>초기화 </a:t>
+            </a:r>
+            <a:r>
+              <a:rPr lang="ko-KR" altLang="en-US" dirty="0" smtClean="0"/>
+              <a:t>위임</a:t>
+            </a:r>
+            <a:endParaRPr lang="en-US" altLang="ko-KR" dirty="0" smtClean="0"/>
+          </a:p>
+        </p:txBody>
+      </p:sp>
+      <p:pic>
+        <p:nvPicPr>
+          <p:cNvPr id="7" name="그림 6"/>
+          <p:cNvPicPr>
+            <a:picLocks noChangeAspect="1"/>
+          </p:cNvPicPr>
+          <p:nvPr/>
+        </p:nvPicPr>
+        <p:blipFill rotWithShape="1">
+          <a:blip r:embed="rId2"/>
+          <a:srcRect t="9889"/>
+          <a:stretch/>
+        </p:blipFill>
+        <p:spPr>
+          <a:xfrm>
+            <a:off x="1403648" y="1340768"/>
+            <a:ext cx="6239644" cy="5463751"/>
+          </a:xfrm>
+          <a:prstGeom prst="rect">
+            <a:avLst/>
+          </a:prstGeom>
+        </p:spPr>
+      </p:pic>
+    </p:spTree>
+    <p:extLst>
+      <p:ext uri="{BB962C8B-B14F-4D97-AF65-F5344CB8AC3E}">
+        <p14:creationId xmlns:p14="http://schemas.microsoft.com/office/powerpoint/2010/main" val="615617263"/>
+      </p:ext>
+    </p:extLst>
+  </p:cSld>
+  <p:clrMapOvr>
+    <a:masterClrMapping/>
+  </p:clrMapOvr>
+</p:sld>
+</file>
+
+<file path=ppt/slides/slide96.xml><?xml version="1.0" encoding="utf-8"?>
+<p:sld xmlns:a="http://schemas.openxmlformats.org/drawingml/2006/main" xmlns:r="http://schemas.openxmlformats.org/officeDocument/2006/relationships" xmlns:p="http://schemas.openxmlformats.org/presentationml/2006/main">
+  <p:cSld>
+    <p:spTree>
+      <p:nvGrpSpPr>
+        <p:cNvPr id="1" name=""/>
+        <p:cNvGrpSpPr/>
+        <p:nvPr/>
+      </p:nvGrpSpPr>
+      <p:grpSpPr>
+        <a:xfrm>
+          <a:off x="0" y="0"/>
+          <a:ext cx="0" cy="0"/>
+          <a:chOff x="0" y="0"/>
+          <a:chExt cx="0" cy="0"/>
+        </a:xfrm>
+      </p:grpSpPr>
+      <p:sp>
+        <p:nvSpPr>
+          <p:cNvPr id="2" name="제목 1"/>
+          <p:cNvSpPr>
+            <a:spLocks noGrp="1"/>
+          </p:cNvSpPr>
+          <p:nvPr>
+            <p:ph type="title"/>
+          </p:nvPr>
+        </p:nvSpPr>
+        <p:spPr/>
+        <p:txBody>
+          <a:bodyPr/>
+          <a:lstStyle/>
+          <a:p>
+            <a:r>
+              <a:rPr lang="ko-KR" altLang="en-US" dirty="0"/>
+              <a:t>인스턴스의 생성 및 소멸</a:t>
+            </a:r>
+            <a:endParaRPr lang="ko-KR" altLang="en-US" dirty="0"/>
+          </a:p>
+        </p:txBody>
+      </p:sp>
+      <p:sp>
+        <p:nvSpPr>
+          <p:cNvPr id="3" name="내용 개체 틀 2"/>
+          <p:cNvSpPr>
+            <a:spLocks noGrp="1"/>
+          </p:cNvSpPr>
+          <p:nvPr>
+            <p:ph idx="1"/>
+          </p:nvPr>
+        </p:nvSpPr>
+        <p:spPr/>
+        <p:txBody>
+          <a:bodyPr>
+            <a:normAutofit/>
+          </a:bodyPr>
+          <a:lstStyle/>
+          <a:p>
+            <a:r>
+              <a:rPr lang="ko-KR" altLang="en-US" dirty="0" err="1"/>
+              <a:t>실패가능한</a:t>
+            </a:r>
+            <a:r>
+              <a:rPr lang="ko-KR" altLang="en-US" dirty="0"/>
+              <a:t> </a:t>
+            </a:r>
+            <a:r>
+              <a:rPr lang="en-US" altLang="ko-KR" dirty="0"/>
+              <a:t>initializer (</a:t>
+            </a:r>
+            <a:r>
+              <a:rPr lang="en-US" altLang="ko-KR" dirty="0" err="1"/>
+              <a:t>Failable</a:t>
+            </a:r>
+            <a:r>
+              <a:rPr lang="en-US" altLang="ko-KR" dirty="0"/>
+              <a:t> initializer)</a:t>
+            </a:r>
+            <a:endParaRPr lang="en-US" altLang="ko-KR" dirty="0" smtClean="0"/>
+          </a:p>
+          <a:p>
+            <a:pPr lvl="1"/>
+            <a:r>
+              <a:rPr lang="en-US" altLang="ko-KR" dirty="0"/>
+              <a:t>instance</a:t>
+            </a:r>
+            <a:r>
+              <a:rPr lang="ko-KR" altLang="en-US" dirty="0"/>
+              <a:t>가 초기화 되지 못하는 경우가 </a:t>
+            </a:r>
+            <a:r>
+              <a:rPr lang="ko-KR" altLang="en-US" dirty="0" smtClean="0"/>
+              <a:t>있다</a:t>
+            </a:r>
+            <a:endParaRPr lang="en-US" altLang="ko-KR" dirty="0"/>
+          </a:p>
+          <a:p>
+            <a:pPr lvl="2"/>
+            <a:r>
+              <a:rPr lang="ko-KR" altLang="en-US" dirty="0" smtClean="0"/>
+              <a:t>예</a:t>
+            </a:r>
+            <a:r>
+              <a:rPr lang="en-US" altLang="ko-KR" dirty="0"/>
+              <a:t>) initializer</a:t>
+            </a:r>
+            <a:r>
+              <a:rPr lang="ko-KR" altLang="en-US" dirty="0"/>
+              <a:t>의 </a:t>
+            </a:r>
+            <a:r>
+              <a:rPr lang="ko-KR" altLang="en-US" dirty="0" err="1"/>
+              <a:t>전달인자로</a:t>
+            </a:r>
+            <a:r>
+              <a:rPr lang="ko-KR" altLang="en-US" dirty="0"/>
+              <a:t> 잘못된 값이 전달되었을 때</a:t>
+            </a:r>
+            <a:endParaRPr lang="en-US" altLang="ko-KR" dirty="0" smtClean="0"/>
+          </a:p>
+          <a:p>
+            <a:pPr lvl="1"/>
+            <a:r>
+              <a:rPr lang="ko-KR" altLang="en-US" dirty="0"/>
+              <a:t>실패하였을 때 </a:t>
+            </a:r>
+            <a:r>
+              <a:rPr lang="en-US" altLang="ko-KR" dirty="0"/>
+              <a:t>nil</a:t>
+            </a:r>
+            <a:r>
+              <a:rPr lang="ko-KR" altLang="en-US" dirty="0"/>
+              <a:t>을 반환해주므로 </a:t>
+            </a:r>
+            <a:r>
+              <a:rPr lang="en-US" altLang="ko-KR" dirty="0"/>
+              <a:t>optional</a:t>
+            </a:r>
+            <a:r>
+              <a:rPr lang="ko-KR" altLang="en-US" dirty="0"/>
+              <a:t>로 </a:t>
+            </a:r>
+            <a:r>
+              <a:rPr lang="ko-KR" altLang="en-US" dirty="0" smtClean="0"/>
+              <a:t>지정</a:t>
+            </a:r>
+            <a:endParaRPr lang="en-US" altLang="ko-KR" dirty="0" smtClean="0"/>
+          </a:p>
+          <a:p>
+            <a:pPr lvl="2"/>
+            <a:r>
+              <a:rPr lang="en-US" altLang="ko-KR" dirty="0" smtClean="0"/>
+              <a:t>(</a:t>
+            </a:r>
+            <a:r>
+              <a:rPr lang="ko-KR" altLang="en-US" dirty="0"/>
+              <a:t>실제로 반환하지 않음</a:t>
+            </a:r>
+            <a:r>
+              <a:rPr lang="en-US" altLang="ko-KR" dirty="0" smtClean="0"/>
+              <a:t>. </a:t>
+            </a:r>
+            <a:r>
+              <a:rPr lang="ko-KR" altLang="en-US" dirty="0" smtClean="0"/>
+              <a:t>성공과 실패의 표현</a:t>
+            </a:r>
+            <a:r>
+              <a:rPr lang="en-US" altLang="ko-KR" dirty="0" smtClean="0"/>
+              <a:t>)</a:t>
+            </a:r>
+          </a:p>
+          <a:p>
+            <a:pPr lvl="1"/>
+            <a:r>
+              <a:rPr lang="en-US" altLang="ko-KR" dirty="0" err="1"/>
+              <a:t>init</a:t>
+            </a:r>
+            <a:r>
+              <a:rPr lang="en-US" altLang="ko-KR" dirty="0"/>
+              <a:t>? </a:t>
+            </a:r>
+            <a:r>
+              <a:rPr lang="ko-KR" altLang="en-US" dirty="0"/>
+              <a:t>키워드 </a:t>
+            </a:r>
+            <a:r>
+              <a:rPr lang="ko-KR" altLang="en-US" dirty="0" smtClean="0"/>
+              <a:t>사용</a:t>
+            </a:r>
+            <a:endParaRPr lang="en-US" altLang="ko-KR" dirty="0" smtClean="0"/>
+          </a:p>
+          <a:p>
+            <a:pPr lvl="1"/>
+            <a:endParaRPr lang="en-US" altLang="ko-KR" dirty="0"/>
+          </a:p>
+          <a:p>
+            <a:pPr lvl="1"/>
+            <a:endParaRPr lang="en-US" altLang="ko-KR" dirty="0"/>
+          </a:p>
+          <a:p>
+            <a:endParaRPr lang="en-US" altLang="ko-KR" dirty="0" smtClean="0"/>
+          </a:p>
+          <a:p>
+            <a:endParaRPr lang="en-US" altLang="ko-KR" dirty="0"/>
+          </a:p>
+          <a:p>
+            <a:pPr marL="454914" lvl="1" indent="0">
+              <a:buNone/>
+            </a:pPr>
+            <a:endParaRPr lang="en-US" altLang="ko-KR" dirty="0" smtClean="0"/>
+          </a:p>
+          <a:p>
+            <a:endParaRPr lang="en-US" altLang="ko-KR" dirty="0"/>
+          </a:p>
+          <a:p>
+            <a:endParaRPr lang="en-US" altLang="ko-KR" dirty="0" smtClean="0"/>
+          </a:p>
+          <a:p>
+            <a:endParaRPr lang="en-US" altLang="ko-KR" dirty="0"/>
+          </a:p>
+          <a:p>
+            <a:endParaRPr lang="en-US" altLang="ko-KR" dirty="0" smtClean="0"/>
+          </a:p>
+          <a:p>
+            <a:endParaRPr lang="en-US" altLang="ko-KR" dirty="0"/>
+          </a:p>
+        </p:txBody>
+      </p:sp>
+      <p:sp>
+        <p:nvSpPr>
+          <p:cNvPr id="5" name="TextBox 4"/>
+          <p:cNvSpPr txBox="1"/>
+          <p:nvPr/>
+        </p:nvSpPr>
+        <p:spPr>
+          <a:xfrm>
+            <a:off x="755576" y="2996952"/>
+            <a:ext cx="3456384" cy="3416320"/>
+          </a:xfrm>
+          <a:prstGeom prst="rect">
+            <a:avLst/>
+          </a:prstGeom>
+          <a:noFill/>
+        </p:spPr>
+        <p:txBody>
+          <a:bodyPr wrap="square" rtlCol="0">
+            <a:spAutoFit/>
+          </a:bodyPr>
+          <a:lstStyle/>
+          <a:p>
+            <a:r>
+              <a:rPr lang="en-US" altLang="ko-KR" dirty="0"/>
+              <a:t>class Person {</a:t>
+            </a:r>
+          </a:p>
+          <a:p>
+            <a:r>
+              <a:rPr lang="en-US" altLang="ko-KR" dirty="0" smtClean="0"/>
+              <a:t>      let </a:t>
+            </a:r>
+            <a:r>
+              <a:rPr lang="en-US" altLang="ko-KR" dirty="0"/>
+              <a:t>name: String</a:t>
+            </a:r>
+          </a:p>
+          <a:p>
+            <a:endParaRPr lang="en-US" altLang="ko-KR" dirty="0"/>
+          </a:p>
+          <a:p>
+            <a:r>
+              <a:rPr lang="en-US" altLang="ko-KR" dirty="0" smtClean="0"/>
+              <a:t>      </a:t>
+            </a:r>
+            <a:r>
+              <a:rPr lang="en-US" altLang="ko-KR" dirty="0" smtClean="0">
+                <a:solidFill>
+                  <a:schemeClr val="accent3"/>
+                </a:solidFill>
+              </a:rPr>
+              <a:t>// </a:t>
+            </a:r>
+            <a:r>
+              <a:rPr lang="en-US" altLang="ko-KR" dirty="0" err="1">
+                <a:solidFill>
+                  <a:schemeClr val="accent3"/>
+                </a:solidFill>
+              </a:rPr>
+              <a:t>Failable</a:t>
+            </a:r>
+            <a:r>
+              <a:rPr lang="en-US" altLang="ko-KR" dirty="0">
+                <a:solidFill>
+                  <a:schemeClr val="accent3"/>
+                </a:solidFill>
+              </a:rPr>
+              <a:t> initializer</a:t>
+            </a:r>
+          </a:p>
+          <a:p>
+            <a:r>
+              <a:rPr lang="en-US" altLang="ko-KR" dirty="0" smtClean="0"/>
+              <a:t>      </a:t>
+            </a:r>
+            <a:r>
+              <a:rPr lang="en-US" altLang="ko-KR" dirty="0" err="1" smtClean="0">
+                <a:solidFill>
+                  <a:schemeClr val="accent2"/>
+                </a:solidFill>
+              </a:rPr>
+              <a:t>init</a:t>
+            </a:r>
+            <a:r>
+              <a:rPr lang="en-US" altLang="ko-KR" dirty="0">
+                <a:solidFill>
+                  <a:schemeClr val="accent2"/>
+                </a:solidFill>
+              </a:rPr>
+              <a:t>?(name: String) </a:t>
+            </a:r>
+            <a:r>
+              <a:rPr lang="en-US" altLang="ko-KR" dirty="0"/>
+              <a:t>{</a:t>
+            </a:r>
+          </a:p>
+          <a:p>
+            <a:r>
+              <a:rPr lang="en-US" altLang="ko-KR" dirty="0"/>
+              <a:t>	if </a:t>
+            </a:r>
+            <a:r>
+              <a:rPr lang="en-US" altLang="ko-KR" dirty="0" err="1"/>
+              <a:t>name.isEmpty</a:t>
+            </a:r>
+            <a:r>
+              <a:rPr lang="en-US" altLang="ko-KR" dirty="0"/>
+              <a:t> {</a:t>
+            </a:r>
+          </a:p>
+          <a:p>
+            <a:r>
+              <a:rPr lang="en-US" altLang="ko-KR" dirty="0"/>
+              <a:t>		</a:t>
+            </a:r>
+            <a:r>
+              <a:rPr lang="en-US" altLang="ko-KR" dirty="0">
+                <a:solidFill>
+                  <a:schemeClr val="accent2"/>
+                </a:solidFill>
+              </a:rPr>
+              <a:t>return nil</a:t>
+            </a:r>
+          </a:p>
+          <a:p>
+            <a:r>
+              <a:rPr lang="en-US" altLang="ko-KR" dirty="0"/>
+              <a:t>	}</a:t>
+            </a:r>
+          </a:p>
+          <a:p>
+            <a:endParaRPr lang="en-US" altLang="ko-KR" dirty="0"/>
+          </a:p>
+          <a:p>
+            <a:r>
+              <a:rPr lang="en-US" altLang="ko-KR" dirty="0"/>
+              <a:t>	self.name = name</a:t>
+            </a:r>
+          </a:p>
+          <a:p>
+            <a:r>
+              <a:rPr lang="en-US" altLang="ko-KR" dirty="0" smtClean="0"/>
+              <a:t>      }</a:t>
+            </a:r>
+            <a:endParaRPr lang="en-US" altLang="ko-KR" dirty="0"/>
+          </a:p>
+          <a:p>
+            <a:r>
+              <a:rPr lang="en-US" altLang="ko-KR" dirty="0"/>
+              <a:t>}</a:t>
+            </a:r>
+            <a:endParaRPr lang="ko-KR" altLang="en-US" dirty="0">
+              <a:solidFill>
+                <a:schemeClr val="accent2"/>
+              </a:solidFill>
+            </a:endParaRPr>
+          </a:p>
+        </p:txBody>
+      </p:sp>
+      <p:sp>
+        <p:nvSpPr>
+          <p:cNvPr id="6" name="TextBox 5"/>
+          <p:cNvSpPr txBox="1"/>
+          <p:nvPr/>
+        </p:nvSpPr>
+        <p:spPr>
+          <a:xfrm>
+            <a:off x="4139952" y="2996952"/>
+            <a:ext cx="4608512" cy="3539430"/>
+          </a:xfrm>
+          <a:prstGeom prst="rect">
+            <a:avLst/>
+          </a:prstGeom>
+          <a:noFill/>
+        </p:spPr>
+        <p:txBody>
+          <a:bodyPr wrap="square" rtlCol="0">
+            <a:spAutoFit/>
+          </a:bodyPr>
+          <a:lstStyle/>
+          <a:p>
+            <a:r>
+              <a:rPr lang="en-US" altLang="ko-KR" sz="1400" dirty="0"/>
+              <a:t>let </a:t>
+            </a:r>
+            <a:r>
+              <a:rPr lang="en-US" altLang="ko-KR" sz="1400" dirty="0" err="1"/>
+              <a:t>myInfo</a:t>
+            </a:r>
+            <a:r>
+              <a:rPr lang="en-US" altLang="ko-KR" sz="1400" dirty="0"/>
+              <a:t>: Person? = Person(name: "Kyoungho")</a:t>
+            </a:r>
+          </a:p>
+          <a:p>
+            <a:endParaRPr lang="en-US" altLang="ko-KR" sz="1400" dirty="0"/>
+          </a:p>
+          <a:p>
+            <a:r>
+              <a:rPr lang="en-US" altLang="ko-KR" sz="1400" dirty="0"/>
+              <a:t>if let person: Person = </a:t>
+            </a:r>
+            <a:r>
+              <a:rPr lang="en-US" altLang="ko-KR" sz="1400" dirty="0" err="1"/>
+              <a:t>myInfo</a:t>
+            </a:r>
+            <a:r>
+              <a:rPr lang="en-US" altLang="ko-KR" sz="1400" dirty="0"/>
+              <a:t> {</a:t>
+            </a:r>
+          </a:p>
+          <a:p>
+            <a:r>
+              <a:rPr lang="en-US" altLang="ko-KR" sz="1400" dirty="0"/>
+              <a:t>	print(person.name)</a:t>
+            </a:r>
+          </a:p>
+          <a:p>
+            <a:r>
+              <a:rPr lang="en-US" altLang="ko-KR" sz="1400" dirty="0"/>
+              <a:t>} else {</a:t>
+            </a:r>
+          </a:p>
+          <a:p>
+            <a:r>
+              <a:rPr lang="en-US" altLang="ko-KR" sz="1400" dirty="0"/>
+              <a:t>	print("Person is not initialized.")</a:t>
+            </a:r>
+          </a:p>
+          <a:p>
+            <a:r>
+              <a:rPr lang="en-US" altLang="ko-KR" sz="1400" dirty="0"/>
+              <a:t>}</a:t>
+            </a:r>
+          </a:p>
+          <a:p>
+            <a:endParaRPr lang="en-US" altLang="ko-KR" sz="1400" dirty="0"/>
+          </a:p>
+          <a:p>
+            <a:endParaRPr lang="en-US" altLang="ko-KR" sz="1400" dirty="0"/>
+          </a:p>
+          <a:p>
+            <a:r>
+              <a:rPr lang="en-US" altLang="ko-KR" sz="1400" dirty="0"/>
+              <a:t>let </a:t>
+            </a:r>
+            <a:r>
+              <a:rPr lang="en-US" altLang="ko-KR" sz="1400" dirty="0" err="1"/>
+              <a:t>emptyInfo</a:t>
+            </a:r>
+            <a:r>
+              <a:rPr lang="en-US" altLang="ko-KR" sz="1400" dirty="0"/>
+              <a:t>: Person? = Person(name: "")</a:t>
+            </a:r>
+          </a:p>
+          <a:p>
+            <a:endParaRPr lang="en-US" altLang="ko-KR" sz="1400" dirty="0"/>
+          </a:p>
+          <a:p>
+            <a:r>
+              <a:rPr lang="en-US" altLang="ko-KR" sz="1400" dirty="0"/>
+              <a:t>if let person: Person = </a:t>
+            </a:r>
+            <a:r>
+              <a:rPr lang="en-US" altLang="ko-KR" sz="1400" dirty="0" err="1"/>
+              <a:t>emptyInfo</a:t>
+            </a:r>
+            <a:r>
+              <a:rPr lang="en-US" altLang="ko-KR" sz="1400" dirty="0"/>
+              <a:t> {</a:t>
+            </a:r>
+          </a:p>
+          <a:p>
+            <a:r>
+              <a:rPr lang="en-US" altLang="ko-KR" sz="1400" dirty="0"/>
+              <a:t>	print(person.name)</a:t>
+            </a:r>
+          </a:p>
+          <a:p>
+            <a:r>
+              <a:rPr lang="en-US" altLang="ko-KR" sz="1400" dirty="0"/>
+              <a:t>} else {</a:t>
+            </a:r>
+          </a:p>
+          <a:p>
+            <a:r>
+              <a:rPr lang="en-US" altLang="ko-KR" sz="1400" dirty="0"/>
+              <a:t>	print("Person is not initialized.") </a:t>
+            </a:r>
+          </a:p>
+          <a:p>
+            <a:r>
+              <a:rPr lang="en-US" altLang="ko-KR" sz="1400" dirty="0"/>
+              <a:t>}</a:t>
+            </a:r>
+            <a:endParaRPr lang="ko-KR" altLang="en-US" sz="1400" dirty="0">
+              <a:solidFill>
+                <a:schemeClr val="accent2"/>
+              </a:solidFill>
+            </a:endParaRPr>
+          </a:p>
+        </p:txBody>
+      </p:sp>
+    </p:spTree>
+    <p:extLst>
+      <p:ext uri="{BB962C8B-B14F-4D97-AF65-F5344CB8AC3E}">
+        <p14:creationId xmlns:p14="http://schemas.microsoft.com/office/powerpoint/2010/main" val="4288348812"/>
+      </p:ext>
+    </p:extLst>
+  </p:cSld>
+  <p:clrMapOvr>
+    <a:masterClrMapping/>
+  </p:clrMapOvr>
+</p:sld>
+</file>
+
+<file path=ppt/slides/slide97.xml><?xml version="1.0" encoding="utf-8"?>
+<p:sld xmlns:a="http://schemas.openxmlformats.org/drawingml/2006/main" xmlns:r="http://schemas.openxmlformats.org/officeDocument/2006/relationships" xmlns:p="http://schemas.openxmlformats.org/presentationml/2006/main">
+  <p:cSld>
+    <p:spTree>
+      <p:nvGrpSpPr>
+        <p:cNvPr id="1" name=""/>
+        <p:cNvGrpSpPr/>
+        <p:nvPr/>
+      </p:nvGrpSpPr>
+      <p:grpSpPr>
+        <a:xfrm>
+          <a:off x="0" y="0"/>
+          <a:ext cx="0" cy="0"/>
+          <a:chOff x="0" y="0"/>
+          <a:chExt cx="0" cy="0"/>
+        </a:xfrm>
+      </p:grpSpPr>
+      <p:sp>
+        <p:nvSpPr>
+          <p:cNvPr id="2" name="제목 1"/>
+          <p:cNvSpPr>
+            <a:spLocks noGrp="1"/>
+          </p:cNvSpPr>
+          <p:nvPr>
+            <p:ph type="title"/>
+          </p:nvPr>
+        </p:nvSpPr>
+        <p:spPr/>
+        <p:txBody>
+          <a:bodyPr/>
+          <a:lstStyle/>
+          <a:p>
+            <a:r>
+              <a:rPr lang="ko-KR" altLang="en-US" dirty="0"/>
+              <a:t>인스턴스의 생성 및 소멸</a:t>
+            </a:r>
+            <a:endParaRPr lang="ko-KR" altLang="en-US" dirty="0"/>
+          </a:p>
+        </p:txBody>
+      </p:sp>
+      <p:sp>
+        <p:nvSpPr>
+          <p:cNvPr id="3" name="내용 개체 틀 2"/>
+          <p:cNvSpPr>
+            <a:spLocks noGrp="1"/>
+          </p:cNvSpPr>
+          <p:nvPr>
+            <p:ph idx="1"/>
+          </p:nvPr>
+        </p:nvSpPr>
+        <p:spPr/>
+        <p:txBody>
+          <a:bodyPr>
+            <a:normAutofit/>
+          </a:bodyPr>
+          <a:lstStyle/>
+          <a:p>
+            <a:r>
+              <a:rPr lang="ko-KR" altLang="en-US" dirty="0" err="1"/>
+              <a:t>실패가능한</a:t>
+            </a:r>
+            <a:r>
+              <a:rPr lang="ko-KR" altLang="en-US" dirty="0"/>
+              <a:t> </a:t>
+            </a:r>
+            <a:r>
+              <a:rPr lang="en-US" altLang="ko-KR" dirty="0"/>
+              <a:t>initializer (</a:t>
+            </a:r>
+            <a:r>
+              <a:rPr lang="en-US" altLang="ko-KR" dirty="0" err="1"/>
+              <a:t>Failable</a:t>
+            </a:r>
+            <a:r>
+              <a:rPr lang="en-US" altLang="ko-KR" dirty="0"/>
+              <a:t> initializer)</a:t>
+            </a:r>
+            <a:endParaRPr lang="en-US" altLang="ko-KR" dirty="0" smtClean="0"/>
+          </a:p>
+          <a:p>
+            <a:pPr lvl="1"/>
+            <a:endParaRPr lang="en-US" altLang="ko-KR" dirty="0"/>
+          </a:p>
+          <a:p>
+            <a:endParaRPr lang="en-US" altLang="ko-KR" dirty="0" smtClean="0"/>
+          </a:p>
+          <a:p>
+            <a:endParaRPr lang="en-US" altLang="ko-KR" dirty="0"/>
+          </a:p>
+          <a:p>
+            <a:pPr marL="454914" lvl="1" indent="0">
+              <a:buNone/>
+            </a:pPr>
+            <a:endParaRPr lang="en-US" altLang="ko-KR" dirty="0" smtClean="0"/>
+          </a:p>
+          <a:p>
+            <a:endParaRPr lang="en-US" altLang="ko-KR" dirty="0"/>
+          </a:p>
+          <a:p>
+            <a:endParaRPr lang="en-US" altLang="ko-KR" dirty="0" smtClean="0"/>
+          </a:p>
+          <a:p>
+            <a:endParaRPr lang="en-US" altLang="ko-KR" dirty="0"/>
+          </a:p>
+          <a:p>
+            <a:endParaRPr lang="en-US" altLang="ko-KR" dirty="0" smtClean="0"/>
+          </a:p>
+          <a:p>
+            <a:endParaRPr lang="en-US" altLang="ko-KR" dirty="0"/>
+          </a:p>
+        </p:txBody>
+      </p:sp>
+      <p:pic>
+        <p:nvPicPr>
+          <p:cNvPr id="7" name="그림 6"/>
+          <p:cNvPicPr>
+            <a:picLocks noChangeAspect="1"/>
+          </p:cNvPicPr>
+          <p:nvPr/>
+        </p:nvPicPr>
+        <p:blipFill rotWithShape="1">
+          <a:blip r:embed="rId2"/>
+          <a:srcRect t="10356"/>
+          <a:stretch/>
+        </p:blipFill>
+        <p:spPr>
+          <a:xfrm>
+            <a:off x="1403648" y="1248147"/>
+            <a:ext cx="6657975" cy="5609853"/>
+          </a:xfrm>
+          <a:prstGeom prst="rect">
+            <a:avLst/>
+          </a:prstGeom>
+        </p:spPr>
+      </p:pic>
+    </p:spTree>
+    <p:extLst>
+      <p:ext uri="{BB962C8B-B14F-4D97-AF65-F5344CB8AC3E}">
+        <p14:creationId xmlns:p14="http://schemas.microsoft.com/office/powerpoint/2010/main" val="648523595"/>
+      </p:ext>
+    </p:extLst>
+  </p:cSld>
+  <p:clrMapOvr>
+    <a:masterClrMapping/>
+  </p:clrMapOvr>
+</p:sld>
+</file>
+
+<file path=ppt/slides/slide98.xml><?xml version="1.0" encoding="utf-8"?>
+<p:sld xmlns:a="http://schemas.openxmlformats.org/drawingml/2006/main" xmlns:r="http://schemas.openxmlformats.org/officeDocument/2006/relationships" xmlns:p="http://schemas.openxmlformats.org/presentationml/2006/main">
+  <p:cSld>
+    <p:spTree>
+      <p:nvGrpSpPr>
+        <p:cNvPr id="1" name=""/>
+        <p:cNvGrpSpPr/>
+        <p:nvPr/>
+      </p:nvGrpSpPr>
+      <p:grpSpPr>
+        <a:xfrm>
+          <a:off x="0" y="0"/>
+          <a:ext cx="0" cy="0"/>
+          <a:chOff x="0" y="0"/>
+          <a:chExt cx="0" cy="0"/>
+        </a:xfrm>
+      </p:grpSpPr>
+      <p:sp>
+        <p:nvSpPr>
+          <p:cNvPr id="2" name="제목 1"/>
+          <p:cNvSpPr>
+            <a:spLocks noGrp="1"/>
+          </p:cNvSpPr>
+          <p:nvPr>
+            <p:ph type="title"/>
+          </p:nvPr>
+        </p:nvSpPr>
+        <p:spPr/>
+        <p:txBody>
+          <a:bodyPr/>
+          <a:lstStyle/>
+          <a:p>
+            <a:r>
+              <a:rPr lang="ko-KR" altLang="en-US" dirty="0"/>
+              <a:t>인스턴스의 생성 및 소멸</a:t>
+            </a:r>
+            <a:endParaRPr lang="ko-KR" altLang="en-US" dirty="0"/>
+          </a:p>
+        </p:txBody>
+      </p:sp>
+      <p:sp>
+        <p:nvSpPr>
+          <p:cNvPr id="3" name="내용 개체 틀 2"/>
+          <p:cNvSpPr>
+            <a:spLocks noGrp="1"/>
+          </p:cNvSpPr>
+          <p:nvPr>
+            <p:ph idx="1"/>
+          </p:nvPr>
+        </p:nvSpPr>
+        <p:spPr/>
+        <p:txBody>
+          <a:bodyPr>
+            <a:normAutofit/>
+          </a:bodyPr>
+          <a:lstStyle/>
+          <a:p>
+            <a:r>
+              <a:rPr lang="ko-KR" altLang="en-US" dirty="0" smtClean="0"/>
+              <a:t>상수 </a:t>
+            </a:r>
+            <a:r>
+              <a:rPr lang="en-US" altLang="ko-KR" dirty="0" smtClean="0"/>
+              <a:t>property</a:t>
+            </a:r>
+          </a:p>
+          <a:p>
+            <a:pPr lvl="1"/>
+            <a:r>
+              <a:rPr lang="en-US" altLang="ko-KR" dirty="0" smtClean="0"/>
+              <a:t>Property </a:t>
+            </a:r>
+            <a:r>
+              <a:rPr lang="ko-KR" altLang="en-US" dirty="0" smtClean="0"/>
+              <a:t>값의 변화를 주고 싶지 않을 때 사용</a:t>
+            </a:r>
+            <a:r>
+              <a:rPr lang="en-US" altLang="ko-KR" dirty="0" smtClean="0"/>
+              <a:t>.</a:t>
+            </a:r>
+            <a:endParaRPr lang="en-US" altLang="ko-KR" dirty="0" smtClean="0"/>
+          </a:p>
+          <a:p>
+            <a:pPr lvl="1"/>
+            <a:r>
+              <a:rPr lang="ko-KR" altLang="en-US" dirty="0"/>
+              <a:t>상수 </a:t>
+            </a:r>
+            <a:r>
+              <a:rPr lang="en-US" altLang="ko-KR" dirty="0"/>
+              <a:t>property</a:t>
+            </a:r>
+            <a:r>
+              <a:rPr lang="ko-KR" altLang="en-US" dirty="0"/>
+              <a:t>는 </a:t>
+            </a:r>
+            <a:r>
+              <a:rPr lang="en-US" altLang="ko-KR" dirty="0"/>
+              <a:t>instance </a:t>
+            </a:r>
+            <a:r>
+              <a:rPr lang="ko-KR" altLang="en-US" dirty="0"/>
+              <a:t>초기화 과정에서만 값을 할당</a:t>
+            </a:r>
+            <a:endParaRPr lang="en-US" altLang="ko-KR" dirty="0"/>
+          </a:p>
+          <a:p>
+            <a:endParaRPr lang="en-US" altLang="ko-KR" dirty="0" smtClean="0"/>
+          </a:p>
+          <a:p>
+            <a:endParaRPr lang="en-US" altLang="ko-KR" dirty="0"/>
+          </a:p>
+          <a:p>
+            <a:pPr marL="454914" lvl="1" indent="0">
+              <a:buNone/>
+            </a:pPr>
+            <a:endParaRPr lang="en-US" altLang="ko-KR" dirty="0" smtClean="0"/>
+          </a:p>
+          <a:p>
+            <a:endParaRPr lang="en-US" altLang="ko-KR" dirty="0"/>
+          </a:p>
+          <a:p>
+            <a:endParaRPr lang="en-US" altLang="ko-KR" dirty="0" smtClean="0"/>
+          </a:p>
+          <a:p>
+            <a:endParaRPr lang="en-US" altLang="ko-KR" dirty="0"/>
+          </a:p>
+          <a:p>
+            <a:endParaRPr lang="en-US" altLang="ko-KR" dirty="0" smtClean="0"/>
+          </a:p>
+          <a:p>
+            <a:endParaRPr lang="en-US" altLang="ko-KR" dirty="0"/>
+          </a:p>
+        </p:txBody>
+      </p:sp>
+      <p:sp>
+        <p:nvSpPr>
+          <p:cNvPr id="5" name="TextBox 4"/>
+          <p:cNvSpPr txBox="1"/>
+          <p:nvPr/>
+        </p:nvSpPr>
+        <p:spPr>
+          <a:xfrm>
+            <a:off x="912006" y="2233895"/>
+            <a:ext cx="7272808" cy="3139321"/>
+          </a:xfrm>
+          <a:prstGeom prst="rect">
+            <a:avLst/>
+          </a:prstGeom>
+          <a:noFill/>
+        </p:spPr>
+        <p:txBody>
+          <a:bodyPr wrap="square" rtlCol="0">
+            <a:spAutoFit/>
+          </a:bodyPr>
+          <a:lstStyle/>
+          <a:p>
+            <a:r>
+              <a:rPr lang="en-US" altLang="ko-KR" dirty="0"/>
+              <a:t>class Person {</a:t>
+            </a:r>
+          </a:p>
+          <a:p>
+            <a:r>
+              <a:rPr lang="en-US" altLang="ko-KR" dirty="0" smtClean="0">
+                <a:solidFill>
+                  <a:schemeClr val="accent2"/>
+                </a:solidFill>
+              </a:rPr>
+              <a:t>      let </a:t>
+            </a:r>
+            <a:r>
+              <a:rPr lang="en-US" altLang="ko-KR" dirty="0"/>
+              <a:t>name: String</a:t>
+            </a:r>
+          </a:p>
+          <a:p>
+            <a:r>
+              <a:rPr lang="en-US" altLang="ko-KR" dirty="0" smtClean="0"/>
+              <a:t>      </a:t>
+            </a:r>
+            <a:r>
+              <a:rPr lang="en-US" altLang="ko-KR" dirty="0" err="1" smtClean="0"/>
+              <a:t>var</a:t>
+            </a:r>
+            <a:r>
+              <a:rPr lang="en-US" altLang="ko-KR" dirty="0" smtClean="0"/>
+              <a:t> </a:t>
+            </a:r>
+            <a:r>
+              <a:rPr lang="en-US" altLang="ko-KR" dirty="0"/>
+              <a:t>age: </a:t>
+            </a:r>
+            <a:r>
+              <a:rPr lang="en-US" altLang="ko-KR" dirty="0" err="1"/>
+              <a:t>Int</a:t>
+            </a:r>
+            <a:r>
+              <a:rPr lang="en-US" altLang="ko-KR" dirty="0"/>
+              <a:t>?</a:t>
+            </a:r>
+          </a:p>
+          <a:p>
+            <a:endParaRPr lang="en-US" altLang="ko-KR" dirty="0"/>
+          </a:p>
+          <a:p>
+            <a:r>
+              <a:rPr lang="en-US" altLang="ko-KR" dirty="0" smtClean="0"/>
+              <a:t>      </a:t>
+            </a:r>
+            <a:r>
+              <a:rPr lang="en-US" altLang="ko-KR" dirty="0" err="1" smtClean="0"/>
+              <a:t>init</a:t>
+            </a:r>
+            <a:r>
+              <a:rPr lang="en-US" altLang="ko-KR" dirty="0" smtClean="0"/>
+              <a:t>(name</a:t>
+            </a:r>
+            <a:r>
+              <a:rPr lang="en-US" altLang="ko-KR" dirty="0"/>
+              <a:t>: String) {</a:t>
+            </a:r>
+          </a:p>
+          <a:p>
+            <a:r>
+              <a:rPr lang="en-US" altLang="ko-KR" dirty="0"/>
+              <a:t>	self.name = name</a:t>
+            </a:r>
+          </a:p>
+          <a:p>
+            <a:r>
+              <a:rPr lang="en-US" altLang="ko-KR" dirty="0" smtClean="0"/>
+              <a:t>      }</a:t>
+            </a:r>
+            <a:endParaRPr lang="en-US" altLang="ko-KR" dirty="0"/>
+          </a:p>
+          <a:p>
+            <a:r>
+              <a:rPr lang="en-US" altLang="ko-KR" dirty="0"/>
+              <a:t>}</a:t>
+            </a:r>
+          </a:p>
+          <a:p>
+            <a:endParaRPr lang="en-US" altLang="ko-KR" dirty="0"/>
+          </a:p>
+          <a:p>
+            <a:r>
+              <a:rPr lang="en-US" altLang="ko-KR" dirty="0"/>
+              <a:t>let </a:t>
+            </a:r>
+            <a:r>
+              <a:rPr lang="en-US" altLang="ko-KR" dirty="0" err="1"/>
+              <a:t>myInfo</a:t>
+            </a:r>
+            <a:r>
+              <a:rPr lang="en-US" altLang="ko-KR" dirty="0"/>
+              <a:t>: Person = </a:t>
+            </a:r>
+            <a:r>
+              <a:rPr lang="en-US" altLang="ko-KR" dirty="0" smtClean="0">
+                <a:solidFill>
+                  <a:schemeClr val="accent6"/>
+                </a:solidFill>
+              </a:rPr>
+              <a:t>Person(name</a:t>
+            </a:r>
+            <a:r>
+              <a:rPr lang="en-US" altLang="ko-KR" dirty="0">
+                <a:solidFill>
+                  <a:schemeClr val="accent6"/>
+                </a:solidFill>
+              </a:rPr>
+              <a:t>: "</a:t>
+            </a:r>
+            <a:r>
+              <a:rPr lang="en-US" altLang="ko-KR" dirty="0" smtClean="0">
+                <a:solidFill>
+                  <a:schemeClr val="accent6"/>
+                </a:solidFill>
+              </a:rPr>
+              <a:t>Kyoungho")</a:t>
+            </a:r>
+            <a:endParaRPr lang="en-US" altLang="ko-KR" dirty="0">
+              <a:solidFill>
+                <a:schemeClr val="accent6"/>
+              </a:solidFill>
+            </a:endParaRPr>
+          </a:p>
+          <a:p>
+            <a:r>
+              <a:rPr lang="en-US" altLang="ko-KR" dirty="0"/>
+              <a:t>myInfo.name = "Eric"	</a:t>
+            </a:r>
+            <a:r>
+              <a:rPr lang="en-US" altLang="ko-KR" dirty="0">
+                <a:solidFill>
+                  <a:schemeClr val="accent2"/>
+                </a:solidFill>
+              </a:rPr>
+              <a:t>// Error!!!</a:t>
+            </a:r>
+            <a:endParaRPr lang="ko-KR" altLang="en-US" dirty="0">
+              <a:solidFill>
+                <a:schemeClr val="accent2"/>
+              </a:solidFill>
+            </a:endParaRPr>
+          </a:p>
+        </p:txBody>
+      </p:sp>
+    </p:spTree>
+    <p:extLst>
+      <p:ext uri="{BB962C8B-B14F-4D97-AF65-F5344CB8AC3E}">
+        <p14:creationId xmlns:p14="http://schemas.microsoft.com/office/powerpoint/2010/main" val="3842968077"/>
+      </p:ext>
+    </p:extLst>
+  </p:cSld>
+  <p:clrMapOvr>
+    <a:masterClrMapping/>
+  </p:clrMapOvr>
+</p:sld>
+</file>
+
+<file path=ppt/slides/slide99.xml><?xml version="1.0" encoding="utf-8"?>
+<p:sld xmlns:a="http://schemas.openxmlformats.org/drawingml/2006/main" xmlns:r="http://schemas.openxmlformats.org/officeDocument/2006/relationships" xmlns:p="http://schemas.openxmlformats.org/presentationml/2006/main">
+  <p:cSld>
+    <p:spTree>
+      <p:nvGrpSpPr>
+        <p:cNvPr id="1" name=""/>
+        <p:cNvGrpSpPr/>
+        <p:nvPr/>
+      </p:nvGrpSpPr>
+      <p:grpSpPr>
+        <a:xfrm>
+          <a:off x="0" y="0"/>
+          <a:ext cx="0" cy="0"/>
+          <a:chOff x="0" y="0"/>
+          <a:chExt cx="0" cy="0"/>
+        </a:xfrm>
+      </p:grpSpPr>
+      <p:sp>
+        <p:nvSpPr>
+          <p:cNvPr id="2" name="제목 1"/>
+          <p:cNvSpPr>
+            <a:spLocks noGrp="1"/>
+          </p:cNvSpPr>
+          <p:nvPr>
+            <p:ph type="title"/>
+          </p:nvPr>
+        </p:nvSpPr>
+        <p:spPr/>
+        <p:txBody>
+          <a:bodyPr/>
+          <a:lstStyle/>
+          <a:p>
+            <a:r>
+              <a:rPr lang="ko-KR" altLang="en-US" dirty="0"/>
+              <a:t>인스턴스의 생성 및 소멸</a:t>
+            </a:r>
+            <a:endParaRPr lang="ko-KR" altLang="en-US" dirty="0"/>
+          </a:p>
+        </p:txBody>
+      </p:sp>
+      <p:sp>
+        <p:nvSpPr>
+          <p:cNvPr id="3" name="내용 개체 틀 2"/>
+          <p:cNvSpPr>
+            <a:spLocks noGrp="1"/>
+          </p:cNvSpPr>
+          <p:nvPr>
+            <p:ph idx="1"/>
+          </p:nvPr>
+        </p:nvSpPr>
+        <p:spPr/>
+        <p:txBody>
+          <a:bodyPr>
+            <a:normAutofit/>
+          </a:bodyPr>
+          <a:lstStyle/>
+          <a:p>
+            <a:r>
+              <a:rPr lang="ko-KR" altLang="en-US" dirty="0" smtClean="0"/>
+              <a:t>상수 </a:t>
+            </a:r>
+            <a:r>
+              <a:rPr lang="en-US" altLang="ko-KR" dirty="0" smtClean="0"/>
+              <a:t>property</a:t>
+            </a:r>
+          </a:p>
+          <a:p>
+            <a:pPr lvl="1"/>
+            <a:r>
+              <a:rPr lang="en-US" altLang="ko-KR" dirty="0" smtClean="0"/>
+              <a:t>Property </a:t>
+            </a:r>
+            <a:r>
+              <a:rPr lang="ko-KR" altLang="en-US" dirty="0" smtClean="0"/>
+              <a:t>값의 변화를 주고 싶지 않을 때 사용</a:t>
+            </a:r>
+            <a:r>
+              <a:rPr lang="en-US" altLang="ko-KR" dirty="0" smtClean="0"/>
+              <a:t>.</a:t>
+            </a:r>
+            <a:endParaRPr lang="en-US" altLang="ko-KR" dirty="0" smtClean="0"/>
+          </a:p>
+          <a:p>
+            <a:pPr lvl="1"/>
+            <a:r>
+              <a:rPr lang="ko-KR" altLang="en-US" dirty="0"/>
+              <a:t>상수 </a:t>
+            </a:r>
+            <a:r>
+              <a:rPr lang="en-US" altLang="ko-KR" dirty="0"/>
+              <a:t>property</a:t>
+            </a:r>
+            <a:r>
+              <a:rPr lang="ko-KR" altLang="en-US" dirty="0"/>
+              <a:t>는 </a:t>
+            </a:r>
+            <a:r>
+              <a:rPr lang="en-US" altLang="ko-KR" dirty="0"/>
+              <a:t>instance </a:t>
+            </a:r>
+            <a:r>
+              <a:rPr lang="ko-KR" altLang="en-US" dirty="0"/>
+              <a:t>초기화 과정에서만 값을 할당</a:t>
+            </a:r>
+            <a:endParaRPr lang="en-US" altLang="ko-KR" dirty="0"/>
+          </a:p>
+          <a:p>
+            <a:endParaRPr lang="en-US" altLang="ko-KR" dirty="0" smtClean="0"/>
+          </a:p>
+          <a:p>
+            <a:endParaRPr lang="en-US" altLang="ko-KR" dirty="0"/>
+          </a:p>
+          <a:p>
+            <a:pPr marL="454914" lvl="1" indent="0">
+              <a:buNone/>
+            </a:pPr>
+            <a:endParaRPr lang="en-US" altLang="ko-KR" dirty="0" smtClean="0"/>
+          </a:p>
+          <a:p>
+            <a:endParaRPr lang="en-US" altLang="ko-KR" dirty="0"/>
+          </a:p>
+          <a:p>
+            <a:endParaRPr lang="en-US" altLang="ko-KR" dirty="0" smtClean="0"/>
+          </a:p>
+          <a:p>
+            <a:endParaRPr lang="en-US" altLang="ko-KR" dirty="0"/>
+          </a:p>
+          <a:p>
+            <a:endParaRPr lang="en-US" altLang="ko-KR" dirty="0" smtClean="0"/>
+          </a:p>
+          <a:p>
+            <a:endParaRPr lang="en-US" altLang="ko-KR" dirty="0"/>
+          </a:p>
+        </p:txBody>
+      </p:sp>
+      <p:sp>
+        <p:nvSpPr>
+          <p:cNvPr id="5" name="TextBox 4"/>
+          <p:cNvSpPr txBox="1"/>
+          <p:nvPr/>
+        </p:nvSpPr>
+        <p:spPr>
+          <a:xfrm>
+            <a:off x="912006" y="2233895"/>
+            <a:ext cx="7272808" cy="3139321"/>
+          </a:xfrm>
+          <a:prstGeom prst="rect">
+            <a:avLst/>
+          </a:prstGeom>
+          <a:noFill/>
+        </p:spPr>
+        <p:txBody>
+          <a:bodyPr wrap="square" rtlCol="0">
+            <a:spAutoFit/>
+          </a:bodyPr>
+          <a:lstStyle/>
+          <a:p>
+            <a:r>
+              <a:rPr lang="en-US" altLang="ko-KR" dirty="0"/>
+              <a:t>class Person {</a:t>
+            </a:r>
+          </a:p>
+          <a:p>
+            <a:r>
+              <a:rPr lang="en-US" altLang="ko-KR" dirty="0" smtClean="0">
+                <a:solidFill>
+                  <a:schemeClr val="accent2"/>
+                </a:solidFill>
+              </a:rPr>
+              <a:t>      let </a:t>
+            </a:r>
+            <a:r>
+              <a:rPr lang="en-US" altLang="ko-KR" dirty="0"/>
+              <a:t>name: String</a:t>
+            </a:r>
+          </a:p>
+          <a:p>
+            <a:r>
+              <a:rPr lang="en-US" altLang="ko-KR" dirty="0" smtClean="0"/>
+              <a:t>      </a:t>
+            </a:r>
+            <a:r>
+              <a:rPr lang="en-US" altLang="ko-KR" dirty="0" err="1" smtClean="0"/>
+              <a:t>var</a:t>
+            </a:r>
+            <a:r>
+              <a:rPr lang="en-US" altLang="ko-KR" dirty="0" smtClean="0"/>
+              <a:t> </a:t>
+            </a:r>
+            <a:r>
+              <a:rPr lang="en-US" altLang="ko-KR" dirty="0"/>
+              <a:t>age: </a:t>
+            </a:r>
+            <a:r>
+              <a:rPr lang="en-US" altLang="ko-KR" dirty="0" err="1"/>
+              <a:t>Int</a:t>
+            </a:r>
+            <a:r>
+              <a:rPr lang="en-US" altLang="ko-KR" dirty="0"/>
+              <a:t>?</a:t>
+            </a:r>
+          </a:p>
+          <a:p>
+            <a:endParaRPr lang="en-US" altLang="ko-KR" dirty="0"/>
+          </a:p>
+          <a:p>
+            <a:r>
+              <a:rPr lang="en-US" altLang="ko-KR" dirty="0" smtClean="0"/>
+              <a:t>      </a:t>
+            </a:r>
+            <a:r>
+              <a:rPr lang="en-US" altLang="ko-KR" dirty="0" err="1" smtClean="0"/>
+              <a:t>init</a:t>
+            </a:r>
+            <a:r>
+              <a:rPr lang="en-US" altLang="ko-KR" dirty="0" smtClean="0"/>
+              <a:t>(name</a:t>
+            </a:r>
+            <a:r>
+              <a:rPr lang="en-US" altLang="ko-KR" dirty="0"/>
+              <a:t>: String) {</a:t>
+            </a:r>
+          </a:p>
+          <a:p>
+            <a:r>
+              <a:rPr lang="en-US" altLang="ko-KR" dirty="0"/>
+              <a:t>	self.name = name</a:t>
+            </a:r>
+          </a:p>
+          <a:p>
+            <a:r>
+              <a:rPr lang="en-US" altLang="ko-KR" dirty="0" smtClean="0"/>
+              <a:t>      }</a:t>
+            </a:r>
+            <a:endParaRPr lang="en-US" altLang="ko-KR" dirty="0"/>
+          </a:p>
+          <a:p>
+            <a:r>
+              <a:rPr lang="en-US" altLang="ko-KR" dirty="0"/>
+              <a:t>}</a:t>
+            </a:r>
+          </a:p>
+          <a:p>
+            <a:endParaRPr lang="en-US" altLang="ko-KR" dirty="0"/>
+          </a:p>
+          <a:p>
+            <a:r>
+              <a:rPr lang="en-US" altLang="ko-KR" dirty="0"/>
+              <a:t>let </a:t>
+            </a:r>
+            <a:r>
+              <a:rPr lang="en-US" altLang="ko-KR" dirty="0" err="1"/>
+              <a:t>myInfo</a:t>
+            </a:r>
+            <a:r>
+              <a:rPr lang="en-US" altLang="ko-KR" dirty="0"/>
+              <a:t>: Person = </a:t>
+            </a:r>
+            <a:r>
+              <a:rPr lang="en-US" altLang="ko-KR" dirty="0" smtClean="0">
+                <a:solidFill>
+                  <a:schemeClr val="accent6"/>
+                </a:solidFill>
+              </a:rPr>
+              <a:t>Person(name</a:t>
+            </a:r>
+            <a:r>
+              <a:rPr lang="en-US" altLang="ko-KR" dirty="0">
+                <a:solidFill>
+                  <a:schemeClr val="accent6"/>
+                </a:solidFill>
+              </a:rPr>
+              <a:t>: "</a:t>
+            </a:r>
+            <a:r>
+              <a:rPr lang="en-US" altLang="ko-KR" dirty="0" smtClean="0">
+                <a:solidFill>
+                  <a:schemeClr val="accent6"/>
+                </a:solidFill>
+              </a:rPr>
+              <a:t>Kyoungho")</a:t>
+            </a:r>
+            <a:endParaRPr lang="en-US" altLang="ko-KR" dirty="0">
+              <a:solidFill>
+                <a:schemeClr val="accent6"/>
+              </a:solidFill>
+            </a:endParaRPr>
+          </a:p>
+          <a:p>
+            <a:r>
+              <a:rPr lang="en-US" altLang="ko-KR" dirty="0"/>
+              <a:t>myInfo.name = "Eric"	</a:t>
+            </a:r>
+            <a:r>
+              <a:rPr lang="en-US" altLang="ko-KR" dirty="0">
+                <a:solidFill>
+                  <a:schemeClr val="accent2"/>
+                </a:solidFill>
+              </a:rPr>
+              <a:t>// Error!!!</a:t>
+            </a:r>
+            <a:endParaRPr lang="ko-KR" altLang="en-US" dirty="0">
+              <a:solidFill>
+                <a:schemeClr val="accent2"/>
+              </a:solidFill>
+            </a:endParaRPr>
+          </a:p>
+        </p:txBody>
+      </p:sp>
+    </p:spTree>
+    <p:extLst>
+      <p:ext uri="{BB962C8B-B14F-4D97-AF65-F5344CB8AC3E}">
+        <p14:creationId xmlns:p14="http://schemas.microsoft.com/office/powerpoint/2010/main" val="784849986"/>
+      </p:ext>
+    </p:extLst>
+  </p:cSld>
+  <p:clrMapOvr>
+    <a:masterClrMapping/>
+  </p:clrMapOvr>
 </p:sld>
 </file>
 
